--- a/docs/Blockchain Final Project.pptx
+++ b/docs/Blockchain Final Project.pptx
@@ -6,7 +6,7 @@
     <p:sldMasterId id="2147483660" r:id="rId2"/>
   </p:sldMasterIdLst>
   <p:notesMasterIdLst>
-    <p:notesMasterId r:id="rId21"/>
+    <p:notesMasterId r:id="rId23"/>
   </p:notesMasterIdLst>
   <p:sldIdLst>
     <p:sldId id="284" r:id="rId3"/>
@@ -16,17 +16,19 @@
     <p:sldId id="287" r:id="rId7"/>
     <p:sldId id="288" r:id="rId8"/>
     <p:sldId id="294" r:id="rId9"/>
-    <p:sldId id="297" r:id="rId10"/>
+    <p:sldId id="304" r:id="rId10"/>
     <p:sldId id="293" r:id="rId11"/>
     <p:sldId id="295" r:id="rId12"/>
     <p:sldId id="296" r:id="rId13"/>
     <p:sldId id="298" r:id="rId14"/>
-    <p:sldId id="257" r:id="rId15"/>
-    <p:sldId id="290" r:id="rId16"/>
-    <p:sldId id="291" r:id="rId17"/>
-    <p:sldId id="292" r:id="rId18"/>
-    <p:sldId id="283" r:id="rId19"/>
-    <p:sldId id="279" r:id="rId20"/>
+    <p:sldId id="299" r:id="rId15"/>
+    <p:sldId id="300" r:id="rId16"/>
+    <p:sldId id="301" r:id="rId17"/>
+    <p:sldId id="302" r:id="rId18"/>
+    <p:sldId id="257" r:id="rId19"/>
+    <p:sldId id="290" r:id="rId20"/>
+    <p:sldId id="283" r:id="rId21"/>
+    <p:sldId id="279" r:id="rId22"/>
   </p:sldIdLst>
   <p:sldSz cx="12192000" cy="6858000"/>
   <p:notesSz cx="6858000" cy="9144000"/>
@@ -125,6 +127,11 @@
       </a:defRPr>
     </a:lvl9pPr>
   </p:defaultTextStyle>
+  <p:extLst>
+    <p:ext uri="{EFAFB233-063F-42B5-8137-9DF3F51BA10A}">
+      <p15:sldGuideLst xmlns:p15="http://schemas.microsoft.com/office/powerpoint/2012/main"/>
+    </p:ext>
+  </p:extLst>
 </p:presentation>
 </file>
 
@@ -1083,10 +1090,9 @@
         <a:lstStyle/>
         <a:p>
           <a:r>
-            <a:rPr lang="en-US" dirty="0" smtClean="0"/>
+            <a:rPr lang="en-US" dirty="0"/>
             <a:t>Quartet Game is a popular game in Israel. </a:t>
           </a:r>
-          <a:endParaRPr lang="en-US" dirty="0"/>
         </a:p>
       </dgm:t>
     </dgm:pt>
@@ -1121,13 +1127,8 @@
         <a:p>
           <a:r>
             <a:rPr lang="en-US" dirty="0"/>
-            <a:t>Sometimes people </a:t>
+            <a:t>Sometimes people cheat while playing this game. </a:t>
           </a:r>
-          <a:r>
-            <a:rPr lang="en-US" dirty="0" smtClean="0"/>
-            <a:t>cheat while playing this game. </a:t>
-          </a:r>
-          <a:endParaRPr lang="en-US" dirty="0"/>
         </a:p>
       </dgm:t>
     </dgm:pt>
@@ -1162,23 +1163,7 @@
         <a:p>
           <a:r>
             <a:rPr lang="en-US" dirty="0"/>
-            <a:t>Therefore </a:t>
-          </a:r>
-          <a:r>
-            <a:rPr lang="en-US" dirty="0" smtClean="0"/>
-            <a:t>we came </a:t>
-          </a:r>
-          <a:r>
-            <a:rPr lang="en-US" dirty="0"/>
-            <a:t>up with the idea to build a </a:t>
-          </a:r>
-          <a:r>
-            <a:rPr lang="en-US" dirty="0" smtClean="0"/>
-            <a:t>playing system </a:t>
-          </a:r>
-          <a:r>
-            <a:rPr lang="en-US" dirty="0"/>
-            <a:t>based on </a:t>
+            <a:t>Therefore we came up with the idea to build a playing system based on </a:t>
           </a:r>
           <a:r>
             <a:rPr lang="en-US" dirty="0" err="1"/>
@@ -1186,21 +1171,16 @@
           </a:r>
           <a:r>
             <a:rPr lang="en-US" dirty="0"/>
-            <a:t> </a:t>
+            <a:t> and verification with </a:t>
           </a:r>
           <a:r>
-            <a:rPr lang="en-US" dirty="0" smtClean="0"/>
-            <a:t>and verification with </a:t>
-          </a:r>
-          <a:r>
-            <a:rPr lang="en-US" dirty="0" err="1" smtClean="0"/>
+            <a:rPr lang="en-US" dirty="0" err="1"/>
             <a:t>merkle</a:t>
           </a:r>
           <a:r>
-            <a:rPr lang="en-US" dirty="0" smtClean="0"/>
+            <a:rPr lang="en-US" dirty="0"/>
             <a:t> tree</a:t>
           </a:r>
-          <a:endParaRPr lang="en-US" dirty="0"/>
         </a:p>
       </dgm:t>
     </dgm:pt>
@@ -1234,13 +1214,6 @@
         </dgm:presLayoutVars>
       </dgm:prSet>
       <dgm:spPr/>
-      <dgm:t>
-        <a:bodyPr/>
-        <a:lstStyle/>
-        <a:p>
-          <a:endParaRPr lang="en-US"/>
-        </a:p>
-      </dgm:t>
     </dgm:pt>
     <dgm:pt modelId="{30AE6DF6-6A93-4F4B-B092-5FE7575FB289}" type="pres">
       <dgm:prSet presAssocID="{F8E82FC2-ECE6-45B1-BB40-B45C8012AF21}" presName="compNode" presStyleCnt="0"/>
@@ -1271,13 +1244,6 @@
           <a:noFill/>
         </a:ln>
       </dgm:spPr>
-      <dgm:t>
-        <a:bodyPr/>
-        <a:lstStyle/>
-        <a:p>
-          <a:endParaRPr lang="en-US"/>
-        </a:p>
-      </dgm:t>
       <dgm:extLst/>
     </dgm:pt>
     <dgm:pt modelId="{D9BA2201-0985-47AD-B292-FFA6AA6C776F}" type="pres">
@@ -1292,13 +1258,6 @@
         </dgm:presLayoutVars>
       </dgm:prSet>
       <dgm:spPr/>
-      <dgm:t>
-        <a:bodyPr/>
-        <a:lstStyle/>
-        <a:p>
-          <a:endParaRPr lang="en-US"/>
-        </a:p>
-      </dgm:t>
     </dgm:pt>
     <dgm:pt modelId="{67E9EAC3-1B19-4A3B-8B10-E81DA0F34BD2}" type="pres">
       <dgm:prSet presAssocID="{C1E84BC1-A348-4CDA-984D-E6C42A0A6ED1}" presName="sibTrans" presStyleCnt="0"/>
@@ -1316,13 +1275,10 @@
       <dgm:prSet presAssocID="{067DAD8D-EB33-4B95-B036-DBC1AC1DC1F0}" presName="iconRect" presStyleLbl="node1" presStyleIdx="1" presStyleCnt="3"/>
       <dgm:spPr>
         <a:blipFill>
-          <a:blip xmlns:r="http://schemas.openxmlformats.org/officeDocument/2006/relationships" r:embed="rId2" cstate="print">
+          <a:blip xmlns:r="http://schemas.openxmlformats.org/officeDocument/2006/relationships" cstate="print">
             <a:extLst>
               <a:ext uri="{28A0092B-C50C-407E-A947-70E740481C1C}">
                 <a14:useLocalDpi xmlns:a14="http://schemas.microsoft.com/office/drawing/2010/main" val="0"/>
-              </a:ext>
-              <a:ext uri="{96DAC541-7B7A-43D3-8B79-37D633B846F1}">
-                <asvg:svgBlip xmlns="" xmlns:asvg="http://schemas.microsoft.com/office/drawing/2016/SVG/main" r:embed="rId4"/>
               </a:ext>
             </a:extLst>
           </a:blip>
@@ -1334,13 +1290,6 @@
           <a:noFill/>
         </a:ln>
       </dgm:spPr>
-      <dgm:t>
-        <a:bodyPr/>
-        <a:lstStyle/>
-        <a:p>
-          <a:endParaRPr lang="en-US"/>
-        </a:p>
-      </dgm:t>
       <dgm:extLst>
         <a:ext uri="{E40237B7-FDA0-4F09-8148-C483321AD2D9}">
           <dgm14:cNvPr xmlns:dgm14="http://schemas.microsoft.com/office/drawing/2010/diagram" id="0" name="" descr="Thought bubble"/>
@@ -1359,13 +1308,6 @@
         </dgm:presLayoutVars>
       </dgm:prSet>
       <dgm:spPr/>
-      <dgm:t>
-        <a:bodyPr/>
-        <a:lstStyle/>
-        <a:p>
-          <a:endParaRPr lang="en-US"/>
-        </a:p>
-      </dgm:t>
     </dgm:pt>
     <dgm:pt modelId="{0E66DB2C-1D03-4563-9FF9-DB832F711F43}" type="pres">
       <dgm:prSet presAssocID="{3A1D991C-E02E-4FA4-B919-5CCE9E11CBBA}" presName="sibTrans" presStyleCnt="0"/>
@@ -1383,13 +1325,10 @@
       <dgm:prSet presAssocID="{0E2356AB-49A2-4819-8ACF-C07FEC28373E}" presName="iconRect" presStyleLbl="node1" presStyleIdx="2" presStyleCnt="3"/>
       <dgm:spPr>
         <a:blipFill>
-          <a:blip xmlns:r="http://schemas.openxmlformats.org/officeDocument/2006/relationships" r:embed="rId5" cstate="print">
+          <a:blip xmlns:r="http://schemas.openxmlformats.org/officeDocument/2006/relationships" cstate="print">
             <a:extLst>
               <a:ext uri="{28A0092B-C50C-407E-A947-70E740481C1C}">
                 <a14:useLocalDpi xmlns:a14="http://schemas.microsoft.com/office/drawing/2010/main" val="0"/>
-              </a:ext>
-              <a:ext uri="{96DAC541-7B7A-43D3-8B79-37D633B846F1}">
-                <asvg:svgBlip xmlns="" xmlns:asvg="http://schemas.microsoft.com/office/drawing/2016/SVG/main" r:embed="rId6"/>
               </a:ext>
             </a:extLst>
           </a:blip>
@@ -1401,13 +1340,6 @@
           <a:noFill/>
         </a:ln>
       </dgm:spPr>
-      <dgm:t>
-        <a:bodyPr/>
-        <a:lstStyle/>
-        <a:p>
-          <a:endParaRPr lang="en-US"/>
-        </a:p>
-      </dgm:t>
       <dgm:extLst>
         <a:ext uri="{E40237B7-FDA0-4F09-8148-C483321AD2D9}">
           <dgm14:cNvPr xmlns:dgm14="http://schemas.microsoft.com/office/drawing/2010/diagram" id="0" name="" descr="Light Bulb and Gear"/>
@@ -1426,23 +1358,16 @@
         </dgm:presLayoutVars>
       </dgm:prSet>
       <dgm:spPr/>
-      <dgm:t>
-        <a:bodyPr/>
-        <a:lstStyle/>
-        <a:p>
-          <a:endParaRPr lang="en-US"/>
-        </a:p>
-      </dgm:t>
     </dgm:pt>
   </dgm:ptLst>
   <dgm:cxnLst>
+    <dgm:cxn modelId="{6E3B6833-1ABF-4CA8-944B-3FD2D444C57E}" srcId="{27EEFBA6-3CDE-4EB5-A929-21B72A53EBA7}" destId="{067DAD8D-EB33-4B95-B036-DBC1AC1DC1F0}" srcOrd="1" destOrd="0" parTransId="{A4631B97-B19B-4129-BDA4-F2182B1E9817}" sibTransId="{3A1D991C-E02E-4FA4-B919-5CCE9E11CBBA}"/>
     <dgm:cxn modelId="{5BB6743F-3DB1-44C5-A13D-33508438DCCA}" srcId="{27EEFBA6-3CDE-4EB5-A929-21B72A53EBA7}" destId="{0E2356AB-49A2-4819-8ACF-C07FEC28373E}" srcOrd="2" destOrd="0" parTransId="{28DD3876-F822-4CCA-9C8F-F85855FB4776}" sibTransId="{C4DCFE21-FBC3-4E29-A143-5D307DE3FD44}"/>
     <dgm:cxn modelId="{FE907846-EA46-4018-84CD-1283AFF03CEA}" type="presOf" srcId="{F8E82FC2-ECE6-45B1-BB40-B45C8012AF21}" destId="{91D13A7F-11DA-4ABD-9FFD-116F47B5A61B}" srcOrd="0" destOrd="0" presId="urn:microsoft.com/office/officeart/2018/2/layout/IconVerticalSolidList"/>
-    <dgm:cxn modelId="{6E3B6833-1ABF-4CA8-944B-3FD2D444C57E}" srcId="{27EEFBA6-3CDE-4EB5-A929-21B72A53EBA7}" destId="{067DAD8D-EB33-4B95-B036-DBC1AC1DC1F0}" srcOrd="1" destOrd="0" parTransId="{A4631B97-B19B-4129-BDA4-F2182B1E9817}" sibTransId="{3A1D991C-E02E-4FA4-B919-5CCE9E11CBBA}"/>
     <dgm:cxn modelId="{C78EA5A8-B052-4EFC-B53E-37C7CD2D9FDC}" type="presOf" srcId="{067DAD8D-EB33-4B95-B036-DBC1AC1DC1F0}" destId="{4DE8560D-5100-425F-94C8-324171DB9FEE}" srcOrd="0" destOrd="0" presId="urn:microsoft.com/office/officeart/2018/2/layout/IconVerticalSolidList"/>
+    <dgm:cxn modelId="{41CA10CF-346D-425C-B8DB-51FFA100A389}" type="presOf" srcId="{0E2356AB-49A2-4819-8ACF-C07FEC28373E}" destId="{E6A53FA5-D61D-4BA1-9D02-D37A1A449E2C}" srcOrd="0" destOrd="0" presId="urn:microsoft.com/office/officeart/2018/2/layout/IconVerticalSolidList"/>
     <dgm:cxn modelId="{1F8DF9CF-C18B-4F3F-A930-04724CA17827}" srcId="{27EEFBA6-3CDE-4EB5-A929-21B72A53EBA7}" destId="{F8E82FC2-ECE6-45B1-BB40-B45C8012AF21}" srcOrd="0" destOrd="0" parTransId="{E2FA07E9-7E45-416D-8A89-B86E728D40B5}" sibTransId="{C1E84BC1-A348-4CDA-984D-E6C42A0A6ED1}"/>
     <dgm:cxn modelId="{930EA4E6-E657-4691-88EA-3B718637C4E3}" type="presOf" srcId="{27EEFBA6-3CDE-4EB5-A929-21B72A53EBA7}" destId="{5A8E83C2-0E41-44F8-9DAD-301B4837A3CC}" srcOrd="0" destOrd="0" presId="urn:microsoft.com/office/officeart/2018/2/layout/IconVerticalSolidList"/>
-    <dgm:cxn modelId="{41CA10CF-346D-425C-B8DB-51FFA100A389}" type="presOf" srcId="{0E2356AB-49A2-4819-8ACF-C07FEC28373E}" destId="{E6A53FA5-D61D-4BA1-9D02-D37A1A449E2C}" srcOrd="0" destOrd="0" presId="urn:microsoft.com/office/officeart/2018/2/layout/IconVerticalSolidList"/>
     <dgm:cxn modelId="{C4E1AA7B-7E50-4354-A86A-B9DF91767753}" type="presParOf" srcId="{5A8E83C2-0E41-44F8-9DAD-301B4837A3CC}" destId="{30AE6DF6-6A93-4F4B-B092-5FE7575FB289}" srcOrd="0" destOrd="0" presId="urn:microsoft.com/office/officeart/2018/2/layout/IconVerticalSolidList"/>
     <dgm:cxn modelId="{330C7239-BA69-46FB-B108-21EA4F8AC1DA}" type="presParOf" srcId="{30AE6DF6-6A93-4F4B-B092-5FE7575FB289}" destId="{D782BD57-30EA-48B4-87FC-12A78141F70D}" srcOrd="0" destOrd="0" presId="urn:microsoft.com/office/officeart/2018/2/layout/IconVerticalSolidList"/>
     <dgm:cxn modelId="{A3AF9405-0CB2-481A-9B28-8E08436301B6}" type="presParOf" srcId="{30AE6DF6-6A93-4F4B-B092-5FE7575FB289}" destId="{811A4EB8-7831-41D5-A7AA-BBDDAD5C7E09}" srcOrd="1" destOrd="0" presId="urn:microsoft.com/office/officeart/2018/2/layout/IconVerticalSolidList"/>
@@ -1604,7 +1529,7 @@
         </a:bodyPr>
         <a:lstStyle/>
         <a:p>
-          <a:pPr lvl="0" algn="l" defTabSz="977900">
+          <a:pPr marL="0" lvl="0" indent="0" algn="l" defTabSz="977900">
             <a:lnSpc>
               <a:spcPct val="90000"/>
             </a:lnSpc>
@@ -1614,12 +1539,12 @@
             <a:spcAft>
               <a:spcPct val="35000"/>
             </a:spcAft>
+            <a:buNone/>
           </a:pPr>
           <a:r>
-            <a:rPr lang="en-US" sz="2200" kern="1200" dirty="0" smtClean="0"/>
+            <a:rPr lang="en-US" sz="2200" kern="1200" dirty="0"/>
             <a:t>Quartet Game is a popular game in Israel. </a:t>
           </a:r>
-          <a:endParaRPr lang="en-US" sz="2200" kern="1200" dirty="0"/>
         </a:p>
       </dsp:txBody>
       <dsp:txXfrm>
@@ -1682,13 +1607,10 @@
           <a:avLst/>
         </a:prstGeom>
         <a:blipFill>
-          <a:blip xmlns:r="http://schemas.openxmlformats.org/officeDocument/2006/relationships" r:embed="rId2" cstate="print">
+          <a:blip xmlns:r="http://schemas.openxmlformats.org/officeDocument/2006/relationships" cstate="print">
             <a:extLst>
               <a:ext uri="{28A0092B-C50C-407E-A947-70E740481C1C}">
                 <a14:useLocalDpi xmlns:a14="http://schemas.microsoft.com/office/drawing/2010/main" val="0"/>
-              </a:ext>
-              <a:ext uri="{96DAC541-7B7A-43D3-8B79-37D633B846F1}">
-                <asvg:svgBlip xmlns="" xmlns:asvg="http://schemas.microsoft.com/office/drawing/2016/SVG/main" r:embed="rId4"/>
               </a:ext>
             </a:extLst>
           </a:blip>
@@ -1753,7 +1675,7 @@
         </a:bodyPr>
         <a:lstStyle/>
         <a:p>
-          <a:pPr lvl="0" algn="l" defTabSz="977900">
+          <a:pPr marL="0" lvl="0" indent="0" algn="l" defTabSz="977900">
             <a:lnSpc>
               <a:spcPct val="90000"/>
             </a:lnSpc>
@@ -1763,16 +1685,12 @@
             <a:spcAft>
               <a:spcPct val="35000"/>
             </a:spcAft>
+            <a:buNone/>
           </a:pPr>
           <a:r>
             <a:rPr lang="en-US" sz="2200" kern="1200" dirty="0"/>
-            <a:t>Sometimes people </a:t>
+            <a:t>Sometimes people cheat while playing this game. </a:t>
           </a:r>
-          <a:r>
-            <a:rPr lang="en-US" sz="2200" kern="1200" dirty="0" smtClean="0"/>
-            <a:t>cheat while playing this game. </a:t>
-          </a:r>
-          <a:endParaRPr lang="en-US" sz="2200" kern="1200" dirty="0"/>
         </a:p>
       </dsp:txBody>
       <dsp:txXfrm>
@@ -1835,13 +1753,10 @@
           <a:avLst/>
         </a:prstGeom>
         <a:blipFill>
-          <a:blip xmlns:r="http://schemas.openxmlformats.org/officeDocument/2006/relationships" r:embed="rId5" cstate="print">
+          <a:blip xmlns:r="http://schemas.openxmlformats.org/officeDocument/2006/relationships" cstate="print">
             <a:extLst>
               <a:ext uri="{28A0092B-C50C-407E-A947-70E740481C1C}">
                 <a14:useLocalDpi xmlns:a14="http://schemas.microsoft.com/office/drawing/2010/main" val="0"/>
-              </a:ext>
-              <a:ext uri="{96DAC541-7B7A-43D3-8B79-37D633B846F1}">
-                <asvg:svgBlip xmlns="" xmlns:asvg="http://schemas.microsoft.com/office/drawing/2016/SVG/main" r:embed="rId6"/>
               </a:ext>
             </a:extLst>
           </a:blip>
@@ -1906,7 +1821,7 @@
         </a:bodyPr>
         <a:lstStyle/>
         <a:p>
-          <a:pPr lvl="0" algn="l" defTabSz="977900">
+          <a:pPr marL="0" lvl="0" indent="0" algn="l" defTabSz="977900">
             <a:lnSpc>
               <a:spcPct val="90000"/>
             </a:lnSpc>
@@ -1916,26 +1831,11 @@
             <a:spcAft>
               <a:spcPct val="35000"/>
             </a:spcAft>
+            <a:buNone/>
           </a:pPr>
           <a:r>
             <a:rPr lang="en-US" sz="2200" kern="1200" dirty="0"/>
-            <a:t>Therefore </a:t>
-          </a:r>
-          <a:r>
-            <a:rPr lang="en-US" sz="2200" kern="1200" dirty="0" smtClean="0"/>
-            <a:t>we came </a:t>
-          </a:r>
-          <a:r>
-            <a:rPr lang="en-US" sz="2200" kern="1200" dirty="0"/>
-            <a:t>up with the idea to build a </a:t>
-          </a:r>
-          <a:r>
-            <a:rPr lang="en-US" sz="2200" kern="1200" dirty="0" smtClean="0"/>
-            <a:t>playing system </a:t>
-          </a:r>
-          <a:r>
-            <a:rPr lang="en-US" sz="2200" kern="1200" dirty="0"/>
-            <a:t>based on </a:t>
+            <a:t>Therefore we came up with the idea to build a playing system based on </a:t>
           </a:r>
           <a:r>
             <a:rPr lang="en-US" sz="2200" kern="1200" dirty="0" err="1"/>
@@ -1943,21 +1843,16 @@
           </a:r>
           <a:r>
             <a:rPr lang="en-US" sz="2200" kern="1200" dirty="0"/>
-            <a:t> </a:t>
+            <a:t> and verification with </a:t>
           </a:r>
           <a:r>
-            <a:rPr lang="en-US" sz="2200" kern="1200" dirty="0" smtClean="0"/>
-            <a:t>and verification with </a:t>
-          </a:r>
-          <a:r>
-            <a:rPr lang="en-US" sz="2200" kern="1200" dirty="0" err="1" smtClean="0"/>
+            <a:rPr lang="en-US" sz="2200" kern="1200" dirty="0" err="1"/>
             <a:t>merkle</a:t>
           </a:r>
           <a:r>
-            <a:rPr lang="en-US" sz="2200" kern="1200" dirty="0" smtClean="0"/>
+            <a:rPr lang="en-US" sz="2200" kern="1200" dirty="0"/>
             <a:t> tree</a:t>
           </a:r>
-          <a:endParaRPr lang="en-US" sz="2200" kern="1200" dirty="0"/>
         </a:p>
       </dsp:txBody>
       <dsp:txXfrm>
@@ -2246,7 +2141,7 @@
   </dgm:layoutNode>
   <dgm:extLst>
     <a:ext uri="{68A01E43-0DF5-4B5B-8FA6-DAF915123BFB}">
-      <dgm1612:lstStyle xmlns:dgm1612="http://schemas.microsoft.com/office/drawing/2016/12/diagram" xmlns="">
+      <dgm1612:lstStyle xmlns:dgm1612="http://schemas.microsoft.com/office/drawing/2016/12/diagram">
         <a:lvl1pPr>
           <a:lnSpc>
             <a:spcPct val="100000"/>
@@ -3379,7 +3274,7 @@
           <a:p>
             <a:fld id="{654EE165-1D20-432B-8391-AC81E3C78BFB}" type="datetimeFigureOut">
               <a:rPr lang="he-IL" smtClean="0"/>
-              <a:t>י"ז/תמוז/תשע"ט</a:t>
+              <a:t>כ"ב/תמוז/תשע"ט</a:t>
             </a:fld>
             <a:endParaRPr lang="he-IL"/>
           </a:p>
@@ -3443,38 +3338,37 @@
           <a:p>
             <a:pPr lvl="0"/>
             <a:r>
-              <a:rPr lang="he-IL" smtClean="0"/>
+              <a:rPr lang="he-IL"/>
               <a:t>לחץ כדי לערוך סגנונות טקסט של תבנית בסיס</a:t>
             </a:r>
           </a:p>
           <a:p>
             <a:pPr lvl="1"/>
             <a:r>
-              <a:rPr lang="he-IL" smtClean="0"/>
+              <a:rPr lang="he-IL"/>
               <a:t>רמה שנייה</a:t>
             </a:r>
           </a:p>
           <a:p>
             <a:pPr lvl="2"/>
             <a:r>
-              <a:rPr lang="he-IL" smtClean="0"/>
+              <a:rPr lang="he-IL"/>
               <a:t>רמה שלישית</a:t>
             </a:r>
           </a:p>
           <a:p>
             <a:pPr lvl="3"/>
             <a:r>
-              <a:rPr lang="he-IL" smtClean="0"/>
+              <a:rPr lang="he-IL"/>
               <a:t>רמה רביעית</a:t>
             </a:r>
           </a:p>
           <a:p>
             <a:pPr lvl="4"/>
             <a:r>
-              <a:rPr lang="he-IL" smtClean="0"/>
+              <a:rPr lang="he-IL"/>
               <a:t>רמה חמישית</a:t>
             </a:r>
-            <a:endParaRPr lang="he-IL"/>
           </a:p>
         </p:txBody>
       </p:sp>
@@ -3870,6 +3764,442 @@
   <p:cSld>
     <p:spTree>
       <p:nvGrpSpPr>
+        <p:cNvPr id="1" name="Shape 72"/>
+        <p:cNvGrpSpPr/>
+        <p:nvPr/>
+      </p:nvGrpSpPr>
+      <p:grpSpPr>
+        <a:xfrm>
+          <a:off x="0" y="0"/>
+          <a:ext cx="0" cy="0"/>
+          <a:chOff x="0" y="0"/>
+          <a:chExt cx="0" cy="0"/>
+        </a:xfrm>
+      </p:grpSpPr>
+      <p:sp>
+        <p:nvSpPr>
+          <p:cNvPr id="73" name="Google Shape;73;g35f391192_04:notes"/>
+          <p:cNvSpPr>
+            <a:spLocks noGrp="1" noRot="1" noChangeAspect="1"/>
+          </p:cNvSpPr>
+          <p:nvPr>
+            <p:ph type="sldImg" idx="2"/>
+          </p:nvPr>
+        </p:nvSpPr>
+        <p:spPr>
+          <a:xfrm>
+            <a:off x="381000" y="685800"/>
+            <a:ext cx="6096000" cy="3429000"/>
+          </a:xfrm>
+          <a:custGeom>
+            <a:avLst/>
+            <a:gdLst/>
+            <a:ahLst/>
+            <a:cxnLst/>
+            <a:rect l="l" t="t" r="r" b="b"/>
+            <a:pathLst>
+              <a:path w="120000" h="120000" extrusionOk="0">
+                <a:moveTo>
+                  <a:pt x="0" y="0"/>
+                </a:moveTo>
+                <a:lnTo>
+                  <a:pt x="120000" y="0"/>
+                </a:lnTo>
+                <a:lnTo>
+                  <a:pt x="120000" y="120000"/>
+                </a:lnTo>
+                <a:lnTo>
+                  <a:pt x="0" y="120000"/>
+                </a:lnTo>
+                <a:close/>
+              </a:path>
+            </a:pathLst>
+          </a:custGeom>
+        </p:spPr>
+      </p:sp>
+      <p:sp>
+        <p:nvSpPr>
+          <p:cNvPr id="74" name="Google Shape;74;g35f391192_04:notes"/>
+          <p:cNvSpPr txBox="1">
+            <a:spLocks noGrp="1"/>
+          </p:cNvSpPr>
+          <p:nvPr>
+            <p:ph type="body" idx="1"/>
+          </p:nvPr>
+        </p:nvSpPr>
+        <p:spPr>
+          <a:xfrm>
+            <a:off x="685800" y="4343400"/>
+            <a:ext cx="5486400" cy="4114800"/>
+          </a:xfrm>
+          <a:prstGeom prst="rect">
+            <a:avLst/>
+          </a:prstGeom>
+        </p:spPr>
+        <p:txBody>
+          <a:bodyPr spcFirstLastPara="1" wrap="square" lIns="91425" tIns="91425" rIns="91425" bIns="91425" anchor="t" anchorCtr="0">
+            <a:noAutofit/>
+          </a:bodyPr>
+          <a:lstStyle/>
+          <a:p>
+            <a:pPr marL="0" lvl="0" indent="0" algn="l" rtl="0">
+              <a:spcBef>
+                <a:spcPts val="0"/>
+              </a:spcBef>
+              <a:spcAft>
+                <a:spcPts val="0"/>
+              </a:spcAft>
+              <a:buNone/>
+            </a:pPr>
+            <a:endParaRPr/>
+          </a:p>
+        </p:txBody>
+      </p:sp>
+    </p:spTree>
+    <p:extLst>
+      <p:ext uri="{BB962C8B-B14F-4D97-AF65-F5344CB8AC3E}">
+        <p14:creationId xmlns:p14="http://schemas.microsoft.com/office/powerpoint/2010/main" val="1079934285"/>
+      </p:ext>
+    </p:extLst>
+  </p:cSld>
+  <p:clrMapOvr>
+    <a:masterClrMapping/>
+  </p:clrMapOvr>
+</p:notes>
+</file>
+
+<file path=ppt/notesSlides/notesSlide12.xml><?xml version="1.0" encoding="utf-8"?>
+<p:notes xmlns:a="http://schemas.openxmlformats.org/drawingml/2006/main" xmlns:r="http://schemas.openxmlformats.org/officeDocument/2006/relationships" xmlns:p="http://schemas.openxmlformats.org/presentationml/2006/main" showMasterSp="0" showMasterPhAnim="0">
+  <p:cSld>
+    <p:spTree>
+      <p:nvGrpSpPr>
+        <p:cNvPr id="1" name="Shape 72"/>
+        <p:cNvGrpSpPr/>
+        <p:nvPr/>
+      </p:nvGrpSpPr>
+      <p:grpSpPr>
+        <a:xfrm>
+          <a:off x="0" y="0"/>
+          <a:ext cx="0" cy="0"/>
+          <a:chOff x="0" y="0"/>
+          <a:chExt cx="0" cy="0"/>
+        </a:xfrm>
+      </p:grpSpPr>
+      <p:sp>
+        <p:nvSpPr>
+          <p:cNvPr id="73" name="Google Shape;73;g35f391192_04:notes"/>
+          <p:cNvSpPr>
+            <a:spLocks noGrp="1" noRot="1" noChangeAspect="1"/>
+          </p:cNvSpPr>
+          <p:nvPr>
+            <p:ph type="sldImg" idx="2"/>
+          </p:nvPr>
+        </p:nvSpPr>
+        <p:spPr>
+          <a:xfrm>
+            <a:off x="381000" y="685800"/>
+            <a:ext cx="6096000" cy="3429000"/>
+          </a:xfrm>
+          <a:custGeom>
+            <a:avLst/>
+            <a:gdLst/>
+            <a:ahLst/>
+            <a:cxnLst/>
+            <a:rect l="l" t="t" r="r" b="b"/>
+            <a:pathLst>
+              <a:path w="120000" h="120000" extrusionOk="0">
+                <a:moveTo>
+                  <a:pt x="0" y="0"/>
+                </a:moveTo>
+                <a:lnTo>
+                  <a:pt x="120000" y="0"/>
+                </a:lnTo>
+                <a:lnTo>
+                  <a:pt x="120000" y="120000"/>
+                </a:lnTo>
+                <a:lnTo>
+                  <a:pt x="0" y="120000"/>
+                </a:lnTo>
+                <a:close/>
+              </a:path>
+            </a:pathLst>
+          </a:custGeom>
+        </p:spPr>
+      </p:sp>
+      <p:sp>
+        <p:nvSpPr>
+          <p:cNvPr id="74" name="Google Shape;74;g35f391192_04:notes"/>
+          <p:cNvSpPr txBox="1">
+            <a:spLocks noGrp="1"/>
+          </p:cNvSpPr>
+          <p:nvPr>
+            <p:ph type="body" idx="1"/>
+          </p:nvPr>
+        </p:nvSpPr>
+        <p:spPr>
+          <a:xfrm>
+            <a:off x="685800" y="4343400"/>
+            <a:ext cx="5486400" cy="4114800"/>
+          </a:xfrm>
+          <a:prstGeom prst="rect">
+            <a:avLst/>
+          </a:prstGeom>
+        </p:spPr>
+        <p:txBody>
+          <a:bodyPr spcFirstLastPara="1" wrap="square" lIns="91425" tIns="91425" rIns="91425" bIns="91425" anchor="t" anchorCtr="0">
+            <a:noAutofit/>
+          </a:bodyPr>
+          <a:lstStyle/>
+          <a:p>
+            <a:pPr marL="0" lvl="0" indent="0" algn="l" rtl="0">
+              <a:spcBef>
+                <a:spcPts val="0"/>
+              </a:spcBef>
+              <a:spcAft>
+                <a:spcPts val="0"/>
+              </a:spcAft>
+              <a:buNone/>
+            </a:pPr>
+            <a:endParaRPr/>
+          </a:p>
+        </p:txBody>
+      </p:sp>
+    </p:spTree>
+    <p:extLst>
+      <p:ext uri="{BB962C8B-B14F-4D97-AF65-F5344CB8AC3E}">
+        <p14:creationId xmlns:p14="http://schemas.microsoft.com/office/powerpoint/2010/main" val="4003994081"/>
+      </p:ext>
+    </p:extLst>
+  </p:cSld>
+  <p:clrMapOvr>
+    <a:masterClrMapping/>
+  </p:clrMapOvr>
+</p:notes>
+</file>
+
+<file path=ppt/notesSlides/notesSlide13.xml><?xml version="1.0" encoding="utf-8"?>
+<p:notes xmlns:a="http://schemas.openxmlformats.org/drawingml/2006/main" xmlns:r="http://schemas.openxmlformats.org/officeDocument/2006/relationships" xmlns:p="http://schemas.openxmlformats.org/presentationml/2006/main" showMasterSp="0" showMasterPhAnim="0">
+  <p:cSld>
+    <p:spTree>
+      <p:nvGrpSpPr>
+        <p:cNvPr id="1" name="Shape 72"/>
+        <p:cNvGrpSpPr/>
+        <p:nvPr/>
+      </p:nvGrpSpPr>
+      <p:grpSpPr>
+        <a:xfrm>
+          <a:off x="0" y="0"/>
+          <a:ext cx="0" cy="0"/>
+          <a:chOff x="0" y="0"/>
+          <a:chExt cx="0" cy="0"/>
+        </a:xfrm>
+      </p:grpSpPr>
+      <p:sp>
+        <p:nvSpPr>
+          <p:cNvPr id="73" name="Google Shape;73;g35f391192_04:notes"/>
+          <p:cNvSpPr>
+            <a:spLocks noGrp="1" noRot="1" noChangeAspect="1"/>
+          </p:cNvSpPr>
+          <p:nvPr>
+            <p:ph type="sldImg" idx="2"/>
+          </p:nvPr>
+        </p:nvSpPr>
+        <p:spPr>
+          <a:xfrm>
+            <a:off x="381000" y="685800"/>
+            <a:ext cx="6096000" cy="3429000"/>
+          </a:xfrm>
+          <a:custGeom>
+            <a:avLst/>
+            <a:gdLst/>
+            <a:ahLst/>
+            <a:cxnLst/>
+            <a:rect l="l" t="t" r="r" b="b"/>
+            <a:pathLst>
+              <a:path w="120000" h="120000" extrusionOk="0">
+                <a:moveTo>
+                  <a:pt x="0" y="0"/>
+                </a:moveTo>
+                <a:lnTo>
+                  <a:pt x="120000" y="0"/>
+                </a:lnTo>
+                <a:lnTo>
+                  <a:pt x="120000" y="120000"/>
+                </a:lnTo>
+                <a:lnTo>
+                  <a:pt x="0" y="120000"/>
+                </a:lnTo>
+                <a:close/>
+              </a:path>
+            </a:pathLst>
+          </a:custGeom>
+        </p:spPr>
+      </p:sp>
+      <p:sp>
+        <p:nvSpPr>
+          <p:cNvPr id="74" name="Google Shape;74;g35f391192_04:notes"/>
+          <p:cNvSpPr txBox="1">
+            <a:spLocks noGrp="1"/>
+          </p:cNvSpPr>
+          <p:nvPr>
+            <p:ph type="body" idx="1"/>
+          </p:nvPr>
+        </p:nvSpPr>
+        <p:spPr>
+          <a:xfrm>
+            <a:off x="685800" y="4343400"/>
+            <a:ext cx="5486400" cy="4114800"/>
+          </a:xfrm>
+          <a:prstGeom prst="rect">
+            <a:avLst/>
+          </a:prstGeom>
+        </p:spPr>
+        <p:txBody>
+          <a:bodyPr spcFirstLastPara="1" wrap="square" lIns="91425" tIns="91425" rIns="91425" bIns="91425" anchor="t" anchorCtr="0">
+            <a:noAutofit/>
+          </a:bodyPr>
+          <a:lstStyle/>
+          <a:p>
+            <a:pPr marL="0" lvl="0" indent="0" algn="l" rtl="0">
+              <a:spcBef>
+                <a:spcPts val="0"/>
+              </a:spcBef>
+              <a:spcAft>
+                <a:spcPts val="0"/>
+              </a:spcAft>
+              <a:buNone/>
+            </a:pPr>
+            <a:endParaRPr/>
+          </a:p>
+        </p:txBody>
+      </p:sp>
+    </p:spTree>
+    <p:extLst>
+      <p:ext uri="{BB962C8B-B14F-4D97-AF65-F5344CB8AC3E}">
+        <p14:creationId xmlns:p14="http://schemas.microsoft.com/office/powerpoint/2010/main" val="192689175"/>
+      </p:ext>
+    </p:extLst>
+  </p:cSld>
+  <p:clrMapOvr>
+    <a:masterClrMapping/>
+  </p:clrMapOvr>
+</p:notes>
+</file>
+
+<file path=ppt/notesSlides/notesSlide14.xml><?xml version="1.0" encoding="utf-8"?>
+<p:notes xmlns:a="http://schemas.openxmlformats.org/drawingml/2006/main" xmlns:r="http://schemas.openxmlformats.org/officeDocument/2006/relationships" xmlns:p="http://schemas.openxmlformats.org/presentationml/2006/main" showMasterSp="0" showMasterPhAnim="0">
+  <p:cSld>
+    <p:spTree>
+      <p:nvGrpSpPr>
+        <p:cNvPr id="1" name="Shape 72"/>
+        <p:cNvGrpSpPr/>
+        <p:nvPr/>
+      </p:nvGrpSpPr>
+      <p:grpSpPr>
+        <a:xfrm>
+          <a:off x="0" y="0"/>
+          <a:ext cx="0" cy="0"/>
+          <a:chOff x="0" y="0"/>
+          <a:chExt cx="0" cy="0"/>
+        </a:xfrm>
+      </p:grpSpPr>
+      <p:sp>
+        <p:nvSpPr>
+          <p:cNvPr id="73" name="Google Shape;73;g35f391192_04:notes"/>
+          <p:cNvSpPr>
+            <a:spLocks noGrp="1" noRot="1" noChangeAspect="1"/>
+          </p:cNvSpPr>
+          <p:nvPr>
+            <p:ph type="sldImg" idx="2"/>
+          </p:nvPr>
+        </p:nvSpPr>
+        <p:spPr>
+          <a:xfrm>
+            <a:off x="381000" y="685800"/>
+            <a:ext cx="6096000" cy="3429000"/>
+          </a:xfrm>
+          <a:custGeom>
+            <a:avLst/>
+            <a:gdLst/>
+            <a:ahLst/>
+            <a:cxnLst/>
+            <a:rect l="l" t="t" r="r" b="b"/>
+            <a:pathLst>
+              <a:path w="120000" h="120000" extrusionOk="0">
+                <a:moveTo>
+                  <a:pt x="0" y="0"/>
+                </a:moveTo>
+                <a:lnTo>
+                  <a:pt x="120000" y="0"/>
+                </a:lnTo>
+                <a:lnTo>
+                  <a:pt x="120000" y="120000"/>
+                </a:lnTo>
+                <a:lnTo>
+                  <a:pt x="0" y="120000"/>
+                </a:lnTo>
+                <a:close/>
+              </a:path>
+            </a:pathLst>
+          </a:custGeom>
+        </p:spPr>
+      </p:sp>
+      <p:sp>
+        <p:nvSpPr>
+          <p:cNvPr id="74" name="Google Shape;74;g35f391192_04:notes"/>
+          <p:cNvSpPr txBox="1">
+            <a:spLocks noGrp="1"/>
+          </p:cNvSpPr>
+          <p:nvPr>
+            <p:ph type="body" idx="1"/>
+          </p:nvPr>
+        </p:nvSpPr>
+        <p:spPr>
+          <a:xfrm>
+            <a:off x="685800" y="4343400"/>
+            <a:ext cx="5486400" cy="4114800"/>
+          </a:xfrm>
+          <a:prstGeom prst="rect">
+            <a:avLst/>
+          </a:prstGeom>
+        </p:spPr>
+        <p:txBody>
+          <a:bodyPr spcFirstLastPara="1" wrap="square" lIns="91425" tIns="91425" rIns="91425" bIns="91425" anchor="t" anchorCtr="0">
+            <a:noAutofit/>
+          </a:bodyPr>
+          <a:lstStyle/>
+          <a:p>
+            <a:pPr marL="0" lvl="0" indent="0" algn="l" rtl="0">
+              <a:spcBef>
+                <a:spcPts val="0"/>
+              </a:spcBef>
+              <a:spcAft>
+                <a:spcPts val="0"/>
+              </a:spcAft>
+              <a:buNone/>
+            </a:pPr>
+            <a:endParaRPr/>
+          </a:p>
+        </p:txBody>
+      </p:sp>
+    </p:spTree>
+    <p:extLst>
+      <p:ext uri="{BB962C8B-B14F-4D97-AF65-F5344CB8AC3E}">
+        <p14:creationId xmlns:p14="http://schemas.microsoft.com/office/powerpoint/2010/main" val="1269150769"/>
+      </p:ext>
+    </p:extLst>
+  </p:cSld>
+  <p:clrMapOvr>
+    <a:masterClrMapping/>
+  </p:clrMapOvr>
+</p:notes>
+</file>
+
+<file path=ppt/notesSlides/notesSlide15.xml><?xml version="1.0" encoding="utf-8"?>
+<p:notes xmlns:a="http://schemas.openxmlformats.org/drawingml/2006/main" xmlns:r="http://schemas.openxmlformats.org/officeDocument/2006/relationships" xmlns:p="http://schemas.openxmlformats.org/presentationml/2006/main" showMasterSp="0" showMasterPhAnim="0">
+  <p:cSld>
+    <p:spTree>
+      <p:nvGrpSpPr>
         <p:cNvPr id="1" name="Shape 266"/>
         <p:cNvGrpSpPr/>
         <p:nvPr/>
@@ -3974,225 +4304,7 @@
 </p:notes>
 </file>
 
-<file path=ppt/notesSlides/notesSlide12.xml><?xml version="1.0" encoding="utf-8"?>
-<p:notes xmlns:a="http://schemas.openxmlformats.org/drawingml/2006/main" xmlns:r="http://schemas.openxmlformats.org/officeDocument/2006/relationships" xmlns:p="http://schemas.openxmlformats.org/presentationml/2006/main" showMasterSp="0" showMasterPhAnim="0">
-  <p:cSld>
-    <p:spTree>
-      <p:nvGrpSpPr>
-        <p:cNvPr id="1" name="Shape 266"/>
-        <p:cNvGrpSpPr/>
-        <p:nvPr/>
-      </p:nvGrpSpPr>
-      <p:grpSpPr>
-        <a:xfrm>
-          <a:off x="0" y="0"/>
-          <a:ext cx="0" cy="0"/>
-          <a:chOff x="0" y="0"/>
-          <a:chExt cx="0" cy="0"/>
-        </a:xfrm>
-      </p:grpSpPr>
-      <p:sp>
-        <p:nvSpPr>
-          <p:cNvPr id="267" name="Google Shape;267;g35ed75ccf_0113:notes"/>
-          <p:cNvSpPr>
-            <a:spLocks noGrp="1" noRot="1" noChangeAspect="1"/>
-          </p:cNvSpPr>
-          <p:nvPr>
-            <p:ph type="sldImg" idx="2"/>
-          </p:nvPr>
-        </p:nvSpPr>
-        <p:spPr>
-          <a:xfrm>
-            <a:off x="381000" y="685800"/>
-            <a:ext cx="6096000" cy="3429000"/>
-          </a:xfrm>
-          <a:custGeom>
-            <a:avLst/>
-            <a:gdLst/>
-            <a:ahLst/>
-            <a:cxnLst/>
-            <a:rect l="l" t="t" r="r" b="b"/>
-            <a:pathLst>
-              <a:path w="120000" h="120000" extrusionOk="0">
-                <a:moveTo>
-                  <a:pt x="0" y="0"/>
-                </a:moveTo>
-                <a:lnTo>
-                  <a:pt x="120000" y="0"/>
-                </a:lnTo>
-                <a:lnTo>
-                  <a:pt x="120000" y="120000"/>
-                </a:lnTo>
-                <a:lnTo>
-                  <a:pt x="0" y="120000"/>
-                </a:lnTo>
-                <a:close/>
-              </a:path>
-            </a:pathLst>
-          </a:custGeom>
-        </p:spPr>
-      </p:sp>
-      <p:sp>
-        <p:nvSpPr>
-          <p:cNvPr id="268" name="Google Shape;268;g35ed75ccf_0113:notes"/>
-          <p:cNvSpPr txBox="1">
-            <a:spLocks noGrp="1"/>
-          </p:cNvSpPr>
-          <p:nvPr>
-            <p:ph type="body" idx="1"/>
-          </p:nvPr>
-        </p:nvSpPr>
-        <p:spPr>
-          <a:xfrm>
-            <a:off x="685800" y="4343400"/>
-            <a:ext cx="5486400" cy="4114800"/>
-          </a:xfrm>
-          <a:prstGeom prst="rect">
-            <a:avLst/>
-          </a:prstGeom>
-        </p:spPr>
-        <p:txBody>
-          <a:bodyPr spcFirstLastPara="1" wrap="square" lIns="91425" tIns="91425" rIns="91425" bIns="91425" anchor="t" anchorCtr="0">
-            <a:noAutofit/>
-          </a:bodyPr>
-          <a:lstStyle/>
-          <a:p>
-            <a:pPr marL="0" lvl="0" indent="0" algn="l" rtl="0">
-              <a:spcBef>
-                <a:spcPts val="0"/>
-              </a:spcBef>
-              <a:spcAft>
-                <a:spcPts val="0"/>
-              </a:spcAft>
-              <a:buNone/>
-            </a:pPr>
-            <a:endParaRPr/>
-          </a:p>
-        </p:txBody>
-      </p:sp>
-    </p:spTree>
-    <p:extLst>
-      <p:ext uri="{BB962C8B-B14F-4D97-AF65-F5344CB8AC3E}">
-        <p14:creationId xmlns:p14="http://schemas.microsoft.com/office/powerpoint/2010/main" val="2365173397"/>
-      </p:ext>
-    </p:extLst>
-  </p:cSld>
-  <p:clrMapOvr>
-    <a:masterClrMapping/>
-  </p:clrMapOvr>
-</p:notes>
-</file>
-
-<file path=ppt/notesSlides/notesSlide13.xml><?xml version="1.0" encoding="utf-8"?>
-<p:notes xmlns:a="http://schemas.openxmlformats.org/drawingml/2006/main" xmlns:r="http://schemas.openxmlformats.org/officeDocument/2006/relationships" xmlns:p="http://schemas.openxmlformats.org/presentationml/2006/main" showMasterSp="0" showMasterPhAnim="0">
-  <p:cSld>
-    <p:spTree>
-      <p:nvGrpSpPr>
-        <p:cNvPr id="1" name="Shape 266"/>
-        <p:cNvGrpSpPr/>
-        <p:nvPr/>
-      </p:nvGrpSpPr>
-      <p:grpSpPr>
-        <a:xfrm>
-          <a:off x="0" y="0"/>
-          <a:ext cx="0" cy="0"/>
-          <a:chOff x="0" y="0"/>
-          <a:chExt cx="0" cy="0"/>
-        </a:xfrm>
-      </p:grpSpPr>
-      <p:sp>
-        <p:nvSpPr>
-          <p:cNvPr id="267" name="Google Shape;267;g35ed75ccf_0113:notes"/>
-          <p:cNvSpPr>
-            <a:spLocks noGrp="1" noRot="1" noChangeAspect="1"/>
-          </p:cNvSpPr>
-          <p:nvPr>
-            <p:ph type="sldImg" idx="2"/>
-          </p:nvPr>
-        </p:nvSpPr>
-        <p:spPr>
-          <a:xfrm>
-            <a:off x="381000" y="685800"/>
-            <a:ext cx="6096000" cy="3429000"/>
-          </a:xfrm>
-          <a:custGeom>
-            <a:avLst/>
-            <a:gdLst/>
-            <a:ahLst/>
-            <a:cxnLst/>
-            <a:rect l="l" t="t" r="r" b="b"/>
-            <a:pathLst>
-              <a:path w="120000" h="120000" extrusionOk="0">
-                <a:moveTo>
-                  <a:pt x="0" y="0"/>
-                </a:moveTo>
-                <a:lnTo>
-                  <a:pt x="120000" y="0"/>
-                </a:lnTo>
-                <a:lnTo>
-                  <a:pt x="120000" y="120000"/>
-                </a:lnTo>
-                <a:lnTo>
-                  <a:pt x="0" y="120000"/>
-                </a:lnTo>
-                <a:close/>
-              </a:path>
-            </a:pathLst>
-          </a:custGeom>
-        </p:spPr>
-      </p:sp>
-      <p:sp>
-        <p:nvSpPr>
-          <p:cNvPr id="268" name="Google Shape;268;g35ed75ccf_0113:notes"/>
-          <p:cNvSpPr txBox="1">
-            <a:spLocks noGrp="1"/>
-          </p:cNvSpPr>
-          <p:nvPr>
-            <p:ph type="body" idx="1"/>
-          </p:nvPr>
-        </p:nvSpPr>
-        <p:spPr>
-          <a:xfrm>
-            <a:off x="685800" y="4343400"/>
-            <a:ext cx="5486400" cy="4114800"/>
-          </a:xfrm>
-          <a:prstGeom prst="rect">
-            <a:avLst/>
-          </a:prstGeom>
-        </p:spPr>
-        <p:txBody>
-          <a:bodyPr spcFirstLastPara="1" wrap="square" lIns="91425" tIns="91425" rIns="91425" bIns="91425" anchor="t" anchorCtr="0">
-            <a:noAutofit/>
-          </a:bodyPr>
-          <a:lstStyle/>
-          <a:p>
-            <a:pPr marL="0" lvl="0" indent="0" algn="l" rtl="0">
-              <a:spcBef>
-                <a:spcPts val="0"/>
-              </a:spcBef>
-              <a:spcAft>
-                <a:spcPts val="0"/>
-              </a:spcAft>
-              <a:buNone/>
-            </a:pPr>
-            <a:endParaRPr/>
-          </a:p>
-        </p:txBody>
-      </p:sp>
-    </p:spTree>
-    <p:extLst>
-      <p:ext uri="{BB962C8B-B14F-4D97-AF65-F5344CB8AC3E}">
-        <p14:creationId xmlns:p14="http://schemas.microsoft.com/office/powerpoint/2010/main" val="3585301176"/>
-      </p:ext>
-    </p:extLst>
-  </p:cSld>
-  <p:clrMapOvr>
-    <a:masterClrMapping/>
-  </p:clrMapOvr>
-</p:notes>
-</file>
-
-<file path=ppt/notesSlides/notesSlide14.xml><?xml version="1.0" encoding="utf-8"?>
+<file path=ppt/notesSlides/notesSlide16.xml><?xml version="1.0" encoding="utf-8"?>
 <p:notes xmlns:a="http://schemas.openxmlformats.org/drawingml/2006/main" xmlns:r="http://schemas.openxmlformats.org/officeDocument/2006/relationships" xmlns:p="http://schemas.openxmlformats.org/presentationml/2006/main" showMasterSp="0" showMasterPhAnim="0">
   <p:cSld>
     <p:spTree>
@@ -4301,7 +4413,7 @@
 </p:notes>
 </file>
 
-<file path=ppt/notesSlides/notesSlide15.xml><?xml version="1.0" encoding="utf-8"?>
+<file path=ppt/notesSlides/notesSlide17.xml><?xml version="1.0" encoding="utf-8"?>
 <p:notes xmlns:a="http://schemas.openxmlformats.org/drawingml/2006/main" xmlns:r="http://schemas.openxmlformats.org/officeDocument/2006/relationships" xmlns:p="http://schemas.openxmlformats.org/presentationml/2006/main" showMasterSp="0" showMasterPhAnim="0">
   <p:cSld>
     <p:spTree>
@@ -4945,7 +5057,7 @@
     </p:spTree>
     <p:extLst>
       <p:ext uri="{BB962C8B-B14F-4D97-AF65-F5344CB8AC3E}">
-        <p14:creationId xmlns:p14="http://schemas.microsoft.com/office/powerpoint/2010/main" val="3170231209"/>
+        <p14:creationId xmlns:p14="http://schemas.microsoft.com/office/powerpoint/2010/main" val="291470085"/>
       </p:ext>
     </p:extLst>
   </p:cSld>
@@ -5324,10 +5436,9 @@
           </a:lstStyle>
           <a:p>
             <a:r>
-              <a:rPr lang="he-IL" smtClean="0"/>
+              <a:rPr lang="he-IL"/>
               <a:t>לחץ כדי לערוך סגנון כותרת של תבנית בסיס</a:t>
             </a:r>
-            <a:endParaRPr lang="he-IL"/>
           </a:p>
         </p:txBody>
       </p:sp>
@@ -5389,10 +5500,9 @@
           </a:lstStyle>
           <a:p>
             <a:r>
-              <a:rPr lang="he-IL" smtClean="0"/>
+              <a:rPr lang="he-IL"/>
               <a:t>לחץ כדי לערוך סגנון כותרת משנה של תבנית בסיס</a:t>
             </a:r>
-            <a:endParaRPr lang="he-IL"/>
           </a:p>
         </p:txBody>
       </p:sp>
@@ -5413,7 +5523,7 @@
           <a:p>
             <a:fld id="{6F13CEA5-4F51-4ED4-A676-F9C80F4D6128}" type="datetimeFigureOut">
               <a:rPr lang="he-IL" smtClean="0"/>
-              <a:t>י"ז/תמוז/תשע"ט</a:t>
+              <a:t>כ"ב/תמוז/תשע"ט</a:t>
             </a:fld>
             <a:endParaRPr lang="he-IL"/>
           </a:p>
@@ -5507,10 +5617,9 @@
           <a:lstStyle/>
           <a:p>
             <a:r>
-              <a:rPr lang="he-IL" smtClean="0"/>
+              <a:rPr lang="he-IL"/>
               <a:t>לחץ כדי לערוך סגנון כותרת של תבנית בסיס</a:t>
             </a:r>
-            <a:endParaRPr lang="he-IL"/>
           </a:p>
         </p:txBody>
       </p:sp>
@@ -5531,38 +5640,37 @@
           <a:p>
             <a:pPr lvl="0"/>
             <a:r>
-              <a:rPr lang="he-IL" smtClean="0"/>
+              <a:rPr lang="he-IL"/>
               <a:t>לחץ כדי לערוך סגנונות טקסט של תבנית בסיס</a:t>
             </a:r>
           </a:p>
           <a:p>
             <a:pPr lvl="1"/>
             <a:r>
-              <a:rPr lang="he-IL" smtClean="0"/>
+              <a:rPr lang="he-IL"/>
               <a:t>רמה שנייה</a:t>
             </a:r>
           </a:p>
           <a:p>
             <a:pPr lvl="2"/>
             <a:r>
-              <a:rPr lang="he-IL" smtClean="0"/>
+              <a:rPr lang="he-IL"/>
               <a:t>רמה שלישית</a:t>
             </a:r>
           </a:p>
           <a:p>
             <a:pPr lvl="3"/>
             <a:r>
-              <a:rPr lang="he-IL" smtClean="0"/>
+              <a:rPr lang="he-IL"/>
               <a:t>רמה רביעית</a:t>
             </a:r>
           </a:p>
           <a:p>
             <a:pPr lvl="4"/>
             <a:r>
-              <a:rPr lang="he-IL" smtClean="0"/>
+              <a:rPr lang="he-IL"/>
               <a:t>רמה חמישית</a:t>
             </a:r>
-            <a:endParaRPr lang="he-IL"/>
           </a:p>
         </p:txBody>
       </p:sp>
@@ -5583,7 +5691,7 @@
           <a:p>
             <a:fld id="{6F13CEA5-4F51-4ED4-A676-F9C80F4D6128}" type="datetimeFigureOut">
               <a:rPr lang="he-IL" smtClean="0"/>
-              <a:t>י"ז/תמוז/תשע"ט</a:t>
+              <a:t>כ"ב/תמוז/תשע"ט</a:t>
             </a:fld>
             <a:endParaRPr lang="he-IL"/>
           </a:p>
@@ -5682,10 +5790,9 @@
           <a:lstStyle/>
           <a:p>
             <a:r>
-              <a:rPr lang="he-IL" smtClean="0"/>
+              <a:rPr lang="he-IL"/>
               <a:t>לחץ כדי לערוך סגנון כותרת של תבנית בסיס</a:t>
             </a:r>
-            <a:endParaRPr lang="he-IL"/>
           </a:p>
         </p:txBody>
       </p:sp>
@@ -5711,38 +5818,37 @@
           <a:p>
             <a:pPr lvl="0"/>
             <a:r>
-              <a:rPr lang="he-IL" smtClean="0"/>
+              <a:rPr lang="he-IL"/>
               <a:t>לחץ כדי לערוך סגנונות טקסט של תבנית בסיס</a:t>
             </a:r>
           </a:p>
           <a:p>
             <a:pPr lvl="1"/>
             <a:r>
-              <a:rPr lang="he-IL" smtClean="0"/>
+              <a:rPr lang="he-IL"/>
               <a:t>רמה שנייה</a:t>
             </a:r>
           </a:p>
           <a:p>
             <a:pPr lvl="2"/>
             <a:r>
-              <a:rPr lang="he-IL" smtClean="0"/>
+              <a:rPr lang="he-IL"/>
               <a:t>רמה שלישית</a:t>
             </a:r>
           </a:p>
           <a:p>
             <a:pPr lvl="3"/>
             <a:r>
-              <a:rPr lang="he-IL" smtClean="0"/>
+              <a:rPr lang="he-IL"/>
               <a:t>רמה רביעית</a:t>
             </a:r>
           </a:p>
           <a:p>
             <a:pPr lvl="4"/>
             <a:r>
-              <a:rPr lang="he-IL" smtClean="0"/>
+              <a:rPr lang="he-IL"/>
               <a:t>רמה חמישית</a:t>
             </a:r>
-            <a:endParaRPr lang="he-IL"/>
           </a:p>
         </p:txBody>
       </p:sp>
@@ -5763,7 +5869,7 @@
           <a:p>
             <a:fld id="{6F13CEA5-4F51-4ED4-A676-F9C80F4D6128}" type="datetimeFigureOut">
               <a:rPr lang="he-IL" smtClean="0"/>
-              <a:t>י"ז/תמוז/תשע"ט</a:t>
+              <a:t>כ"ב/תמוז/תשע"ט</a:t>
             </a:fld>
             <a:endParaRPr lang="he-IL"/>
           </a:p>
@@ -6858,10 +6964,9 @@
           </a:lstStyle>
           <a:p>
             <a:r>
-              <a:rPr lang="he-IL" smtClean="0"/>
+              <a:rPr lang="he-IL"/>
               <a:t>לחץ כדי לערוך סגנון כותרת של תבנית בסיס</a:t>
             </a:r>
-            <a:endParaRPr lang="he-IL"/>
           </a:p>
         </p:txBody>
       </p:sp>
@@ -6923,10 +7028,9 @@
           </a:lstStyle>
           <a:p>
             <a:r>
-              <a:rPr lang="he-IL" smtClean="0"/>
+              <a:rPr lang="he-IL"/>
               <a:t>לחץ כדי לערוך סגנון כותרת משנה של תבנית בסיס</a:t>
             </a:r>
-            <a:endParaRPr lang="he-IL"/>
           </a:p>
         </p:txBody>
       </p:sp>
@@ -6955,7 +7059,7 @@
           <a:p>
             <a:fld id="{6F13CEA5-4F51-4ED4-A676-F9C80F4D6128}" type="datetimeFigureOut">
               <a:rPr lang="he-IL" smtClean="0"/>
-              <a:t>י"ז/תמוז/תשע"ט</a:t>
+              <a:t>כ"ב/תמוז/תשע"ט</a:t>
             </a:fld>
             <a:endParaRPr lang="he-IL"/>
           </a:p>
@@ -7583,10 +7687,9 @@
           <a:lstStyle/>
           <a:p>
             <a:r>
-              <a:rPr lang="he-IL" smtClean="0"/>
+              <a:rPr lang="he-IL"/>
               <a:t>לחץ כדי לערוך סגנון כותרת של תבנית בסיס</a:t>
             </a:r>
-            <a:endParaRPr lang="he-IL"/>
           </a:p>
         </p:txBody>
       </p:sp>
@@ -7607,38 +7710,37 @@
           <a:p>
             <a:pPr lvl="0"/>
             <a:r>
-              <a:rPr lang="he-IL" smtClean="0"/>
+              <a:rPr lang="he-IL"/>
               <a:t>לחץ כדי לערוך סגנונות טקסט של תבנית בסיס</a:t>
             </a:r>
           </a:p>
           <a:p>
             <a:pPr lvl="1"/>
             <a:r>
-              <a:rPr lang="he-IL" smtClean="0"/>
+              <a:rPr lang="he-IL"/>
               <a:t>רמה שנייה</a:t>
             </a:r>
           </a:p>
           <a:p>
             <a:pPr lvl="2"/>
             <a:r>
-              <a:rPr lang="he-IL" smtClean="0"/>
+              <a:rPr lang="he-IL"/>
               <a:t>רמה שלישית</a:t>
             </a:r>
           </a:p>
           <a:p>
             <a:pPr lvl="3"/>
             <a:r>
-              <a:rPr lang="he-IL" smtClean="0"/>
+              <a:rPr lang="he-IL"/>
               <a:t>רמה רביעית</a:t>
             </a:r>
           </a:p>
           <a:p>
             <a:pPr lvl="4"/>
             <a:r>
-              <a:rPr lang="he-IL" smtClean="0"/>
+              <a:rPr lang="he-IL"/>
               <a:t>רמה חמישית</a:t>
             </a:r>
-            <a:endParaRPr lang="he-IL"/>
           </a:p>
         </p:txBody>
       </p:sp>
@@ -7659,7 +7761,7 @@
           <a:p>
             <a:fld id="{6F13CEA5-4F51-4ED4-A676-F9C80F4D6128}" type="datetimeFigureOut">
               <a:rPr lang="he-IL" smtClean="0"/>
-              <a:t>י"ז/תמוז/תשע"ט</a:t>
+              <a:t>כ"ב/תמוז/תשע"ט</a:t>
             </a:fld>
             <a:endParaRPr lang="he-IL"/>
           </a:p>
@@ -7762,10 +7864,9 @@
           </a:lstStyle>
           <a:p>
             <a:r>
-              <a:rPr lang="he-IL" smtClean="0"/>
+              <a:rPr lang="he-IL"/>
               <a:t>לחץ כדי לערוך סגנון כותרת של תבנית בסיס</a:t>
             </a:r>
-            <a:endParaRPr lang="he-IL"/>
           </a:p>
         </p:txBody>
       </p:sp>
@@ -7882,7 +7983,7 @@
           <a:p>
             <a:pPr lvl="0"/>
             <a:r>
-              <a:rPr lang="he-IL" smtClean="0"/>
+              <a:rPr lang="he-IL"/>
               <a:t>לחץ כדי לערוך סגנונות טקסט של תבנית בסיס</a:t>
             </a:r>
           </a:p>
@@ -7905,7 +8006,7 @@
           <a:p>
             <a:fld id="{6F13CEA5-4F51-4ED4-A676-F9C80F4D6128}" type="datetimeFigureOut">
               <a:rPr lang="he-IL" smtClean="0"/>
-              <a:t>י"ז/תמוז/תשע"ט</a:t>
+              <a:t>כ"ב/תמוז/תשע"ט</a:t>
             </a:fld>
             <a:endParaRPr lang="he-IL"/>
           </a:p>
@@ -7999,10 +8100,9 @@
           <a:lstStyle/>
           <a:p>
             <a:r>
-              <a:rPr lang="he-IL" smtClean="0"/>
+              <a:rPr lang="he-IL"/>
               <a:t>לחץ כדי לערוך סגנון כותרת של תבנית בסיס</a:t>
             </a:r>
-            <a:endParaRPr lang="he-IL"/>
           </a:p>
         </p:txBody>
       </p:sp>
@@ -8028,38 +8128,37 @@
           <a:p>
             <a:pPr lvl="0"/>
             <a:r>
-              <a:rPr lang="he-IL" smtClean="0"/>
+              <a:rPr lang="he-IL"/>
               <a:t>לחץ כדי לערוך סגנונות טקסט של תבנית בסיס</a:t>
             </a:r>
           </a:p>
           <a:p>
             <a:pPr lvl="1"/>
             <a:r>
-              <a:rPr lang="he-IL" smtClean="0"/>
+              <a:rPr lang="he-IL"/>
               <a:t>רמה שנייה</a:t>
             </a:r>
           </a:p>
           <a:p>
             <a:pPr lvl="2"/>
             <a:r>
-              <a:rPr lang="he-IL" smtClean="0"/>
+              <a:rPr lang="he-IL"/>
               <a:t>רמה שלישית</a:t>
             </a:r>
           </a:p>
           <a:p>
             <a:pPr lvl="3"/>
             <a:r>
-              <a:rPr lang="he-IL" smtClean="0"/>
+              <a:rPr lang="he-IL"/>
               <a:t>רמה רביעית</a:t>
             </a:r>
           </a:p>
           <a:p>
             <a:pPr lvl="4"/>
             <a:r>
-              <a:rPr lang="he-IL" smtClean="0"/>
+              <a:rPr lang="he-IL"/>
               <a:t>רמה חמישית</a:t>
             </a:r>
-            <a:endParaRPr lang="he-IL"/>
           </a:p>
         </p:txBody>
       </p:sp>
@@ -8085,38 +8184,37 @@
           <a:p>
             <a:pPr lvl="0"/>
             <a:r>
-              <a:rPr lang="he-IL" smtClean="0"/>
+              <a:rPr lang="he-IL"/>
               <a:t>לחץ כדי לערוך סגנונות טקסט של תבנית בסיס</a:t>
             </a:r>
           </a:p>
           <a:p>
             <a:pPr lvl="1"/>
             <a:r>
-              <a:rPr lang="he-IL" smtClean="0"/>
+              <a:rPr lang="he-IL"/>
               <a:t>רמה שנייה</a:t>
             </a:r>
           </a:p>
           <a:p>
             <a:pPr lvl="2"/>
             <a:r>
-              <a:rPr lang="he-IL" smtClean="0"/>
+              <a:rPr lang="he-IL"/>
               <a:t>רמה שלישית</a:t>
             </a:r>
           </a:p>
           <a:p>
             <a:pPr lvl="3"/>
             <a:r>
-              <a:rPr lang="he-IL" smtClean="0"/>
+              <a:rPr lang="he-IL"/>
               <a:t>רמה רביעית</a:t>
             </a:r>
           </a:p>
           <a:p>
             <a:pPr lvl="4"/>
             <a:r>
-              <a:rPr lang="he-IL" smtClean="0"/>
+              <a:rPr lang="he-IL"/>
               <a:t>רמה חמישית</a:t>
             </a:r>
-            <a:endParaRPr lang="he-IL"/>
           </a:p>
         </p:txBody>
       </p:sp>
@@ -8137,7 +8235,7 @@
           <a:p>
             <a:fld id="{6F13CEA5-4F51-4ED4-A676-F9C80F4D6128}" type="datetimeFigureOut">
               <a:rPr lang="he-IL" smtClean="0"/>
-              <a:t>י"ז/תמוז/תשע"ט</a:t>
+              <a:t>כ"ב/תמוז/תשע"ט</a:t>
             </a:fld>
             <a:endParaRPr lang="he-IL"/>
           </a:p>
@@ -8236,10 +8334,9 @@
           <a:lstStyle/>
           <a:p>
             <a:r>
-              <a:rPr lang="he-IL" smtClean="0"/>
+              <a:rPr lang="he-IL"/>
               <a:t>לחץ כדי לערוך סגנון כותרת של תבנית בסיס</a:t>
             </a:r>
-            <a:endParaRPr lang="he-IL"/>
           </a:p>
         </p:txBody>
       </p:sp>
@@ -8302,7 +8399,7 @@
           <a:p>
             <a:pPr lvl="0"/>
             <a:r>
-              <a:rPr lang="he-IL" smtClean="0"/>
+              <a:rPr lang="he-IL"/>
               <a:t>לחץ כדי לערוך סגנונות טקסט של תבנית בסיס</a:t>
             </a:r>
           </a:p>
@@ -8330,38 +8427,37 @@
           <a:p>
             <a:pPr lvl="0"/>
             <a:r>
-              <a:rPr lang="he-IL" smtClean="0"/>
+              <a:rPr lang="he-IL"/>
               <a:t>לחץ כדי לערוך סגנונות טקסט של תבנית בסיס</a:t>
             </a:r>
           </a:p>
           <a:p>
             <a:pPr lvl="1"/>
             <a:r>
-              <a:rPr lang="he-IL" smtClean="0"/>
+              <a:rPr lang="he-IL"/>
               <a:t>רמה שנייה</a:t>
             </a:r>
           </a:p>
           <a:p>
             <a:pPr lvl="2"/>
             <a:r>
-              <a:rPr lang="he-IL" smtClean="0"/>
+              <a:rPr lang="he-IL"/>
               <a:t>רמה שלישית</a:t>
             </a:r>
           </a:p>
           <a:p>
             <a:pPr lvl="3"/>
             <a:r>
-              <a:rPr lang="he-IL" smtClean="0"/>
+              <a:rPr lang="he-IL"/>
               <a:t>רמה רביעית</a:t>
             </a:r>
           </a:p>
           <a:p>
             <a:pPr lvl="4"/>
             <a:r>
-              <a:rPr lang="he-IL" smtClean="0"/>
+              <a:rPr lang="he-IL"/>
               <a:t>רמה חמישית</a:t>
             </a:r>
-            <a:endParaRPr lang="he-IL"/>
           </a:p>
         </p:txBody>
       </p:sp>
@@ -8424,7 +8520,7 @@
           <a:p>
             <a:pPr lvl="0"/>
             <a:r>
-              <a:rPr lang="he-IL" smtClean="0"/>
+              <a:rPr lang="he-IL"/>
               <a:t>לחץ כדי לערוך סגנונות טקסט של תבנית בסיס</a:t>
             </a:r>
           </a:p>
@@ -8452,38 +8548,37 @@
           <a:p>
             <a:pPr lvl="0"/>
             <a:r>
-              <a:rPr lang="he-IL" smtClean="0"/>
+              <a:rPr lang="he-IL"/>
               <a:t>לחץ כדי לערוך סגנונות טקסט של תבנית בסיס</a:t>
             </a:r>
           </a:p>
           <a:p>
             <a:pPr lvl="1"/>
             <a:r>
-              <a:rPr lang="he-IL" smtClean="0"/>
+              <a:rPr lang="he-IL"/>
               <a:t>רמה שנייה</a:t>
             </a:r>
           </a:p>
           <a:p>
             <a:pPr lvl="2"/>
             <a:r>
-              <a:rPr lang="he-IL" smtClean="0"/>
+              <a:rPr lang="he-IL"/>
               <a:t>רמה שלישית</a:t>
             </a:r>
           </a:p>
           <a:p>
             <a:pPr lvl="3"/>
             <a:r>
-              <a:rPr lang="he-IL" smtClean="0"/>
+              <a:rPr lang="he-IL"/>
               <a:t>רמה רביעית</a:t>
             </a:r>
           </a:p>
           <a:p>
             <a:pPr lvl="4"/>
             <a:r>
-              <a:rPr lang="he-IL" smtClean="0"/>
+              <a:rPr lang="he-IL"/>
               <a:t>רמה חמישית</a:t>
             </a:r>
-            <a:endParaRPr lang="he-IL"/>
           </a:p>
         </p:txBody>
       </p:sp>
@@ -8504,7 +8599,7 @@
           <a:p>
             <a:fld id="{6F13CEA5-4F51-4ED4-A676-F9C80F4D6128}" type="datetimeFigureOut">
               <a:rPr lang="he-IL" smtClean="0"/>
-              <a:t>י"ז/תמוז/תשע"ט</a:t>
+              <a:t>כ"ב/תמוז/תשע"ט</a:t>
             </a:fld>
             <a:endParaRPr lang="he-IL"/>
           </a:p>
@@ -8598,10 +8693,9 @@
           <a:lstStyle/>
           <a:p>
             <a:r>
-              <a:rPr lang="he-IL" smtClean="0"/>
+              <a:rPr lang="he-IL"/>
               <a:t>לחץ כדי לערוך סגנון כותרת של תבנית בסיס</a:t>
             </a:r>
-            <a:endParaRPr lang="he-IL"/>
           </a:p>
         </p:txBody>
       </p:sp>
@@ -8622,7 +8716,7 @@
           <a:p>
             <a:fld id="{6F13CEA5-4F51-4ED4-A676-F9C80F4D6128}" type="datetimeFigureOut">
               <a:rPr lang="he-IL" smtClean="0"/>
-              <a:t>י"ז/תמוז/תשע"ט</a:t>
+              <a:t>כ"ב/תמוז/תשע"ט</a:t>
             </a:fld>
             <a:endParaRPr lang="he-IL"/>
           </a:p>
@@ -8717,7 +8811,7 @@
           <a:p>
             <a:fld id="{6F13CEA5-4F51-4ED4-A676-F9C80F4D6128}" type="datetimeFigureOut">
               <a:rPr lang="he-IL" smtClean="0"/>
-              <a:t>י"ז/תמוז/תשע"ט</a:t>
+              <a:t>כ"ב/תמוז/תשע"ט</a:t>
             </a:fld>
             <a:endParaRPr lang="he-IL"/>
           </a:p>
@@ -8820,10 +8914,9 @@
           </a:lstStyle>
           <a:p>
             <a:r>
-              <a:rPr lang="he-IL" smtClean="0"/>
+              <a:rPr lang="he-IL"/>
               <a:t>לחץ כדי לערוך סגנון כותרת של תבנית בסיס</a:t>
             </a:r>
-            <a:endParaRPr lang="he-IL"/>
           </a:p>
         </p:txBody>
       </p:sp>
@@ -8877,38 +8970,37 @@
           <a:p>
             <a:pPr lvl="0"/>
             <a:r>
-              <a:rPr lang="he-IL" smtClean="0"/>
+              <a:rPr lang="he-IL"/>
               <a:t>לחץ כדי לערוך סגנונות טקסט של תבנית בסיס</a:t>
             </a:r>
           </a:p>
           <a:p>
             <a:pPr lvl="1"/>
             <a:r>
-              <a:rPr lang="he-IL" smtClean="0"/>
+              <a:rPr lang="he-IL"/>
               <a:t>רמה שנייה</a:t>
             </a:r>
           </a:p>
           <a:p>
             <a:pPr lvl="2"/>
             <a:r>
-              <a:rPr lang="he-IL" smtClean="0"/>
+              <a:rPr lang="he-IL"/>
               <a:t>רמה שלישית</a:t>
             </a:r>
           </a:p>
           <a:p>
             <a:pPr lvl="3"/>
             <a:r>
-              <a:rPr lang="he-IL" smtClean="0"/>
+              <a:rPr lang="he-IL"/>
               <a:t>רמה רביעית</a:t>
             </a:r>
           </a:p>
           <a:p>
             <a:pPr lvl="4"/>
             <a:r>
-              <a:rPr lang="he-IL" smtClean="0"/>
+              <a:rPr lang="he-IL"/>
               <a:t>רמה חמישית</a:t>
             </a:r>
-            <a:endParaRPr lang="he-IL"/>
           </a:p>
         </p:txBody>
       </p:sp>
@@ -8971,7 +9063,7 @@
           <a:p>
             <a:pPr lvl="0"/>
             <a:r>
-              <a:rPr lang="he-IL" smtClean="0"/>
+              <a:rPr lang="he-IL"/>
               <a:t>לחץ כדי לערוך סגנונות טקסט של תבנית בסיס</a:t>
             </a:r>
           </a:p>
@@ -8994,7 +9086,7 @@
           <a:p>
             <a:fld id="{6F13CEA5-4F51-4ED4-A676-F9C80F4D6128}" type="datetimeFigureOut">
               <a:rPr lang="he-IL" smtClean="0"/>
-              <a:t>י"ז/תמוז/תשע"ט</a:t>
+              <a:t>כ"ב/תמוז/תשע"ט</a:t>
             </a:fld>
             <a:endParaRPr lang="he-IL"/>
           </a:p>
@@ -9097,10 +9189,9 @@
           </a:lstStyle>
           <a:p>
             <a:r>
-              <a:rPr lang="he-IL" smtClean="0"/>
+              <a:rPr lang="he-IL"/>
               <a:t>לחץ כדי לערוך סגנון כותרת של תבנית בסיס</a:t>
             </a:r>
-            <a:endParaRPr lang="he-IL"/>
           </a:p>
         </p:txBody>
       </p:sp>
@@ -9224,7 +9315,7 @@
           <a:p>
             <a:pPr lvl="0"/>
             <a:r>
-              <a:rPr lang="he-IL" smtClean="0"/>
+              <a:rPr lang="he-IL"/>
               <a:t>לחץ כדי לערוך סגנונות טקסט של תבנית בסיס</a:t>
             </a:r>
           </a:p>
@@ -9247,7 +9338,7 @@
           <a:p>
             <a:fld id="{6F13CEA5-4F51-4ED4-A676-F9C80F4D6128}" type="datetimeFigureOut">
               <a:rPr lang="he-IL" smtClean="0"/>
-              <a:t>י"ז/תמוז/תשע"ט</a:t>
+              <a:t>כ"ב/תמוז/תשע"ט</a:t>
             </a:fld>
             <a:endParaRPr lang="he-IL"/>
           </a:p>
@@ -9356,10 +9447,9 @@
           <a:lstStyle/>
           <a:p>
             <a:r>
-              <a:rPr lang="he-IL" smtClean="0"/>
+              <a:rPr lang="he-IL"/>
               <a:t>לחץ כדי לערוך סגנון כותרת של תבנית בסיס</a:t>
             </a:r>
-            <a:endParaRPr lang="he-IL"/>
           </a:p>
         </p:txBody>
       </p:sp>
@@ -9390,38 +9480,37 @@
           <a:p>
             <a:pPr lvl="0"/>
             <a:r>
-              <a:rPr lang="he-IL" smtClean="0"/>
+              <a:rPr lang="he-IL"/>
               <a:t>לחץ כדי לערוך סגנונות טקסט של תבנית בסיס</a:t>
             </a:r>
           </a:p>
           <a:p>
             <a:pPr lvl="1"/>
             <a:r>
-              <a:rPr lang="he-IL" smtClean="0"/>
+              <a:rPr lang="he-IL"/>
               <a:t>רמה שנייה</a:t>
             </a:r>
           </a:p>
           <a:p>
             <a:pPr lvl="2"/>
             <a:r>
-              <a:rPr lang="he-IL" smtClean="0"/>
+              <a:rPr lang="he-IL"/>
               <a:t>רמה שלישית</a:t>
             </a:r>
           </a:p>
           <a:p>
             <a:pPr lvl="3"/>
             <a:r>
-              <a:rPr lang="he-IL" smtClean="0"/>
+              <a:rPr lang="he-IL"/>
               <a:t>רמה רביעית</a:t>
             </a:r>
           </a:p>
           <a:p>
             <a:pPr lvl="4"/>
             <a:r>
-              <a:rPr lang="he-IL" smtClean="0"/>
+              <a:rPr lang="he-IL"/>
               <a:t>רמה חמישית</a:t>
             </a:r>
-            <a:endParaRPr lang="he-IL"/>
           </a:p>
         </p:txBody>
       </p:sp>
@@ -9460,7 +9549,7 @@
           <a:p>
             <a:fld id="{6F13CEA5-4F51-4ED4-A676-F9C80F4D6128}" type="datetimeFigureOut">
               <a:rPr lang="he-IL" smtClean="0"/>
-              <a:t>י"ז/תמוז/תשע"ט</a:t>
+              <a:t>כ"ב/תמוז/תשע"ט</a:t>
             </a:fld>
             <a:endParaRPr lang="he-IL"/>
           </a:p>
@@ -11308,34 +11397,21 @@
           <a:lstStyle/>
           <a:p>
             <a:r>
-              <a:rPr lang="en-US" sz="4400" b="1" dirty="0" err="1" smtClean="0">
+              <a:rPr lang="en-US" sz="4400" b="1" dirty="0" err="1">
                 <a:latin typeface="Buxton Sketch" panose="03080500000500000004" pitchFamily="66" charset="0"/>
                 <a:cs typeface="BN Barak" panose="02000000000000000000" pitchFamily="2" charset="-79"/>
               </a:rPr>
               <a:t>Blockchain</a:t>
             </a:r>
             <a:r>
-              <a:rPr lang="en-US" sz="4400" b="1" dirty="0" smtClean="0">
+              <a:rPr lang="en-US" sz="4400" b="1" dirty="0">
                 <a:latin typeface="Buxton Sketch" panose="03080500000500000004" pitchFamily="66" charset="0"/>
                 <a:cs typeface="BN Barak" panose="02000000000000000000" pitchFamily="2" charset="-79"/>
               </a:rPr>
               <a:t> Final Project</a:t>
             </a:r>
             <a:br>
-              <a:rPr lang="en-US" sz="4400" b="1" dirty="0" smtClean="0">
-                <a:latin typeface="Buxton Sketch" panose="03080500000500000004" pitchFamily="66" charset="0"/>
-                <a:cs typeface="BN Barak" panose="02000000000000000000" pitchFamily="2" charset="-79"/>
-              </a:rPr>
-            </a:br>
-            <a:r>
-              <a:rPr lang="en-US" sz="2800" dirty="0" smtClean="0">
-                <a:latin typeface="Buxton Sketch" panose="03080500000500000004" pitchFamily="66" charset="0"/>
-                <a:cs typeface="BN Barak" panose="02000000000000000000" pitchFamily="2" charset="-79"/>
-              </a:rPr>
-              <a:t>Quartet</a:t>
-            </a:r>
-            <a:br>
-              <a:rPr lang="en-US" sz="2800" dirty="0" smtClean="0">
+              <a:rPr lang="en-US" sz="4400" b="1" dirty="0">
                 <a:latin typeface="Buxton Sketch" panose="03080500000500000004" pitchFamily="66" charset="0"/>
                 <a:cs typeface="BN Barak" panose="02000000000000000000" pitchFamily="2" charset="-79"/>
               </a:rPr>
@@ -11345,7 +11421,7 @@
                 <a:latin typeface="Buxton Sketch" panose="03080500000500000004" pitchFamily="66" charset="0"/>
                 <a:cs typeface="BN Barak" panose="02000000000000000000" pitchFamily="2" charset="-79"/>
               </a:rPr>
-              <a:t/>
+              <a:t>Quartet</a:t>
             </a:r>
             <a:br>
               <a:rPr lang="en-US" sz="2800" dirty="0">
@@ -11353,49 +11429,48 @@
                 <a:cs typeface="BN Barak" panose="02000000000000000000" pitchFamily="2" charset="-79"/>
               </a:rPr>
             </a:br>
+            <a:br>
+              <a:rPr lang="en-US" sz="2800" dirty="0">
+                <a:latin typeface="Buxton Sketch" panose="03080500000500000004" pitchFamily="66" charset="0"/>
+                <a:cs typeface="BN Barak" panose="02000000000000000000" pitchFamily="2" charset="-79"/>
+              </a:rPr>
+            </a:br>
             <a:r>
-              <a:rPr lang="en-US" sz="2000" dirty="0" smtClean="0">
+              <a:rPr lang="en-US" sz="2000" dirty="0">
                 <a:latin typeface="Tempus Sans ITC" panose="04020404030D07020202" pitchFamily="82" charset="0"/>
                 <a:cs typeface="BN Barak" panose="02000000000000000000" pitchFamily="2" charset="-79"/>
               </a:rPr>
               <a:t>Ron Friedman 209490358</a:t>
             </a:r>
-            <a:r>
-              <a:rPr lang="he-IL" sz="2000" dirty="0" smtClean="0">
-                <a:latin typeface="Tempus Sans ITC" panose="04020404030D07020202" pitchFamily="82" charset="0"/>
-                <a:cs typeface="BN Barak" panose="02000000000000000000" pitchFamily="2" charset="-79"/>
-              </a:rPr>
-              <a:t/>
-            </a:r>
             <a:br>
-              <a:rPr lang="he-IL" sz="2000" dirty="0" smtClean="0">
+              <a:rPr lang="he-IL" sz="2000" dirty="0">
                 <a:latin typeface="Tempus Sans ITC" panose="04020404030D07020202" pitchFamily="82" charset="0"/>
                 <a:cs typeface="BN Barak" panose="02000000000000000000" pitchFamily="2" charset="-79"/>
               </a:rPr>
             </a:br>
             <a:r>
-              <a:rPr lang="en-US" sz="2000" dirty="0" err="1" smtClean="0">
+              <a:rPr lang="en-US" sz="2000" dirty="0" err="1">
                 <a:latin typeface="Tempus Sans ITC" panose="04020404030D07020202" pitchFamily="82" charset="0"/>
                 <a:cs typeface="BN Barak" panose="02000000000000000000" pitchFamily="2" charset="-79"/>
               </a:rPr>
               <a:t>Netanel</a:t>
             </a:r>
             <a:r>
-              <a:rPr lang="en-US" sz="2000" dirty="0" smtClean="0">
+              <a:rPr lang="en-US" sz="2000" dirty="0">
                 <a:latin typeface="Tempus Sans ITC" panose="04020404030D07020202" pitchFamily="82" charset="0"/>
                 <a:cs typeface="BN Barak" panose="02000000000000000000" pitchFamily="2" charset="-79"/>
               </a:rPr>
               <a:t> </a:t>
             </a:r>
             <a:r>
-              <a:rPr lang="en-US" sz="2000" dirty="0" err="1" smtClean="0">
+              <a:rPr lang="en-US" sz="2000" dirty="0" err="1">
                 <a:latin typeface="Tempus Sans ITC" panose="04020404030D07020202" pitchFamily="82" charset="0"/>
                 <a:cs typeface="BN Barak" panose="02000000000000000000" pitchFamily="2" charset="-79"/>
               </a:rPr>
               <a:t>Konforty</a:t>
             </a:r>
             <a:r>
-              <a:rPr lang="en-US" sz="2000" dirty="0" smtClean="0">
+              <a:rPr lang="en-US" sz="2000" dirty="0">
                 <a:latin typeface="Tempus Sans ITC" panose="04020404030D07020202" pitchFamily="82" charset="0"/>
                 <a:cs typeface="BN Barak" panose="02000000000000000000" pitchFamily="2" charset="-79"/>
               </a:rPr>
@@ -11418,21 +11493,6 @@
   <p:clrMapOvr>
     <a:masterClrMapping/>
   </p:clrMapOvr>
-  <mc:AlternateContent xmlns:mc="http://schemas.openxmlformats.org/markup-compatibility/2006">
-    <mc:Choice xmlns:p14="http://schemas.microsoft.com/office/powerpoint/2010/main" Requires="p14">
-      <p:transition p14:dur="0"/>
-    </mc:Choice>
-    <mc:Fallback>
-      <p:transition/>
-    </mc:Fallback>
-  </mc:AlternateContent>
-  <p:timing>
-    <p:tnLst>
-      <p:par>
-        <p:cTn id="1" dur="indefinite" restart="never" nodeType="tmRoot"/>
-      </p:par>
-    </p:tnLst>
-  </p:timing>
 </p:sld>
 </file>
 
@@ -11964,7 +12024,7 @@
           <a:p>
             <a:pPr algn="l" rtl="0"/>
             <a:r>
-              <a:rPr lang="en-US" sz="2800" dirty="0" err="1" smtClean="0">
+              <a:rPr lang="en-US" sz="2800" dirty="0" err="1">
                 <a:solidFill>
                   <a:schemeClr val="accent2">
                     <a:lumMod val="20000"/>
@@ -11977,7 +12037,7 @@
               <a:t>QuartetCoin.sol</a:t>
             </a:r>
             <a:r>
-              <a:rPr lang="en-US" sz="2800" dirty="0" smtClean="0">
+              <a:rPr lang="en-US" sz="2800" dirty="0">
                 <a:solidFill>
                   <a:schemeClr val="accent2">
                     <a:lumMod val="20000"/>
@@ -12036,21 +12096,6 @@
   <p:clrMapOvr>
     <a:masterClrMapping/>
   </p:clrMapOvr>
-  <mc:AlternateContent xmlns:mc="http://schemas.openxmlformats.org/markup-compatibility/2006">
-    <mc:Choice xmlns:p14="http://schemas.microsoft.com/office/powerpoint/2010/main" Requires="p14">
-      <p:transition p14:dur="0"/>
-    </mc:Choice>
-    <mc:Fallback>
-      <p:transition/>
-    </mc:Fallback>
-  </mc:AlternateContent>
-  <p:timing>
-    <p:tnLst>
-      <p:par>
-        <p:cTn id="1" dur="indefinite" restart="never" nodeType="tmRoot"/>
-      </p:par>
-    </p:tnLst>
-  </p:timing>
 </p:sld>
 </file>
 
@@ -12582,7 +12627,7 @@
           <a:p>
             <a:pPr algn="l" rtl="0"/>
             <a:r>
-              <a:rPr lang="en-US" sz="2800" dirty="0" err="1" smtClean="0">
+              <a:rPr lang="en-US" sz="2800" dirty="0" err="1">
                 <a:solidFill>
                   <a:schemeClr val="accent2">
                     <a:lumMod val="20000"/>
@@ -12595,7 +12640,7 @@
               <a:t>Card.sol</a:t>
             </a:r>
             <a:r>
-              <a:rPr lang="en-US" sz="2800" dirty="0" smtClean="0">
+              <a:rPr lang="en-US" sz="2800" dirty="0">
                 <a:solidFill>
                   <a:schemeClr val="accent2">
                     <a:lumMod val="20000"/>
@@ -12654,21 +12699,6 @@
   <p:clrMapOvr>
     <a:masterClrMapping/>
   </p:clrMapOvr>
-  <mc:AlternateContent xmlns:mc="http://schemas.openxmlformats.org/markup-compatibility/2006">
-    <mc:Choice xmlns:p14="http://schemas.microsoft.com/office/powerpoint/2010/main" Requires="p14">
-      <p:transition p14:dur="0"/>
-    </mc:Choice>
-    <mc:Fallback>
-      <p:transition/>
-    </mc:Fallback>
-  </mc:AlternateContent>
-  <p:timing>
-    <p:tnLst>
-      <p:par>
-        <p:cTn id="1" dur="indefinite" restart="never" nodeType="tmRoot"/>
-      </p:par>
-    </p:tnLst>
-  </p:timing>
 </p:sld>
 </file>
 
@@ -12719,7 +12749,7 @@
               <a:buChar char="v"/>
             </a:pPr>
             <a:r>
-              <a:rPr lang="en-US" sz="1600" b="1" dirty="0" smtClean="0">
+              <a:rPr lang="en-US" sz="1600" b="1" dirty="0">
                 <a:latin typeface="BN Barak" panose="02000000000000000000" pitchFamily="2" charset="-79"/>
                 <a:cs typeface="BN Barak" panose="02000000000000000000" pitchFamily="2" charset="-79"/>
               </a:rPr>
@@ -12732,7 +12762,7 @@
               <a:buChar char="v"/>
             </a:pPr>
             <a:r>
-              <a:rPr lang="en-US" sz="1600" b="1" dirty="0" smtClean="0">
+              <a:rPr lang="en-US" sz="1600" b="1" dirty="0">
                 <a:latin typeface="BN Barak" panose="02000000000000000000" pitchFamily="2" charset="-79"/>
                 <a:cs typeface="BN Barak" panose="02000000000000000000" pitchFamily="2" charset="-79"/>
               </a:rPr>
@@ -12745,13 +12775,13 @@
               <a:buChar char="v"/>
             </a:pPr>
             <a:r>
-              <a:rPr lang="en-US" sz="1600" b="1" dirty="0" err="1" smtClean="0">
+              <a:rPr lang="en-US" sz="1600" b="1" dirty="0" err="1">
                 <a:latin typeface="BN Barak" panose="02000000000000000000" pitchFamily="2" charset="-79"/>
                 <a:cs typeface="BN Barak" panose="02000000000000000000" pitchFamily="2" charset="-79"/>
               </a:rPr>
               <a:t>Css</a:t>
             </a:r>
-            <a:endParaRPr lang="en-US" sz="1600" b="1" dirty="0" smtClean="0">
+            <a:endParaRPr lang="en-US" sz="1600" b="1" dirty="0">
               <a:latin typeface="BN Barak" panose="02000000000000000000" pitchFamily="2" charset="-79"/>
               <a:cs typeface="BN Barak" panose="02000000000000000000" pitchFamily="2" charset="-79"/>
             </a:endParaRPr>
@@ -12762,7 +12792,7 @@
               <a:buChar char="v"/>
             </a:pPr>
             <a:r>
-              <a:rPr lang="en-US" sz="1600" b="1" dirty="0" smtClean="0">
+              <a:rPr lang="en-US" sz="1600" b="1" dirty="0">
                 <a:latin typeface="BN Barak" panose="02000000000000000000" pitchFamily="2" charset="-79"/>
                 <a:cs typeface="BN Barak" panose="02000000000000000000" pitchFamily="2" charset="-79"/>
               </a:rPr>
@@ -12774,7 +12804,20 @@
               <a:buFont typeface="Wingdings" panose="05000000000000000000" pitchFamily="2" charset="2"/>
               <a:buChar char="v"/>
             </a:pPr>
-            <a:endParaRPr lang="en-US" sz="1600" b="1" dirty="0" smtClean="0">
+            <a:r>
+              <a:rPr lang="en-US" sz="1600" b="1" dirty="0">
+                <a:latin typeface="BN Barak" panose="02000000000000000000" pitchFamily="2" charset="-79"/>
+                <a:cs typeface="BN Barak" panose="02000000000000000000" pitchFamily="2" charset="-79"/>
+              </a:rPr>
+              <a:t>NodeJS</a:t>
+            </a:r>
+          </a:p>
+          <a:p>
+            <a:pPr marL="285750" indent="-285750" algn="l" rtl="0">
+              <a:buFont typeface="Wingdings" panose="05000000000000000000" pitchFamily="2" charset="2"/>
+              <a:buChar char="v"/>
+            </a:pPr>
+            <a:endParaRPr lang="en-US" sz="1600" b="1" dirty="0">
               <a:latin typeface="BN Barak" panose="02000000000000000000" pitchFamily="2" charset="-79"/>
               <a:cs typeface="BN Barak" panose="02000000000000000000" pitchFamily="2" charset="-79"/>
             </a:endParaRPr>
@@ -12965,7 +13008,7 @@
           <a:p>
             <a:pPr algn="ctr" rtl="0"/>
             <a:r>
-              <a:rPr lang="en-US" b="1" dirty="0" smtClean="0">
+              <a:rPr lang="en-US" b="1" dirty="0">
                 <a:latin typeface="Buxton Sketch" panose="03080500000500000004" pitchFamily="66" charset="0"/>
                 <a:cs typeface="BN Barak" panose="02000000000000000000" pitchFamily="2" charset="-79"/>
               </a:rPr>
@@ -13029,25 +13072,2514 @@
   <p:clrMapOvr>
     <a:masterClrMapping/>
   </p:clrMapOvr>
-  <mc:AlternateContent xmlns:mc="http://schemas.openxmlformats.org/markup-compatibility/2006">
-    <mc:Choice xmlns:p14="http://schemas.microsoft.com/office/powerpoint/2010/main" Requires="p14">
-      <p:transition p14:dur="0"/>
-    </mc:Choice>
-    <mc:Fallback>
-      <p:transition/>
-    </mc:Fallback>
-  </mc:AlternateContent>
-  <p:timing>
-    <p:tnLst>
-      <p:par>
-        <p:cTn id="1" dur="indefinite" restart="never" nodeType="tmRoot"/>
-      </p:par>
-    </p:tnLst>
-  </p:timing>
 </p:sld>
 </file>
 
 <file path=ppt/slides/slide13.xml><?xml version="1.0" encoding="utf-8"?>
+<p:sld xmlns:a="http://schemas.openxmlformats.org/drawingml/2006/main" xmlns:r="http://schemas.openxmlformats.org/officeDocument/2006/relationships" xmlns:p="http://schemas.openxmlformats.org/presentationml/2006/main">
+  <p:cSld>
+    <p:bg>
+      <p:bgPr>
+        <a:gradFill>
+          <a:gsLst>
+            <a:gs pos="0">
+              <a:srgbClr val="46E180"/>
+            </a:gs>
+            <a:gs pos="100000">
+              <a:srgbClr val="B8DF32"/>
+            </a:gs>
+          </a:gsLst>
+          <a:lin ang="5400012" scaled="0"/>
+        </a:gradFill>
+        <a:effectLst/>
+      </p:bgPr>
+    </p:bg>
+    <p:spTree>
+      <p:nvGrpSpPr>
+        <p:cNvPr id="1" name="Shape 75"/>
+        <p:cNvGrpSpPr/>
+        <p:nvPr/>
+      </p:nvGrpSpPr>
+      <p:grpSpPr>
+        <a:xfrm>
+          <a:off x="0" y="0"/>
+          <a:ext cx="0" cy="0"/>
+          <a:chOff x="0" y="0"/>
+          <a:chExt cx="0" cy="0"/>
+        </a:xfrm>
+      </p:grpSpPr>
+      <p:sp>
+        <p:nvSpPr>
+          <p:cNvPr id="79" name="Google Shape;79;p15"/>
+          <p:cNvSpPr txBox="1">
+            <a:spLocks noGrp="1"/>
+          </p:cNvSpPr>
+          <p:nvPr>
+            <p:ph type="sldNum" idx="12"/>
+          </p:nvPr>
+        </p:nvSpPr>
+        <p:spPr>
+          <a:prstGeom prst="rect">
+            <a:avLst/>
+          </a:prstGeom>
+        </p:spPr>
+        <p:txBody>
+          <a:bodyPr spcFirstLastPara="1" wrap="square" lIns="0" tIns="0" rIns="0" bIns="0" anchor="ctr" anchorCtr="0">
+            <a:noAutofit/>
+          </a:bodyPr>
+          <a:lstStyle/>
+          <a:p>
+            <a:fld id="{00000000-1234-1234-1234-123412341234}" type="slidenum">
+              <a:rPr lang="en"/>
+              <a:pPr/>
+              <a:t>13</a:t>
+            </a:fld>
+            <a:endParaRPr/>
+          </a:p>
+        </p:txBody>
+      </p:sp>
+      <p:sp>
+        <p:nvSpPr>
+          <p:cNvPr id="18" name="Google Shape;270;p34"/>
+          <p:cNvSpPr/>
+          <p:nvPr/>
+        </p:nvSpPr>
+        <p:spPr>
+          <a:xfrm>
+            <a:off x="5373601" y="1535610"/>
+            <a:ext cx="5140196" cy="4001701"/>
+          </a:xfrm>
+          <a:custGeom>
+            <a:avLst/>
+            <a:gdLst/>
+            <a:ahLst/>
+            <a:cxnLst/>
+            <a:rect l="l" t="t" r="r" b="b"/>
+            <a:pathLst>
+              <a:path w="143434" h="111665" extrusionOk="0">
+                <a:moveTo>
+                  <a:pt x="71751" y="2308"/>
+                </a:moveTo>
+                <a:lnTo>
+                  <a:pt x="71887" y="2376"/>
+                </a:lnTo>
+                <a:lnTo>
+                  <a:pt x="72091" y="2444"/>
+                </a:lnTo>
+                <a:lnTo>
+                  <a:pt x="72159" y="2647"/>
+                </a:lnTo>
+                <a:lnTo>
+                  <a:pt x="72226" y="2783"/>
+                </a:lnTo>
+                <a:lnTo>
+                  <a:pt x="72159" y="2987"/>
+                </a:lnTo>
+                <a:lnTo>
+                  <a:pt x="72091" y="3190"/>
+                </a:lnTo>
+                <a:lnTo>
+                  <a:pt x="71887" y="3258"/>
+                </a:lnTo>
+                <a:lnTo>
+                  <a:pt x="71751" y="3326"/>
+                </a:lnTo>
+                <a:lnTo>
+                  <a:pt x="71548" y="3258"/>
+                </a:lnTo>
+                <a:lnTo>
+                  <a:pt x="71344" y="3190"/>
+                </a:lnTo>
+                <a:lnTo>
+                  <a:pt x="71276" y="2987"/>
+                </a:lnTo>
+                <a:lnTo>
+                  <a:pt x="71208" y="2783"/>
+                </a:lnTo>
+                <a:lnTo>
+                  <a:pt x="71276" y="2647"/>
+                </a:lnTo>
+                <a:lnTo>
+                  <a:pt x="71344" y="2444"/>
+                </a:lnTo>
+                <a:lnTo>
+                  <a:pt x="71548" y="2376"/>
+                </a:lnTo>
+                <a:lnTo>
+                  <a:pt x="71751" y="2308"/>
+                </a:lnTo>
+                <a:close/>
+                <a:moveTo>
+                  <a:pt x="137528" y="5906"/>
+                </a:moveTo>
+                <a:lnTo>
+                  <a:pt x="137596" y="5974"/>
+                </a:lnTo>
+                <a:lnTo>
+                  <a:pt x="137596" y="89604"/>
+                </a:lnTo>
+                <a:lnTo>
+                  <a:pt x="5906" y="89604"/>
+                </a:lnTo>
+                <a:lnTo>
+                  <a:pt x="5906" y="5974"/>
+                </a:lnTo>
+                <a:lnTo>
+                  <a:pt x="5906" y="5906"/>
+                </a:lnTo>
+                <a:close/>
+                <a:moveTo>
+                  <a:pt x="3530" y="0"/>
+                </a:moveTo>
+                <a:lnTo>
+                  <a:pt x="3191" y="68"/>
+                </a:lnTo>
+                <a:lnTo>
+                  <a:pt x="2444" y="339"/>
+                </a:lnTo>
+                <a:lnTo>
+                  <a:pt x="1766" y="679"/>
+                </a:lnTo>
+                <a:lnTo>
+                  <a:pt x="1155" y="1154"/>
+                </a:lnTo>
+                <a:lnTo>
+                  <a:pt x="679" y="1765"/>
+                </a:lnTo>
+                <a:lnTo>
+                  <a:pt x="272" y="2444"/>
+                </a:lnTo>
+                <a:lnTo>
+                  <a:pt x="69" y="3190"/>
+                </a:lnTo>
+                <a:lnTo>
+                  <a:pt x="1" y="3598"/>
+                </a:lnTo>
+                <a:lnTo>
+                  <a:pt x="1" y="4005"/>
+                </a:lnTo>
+                <a:lnTo>
+                  <a:pt x="1" y="91572"/>
+                </a:lnTo>
+                <a:lnTo>
+                  <a:pt x="1" y="91979"/>
+                </a:lnTo>
+                <a:lnTo>
+                  <a:pt x="69" y="92319"/>
+                </a:lnTo>
+                <a:lnTo>
+                  <a:pt x="272" y="93065"/>
+                </a:lnTo>
+                <a:lnTo>
+                  <a:pt x="679" y="93744"/>
+                </a:lnTo>
+                <a:lnTo>
+                  <a:pt x="1155" y="94355"/>
+                </a:lnTo>
+                <a:lnTo>
+                  <a:pt x="1766" y="94830"/>
+                </a:lnTo>
+                <a:lnTo>
+                  <a:pt x="2444" y="95238"/>
+                </a:lnTo>
+                <a:lnTo>
+                  <a:pt x="3191" y="95441"/>
+                </a:lnTo>
+                <a:lnTo>
+                  <a:pt x="3530" y="95509"/>
+                </a:lnTo>
+                <a:lnTo>
+                  <a:pt x="139904" y="95509"/>
+                </a:lnTo>
+                <a:lnTo>
+                  <a:pt x="140311" y="95441"/>
+                </a:lnTo>
+                <a:lnTo>
+                  <a:pt x="141058" y="95238"/>
+                </a:lnTo>
+                <a:lnTo>
+                  <a:pt x="141737" y="94830"/>
+                </a:lnTo>
+                <a:lnTo>
+                  <a:pt x="142280" y="94355"/>
+                </a:lnTo>
+                <a:lnTo>
+                  <a:pt x="142755" y="93744"/>
+                </a:lnTo>
+                <a:lnTo>
+                  <a:pt x="143162" y="93065"/>
+                </a:lnTo>
+                <a:lnTo>
+                  <a:pt x="143366" y="92319"/>
+                </a:lnTo>
+                <a:lnTo>
+                  <a:pt x="143434" y="91979"/>
+                </a:lnTo>
+                <a:lnTo>
+                  <a:pt x="143434" y="91572"/>
+                </a:lnTo>
+                <a:lnTo>
+                  <a:pt x="143434" y="4005"/>
+                </a:lnTo>
+                <a:lnTo>
+                  <a:pt x="143434" y="3598"/>
+                </a:lnTo>
+                <a:lnTo>
+                  <a:pt x="143366" y="3190"/>
+                </a:lnTo>
+                <a:lnTo>
+                  <a:pt x="143162" y="2444"/>
+                </a:lnTo>
+                <a:lnTo>
+                  <a:pt x="142755" y="1765"/>
+                </a:lnTo>
+                <a:lnTo>
+                  <a:pt x="142280" y="1154"/>
+                </a:lnTo>
+                <a:lnTo>
+                  <a:pt x="141737" y="679"/>
+                </a:lnTo>
+                <a:lnTo>
+                  <a:pt x="141058" y="339"/>
+                </a:lnTo>
+                <a:lnTo>
+                  <a:pt x="140311" y="68"/>
+                </a:lnTo>
+                <a:lnTo>
+                  <a:pt x="139904" y="0"/>
+                </a:lnTo>
+                <a:close/>
+                <a:moveTo>
+                  <a:pt x="55324" y="95713"/>
+                </a:moveTo>
+                <a:lnTo>
+                  <a:pt x="55052" y="98971"/>
+                </a:lnTo>
+                <a:lnTo>
+                  <a:pt x="54713" y="102297"/>
+                </a:lnTo>
+                <a:lnTo>
+                  <a:pt x="54374" y="105284"/>
+                </a:lnTo>
+                <a:lnTo>
+                  <a:pt x="53966" y="107388"/>
+                </a:lnTo>
+                <a:lnTo>
+                  <a:pt x="53763" y="108203"/>
+                </a:lnTo>
+                <a:lnTo>
+                  <a:pt x="53627" y="108746"/>
+                </a:lnTo>
+                <a:lnTo>
+                  <a:pt x="53423" y="109153"/>
+                </a:lnTo>
+                <a:lnTo>
+                  <a:pt x="53220" y="109357"/>
+                </a:lnTo>
+                <a:lnTo>
+                  <a:pt x="52677" y="109493"/>
+                </a:lnTo>
+                <a:lnTo>
+                  <a:pt x="51794" y="109696"/>
+                </a:lnTo>
+                <a:lnTo>
+                  <a:pt x="49690" y="110036"/>
+                </a:lnTo>
+                <a:lnTo>
+                  <a:pt x="48061" y="110307"/>
+                </a:lnTo>
+                <a:lnTo>
+                  <a:pt x="47450" y="110443"/>
+                </a:lnTo>
+                <a:lnTo>
+                  <a:pt x="47110" y="110511"/>
+                </a:lnTo>
+                <a:lnTo>
+                  <a:pt x="47042" y="110579"/>
+                </a:lnTo>
+                <a:lnTo>
+                  <a:pt x="47042" y="110783"/>
+                </a:lnTo>
+                <a:lnTo>
+                  <a:pt x="47110" y="110850"/>
+                </a:lnTo>
+                <a:lnTo>
+                  <a:pt x="47585" y="110918"/>
+                </a:lnTo>
+                <a:lnTo>
+                  <a:pt x="48400" y="110986"/>
+                </a:lnTo>
+                <a:lnTo>
+                  <a:pt x="51387" y="111054"/>
+                </a:lnTo>
+                <a:lnTo>
+                  <a:pt x="56071" y="111122"/>
+                </a:lnTo>
+                <a:lnTo>
+                  <a:pt x="87092" y="111122"/>
+                </a:lnTo>
+                <a:lnTo>
+                  <a:pt x="91708" y="111054"/>
+                </a:lnTo>
+                <a:lnTo>
+                  <a:pt x="94695" y="110986"/>
+                </a:lnTo>
+                <a:lnTo>
+                  <a:pt x="95578" y="110918"/>
+                </a:lnTo>
+                <a:lnTo>
+                  <a:pt x="96053" y="110850"/>
+                </a:lnTo>
+                <a:lnTo>
+                  <a:pt x="96121" y="110783"/>
+                </a:lnTo>
+                <a:lnTo>
+                  <a:pt x="96121" y="110579"/>
+                </a:lnTo>
+                <a:lnTo>
+                  <a:pt x="96053" y="110511"/>
+                </a:lnTo>
+                <a:lnTo>
+                  <a:pt x="95713" y="110443"/>
+                </a:lnTo>
+                <a:lnTo>
+                  <a:pt x="95102" y="110307"/>
+                </a:lnTo>
+                <a:lnTo>
+                  <a:pt x="93473" y="110036"/>
+                </a:lnTo>
+                <a:lnTo>
+                  <a:pt x="91369" y="109696"/>
+                </a:lnTo>
+                <a:lnTo>
+                  <a:pt x="90487" y="109493"/>
+                </a:lnTo>
+                <a:lnTo>
+                  <a:pt x="89943" y="109357"/>
+                </a:lnTo>
+                <a:lnTo>
+                  <a:pt x="89740" y="109153"/>
+                </a:lnTo>
+                <a:lnTo>
+                  <a:pt x="89536" y="108746"/>
+                </a:lnTo>
+                <a:lnTo>
+                  <a:pt x="89333" y="108203"/>
+                </a:lnTo>
+                <a:lnTo>
+                  <a:pt x="89197" y="107388"/>
+                </a:lnTo>
+                <a:lnTo>
+                  <a:pt x="88789" y="105284"/>
+                </a:lnTo>
+                <a:lnTo>
+                  <a:pt x="88382" y="102297"/>
+                </a:lnTo>
+                <a:lnTo>
+                  <a:pt x="88043" y="98971"/>
+                </a:lnTo>
+                <a:lnTo>
+                  <a:pt x="87839" y="95713"/>
+                </a:lnTo>
+                <a:close/>
+                <a:moveTo>
+                  <a:pt x="47450" y="111054"/>
+                </a:moveTo>
+                <a:lnTo>
+                  <a:pt x="47450" y="111122"/>
+                </a:lnTo>
+                <a:lnTo>
+                  <a:pt x="47450" y="111393"/>
+                </a:lnTo>
+                <a:lnTo>
+                  <a:pt x="47518" y="111461"/>
+                </a:lnTo>
+                <a:lnTo>
+                  <a:pt x="48807" y="111529"/>
+                </a:lnTo>
+                <a:lnTo>
+                  <a:pt x="52473" y="111597"/>
+                </a:lnTo>
+                <a:lnTo>
+                  <a:pt x="62384" y="111665"/>
+                </a:lnTo>
+                <a:lnTo>
+                  <a:pt x="80779" y="111665"/>
+                </a:lnTo>
+                <a:lnTo>
+                  <a:pt x="90622" y="111597"/>
+                </a:lnTo>
+                <a:lnTo>
+                  <a:pt x="94356" y="111529"/>
+                </a:lnTo>
+                <a:lnTo>
+                  <a:pt x="95646" y="111461"/>
+                </a:lnTo>
+                <a:lnTo>
+                  <a:pt x="95713" y="111393"/>
+                </a:lnTo>
+                <a:lnTo>
+                  <a:pt x="95713" y="111122"/>
+                </a:lnTo>
+                <a:lnTo>
+                  <a:pt x="95646" y="111054"/>
+                </a:lnTo>
+                <a:lnTo>
+                  <a:pt x="94084" y="111122"/>
+                </a:lnTo>
+                <a:lnTo>
+                  <a:pt x="91233" y="111190"/>
+                </a:lnTo>
+                <a:lnTo>
+                  <a:pt x="80847" y="111258"/>
+                </a:lnTo>
+                <a:lnTo>
+                  <a:pt x="62316" y="111258"/>
+                </a:lnTo>
+                <a:lnTo>
+                  <a:pt x="51930" y="111190"/>
+                </a:lnTo>
+                <a:lnTo>
+                  <a:pt x="49079" y="111122"/>
+                </a:lnTo>
+                <a:lnTo>
+                  <a:pt x="47518" y="111054"/>
+                </a:lnTo>
+                <a:close/>
+              </a:path>
+            </a:pathLst>
+          </a:custGeom>
+          <a:solidFill>
+            <a:srgbClr val="FFFFFF"/>
+          </a:solidFill>
+          <a:ln>
+            <a:noFill/>
+          </a:ln>
+        </p:spPr>
+        <p:txBody>
+          <a:bodyPr spcFirstLastPara="1" wrap="square" lIns="121900" tIns="121900" rIns="121900" bIns="121900" anchor="ctr" anchorCtr="0">
+            <a:noAutofit/>
+          </a:bodyPr>
+          <a:lstStyle/>
+          <a:p>
+            <a:pPr algn="l" rtl="0">
+              <a:buClr>
+                <a:srgbClr val="000000"/>
+              </a:buClr>
+              <a:buFont typeface="Arial"/>
+              <a:buNone/>
+            </a:pPr>
+            <a:endParaRPr sz="1867" kern="0">
+              <a:solidFill>
+                <a:srgbClr val="000000"/>
+              </a:solidFill>
+              <a:cs typeface="Arial"/>
+              <a:sym typeface="Arial"/>
+            </a:endParaRPr>
+          </a:p>
+        </p:txBody>
+      </p:sp>
+      <p:sp>
+        <p:nvSpPr>
+          <p:cNvPr id="20" name="TextBox 19"/>
+          <p:cNvSpPr txBox="1"/>
+          <p:nvPr/>
+        </p:nvSpPr>
+        <p:spPr>
+          <a:xfrm>
+            <a:off x="1543988" y="2008665"/>
+            <a:ext cx="3320321" cy="3108543"/>
+          </a:xfrm>
+          <a:prstGeom prst="rect">
+            <a:avLst/>
+          </a:prstGeom>
+          <a:noFill/>
+        </p:spPr>
+        <p:txBody>
+          <a:bodyPr wrap="square" rtlCol="1">
+            <a:spAutoFit/>
+          </a:bodyPr>
+          <a:lstStyle/>
+          <a:p>
+            <a:pPr algn="l" rtl="0"/>
+            <a:r>
+              <a:rPr lang="en-US" sz="2800" dirty="0">
+                <a:solidFill>
+                  <a:schemeClr val="accent2">
+                    <a:lumMod val="20000"/>
+                    <a:lumOff val="80000"/>
+                  </a:schemeClr>
+                </a:solidFill>
+                <a:latin typeface="Microsoft YaHei UI Light" panose="020B0502040204020203" pitchFamily="34" charset="-122"/>
+                <a:ea typeface="Microsoft YaHei UI Light" panose="020B0502040204020203" pitchFamily="34" charset="-122"/>
+              </a:rPr>
+              <a:t>Main Page</a:t>
+            </a:r>
+          </a:p>
+          <a:p>
+            <a:pPr algn="l" rtl="0"/>
+            <a:r>
+              <a:rPr lang="en-US" sz="2800" dirty="0">
+                <a:solidFill>
+                  <a:schemeClr val="accent2">
+                    <a:lumMod val="20000"/>
+                    <a:lumOff val="80000"/>
+                  </a:schemeClr>
+                </a:solidFill>
+                <a:latin typeface="Microsoft YaHei UI Light" panose="020B0502040204020203" pitchFamily="34" charset="-122"/>
+                <a:ea typeface="Microsoft YaHei UI Light" panose="020B0502040204020203" pitchFamily="34" charset="-122"/>
+              </a:rPr>
+              <a:t>The place where the player can declaring his/her public key. After that, the player can start playing</a:t>
+            </a:r>
+            <a:endParaRPr lang="he-IL" sz="2800" dirty="0">
+              <a:solidFill>
+                <a:schemeClr val="accent2">
+                  <a:lumMod val="20000"/>
+                  <a:lumOff val="80000"/>
+                </a:schemeClr>
+              </a:solidFill>
+              <a:latin typeface="Microsoft YaHei UI Light" panose="020B0502040204020203" pitchFamily="34" charset="-122"/>
+              <a:ea typeface="Microsoft YaHei UI Light" panose="020B0502040204020203" pitchFamily="34" charset="-122"/>
+            </a:endParaRPr>
+          </a:p>
+        </p:txBody>
+      </p:sp>
+      <p:pic>
+        <p:nvPicPr>
+          <p:cNvPr id="4" name="Picture 3">
+            <a:extLst>
+              <a:ext uri="{FF2B5EF4-FFF2-40B4-BE49-F238E27FC236}">
+                <a16:creationId xmlns:a16="http://schemas.microsoft.com/office/drawing/2014/main" id="{94C2DCA4-624E-4232-B21D-CFCEDDB60497}"/>
+              </a:ext>
+            </a:extLst>
+          </p:cNvPr>
+          <p:cNvPicPr>
+            <a:picLocks noChangeAspect="1"/>
+          </p:cNvPicPr>
+          <p:nvPr/>
+        </p:nvPicPr>
+        <p:blipFill>
+          <a:blip r:embed="rId3"/>
+          <a:stretch>
+            <a:fillRect/>
+          </a:stretch>
+        </p:blipFill>
+        <p:spPr>
+          <a:xfrm>
+            <a:off x="5553499" y="1707311"/>
+            <a:ext cx="4840461" cy="3074413"/>
+          </a:xfrm>
+          <a:prstGeom prst="rect">
+            <a:avLst/>
+          </a:prstGeom>
+        </p:spPr>
+      </p:pic>
+      <p:pic>
+        <p:nvPicPr>
+          <p:cNvPr id="3" name="Picture 2">
+            <a:extLst>
+              <a:ext uri="{FF2B5EF4-FFF2-40B4-BE49-F238E27FC236}">
+                <a16:creationId xmlns:a16="http://schemas.microsoft.com/office/drawing/2014/main" id="{C67DDB77-9FFE-40CC-98F4-E72E9C8A19DB}"/>
+              </a:ext>
+            </a:extLst>
+          </p:cNvPr>
+          <p:cNvPicPr>
+            <a:picLocks noChangeAspect="1"/>
+          </p:cNvPicPr>
+          <p:nvPr/>
+        </p:nvPicPr>
+        <p:blipFill>
+          <a:blip r:embed="rId4"/>
+          <a:stretch>
+            <a:fillRect/>
+          </a:stretch>
+        </p:blipFill>
+        <p:spPr>
+          <a:xfrm>
+            <a:off x="6621740" y="3877568"/>
+            <a:ext cx="2824218" cy="1444822"/>
+          </a:xfrm>
+          <a:prstGeom prst="rect">
+            <a:avLst/>
+          </a:prstGeom>
+        </p:spPr>
+      </p:pic>
+    </p:spTree>
+    <p:extLst>
+      <p:ext uri="{BB962C8B-B14F-4D97-AF65-F5344CB8AC3E}">
+        <p14:creationId xmlns:p14="http://schemas.microsoft.com/office/powerpoint/2010/main" val="1754829959"/>
+      </p:ext>
+    </p:extLst>
+  </p:cSld>
+  <p:clrMapOvr>
+    <a:masterClrMapping/>
+  </p:clrMapOvr>
+</p:sld>
+</file>
+
+<file path=ppt/slides/slide14.xml><?xml version="1.0" encoding="utf-8"?>
+<p:sld xmlns:a="http://schemas.openxmlformats.org/drawingml/2006/main" xmlns:r="http://schemas.openxmlformats.org/officeDocument/2006/relationships" xmlns:p="http://schemas.openxmlformats.org/presentationml/2006/main">
+  <p:cSld>
+    <p:bg>
+      <p:bgPr>
+        <a:gradFill>
+          <a:gsLst>
+            <a:gs pos="0">
+              <a:srgbClr val="FFFF00"/>
+            </a:gs>
+            <a:gs pos="100000">
+              <a:srgbClr val="B8DF32"/>
+            </a:gs>
+          </a:gsLst>
+          <a:lin ang="5400012" scaled="0"/>
+        </a:gradFill>
+        <a:effectLst/>
+      </p:bgPr>
+    </p:bg>
+    <p:spTree>
+      <p:nvGrpSpPr>
+        <p:cNvPr id="1" name="Shape 75"/>
+        <p:cNvGrpSpPr/>
+        <p:nvPr/>
+      </p:nvGrpSpPr>
+      <p:grpSpPr>
+        <a:xfrm>
+          <a:off x="0" y="0"/>
+          <a:ext cx="0" cy="0"/>
+          <a:chOff x="0" y="0"/>
+          <a:chExt cx="0" cy="0"/>
+        </a:xfrm>
+      </p:grpSpPr>
+      <p:sp>
+        <p:nvSpPr>
+          <p:cNvPr id="79" name="Google Shape;79;p15"/>
+          <p:cNvSpPr txBox="1">
+            <a:spLocks noGrp="1"/>
+          </p:cNvSpPr>
+          <p:nvPr>
+            <p:ph type="sldNum" idx="12"/>
+          </p:nvPr>
+        </p:nvSpPr>
+        <p:spPr>
+          <a:prstGeom prst="rect">
+            <a:avLst/>
+          </a:prstGeom>
+        </p:spPr>
+        <p:txBody>
+          <a:bodyPr spcFirstLastPara="1" wrap="square" lIns="0" tIns="0" rIns="0" bIns="0" anchor="ctr" anchorCtr="0">
+            <a:noAutofit/>
+          </a:bodyPr>
+          <a:lstStyle/>
+          <a:p>
+            <a:fld id="{00000000-1234-1234-1234-123412341234}" type="slidenum">
+              <a:rPr lang="en"/>
+              <a:pPr/>
+              <a:t>14</a:t>
+            </a:fld>
+            <a:endParaRPr/>
+          </a:p>
+        </p:txBody>
+      </p:sp>
+      <p:sp>
+        <p:nvSpPr>
+          <p:cNvPr id="18" name="Google Shape;270;p34"/>
+          <p:cNvSpPr/>
+          <p:nvPr/>
+        </p:nvSpPr>
+        <p:spPr>
+          <a:xfrm>
+            <a:off x="5373601" y="1535610"/>
+            <a:ext cx="5140196" cy="4001701"/>
+          </a:xfrm>
+          <a:custGeom>
+            <a:avLst/>
+            <a:gdLst/>
+            <a:ahLst/>
+            <a:cxnLst/>
+            <a:rect l="l" t="t" r="r" b="b"/>
+            <a:pathLst>
+              <a:path w="143434" h="111665" extrusionOk="0">
+                <a:moveTo>
+                  <a:pt x="71751" y="2308"/>
+                </a:moveTo>
+                <a:lnTo>
+                  <a:pt x="71887" y="2376"/>
+                </a:lnTo>
+                <a:lnTo>
+                  <a:pt x="72091" y="2444"/>
+                </a:lnTo>
+                <a:lnTo>
+                  <a:pt x="72159" y="2647"/>
+                </a:lnTo>
+                <a:lnTo>
+                  <a:pt x="72226" y="2783"/>
+                </a:lnTo>
+                <a:lnTo>
+                  <a:pt x="72159" y="2987"/>
+                </a:lnTo>
+                <a:lnTo>
+                  <a:pt x="72091" y="3190"/>
+                </a:lnTo>
+                <a:lnTo>
+                  <a:pt x="71887" y="3258"/>
+                </a:lnTo>
+                <a:lnTo>
+                  <a:pt x="71751" y="3326"/>
+                </a:lnTo>
+                <a:lnTo>
+                  <a:pt x="71548" y="3258"/>
+                </a:lnTo>
+                <a:lnTo>
+                  <a:pt x="71344" y="3190"/>
+                </a:lnTo>
+                <a:lnTo>
+                  <a:pt x="71276" y="2987"/>
+                </a:lnTo>
+                <a:lnTo>
+                  <a:pt x="71208" y="2783"/>
+                </a:lnTo>
+                <a:lnTo>
+                  <a:pt x="71276" y="2647"/>
+                </a:lnTo>
+                <a:lnTo>
+                  <a:pt x="71344" y="2444"/>
+                </a:lnTo>
+                <a:lnTo>
+                  <a:pt x="71548" y="2376"/>
+                </a:lnTo>
+                <a:lnTo>
+                  <a:pt x="71751" y="2308"/>
+                </a:lnTo>
+                <a:close/>
+                <a:moveTo>
+                  <a:pt x="137528" y="5906"/>
+                </a:moveTo>
+                <a:lnTo>
+                  <a:pt x="137596" y="5974"/>
+                </a:lnTo>
+                <a:lnTo>
+                  <a:pt x="137596" y="89604"/>
+                </a:lnTo>
+                <a:lnTo>
+                  <a:pt x="5906" y="89604"/>
+                </a:lnTo>
+                <a:lnTo>
+                  <a:pt x="5906" y="5974"/>
+                </a:lnTo>
+                <a:lnTo>
+                  <a:pt x="5906" y="5906"/>
+                </a:lnTo>
+                <a:close/>
+                <a:moveTo>
+                  <a:pt x="3530" y="0"/>
+                </a:moveTo>
+                <a:lnTo>
+                  <a:pt x="3191" y="68"/>
+                </a:lnTo>
+                <a:lnTo>
+                  <a:pt x="2444" y="339"/>
+                </a:lnTo>
+                <a:lnTo>
+                  <a:pt x="1766" y="679"/>
+                </a:lnTo>
+                <a:lnTo>
+                  <a:pt x="1155" y="1154"/>
+                </a:lnTo>
+                <a:lnTo>
+                  <a:pt x="679" y="1765"/>
+                </a:lnTo>
+                <a:lnTo>
+                  <a:pt x="272" y="2444"/>
+                </a:lnTo>
+                <a:lnTo>
+                  <a:pt x="69" y="3190"/>
+                </a:lnTo>
+                <a:lnTo>
+                  <a:pt x="1" y="3598"/>
+                </a:lnTo>
+                <a:lnTo>
+                  <a:pt x="1" y="4005"/>
+                </a:lnTo>
+                <a:lnTo>
+                  <a:pt x="1" y="91572"/>
+                </a:lnTo>
+                <a:lnTo>
+                  <a:pt x="1" y="91979"/>
+                </a:lnTo>
+                <a:lnTo>
+                  <a:pt x="69" y="92319"/>
+                </a:lnTo>
+                <a:lnTo>
+                  <a:pt x="272" y="93065"/>
+                </a:lnTo>
+                <a:lnTo>
+                  <a:pt x="679" y="93744"/>
+                </a:lnTo>
+                <a:lnTo>
+                  <a:pt x="1155" y="94355"/>
+                </a:lnTo>
+                <a:lnTo>
+                  <a:pt x="1766" y="94830"/>
+                </a:lnTo>
+                <a:lnTo>
+                  <a:pt x="2444" y="95238"/>
+                </a:lnTo>
+                <a:lnTo>
+                  <a:pt x="3191" y="95441"/>
+                </a:lnTo>
+                <a:lnTo>
+                  <a:pt x="3530" y="95509"/>
+                </a:lnTo>
+                <a:lnTo>
+                  <a:pt x="139904" y="95509"/>
+                </a:lnTo>
+                <a:lnTo>
+                  <a:pt x="140311" y="95441"/>
+                </a:lnTo>
+                <a:lnTo>
+                  <a:pt x="141058" y="95238"/>
+                </a:lnTo>
+                <a:lnTo>
+                  <a:pt x="141737" y="94830"/>
+                </a:lnTo>
+                <a:lnTo>
+                  <a:pt x="142280" y="94355"/>
+                </a:lnTo>
+                <a:lnTo>
+                  <a:pt x="142755" y="93744"/>
+                </a:lnTo>
+                <a:lnTo>
+                  <a:pt x="143162" y="93065"/>
+                </a:lnTo>
+                <a:lnTo>
+                  <a:pt x="143366" y="92319"/>
+                </a:lnTo>
+                <a:lnTo>
+                  <a:pt x="143434" y="91979"/>
+                </a:lnTo>
+                <a:lnTo>
+                  <a:pt x="143434" y="91572"/>
+                </a:lnTo>
+                <a:lnTo>
+                  <a:pt x="143434" y="4005"/>
+                </a:lnTo>
+                <a:lnTo>
+                  <a:pt x="143434" y="3598"/>
+                </a:lnTo>
+                <a:lnTo>
+                  <a:pt x="143366" y="3190"/>
+                </a:lnTo>
+                <a:lnTo>
+                  <a:pt x="143162" y="2444"/>
+                </a:lnTo>
+                <a:lnTo>
+                  <a:pt x="142755" y="1765"/>
+                </a:lnTo>
+                <a:lnTo>
+                  <a:pt x="142280" y="1154"/>
+                </a:lnTo>
+                <a:lnTo>
+                  <a:pt x="141737" y="679"/>
+                </a:lnTo>
+                <a:lnTo>
+                  <a:pt x="141058" y="339"/>
+                </a:lnTo>
+                <a:lnTo>
+                  <a:pt x="140311" y="68"/>
+                </a:lnTo>
+                <a:lnTo>
+                  <a:pt x="139904" y="0"/>
+                </a:lnTo>
+                <a:close/>
+                <a:moveTo>
+                  <a:pt x="55324" y="95713"/>
+                </a:moveTo>
+                <a:lnTo>
+                  <a:pt x="55052" y="98971"/>
+                </a:lnTo>
+                <a:lnTo>
+                  <a:pt x="54713" y="102297"/>
+                </a:lnTo>
+                <a:lnTo>
+                  <a:pt x="54374" y="105284"/>
+                </a:lnTo>
+                <a:lnTo>
+                  <a:pt x="53966" y="107388"/>
+                </a:lnTo>
+                <a:lnTo>
+                  <a:pt x="53763" y="108203"/>
+                </a:lnTo>
+                <a:lnTo>
+                  <a:pt x="53627" y="108746"/>
+                </a:lnTo>
+                <a:lnTo>
+                  <a:pt x="53423" y="109153"/>
+                </a:lnTo>
+                <a:lnTo>
+                  <a:pt x="53220" y="109357"/>
+                </a:lnTo>
+                <a:lnTo>
+                  <a:pt x="52677" y="109493"/>
+                </a:lnTo>
+                <a:lnTo>
+                  <a:pt x="51794" y="109696"/>
+                </a:lnTo>
+                <a:lnTo>
+                  <a:pt x="49690" y="110036"/>
+                </a:lnTo>
+                <a:lnTo>
+                  <a:pt x="48061" y="110307"/>
+                </a:lnTo>
+                <a:lnTo>
+                  <a:pt x="47450" y="110443"/>
+                </a:lnTo>
+                <a:lnTo>
+                  <a:pt x="47110" y="110511"/>
+                </a:lnTo>
+                <a:lnTo>
+                  <a:pt x="47042" y="110579"/>
+                </a:lnTo>
+                <a:lnTo>
+                  <a:pt x="47042" y="110783"/>
+                </a:lnTo>
+                <a:lnTo>
+                  <a:pt x="47110" y="110850"/>
+                </a:lnTo>
+                <a:lnTo>
+                  <a:pt x="47585" y="110918"/>
+                </a:lnTo>
+                <a:lnTo>
+                  <a:pt x="48400" y="110986"/>
+                </a:lnTo>
+                <a:lnTo>
+                  <a:pt x="51387" y="111054"/>
+                </a:lnTo>
+                <a:lnTo>
+                  <a:pt x="56071" y="111122"/>
+                </a:lnTo>
+                <a:lnTo>
+                  <a:pt x="87092" y="111122"/>
+                </a:lnTo>
+                <a:lnTo>
+                  <a:pt x="91708" y="111054"/>
+                </a:lnTo>
+                <a:lnTo>
+                  <a:pt x="94695" y="110986"/>
+                </a:lnTo>
+                <a:lnTo>
+                  <a:pt x="95578" y="110918"/>
+                </a:lnTo>
+                <a:lnTo>
+                  <a:pt x="96053" y="110850"/>
+                </a:lnTo>
+                <a:lnTo>
+                  <a:pt x="96121" y="110783"/>
+                </a:lnTo>
+                <a:lnTo>
+                  <a:pt x="96121" y="110579"/>
+                </a:lnTo>
+                <a:lnTo>
+                  <a:pt x="96053" y="110511"/>
+                </a:lnTo>
+                <a:lnTo>
+                  <a:pt x="95713" y="110443"/>
+                </a:lnTo>
+                <a:lnTo>
+                  <a:pt x="95102" y="110307"/>
+                </a:lnTo>
+                <a:lnTo>
+                  <a:pt x="93473" y="110036"/>
+                </a:lnTo>
+                <a:lnTo>
+                  <a:pt x="91369" y="109696"/>
+                </a:lnTo>
+                <a:lnTo>
+                  <a:pt x="90487" y="109493"/>
+                </a:lnTo>
+                <a:lnTo>
+                  <a:pt x="89943" y="109357"/>
+                </a:lnTo>
+                <a:lnTo>
+                  <a:pt x="89740" y="109153"/>
+                </a:lnTo>
+                <a:lnTo>
+                  <a:pt x="89536" y="108746"/>
+                </a:lnTo>
+                <a:lnTo>
+                  <a:pt x="89333" y="108203"/>
+                </a:lnTo>
+                <a:lnTo>
+                  <a:pt x="89197" y="107388"/>
+                </a:lnTo>
+                <a:lnTo>
+                  <a:pt x="88789" y="105284"/>
+                </a:lnTo>
+                <a:lnTo>
+                  <a:pt x="88382" y="102297"/>
+                </a:lnTo>
+                <a:lnTo>
+                  <a:pt x="88043" y="98971"/>
+                </a:lnTo>
+                <a:lnTo>
+                  <a:pt x="87839" y="95713"/>
+                </a:lnTo>
+                <a:close/>
+                <a:moveTo>
+                  <a:pt x="47450" y="111054"/>
+                </a:moveTo>
+                <a:lnTo>
+                  <a:pt x="47450" y="111122"/>
+                </a:lnTo>
+                <a:lnTo>
+                  <a:pt x="47450" y="111393"/>
+                </a:lnTo>
+                <a:lnTo>
+                  <a:pt x="47518" y="111461"/>
+                </a:lnTo>
+                <a:lnTo>
+                  <a:pt x="48807" y="111529"/>
+                </a:lnTo>
+                <a:lnTo>
+                  <a:pt x="52473" y="111597"/>
+                </a:lnTo>
+                <a:lnTo>
+                  <a:pt x="62384" y="111665"/>
+                </a:lnTo>
+                <a:lnTo>
+                  <a:pt x="80779" y="111665"/>
+                </a:lnTo>
+                <a:lnTo>
+                  <a:pt x="90622" y="111597"/>
+                </a:lnTo>
+                <a:lnTo>
+                  <a:pt x="94356" y="111529"/>
+                </a:lnTo>
+                <a:lnTo>
+                  <a:pt x="95646" y="111461"/>
+                </a:lnTo>
+                <a:lnTo>
+                  <a:pt x="95713" y="111393"/>
+                </a:lnTo>
+                <a:lnTo>
+                  <a:pt x="95713" y="111122"/>
+                </a:lnTo>
+                <a:lnTo>
+                  <a:pt x="95646" y="111054"/>
+                </a:lnTo>
+                <a:lnTo>
+                  <a:pt x="94084" y="111122"/>
+                </a:lnTo>
+                <a:lnTo>
+                  <a:pt x="91233" y="111190"/>
+                </a:lnTo>
+                <a:lnTo>
+                  <a:pt x="80847" y="111258"/>
+                </a:lnTo>
+                <a:lnTo>
+                  <a:pt x="62316" y="111258"/>
+                </a:lnTo>
+                <a:lnTo>
+                  <a:pt x="51930" y="111190"/>
+                </a:lnTo>
+                <a:lnTo>
+                  <a:pt x="49079" y="111122"/>
+                </a:lnTo>
+                <a:lnTo>
+                  <a:pt x="47518" y="111054"/>
+                </a:lnTo>
+                <a:close/>
+              </a:path>
+            </a:pathLst>
+          </a:custGeom>
+          <a:solidFill>
+            <a:srgbClr val="FFFFFF"/>
+          </a:solidFill>
+          <a:ln>
+            <a:noFill/>
+          </a:ln>
+        </p:spPr>
+        <p:txBody>
+          <a:bodyPr spcFirstLastPara="1" wrap="square" lIns="121900" tIns="121900" rIns="121900" bIns="121900" anchor="ctr" anchorCtr="0">
+            <a:noAutofit/>
+          </a:bodyPr>
+          <a:lstStyle/>
+          <a:p>
+            <a:pPr algn="l" rtl="0">
+              <a:buClr>
+                <a:srgbClr val="000000"/>
+              </a:buClr>
+              <a:buFont typeface="Arial"/>
+              <a:buNone/>
+            </a:pPr>
+            <a:endParaRPr sz="1867" kern="0">
+              <a:solidFill>
+                <a:srgbClr val="000000"/>
+              </a:solidFill>
+              <a:cs typeface="Arial"/>
+              <a:sym typeface="Arial"/>
+            </a:endParaRPr>
+          </a:p>
+        </p:txBody>
+      </p:sp>
+      <p:sp>
+        <p:nvSpPr>
+          <p:cNvPr id="5" name="TextBox 4"/>
+          <p:cNvSpPr txBox="1"/>
+          <p:nvPr/>
+        </p:nvSpPr>
+        <p:spPr>
+          <a:xfrm>
+            <a:off x="1543988" y="2008665"/>
+            <a:ext cx="3320321" cy="2246769"/>
+          </a:xfrm>
+          <a:prstGeom prst="rect">
+            <a:avLst/>
+          </a:prstGeom>
+          <a:noFill/>
+        </p:spPr>
+        <p:txBody>
+          <a:bodyPr wrap="square" rtlCol="1">
+            <a:spAutoFit/>
+          </a:bodyPr>
+          <a:lstStyle/>
+          <a:p>
+            <a:pPr algn="l" rtl="0"/>
+            <a:r>
+              <a:rPr lang="en-US" sz="2800" dirty="0">
+                <a:solidFill>
+                  <a:schemeClr val="accent2">
+                    <a:lumMod val="20000"/>
+                    <a:lumOff val="80000"/>
+                  </a:schemeClr>
+                </a:solidFill>
+                <a:latin typeface="Microsoft YaHei UI Light" panose="020B0502040204020203" pitchFamily="34" charset="-122"/>
+                <a:ea typeface="Microsoft YaHei UI Light" panose="020B0502040204020203" pitchFamily="34" charset="-122"/>
+              </a:rPr>
+              <a:t>Create New Game</a:t>
+            </a:r>
+          </a:p>
+          <a:p>
+            <a:pPr algn="l" rtl="0"/>
+            <a:r>
+              <a:rPr lang="en-US" sz="2800" dirty="0">
+                <a:solidFill>
+                  <a:schemeClr val="accent2">
+                    <a:lumMod val="20000"/>
+                    <a:lumOff val="80000"/>
+                  </a:schemeClr>
+                </a:solidFill>
+                <a:latin typeface="Microsoft YaHei UI Light" panose="020B0502040204020203" pitchFamily="34" charset="-122"/>
+                <a:ea typeface="Microsoft YaHei UI Light" panose="020B0502040204020203" pitchFamily="34" charset="-122"/>
+              </a:rPr>
+              <a:t>Here the player can create his own game and wait for other players</a:t>
+            </a:r>
+            <a:endParaRPr lang="he-IL" sz="2800" dirty="0">
+              <a:solidFill>
+                <a:schemeClr val="accent2">
+                  <a:lumMod val="20000"/>
+                  <a:lumOff val="80000"/>
+                </a:schemeClr>
+              </a:solidFill>
+              <a:latin typeface="Microsoft YaHei UI Light" panose="020B0502040204020203" pitchFamily="34" charset="-122"/>
+              <a:ea typeface="Microsoft YaHei UI Light" panose="020B0502040204020203" pitchFamily="34" charset="-122"/>
+            </a:endParaRPr>
+          </a:p>
+        </p:txBody>
+      </p:sp>
+      <p:pic>
+        <p:nvPicPr>
+          <p:cNvPr id="4" name="Picture 3">
+            <a:extLst>
+              <a:ext uri="{FF2B5EF4-FFF2-40B4-BE49-F238E27FC236}">
+                <a16:creationId xmlns:a16="http://schemas.microsoft.com/office/drawing/2014/main" id="{B7B2A0CE-24B9-4E35-8D0B-46D3AB81B223}"/>
+              </a:ext>
+            </a:extLst>
+          </p:cNvPr>
+          <p:cNvPicPr>
+            <a:picLocks noChangeAspect="1"/>
+          </p:cNvPicPr>
+          <p:nvPr/>
+        </p:nvPicPr>
+        <p:blipFill>
+          <a:blip r:embed="rId3"/>
+          <a:stretch>
+            <a:fillRect/>
+          </a:stretch>
+        </p:blipFill>
+        <p:spPr>
+          <a:xfrm>
+            <a:off x="5450858" y="1849698"/>
+            <a:ext cx="5062939" cy="2724517"/>
+          </a:xfrm>
+          <a:prstGeom prst="rect">
+            <a:avLst/>
+          </a:prstGeom>
+        </p:spPr>
+      </p:pic>
+    </p:spTree>
+    <p:extLst>
+      <p:ext uri="{BB962C8B-B14F-4D97-AF65-F5344CB8AC3E}">
+        <p14:creationId xmlns:p14="http://schemas.microsoft.com/office/powerpoint/2010/main" val="1423055326"/>
+      </p:ext>
+    </p:extLst>
+  </p:cSld>
+  <p:clrMapOvr>
+    <a:masterClrMapping/>
+  </p:clrMapOvr>
+</p:sld>
+</file>
+
+<file path=ppt/slides/slide15.xml><?xml version="1.0" encoding="utf-8"?>
+<p:sld xmlns:a="http://schemas.openxmlformats.org/drawingml/2006/main" xmlns:r="http://schemas.openxmlformats.org/officeDocument/2006/relationships" xmlns:p="http://schemas.openxmlformats.org/presentationml/2006/main">
+  <p:cSld>
+    <p:bg>
+      <p:bgPr>
+        <a:gradFill>
+          <a:gsLst>
+            <a:gs pos="0">
+              <a:srgbClr val="FFFF00"/>
+            </a:gs>
+            <a:gs pos="100000">
+              <a:srgbClr val="B8DF32"/>
+            </a:gs>
+          </a:gsLst>
+          <a:lin ang="5400012" scaled="0"/>
+        </a:gradFill>
+        <a:effectLst/>
+      </p:bgPr>
+    </p:bg>
+    <p:spTree>
+      <p:nvGrpSpPr>
+        <p:cNvPr id="1" name="Shape 75"/>
+        <p:cNvGrpSpPr/>
+        <p:nvPr/>
+      </p:nvGrpSpPr>
+      <p:grpSpPr>
+        <a:xfrm>
+          <a:off x="0" y="0"/>
+          <a:ext cx="0" cy="0"/>
+          <a:chOff x="0" y="0"/>
+          <a:chExt cx="0" cy="0"/>
+        </a:xfrm>
+      </p:grpSpPr>
+      <p:sp>
+        <p:nvSpPr>
+          <p:cNvPr id="79" name="Google Shape;79;p15"/>
+          <p:cNvSpPr txBox="1">
+            <a:spLocks noGrp="1"/>
+          </p:cNvSpPr>
+          <p:nvPr>
+            <p:ph type="sldNum" idx="12"/>
+          </p:nvPr>
+        </p:nvSpPr>
+        <p:spPr>
+          <a:prstGeom prst="rect">
+            <a:avLst/>
+          </a:prstGeom>
+        </p:spPr>
+        <p:txBody>
+          <a:bodyPr spcFirstLastPara="1" wrap="square" lIns="0" tIns="0" rIns="0" bIns="0" anchor="ctr" anchorCtr="0">
+            <a:noAutofit/>
+          </a:bodyPr>
+          <a:lstStyle/>
+          <a:p>
+            <a:fld id="{00000000-1234-1234-1234-123412341234}" type="slidenum">
+              <a:rPr lang="en"/>
+              <a:pPr/>
+              <a:t>15</a:t>
+            </a:fld>
+            <a:endParaRPr/>
+          </a:p>
+        </p:txBody>
+      </p:sp>
+      <p:sp>
+        <p:nvSpPr>
+          <p:cNvPr id="18" name="Google Shape;270;p34"/>
+          <p:cNvSpPr/>
+          <p:nvPr/>
+        </p:nvSpPr>
+        <p:spPr>
+          <a:xfrm>
+            <a:off x="5373601" y="1535610"/>
+            <a:ext cx="5140196" cy="4001701"/>
+          </a:xfrm>
+          <a:custGeom>
+            <a:avLst/>
+            <a:gdLst/>
+            <a:ahLst/>
+            <a:cxnLst/>
+            <a:rect l="l" t="t" r="r" b="b"/>
+            <a:pathLst>
+              <a:path w="143434" h="111665" extrusionOk="0">
+                <a:moveTo>
+                  <a:pt x="71751" y="2308"/>
+                </a:moveTo>
+                <a:lnTo>
+                  <a:pt x="71887" y="2376"/>
+                </a:lnTo>
+                <a:lnTo>
+                  <a:pt x="72091" y="2444"/>
+                </a:lnTo>
+                <a:lnTo>
+                  <a:pt x="72159" y="2647"/>
+                </a:lnTo>
+                <a:lnTo>
+                  <a:pt x="72226" y="2783"/>
+                </a:lnTo>
+                <a:lnTo>
+                  <a:pt x="72159" y="2987"/>
+                </a:lnTo>
+                <a:lnTo>
+                  <a:pt x="72091" y="3190"/>
+                </a:lnTo>
+                <a:lnTo>
+                  <a:pt x="71887" y="3258"/>
+                </a:lnTo>
+                <a:lnTo>
+                  <a:pt x="71751" y="3326"/>
+                </a:lnTo>
+                <a:lnTo>
+                  <a:pt x="71548" y="3258"/>
+                </a:lnTo>
+                <a:lnTo>
+                  <a:pt x="71344" y="3190"/>
+                </a:lnTo>
+                <a:lnTo>
+                  <a:pt x="71276" y="2987"/>
+                </a:lnTo>
+                <a:lnTo>
+                  <a:pt x="71208" y="2783"/>
+                </a:lnTo>
+                <a:lnTo>
+                  <a:pt x="71276" y="2647"/>
+                </a:lnTo>
+                <a:lnTo>
+                  <a:pt x="71344" y="2444"/>
+                </a:lnTo>
+                <a:lnTo>
+                  <a:pt x="71548" y="2376"/>
+                </a:lnTo>
+                <a:lnTo>
+                  <a:pt x="71751" y="2308"/>
+                </a:lnTo>
+                <a:close/>
+                <a:moveTo>
+                  <a:pt x="137528" y="5906"/>
+                </a:moveTo>
+                <a:lnTo>
+                  <a:pt x="137596" y="5974"/>
+                </a:lnTo>
+                <a:lnTo>
+                  <a:pt x="137596" y="89604"/>
+                </a:lnTo>
+                <a:lnTo>
+                  <a:pt x="5906" y="89604"/>
+                </a:lnTo>
+                <a:lnTo>
+                  <a:pt x="5906" y="5974"/>
+                </a:lnTo>
+                <a:lnTo>
+                  <a:pt x="5906" y="5906"/>
+                </a:lnTo>
+                <a:close/>
+                <a:moveTo>
+                  <a:pt x="3530" y="0"/>
+                </a:moveTo>
+                <a:lnTo>
+                  <a:pt x="3191" y="68"/>
+                </a:lnTo>
+                <a:lnTo>
+                  <a:pt x="2444" y="339"/>
+                </a:lnTo>
+                <a:lnTo>
+                  <a:pt x="1766" y="679"/>
+                </a:lnTo>
+                <a:lnTo>
+                  <a:pt x="1155" y="1154"/>
+                </a:lnTo>
+                <a:lnTo>
+                  <a:pt x="679" y="1765"/>
+                </a:lnTo>
+                <a:lnTo>
+                  <a:pt x="272" y="2444"/>
+                </a:lnTo>
+                <a:lnTo>
+                  <a:pt x="69" y="3190"/>
+                </a:lnTo>
+                <a:lnTo>
+                  <a:pt x="1" y="3598"/>
+                </a:lnTo>
+                <a:lnTo>
+                  <a:pt x="1" y="4005"/>
+                </a:lnTo>
+                <a:lnTo>
+                  <a:pt x="1" y="91572"/>
+                </a:lnTo>
+                <a:lnTo>
+                  <a:pt x="1" y="91979"/>
+                </a:lnTo>
+                <a:lnTo>
+                  <a:pt x="69" y="92319"/>
+                </a:lnTo>
+                <a:lnTo>
+                  <a:pt x="272" y="93065"/>
+                </a:lnTo>
+                <a:lnTo>
+                  <a:pt x="679" y="93744"/>
+                </a:lnTo>
+                <a:lnTo>
+                  <a:pt x="1155" y="94355"/>
+                </a:lnTo>
+                <a:lnTo>
+                  <a:pt x="1766" y="94830"/>
+                </a:lnTo>
+                <a:lnTo>
+                  <a:pt x="2444" y="95238"/>
+                </a:lnTo>
+                <a:lnTo>
+                  <a:pt x="3191" y="95441"/>
+                </a:lnTo>
+                <a:lnTo>
+                  <a:pt x="3530" y="95509"/>
+                </a:lnTo>
+                <a:lnTo>
+                  <a:pt x="139904" y="95509"/>
+                </a:lnTo>
+                <a:lnTo>
+                  <a:pt x="140311" y="95441"/>
+                </a:lnTo>
+                <a:lnTo>
+                  <a:pt x="141058" y="95238"/>
+                </a:lnTo>
+                <a:lnTo>
+                  <a:pt x="141737" y="94830"/>
+                </a:lnTo>
+                <a:lnTo>
+                  <a:pt x="142280" y="94355"/>
+                </a:lnTo>
+                <a:lnTo>
+                  <a:pt x="142755" y="93744"/>
+                </a:lnTo>
+                <a:lnTo>
+                  <a:pt x="143162" y="93065"/>
+                </a:lnTo>
+                <a:lnTo>
+                  <a:pt x="143366" y="92319"/>
+                </a:lnTo>
+                <a:lnTo>
+                  <a:pt x="143434" y="91979"/>
+                </a:lnTo>
+                <a:lnTo>
+                  <a:pt x="143434" y="91572"/>
+                </a:lnTo>
+                <a:lnTo>
+                  <a:pt x="143434" y="4005"/>
+                </a:lnTo>
+                <a:lnTo>
+                  <a:pt x="143434" y="3598"/>
+                </a:lnTo>
+                <a:lnTo>
+                  <a:pt x="143366" y="3190"/>
+                </a:lnTo>
+                <a:lnTo>
+                  <a:pt x="143162" y="2444"/>
+                </a:lnTo>
+                <a:lnTo>
+                  <a:pt x="142755" y="1765"/>
+                </a:lnTo>
+                <a:lnTo>
+                  <a:pt x="142280" y="1154"/>
+                </a:lnTo>
+                <a:lnTo>
+                  <a:pt x="141737" y="679"/>
+                </a:lnTo>
+                <a:lnTo>
+                  <a:pt x="141058" y="339"/>
+                </a:lnTo>
+                <a:lnTo>
+                  <a:pt x="140311" y="68"/>
+                </a:lnTo>
+                <a:lnTo>
+                  <a:pt x="139904" y="0"/>
+                </a:lnTo>
+                <a:close/>
+                <a:moveTo>
+                  <a:pt x="55324" y="95713"/>
+                </a:moveTo>
+                <a:lnTo>
+                  <a:pt x="55052" y="98971"/>
+                </a:lnTo>
+                <a:lnTo>
+                  <a:pt x="54713" y="102297"/>
+                </a:lnTo>
+                <a:lnTo>
+                  <a:pt x="54374" y="105284"/>
+                </a:lnTo>
+                <a:lnTo>
+                  <a:pt x="53966" y="107388"/>
+                </a:lnTo>
+                <a:lnTo>
+                  <a:pt x="53763" y="108203"/>
+                </a:lnTo>
+                <a:lnTo>
+                  <a:pt x="53627" y="108746"/>
+                </a:lnTo>
+                <a:lnTo>
+                  <a:pt x="53423" y="109153"/>
+                </a:lnTo>
+                <a:lnTo>
+                  <a:pt x="53220" y="109357"/>
+                </a:lnTo>
+                <a:lnTo>
+                  <a:pt x="52677" y="109493"/>
+                </a:lnTo>
+                <a:lnTo>
+                  <a:pt x="51794" y="109696"/>
+                </a:lnTo>
+                <a:lnTo>
+                  <a:pt x="49690" y="110036"/>
+                </a:lnTo>
+                <a:lnTo>
+                  <a:pt x="48061" y="110307"/>
+                </a:lnTo>
+                <a:lnTo>
+                  <a:pt x="47450" y="110443"/>
+                </a:lnTo>
+                <a:lnTo>
+                  <a:pt x="47110" y="110511"/>
+                </a:lnTo>
+                <a:lnTo>
+                  <a:pt x="47042" y="110579"/>
+                </a:lnTo>
+                <a:lnTo>
+                  <a:pt x="47042" y="110783"/>
+                </a:lnTo>
+                <a:lnTo>
+                  <a:pt x="47110" y="110850"/>
+                </a:lnTo>
+                <a:lnTo>
+                  <a:pt x="47585" y="110918"/>
+                </a:lnTo>
+                <a:lnTo>
+                  <a:pt x="48400" y="110986"/>
+                </a:lnTo>
+                <a:lnTo>
+                  <a:pt x="51387" y="111054"/>
+                </a:lnTo>
+                <a:lnTo>
+                  <a:pt x="56071" y="111122"/>
+                </a:lnTo>
+                <a:lnTo>
+                  <a:pt x="87092" y="111122"/>
+                </a:lnTo>
+                <a:lnTo>
+                  <a:pt x="91708" y="111054"/>
+                </a:lnTo>
+                <a:lnTo>
+                  <a:pt x="94695" y="110986"/>
+                </a:lnTo>
+                <a:lnTo>
+                  <a:pt x="95578" y="110918"/>
+                </a:lnTo>
+                <a:lnTo>
+                  <a:pt x="96053" y="110850"/>
+                </a:lnTo>
+                <a:lnTo>
+                  <a:pt x="96121" y="110783"/>
+                </a:lnTo>
+                <a:lnTo>
+                  <a:pt x="96121" y="110579"/>
+                </a:lnTo>
+                <a:lnTo>
+                  <a:pt x="96053" y="110511"/>
+                </a:lnTo>
+                <a:lnTo>
+                  <a:pt x="95713" y="110443"/>
+                </a:lnTo>
+                <a:lnTo>
+                  <a:pt x="95102" y="110307"/>
+                </a:lnTo>
+                <a:lnTo>
+                  <a:pt x="93473" y="110036"/>
+                </a:lnTo>
+                <a:lnTo>
+                  <a:pt x="91369" y="109696"/>
+                </a:lnTo>
+                <a:lnTo>
+                  <a:pt x="90487" y="109493"/>
+                </a:lnTo>
+                <a:lnTo>
+                  <a:pt x="89943" y="109357"/>
+                </a:lnTo>
+                <a:lnTo>
+                  <a:pt x="89740" y="109153"/>
+                </a:lnTo>
+                <a:lnTo>
+                  <a:pt x="89536" y="108746"/>
+                </a:lnTo>
+                <a:lnTo>
+                  <a:pt x="89333" y="108203"/>
+                </a:lnTo>
+                <a:lnTo>
+                  <a:pt x="89197" y="107388"/>
+                </a:lnTo>
+                <a:lnTo>
+                  <a:pt x="88789" y="105284"/>
+                </a:lnTo>
+                <a:lnTo>
+                  <a:pt x="88382" y="102297"/>
+                </a:lnTo>
+                <a:lnTo>
+                  <a:pt x="88043" y="98971"/>
+                </a:lnTo>
+                <a:lnTo>
+                  <a:pt x="87839" y="95713"/>
+                </a:lnTo>
+                <a:close/>
+                <a:moveTo>
+                  <a:pt x="47450" y="111054"/>
+                </a:moveTo>
+                <a:lnTo>
+                  <a:pt x="47450" y="111122"/>
+                </a:lnTo>
+                <a:lnTo>
+                  <a:pt x="47450" y="111393"/>
+                </a:lnTo>
+                <a:lnTo>
+                  <a:pt x="47518" y="111461"/>
+                </a:lnTo>
+                <a:lnTo>
+                  <a:pt x="48807" y="111529"/>
+                </a:lnTo>
+                <a:lnTo>
+                  <a:pt x="52473" y="111597"/>
+                </a:lnTo>
+                <a:lnTo>
+                  <a:pt x="62384" y="111665"/>
+                </a:lnTo>
+                <a:lnTo>
+                  <a:pt x="80779" y="111665"/>
+                </a:lnTo>
+                <a:lnTo>
+                  <a:pt x="90622" y="111597"/>
+                </a:lnTo>
+                <a:lnTo>
+                  <a:pt x="94356" y="111529"/>
+                </a:lnTo>
+                <a:lnTo>
+                  <a:pt x="95646" y="111461"/>
+                </a:lnTo>
+                <a:lnTo>
+                  <a:pt x="95713" y="111393"/>
+                </a:lnTo>
+                <a:lnTo>
+                  <a:pt x="95713" y="111122"/>
+                </a:lnTo>
+                <a:lnTo>
+                  <a:pt x="95646" y="111054"/>
+                </a:lnTo>
+                <a:lnTo>
+                  <a:pt x="94084" y="111122"/>
+                </a:lnTo>
+                <a:lnTo>
+                  <a:pt x="91233" y="111190"/>
+                </a:lnTo>
+                <a:lnTo>
+                  <a:pt x="80847" y="111258"/>
+                </a:lnTo>
+                <a:lnTo>
+                  <a:pt x="62316" y="111258"/>
+                </a:lnTo>
+                <a:lnTo>
+                  <a:pt x="51930" y="111190"/>
+                </a:lnTo>
+                <a:lnTo>
+                  <a:pt x="49079" y="111122"/>
+                </a:lnTo>
+                <a:lnTo>
+                  <a:pt x="47518" y="111054"/>
+                </a:lnTo>
+                <a:close/>
+              </a:path>
+            </a:pathLst>
+          </a:custGeom>
+          <a:solidFill>
+            <a:srgbClr val="FFFFFF"/>
+          </a:solidFill>
+          <a:ln>
+            <a:noFill/>
+          </a:ln>
+        </p:spPr>
+        <p:txBody>
+          <a:bodyPr spcFirstLastPara="1" wrap="square" lIns="121900" tIns="121900" rIns="121900" bIns="121900" anchor="ctr" anchorCtr="0">
+            <a:noAutofit/>
+          </a:bodyPr>
+          <a:lstStyle/>
+          <a:p>
+            <a:pPr algn="l" rtl="0">
+              <a:buClr>
+                <a:srgbClr val="000000"/>
+              </a:buClr>
+              <a:buFont typeface="Arial"/>
+              <a:buNone/>
+            </a:pPr>
+            <a:endParaRPr sz="1867" kern="0">
+              <a:solidFill>
+                <a:srgbClr val="000000"/>
+              </a:solidFill>
+              <a:cs typeface="Arial"/>
+              <a:sym typeface="Arial"/>
+            </a:endParaRPr>
+          </a:p>
+        </p:txBody>
+      </p:sp>
+      <p:sp>
+        <p:nvSpPr>
+          <p:cNvPr id="5" name="TextBox 4"/>
+          <p:cNvSpPr txBox="1"/>
+          <p:nvPr/>
+        </p:nvSpPr>
+        <p:spPr>
+          <a:xfrm>
+            <a:off x="1543988" y="2008665"/>
+            <a:ext cx="3320321" cy="2246769"/>
+          </a:xfrm>
+          <a:prstGeom prst="rect">
+            <a:avLst/>
+          </a:prstGeom>
+          <a:noFill/>
+        </p:spPr>
+        <p:txBody>
+          <a:bodyPr wrap="square" rtlCol="1">
+            <a:spAutoFit/>
+          </a:bodyPr>
+          <a:lstStyle/>
+          <a:p>
+            <a:pPr algn="l" rtl="0"/>
+            <a:r>
+              <a:rPr lang="en-US" sz="2800" dirty="0">
+                <a:solidFill>
+                  <a:schemeClr val="accent2">
+                    <a:lumMod val="20000"/>
+                    <a:lumOff val="80000"/>
+                  </a:schemeClr>
+                </a:solidFill>
+                <a:latin typeface="Microsoft YaHei UI Light" panose="020B0502040204020203" pitchFamily="34" charset="-122"/>
+                <a:ea typeface="Microsoft YaHei UI Light" panose="020B0502040204020203" pitchFamily="34" charset="-122"/>
+              </a:rPr>
+              <a:t>Join A Game</a:t>
+            </a:r>
+          </a:p>
+          <a:p>
+            <a:pPr algn="l" rtl="0"/>
+            <a:r>
+              <a:rPr lang="en-US" sz="2800" dirty="0">
+                <a:solidFill>
+                  <a:schemeClr val="accent2">
+                    <a:lumMod val="20000"/>
+                    <a:lumOff val="80000"/>
+                  </a:schemeClr>
+                </a:solidFill>
+                <a:latin typeface="Microsoft YaHei UI Light" panose="020B0502040204020203" pitchFamily="34" charset="-122"/>
+                <a:ea typeface="Microsoft YaHei UI Light" panose="020B0502040204020203" pitchFamily="34" charset="-122"/>
+              </a:rPr>
+              <a:t>The player can choose which room he wants to join</a:t>
+            </a:r>
+            <a:endParaRPr lang="he-IL" sz="2800" dirty="0">
+              <a:solidFill>
+                <a:schemeClr val="accent2">
+                  <a:lumMod val="20000"/>
+                  <a:lumOff val="80000"/>
+                </a:schemeClr>
+              </a:solidFill>
+              <a:latin typeface="Microsoft YaHei UI Light" panose="020B0502040204020203" pitchFamily="34" charset="-122"/>
+              <a:ea typeface="Microsoft YaHei UI Light" panose="020B0502040204020203" pitchFamily="34" charset="-122"/>
+            </a:endParaRPr>
+          </a:p>
+        </p:txBody>
+      </p:sp>
+      <p:pic>
+        <p:nvPicPr>
+          <p:cNvPr id="3" name="Picture 2">
+            <a:extLst>
+              <a:ext uri="{FF2B5EF4-FFF2-40B4-BE49-F238E27FC236}">
+                <a16:creationId xmlns:a16="http://schemas.microsoft.com/office/drawing/2014/main" id="{97E9F436-B0BB-4AAB-970C-B3EB3A118CDC}"/>
+              </a:ext>
+            </a:extLst>
+          </p:cNvPr>
+          <p:cNvPicPr>
+            <a:picLocks noChangeAspect="1"/>
+          </p:cNvPicPr>
+          <p:nvPr/>
+        </p:nvPicPr>
+        <p:blipFill>
+          <a:blip r:embed="rId3"/>
+          <a:stretch>
+            <a:fillRect/>
+          </a:stretch>
+        </p:blipFill>
+        <p:spPr>
+          <a:xfrm>
+            <a:off x="5454247" y="1640600"/>
+            <a:ext cx="4978903" cy="3183070"/>
+          </a:xfrm>
+          <a:prstGeom prst="rect">
+            <a:avLst/>
+          </a:prstGeom>
+        </p:spPr>
+      </p:pic>
+    </p:spTree>
+    <p:extLst>
+      <p:ext uri="{BB962C8B-B14F-4D97-AF65-F5344CB8AC3E}">
+        <p14:creationId xmlns:p14="http://schemas.microsoft.com/office/powerpoint/2010/main" val="983200834"/>
+      </p:ext>
+    </p:extLst>
+  </p:cSld>
+  <p:clrMapOvr>
+    <a:masterClrMapping/>
+  </p:clrMapOvr>
+</p:sld>
+</file>
+
+<file path=ppt/slides/slide16.xml><?xml version="1.0" encoding="utf-8"?>
+<p:sld xmlns:a="http://schemas.openxmlformats.org/drawingml/2006/main" xmlns:r="http://schemas.openxmlformats.org/officeDocument/2006/relationships" xmlns:p="http://schemas.openxmlformats.org/presentationml/2006/main">
+  <p:cSld>
+    <p:bg>
+      <p:bgPr>
+        <a:gradFill>
+          <a:gsLst>
+            <a:gs pos="38000">
+              <a:srgbClr val="7030A0"/>
+            </a:gs>
+            <a:gs pos="100000">
+              <a:srgbClr val="B8DF32"/>
+            </a:gs>
+          </a:gsLst>
+          <a:lin ang="5400012" scaled="0"/>
+        </a:gradFill>
+        <a:effectLst/>
+      </p:bgPr>
+    </p:bg>
+    <p:spTree>
+      <p:nvGrpSpPr>
+        <p:cNvPr id="1" name="Shape 75"/>
+        <p:cNvGrpSpPr/>
+        <p:nvPr/>
+      </p:nvGrpSpPr>
+      <p:grpSpPr>
+        <a:xfrm>
+          <a:off x="0" y="0"/>
+          <a:ext cx="0" cy="0"/>
+          <a:chOff x="0" y="0"/>
+          <a:chExt cx="0" cy="0"/>
+        </a:xfrm>
+      </p:grpSpPr>
+      <p:sp>
+        <p:nvSpPr>
+          <p:cNvPr id="79" name="Google Shape;79;p15"/>
+          <p:cNvSpPr txBox="1">
+            <a:spLocks noGrp="1"/>
+          </p:cNvSpPr>
+          <p:nvPr>
+            <p:ph type="sldNum" idx="12"/>
+          </p:nvPr>
+        </p:nvSpPr>
+        <p:spPr>
+          <a:prstGeom prst="rect">
+            <a:avLst/>
+          </a:prstGeom>
+        </p:spPr>
+        <p:txBody>
+          <a:bodyPr spcFirstLastPara="1" wrap="square" lIns="0" tIns="0" rIns="0" bIns="0" anchor="ctr" anchorCtr="0">
+            <a:noAutofit/>
+          </a:bodyPr>
+          <a:lstStyle/>
+          <a:p>
+            <a:fld id="{00000000-1234-1234-1234-123412341234}" type="slidenum">
+              <a:rPr lang="en"/>
+              <a:pPr/>
+              <a:t>16</a:t>
+            </a:fld>
+            <a:endParaRPr/>
+          </a:p>
+        </p:txBody>
+      </p:sp>
+      <p:sp>
+        <p:nvSpPr>
+          <p:cNvPr id="18" name="Google Shape;270;p34"/>
+          <p:cNvSpPr/>
+          <p:nvPr/>
+        </p:nvSpPr>
+        <p:spPr>
+          <a:xfrm>
+            <a:off x="4967807" y="948381"/>
+            <a:ext cx="6491553" cy="5125248"/>
+          </a:xfrm>
+          <a:custGeom>
+            <a:avLst/>
+            <a:gdLst/>
+            <a:ahLst/>
+            <a:cxnLst/>
+            <a:rect l="l" t="t" r="r" b="b"/>
+            <a:pathLst>
+              <a:path w="143434" h="111665" extrusionOk="0">
+                <a:moveTo>
+                  <a:pt x="71751" y="2308"/>
+                </a:moveTo>
+                <a:lnTo>
+                  <a:pt x="71887" y="2376"/>
+                </a:lnTo>
+                <a:lnTo>
+                  <a:pt x="72091" y="2444"/>
+                </a:lnTo>
+                <a:lnTo>
+                  <a:pt x="72159" y="2647"/>
+                </a:lnTo>
+                <a:lnTo>
+                  <a:pt x="72226" y="2783"/>
+                </a:lnTo>
+                <a:lnTo>
+                  <a:pt x="72159" y="2987"/>
+                </a:lnTo>
+                <a:lnTo>
+                  <a:pt x="72091" y="3190"/>
+                </a:lnTo>
+                <a:lnTo>
+                  <a:pt x="71887" y="3258"/>
+                </a:lnTo>
+                <a:lnTo>
+                  <a:pt x="71751" y="3326"/>
+                </a:lnTo>
+                <a:lnTo>
+                  <a:pt x="71548" y="3258"/>
+                </a:lnTo>
+                <a:lnTo>
+                  <a:pt x="71344" y="3190"/>
+                </a:lnTo>
+                <a:lnTo>
+                  <a:pt x="71276" y="2987"/>
+                </a:lnTo>
+                <a:lnTo>
+                  <a:pt x="71208" y="2783"/>
+                </a:lnTo>
+                <a:lnTo>
+                  <a:pt x="71276" y="2647"/>
+                </a:lnTo>
+                <a:lnTo>
+                  <a:pt x="71344" y="2444"/>
+                </a:lnTo>
+                <a:lnTo>
+                  <a:pt x="71548" y="2376"/>
+                </a:lnTo>
+                <a:lnTo>
+                  <a:pt x="71751" y="2308"/>
+                </a:lnTo>
+                <a:close/>
+                <a:moveTo>
+                  <a:pt x="137528" y="5906"/>
+                </a:moveTo>
+                <a:lnTo>
+                  <a:pt x="137596" y="5974"/>
+                </a:lnTo>
+                <a:lnTo>
+                  <a:pt x="137596" y="89604"/>
+                </a:lnTo>
+                <a:lnTo>
+                  <a:pt x="5906" y="89604"/>
+                </a:lnTo>
+                <a:lnTo>
+                  <a:pt x="5906" y="5974"/>
+                </a:lnTo>
+                <a:lnTo>
+                  <a:pt x="5906" y="5906"/>
+                </a:lnTo>
+                <a:close/>
+                <a:moveTo>
+                  <a:pt x="3530" y="0"/>
+                </a:moveTo>
+                <a:lnTo>
+                  <a:pt x="3191" y="68"/>
+                </a:lnTo>
+                <a:lnTo>
+                  <a:pt x="2444" y="339"/>
+                </a:lnTo>
+                <a:lnTo>
+                  <a:pt x="1766" y="679"/>
+                </a:lnTo>
+                <a:lnTo>
+                  <a:pt x="1155" y="1154"/>
+                </a:lnTo>
+                <a:lnTo>
+                  <a:pt x="679" y="1765"/>
+                </a:lnTo>
+                <a:lnTo>
+                  <a:pt x="272" y="2444"/>
+                </a:lnTo>
+                <a:lnTo>
+                  <a:pt x="69" y="3190"/>
+                </a:lnTo>
+                <a:lnTo>
+                  <a:pt x="1" y="3598"/>
+                </a:lnTo>
+                <a:lnTo>
+                  <a:pt x="1" y="4005"/>
+                </a:lnTo>
+                <a:lnTo>
+                  <a:pt x="1" y="91572"/>
+                </a:lnTo>
+                <a:lnTo>
+                  <a:pt x="1" y="91979"/>
+                </a:lnTo>
+                <a:lnTo>
+                  <a:pt x="69" y="92319"/>
+                </a:lnTo>
+                <a:lnTo>
+                  <a:pt x="272" y="93065"/>
+                </a:lnTo>
+                <a:lnTo>
+                  <a:pt x="679" y="93744"/>
+                </a:lnTo>
+                <a:lnTo>
+                  <a:pt x="1155" y="94355"/>
+                </a:lnTo>
+                <a:lnTo>
+                  <a:pt x="1766" y="94830"/>
+                </a:lnTo>
+                <a:lnTo>
+                  <a:pt x="2444" y="95238"/>
+                </a:lnTo>
+                <a:lnTo>
+                  <a:pt x="3191" y="95441"/>
+                </a:lnTo>
+                <a:lnTo>
+                  <a:pt x="3530" y="95509"/>
+                </a:lnTo>
+                <a:lnTo>
+                  <a:pt x="139904" y="95509"/>
+                </a:lnTo>
+                <a:lnTo>
+                  <a:pt x="140311" y="95441"/>
+                </a:lnTo>
+                <a:lnTo>
+                  <a:pt x="141058" y="95238"/>
+                </a:lnTo>
+                <a:lnTo>
+                  <a:pt x="141737" y="94830"/>
+                </a:lnTo>
+                <a:lnTo>
+                  <a:pt x="142280" y="94355"/>
+                </a:lnTo>
+                <a:lnTo>
+                  <a:pt x="142755" y="93744"/>
+                </a:lnTo>
+                <a:lnTo>
+                  <a:pt x="143162" y="93065"/>
+                </a:lnTo>
+                <a:lnTo>
+                  <a:pt x="143366" y="92319"/>
+                </a:lnTo>
+                <a:lnTo>
+                  <a:pt x="143434" y="91979"/>
+                </a:lnTo>
+                <a:lnTo>
+                  <a:pt x="143434" y="91572"/>
+                </a:lnTo>
+                <a:lnTo>
+                  <a:pt x="143434" y="4005"/>
+                </a:lnTo>
+                <a:lnTo>
+                  <a:pt x="143434" y="3598"/>
+                </a:lnTo>
+                <a:lnTo>
+                  <a:pt x="143366" y="3190"/>
+                </a:lnTo>
+                <a:lnTo>
+                  <a:pt x="143162" y="2444"/>
+                </a:lnTo>
+                <a:lnTo>
+                  <a:pt x="142755" y="1765"/>
+                </a:lnTo>
+                <a:lnTo>
+                  <a:pt x="142280" y="1154"/>
+                </a:lnTo>
+                <a:lnTo>
+                  <a:pt x="141737" y="679"/>
+                </a:lnTo>
+                <a:lnTo>
+                  <a:pt x="141058" y="339"/>
+                </a:lnTo>
+                <a:lnTo>
+                  <a:pt x="140311" y="68"/>
+                </a:lnTo>
+                <a:lnTo>
+                  <a:pt x="139904" y="0"/>
+                </a:lnTo>
+                <a:close/>
+                <a:moveTo>
+                  <a:pt x="55324" y="95713"/>
+                </a:moveTo>
+                <a:lnTo>
+                  <a:pt x="55052" y="98971"/>
+                </a:lnTo>
+                <a:lnTo>
+                  <a:pt x="54713" y="102297"/>
+                </a:lnTo>
+                <a:lnTo>
+                  <a:pt x="54374" y="105284"/>
+                </a:lnTo>
+                <a:lnTo>
+                  <a:pt x="53966" y="107388"/>
+                </a:lnTo>
+                <a:lnTo>
+                  <a:pt x="53763" y="108203"/>
+                </a:lnTo>
+                <a:lnTo>
+                  <a:pt x="53627" y="108746"/>
+                </a:lnTo>
+                <a:lnTo>
+                  <a:pt x="53423" y="109153"/>
+                </a:lnTo>
+                <a:lnTo>
+                  <a:pt x="53220" y="109357"/>
+                </a:lnTo>
+                <a:lnTo>
+                  <a:pt x="52677" y="109493"/>
+                </a:lnTo>
+                <a:lnTo>
+                  <a:pt x="51794" y="109696"/>
+                </a:lnTo>
+                <a:lnTo>
+                  <a:pt x="49690" y="110036"/>
+                </a:lnTo>
+                <a:lnTo>
+                  <a:pt x="48061" y="110307"/>
+                </a:lnTo>
+                <a:lnTo>
+                  <a:pt x="47450" y="110443"/>
+                </a:lnTo>
+                <a:lnTo>
+                  <a:pt x="47110" y="110511"/>
+                </a:lnTo>
+                <a:lnTo>
+                  <a:pt x="47042" y="110579"/>
+                </a:lnTo>
+                <a:lnTo>
+                  <a:pt x="47042" y="110783"/>
+                </a:lnTo>
+                <a:lnTo>
+                  <a:pt x="47110" y="110850"/>
+                </a:lnTo>
+                <a:lnTo>
+                  <a:pt x="47585" y="110918"/>
+                </a:lnTo>
+                <a:lnTo>
+                  <a:pt x="48400" y="110986"/>
+                </a:lnTo>
+                <a:lnTo>
+                  <a:pt x="51387" y="111054"/>
+                </a:lnTo>
+                <a:lnTo>
+                  <a:pt x="56071" y="111122"/>
+                </a:lnTo>
+                <a:lnTo>
+                  <a:pt x="87092" y="111122"/>
+                </a:lnTo>
+                <a:lnTo>
+                  <a:pt x="91708" y="111054"/>
+                </a:lnTo>
+                <a:lnTo>
+                  <a:pt x="94695" y="110986"/>
+                </a:lnTo>
+                <a:lnTo>
+                  <a:pt x="95578" y="110918"/>
+                </a:lnTo>
+                <a:lnTo>
+                  <a:pt x="96053" y="110850"/>
+                </a:lnTo>
+                <a:lnTo>
+                  <a:pt x="96121" y="110783"/>
+                </a:lnTo>
+                <a:lnTo>
+                  <a:pt x="96121" y="110579"/>
+                </a:lnTo>
+                <a:lnTo>
+                  <a:pt x="96053" y="110511"/>
+                </a:lnTo>
+                <a:lnTo>
+                  <a:pt x="95713" y="110443"/>
+                </a:lnTo>
+                <a:lnTo>
+                  <a:pt x="95102" y="110307"/>
+                </a:lnTo>
+                <a:lnTo>
+                  <a:pt x="93473" y="110036"/>
+                </a:lnTo>
+                <a:lnTo>
+                  <a:pt x="91369" y="109696"/>
+                </a:lnTo>
+                <a:lnTo>
+                  <a:pt x="90487" y="109493"/>
+                </a:lnTo>
+                <a:lnTo>
+                  <a:pt x="89943" y="109357"/>
+                </a:lnTo>
+                <a:lnTo>
+                  <a:pt x="89740" y="109153"/>
+                </a:lnTo>
+                <a:lnTo>
+                  <a:pt x="89536" y="108746"/>
+                </a:lnTo>
+                <a:lnTo>
+                  <a:pt x="89333" y="108203"/>
+                </a:lnTo>
+                <a:lnTo>
+                  <a:pt x="89197" y="107388"/>
+                </a:lnTo>
+                <a:lnTo>
+                  <a:pt x="88789" y="105284"/>
+                </a:lnTo>
+                <a:lnTo>
+                  <a:pt x="88382" y="102297"/>
+                </a:lnTo>
+                <a:lnTo>
+                  <a:pt x="88043" y="98971"/>
+                </a:lnTo>
+                <a:lnTo>
+                  <a:pt x="87839" y="95713"/>
+                </a:lnTo>
+                <a:close/>
+                <a:moveTo>
+                  <a:pt x="47450" y="111054"/>
+                </a:moveTo>
+                <a:lnTo>
+                  <a:pt x="47450" y="111122"/>
+                </a:lnTo>
+                <a:lnTo>
+                  <a:pt x="47450" y="111393"/>
+                </a:lnTo>
+                <a:lnTo>
+                  <a:pt x="47518" y="111461"/>
+                </a:lnTo>
+                <a:lnTo>
+                  <a:pt x="48807" y="111529"/>
+                </a:lnTo>
+                <a:lnTo>
+                  <a:pt x="52473" y="111597"/>
+                </a:lnTo>
+                <a:lnTo>
+                  <a:pt x="62384" y="111665"/>
+                </a:lnTo>
+                <a:lnTo>
+                  <a:pt x="80779" y="111665"/>
+                </a:lnTo>
+                <a:lnTo>
+                  <a:pt x="90622" y="111597"/>
+                </a:lnTo>
+                <a:lnTo>
+                  <a:pt x="94356" y="111529"/>
+                </a:lnTo>
+                <a:lnTo>
+                  <a:pt x="95646" y="111461"/>
+                </a:lnTo>
+                <a:lnTo>
+                  <a:pt x="95713" y="111393"/>
+                </a:lnTo>
+                <a:lnTo>
+                  <a:pt x="95713" y="111122"/>
+                </a:lnTo>
+                <a:lnTo>
+                  <a:pt x="95646" y="111054"/>
+                </a:lnTo>
+                <a:lnTo>
+                  <a:pt x="94084" y="111122"/>
+                </a:lnTo>
+                <a:lnTo>
+                  <a:pt x="91233" y="111190"/>
+                </a:lnTo>
+                <a:lnTo>
+                  <a:pt x="80847" y="111258"/>
+                </a:lnTo>
+                <a:lnTo>
+                  <a:pt x="62316" y="111258"/>
+                </a:lnTo>
+                <a:lnTo>
+                  <a:pt x="51930" y="111190"/>
+                </a:lnTo>
+                <a:lnTo>
+                  <a:pt x="49079" y="111122"/>
+                </a:lnTo>
+                <a:lnTo>
+                  <a:pt x="47518" y="111054"/>
+                </a:lnTo>
+                <a:close/>
+              </a:path>
+            </a:pathLst>
+          </a:custGeom>
+          <a:solidFill>
+            <a:srgbClr val="FFFFFF"/>
+          </a:solidFill>
+          <a:ln>
+            <a:noFill/>
+          </a:ln>
+        </p:spPr>
+        <p:txBody>
+          <a:bodyPr spcFirstLastPara="1" wrap="square" lIns="121900" tIns="121900" rIns="121900" bIns="121900" anchor="ctr" anchorCtr="0">
+            <a:noAutofit/>
+          </a:bodyPr>
+          <a:lstStyle/>
+          <a:p>
+            <a:pPr algn="l" rtl="0">
+              <a:buClr>
+                <a:srgbClr val="000000"/>
+              </a:buClr>
+              <a:buFont typeface="Arial"/>
+              <a:buNone/>
+            </a:pPr>
+            <a:endParaRPr sz="1867" kern="0">
+              <a:solidFill>
+                <a:srgbClr val="000000"/>
+              </a:solidFill>
+              <a:cs typeface="Arial"/>
+              <a:sym typeface="Arial"/>
+            </a:endParaRPr>
+          </a:p>
+        </p:txBody>
+      </p:sp>
+      <p:sp>
+        <p:nvSpPr>
+          <p:cNvPr id="5" name="TextBox 4"/>
+          <p:cNvSpPr txBox="1"/>
+          <p:nvPr/>
+        </p:nvSpPr>
+        <p:spPr>
+          <a:xfrm>
+            <a:off x="1581464" y="1566993"/>
+            <a:ext cx="3320321" cy="3539430"/>
+          </a:xfrm>
+          <a:prstGeom prst="rect">
+            <a:avLst/>
+          </a:prstGeom>
+          <a:noFill/>
+        </p:spPr>
+        <p:txBody>
+          <a:bodyPr wrap="square" rtlCol="1">
+            <a:spAutoFit/>
+          </a:bodyPr>
+          <a:lstStyle/>
+          <a:p>
+            <a:pPr algn="l" rtl="0"/>
+            <a:r>
+              <a:rPr lang="en-US" sz="2800" dirty="0">
+                <a:solidFill>
+                  <a:schemeClr val="accent2">
+                    <a:lumMod val="20000"/>
+                    <a:lumOff val="80000"/>
+                  </a:schemeClr>
+                </a:solidFill>
+                <a:latin typeface="Microsoft YaHei UI Light" panose="020B0502040204020203" pitchFamily="34" charset="-122"/>
+                <a:ea typeface="Microsoft YaHei UI Light" panose="020B0502040204020203" pitchFamily="34" charset="-122"/>
+              </a:rPr>
+              <a:t>Current Game</a:t>
+            </a:r>
+          </a:p>
+          <a:p>
+            <a:pPr algn="l" rtl="0"/>
+            <a:r>
+              <a:rPr lang="en-US" sz="2800" dirty="0">
+                <a:solidFill>
+                  <a:schemeClr val="accent2">
+                    <a:lumMod val="20000"/>
+                    <a:lumOff val="80000"/>
+                  </a:schemeClr>
+                </a:solidFill>
+                <a:latin typeface="Microsoft YaHei UI Light" panose="020B0502040204020203" pitchFamily="34" charset="-122"/>
+                <a:ea typeface="Microsoft YaHei UI Light" panose="020B0502040204020203" pitchFamily="34" charset="-122"/>
+              </a:rPr>
+              <a:t>The actual game. The player can see his own cards, ask other players for cards and buy special cards using </a:t>
+            </a:r>
+            <a:r>
+              <a:rPr lang="en-US" sz="2800" dirty="0" err="1">
+                <a:solidFill>
+                  <a:schemeClr val="accent2">
+                    <a:lumMod val="20000"/>
+                    <a:lumOff val="80000"/>
+                  </a:schemeClr>
+                </a:solidFill>
+                <a:latin typeface="Microsoft YaHei UI Light" panose="020B0502040204020203" pitchFamily="34" charset="-122"/>
+                <a:ea typeface="Microsoft YaHei UI Light" panose="020B0502040204020203" pitchFamily="34" charset="-122"/>
+              </a:rPr>
+              <a:t>QuartetCoin</a:t>
+            </a:r>
+            <a:r>
+              <a:rPr lang="en-US" sz="2800" dirty="0">
+                <a:solidFill>
+                  <a:schemeClr val="accent2">
+                    <a:lumMod val="20000"/>
+                    <a:lumOff val="80000"/>
+                  </a:schemeClr>
+                </a:solidFill>
+                <a:latin typeface="Microsoft YaHei UI Light" panose="020B0502040204020203" pitchFamily="34" charset="-122"/>
+                <a:ea typeface="Microsoft YaHei UI Light" panose="020B0502040204020203" pitchFamily="34" charset="-122"/>
+              </a:rPr>
+              <a:t>.</a:t>
+            </a:r>
+            <a:endParaRPr lang="he-IL" sz="2800" dirty="0">
+              <a:solidFill>
+                <a:schemeClr val="accent2">
+                  <a:lumMod val="20000"/>
+                  <a:lumOff val="80000"/>
+                </a:schemeClr>
+              </a:solidFill>
+              <a:latin typeface="Microsoft YaHei UI Light" panose="020B0502040204020203" pitchFamily="34" charset="-122"/>
+              <a:ea typeface="Microsoft YaHei UI Light" panose="020B0502040204020203" pitchFamily="34" charset="-122"/>
+            </a:endParaRPr>
+          </a:p>
+        </p:txBody>
+      </p:sp>
+      <p:pic>
+        <p:nvPicPr>
+          <p:cNvPr id="3" name="Picture 2">
+            <a:extLst>
+              <a:ext uri="{FF2B5EF4-FFF2-40B4-BE49-F238E27FC236}">
+                <a16:creationId xmlns:a16="http://schemas.microsoft.com/office/drawing/2014/main" id="{39BB365F-A38B-41EC-B4AB-89E527569052}"/>
+              </a:ext>
+            </a:extLst>
+          </p:cNvPr>
+          <p:cNvPicPr>
+            <a:picLocks noChangeAspect="1"/>
+          </p:cNvPicPr>
+          <p:nvPr/>
+        </p:nvPicPr>
+        <p:blipFill>
+          <a:blip r:embed="rId3"/>
+          <a:stretch>
+            <a:fillRect/>
+          </a:stretch>
+        </p:blipFill>
+        <p:spPr>
+          <a:xfrm>
+            <a:off x="5152619" y="1088821"/>
+            <a:ext cx="6154825" cy="4016134"/>
+          </a:xfrm>
+          <a:prstGeom prst="rect">
+            <a:avLst/>
+          </a:prstGeom>
+        </p:spPr>
+      </p:pic>
+    </p:spTree>
+    <p:extLst>
+      <p:ext uri="{BB962C8B-B14F-4D97-AF65-F5344CB8AC3E}">
+        <p14:creationId xmlns:p14="http://schemas.microsoft.com/office/powerpoint/2010/main" val="1004583456"/>
+      </p:ext>
+    </p:extLst>
+  </p:cSld>
+  <p:clrMapOvr>
+    <a:masterClrMapping/>
+  </p:clrMapOvr>
+</p:sld>
+</file>
+
+<file path=ppt/slides/slide17.xml><?xml version="1.0" encoding="utf-8"?>
 <p:sld xmlns:a="http://schemas.openxmlformats.org/drawingml/2006/main" xmlns:r="http://schemas.openxmlformats.org/officeDocument/2006/relationships" xmlns:p="http://schemas.openxmlformats.org/presentationml/2006/main">
   <p:cSld>
     <p:spTree>
@@ -13069,10 +15601,10 @@
           <p:cNvPr id="8" name="Rectangle 7">
             <a:extLst>
               <a:ext uri="{FF2B5EF4-FFF2-40B4-BE49-F238E27FC236}">
-                <a16:creationId xmlns:a16="http://schemas.microsoft.com/office/drawing/2014/main" xmlns="" id="{23962611-DFD5-4092-AAFD-559E3DFCE2C9}"/>
+                <a16:creationId xmlns:a16="http://schemas.microsoft.com/office/drawing/2014/main" id="{23962611-DFD5-4092-AAFD-559E3DFCE2C9}"/>
               </a:ext>
               <a:ext uri="{C183D7F6-B498-43B3-948B-1728B52AA6E4}">
-                <adec:decorative xmlns="" xmlns:adec="http://schemas.microsoft.com/office/drawing/2017/decorative" val="1"/>
+                <adec:decorative xmlns:adec="http://schemas.microsoft.com/office/drawing/2017/decorative" val="1"/>
               </a:ext>
             </a:extLst>
           </p:cNvPr>
@@ -13082,7 +15614,7 @@
           <p:nvPr>
             <p:extLst>
               <p:ext uri="{386F3935-93C4-4BCD-93E2-E3B085C9AB24}">
-                <p16:designElem xmlns:p16="http://schemas.microsoft.com/office/powerpoint/2015/main" xmlns="" val="1"/>
+                <p16:designElem xmlns:p16="http://schemas.microsoft.com/office/powerpoint/2015/main" val="1"/>
               </p:ext>
             </p:extLst>
           </p:nvPr>
@@ -13154,10 +15686,10 @@
           <p:cNvPr id="10" name="Picture 9">
             <a:extLst>
               <a:ext uri="{FF2B5EF4-FFF2-40B4-BE49-F238E27FC236}">
-                <a16:creationId xmlns:a16="http://schemas.microsoft.com/office/drawing/2014/main" xmlns="" id="{2270F1FA-0425-408F-9861-80BF5AFB276D}"/>
+                <a16:creationId xmlns:a16="http://schemas.microsoft.com/office/drawing/2014/main" id="{2270F1FA-0425-408F-9861-80BF5AFB276D}"/>
               </a:ext>
               <a:ext uri="{C183D7F6-B498-43B3-948B-1728B52AA6E4}">
-                <adec:decorative xmlns="" xmlns:adec="http://schemas.microsoft.com/office/drawing/2017/decorative" val="1"/>
+                <adec:decorative xmlns:adec="http://schemas.microsoft.com/office/drawing/2017/decorative" val="1"/>
               </a:ext>
             </a:extLst>
           </p:cNvPr>
@@ -13167,7 +15699,7 @@
           <p:nvPr>
             <p:extLst>
               <p:ext uri="{386F3935-93C4-4BCD-93E2-E3B085C9AB24}">
-                <p16:designElem xmlns:p16="http://schemas.microsoft.com/office/powerpoint/2015/main" xmlns="" val="1"/>
+                <p16:designElem xmlns:p16="http://schemas.microsoft.com/office/powerpoint/2015/main" val="1"/>
               </p:ext>
             </p:extLst>
           </p:nvPr>
@@ -13199,7 +15731,7 @@
           <p:cNvPr id="2" name="כותרת 1">
             <a:extLst>
               <a:ext uri="{FF2B5EF4-FFF2-40B4-BE49-F238E27FC236}">
-                <a16:creationId xmlns:a16="http://schemas.microsoft.com/office/drawing/2014/main" xmlns="" id="{1C0DC20E-400E-4C3E-BF17-A3CDCFCE20BB}"/>
+                <a16:creationId xmlns:a16="http://schemas.microsoft.com/office/drawing/2014/main" id="{1C0DC20E-400E-4C3E-BF17-A3CDCFCE20BB}"/>
               </a:ext>
             </a:extLst>
           </p:cNvPr>
@@ -13223,7 +15755,7 @@
           <a:lstStyle/>
           <a:p>
             <a:r>
-              <a:rPr lang="en-US" sz="4700" b="1" u="sng" dirty="0" smtClean="0">
+              <a:rPr lang="en-US" sz="4700" b="1" u="sng" dirty="0">
                 <a:solidFill>
                   <a:srgbClr val="FFFFFF"/>
                 </a:solidFill>
@@ -13248,25 +15780,10 @@
   <p:clrMapOvr>
     <a:masterClrMapping/>
   </p:clrMapOvr>
-  <mc:AlternateContent xmlns:mc="http://schemas.openxmlformats.org/markup-compatibility/2006">
-    <mc:Choice xmlns:p14="http://schemas.microsoft.com/office/powerpoint/2010/main" Requires="p14">
-      <p:transition p14:dur="0"/>
-    </mc:Choice>
-    <mc:Fallback>
-      <p:transition/>
-    </mc:Fallback>
-  </mc:AlternateContent>
-  <p:timing>
-    <p:tnLst>
-      <p:par>
-        <p:cTn id="1" dur="indefinite" restart="never" nodeType="tmRoot"/>
-      </p:par>
-    </p:tnLst>
-  </p:timing>
 </p:sld>
 </file>
 
-<file path=ppt/slides/slide14.xml><?xml version="1.0" encoding="utf-8"?>
+<file path=ppt/slides/slide18.xml><?xml version="1.0" encoding="utf-8"?>
 <p:sld xmlns:a="http://schemas.openxmlformats.org/drawingml/2006/main" xmlns:r="http://schemas.openxmlformats.org/officeDocument/2006/relationships" xmlns:p="http://schemas.openxmlformats.org/presentationml/2006/main">
   <p:cSld>
     <p:spTree>
@@ -13804,7 +16321,7 @@
             <a:fld id="{00000000-1234-1234-1234-123412341234}" type="slidenum">
               <a:rPr lang="en"/>
               <a:pPr/>
-              <a:t>14</a:t>
+              <a:t>18</a:t>
             </a:fld>
             <a:endParaRPr/>
           </a:p>
@@ -13851,6 +16368,378 @@
           </a:extLst>
         </p:spPr>
       </p:pic>
+      <p:sp>
+        <p:nvSpPr>
+          <p:cNvPr id="6" name="Google Shape;68;p14">
+            <a:extLst>
+              <a:ext uri="{FF2B5EF4-FFF2-40B4-BE49-F238E27FC236}">
+                <a16:creationId xmlns:a16="http://schemas.microsoft.com/office/drawing/2014/main" id="{FC7E91D9-6C30-4F1E-A12D-F573C1025734}"/>
+              </a:ext>
+            </a:extLst>
+          </p:cNvPr>
+          <p:cNvSpPr txBox="1">
+            <a:spLocks/>
+          </p:cNvSpPr>
+          <p:nvPr/>
+        </p:nvSpPr>
+        <p:spPr>
+          <a:xfrm>
+            <a:off x="1518293" y="2259846"/>
+            <a:ext cx="4070405" cy="4720800"/>
+          </a:xfrm>
+          <a:prstGeom prst="rect">
+            <a:avLst/>
+          </a:prstGeom>
+        </p:spPr>
+        <p:txBody>
+          <a:bodyPr spcFirstLastPara="1" wrap="square" lIns="0" tIns="0" rIns="0" bIns="0" anchor="t" anchorCtr="0">
+            <a:noAutofit/>
+          </a:bodyPr>
+          <a:lstStyle>
+            <a:defPPr marR="0" lvl="0" algn="l" rtl="0">
+              <a:lnSpc>
+                <a:spcPct val="100000"/>
+              </a:lnSpc>
+              <a:spcBef>
+                <a:spcPts val="0"/>
+              </a:spcBef>
+              <a:spcAft>
+                <a:spcPts val="0"/>
+              </a:spcAft>
+            </a:defPPr>
+            <a:lvl1pPr marR="0" lvl="0" algn="l" rtl="0">
+              <a:lnSpc>
+                <a:spcPct val="100000"/>
+              </a:lnSpc>
+              <a:spcBef>
+                <a:spcPts val="0"/>
+              </a:spcBef>
+              <a:spcAft>
+                <a:spcPts val="0"/>
+              </a:spcAft>
+              <a:buClr>
+                <a:srgbClr val="000000"/>
+              </a:buClr>
+              <a:buFont typeface="Arial"/>
+              <a:defRPr sz="1867" b="0" i="0" u="none" strike="noStrike" cap="none">
+                <a:solidFill>
+                  <a:srgbClr val="000000"/>
+                </a:solidFill>
+                <a:latin typeface="Arial"/>
+                <a:ea typeface="Arial"/>
+                <a:cs typeface="Arial"/>
+                <a:sym typeface="Arial"/>
+              </a:defRPr>
+            </a:lvl1pPr>
+            <a:lvl2pPr marR="0" lvl="1" algn="l" rtl="0">
+              <a:lnSpc>
+                <a:spcPct val="100000"/>
+              </a:lnSpc>
+              <a:spcBef>
+                <a:spcPts val="0"/>
+              </a:spcBef>
+              <a:spcAft>
+                <a:spcPts val="0"/>
+              </a:spcAft>
+              <a:buClr>
+                <a:srgbClr val="000000"/>
+              </a:buClr>
+              <a:buFont typeface="Arial"/>
+              <a:defRPr sz="1867" b="0" i="0" u="none" strike="noStrike" cap="none">
+                <a:solidFill>
+                  <a:srgbClr val="000000"/>
+                </a:solidFill>
+                <a:latin typeface="Arial"/>
+                <a:ea typeface="Arial"/>
+                <a:cs typeface="Arial"/>
+                <a:sym typeface="Arial"/>
+              </a:defRPr>
+            </a:lvl2pPr>
+            <a:lvl3pPr marR="0" lvl="2" algn="l" rtl="0">
+              <a:lnSpc>
+                <a:spcPct val="100000"/>
+              </a:lnSpc>
+              <a:spcBef>
+                <a:spcPts val="0"/>
+              </a:spcBef>
+              <a:spcAft>
+                <a:spcPts val="0"/>
+              </a:spcAft>
+              <a:buClr>
+                <a:srgbClr val="000000"/>
+              </a:buClr>
+              <a:buFont typeface="Arial"/>
+              <a:defRPr sz="1867" b="0" i="0" u="none" strike="noStrike" cap="none">
+                <a:solidFill>
+                  <a:srgbClr val="000000"/>
+                </a:solidFill>
+                <a:latin typeface="Arial"/>
+                <a:ea typeface="Arial"/>
+                <a:cs typeface="Arial"/>
+                <a:sym typeface="Arial"/>
+              </a:defRPr>
+            </a:lvl3pPr>
+            <a:lvl4pPr marR="0" lvl="3" algn="l" rtl="0">
+              <a:lnSpc>
+                <a:spcPct val="100000"/>
+              </a:lnSpc>
+              <a:spcBef>
+                <a:spcPts val="0"/>
+              </a:spcBef>
+              <a:spcAft>
+                <a:spcPts val="0"/>
+              </a:spcAft>
+              <a:buClr>
+                <a:srgbClr val="000000"/>
+              </a:buClr>
+              <a:buFont typeface="Arial"/>
+              <a:defRPr sz="1867" b="0" i="0" u="none" strike="noStrike" cap="none">
+                <a:solidFill>
+                  <a:srgbClr val="000000"/>
+                </a:solidFill>
+                <a:latin typeface="Arial"/>
+                <a:ea typeface="Arial"/>
+                <a:cs typeface="Arial"/>
+                <a:sym typeface="Arial"/>
+              </a:defRPr>
+            </a:lvl4pPr>
+            <a:lvl5pPr marR="0" lvl="4" algn="l" rtl="0">
+              <a:lnSpc>
+                <a:spcPct val="100000"/>
+              </a:lnSpc>
+              <a:spcBef>
+                <a:spcPts val="0"/>
+              </a:spcBef>
+              <a:spcAft>
+                <a:spcPts val="0"/>
+              </a:spcAft>
+              <a:buClr>
+                <a:srgbClr val="000000"/>
+              </a:buClr>
+              <a:buFont typeface="Arial"/>
+              <a:defRPr sz="1867" b="0" i="0" u="none" strike="noStrike" cap="none">
+                <a:solidFill>
+                  <a:srgbClr val="000000"/>
+                </a:solidFill>
+                <a:latin typeface="Arial"/>
+                <a:ea typeface="Arial"/>
+                <a:cs typeface="Arial"/>
+                <a:sym typeface="Arial"/>
+              </a:defRPr>
+            </a:lvl5pPr>
+            <a:lvl6pPr marR="0" lvl="5" algn="l" rtl="0">
+              <a:lnSpc>
+                <a:spcPct val="100000"/>
+              </a:lnSpc>
+              <a:spcBef>
+                <a:spcPts val="0"/>
+              </a:spcBef>
+              <a:spcAft>
+                <a:spcPts val="0"/>
+              </a:spcAft>
+              <a:buClr>
+                <a:srgbClr val="000000"/>
+              </a:buClr>
+              <a:buFont typeface="Arial"/>
+              <a:defRPr sz="1867" b="0" i="0" u="none" strike="noStrike" cap="none">
+                <a:solidFill>
+                  <a:srgbClr val="000000"/>
+                </a:solidFill>
+                <a:latin typeface="Arial"/>
+                <a:ea typeface="Arial"/>
+                <a:cs typeface="Arial"/>
+                <a:sym typeface="Arial"/>
+              </a:defRPr>
+            </a:lvl6pPr>
+            <a:lvl7pPr marR="0" lvl="6" algn="l" rtl="0">
+              <a:lnSpc>
+                <a:spcPct val="100000"/>
+              </a:lnSpc>
+              <a:spcBef>
+                <a:spcPts val="0"/>
+              </a:spcBef>
+              <a:spcAft>
+                <a:spcPts val="0"/>
+              </a:spcAft>
+              <a:buClr>
+                <a:srgbClr val="000000"/>
+              </a:buClr>
+              <a:buFont typeface="Arial"/>
+              <a:defRPr sz="1867" b="0" i="0" u="none" strike="noStrike" cap="none">
+                <a:solidFill>
+                  <a:srgbClr val="000000"/>
+                </a:solidFill>
+                <a:latin typeface="Arial"/>
+                <a:ea typeface="Arial"/>
+                <a:cs typeface="Arial"/>
+                <a:sym typeface="Arial"/>
+              </a:defRPr>
+            </a:lvl7pPr>
+            <a:lvl8pPr marR="0" lvl="7" algn="l" rtl="0">
+              <a:lnSpc>
+                <a:spcPct val="100000"/>
+              </a:lnSpc>
+              <a:spcBef>
+                <a:spcPts val="0"/>
+              </a:spcBef>
+              <a:spcAft>
+                <a:spcPts val="0"/>
+              </a:spcAft>
+              <a:buClr>
+                <a:srgbClr val="000000"/>
+              </a:buClr>
+              <a:buFont typeface="Arial"/>
+              <a:defRPr sz="1867" b="0" i="0" u="none" strike="noStrike" cap="none">
+                <a:solidFill>
+                  <a:srgbClr val="000000"/>
+                </a:solidFill>
+                <a:latin typeface="Arial"/>
+                <a:ea typeface="Arial"/>
+                <a:cs typeface="Arial"/>
+                <a:sym typeface="Arial"/>
+              </a:defRPr>
+            </a:lvl8pPr>
+            <a:lvl9pPr marR="0" lvl="8" algn="l" rtl="0">
+              <a:lnSpc>
+                <a:spcPct val="100000"/>
+              </a:lnSpc>
+              <a:spcBef>
+                <a:spcPts val="0"/>
+              </a:spcBef>
+              <a:spcAft>
+                <a:spcPts val="0"/>
+              </a:spcAft>
+              <a:buClr>
+                <a:srgbClr val="000000"/>
+              </a:buClr>
+              <a:buFont typeface="Arial"/>
+              <a:defRPr sz="1867" b="0" i="0" u="none" strike="noStrike" cap="none">
+                <a:solidFill>
+                  <a:srgbClr val="000000"/>
+                </a:solidFill>
+                <a:latin typeface="Arial"/>
+                <a:ea typeface="Arial"/>
+                <a:cs typeface="Arial"/>
+                <a:sym typeface="Arial"/>
+              </a:defRPr>
+            </a:lvl9pPr>
+          </a:lstStyle>
+          <a:p>
+            <a:pPr marL="285750" indent="-285750">
+              <a:buFont typeface="Wingdings" panose="05000000000000000000" pitchFamily="2" charset="2"/>
+              <a:buChar char="v"/>
+            </a:pPr>
+            <a:r>
+              <a:rPr lang="en-US" sz="2000" b="1" kern="0" dirty="0">
+                <a:latin typeface="BN Barak" panose="02000000000000000000" pitchFamily="2" charset="-79"/>
+                <a:cs typeface="BN Barak" panose="02000000000000000000" pitchFamily="2" charset="-79"/>
+              </a:rPr>
+              <a:t>Cloning the project</a:t>
+            </a:r>
+          </a:p>
+          <a:p>
+            <a:pPr marL="285750" indent="-285750">
+              <a:buFont typeface="Wingdings" panose="05000000000000000000" pitchFamily="2" charset="2"/>
+              <a:buChar char="v"/>
+            </a:pPr>
+            <a:r>
+              <a:rPr lang="en-US" sz="2000" b="1" kern="0" dirty="0">
+                <a:latin typeface="BN Barak" panose="02000000000000000000" pitchFamily="2" charset="-79"/>
+                <a:cs typeface="BN Barak" panose="02000000000000000000" pitchFamily="2" charset="-79"/>
+              </a:rPr>
+              <a:t>Using </a:t>
+            </a:r>
+            <a:r>
+              <a:rPr lang="en-US" sz="2000" b="1" kern="0" dirty="0" err="1">
+                <a:latin typeface="BN Barak" panose="02000000000000000000" pitchFamily="2" charset="-79"/>
+                <a:cs typeface="BN Barak" panose="02000000000000000000" pitchFamily="2" charset="-79"/>
+              </a:rPr>
+              <a:t>cmd</a:t>
+            </a:r>
+            <a:r>
+              <a:rPr lang="en-US" sz="2000" b="1" kern="0" dirty="0">
+                <a:latin typeface="BN Barak" panose="02000000000000000000" pitchFamily="2" charset="-79"/>
+                <a:cs typeface="BN Barak" panose="02000000000000000000" pitchFamily="2" charset="-79"/>
+              </a:rPr>
+              <a:t>: </a:t>
+            </a:r>
+            <a:r>
+              <a:rPr lang="en-US" sz="2000" b="1" kern="0" dirty="0" err="1">
+                <a:latin typeface="BN Barak" panose="02000000000000000000" pitchFamily="2" charset="-79"/>
+                <a:cs typeface="BN Barak" panose="02000000000000000000" pitchFamily="2" charset="-79"/>
+              </a:rPr>
+              <a:t>npm</a:t>
+            </a:r>
+            <a:r>
+              <a:rPr lang="en-US" sz="2000" b="1" kern="0" dirty="0">
+                <a:latin typeface="BN Barak" panose="02000000000000000000" pitchFamily="2" charset="-79"/>
+                <a:cs typeface="BN Barak" panose="02000000000000000000" pitchFamily="2" charset="-79"/>
+              </a:rPr>
+              <a:t> install</a:t>
+            </a:r>
+          </a:p>
+          <a:p>
+            <a:pPr marL="285750" indent="-285750">
+              <a:buFont typeface="Wingdings" panose="05000000000000000000" pitchFamily="2" charset="2"/>
+              <a:buChar char="v"/>
+            </a:pPr>
+            <a:r>
+              <a:rPr lang="en-US" sz="2000" b="1" kern="0" dirty="0">
+                <a:latin typeface="BN Barak" panose="02000000000000000000" pitchFamily="2" charset="-79"/>
+                <a:cs typeface="BN Barak" panose="02000000000000000000" pitchFamily="2" charset="-79"/>
+              </a:rPr>
+              <a:t>Using </a:t>
+            </a:r>
+            <a:r>
+              <a:rPr lang="en-US" sz="2000" b="1" kern="0" dirty="0" err="1">
+                <a:latin typeface="BN Barak" panose="02000000000000000000" pitchFamily="2" charset="-79"/>
+                <a:cs typeface="BN Barak" panose="02000000000000000000" pitchFamily="2" charset="-79"/>
+              </a:rPr>
+              <a:t>cmd</a:t>
+            </a:r>
+            <a:r>
+              <a:rPr lang="en-US" sz="2000" b="1" kern="0" dirty="0">
+                <a:latin typeface="BN Barak" panose="02000000000000000000" pitchFamily="2" charset="-79"/>
+                <a:cs typeface="BN Barak" panose="02000000000000000000" pitchFamily="2" charset="-79"/>
+              </a:rPr>
+              <a:t>: node app</a:t>
+            </a:r>
+          </a:p>
+          <a:p>
+            <a:pPr marL="285750" indent="-285750">
+              <a:buFont typeface="Wingdings" panose="05000000000000000000" pitchFamily="2" charset="2"/>
+              <a:buChar char="v"/>
+            </a:pPr>
+            <a:r>
+              <a:rPr lang="en-US" sz="2000" b="1" kern="0" dirty="0">
+                <a:latin typeface="BN Barak" panose="02000000000000000000" pitchFamily="2" charset="-79"/>
+                <a:cs typeface="BN Barak" panose="02000000000000000000" pitchFamily="2" charset="-79"/>
+              </a:rPr>
+              <a:t>Using chrome, enter to: http://localhost:3000/</a:t>
+            </a:r>
+          </a:p>
+          <a:p>
+            <a:pPr marL="285750" indent="-285750">
+              <a:buFont typeface="Wingdings" panose="05000000000000000000" pitchFamily="2" charset="2"/>
+              <a:buChar char="v"/>
+            </a:pPr>
+            <a:endParaRPr lang="en-US" sz="1600" b="1" kern="0" dirty="0">
+              <a:latin typeface="BN Barak" panose="02000000000000000000" pitchFamily="2" charset="-79"/>
+              <a:cs typeface="BN Barak" panose="02000000000000000000" pitchFamily="2" charset="-79"/>
+            </a:endParaRPr>
+          </a:p>
+          <a:p>
+            <a:pPr marL="285750" indent="-285750">
+              <a:buFont typeface="Wingdings" panose="05000000000000000000" pitchFamily="2" charset="2"/>
+              <a:buChar char="v"/>
+            </a:pPr>
+            <a:endParaRPr lang="en-US" sz="1600" b="1" kern="0" dirty="0">
+              <a:latin typeface="BN Barak" panose="02000000000000000000" pitchFamily="2" charset="-79"/>
+              <a:cs typeface="BN Barak" panose="02000000000000000000" pitchFamily="2" charset="-79"/>
+            </a:endParaRPr>
+          </a:p>
+        </p:txBody>
+      </p:sp>
     </p:spTree>
     <p:extLst>
       <p:ext uri="{BB962C8B-B14F-4D97-AF65-F5344CB8AC3E}">
@@ -13861,1251 +16750,10 @@
   <p:clrMapOvr>
     <a:masterClrMapping/>
   </p:clrMapOvr>
-  <mc:AlternateContent xmlns:mc="http://schemas.openxmlformats.org/markup-compatibility/2006">
-    <mc:Choice xmlns:p14="http://schemas.microsoft.com/office/powerpoint/2010/main" Requires="p14">
-      <p:transition p14:dur="0"/>
-    </mc:Choice>
-    <mc:Fallback>
-      <p:transition/>
-    </mc:Fallback>
-  </mc:AlternateContent>
-  <p:timing>
-    <p:tnLst>
-      <p:par>
-        <p:cTn id="1" dur="indefinite" restart="never" nodeType="tmRoot"/>
-      </p:par>
-    </p:tnLst>
-  </p:timing>
 </p:sld>
 </file>
 
-<file path=ppt/slides/slide15.xml><?xml version="1.0" encoding="utf-8"?>
-<p:sld xmlns:a="http://schemas.openxmlformats.org/drawingml/2006/main" xmlns:r="http://schemas.openxmlformats.org/officeDocument/2006/relationships" xmlns:p="http://schemas.openxmlformats.org/presentationml/2006/main">
-  <p:cSld>
-    <p:spTree>
-      <p:nvGrpSpPr>
-        <p:cNvPr id="1" name="Shape 269"/>
-        <p:cNvGrpSpPr/>
-        <p:nvPr/>
-      </p:nvGrpSpPr>
-      <p:grpSpPr>
-        <a:xfrm>
-          <a:off x="0" y="0"/>
-          <a:ext cx="0" cy="0"/>
-          <a:chOff x="0" y="0"/>
-          <a:chExt cx="0" cy="0"/>
-        </a:xfrm>
-      </p:grpSpPr>
-      <p:sp>
-        <p:nvSpPr>
-          <p:cNvPr id="270" name="Google Shape;270;p34"/>
-          <p:cNvSpPr/>
-          <p:nvPr/>
-        </p:nvSpPr>
-        <p:spPr>
-          <a:xfrm>
-            <a:off x="5373601" y="1535610"/>
-            <a:ext cx="5140196" cy="4001701"/>
-          </a:xfrm>
-          <a:custGeom>
-            <a:avLst/>
-            <a:gdLst/>
-            <a:ahLst/>
-            <a:cxnLst/>
-            <a:rect l="l" t="t" r="r" b="b"/>
-            <a:pathLst>
-              <a:path w="143434" h="111665" extrusionOk="0">
-                <a:moveTo>
-                  <a:pt x="71751" y="2308"/>
-                </a:moveTo>
-                <a:lnTo>
-                  <a:pt x="71887" y="2376"/>
-                </a:lnTo>
-                <a:lnTo>
-                  <a:pt x="72091" y="2444"/>
-                </a:lnTo>
-                <a:lnTo>
-                  <a:pt x="72159" y="2647"/>
-                </a:lnTo>
-                <a:lnTo>
-                  <a:pt x="72226" y="2783"/>
-                </a:lnTo>
-                <a:lnTo>
-                  <a:pt x="72159" y="2987"/>
-                </a:lnTo>
-                <a:lnTo>
-                  <a:pt x="72091" y="3190"/>
-                </a:lnTo>
-                <a:lnTo>
-                  <a:pt x="71887" y="3258"/>
-                </a:lnTo>
-                <a:lnTo>
-                  <a:pt x="71751" y="3326"/>
-                </a:lnTo>
-                <a:lnTo>
-                  <a:pt x="71548" y="3258"/>
-                </a:lnTo>
-                <a:lnTo>
-                  <a:pt x="71344" y="3190"/>
-                </a:lnTo>
-                <a:lnTo>
-                  <a:pt x="71276" y="2987"/>
-                </a:lnTo>
-                <a:lnTo>
-                  <a:pt x="71208" y="2783"/>
-                </a:lnTo>
-                <a:lnTo>
-                  <a:pt x="71276" y="2647"/>
-                </a:lnTo>
-                <a:lnTo>
-                  <a:pt x="71344" y="2444"/>
-                </a:lnTo>
-                <a:lnTo>
-                  <a:pt x="71548" y="2376"/>
-                </a:lnTo>
-                <a:lnTo>
-                  <a:pt x="71751" y="2308"/>
-                </a:lnTo>
-                <a:close/>
-                <a:moveTo>
-                  <a:pt x="137528" y="5906"/>
-                </a:moveTo>
-                <a:lnTo>
-                  <a:pt x="137596" y="5974"/>
-                </a:lnTo>
-                <a:lnTo>
-                  <a:pt x="137596" y="89604"/>
-                </a:lnTo>
-                <a:lnTo>
-                  <a:pt x="5906" y="89604"/>
-                </a:lnTo>
-                <a:lnTo>
-                  <a:pt x="5906" y="5974"/>
-                </a:lnTo>
-                <a:lnTo>
-                  <a:pt x="5906" y="5906"/>
-                </a:lnTo>
-                <a:close/>
-                <a:moveTo>
-                  <a:pt x="3530" y="0"/>
-                </a:moveTo>
-                <a:lnTo>
-                  <a:pt x="3191" y="68"/>
-                </a:lnTo>
-                <a:lnTo>
-                  <a:pt x="2444" y="339"/>
-                </a:lnTo>
-                <a:lnTo>
-                  <a:pt x="1766" y="679"/>
-                </a:lnTo>
-                <a:lnTo>
-                  <a:pt x="1155" y="1154"/>
-                </a:lnTo>
-                <a:lnTo>
-                  <a:pt x="679" y="1765"/>
-                </a:lnTo>
-                <a:lnTo>
-                  <a:pt x="272" y="2444"/>
-                </a:lnTo>
-                <a:lnTo>
-                  <a:pt x="69" y="3190"/>
-                </a:lnTo>
-                <a:lnTo>
-                  <a:pt x="1" y="3598"/>
-                </a:lnTo>
-                <a:lnTo>
-                  <a:pt x="1" y="4005"/>
-                </a:lnTo>
-                <a:lnTo>
-                  <a:pt x="1" y="91572"/>
-                </a:lnTo>
-                <a:lnTo>
-                  <a:pt x="1" y="91979"/>
-                </a:lnTo>
-                <a:lnTo>
-                  <a:pt x="69" y="92319"/>
-                </a:lnTo>
-                <a:lnTo>
-                  <a:pt x="272" y="93065"/>
-                </a:lnTo>
-                <a:lnTo>
-                  <a:pt x="679" y="93744"/>
-                </a:lnTo>
-                <a:lnTo>
-                  <a:pt x="1155" y="94355"/>
-                </a:lnTo>
-                <a:lnTo>
-                  <a:pt x="1766" y="94830"/>
-                </a:lnTo>
-                <a:lnTo>
-                  <a:pt x="2444" y="95238"/>
-                </a:lnTo>
-                <a:lnTo>
-                  <a:pt x="3191" y="95441"/>
-                </a:lnTo>
-                <a:lnTo>
-                  <a:pt x="3530" y="95509"/>
-                </a:lnTo>
-                <a:lnTo>
-                  <a:pt x="139904" y="95509"/>
-                </a:lnTo>
-                <a:lnTo>
-                  <a:pt x="140311" y="95441"/>
-                </a:lnTo>
-                <a:lnTo>
-                  <a:pt x="141058" y="95238"/>
-                </a:lnTo>
-                <a:lnTo>
-                  <a:pt x="141737" y="94830"/>
-                </a:lnTo>
-                <a:lnTo>
-                  <a:pt x="142280" y="94355"/>
-                </a:lnTo>
-                <a:lnTo>
-                  <a:pt x="142755" y="93744"/>
-                </a:lnTo>
-                <a:lnTo>
-                  <a:pt x="143162" y="93065"/>
-                </a:lnTo>
-                <a:lnTo>
-                  <a:pt x="143366" y="92319"/>
-                </a:lnTo>
-                <a:lnTo>
-                  <a:pt x="143434" y="91979"/>
-                </a:lnTo>
-                <a:lnTo>
-                  <a:pt x="143434" y="91572"/>
-                </a:lnTo>
-                <a:lnTo>
-                  <a:pt x="143434" y="4005"/>
-                </a:lnTo>
-                <a:lnTo>
-                  <a:pt x="143434" y="3598"/>
-                </a:lnTo>
-                <a:lnTo>
-                  <a:pt x="143366" y="3190"/>
-                </a:lnTo>
-                <a:lnTo>
-                  <a:pt x="143162" y="2444"/>
-                </a:lnTo>
-                <a:lnTo>
-                  <a:pt x="142755" y="1765"/>
-                </a:lnTo>
-                <a:lnTo>
-                  <a:pt x="142280" y="1154"/>
-                </a:lnTo>
-                <a:lnTo>
-                  <a:pt x="141737" y="679"/>
-                </a:lnTo>
-                <a:lnTo>
-                  <a:pt x="141058" y="339"/>
-                </a:lnTo>
-                <a:lnTo>
-                  <a:pt x="140311" y="68"/>
-                </a:lnTo>
-                <a:lnTo>
-                  <a:pt x="139904" y="0"/>
-                </a:lnTo>
-                <a:close/>
-                <a:moveTo>
-                  <a:pt x="55324" y="95713"/>
-                </a:moveTo>
-                <a:lnTo>
-                  <a:pt x="55052" y="98971"/>
-                </a:lnTo>
-                <a:lnTo>
-                  <a:pt x="54713" y="102297"/>
-                </a:lnTo>
-                <a:lnTo>
-                  <a:pt x="54374" y="105284"/>
-                </a:lnTo>
-                <a:lnTo>
-                  <a:pt x="53966" y="107388"/>
-                </a:lnTo>
-                <a:lnTo>
-                  <a:pt x="53763" y="108203"/>
-                </a:lnTo>
-                <a:lnTo>
-                  <a:pt x="53627" y="108746"/>
-                </a:lnTo>
-                <a:lnTo>
-                  <a:pt x="53423" y="109153"/>
-                </a:lnTo>
-                <a:lnTo>
-                  <a:pt x="53220" y="109357"/>
-                </a:lnTo>
-                <a:lnTo>
-                  <a:pt x="52677" y="109493"/>
-                </a:lnTo>
-                <a:lnTo>
-                  <a:pt x="51794" y="109696"/>
-                </a:lnTo>
-                <a:lnTo>
-                  <a:pt x="49690" y="110036"/>
-                </a:lnTo>
-                <a:lnTo>
-                  <a:pt x="48061" y="110307"/>
-                </a:lnTo>
-                <a:lnTo>
-                  <a:pt x="47450" y="110443"/>
-                </a:lnTo>
-                <a:lnTo>
-                  <a:pt x="47110" y="110511"/>
-                </a:lnTo>
-                <a:lnTo>
-                  <a:pt x="47042" y="110579"/>
-                </a:lnTo>
-                <a:lnTo>
-                  <a:pt x="47042" y="110783"/>
-                </a:lnTo>
-                <a:lnTo>
-                  <a:pt x="47110" y="110850"/>
-                </a:lnTo>
-                <a:lnTo>
-                  <a:pt x="47585" y="110918"/>
-                </a:lnTo>
-                <a:lnTo>
-                  <a:pt x="48400" y="110986"/>
-                </a:lnTo>
-                <a:lnTo>
-                  <a:pt x="51387" y="111054"/>
-                </a:lnTo>
-                <a:lnTo>
-                  <a:pt x="56071" y="111122"/>
-                </a:lnTo>
-                <a:lnTo>
-                  <a:pt x="87092" y="111122"/>
-                </a:lnTo>
-                <a:lnTo>
-                  <a:pt x="91708" y="111054"/>
-                </a:lnTo>
-                <a:lnTo>
-                  <a:pt x="94695" y="110986"/>
-                </a:lnTo>
-                <a:lnTo>
-                  <a:pt x="95578" y="110918"/>
-                </a:lnTo>
-                <a:lnTo>
-                  <a:pt x="96053" y="110850"/>
-                </a:lnTo>
-                <a:lnTo>
-                  <a:pt x="96121" y="110783"/>
-                </a:lnTo>
-                <a:lnTo>
-                  <a:pt x="96121" y="110579"/>
-                </a:lnTo>
-                <a:lnTo>
-                  <a:pt x="96053" y="110511"/>
-                </a:lnTo>
-                <a:lnTo>
-                  <a:pt x="95713" y="110443"/>
-                </a:lnTo>
-                <a:lnTo>
-                  <a:pt x="95102" y="110307"/>
-                </a:lnTo>
-                <a:lnTo>
-                  <a:pt x="93473" y="110036"/>
-                </a:lnTo>
-                <a:lnTo>
-                  <a:pt x="91369" y="109696"/>
-                </a:lnTo>
-                <a:lnTo>
-                  <a:pt x="90487" y="109493"/>
-                </a:lnTo>
-                <a:lnTo>
-                  <a:pt x="89943" y="109357"/>
-                </a:lnTo>
-                <a:lnTo>
-                  <a:pt x="89740" y="109153"/>
-                </a:lnTo>
-                <a:lnTo>
-                  <a:pt x="89536" y="108746"/>
-                </a:lnTo>
-                <a:lnTo>
-                  <a:pt x="89333" y="108203"/>
-                </a:lnTo>
-                <a:lnTo>
-                  <a:pt x="89197" y="107388"/>
-                </a:lnTo>
-                <a:lnTo>
-                  <a:pt x="88789" y="105284"/>
-                </a:lnTo>
-                <a:lnTo>
-                  <a:pt x="88382" y="102297"/>
-                </a:lnTo>
-                <a:lnTo>
-                  <a:pt x="88043" y="98971"/>
-                </a:lnTo>
-                <a:lnTo>
-                  <a:pt x="87839" y="95713"/>
-                </a:lnTo>
-                <a:close/>
-                <a:moveTo>
-                  <a:pt x="47450" y="111054"/>
-                </a:moveTo>
-                <a:lnTo>
-                  <a:pt x="47450" y="111122"/>
-                </a:lnTo>
-                <a:lnTo>
-                  <a:pt x="47450" y="111393"/>
-                </a:lnTo>
-                <a:lnTo>
-                  <a:pt x="47518" y="111461"/>
-                </a:lnTo>
-                <a:lnTo>
-                  <a:pt x="48807" y="111529"/>
-                </a:lnTo>
-                <a:lnTo>
-                  <a:pt x="52473" y="111597"/>
-                </a:lnTo>
-                <a:lnTo>
-                  <a:pt x="62384" y="111665"/>
-                </a:lnTo>
-                <a:lnTo>
-                  <a:pt x="80779" y="111665"/>
-                </a:lnTo>
-                <a:lnTo>
-                  <a:pt x="90622" y="111597"/>
-                </a:lnTo>
-                <a:lnTo>
-                  <a:pt x="94356" y="111529"/>
-                </a:lnTo>
-                <a:lnTo>
-                  <a:pt x="95646" y="111461"/>
-                </a:lnTo>
-                <a:lnTo>
-                  <a:pt x="95713" y="111393"/>
-                </a:lnTo>
-                <a:lnTo>
-                  <a:pt x="95713" y="111122"/>
-                </a:lnTo>
-                <a:lnTo>
-                  <a:pt x="95646" y="111054"/>
-                </a:lnTo>
-                <a:lnTo>
-                  <a:pt x="94084" y="111122"/>
-                </a:lnTo>
-                <a:lnTo>
-                  <a:pt x="91233" y="111190"/>
-                </a:lnTo>
-                <a:lnTo>
-                  <a:pt x="80847" y="111258"/>
-                </a:lnTo>
-                <a:lnTo>
-                  <a:pt x="62316" y="111258"/>
-                </a:lnTo>
-                <a:lnTo>
-                  <a:pt x="51930" y="111190"/>
-                </a:lnTo>
-                <a:lnTo>
-                  <a:pt x="49079" y="111122"/>
-                </a:lnTo>
-                <a:lnTo>
-                  <a:pt x="47518" y="111054"/>
-                </a:lnTo>
-                <a:close/>
-              </a:path>
-            </a:pathLst>
-          </a:custGeom>
-          <a:solidFill>
-            <a:srgbClr val="FFFFFF"/>
-          </a:solidFill>
-          <a:ln>
-            <a:noFill/>
-          </a:ln>
-        </p:spPr>
-        <p:txBody>
-          <a:bodyPr spcFirstLastPara="1" wrap="square" lIns="121900" tIns="121900" rIns="121900" bIns="121900" anchor="ctr" anchorCtr="0">
-            <a:noAutofit/>
-          </a:bodyPr>
-          <a:lstStyle/>
-          <a:p>
-            <a:pPr algn="l" rtl="0">
-              <a:buClr>
-                <a:srgbClr val="000000"/>
-              </a:buClr>
-              <a:buFont typeface="Arial"/>
-              <a:buNone/>
-            </a:pPr>
-            <a:endParaRPr sz="1867" kern="0">
-              <a:solidFill>
-                <a:srgbClr val="000000"/>
-              </a:solidFill>
-              <a:cs typeface="Arial"/>
-              <a:sym typeface="Arial"/>
-            </a:endParaRPr>
-          </a:p>
-        </p:txBody>
-      </p:sp>
-      <p:sp>
-        <p:nvSpPr>
-          <p:cNvPr id="271" name="Google Shape;271;p34"/>
-          <p:cNvSpPr/>
-          <p:nvPr/>
-        </p:nvSpPr>
-        <p:spPr>
-          <a:xfrm>
-            <a:off x="5588700" y="1748117"/>
-            <a:ext cx="4710000" cy="3007600"/>
-          </a:xfrm>
-          <a:prstGeom prst="rect">
-            <a:avLst/>
-          </a:prstGeom>
-          <a:noFill/>
-          <a:ln>
-            <a:noFill/>
-          </a:ln>
-        </p:spPr>
-        <p:txBody>
-          <a:bodyPr spcFirstLastPara="1" wrap="square" lIns="121900" tIns="121900" rIns="121900" bIns="121900" anchor="ctr" anchorCtr="0">
-            <a:noAutofit/>
-          </a:bodyPr>
-          <a:lstStyle/>
-          <a:p>
-            <a:pPr algn="ctr" rtl="0">
-              <a:buClr>
-                <a:srgbClr val="000000"/>
-              </a:buClr>
-              <a:buFont typeface="Arial"/>
-              <a:buNone/>
-            </a:pPr>
-            <a:r>
-              <a:rPr lang="en" sz="1333" kern="0" dirty="0">
-                <a:solidFill>
-                  <a:srgbClr val="FFFFFF"/>
-                </a:solidFill>
-                <a:latin typeface="Montserrat"/>
-                <a:ea typeface="Montserrat"/>
-                <a:cs typeface="Montserrat"/>
-                <a:sym typeface="Montserrat"/>
-              </a:rPr>
-              <a:t>Place your screenshot here</a:t>
-            </a:r>
-            <a:endParaRPr sz="1333" kern="0" dirty="0">
-              <a:solidFill>
-                <a:srgbClr val="FFFFFF"/>
-              </a:solidFill>
-              <a:latin typeface="Montserrat"/>
-              <a:ea typeface="Montserrat"/>
-              <a:cs typeface="Montserrat"/>
-              <a:sym typeface="Montserrat"/>
-            </a:endParaRPr>
-          </a:p>
-        </p:txBody>
-      </p:sp>
-      <p:sp>
-        <p:nvSpPr>
-          <p:cNvPr id="272" name="Google Shape;272;p34"/>
-          <p:cNvSpPr txBox="1">
-            <a:spLocks noGrp="1"/>
-          </p:cNvSpPr>
-          <p:nvPr>
-            <p:ph type="sldNum" idx="12"/>
-          </p:nvPr>
-        </p:nvSpPr>
-        <p:spPr>
-          <a:prstGeom prst="rect">
-            <a:avLst/>
-          </a:prstGeom>
-        </p:spPr>
-        <p:txBody>
-          <a:bodyPr spcFirstLastPara="1" wrap="square" lIns="0" tIns="0" rIns="0" bIns="0" anchor="ctr" anchorCtr="0">
-            <a:noAutofit/>
-          </a:bodyPr>
-          <a:lstStyle/>
-          <a:p>
-            <a:fld id="{00000000-1234-1234-1234-123412341234}" type="slidenum">
-              <a:rPr lang="en"/>
-              <a:pPr/>
-              <a:t>15</a:t>
-            </a:fld>
-            <a:endParaRPr/>
-          </a:p>
-        </p:txBody>
-      </p:sp>
-      <p:pic>
-        <p:nvPicPr>
-          <p:cNvPr id="2050" name="Picture 2" descr="×ª××¦××ª ×ª××× × ×¢×××¨ âªstuxnetâ¬â"/>
-          <p:cNvPicPr>
-            <a:picLocks noChangeAspect="1" noChangeArrowheads="1"/>
-          </p:cNvPicPr>
-          <p:nvPr/>
-        </p:nvPicPr>
-        <p:blipFill>
-          <a:blip r:embed="rId3" cstate="print">
-            <a:extLst>
-              <a:ext uri="{28A0092B-C50C-407E-A947-70E740481C1C}">
-                <a14:useLocalDpi xmlns:a14="http://schemas.microsoft.com/office/drawing/2010/main" val="0"/>
-              </a:ext>
-            </a:extLst>
-          </a:blip>
-          <a:srcRect/>
-          <a:stretch>
-            <a:fillRect/>
-          </a:stretch>
-        </p:blipFill>
-        <p:spPr bwMode="auto">
-          <a:xfrm>
-            <a:off x="5588699" y="1748117"/>
-            <a:ext cx="4710000" cy="3007600"/>
-          </a:xfrm>
-          <a:prstGeom prst="rect">
-            <a:avLst/>
-          </a:prstGeom>
-          <a:noFill/>
-          <a:extLst>
-            <a:ext uri="{909E8E84-426E-40DD-AFC4-6F175D3DCCD1}">
-              <a14:hiddenFill xmlns:a14="http://schemas.microsoft.com/office/drawing/2010/main">
-                <a:solidFill>
-                  <a:srgbClr val="FFFFFF"/>
-                </a:solidFill>
-              </a14:hiddenFill>
-            </a:ext>
-          </a:extLst>
-        </p:spPr>
-      </p:pic>
-    </p:spTree>
-    <p:extLst>
-      <p:ext uri="{BB962C8B-B14F-4D97-AF65-F5344CB8AC3E}">
-        <p14:creationId xmlns:p14="http://schemas.microsoft.com/office/powerpoint/2010/main" val="47605621"/>
-      </p:ext>
-    </p:extLst>
-  </p:cSld>
-  <p:clrMapOvr>
-    <a:masterClrMapping/>
-  </p:clrMapOvr>
-  <mc:AlternateContent xmlns:mc="http://schemas.openxmlformats.org/markup-compatibility/2006">
-    <mc:Choice xmlns:p14="http://schemas.microsoft.com/office/powerpoint/2010/main" Requires="p14">
-      <p:transition p14:dur="0"/>
-    </mc:Choice>
-    <mc:Fallback>
-      <p:transition/>
-    </mc:Fallback>
-  </mc:AlternateContent>
-  <p:timing>
-    <p:tnLst>
-      <p:par>
-        <p:cTn id="1" dur="indefinite" restart="never" nodeType="tmRoot"/>
-      </p:par>
-    </p:tnLst>
-  </p:timing>
-</p:sld>
-</file>
-
-<file path=ppt/slides/slide16.xml><?xml version="1.0" encoding="utf-8"?>
-<p:sld xmlns:a="http://schemas.openxmlformats.org/drawingml/2006/main" xmlns:r="http://schemas.openxmlformats.org/officeDocument/2006/relationships" xmlns:p="http://schemas.openxmlformats.org/presentationml/2006/main">
-  <p:cSld>
-    <p:spTree>
-      <p:nvGrpSpPr>
-        <p:cNvPr id="1" name="Shape 269"/>
-        <p:cNvGrpSpPr/>
-        <p:nvPr/>
-      </p:nvGrpSpPr>
-      <p:grpSpPr>
-        <a:xfrm>
-          <a:off x="0" y="0"/>
-          <a:ext cx="0" cy="0"/>
-          <a:chOff x="0" y="0"/>
-          <a:chExt cx="0" cy="0"/>
-        </a:xfrm>
-      </p:grpSpPr>
-      <p:sp>
-        <p:nvSpPr>
-          <p:cNvPr id="270" name="Google Shape;270;p34"/>
-          <p:cNvSpPr/>
-          <p:nvPr/>
-        </p:nvSpPr>
-        <p:spPr>
-          <a:xfrm>
-            <a:off x="5373601" y="1535610"/>
-            <a:ext cx="5140196" cy="4001701"/>
-          </a:xfrm>
-          <a:custGeom>
-            <a:avLst/>
-            <a:gdLst/>
-            <a:ahLst/>
-            <a:cxnLst/>
-            <a:rect l="l" t="t" r="r" b="b"/>
-            <a:pathLst>
-              <a:path w="143434" h="111665" extrusionOk="0">
-                <a:moveTo>
-                  <a:pt x="71751" y="2308"/>
-                </a:moveTo>
-                <a:lnTo>
-                  <a:pt x="71887" y="2376"/>
-                </a:lnTo>
-                <a:lnTo>
-                  <a:pt x="72091" y="2444"/>
-                </a:lnTo>
-                <a:lnTo>
-                  <a:pt x="72159" y="2647"/>
-                </a:lnTo>
-                <a:lnTo>
-                  <a:pt x="72226" y="2783"/>
-                </a:lnTo>
-                <a:lnTo>
-                  <a:pt x="72159" y="2987"/>
-                </a:lnTo>
-                <a:lnTo>
-                  <a:pt x="72091" y="3190"/>
-                </a:lnTo>
-                <a:lnTo>
-                  <a:pt x="71887" y="3258"/>
-                </a:lnTo>
-                <a:lnTo>
-                  <a:pt x="71751" y="3326"/>
-                </a:lnTo>
-                <a:lnTo>
-                  <a:pt x="71548" y="3258"/>
-                </a:lnTo>
-                <a:lnTo>
-                  <a:pt x="71344" y="3190"/>
-                </a:lnTo>
-                <a:lnTo>
-                  <a:pt x="71276" y="2987"/>
-                </a:lnTo>
-                <a:lnTo>
-                  <a:pt x="71208" y="2783"/>
-                </a:lnTo>
-                <a:lnTo>
-                  <a:pt x="71276" y="2647"/>
-                </a:lnTo>
-                <a:lnTo>
-                  <a:pt x="71344" y="2444"/>
-                </a:lnTo>
-                <a:lnTo>
-                  <a:pt x="71548" y="2376"/>
-                </a:lnTo>
-                <a:lnTo>
-                  <a:pt x="71751" y="2308"/>
-                </a:lnTo>
-                <a:close/>
-                <a:moveTo>
-                  <a:pt x="137528" y="5906"/>
-                </a:moveTo>
-                <a:lnTo>
-                  <a:pt x="137596" y="5974"/>
-                </a:lnTo>
-                <a:lnTo>
-                  <a:pt x="137596" y="89604"/>
-                </a:lnTo>
-                <a:lnTo>
-                  <a:pt x="5906" y="89604"/>
-                </a:lnTo>
-                <a:lnTo>
-                  <a:pt x="5906" y="5974"/>
-                </a:lnTo>
-                <a:lnTo>
-                  <a:pt x="5906" y="5906"/>
-                </a:lnTo>
-                <a:close/>
-                <a:moveTo>
-                  <a:pt x="3530" y="0"/>
-                </a:moveTo>
-                <a:lnTo>
-                  <a:pt x="3191" y="68"/>
-                </a:lnTo>
-                <a:lnTo>
-                  <a:pt x="2444" y="339"/>
-                </a:lnTo>
-                <a:lnTo>
-                  <a:pt x="1766" y="679"/>
-                </a:lnTo>
-                <a:lnTo>
-                  <a:pt x="1155" y="1154"/>
-                </a:lnTo>
-                <a:lnTo>
-                  <a:pt x="679" y="1765"/>
-                </a:lnTo>
-                <a:lnTo>
-                  <a:pt x="272" y="2444"/>
-                </a:lnTo>
-                <a:lnTo>
-                  <a:pt x="69" y="3190"/>
-                </a:lnTo>
-                <a:lnTo>
-                  <a:pt x="1" y="3598"/>
-                </a:lnTo>
-                <a:lnTo>
-                  <a:pt x="1" y="4005"/>
-                </a:lnTo>
-                <a:lnTo>
-                  <a:pt x="1" y="91572"/>
-                </a:lnTo>
-                <a:lnTo>
-                  <a:pt x="1" y="91979"/>
-                </a:lnTo>
-                <a:lnTo>
-                  <a:pt x="69" y="92319"/>
-                </a:lnTo>
-                <a:lnTo>
-                  <a:pt x="272" y="93065"/>
-                </a:lnTo>
-                <a:lnTo>
-                  <a:pt x="679" y="93744"/>
-                </a:lnTo>
-                <a:lnTo>
-                  <a:pt x="1155" y="94355"/>
-                </a:lnTo>
-                <a:lnTo>
-                  <a:pt x="1766" y="94830"/>
-                </a:lnTo>
-                <a:lnTo>
-                  <a:pt x="2444" y="95238"/>
-                </a:lnTo>
-                <a:lnTo>
-                  <a:pt x="3191" y="95441"/>
-                </a:lnTo>
-                <a:lnTo>
-                  <a:pt x="3530" y="95509"/>
-                </a:lnTo>
-                <a:lnTo>
-                  <a:pt x="139904" y="95509"/>
-                </a:lnTo>
-                <a:lnTo>
-                  <a:pt x="140311" y="95441"/>
-                </a:lnTo>
-                <a:lnTo>
-                  <a:pt x="141058" y="95238"/>
-                </a:lnTo>
-                <a:lnTo>
-                  <a:pt x="141737" y="94830"/>
-                </a:lnTo>
-                <a:lnTo>
-                  <a:pt x="142280" y="94355"/>
-                </a:lnTo>
-                <a:lnTo>
-                  <a:pt x="142755" y="93744"/>
-                </a:lnTo>
-                <a:lnTo>
-                  <a:pt x="143162" y="93065"/>
-                </a:lnTo>
-                <a:lnTo>
-                  <a:pt x="143366" y="92319"/>
-                </a:lnTo>
-                <a:lnTo>
-                  <a:pt x="143434" y="91979"/>
-                </a:lnTo>
-                <a:lnTo>
-                  <a:pt x="143434" y="91572"/>
-                </a:lnTo>
-                <a:lnTo>
-                  <a:pt x="143434" y="4005"/>
-                </a:lnTo>
-                <a:lnTo>
-                  <a:pt x="143434" y="3598"/>
-                </a:lnTo>
-                <a:lnTo>
-                  <a:pt x="143366" y="3190"/>
-                </a:lnTo>
-                <a:lnTo>
-                  <a:pt x="143162" y="2444"/>
-                </a:lnTo>
-                <a:lnTo>
-                  <a:pt x="142755" y="1765"/>
-                </a:lnTo>
-                <a:lnTo>
-                  <a:pt x="142280" y="1154"/>
-                </a:lnTo>
-                <a:lnTo>
-                  <a:pt x="141737" y="679"/>
-                </a:lnTo>
-                <a:lnTo>
-                  <a:pt x="141058" y="339"/>
-                </a:lnTo>
-                <a:lnTo>
-                  <a:pt x="140311" y="68"/>
-                </a:lnTo>
-                <a:lnTo>
-                  <a:pt x="139904" y="0"/>
-                </a:lnTo>
-                <a:close/>
-                <a:moveTo>
-                  <a:pt x="55324" y="95713"/>
-                </a:moveTo>
-                <a:lnTo>
-                  <a:pt x="55052" y="98971"/>
-                </a:lnTo>
-                <a:lnTo>
-                  <a:pt x="54713" y="102297"/>
-                </a:lnTo>
-                <a:lnTo>
-                  <a:pt x="54374" y="105284"/>
-                </a:lnTo>
-                <a:lnTo>
-                  <a:pt x="53966" y="107388"/>
-                </a:lnTo>
-                <a:lnTo>
-                  <a:pt x="53763" y="108203"/>
-                </a:lnTo>
-                <a:lnTo>
-                  <a:pt x="53627" y="108746"/>
-                </a:lnTo>
-                <a:lnTo>
-                  <a:pt x="53423" y="109153"/>
-                </a:lnTo>
-                <a:lnTo>
-                  <a:pt x="53220" y="109357"/>
-                </a:lnTo>
-                <a:lnTo>
-                  <a:pt x="52677" y="109493"/>
-                </a:lnTo>
-                <a:lnTo>
-                  <a:pt x="51794" y="109696"/>
-                </a:lnTo>
-                <a:lnTo>
-                  <a:pt x="49690" y="110036"/>
-                </a:lnTo>
-                <a:lnTo>
-                  <a:pt x="48061" y="110307"/>
-                </a:lnTo>
-                <a:lnTo>
-                  <a:pt x="47450" y="110443"/>
-                </a:lnTo>
-                <a:lnTo>
-                  <a:pt x="47110" y="110511"/>
-                </a:lnTo>
-                <a:lnTo>
-                  <a:pt x="47042" y="110579"/>
-                </a:lnTo>
-                <a:lnTo>
-                  <a:pt x="47042" y="110783"/>
-                </a:lnTo>
-                <a:lnTo>
-                  <a:pt x="47110" y="110850"/>
-                </a:lnTo>
-                <a:lnTo>
-                  <a:pt x="47585" y="110918"/>
-                </a:lnTo>
-                <a:lnTo>
-                  <a:pt x="48400" y="110986"/>
-                </a:lnTo>
-                <a:lnTo>
-                  <a:pt x="51387" y="111054"/>
-                </a:lnTo>
-                <a:lnTo>
-                  <a:pt x="56071" y="111122"/>
-                </a:lnTo>
-                <a:lnTo>
-                  <a:pt x="87092" y="111122"/>
-                </a:lnTo>
-                <a:lnTo>
-                  <a:pt x="91708" y="111054"/>
-                </a:lnTo>
-                <a:lnTo>
-                  <a:pt x="94695" y="110986"/>
-                </a:lnTo>
-                <a:lnTo>
-                  <a:pt x="95578" y="110918"/>
-                </a:lnTo>
-                <a:lnTo>
-                  <a:pt x="96053" y="110850"/>
-                </a:lnTo>
-                <a:lnTo>
-                  <a:pt x="96121" y="110783"/>
-                </a:lnTo>
-                <a:lnTo>
-                  <a:pt x="96121" y="110579"/>
-                </a:lnTo>
-                <a:lnTo>
-                  <a:pt x="96053" y="110511"/>
-                </a:lnTo>
-                <a:lnTo>
-                  <a:pt x="95713" y="110443"/>
-                </a:lnTo>
-                <a:lnTo>
-                  <a:pt x="95102" y="110307"/>
-                </a:lnTo>
-                <a:lnTo>
-                  <a:pt x="93473" y="110036"/>
-                </a:lnTo>
-                <a:lnTo>
-                  <a:pt x="91369" y="109696"/>
-                </a:lnTo>
-                <a:lnTo>
-                  <a:pt x="90487" y="109493"/>
-                </a:lnTo>
-                <a:lnTo>
-                  <a:pt x="89943" y="109357"/>
-                </a:lnTo>
-                <a:lnTo>
-                  <a:pt x="89740" y="109153"/>
-                </a:lnTo>
-                <a:lnTo>
-                  <a:pt x="89536" y="108746"/>
-                </a:lnTo>
-                <a:lnTo>
-                  <a:pt x="89333" y="108203"/>
-                </a:lnTo>
-                <a:lnTo>
-                  <a:pt x="89197" y="107388"/>
-                </a:lnTo>
-                <a:lnTo>
-                  <a:pt x="88789" y="105284"/>
-                </a:lnTo>
-                <a:lnTo>
-                  <a:pt x="88382" y="102297"/>
-                </a:lnTo>
-                <a:lnTo>
-                  <a:pt x="88043" y="98971"/>
-                </a:lnTo>
-                <a:lnTo>
-                  <a:pt x="87839" y="95713"/>
-                </a:lnTo>
-                <a:close/>
-                <a:moveTo>
-                  <a:pt x="47450" y="111054"/>
-                </a:moveTo>
-                <a:lnTo>
-                  <a:pt x="47450" y="111122"/>
-                </a:lnTo>
-                <a:lnTo>
-                  <a:pt x="47450" y="111393"/>
-                </a:lnTo>
-                <a:lnTo>
-                  <a:pt x="47518" y="111461"/>
-                </a:lnTo>
-                <a:lnTo>
-                  <a:pt x="48807" y="111529"/>
-                </a:lnTo>
-                <a:lnTo>
-                  <a:pt x="52473" y="111597"/>
-                </a:lnTo>
-                <a:lnTo>
-                  <a:pt x="62384" y="111665"/>
-                </a:lnTo>
-                <a:lnTo>
-                  <a:pt x="80779" y="111665"/>
-                </a:lnTo>
-                <a:lnTo>
-                  <a:pt x="90622" y="111597"/>
-                </a:lnTo>
-                <a:lnTo>
-                  <a:pt x="94356" y="111529"/>
-                </a:lnTo>
-                <a:lnTo>
-                  <a:pt x="95646" y="111461"/>
-                </a:lnTo>
-                <a:lnTo>
-                  <a:pt x="95713" y="111393"/>
-                </a:lnTo>
-                <a:lnTo>
-                  <a:pt x="95713" y="111122"/>
-                </a:lnTo>
-                <a:lnTo>
-                  <a:pt x="95646" y="111054"/>
-                </a:lnTo>
-                <a:lnTo>
-                  <a:pt x="94084" y="111122"/>
-                </a:lnTo>
-                <a:lnTo>
-                  <a:pt x="91233" y="111190"/>
-                </a:lnTo>
-                <a:lnTo>
-                  <a:pt x="80847" y="111258"/>
-                </a:lnTo>
-                <a:lnTo>
-                  <a:pt x="62316" y="111258"/>
-                </a:lnTo>
-                <a:lnTo>
-                  <a:pt x="51930" y="111190"/>
-                </a:lnTo>
-                <a:lnTo>
-                  <a:pt x="49079" y="111122"/>
-                </a:lnTo>
-                <a:lnTo>
-                  <a:pt x="47518" y="111054"/>
-                </a:lnTo>
-                <a:close/>
-              </a:path>
-            </a:pathLst>
-          </a:custGeom>
-          <a:solidFill>
-            <a:srgbClr val="FFFFFF"/>
-          </a:solidFill>
-          <a:ln>
-            <a:noFill/>
-          </a:ln>
-        </p:spPr>
-        <p:txBody>
-          <a:bodyPr spcFirstLastPara="1" wrap="square" lIns="121900" tIns="121900" rIns="121900" bIns="121900" anchor="ctr" anchorCtr="0">
-            <a:noAutofit/>
-          </a:bodyPr>
-          <a:lstStyle/>
-          <a:p>
-            <a:pPr algn="l" rtl="0">
-              <a:buClr>
-                <a:srgbClr val="000000"/>
-              </a:buClr>
-              <a:buFont typeface="Arial"/>
-              <a:buNone/>
-            </a:pPr>
-            <a:endParaRPr sz="1867" kern="0">
-              <a:solidFill>
-                <a:srgbClr val="000000"/>
-              </a:solidFill>
-              <a:cs typeface="Arial"/>
-              <a:sym typeface="Arial"/>
-            </a:endParaRPr>
-          </a:p>
-        </p:txBody>
-      </p:sp>
-      <p:sp>
-        <p:nvSpPr>
-          <p:cNvPr id="271" name="Google Shape;271;p34"/>
-          <p:cNvSpPr/>
-          <p:nvPr/>
-        </p:nvSpPr>
-        <p:spPr>
-          <a:xfrm>
-            <a:off x="5588700" y="1748117"/>
-            <a:ext cx="4710000" cy="3007600"/>
-          </a:xfrm>
-          <a:prstGeom prst="rect">
-            <a:avLst/>
-          </a:prstGeom>
-          <a:noFill/>
-          <a:ln>
-            <a:noFill/>
-          </a:ln>
-        </p:spPr>
-        <p:txBody>
-          <a:bodyPr spcFirstLastPara="1" wrap="square" lIns="121900" tIns="121900" rIns="121900" bIns="121900" anchor="ctr" anchorCtr="0">
-            <a:noAutofit/>
-          </a:bodyPr>
-          <a:lstStyle/>
-          <a:p>
-            <a:pPr algn="ctr" rtl="0">
-              <a:buClr>
-                <a:srgbClr val="000000"/>
-              </a:buClr>
-              <a:buFont typeface="Arial"/>
-              <a:buNone/>
-            </a:pPr>
-            <a:r>
-              <a:rPr lang="en" sz="1333" kern="0" dirty="0">
-                <a:solidFill>
-                  <a:srgbClr val="FFFFFF"/>
-                </a:solidFill>
-                <a:latin typeface="Montserrat"/>
-                <a:ea typeface="Montserrat"/>
-                <a:cs typeface="Montserrat"/>
-                <a:sym typeface="Montserrat"/>
-              </a:rPr>
-              <a:t>Place your screenshot here</a:t>
-            </a:r>
-            <a:endParaRPr sz="1333" kern="0" dirty="0">
-              <a:solidFill>
-                <a:srgbClr val="FFFFFF"/>
-              </a:solidFill>
-              <a:latin typeface="Montserrat"/>
-              <a:ea typeface="Montserrat"/>
-              <a:cs typeface="Montserrat"/>
-              <a:sym typeface="Montserrat"/>
-            </a:endParaRPr>
-          </a:p>
-        </p:txBody>
-      </p:sp>
-      <p:sp>
-        <p:nvSpPr>
-          <p:cNvPr id="272" name="Google Shape;272;p34"/>
-          <p:cNvSpPr txBox="1">
-            <a:spLocks noGrp="1"/>
-          </p:cNvSpPr>
-          <p:nvPr>
-            <p:ph type="sldNum" idx="12"/>
-          </p:nvPr>
-        </p:nvSpPr>
-        <p:spPr>
-          <a:prstGeom prst="rect">
-            <a:avLst/>
-          </a:prstGeom>
-        </p:spPr>
-        <p:txBody>
-          <a:bodyPr spcFirstLastPara="1" wrap="square" lIns="0" tIns="0" rIns="0" bIns="0" anchor="ctr" anchorCtr="0">
-            <a:noAutofit/>
-          </a:bodyPr>
-          <a:lstStyle/>
-          <a:p>
-            <a:fld id="{00000000-1234-1234-1234-123412341234}" type="slidenum">
-              <a:rPr lang="en"/>
-              <a:pPr/>
-              <a:t>16</a:t>
-            </a:fld>
-            <a:endParaRPr/>
-          </a:p>
-        </p:txBody>
-      </p:sp>
-      <p:pic>
-        <p:nvPicPr>
-          <p:cNvPr id="2050" name="Picture 2" descr="×ª××¦××ª ×ª××× × ×¢×××¨ âªstuxnetâ¬â"/>
-          <p:cNvPicPr>
-            <a:picLocks noChangeAspect="1" noChangeArrowheads="1"/>
-          </p:cNvPicPr>
-          <p:nvPr/>
-        </p:nvPicPr>
-        <p:blipFill>
-          <a:blip r:embed="rId3" cstate="print">
-            <a:extLst>
-              <a:ext uri="{28A0092B-C50C-407E-A947-70E740481C1C}">
-                <a14:useLocalDpi xmlns:a14="http://schemas.microsoft.com/office/drawing/2010/main" val="0"/>
-              </a:ext>
-            </a:extLst>
-          </a:blip>
-          <a:srcRect/>
-          <a:stretch>
-            <a:fillRect/>
-          </a:stretch>
-        </p:blipFill>
-        <p:spPr bwMode="auto">
-          <a:xfrm>
-            <a:off x="5588699" y="1748117"/>
-            <a:ext cx="4710000" cy="3007600"/>
-          </a:xfrm>
-          <a:prstGeom prst="rect">
-            <a:avLst/>
-          </a:prstGeom>
-          <a:noFill/>
-          <a:extLst>
-            <a:ext uri="{909E8E84-426E-40DD-AFC4-6F175D3DCCD1}">
-              <a14:hiddenFill xmlns:a14="http://schemas.microsoft.com/office/drawing/2010/main">
-                <a:solidFill>
-                  <a:srgbClr val="FFFFFF"/>
-                </a:solidFill>
-              </a14:hiddenFill>
-            </a:ext>
-          </a:extLst>
-        </p:spPr>
-      </p:pic>
-    </p:spTree>
-    <p:extLst>
-      <p:ext uri="{BB962C8B-B14F-4D97-AF65-F5344CB8AC3E}">
-        <p14:creationId xmlns:p14="http://schemas.microsoft.com/office/powerpoint/2010/main" val="3380552861"/>
-      </p:ext>
-    </p:extLst>
-  </p:cSld>
-  <p:clrMapOvr>
-    <a:masterClrMapping/>
-  </p:clrMapOvr>
-  <mc:AlternateContent xmlns:mc="http://schemas.openxmlformats.org/markup-compatibility/2006">
-    <mc:Choice xmlns:p14="http://schemas.microsoft.com/office/powerpoint/2010/main" Requires="p14">
-      <p:transition p14:dur="0"/>
-    </mc:Choice>
-    <mc:Fallback>
-      <p:transition/>
-    </mc:Fallback>
-  </mc:AlternateContent>
-  <p:timing>
-    <p:tnLst>
-      <p:par>
-        <p:cTn id="1" dur="indefinite" restart="never" nodeType="tmRoot"/>
-      </p:par>
-    </p:tnLst>
-  </p:timing>
-</p:sld>
-</file>
-
-<file path=ppt/slides/slide17.xml><?xml version="1.0" encoding="utf-8"?>
+<file path=ppt/slides/slide19.xml><?xml version="1.0" encoding="utf-8"?>
 <p:sld xmlns:a="http://schemas.openxmlformats.org/drawingml/2006/main" xmlns:r="http://schemas.openxmlformats.org/officeDocument/2006/relationships" xmlns:p="http://schemas.openxmlformats.org/presentationml/2006/main">
   <p:cSld>
     <p:bg>
@@ -15162,7 +16810,7 @@
             <a:fld id="{00000000-1234-1234-1234-123412341234}" type="slidenum">
               <a:rPr lang="en"/>
               <a:pPr/>
-              <a:t>17</a:t>
+              <a:t>19</a:t>
             </a:fld>
             <a:endParaRPr/>
           </a:p>
@@ -15195,7 +16843,7 @@
           <a:p>
             <a:pPr algn="ctr"/>
             <a:r>
-              <a:rPr lang="en-US" sz="6600" dirty="0" smtClean="0">
+              <a:rPr lang="en-US" sz="6600" dirty="0">
                 <a:latin typeface="Buxton Sketch" panose="03080500000500000004" pitchFamily="66" charset="0"/>
                 <a:cs typeface="BN Barak" panose="02000000000000000000" pitchFamily="2" charset="-79"/>
               </a:rPr>
@@ -16859,25 +18507,242 @@
   <p:clrMapOvr>
     <a:masterClrMapping/>
   </p:clrMapOvr>
-  <mc:AlternateContent xmlns:mc="http://schemas.openxmlformats.org/markup-compatibility/2006">
-    <mc:Choice xmlns:p14="http://schemas.microsoft.com/office/powerpoint/2010/main" Requires="p14">
-      <p:transition p14:dur="0"/>
-    </mc:Choice>
-    <mc:Fallback>
-      <p:transition/>
-    </mc:Fallback>
-  </mc:AlternateContent>
-  <p:timing>
-    <p:tnLst>
-      <p:par>
-        <p:cTn id="1" dur="indefinite" restart="never" nodeType="tmRoot"/>
-      </p:par>
-    </p:tnLst>
-  </p:timing>
 </p:sld>
 </file>
 
-<file path=ppt/slides/slide18.xml><?xml version="1.0" encoding="utf-8"?>
+<file path=ppt/slides/slide2.xml><?xml version="1.0" encoding="utf-8"?>
+<p:sld xmlns:a="http://schemas.openxmlformats.org/drawingml/2006/main" xmlns:r="http://schemas.openxmlformats.org/officeDocument/2006/relationships" xmlns:p="http://schemas.openxmlformats.org/presentationml/2006/main">
+  <p:cSld>
+    <p:spTree>
+      <p:nvGrpSpPr>
+        <p:cNvPr id="1" name=""/>
+        <p:cNvGrpSpPr/>
+        <p:nvPr/>
+      </p:nvGrpSpPr>
+      <p:grpSpPr>
+        <a:xfrm>
+          <a:off x="0" y="0"/>
+          <a:ext cx="0" cy="0"/>
+          <a:chOff x="0" y="0"/>
+          <a:chExt cx="0" cy="0"/>
+        </a:xfrm>
+      </p:grpSpPr>
+      <p:sp>
+        <p:nvSpPr>
+          <p:cNvPr id="10" name="Rectangle 9">
+            <a:extLst>
+              <a:ext uri="{FF2B5EF4-FFF2-40B4-BE49-F238E27FC236}">
+                <a16:creationId xmlns:a16="http://schemas.microsoft.com/office/drawing/2014/main" id="{08E89D5E-1885-4160-AC77-CC471DD1D0DB}"/>
+              </a:ext>
+              <a:ext uri="{C183D7F6-B498-43B3-948B-1728B52AA6E4}">
+                <adec:decorative xmlns:adec="http://schemas.microsoft.com/office/drawing/2017/decorative" val="1"/>
+              </a:ext>
+            </a:extLst>
+          </p:cNvPr>
+          <p:cNvSpPr>
+            <a:spLocks noGrp="1" noRot="1" noChangeAspect="1" noMove="1" noResize="1" noEditPoints="1" noAdjustHandles="1" noChangeArrowheads="1" noChangeShapeType="1" noTextEdit="1"/>
+          </p:cNvSpPr>
+          <p:nvPr>
+            <p:extLst>
+              <p:ext uri="{386F3935-93C4-4BCD-93E2-E3B085C9AB24}">
+                <p16:designElem xmlns:p16="http://schemas.microsoft.com/office/powerpoint/2015/main" val="1"/>
+              </p:ext>
+            </p:extLst>
+          </p:nvPr>
+        </p:nvSpPr>
+        <p:spPr>
+          <a:xfrm>
+            <a:off x="0" y="0"/>
+            <a:ext cx="4636008" cy="6858000"/>
+          </a:xfrm>
+          <a:prstGeom prst="rect">
+            <a:avLst/>
+          </a:prstGeom>
+          <a:ln>
+            <a:noFill/>
+          </a:ln>
+        </p:spPr>
+        <p:style>
+          <a:lnRef idx="2">
+            <a:schemeClr val="accent1">
+              <a:shade val="50000"/>
+            </a:schemeClr>
+          </a:lnRef>
+          <a:fillRef idx="1">
+            <a:schemeClr val="accent1"/>
+          </a:fillRef>
+          <a:effectRef idx="0">
+            <a:schemeClr val="accent1"/>
+          </a:effectRef>
+          <a:fontRef idx="minor">
+            <a:schemeClr val="lt1"/>
+          </a:fontRef>
+        </p:style>
+        <p:txBody>
+          <a:bodyPr rtlCol="0" anchor="ctr"/>
+          <a:lstStyle/>
+          <a:p>
+            <a:pPr algn="ctr"/>
+            <a:endParaRPr lang="en-US"/>
+          </a:p>
+        </p:txBody>
+      </p:sp>
+      <p:sp>
+        <p:nvSpPr>
+          <p:cNvPr id="2" name="כותרת 1">
+            <a:extLst>
+              <a:ext uri="{FF2B5EF4-FFF2-40B4-BE49-F238E27FC236}">
+                <a16:creationId xmlns:a16="http://schemas.microsoft.com/office/drawing/2014/main" id="{5C005CA9-66C8-41C7-839D-A87CFCB40A45}"/>
+              </a:ext>
+            </a:extLst>
+          </p:cNvPr>
+          <p:cNvSpPr>
+            <a:spLocks noGrp="1"/>
+          </p:cNvSpPr>
+          <p:nvPr>
+            <p:ph type="title"/>
+          </p:nvPr>
+        </p:nvSpPr>
+        <p:spPr>
+          <a:xfrm>
+            <a:off x="762000" y="869666"/>
+            <a:ext cx="3370998" cy="5502264"/>
+          </a:xfrm>
+        </p:spPr>
+        <p:txBody>
+          <a:bodyPr>
+            <a:normAutofit/>
+          </a:bodyPr>
+          <a:lstStyle/>
+          <a:p>
+            <a:r>
+              <a:rPr lang="en-US" sz="3200" b="1" u="sng" dirty="0">
+                <a:solidFill>
+                  <a:srgbClr val="FFFFFF"/>
+                </a:solidFill>
+                <a:latin typeface="BN Balls" panose="02000500000000000000" pitchFamily="2" charset="-79"/>
+                <a:cs typeface="BN Balls" panose="02000500000000000000" pitchFamily="2" charset="-79"/>
+              </a:rPr>
+              <a:t>Introduction</a:t>
+            </a:r>
+            <a:br>
+              <a:rPr lang="en-US" sz="3200" dirty="0">
+                <a:solidFill>
+                  <a:srgbClr val="FFFFFF"/>
+                </a:solidFill>
+                <a:latin typeface="BN Balls" panose="02000500000000000000" pitchFamily="2" charset="-79"/>
+                <a:cs typeface="BN Balls" panose="02000500000000000000" pitchFamily="2" charset="-79"/>
+              </a:rPr>
+            </a:br>
+            <a:endParaRPr lang="he-IL" sz="3200" dirty="0">
+              <a:solidFill>
+                <a:srgbClr val="FFFFFF"/>
+              </a:solidFill>
+              <a:latin typeface="BN Balls" panose="02000500000000000000" pitchFamily="2" charset="-79"/>
+              <a:cs typeface="BN Balls" panose="02000500000000000000" pitchFamily="2" charset="-79"/>
+            </a:endParaRPr>
+          </a:p>
+        </p:txBody>
+      </p:sp>
+      <p:cxnSp>
+        <p:nvCxnSpPr>
+          <p:cNvPr id="12" name="Straight Connector 11">
+            <a:extLst>
+              <a:ext uri="{FF2B5EF4-FFF2-40B4-BE49-F238E27FC236}">
+                <a16:creationId xmlns:a16="http://schemas.microsoft.com/office/drawing/2014/main" id="{550D2BD1-98F9-412D-905B-3A843EF4078B}"/>
+              </a:ext>
+              <a:ext uri="{C183D7F6-B498-43B3-948B-1728B52AA6E4}">
+                <adec:decorative xmlns:adec="http://schemas.microsoft.com/office/drawing/2017/decorative" val="1"/>
+              </a:ext>
+            </a:extLst>
+          </p:cNvPr>
+          <p:cNvCxnSpPr>
+            <a:cxnSpLocks noGrp="1" noRot="1" noChangeAspect="1" noMove="1" noResize="1" noEditPoints="1" noAdjustHandles="1" noChangeArrowheads="1" noChangeShapeType="1"/>
+          </p:cNvCxnSpPr>
+          <p:nvPr>
+            <p:extLst>
+              <p:ext uri="{386F3935-93C4-4BCD-93E2-E3B085C9AB24}">
+                <p16:designElem xmlns:p16="http://schemas.microsoft.com/office/powerpoint/2015/main" val="1"/>
+              </p:ext>
+            </p:extLst>
+          </p:nvPr>
+        </p:nvCxnSpPr>
+        <p:spPr>
+          <a:xfrm flipV="1">
+            <a:off x="762000" y="2971800"/>
+            <a:ext cx="0" cy="914400"/>
+          </a:xfrm>
+          <a:prstGeom prst="line">
+            <a:avLst/>
+          </a:prstGeom>
+          <a:ln w="19050">
+            <a:solidFill>
+              <a:srgbClr val="FFFFFF">
+                <a:alpha val="80000"/>
+              </a:srgbClr>
+            </a:solidFill>
+          </a:ln>
+        </p:spPr>
+        <p:style>
+          <a:lnRef idx="1">
+            <a:schemeClr val="accent1"/>
+          </a:lnRef>
+          <a:fillRef idx="0">
+            <a:schemeClr val="accent1"/>
+          </a:fillRef>
+          <a:effectRef idx="0">
+            <a:schemeClr val="accent1"/>
+          </a:effectRef>
+          <a:fontRef idx="minor">
+            <a:schemeClr val="tx1"/>
+          </a:fontRef>
+        </p:style>
+      </p:cxnSp>
+      <p:graphicFrame>
+        <p:nvGraphicFramePr>
+          <p:cNvPr id="5" name="מציין מיקום תוכן 2">
+            <a:extLst>
+              <a:ext uri="{FF2B5EF4-FFF2-40B4-BE49-F238E27FC236}">
+                <a16:creationId xmlns:a16="http://schemas.microsoft.com/office/drawing/2014/main" id="{AAA74886-9BB5-4F86-AFC1-410E25361379}"/>
+              </a:ext>
+            </a:extLst>
+          </p:cNvPr>
+          <p:cNvGraphicFramePr>
+            <a:graphicFrameLocks noGrp="1"/>
+          </p:cNvGraphicFramePr>
+          <p:nvPr>
+            <p:ph idx="1"/>
+            <p:extLst>
+              <p:ext uri="{D42A27DB-BD31-4B8C-83A1-F6EECF244321}">
+                <p14:modId xmlns:p14="http://schemas.microsoft.com/office/powerpoint/2010/main" val="1204130001"/>
+              </p:ext>
+            </p:extLst>
+          </p:nvPr>
+        </p:nvGraphicFramePr>
+        <p:xfrm>
+          <a:off x="5280025" y="642938"/>
+          <a:ext cx="6269038" cy="5572125"/>
+        </p:xfrm>
+        <a:graphic>
+          <a:graphicData uri="http://schemas.openxmlformats.org/drawingml/2006/diagram">
+            <dgm:relIds xmlns:dgm="http://schemas.openxmlformats.org/drawingml/2006/diagram" xmlns:r="http://schemas.openxmlformats.org/officeDocument/2006/relationships" r:dm="rId2" r:lo="rId3" r:qs="rId4" r:cs="rId5"/>
+          </a:graphicData>
+        </a:graphic>
+      </p:graphicFrame>
+    </p:spTree>
+    <p:extLst>
+      <p:ext uri="{BB962C8B-B14F-4D97-AF65-F5344CB8AC3E}">
+        <p14:creationId xmlns:p14="http://schemas.microsoft.com/office/powerpoint/2010/main" val="825447180"/>
+      </p:ext>
+    </p:extLst>
+  </p:cSld>
+  <p:clrMapOvr>
+    <a:masterClrMapping/>
+  </p:clrMapOvr>
+</p:sld>
+</file>
+
+<file path=ppt/slides/slide20.xml><?xml version="1.0" encoding="utf-8"?>
 <p:sld xmlns:a="http://schemas.openxmlformats.org/drawingml/2006/main" xmlns:r="http://schemas.openxmlformats.org/officeDocument/2006/relationships" xmlns:p="http://schemas.openxmlformats.org/presentationml/2006/main">
   <p:cSld>
     <p:bg>
@@ -16936,7 +18801,7 @@
               <a:pPr>
                 <a:buSzPts val="1100"/>
               </a:pPr>
-              <a:t>18</a:t>
+              <a:t>20</a:t>
             </a:fld>
             <a:endParaRPr/>
           </a:p>
@@ -17224,16 +19089,12 @@
           <a:p>
             <a:pPr algn="ctr"/>
             <a:r>
-              <a:rPr lang="en-US" sz="6600" kern="0" dirty="0" smtClean="0">
+              <a:rPr lang="en-US" sz="6600" kern="0" dirty="0">
                 <a:latin typeface="Buxton Sketch" panose="03080500000500000004" pitchFamily="66" charset="0"/>
                 <a:cs typeface="BN Barak" panose="02000000000000000000" pitchFamily="2" charset="-79"/>
               </a:rPr>
               <a:t>Dare To Dream</a:t>
             </a:r>
-            <a:endParaRPr lang="en-US" sz="6600" kern="0" dirty="0">
-              <a:latin typeface="Buxton Sketch" panose="03080500000500000004" pitchFamily="66" charset="0"/>
-              <a:cs typeface="BN Barak" panose="02000000000000000000" pitchFamily="2" charset="-79"/>
-            </a:endParaRPr>
           </a:p>
         </p:txBody>
       </p:sp>
@@ -17247,278 +19108,6 @@
   <p:clrMapOvr>
     <a:masterClrMapping/>
   </p:clrMapOvr>
-  <mc:AlternateContent xmlns:mc="http://schemas.openxmlformats.org/markup-compatibility/2006">
-    <mc:Choice xmlns:p14="http://schemas.microsoft.com/office/powerpoint/2010/main" Requires="p14">
-      <p:transition p14:dur="0"/>
-    </mc:Choice>
-    <mc:Fallback>
-      <p:transition/>
-    </mc:Fallback>
-  </mc:AlternateContent>
-  <p:timing>
-    <p:tnLst>
-      <p:par>
-        <p:cTn id="1" dur="indefinite" restart="never" nodeType="tmRoot"/>
-      </p:par>
-    </p:tnLst>
-  </p:timing>
-</p:sld>
-</file>
-
-<file path=ppt/slides/slide2.xml><?xml version="1.0" encoding="utf-8"?>
-<p:sld xmlns:a="http://schemas.openxmlformats.org/drawingml/2006/main" xmlns:r="http://schemas.openxmlformats.org/officeDocument/2006/relationships" xmlns:p="http://schemas.openxmlformats.org/presentationml/2006/main">
-  <p:cSld>
-    <p:spTree>
-      <p:nvGrpSpPr>
-        <p:cNvPr id="1" name=""/>
-        <p:cNvGrpSpPr/>
-        <p:nvPr/>
-      </p:nvGrpSpPr>
-      <p:grpSpPr>
-        <a:xfrm>
-          <a:off x="0" y="0"/>
-          <a:ext cx="0" cy="0"/>
-          <a:chOff x="0" y="0"/>
-          <a:chExt cx="0" cy="0"/>
-        </a:xfrm>
-      </p:grpSpPr>
-      <p:sp>
-        <p:nvSpPr>
-          <p:cNvPr id="10" name="Rectangle 9">
-            <a:extLst>
-              <a:ext uri="{FF2B5EF4-FFF2-40B4-BE49-F238E27FC236}">
-                <a16:creationId xmlns:a16="http://schemas.microsoft.com/office/drawing/2014/main" xmlns="" id="{08E89D5E-1885-4160-AC77-CC471DD1D0DB}"/>
-              </a:ext>
-              <a:ext uri="{C183D7F6-B498-43B3-948B-1728B52AA6E4}">
-                <adec:decorative xmlns="" xmlns:adec="http://schemas.microsoft.com/office/drawing/2017/decorative" val="1"/>
-              </a:ext>
-            </a:extLst>
-          </p:cNvPr>
-          <p:cNvSpPr>
-            <a:spLocks noGrp="1" noRot="1" noChangeAspect="1" noMove="1" noResize="1" noEditPoints="1" noAdjustHandles="1" noChangeArrowheads="1" noChangeShapeType="1" noTextEdit="1"/>
-          </p:cNvSpPr>
-          <p:nvPr>
-            <p:extLst>
-              <p:ext uri="{386F3935-93C4-4BCD-93E2-E3B085C9AB24}">
-                <p16:designElem xmlns:p16="http://schemas.microsoft.com/office/powerpoint/2015/main" xmlns="" val="1"/>
-              </p:ext>
-            </p:extLst>
-          </p:nvPr>
-        </p:nvSpPr>
-        <p:spPr>
-          <a:xfrm>
-            <a:off x="0" y="0"/>
-            <a:ext cx="4636008" cy="6858000"/>
-          </a:xfrm>
-          <a:prstGeom prst="rect">
-            <a:avLst/>
-          </a:prstGeom>
-          <a:ln>
-            <a:noFill/>
-          </a:ln>
-        </p:spPr>
-        <p:style>
-          <a:lnRef idx="2">
-            <a:schemeClr val="accent1">
-              <a:shade val="50000"/>
-            </a:schemeClr>
-          </a:lnRef>
-          <a:fillRef idx="1">
-            <a:schemeClr val="accent1"/>
-          </a:fillRef>
-          <a:effectRef idx="0">
-            <a:schemeClr val="accent1"/>
-          </a:effectRef>
-          <a:fontRef idx="minor">
-            <a:schemeClr val="lt1"/>
-          </a:fontRef>
-        </p:style>
-        <p:txBody>
-          <a:bodyPr rtlCol="0" anchor="ctr"/>
-          <a:lstStyle/>
-          <a:p>
-            <a:pPr algn="ctr"/>
-            <a:endParaRPr lang="en-US"/>
-          </a:p>
-        </p:txBody>
-      </p:sp>
-      <p:sp>
-        <p:nvSpPr>
-          <p:cNvPr id="2" name="כותרת 1">
-            <a:extLst>
-              <a:ext uri="{FF2B5EF4-FFF2-40B4-BE49-F238E27FC236}">
-                <a16:creationId xmlns:a16="http://schemas.microsoft.com/office/drawing/2014/main" xmlns="" id="{5C005CA9-66C8-41C7-839D-A87CFCB40A45}"/>
-              </a:ext>
-            </a:extLst>
-          </p:cNvPr>
-          <p:cNvSpPr>
-            <a:spLocks noGrp="1"/>
-          </p:cNvSpPr>
-          <p:nvPr>
-            <p:ph type="title"/>
-          </p:nvPr>
-        </p:nvSpPr>
-        <p:spPr>
-          <a:xfrm>
-            <a:off x="762000" y="869666"/>
-            <a:ext cx="3370998" cy="5502264"/>
-          </a:xfrm>
-        </p:spPr>
-        <p:txBody>
-          <a:bodyPr>
-            <a:normAutofit/>
-          </a:bodyPr>
-          <a:lstStyle/>
-          <a:p>
-            <a:r>
-              <a:rPr lang="en-US" sz="3200" b="1" u="sng" dirty="0">
-                <a:solidFill>
-                  <a:srgbClr val="FFFFFF"/>
-                </a:solidFill>
-                <a:latin typeface="BN Balls" panose="02000500000000000000" pitchFamily="2" charset="-79"/>
-                <a:cs typeface="BN Balls" panose="02000500000000000000" pitchFamily="2" charset="-79"/>
-              </a:rPr>
-              <a:t>Introduction</a:t>
-            </a:r>
-            <a:r>
-              <a:rPr lang="en-US" sz="3200" dirty="0">
-                <a:solidFill>
-                  <a:srgbClr val="FFFFFF"/>
-                </a:solidFill>
-                <a:latin typeface="BN Balls" panose="02000500000000000000" pitchFamily="2" charset="-79"/>
-                <a:cs typeface="BN Balls" panose="02000500000000000000" pitchFamily="2" charset="-79"/>
-              </a:rPr>
-              <a:t/>
-            </a:r>
-            <a:br>
-              <a:rPr lang="en-US" sz="3200" dirty="0">
-                <a:solidFill>
-                  <a:srgbClr val="FFFFFF"/>
-                </a:solidFill>
-                <a:latin typeface="BN Balls" panose="02000500000000000000" pitchFamily="2" charset="-79"/>
-                <a:cs typeface="BN Balls" panose="02000500000000000000" pitchFamily="2" charset="-79"/>
-              </a:rPr>
-            </a:br>
-            <a:endParaRPr lang="he-IL" sz="3200" dirty="0">
-              <a:solidFill>
-                <a:srgbClr val="FFFFFF"/>
-              </a:solidFill>
-              <a:latin typeface="BN Balls" panose="02000500000000000000" pitchFamily="2" charset="-79"/>
-              <a:cs typeface="BN Balls" panose="02000500000000000000" pitchFamily="2" charset="-79"/>
-            </a:endParaRPr>
-          </a:p>
-        </p:txBody>
-      </p:sp>
-      <p:cxnSp>
-        <p:nvCxnSpPr>
-          <p:cNvPr id="12" name="Straight Connector 11">
-            <a:extLst>
-              <a:ext uri="{FF2B5EF4-FFF2-40B4-BE49-F238E27FC236}">
-                <a16:creationId xmlns:a16="http://schemas.microsoft.com/office/drawing/2014/main" xmlns="" id="{550D2BD1-98F9-412D-905B-3A843EF4078B}"/>
-              </a:ext>
-              <a:ext uri="{C183D7F6-B498-43B3-948B-1728B52AA6E4}">
-                <adec:decorative xmlns="" xmlns:adec="http://schemas.microsoft.com/office/drawing/2017/decorative" val="1"/>
-              </a:ext>
-            </a:extLst>
-          </p:cNvPr>
-          <p:cNvCxnSpPr>
-            <a:cxnSpLocks noGrp="1" noRot="1" noChangeAspect="1" noMove="1" noResize="1" noEditPoints="1" noAdjustHandles="1" noChangeArrowheads="1" noChangeShapeType="1"/>
-          </p:cNvCxnSpPr>
-          <p:nvPr>
-            <p:extLst>
-              <p:ext uri="{386F3935-93C4-4BCD-93E2-E3B085C9AB24}">
-                <p16:designElem xmlns:p16="http://schemas.microsoft.com/office/powerpoint/2015/main" xmlns="" val="1"/>
-              </p:ext>
-            </p:extLst>
-          </p:nvPr>
-        </p:nvCxnSpPr>
-        <p:spPr>
-          <a:xfrm flipV="1">
-            <a:off x="762000" y="2971800"/>
-            <a:ext cx="0" cy="914400"/>
-          </a:xfrm>
-          <a:prstGeom prst="line">
-            <a:avLst/>
-          </a:prstGeom>
-          <a:ln w="19050">
-            <a:solidFill>
-              <a:srgbClr val="FFFFFF">
-                <a:alpha val="80000"/>
-              </a:srgbClr>
-            </a:solidFill>
-          </a:ln>
-        </p:spPr>
-        <p:style>
-          <a:lnRef idx="1">
-            <a:schemeClr val="accent1"/>
-          </a:lnRef>
-          <a:fillRef idx="0">
-            <a:schemeClr val="accent1"/>
-          </a:fillRef>
-          <a:effectRef idx="0">
-            <a:schemeClr val="accent1"/>
-          </a:effectRef>
-          <a:fontRef idx="minor">
-            <a:schemeClr val="tx1"/>
-          </a:fontRef>
-        </p:style>
-      </p:cxnSp>
-      <p:graphicFrame>
-        <p:nvGraphicFramePr>
-          <p:cNvPr id="5" name="מציין מיקום תוכן 2">
-            <a:extLst>
-              <a:ext uri="{FF2B5EF4-FFF2-40B4-BE49-F238E27FC236}">
-                <a16:creationId xmlns:a16="http://schemas.microsoft.com/office/drawing/2014/main" xmlns="" id="{AAA74886-9BB5-4F86-AFC1-410E25361379}"/>
-              </a:ext>
-            </a:extLst>
-          </p:cNvPr>
-          <p:cNvGraphicFramePr>
-            <a:graphicFrameLocks noGrp="1"/>
-          </p:cNvGraphicFramePr>
-          <p:nvPr>
-            <p:ph idx="1"/>
-            <p:extLst>
-              <p:ext uri="{D42A27DB-BD31-4B8C-83A1-F6EECF244321}">
-                <p14:modId xmlns:p14="http://schemas.microsoft.com/office/powerpoint/2010/main" val="1204130001"/>
-              </p:ext>
-            </p:extLst>
-          </p:nvPr>
-        </p:nvGraphicFramePr>
-        <p:xfrm>
-          <a:off x="5280025" y="642938"/>
-          <a:ext cx="6269038" cy="5572125"/>
-        </p:xfrm>
-        <a:graphic>
-          <a:graphicData uri="http://schemas.openxmlformats.org/drawingml/2006/diagram">
-            <dgm:relIds xmlns:dgm="http://schemas.openxmlformats.org/drawingml/2006/diagram" xmlns:r="http://schemas.openxmlformats.org/officeDocument/2006/relationships" r:dm="rId2" r:lo="rId3" r:qs="rId4" r:cs="rId5"/>
-          </a:graphicData>
-        </a:graphic>
-      </p:graphicFrame>
-    </p:spTree>
-    <p:extLst>
-      <p:ext uri="{BB962C8B-B14F-4D97-AF65-F5344CB8AC3E}">
-        <p14:creationId xmlns:p14="http://schemas.microsoft.com/office/powerpoint/2010/main" val="825447180"/>
-      </p:ext>
-    </p:extLst>
-  </p:cSld>
-  <p:clrMapOvr>
-    <a:masterClrMapping/>
-  </p:clrMapOvr>
-  <mc:AlternateContent xmlns:mc="http://schemas.openxmlformats.org/markup-compatibility/2006">
-    <mc:Choice xmlns:p14="http://schemas.microsoft.com/office/powerpoint/2010/main" Requires="p14">
-      <p:transition p14:dur="0"/>
-    </mc:Choice>
-    <mc:Fallback>
-      <p:transition/>
-    </mc:Fallback>
-  </mc:AlternateContent>
-  <p:timing>
-    <p:tnLst>
-      <p:par>
-        <p:cTn id="1" dur="indefinite" restart="never" nodeType="tmRoot"/>
-      </p:par>
-    </p:tnLst>
-  </p:timing>
 </p:sld>
 </file>
 
@@ -17569,7 +19158,7 @@
               <a:buChar char="v"/>
             </a:pPr>
             <a:r>
-              <a:rPr lang="en-US" sz="1600" b="1" dirty="0" smtClean="0">
+              <a:rPr lang="en-US" sz="1600" b="1" dirty="0">
                 <a:latin typeface="BN Barak" panose="02000000000000000000" pitchFamily="2" charset="-79"/>
                 <a:cs typeface="BN Barak" panose="02000000000000000000" pitchFamily="2" charset="-79"/>
               </a:rPr>
@@ -17582,7 +19171,7 @@
               <a:buChar char="v"/>
             </a:pPr>
             <a:r>
-              <a:rPr lang="en-US" sz="1600" b="1" dirty="0" smtClean="0">
+              <a:rPr lang="en-US" sz="1600" b="1" dirty="0">
                 <a:latin typeface="BN Barak" panose="02000000000000000000" pitchFamily="2" charset="-79"/>
                 <a:cs typeface="BN Barak" panose="02000000000000000000" pitchFamily="2" charset="-79"/>
               </a:rPr>
@@ -17595,13 +19184,13 @@
               <a:buChar char="v"/>
             </a:pPr>
             <a:r>
-              <a:rPr lang="en-US" sz="1600" b="1" dirty="0" err="1" smtClean="0">
+              <a:rPr lang="en-US" sz="1600" b="1" dirty="0" err="1">
                 <a:latin typeface="BN Barak" panose="02000000000000000000" pitchFamily="2" charset="-79"/>
                 <a:cs typeface="BN Barak" panose="02000000000000000000" pitchFamily="2" charset="-79"/>
               </a:rPr>
               <a:t>MetaMask</a:t>
             </a:r>
-            <a:endParaRPr lang="en-US" sz="1600" b="1" dirty="0" smtClean="0">
+            <a:endParaRPr lang="en-US" sz="1600" b="1" dirty="0">
               <a:latin typeface="BN Barak" panose="02000000000000000000" pitchFamily="2" charset="-79"/>
               <a:cs typeface="BN Barak" panose="02000000000000000000" pitchFamily="2" charset="-79"/>
             </a:endParaRPr>
@@ -17612,13 +19201,13 @@
               <a:buChar char="v"/>
             </a:pPr>
             <a:r>
-              <a:rPr lang="en-US" sz="1600" b="1" dirty="0" err="1" smtClean="0">
+              <a:rPr lang="en-US" sz="1600" b="1" dirty="0" err="1">
                 <a:latin typeface="BN Barak" panose="02000000000000000000" pitchFamily="2" charset="-79"/>
                 <a:cs typeface="BN Barak" panose="02000000000000000000" pitchFamily="2" charset="-79"/>
               </a:rPr>
               <a:t>Soldiity</a:t>
             </a:r>
-            <a:endParaRPr lang="en-US" sz="1600" b="1" dirty="0" smtClean="0">
+            <a:endParaRPr lang="en-US" sz="1600" b="1" dirty="0">
               <a:latin typeface="BN Barak" panose="02000000000000000000" pitchFamily="2" charset="-79"/>
               <a:cs typeface="BN Barak" panose="02000000000000000000" pitchFamily="2" charset="-79"/>
             </a:endParaRPr>
@@ -17629,7 +19218,7 @@
               <a:buChar char="v"/>
             </a:pPr>
             <a:r>
-              <a:rPr lang="en-US" sz="1600" b="1" dirty="0" smtClean="0">
+              <a:rPr lang="en-US" sz="1600" b="1" dirty="0">
                 <a:latin typeface="BN Barak" panose="02000000000000000000" pitchFamily="2" charset="-79"/>
                 <a:cs typeface="BN Barak" panose="02000000000000000000" pitchFamily="2" charset="-79"/>
               </a:rPr>
@@ -17642,7 +19231,7 @@
               <a:buChar char="v"/>
             </a:pPr>
             <a:r>
-              <a:rPr lang="en-US" sz="1600" b="1" dirty="0" smtClean="0">
+              <a:rPr lang="en-US" sz="1600" b="1" dirty="0">
                 <a:latin typeface="BN Barak" panose="02000000000000000000" pitchFamily="2" charset="-79"/>
                 <a:cs typeface="BN Barak" panose="02000000000000000000" pitchFamily="2" charset="-79"/>
               </a:rPr>
@@ -17655,7 +19244,7 @@
               <a:buChar char="v"/>
             </a:pPr>
             <a:r>
-              <a:rPr lang="en-US" sz="1600" b="1" dirty="0" smtClean="0">
+              <a:rPr lang="en-US" sz="1600" b="1" dirty="0">
                 <a:latin typeface="BN Barak" panose="02000000000000000000" pitchFamily="2" charset="-79"/>
                 <a:cs typeface="BN Barak" panose="02000000000000000000" pitchFamily="2" charset="-79"/>
               </a:rPr>
@@ -17668,14 +19257,40 @@
               <a:buChar char="v"/>
             </a:pPr>
             <a:r>
-              <a:rPr lang="en-US" sz="1600" b="1" dirty="0" err="1" smtClean="0">
+              <a:rPr lang="en-US" sz="1600" b="1" dirty="0">
+                <a:latin typeface="BN Barak" panose="02000000000000000000" pitchFamily="2" charset="-79"/>
+                <a:cs typeface="BN Barak" panose="02000000000000000000" pitchFamily="2" charset="-79"/>
+              </a:rPr>
+              <a:t>NodeJS</a:t>
+            </a:r>
+          </a:p>
+          <a:p>
+            <a:pPr marL="285750" indent="-285750" algn="l" rtl="0">
+              <a:buFont typeface="Wingdings" panose="05000000000000000000" pitchFamily="2" charset="2"/>
+              <a:buChar char="v"/>
+            </a:pPr>
+            <a:r>
+              <a:rPr lang="en-US" sz="1600" b="1" dirty="0">
+                <a:latin typeface="BN Barak" panose="02000000000000000000" pitchFamily="2" charset="-79"/>
+                <a:cs typeface="BN Barak" panose="02000000000000000000" pitchFamily="2" charset="-79"/>
+              </a:rPr>
+              <a:t>Web3JS</a:t>
+            </a:r>
+          </a:p>
+          <a:p>
+            <a:pPr marL="285750" indent="-285750" algn="l" rtl="0">
+              <a:buFont typeface="Wingdings" panose="05000000000000000000" pitchFamily="2" charset="2"/>
+              <a:buChar char="v"/>
+            </a:pPr>
+            <a:r>
+              <a:rPr lang="en-US" sz="1600" b="1" dirty="0" err="1">
                 <a:latin typeface="BN Barak" panose="02000000000000000000" pitchFamily="2" charset="-79"/>
                 <a:cs typeface="BN Barak" panose="02000000000000000000" pitchFamily="2" charset="-79"/>
               </a:rPr>
               <a:t>Cmd</a:t>
             </a:r>
             <a:r>
-              <a:rPr lang="en-US" sz="1600" b="1" dirty="0" smtClean="0">
+              <a:rPr lang="en-US" sz="1600" b="1" dirty="0">
                 <a:latin typeface="BN Barak" panose="02000000000000000000" pitchFamily="2" charset="-79"/>
                 <a:cs typeface="BN Barak" panose="02000000000000000000" pitchFamily="2" charset="-79"/>
               </a:rPr>
@@ -17688,7 +19303,7 @@
               <a:buChar char="v"/>
             </a:pPr>
             <a:r>
-              <a:rPr lang="en-US" sz="1600" b="1" dirty="0" smtClean="0">
+              <a:rPr lang="en-US" sz="1600" b="1" dirty="0">
                 <a:latin typeface="BN Barak" panose="02000000000000000000" pitchFamily="2" charset="-79"/>
                 <a:cs typeface="BN Barak" panose="02000000000000000000" pitchFamily="2" charset="-79"/>
               </a:rPr>
@@ -17701,7 +19316,7 @@
               <a:buChar char="v"/>
             </a:pPr>
             <a:r>
-              <a:rPr lang="en-US" sz="1600" b="1" dirty="0" smtClean="0">
+              <a:rPr lang="en-US" sz="1600" b="1" dirty="0">
                 <a:latin typeface="BN Barak" panose="02000000000000000000" pitchFamily="2" charset="-79"/>
                 <a:cs typeface="BN Barak" panose="02000000000000000000" pitchFamily="2" charset="-79"/>
               </a:rPr>
@@ -17713,7 +19328,7 @@
               <a:buFont typeface="Wingdings" panose="05000000000000000000" pitchFamily="2" charset="2"/>
               <a:buChar char="v"/>
             </a:pPr>
-            <a:endParaRPr lang="en-US" sz="1600" b="1" dirty="0" smtClean="0">
+            <a:endParaRPr lang="en-US" sz="1600" b="1" dirty="0">
               <a:latin typeface="BN Barak" panose="02000000000000000000" pitchFamily="2" charset="-79"/>
               <a:cs typeface="BN Barak" panose="02000000000000000000" pitchFamily="2" charset="-79"/>
             </a:endParaRPr>
@@ -17945,7 +19560,7 @@
           <a:p>
             <a:pPr algn="ctr" rtl="0"/>
             <a:r>
-              <a:rPr lang="en-US" b="1" dirty="0" smtClean="0">
+              <a:rPr lang="en-US" b="1" dirty="0">
                 <a:latin typeface="Buxton Sketch" panose="03080500000500000004" pitchFamily="66" charset="0"/>
                 <a:cs typeface="BN Barak" panose="02000000000000000000" pitchFamily="2" charset="-79"/>
               </a:rPr>
@@ -17968,21 +19583,6 @@
   <p:clrMapOvr>
     <a:masterClrMapping/>
   </p:clrMapOvr>
-  <mc:AlternateContent xmlns:mc="http://schemas.openxmlformats.org/markup-compatibility/2006">
-    <mc:Choice xmlns:p14="http://schemas.microsoft.com/office/powerpoint/2010/main" Requires="p14">
-      <p:transition p14:dur="0"/>
-    </mc:Choice>
-    <mc:Fallback>
-      <p:transition/>
-    </mc:Fallback>
-  </mc:AlternateContent>
-  <p:timing>
-    <p:tnLst>
-      <p:par>
-        <p:cTn id="1" dur="indefinite" restart="never" nodeType="tmRoot"/>
-      </p:par>
-    </p:tnLst>
-  </p:timing>
 </p:sld>
 </file>
 
@@ -18076,7 +19676,7 @@
           <a:p>
             <a:pPr algn="ctr"/>
             <a:r>
-              <a:rPr lang="en-US" sz="6400" dirty="0" smtClean="0">
+              <a:rPr lang="en-US" sz="6400" dirty="0">
                 <a:latin typeface="BN Eyal" panose="02000500000000000000" pitchFamily="2" charset="-79"/>
                 <a:cs typeface="BN Eyal" panose="02000500000000000000" pitchFamily="2" charset="-79"/>
               </a:rPr>
@@ -29212,21 +30812,6 @@
   <p:clrMapOvr>
     <a:masterClrMapping/>
   </p:clrMapOvr>
-  <mc:AlternateContent xmlns:mc="http://schemas.openxmlformats.org/markup-compatibility/2006">
-    <mc:Choice xmlns:p14="http://schemas.microsoft.com/office/powerpoint/2010/main" Requires="p14">
-      <p:transition p14:dur="0"/>
-    </mc:Choice>
-    <mc:Fallback>
-      <p:transition/>
-    </mc:Fallback>
-  </mc:AlternateContent>
-  <p:timing>
-    <p:tnLst>
-      <p:par>
-        <p:cTn id="1" dur="indefinite" restart="never" nodeType="tmRoot"/>
-      </p:par>
-    </p:tnLst>
-  </p:timing>
 </p:sld>
 </file>
 
@@ -29304,7 +30889,7 @@
               <a:buChar char="•"/>
             </a:pPr>
             <a:r>
-              <a:rPr lang="en-US" sz="2800" dirty="0" smtClean="0">
+              <a:rPr lang="en-US" sz="2800" dirty="0">
                 <a:solidFill>
                   <a:schemeClr val="accent2">
                     <a:lumMod val="20000"/>
@@ -29323,7 +30908,7 @@
               <a:buChar char="•"/>
             </a:pPr>
             <a:r>
-              <a:rPr lang="en-US" sz="2800" dirty="0" smtClean="0">
+              <a:rPr lang="en-US" sz="2800" dirty="0">
                 <a:solidFill>
                   <a:schemeClr val="accent2">
                     <a:lumMod val="20000"/>
@@ -29342,7 +30927,7 @@
               <a:buChar char="•"/>
             </a:pPr>
             <a:r>
-              <a:rPr lang="en-US" sz="2800" dirty="0" smtClean="0">
+              <a:rPr lang="en-US" sz="2800" dirty="0">
                 <a:solidFill>
                   <a:schemeClr val="accent2">
                     <a:lumMod val="20000"/>
@@ -29361,7 +30946,7 @@
               <a:buChar char="•"/>
             </a:pPr>
             <a:r>
-              <a:rPr lang="en-US" sz="2800" dirty="0" smtClean="0">
+              <a:rPr lang="en-US" sz="2800" dirty="0">
                 <a:solidFill>
                   <a:schemeClr val="accent2">
                     <a:lumMod val="20000"/>
@@ -29399,21 +30984,6 @@
   <p:clrMapOvr>
     <a:masterClrMapping/>
   </p:clrMapOvr>
-  <mc:AlternateContent xmlns:mc="http://schemas.openxmlformats.org/markup-compatibility/2006">
-    <mc:Choice xmlns:p14="http://schemas.microsoft.com/office/powerpoint/2010/main" Requires="p14">
-      <p:transition p14:dur="0"/>
-    </mc:Choice>
-    <mc:Fallback>
-      <p:transition/>
-    </mc:Fallback>
-  </mc:AlternateContent>
-  <p:timing>
-    <p:tnLst>
-      <p:par>
-        <p:cTn id="1" dur="indefinite" restart="never" nodeType="tmRoot"/>
-      </p:par>
-    </p:tnLst>
-  </p:timing>
 </p:sld>
 </file>
 
@@ -29491,7 +31061,7 @@
               <a:buChar char="•"/>
             </a:pPr>
             <a:r>
-              <a:rPr lang="en-US" sz="2800" dirty="0" smtClean="0">
+              <a:rPr lang="en-US" sz="2800" dirty="0">
                 <a:solidFill>
                   <a:schemeClr val="accent2">
                     <a:lumMod val="20000"/>
@@ -29510,7 +31080,7 @@
               <a:buChar char="•"/>
             </a:pPr>
             <a:r>
-              <a:rPr lang="en-US" sz="2800" dirty="0" smtClean="0">
+              <a:rPr lang="en-US" sz="2800" dirty="0">
                 <a:solidFill>
                   <a:schemeClr val="accent2">
                     <a:lumMod val="20000"/>
@@ -29529,7 +31099,7 @@
               <a:buChar char="•"/>
             </a:pPr>
             <a:r>
-              <a:rPr lang="en-US" sz="2800" dirty="0" smtClean="0">
+              <a:rPr lang="en-US" sz="2800" dirty="0">
                 <a:solidFill>
                   <a:schemeClr val="accent2">
                     <a:lumMod val="20000"/>
@@ -29548,7 +31118,7 @@
               <a:buChar char="•"/>
             </a:pPr>
             <a:r>
-              <a:rPr lang="en-US" sz="2800" dirty="0" smtClean="0">
+              <a:rPr lang="en-US" sz="2800" dirty="0">
                 <a:solidFill>
                   <a:schemeClr val="accent2">
                     <a:lumMod val="20000"/>
@@ -29586,21 +31156,6 @@
   <p:clrMapOvr>
     <a:masterClrMapping/>
   </p:clrMapOvr>
-  <mc:AlternateContent xmlns:mc="http://schemas.openxmlformats.org/markup-compatibility/2006">
-    <mc:Choice xmlns:p14="http://schemas.microsoft.com/office/powerpoint/2010/main" Requires="p14">
-      <p:transition p14:dur="0"/>
-    </mc:Choice>
-    <mc:Fallback>
-      <p:transition/>
-    </mc:Fallback>
-  </mc:AlternateContent>
-  <p:timing>
-    <p:tnLst>
-      <p:par>
-        <p:cTn id="1" dur="indefinite" restart="never" nodeType="tmRoot"/>
-      </p:par>
-    </p:tnLst>
-  </p:timing>
 </p:sld>
 </file>
 
@@ -29626,10 +31181,10 @@
           <p:cNvPr id="8" name="Rectangle 7">
             <a:extLst>
               <a:ext uri="{FF2B5EF4-FFF2-40B4-BE49-F238E27FC236}">
-                <a16:creationId xmlns:a16="http://schemas.microsoft.com/office/drawing/2014/main" xmlns="" id="{23962611-DFD5-4092-AAFD-559E3DFCE2C9}"/>
+                <a16:creationId xmlns:a16="http://schemas.microsoft.com/office/drawing/2014/main" id="{23962611-DFD5-4092-AAFD-559E3DFCE2C9}"/>
               </a:ext>
               <a:ext uri="{C183D7F6-B498-43B3-948B-1728B52AA6E4}">
-                <adec:decorative xmlns="" xmlns:adec="http://schemas.microsoft.com/office/drawing/2017/decorative" val="1"/>
+                <adec:decorative xmlns:adec="http://schemas.microsoft.com/office/drawing/2017/decorative" val="1"/>
               </a:ext>
             </a:extLst>
           </p:cNvPr>
@@ -29639,7 +31194,7 @@
           <p:nvPr>
             <p:extLst>
               <p:ext uri="{386F3935-93C4-4BCD-93E2-E3B085C9AB24}">
-                <p16:designElem xmlns:p16="http://schemas.microsoft.com/office/powerpoint/2015/main" xmlns="" val="1"/>
+                <p16:designElem xmlns:p16="http://schemas.microsoft.com/office/powerpoint/2015/main" val="1"/>
               </p:ext>
             </p:extLst>
           </p:nvPr>
@@ -29711,10 +31266,10 @@
           <p:cNvPr id="10" name="Picture 9">
             <a:extLst>
               <a:ext uri="{FF2B5EF4-FFF2-40B4-BE49-F238E27FC236}">
-                <a16:creationId xmlns:a16="http://schemas.microsoft.com/office/drawing/2014/main" xmlns="" id="{2270F1FA-0425-408F-9861-80BF5AFB276D}"/>
+                <a16:creationId xmlns:a16="http://schemas.microsoft.com/office/drawing/2014/main" id="{2270F1FA-0425-408F-9861-80BF5AFB276D}"/>
               </a:ext>
               <a:ext uri="{C183D7F6-B498-43B3-948B-1728B52AA6E4}">
-                <adec:decorative xmlns="" xmlns:adec="http://schemas.microsoft.com/office/drawing/2017/decorative" val="1"/>
+                <adec:decorative xmlns:adec="http://schemas.microsoft.com/office/drawing/2017/decorative" val="1"/>
               </a:ext>
             </a:extLst>
           </p:cNvPr>
@@ -29724,7 +31279,7 @@
           <p:nvPr>
             <p:extLst>
               <p:ext uri="{386F3935-93C4-4BCD-93E2-E3B085C9AB24}">
-                <p16:designElem xmlns:p16="http://schemas.microsoft.com/office/powerpoint/2015/main" xmlns="" val="1"/>
+                <p16:designElem xmlns:p16="http://schemas.microsoft.com/office/powerpoint/2015/main" val="1"/>
               </p:ext>
             </p:extLst>
           </p:nvPr>
@@ -29756,7 +31311,7 @@
           <p:cNvPr id="2" name="כותרת 1">
             <a:extLst>
               <a:ext uri="{FF2B5EF4-FFF2-40B4-BE49-F238E27FC236}">
-                <a16:creationId xmlns:a16="http://schemas.microsoft.com/office/drawing/2014/main" xmlns="" id="{1C0DC20E-400E-4C3E-BF17-A3CDCFCE20BB}"/>
+                <a16:creationId xmlns:a16="http://schemas.microsoft.com/office/drawing/2014/main" id="{1C0DC20E-400E-4C3E-BF17-A3CDCFCE20BB}"/>
               </a:ext>
             </a:extLst>
           </p:cNvPr>
@@ -29780,7 +31335,7 @@
           <a:lstStyle/>
           <a:p>
             <a:r>
-              <a:rPr lang="en-US" sz="13800" b="1" dirty="0" smtClean="0">
+              <a:rPr lang="en-US" sz="13800" b="1" dirty="0">
                 <a:solidFill>
                   <a:srgbClr val="FFFFFF"/>
                 </a:solidFill>
@@ -29809,21 +31364,6 @@
   <p:clrMapOvr>
     <a:masterClrMapping/>
   </p:clrMapOvr>
-  <mc:AlternateContent xmlns:mc="http://schemas.openxmlformats.org/markup-compatibility/2006">
-    <mc:Choice xmlns:p14="http://schemas.microsoft.com/office/powerpoint/2010/main" Requires="p14">
-      <p:transition p14:dur="0"/>
-    </mc:Choice>
-    <mc:Fallback>
-      <p:transition/>
-    </mc:Fallback>
-  </mc:AlternateContent>
-  <p:timing>
-    <p:tnLst>
-      <p:par>
-        <p:cTn id="1" dur="indefinite" restart="never" nodeType="tmRoot"/>
-      </p:par>
-    </p:tnLst>
-  </p:timing>
 </p:sld>
 </file>
 
@@ -29874,13 +31414,13 @@
               <a:buChar char="v"/>
             </a:pPr>
             <a:r>
-              <a:rPr lang="en-US" sz="1600" b="1" dirty="0" err="1" smtClean="0">
+              <a:rPr lang="en-US" sz="1600" b="1" dirty="0" err="1">
                 <a:latin typeface="BN Barak" panose="02000000000000000000" pitchFamily="2" charset="-79"/>
                 <a:cs typeface="BN Barak" panose="02000000000000000000" pitchFamily="2" charset="-79"/>
               </a:rPr>
               <a:t>Quartet.sol</a:t>
             </a:r>
-            <a:endParaRPr lang="en-US" sz="1600" b="1" dirty="0" smtClean="0">
+            <a:endParaRPr lang="en-US" sz="1600" b="1" dirty="0">
               <a:latin typeface="BN Barak" panose="02000000000000000000" pitchFamily="2" charset="-79"/>
               <a:cs typeface="BN Barak" panose="02000000000000000000" pitchFamily="2" charset="-79"/>
             </a:endParaRPr>
@@ -29891,13 +31431,13 @@
               <a:buChar char="v"/>
             </a:pPr>
             <a:r>
-              <a:rPr lang="en-US" sz="1600" b="1" dirty="0" err="1" smtClean="0">
+              <a:rPr lang="en-US" sz="1600" b="1" dirty="0" err="1">
                 <a:latin typeface="BN Barak" panose="02000000000000000000" pitchFamily="2" charset="-79"/>
                 <a:cs typeface="BN Barak" panose="02000000000000000000" pitchFamily="2" charset="-79"/>
               </a:rPr>
               <a:t>Card.sol</a:t>
             </a:r>
-            <a:endParaRPr lang="en-US" sz="1600" b="1" dirty="0" smtClean="0">
+            <a:endParaRPr lang="en-US" sz="1600" b="1" dirty="0">
               <a:latin typeface="BN Barak" panose="02000000000000000000" pitchFamily="2" charset="-79"/>
               <a:cs typeface="BN Barak" panose="02000000000000000000" pitchFamily="2" charset="-79"/>
             </a:endParaRPr>
@@ -29908,13 +31448,13 @@
               <a:buChar char="v"/>
             </a:pPr>
             <a:r>
-              <a:rPr lang="en-US" sz="1600" b="1" dirty="0" err="1" smtClean="0">
+              <a:rPr lang="en-US" sz="1600" b="1" dirty="0" err="1">
                 <a:latin typeface="BN Barak" panose="02000000000000000000" pitchFamily="2" charset="-79"/>
                 <a:cs typeface="BN Barak" panose="02000000000000000000" pitchFamily="2" charset="-79"/>
               </a:rPr>
               <a:t>QuartetCoin.sol</a:t>
             </a:r>
-            <a:endParaRPr lang="en-US" sz="1600" b="1" dirty="0" smtClean="0">
+            <a:endParaRPr lang="en-US" sz="1600" b="1" dirty="0">
               <a:latin typeface="BN Barak" panose="02000000000000000000" pitchFamily="2" charset="-79"/>
               <a:cs typeface="BN Barak" panose="02000000000000000000" pitchFamily="2" charset="-79"/>
             </a:endParaRPr>
@@ -29924,7 +31464,7 @@
               <a:buFont typeface="Wingdings" panose="05000000000000000000" pitchFamily="2" charset="2"/>
               <a:buChar char="v"/>
             </a:pPr>
-            <a:endParaRPr lang="en-US" sz="1600" b="1" dirty="0" smtClean="0">
+            <a:endParaRPr lang="en-US" sz="1600" b="1" dirty="0">
               <a:latin typeface="BN Barak" panose="02000000000000000000" pitchFamily="2" charset="-79"/>
               <a:cs typeface="BN Barak" panose="02000000000000000000" pitchFamily="2" charset="-79"/>
             </a:endParaRPr>
@@ -30115,7 +31655,7 @@
           <a:p>
             <a:pPr algn="ctr" rtl="0"/>
             <a:r>
-              <a:rPr lang="en-US" b="1" dirty="0" smtClean="0">
+              <a:rPr lang="en-US" b="1" dirty="0">
                 <a:latin typeface="Buxton Sketch" panose="03080500000500000004" pitchFamily="66" charset="0"/>
                 <a:cs typeface="BN Barak" panose="02000000000000000000" pitchFamily="2" charset="-79"/>
               </a:rPr>
@@ -30172,28 +31712,13 @@
     </p:spTree>
     <p:extLst>
       <p:ext uri="{BB962C8B-B14F-4D97-AF65-F5344CB8AC3E}">
-        <p14:creationId xmlns:p14="http://schemas.microsoft.com/office/powerpoint/2010/main" val="4263358499"/>
+        <p14:creationId xmlns:p14="http://schemas.microsoft.com/office/powerpoint/2010/main" val="3224061407"/>
       </p:ext>
     </p:extLst>
   </p:cSld>
   <p:clrMapOvr>
     <a:masterClrMapping/>
   </p:clrMapOvr>
-  <mc:AlternateContent xmlns:mc="http://schemas.openxmlformats.org/markup-compatibility/2006">
-    <mc:Choice xmlns:p14="http://schemas.microsoft.com/office/powerpoint/2010/main" Requires="p14">
-      <p:transition p14:dur="0"/>
-    </mc:Choice>
-    <mc:Fallback>
-      <p:transition/>
-    </mc:Fallback>
-  </mc:AlternateContent>
-  <p:timing>
-    <p:tnLst>
-      <p:par>
-        <p:cTn id="1" dur="indefinite" restart="never" nodeType="tmRoot"/>
-      </p:par>
-    </p:tnLst>
-  </p:timing>
 </p:sld>
 </file>
 
@@ -30749,7 +32274,7 @@
           <a:p>
             <a:pPr algn="l" rtl="0"/>
             <a:r>
-              <a:rPr lang="en-US" sz="2800" dirty="0" err="1" smtClean="0">
+              <a:rPr lang="en-US" sz="2800" dirty="0" err="1">
                 <a:solidFill>
                   <a:schemeClr val="accent2">
                     <a:lumMod val="20000"/>
@@ -30762,7 +32287,7 @@
               <a:t>Quartet.sol</a:t>
             </a:r>
             <a:r>
-              <a:rPr lang="en-US" sz="2800" dirty="0" smtClean="0">
+              <a:rPr lang="en-US" sz="2800" dirty="0">
                 <a:solidFill>
                   <a:schemeClr val="accent2">
                     <a:lumMod val="20000"/>
@@ -30797,21 +32322,6 @@
   <p:clrMapOvr>
     <a:masterClrMapping/>
   </p:clrMapOvr>
-  <mc:AlternateContent xmlns:mc="http://schemas.openxmlformats.org/markup-compatibility/2006">
-    <mc:Choice xmlns:p14="http://schemas.microsoft.com/office/powerpoint/2010/main" Requires="p14">
-      <p:transition p14:dur="0"/>
-    </mc:Choice>
-    <mc:Fallback>
-      <p:transition/>
-    </mc:Fallback>
-  </mc:AlternateContent>
-  <p:timing>
-    <p:tnLst>
-      <p:par>
-        <p:cTn id="1" dur="indefinite" restart="never" nodeType="tmRoot"/>
-      </p:par>
-    </p:tnLst>
-  </p:timing>
 </p:sld>
 </file>
 

--- a/docs/Blockchain Final Project.pptx
+++ b/docs/Blockchain Final Project.pptx
@@ -6,7 +6,7 @@
     <p:sldMasterId id="2147483660" r:id="rId2"/>
   </p:sldMasterIdLst>
   <p:notesMasterIdLst>
-    <p:notesMasterId r:id="rId23"/>
+    <p:notesMasterId r:id="rId25"/>
   </p:notesMasterIdLst>
   <p:sldIdLst>
     <p:sldId id="284" r:id="rId3"/>
@@ -16,19 +16,21 @@
     <p:sldId id="287" r:id="rId7"/>
     <p:sldId id="288" r:id="rId8"/>
     <p:sldId id="294" r:id="rId9"/>
-    <p:sldId id="304" r:id="rId10"/>
-    <p:sldId id="293" r:id="rId11"/>
-    <p:sldId id="295" r:id="rId12"/>
-    <p:sldId id="296" r:id="rId13"/>
-    <p:sldId id="298" r:id="rId14"/>
-    <p:sldId id="299" r:id="rId15"/>
-    <p:sldId id="300" r:id="rId16"/>
-    <p:sldId id="301" r:id="rId17"/>
-    <p:sldId id="302" r:id="rId18"/>
-    <p:sldId id="257" r:id="rId19"/>
-    <p:sldId id="290" r:id="rId20"/>
-    <p:sldId id="283" r:id="rId21"/>
-    <p:sldId id="279" r:id="rId22"/>
+    <p:sldId id="306" r:id="rId10"/>
+    <p:sldId id="305" r:id="rId11"/>
+    <p:sldId id="304" r:id="rId12"/>
+    <p:sldId id="293" r:id="rId13"/>
+    <p:sldId id="295" r:id="rId14"/>
+    <p:sldId id="296" r:id="rId15"/>
+    <p:sldId id="298" r:id="rId16"/>
+    <p:sldId id="299" r:id="rId17"/>
+    <p:sldId id="300" r:id="rId18"/>
+    <p:sldId id="301" r:id="rId19"/>
+    <p:sldId id="302" r:id="rId20"/>
+    <p:sldId id="257" r:id="rId21"/>
+    <p:sldId id="290" r:id="rId22"/>
+    <p:sldId id="283" r:id="rId23"/>
+    <p:sldId id="279" r:id="rId24"/>
   </p:sldIdLst>
   <p:sldSz cx="12192000" cy="6858000"/>
   <p:notesSz cx="6858000" cy="9144000"/>
@@ -1244,7 +1246,6 @@
           <a:noFill/>
         </a:ln>
       </dgm:spPr>
-      <dgm:extLst/>
     </dgm:pt>
     <dgm:pt modelId="{D9BA2201-0985-47AD-B292-FFA6AA6C776F}" type="pres">
       <dgm:prSet presAssocID="{F8E82FC2-ECE6-45B1-BB40-B45C8012AF21}" presName="spaceRect" presStyleCnt="0"/>
@@ -3274,7 +3275,7 @@
           <a:p>
             <a:fld id="{654EE165-1D20-432B-8391-AC81E3C78BFB}" type="datetimeFigureOut">
               <a:rPr lang="he-IL" smtClean="0"/>
-              <a:t>כ"ב/תמוז/תשע"ט</a:t>
+              <a:t>כ"ג/תמוז/תשע"ט</a:t>
             </a:fld>
             <a:endParaRPr lang="he-IL"/>
           </a:p>
@@ -3655,6 +3656,115 @@
   <p:cSld>
     <p:spTree>
       <p:nvGrpSpPr>
+        <p:cNvPr id="1" name="Shape 72"/>
+        <p:cNvGrpSpPr/>
+        <p:nvPr/>
+      </p:nvGrpSpPr>
+      <p:grpSpPr>
+        <a:xfrm>
+          <a:off x="0" y="0"/>
+          <a:ext cx="0" cy="0"/>
+          <a:chOff x="0" y="0"/>
+          <a:chExt cx="0" cy="0"/>
+        </a:xfrm>
+      </p:grpSpPr>
+      <p:sp>
+        <p:nvSpPr>
+          <p:cNvPr id="73" name="Google Shape;73;g35f391192_04:notes"/>
+          <p:cNvSpPr>
+            <a:spLocks noGrp="1" noRot="1" noChangeAspect="1"/>
+          </p:cNvSpPr>
+          <p:nvPr>
+            <p:ph type="sldImg" idx="2"/>
+          </p:nvPr>
+        </p:nvSpPr>
+        <p:spPr>
+          <a:xfrm>
+            <a:off x="381000" y="685800"/>
+            <a:ext cx="6096000" cy="3429000"/>
+          </a:xfrm>
+          <a:custGeom>
+            <a:avLst/>
+            <a:gdLst/>
+            <a:ahLst/>
+            <a:cxnLst/>
+            <a:rect l="l" t="t" r="r" b="b"/>
+            <a:pathLst>
+              <a:path w="120000" h="120000" extrusionOk="0">
+                <a:moveTo>
+                  <a:pt x="0" y="0"/>
+                </a:moveTo>
+                <a:lnTo>
+                  <a:pt x="120000" y="0"/>
+                </a:lnTo>
+                <a:lnTo>
+                  <a:pt x="120000" y="120000"/>
+                </a:lnTo>
+                <a:lnTo>
+                  <a:pt x="0" y="120000"/>
+                </a:lnTo>
+                <a:close/>
+              </a:path>
+            </a:pathLst>
+          </a:custGeom>
+        </p:spPr>
+      </p:sp>
+      <p:sp>
+        <p:nvSpPr>
+          <p:cNvPr id="74" name="Google Shape;74;g35f391192_04:notes"/>
+          <p:cNvSpPr txBox="1">
+            <a:spLocks noGrp="1"/>
+          </p:cNvSpPr>
+          <p:nvPr>
+            <p:ph type="body" idx="1"/>
+          </p:nvPr>
+        </p:nvSpPr>
+        <p:spPr>
+          <a:xfrm>
+            <a:off x="685800" y="4343400"/>
+            <a:ext cx="5486400" cy="4114800"/>
+          </a:xfrm>
+          <a:prstGeom prst="rect">
+            <a:avLst/>
+          </a:prstGeom>
+        </p:spPr>
+        <p:txBody>
+          <a:bodyPr spcFirstLastPara="1" wrap="square" lIns="91425" tIns="91425" rIns="91425" bIns="91425" anchor="t" anchorCtr="0">
+            <a:noAutofit/>
+          </a:bodyPr>
+          <a:lstStyle/>
+          <a:p>
+            <a:pPr marL="0" lvl="0" indent="0" algn="l" rtl="0">
+              <a:spcBef>
+                <a:spcPts val="0"/>
+              </a:spcBef>
+              <a:spcAft>
+                <a:spcPts val="0"/>
+              </a:spcAft>
+              <a:buNone/>
+            </a:pPr>
+            <a:endParaRPr/>
+          </a:p>
+        </p:txBody>
+      </p:sp>
+    </p:spTree>
+    <p:extLst>
+      <p:ext uri="{BB962C8B-B14F-4D97-AF65-F5344CB8AC3E}">
+        <p14:creationId xmlns:p14="http://schemas.microsoft.com/office/powerpoint/2010/main" val="1510877947"/>
+      </p:ext>
+    </p:extLst>
+  </p:cSld>
+  <p:clrMapOvr>
+    <a:masterClrMapping/>
+  </p:clrMapOvr>
+</p:notes>
+</file>
+
+<file path=ppt/notesSlides/notesSlide11.xml><?xml version="1.0" encoding="utf-8"?>
+<p:notes xmlns:a="http://schemas.openxmlformats.org/drawingml/2006/main" xmlns:r="http://schemas.openxmlformats.org/officeDocument/2006/relationships" xmlns:p="http://schemas.openxmlformats.org/presentationml/2006/main" showMasterSp="0" showMasterPhAnim="0">
+  <p:cSld>
+    <p:spTree>
+      <p:nvGrpSpPr>
         <p:cNvPr id="1" name="Shape 63"/>
         <p:cNvGrpSpPr/>
         <p:nvPr/>
@@ -3759,7 +3869,7 @@
 </p:notes>
 </file>
 
-<file path=ppt/notesSlides/notesSlide11.xml><?xml version="1.0" encoding="utf-8"?>
+<file path=ppt/notesSlides/notesSlide12.xml><?xml version="1.0" encoding="utf-8"?>
 <p:notes xmlns:a="http://schemas.openxmlformats.org/drawingml/2006/main" xmlns:r="http://schemas.openxmlformats.org/officeDocument/2006/relationships" xmlns:p="http://schemas.openxmlformats.org/presentationml/2006/main" showMasterSp="0" showMasterPhAnim="0">
   <p:cSld>
     <p:spTree>
@@ -3868,7 +3978,7 @@
 </p:notes>
 </file>
 
-<file path=ppt/notesSlides/notesSlide12.xml><?xml version="1.0" encoding="utf-8"?>
+<file path=ppt/notesSlides/notesSlide13.xml><?xml version="1.0" encoding="utf-8"?>
 <p:notes xmlns:a="http://schemas.openxmlformats.org/drawingml/2006/main" xmlns:r="http://schemas.openxmlformats.org/officeDocument/2006/relationships" xmlns:p="http://schemas.openxmlformats.org/presentationml/2006/main" showMasterSp="0" showMasterPhAnim="0">
   <p:cSld>
     <p:spTree>
@@ -3977,7 +4087,7 @@
 </p:notes>
 </file>
 
-<file path=ppt/notesSlides/notesSlide13.xml><?xml version="1.0" encoding="utf-8"?>
+<file path=ppt/notesSlides/notesSlide14.xml><?xml version="1.0" encoding="utf-8"?>
 <p:notes xmlns:a="http://schemas.openxmlformats.org/drawingml/2006/main" xmlns:r="http://schemas.openxmlformats.org/officeDocument/2006/relationships" xmlns:p="http://schemas.openxmlformats.org/presentationml/2006/main" showMasterSp="0" showMasterPhAnim="0">
   <p:cSld>
     <p:spTree>
@@ -4086,7 +4196,7 @@
 </p:notes>
 </file>
 
-<file path=ppt/notesSlides/notesSlide14.xml><?xml version="1.0" encoding="utf-8"?>
+<file path=ppt/notesSlides/notesSlide15.xml><?xml version="1.0" encoding="utf-8"?>
 <p:notes xmlns:a="http://schemas.openxmlformats.org/drawingml/2006/main" xmlns:r="http://schemas.openxmlformats.org/officeDocument/2006/relationships" xmlns:p="http://schemas.openxmlformats.org/presentationml/2006/main" showMasterSp="0" showMasterPhAnim="0">
   <p:cSld>
     <p:spTree>
@@ -4195,7 +4305,7 @@
 </p:notes>
 </file>
 
-<file path=ppt/notesSlides/notesSlide15.xml><?xml version="1.0" encoding="utf-8"?>
+<file path=ppt/notesSlides/notesSlide16.xml><?xml version="1.0" encoding="utf-8"?>
 <p:notes xmlns:a="http://schemas.openxmlformats.org/drawingml/2006/main" xmlns:r="http://schemas.openxmlformats.org/officeDocument/2006/relationships" xmlns:p="http://schemas.openxmlformats.org/presentationml/2006/main" showMasterSp="0" showMasterPhAnim="0">
   <p:cSld>
     <p:spTree>
@@ -4304,7 +4414,7 @@
 </p:notes>
 </file>
 
-<file path=ppt/notesSlides/notesSlide16.xml><?xml version="1.0" encoding="utf-8"?>
+<file path=ppt/notesSlides/notesSlide17.xml><?xml version="1.0" encoding="utf-8"?>
 <p:notes xmlns:a="http://schemas.openxmlformats.org/drawingml/2006/main" xmlns:r="http://schemas.openxmlformats.org/officeDocument/2006/relationships" xmlns:p="http://schemas.openxmlformats.org/presentationml/2006/main" showMasterSp="0" showMasterPhAnim="0">
   <p:cSld>
     <p:spTree>
@@ -4413,7 +4523,7 @@
 </p:notes>
 </file>
 
-<file path=ppt/notesSlides/notesSlide17.xml><?xml version="1.0" encoding="utf-8"?>
+<file path=ppt/notesSlides/notesSlide18.xml><?xml version="1.0" encoding="utf-8"?>
 <p:notes xmlns:a="http://schemas.openxmlformats.org/drawingml/2006/main" xmlns:r="http://schemas.openxmlformats.org/officeDocument/2006/relationships" xmlns:p="http://schemas.openxmlformats.org/presentationml/2006/main" showMasterSp="0" showMasterPhAnim="0">
   <p:cSld>
     <p:spTree>
@@ -4963,6 +5073,115 @@
   <p:cSld>
     <p:spTree>
       <p:nvGrpSpPr>
+        <p:cNvPr id="1" name="Shape 72"/>
+        <p:cNvGrpSpPr/>
+        <p:nvPr/>
+      </p:nvGrpSpPr>
+      <p:grpSpPr>
+        <a:xfrm>
+          <a:off x="0" y="0"/>
+          <a:ext cx="0" cy="0"/>
+          <a:chOff x="0" y="0"/>
+          <a:chExt cx="0" cy="0"/>
+        </a:xfrm>
+      </p:grpSpPr>
+      <p:sp>
+        <p:nvSpPr>
+          <p:cNvPr id="73" name="Google Shape;73;g35f391192_04:notes"/>
+          <p:cNvSpPr>
+            <a:spLocks noGrp="1" noRot="1" noChangeAspect="1"/>
+          </p:cNvSpPr>
+          <p:nvPr>
+            <p:ph type="sldImg" idx="2"/>
+          </p:nvPr>
+        </p:nvSpPr>
+        <p:spPr>
+          <a:xfrm>
+            <a:off x="381000" y="685800"/>
+            <a:ext cx="6096000" cy="3429000"/>
+          </a:xfrm>
+          <a:custGeom>
+            <a:avLst/>
+            <a:gdLst/>
+            <a:ahLst/>
+            <a:cxnLst/>
+            <a:rect l="l" t="t" r="r" b="b"/>
+            <a:pathLst>
+              <a:path w="120000" h="120000" extrusionOk="0">
+                <a:moveTo>
+                  <a:pt x="0" y="0"/>
+                </a:moveTo>
+                <a:lnTo>
+                  <a:pt x="120000" y="0"/>
+                </a:lnTo>
+                <a:lnTo>
+                  <a:pt x="120000" y="120000"/>
+                </a:lnTo>
+                <a:lnTo>
+                  <a:pt x="0" y="120000"/>
+                </a:lnTo>
+                <a:close/>
+              </a:path>
+            </a:pathLst>
+          </a:custGeom>
+        </p:spPr>
+      </p:sp>
+      <p:sp>
+        <p:nvSpPr>
+          <p:cNvPr id="74" name="Google Shape;74;g35f391192_04:notes"/>
+          <p:cNvSpPr txBox="1">
+            <a:spLocks noGrp="1"/>
+          </p:cNvSpPr>
+          <p:nvPr>
+            <p:ph type="body" idx="1"/>
+          </p:nvPr>
+        </p:nvSpPr>
+        <p:spPr>
+          <a:xfrm>
+            <a:off x="685800" y="4343400"/>
+            <a:ext cx="5486400" cy="4114800"/>
+          </a:xfrm>
+          <a:prstGeom prst="rect">
+            <a:avLst/>
+          </a:prstGeom>
+        </p:spPr>
+        <p:txBody>
+          <a:bodyPr spcFirstLastPara="1" wrap="square" lIns="91425" tIns="91425" rIns="91425" bIns="91425" anchor="t" anchorCtr="0">
+            <a:noAutofit/>
+          </a:bodyPr>
+          <a:lstStyle/>
+          <a:p>
+            <a:pPr marL="0" lvl="0" indent="0" algn="l" rtl="0">
+              <a:spcBef>
+                <a:spcPts val="0"/>
+              </a:spcBef>
+              <a:spcAft>
+                <a:spcPts val="0"/>
+              </a:spcAft>
+              <a:buNone/>
+            </a:pPr>
+            <a:endParaRPr/>
+          </a:p>
+        </p:txBody>
+      </p:sp>
+    </p:spTree>
+    <p:extLst>
+      <p:ext uri="{BB962C8B-B14F-4D97-AF65-F5344CB8AC3E}">
+        <p14:creationId xmlns:p14="http://schemas.microsoft.com/office/powerpoint/2010/main" val="2241319096"/>
+      </p:ext>
+    </p:extLst>
+  </p:cSld>
+  <p:clrMapOvr>
+    <a:masterClrMapping/>
+  </p:clrMapOvr>
+</p:notes>
+</file>
+
+<file path=ppt/notesSlides/notesSlide7.xml><?xml version="1.0" encoding="utf-8"?>
+<p:notes xmlns:a="http://schemas.openxmlformats.org/drawingml/2006/main" xmlns:r="http://schemas.openxmlformats.org/officeDocument/2006/relationships" xmlns:p="http://schemas.openxmlformats.org/presentationml/2006/main" showMasterSp="0" showMasterPhAnim="0">
+  <p:cSld>
+    <p:spTree>
+      <p:nvGrpSpPr>
         <p:cNvPr id="1" name="Shape 63"/>
         <p:cNvGrpSpPr/>
         <p:nvPr/>
@@ -5067,7 +5286,7 @@
 </p:notes>
 </file>
 
-<file path=ppt/notesSlides/notesSlide7.xml><?xml version="1.0" encoding="utf-8"?>
+<file path=ppt/notesSlides/notesSlide8.xml><?xml version="1.0" encoding="utf-8"?>
 <p:notes xmlns:a="http://schemas.openxmlformats.org/drawingml/2006/main" xmlns:r="http://schemas.openxmlformats.org/officeDocument/2006/relationships" xmlns:p="http://schemas.openxmlformats.org/presentationml/2006/main" showMasterSp="0" showMasterPhAnim="0">
   <p:cSld>
     <p:spTree>
@@ -5176,7 +5395,7 @@
 </p:notes>
 </file>
 
-<file path=ppt/notesSlides/notesSlide8.xml><?xml version="1.0" encoding="utf-8"?>
+<file path=ppt/notesSlides/notesSlide9.xml><?xml version="1.0" encoding="utf-8"?>
 <p:notes xmlns:a="http://schemas.openxmlformats.org/drawingml/2006/main" xmlns:r="http://schemas.openxmlformats.org/officeDocument/2006/relationships" xmlns:p="http://schemas.openxmlformats.org/presentationml/2006/main" showMasterSp="0" showMasterPhAnim="0">
   <p:cSld>
     <p:spTree>
@@ -5276,115 +5495,6 @@
     <p:extLst>
       <p:ext uri="{BB962C8B-B14F-4D97-AF65-F5344CB8AC3E}">
         <p14:creationId xmlns:p14="http://schemas.microsoft.com/office/powerpoint/2010/main" val="2742538494"/>
-      </p:ext>
-    </p:extLst>
-  </p:cSld>
-  <p:clrMapOvr>
-    <a:masterClrMapping/>
-  </p:clrMapOvr>
-</p:notes>
-</file>
-
-<file path=ppt/notesSlides/notesSlide9.xml><?xml version="1.0" encoding="utf-8"?>
-<p:notes xmlns:a="http://schemas.openxmlformats.org/drawingml/2006/main" xmlns:r="http://schemas.openxmlformats.org/officeDocument/2006/relationships" xmlns:p="http://schemas.openxmlformats.org/presentationml/2006/main" showMasterSp="0" showMasterPhAnim="0">
-  <p:cSld>
-    <p:spTree>
-      <p:nvGrpSpPr>
-        <p:cNvPr id="1" name="Shape 72"/>
-        <p:cNvGrpSpPr/>
-        <p:nvPr/>
-      </p:nvGrpSpPr>
-      <p:grpSpPr>
-        <a:xfrm>
-          <a:off x="0" y="0"/>
-          <a:ext cx="0" cy="0"/>
-          <a:chOff x="0" y="0"/>
-          <a:chExt cx="0" cy="0"/>
-        </a:xfrm>
-      </p:grpSpPr>
-      <p:sp>
-        <p:nvSpPr>
-          <p:cNvPr id="73" name="Google Shape;73;g35f391192_04:notes"/>
-          <p:cNvSpPr>
-            <a:spLocks noGrp="1" noRot="1" noChangeAspect="1"/>
-          </p:cNvSpPr>
-          <p:nvPr>
-            <p:ph type="sldImg" idx="2"/>
-          </p:nvPr>
-        </p:nvSpPr>
-        <p:spPr>
-          <a:xfrm>
-            <a:off x="381000" y="685800"/>
-            <a:ext cx="6096000" cy="3429000"/>
-          </a:xfrm>
-          <a:custGeom>
-            <a:avLst/>
-            <a:gdLst/>
-            <a:ahLst/>
-            <a:cxnLst/>
-            <a:rect l="l" t="t" r="r" b="b"/>
-            <a:pathLst>
-              <a:path w="120000" h="120000" extrusionOk="0">
-                <a:moveTo>
-                  <a:pt x="0" y="0"/>
-                </a:moveTo>
-                <a:lnTo>
-                  <a:pt x="120000" y="0"/>
-                </a:lnTo>
-                <a:lnTo>
-                  <a:pt x="120000" y="120000"/>
-                </a:lnTo>
-                <a:lnTo>
-                  <a:pt x="0" y="120000"/>
-                </a:lnTo>
-                <a:close/>
-              </a:path>
-            </a:pathLst>
-          </a:custGeom>
-        </p:spPr>
-      </p:sp>
-      <p:sp>
-        <p:nvSpPr>
-          <p:cNvPr id="74" name="Google Shape;74;g35f391192_04:notes"/>
-          <p:cNvSpPr txBox="1">
-            <a:spLocks noGrp="1"/>
-          </p:cNvSpPr>
-          <p:nvPr>
-            <p:ph type="body" idx="1"/>
-          </p:nvPr>
-        </p:nvSpPr>
-        <p:spPr>
-          <a:xfrm>
-            <a:off x="685800" y="4343400"/>
-            <a:ext cx="5486400" cy="4114800"/>
-          </a:xfrm>
-          <a:prstGeom prst="rect">
-            <a:avLst/>
-          </a:prstGeom>
-        </p:spPr>
-        <p:txBody>
-          <a:bodyPr spcFirstLastPara="1" wrap="square" lIns="91425" tIns="91425" rIns="91425" bIns="91425" anchor="t" anchorCtr="0">
-            <a:noAutofit/>
-          </a:bodyPr>
-          <a:lstStyle/>
-          <a:p>
-            <a:pPr marL="0" lvl="0" indent="0" algn="l" rtl="0">
-              <a:spcBef>
-                <a:spcPts val="0"/>
-              </a:spcBef>
-              <a:spcAft>
-                <a:spcPts val="0"/>
-              </a:spcAft>
-              <a:buNone/>
-            </a:pPr>
-            <a:endParaRPr/>
-          </a:p>
-        </p:txBody>
-      </p:sp>
-    </p:spTree>
-    <p:extLst>
-      <p:ext uri="{BB962C8B-B14F-4D97-AF65-F5344CB8AC3E}">
-        <p14:creationId xmlns:p14="http://schemas.microsoft.com/office/powerpoint/2010/main" val="1510877947"/>
       </p:ext>
     </p:extLst>
   </p:cSld>
@@ -5523,7 +5633,7 @@
           <a:p>
             <a:fld id="{6F13CEA5-4F51-4ED4-A676-F9C80F4D6128}" type="datetimeFigureOut">
               <a:rPr lang="he-IL" smtClean="0"/>
-              <a:t>כ"ב/תמוז/תשע"ט</a:t>
+              <a:t>כ"ג/תמוז/תשע"ט</a:t>
             </a:fld>
             <a:endParaRPr lang="he-IL"/>
           </a:p>
@@ -5691,7 +5801,7 @@
           <a:p>
             <a:fld id="{6F13CEA5-4F51-4ED4-A676-F9C80F4D6128}" type="datetimeFigureOut">
               <a:rPr lang="he-IL" smtClean="0"/>
-              <a:t>כ"ב/תמוז/תשע"ט</a:t>
+              <a:t>כ"ג/תמוז/תשע"ט</a:t>
             </a:fld>
             <a:endParaRPr lang="he-IL"/>
           </a:p>
@@ -5869,7 +5979,7 @@
           <a:p>
             <a:fld id="{6F13CEA5-4F51-4ED4-A676-F9C80F4D6128}" type="datetimeFigureOut">
               <a:rPr lang="he-IL" smtClean="0"/>
-              <a:t>כ"ב/תמוז/תשע"ט</a:t>
+              <a:t>כ"ג/תמוז/תשע"ט</a:t>
             </a:fld>
             <a:endParaRPr lang="he-IL"/>
           </a:p>
@@ -7059,7 +7169,7 @@
           <a:p>
             <a:fld id="{6F13CEA5-4F51-4ED4-A676-F9C80F4D6128}" type="datetimeFigureOut">
               <a:rPr lang="he-IL" smtClean="0"/>
-              <a:t>כ"ב/תמוז/תשע"ט</a:t>
+              <a:t>כ"ג/תמוז/תשע"ט</a:t>
             </a:fld>
             <a:endParaRPr lang="he-IL"/>
           </a:p>
@@ -7761,7 +7871,7 @@
           <a:p>
             <a:fld id="{6F13CEA5-4F51-4ED4-A676-F9C80F4D6128}" type="datetimeFigureOut">
               <a:rPr lang="he-IL" smtClean="0"/>
-              <a:t>כ"ב/תמוז/תשע"ט</a:t>
+              <a:t>כ"ג/תמוז/תשע"ט</a:t>
             </a:fld>
             <a:endParaRPr lang="he-IL"/>
           </a:p>
@@ -8006,7 +8116,7 @@
           <a:p>
             <a:fld id="{6F13CEA5-4F51-4ED4-A676-F9C80F4D6128}" type="datetimeFigureOut">
               <a:rPr lang="he-IL" smtClean="0"/>
-              <a:t>כ"ב/תמוז/תשע"ט</a:t>
+              <a:t>כ"ג/תמוז/תשע"ט</a:t>
             </a:fld>
             <a:endParaRPr lang="he-IL"/>
           </a:p>
@@ -8235,7 +8345,7 @@
           <a:p>
             <a:fld id="{6F13CEA5-4F51-4ED4-A676-F9C80F4D6128}" type="datetimeFigureOut">
               <a:rPr lang="he-IL" smtClean="0"/>
-              <a:t>כ"ב/תמוז/תשע"ט</a:t>
+              <a:t>כ"ג/תמוז/תשע"ט</a:t>
             </a:fld>
             <a:endParaRPr lang="he-IL"/>
           </a:p>
@@ -8599,7 +8709,7 @@
           <a:p>
             <a:fld id="{6F13CEA5-4F51-4ED4-A676-F9C80F4D6128}" type="datetimeFigureOut">
               <a:rPr lang="he-IL" smtClean="0"/>
-              <a:t>כ"ב/תמוז/תשע"ט</a:t>
+              <a:t>כ"ג/תמוז/תשע"ט</a:t>
             </a:fld>
             <a:endParaRPr lang="he-IL"/>
           </a:p>
@@ -8716,7 +8826,7 @@
           <a:p>
             <a:fld id="{6F13CEA5-4F51-4ED4-A676-F9C80F4D6128}" type="datetimeFigureOut">
               <a:rPr lang="he-IL" smtClean="0"/>
-              <a:t>כ"ב/תמוז/תשע"ט</a:t>
+              <a:t>כ"ג/תמוז/תשע"ט</a:t>
             </a:fld>
             <a:endParaRPr lang="he-IL"/>
           </a:p>
@@ -8811,7 +8921,7 @@
           <a:p>
             <a:fld id="{6F13CEA5-4F51-4ED4-A676-F9C80F4D6128}" type="datetimeFigureOut">
               <a:rPr lang="he-IL" smtClean="0"/>
-              <a:t>כ"ב/תמוז/תשע"ט</a:t>
+              <a:t>כ"ג/תמוז/תשע"ט</a:t>
             </a:fld>
             <a:endParaRPr lang="he-IL"/>
           </a:p>
@@ -9086,7 +9196,7 @@
           <a:p>
             <a:fld id="{6F13CEA5-4F51-4ED4-A676-F9C80F4D6128}" type="datetimeFigureOut">
               <a:rPr lang="he-IL" smtClean="0"/>
-              <a:t>כ"ב/תמוז/תשע"ט</a:t>
+              <a:t>כ"ג/תמוז/תשע"ט</a:t>
             </a:fld>
             <a:endParaRPr lang="he-IL"/>
           </a:p>
@@ -9338,7 +9448,7 @@
           <a:p>
             <a:fld id="{6F13CEA5-4F51-4ED4-A676-F9C80F4D6128}" type="datetimeFigureOut">
               <a:rPr lang="he-IL" smtClean="0"/>
-              <a:t>כ"ב/תמוז/תשע"ט</a:t>
+              <a:t>כ"ג/תמוז/תשע"ט</a:t>
             </a:fld>
             <a:endParaRPr lang="he-IL"/>
           </a:p>
@@ -9549,7 +9659,7 @@
           <a:p>
             <a:fld id="{6F13CEA5-4F51-4ED4-A676-F9C80F4D6128}" type="datetimeFigureOut">
               <a:rPr lang="he-IL" smtClean="0"/>
-              <a:t>כ"ב/תמוז/תשע"ט</a:t>
+              <a:t>כ"ג/תמוז/תשע"ט</a:t>
             </a:fld>
             <a:endParaRPr lang="he-IL"/>
           </a:p>
@@ -11499,6 +11609,964 @@
 <file path=ppt/slides/slide10.xml><?xml version="1.0" encoding="utf-8"?>
 <p:sld xmlns:a="http://schemas.openxmlformats.org/drawingml/2006/main" xmlns:r="http://schemas.openxmlformats.org/officeDocument/2006/relationships" xmlns:p="http://schemas.openxmlformats.org/presentationml/2006/main">
   <p:cSld>
+    <p:spTree>
+      <p:nvGrpSpPr>
+        <p:cNvPr id="1" name="Shape 66"/>
+        <p:cNvGrpSpPr/>
+        <p:nvPr/>
+      </p:nvGrpSpPr>
+      <p:grpSpPr>
+        <a:xfrm>
+          <a:off x="0" y="0"/>
+          <a:ext cx="0" cy="0"/>
+          <a:chOff x="0" y="0"/>
+          <a:chExt cx="0" cy="0"/>
+        </a:xfrm>
+      </p:grpSpPr>
+      <p:sp>
+        <p:nvSpPr>
+          <p:cNvPr id="68" name="Google Shape;68;p14"/>
+          <p:cNvSpPr txBox="1">
+            <a:spLocks noGrp="1"/>
+          </p:cNvSpPr>
+          <p:nvPr>
+            <p:ph type="body" idx="2"/>
+          </p:nvPr>
+        </p:nvSpPr>
+        <p:spPr>
+          <a:xfrm>
+            <a:off x="7797732" y="1473929"/>
+            <a:ext cx="3000400" cy="4720800"/>
+          </a:xfrm>
+          <a:prstGeom prst="rect">
+            <a:avLst/>
+          </a:prstGeom>
+        </p:spPr>
+        <p:txBody>
+          <a:bodyPr spcFirstLastPara="1" wrap="square" lIns="0" tIns="0" rIns="0" bIns="0" anchor="t" anchorCtr="0">
+            <a:noAutofit/>
+          </a:bodyPr>
+          <a:lstStyle/>
+          <a:p>
+            <a:pPr marL="285750" indent="-285750" algn="l" rtl="0">
+              <a:buFont typeface="Wingdings" panose="05000000000000000000" pitchFamily="2" charset="2"/>
+              <a:buChar char="v"/>
+            </a:pPr>
+            <a:r>
+              <a:rPr lang="en-US" sz="1600" b="1" dirty="0" err="1">
+                <a:latin typeface="BN Barak" panose="02000000000000000000" pitchFamily="2" charset="-79"/>
+                <a:cs typeface="BN Barak" panose="02000000000000000000" pitchFamily="2" charset="-79"/>
+              </a:rPr>
+              <a:t>Quartet.sol</a:t>
+            </a:r>
+            <a:endParaRPr lang="en-US" sz="1600" b="1" dirty="0">
+              <a:latin typeface="BN Barak" panose="02000000000000000000" pitchFamily="2" charset="-79"/>
+              <a:cs typeface="BN Barak" panose="02000000000000000000" pitchFamily="2" charset="-79"/>
+            </a:endParaRPr>
+          </a:p>
+          <a:p>
+            <a:pPr marL="285750" indent="-285750" algn="l" rtl="0">
+              <a:buFont typeface="Wingdings" panose="05000000000000000000" pitchFamily="2" charset="2"/>
+              <a:buChar char="v"/>
+            </a:pPr>
+            <a:r>
+              <a:rPr lang="en-US" sz="1600" b="1" dirty="0" err="1">
+                <a:latin typeface="BN Barak" panose="02000000000000000000" pitchFamily="2" charset="-79"/>
+                <a:cs typeface="BN Barak" panose="02000000000000000000" pitchFamily="2" charset="-79"/>
+              </a:rPr>
+              <a:t>Card.sol</a:t>
+            </a:r>
+            <a:endParaRPr lang="en-US" sz="1600" b="1" dirty="0">
+              <a:latin typeface="BN Barak" panose="02000000000000000000" pitchFamily="2" charset="-79"/>
+              <a:cs typeface="BN Barak" panose="02000000000000000000" pitchFamily="2" charset="-79"/>
+            </a:endParaRPr>
+          </a:p>
+          <a:p>
+            <a:pPr marL="285750" indent="-285750" algn="l" rtl="0">
+              <a:buFont typeface="Wingdings" panose="05000000000000000000" pitchFamily="2" charset="2"/>
+              <a:buChar char="v"/>
+            </a:pPr>
+            <a:r>
+              <a:rPr lang="en-US" sz="1600" b="1" dirty="0" err="1">
+                <a:latin typeface="BN Barak" panose="02000000000000000000" pitchFamily="2" charset="-79"/>
+                <a:cs typeface="BN Barak" panose="02000000000000000000" pitchFamily="2" charset="-79"/>
+              </a:rPr>
+              <a:t>QuartetCoin.sol</a:t>
+            </a:r>
+            <a:endParaRPr lang="en-US" sz="1600" b="1" dirty="0">
+              <a:latin typeface="BN Barak" panose="02000000000000000000" pitchFamily="2" charset="-79"/>
+              <a:cs typeface="BN Barak" panose="02000000000000000000" pitchFamily="2" charset="-79"/>
+            </a:endParaRPr>
+          </a:p>
+          <a:p>
+            <a:pPr marL="285750" indent="-285750" algn="l" rtl="0">
+              <a:buFont typeface="Wingdings" panose="05000000000000000000" pitchFamily="2" charset="2"/>
+              <a:buChar char="v"/>
+            </a:pPr>
+            <a:endParaRPr lang="en-US" sz="1600" b="1" dirty="0">
+              <a:latin typeface="BN Barak" panose="02000000000000000000" pitchFamily="2" charset="-79"/>
+              <a:cs typeface="BN Barak" panose="02000000000000000000" pitchFamily="2" charset="-79"/>
+            </a:endParaRPr>
+          </a:p>
+          <a:p>
+            <a:pPr marL="285750" indent="-285750" algn="l" rtl="0">
+              <a:buFont typeface="Wingdings" panose="05000000000000000000" pitchFamily="2" charset="2"/>
+              <a:buChar char="v"/>
+            </a:pPr>
+            <a:endParaRPr sz="1600" b="1" dirty="0">
+              <a:latin typeface="BN Barak" panose="02000000000000000000" pitchFamily="2" charset="-79"/>
+              <a:cs typeface="BN Barak" panose="02000000000000000000" pitchFamily="2" charset="-79"/>
+            </a:endParaRPr>
+          </a:p>
+        </p:txBody>
+      </p:sp>
+      <p:sp>
+        <p:nvSpPr>
+          <p:cNvPr id="71" name="Google Shape;71;p14"/>
+          <p:cNvSpPr txBox="1">
+            <a:spLocks noGrp="1"/>
+          </p:cNvSpPr>
+          <p:nvPr>
+            <p:ph type="sldNum" idx="12"/>
+          </p:nvPr>
+        </p:nvSpPr>
+        <p:spPr>
+          <a:xfrm>
+            <a:off x="11307445" y="6333135"/>
+            <a:ext cx="731600" cy="524800"/>
+          </a:xfrm>
+          <a:prstGeom prst="rect">
+            <a:avLst/>
+          </a:prstGeom>
+        </p:spPr>
+        <p:txBody>
+          <a:bodyPr spcFirstLastPara="1" wrap="square" lIns="0" tIns="0" rIns="0" bIns="0" anchor="ctr" anchorCtr="0">
+            <a:noAutofit/>
+          </a:bodyPr>
+          <a:lstStyle/>
+          <a:p>
+            <a:pPr>
+              <a:buSzPts val="1100"/>
+            </a:pPr>
+            <a:fld id="{00000000-1234-1234-1234-123412341234}" type="slidenum">
+              <a:rPr lang="en"/>
+              <a:pPr>
+                <a:buSzPts val="1100"/>
+              </a:pPr>
+              <a:t>10</a:t>
+            </a:fld>
+            <a:endParaRPr/>
+          </a:p>
+        </p:txBody>
+      </p:sp>
+      <p:sp>
+        <p:nvSpPr>
+          <p:cNvPr id="9" name="Google Shape;62;p13"/>
+          <p:cNvSpPr txBox="1">
+            <a:spLocks/>
+          </p:cNvSpPr>
+          <p:nvPr/>
+        </p:nvSpPr>
+        <p:spPr>
+          <a:xfrm>
+            <a:off x="-730606" y="1249076"/>
+            <a:ext cx="6053200" cy="3822493"/>
+          </a:xfrm>
+          <a:prstGeom prst="rect">
+            <a:avLst/>
+          </a:prstGeom>
+        </p:spPr>
+        <p:txBody>
+          <a:bodyPr spcFirstLastPara="1" vert="horz" wrap="square" lIns="0" tIns="0" rIns="0" bIns="0" rtlCol="1" anchor="ctr" anchorCtr="0">
+            <a:noAutofit/>
+          </a:bodyPr>
+          <a:lstStyle>
+            <a:lvl1pPr lvl="0" algn="r" defTabSz="914400" rtl="1" eaLnBrk="1" latinLnBrk="0" hangingPunct="1">
+              <a:lnSpc>
+                <a:spcPct val="90000"/>
+              </a:lnSpc>
+              <a:spcBef>
+                <a:spcPts val="0"/>
+              </a:spcBef>
+              <a:spcAft>
+                <a:spcPts val="0"/>
+              </a:spcAft>
+              <a:buSzPts val="2600"/>
+              <a:buNone/>
+              <a:defRPr sz="4400" kern="1200">
+                <a:solidFill>
+                  <a:schemeClr val="tx1"/>
+                </a:solidFill>
+                <a:latin typeface="+mj-lt"/>
+                <a:ea typeface="+mj-ea"/>
+                <a:cs typeface="+mj-cs"/>
+              </a:defRPr>
+            </a:lvl1pPr>
+            <a:lvl2pPr lvl="1">
+              <a:spcBef>
+                <a:spcPts val="0"/>
+              </a:spcBef>
+              <a:spcAft>
+                <a:spcPts val="0"/>
+              </a:spcAft>
+              <a:buSzPts val="2600"/>
+              <a:buNone/>
+              <a:defRPr/>
+            </a:lvl2pPr>
+            <a:lvl3pPr lvl="2">
+              <a:spcBef>
+                <a:spcPts val="0"/>
+              </a:spcBef>
+              <a:spcAft>
+                <a:spcPts val="0"/>
+              </a:spcAft>
+              <a:buSzPts val="2600"/>
+              <a:buNone/>
+              <a:defRPr/>
+            </a:lvl3pPr>
+            <a:lvl4pPr lvl="3">
+              <a:spcBef>
+                <a:spcPts val="0"/>
+              </a:spcBef>
+              <a:spcAft>
+                <a:spcPts val="0"/>
+              </a:spcAft>
+              <a:buSzPts val="2600"/>
+              <a:buNone/>
+              <a:defRPr/>
+            </a:lvl4pPr>
+            <a:lvl5pPr lvl="4">
+              <a:spcBef>
+                <a:spcPts val="0"/>
+              </a:spcBef>
+              <a:spcAft>
+                <a:spcPts val="0"/>
+              </a:spcAft>
+              <a:buSzPts val="2600"/>
+              <a:buNone/>
+              <a:defRPr/>
+            </a:lvl5pPr>
+            <a:lvl6pPr lvl="5">
+              <a:spcBef>
+                <a:spcPts val="0"/>
+              </a:spcBef>
+              <a:spcAft>
+                <a:spcPts val="0"/>
+              </a:spcAft>
+              <a:buSzPts val="2600"/>
+              <a:buNone/>
+              <a:defRPr/>
+            </a:lvl6pPr>
+            <a:lvl7pPr lvl="6">
+              <a:spcBef>
+                <a:spcPts val="0"/>
+              </a:spcBef>
+              <a:spcAft>
+                <a:spcPts val="0"/>
+              </a:spcAft>
+              <a:buSzPts val="2600"/>
+              <a:buNone/>
+              <a:defRPr/>
+            </a:lvl7pPr>
+            <a:lvl8pPr lvl="7">
+              <a:spcBef>
+                <a:spcPts val="0"/>
+              </a:spcBef>
+              <a:spcAft>
+                <a:spcPts val="0"/>
+              </a:spcAft>
+              <a:buSzPts val="2600"/>
+              <a:buNone/>
+              <a:defRPr/>
+            </a:lvl8pPr>
+            <a:lvl9pPr lvl="8">
+              <a:spcBef>
+                <a:spcPts val="0"/>
+              </a:spcBef>
+              <a:spcAft>
+                <a:spcPts val="0"/>
+              </a:spcAft>
+              <a:buSzPts val="2600"/>
+              <a:buNone/>
+              <a:defRPr/>
+            </a:lvl9pPr>
+          </a:lstStyle>
+          <a:p>
+            <a:pPr algn="ctr" rtl="0"/>
+            <a:r>
+              <a:rPr lang="en-US" b="1" dirty="0">
+                <a:latin typeface="Buxton Sketch" panose="03080500000500000004" pitchFamily="66" charset="0"/>
+                <a:cs typeface="BN Barak" panose="02000000000000000000" pitchFamily="2" charset="-79"/>
+              </a:rPr>
+              <a:t>Contracts</a:t>
+            </a:r>
+            <a:endParaRPr lang="en-US" sz="2000" dirty="0">
+              <a:latin typeface="Tempus Sans ITC" panose="04020404030D07020202" pitchFamily="82" charset="0"/>
+              <a:cs typeface="BN Barak" panose="02000000000000000000" pitchFamily="2" charset="-79"/>
+            </a:endParaRPr>
+          </a:p>
+        </p:txBody>
+      </p:sp>
+      <p:pic>
+        <p:nvPicPr>
+          <p:cNvPr id="2050" name="Picture 2" descr="×ª××¦××ª ×ª××× × ×¢×××¨ âªcontractâ¬â"/>
+          <p:cNvPicPr>
+            <a:picLocks noChangeAspect="1" noChangeArrowheads="1"/>
+          </p:cNvPicPr>
+          <p:nvPr/>
+        </p:nvPicPr>
+        <p:blipFill>
+          <a:blip r:embed="rId3">
+            <a:extLst>
+              <a:ext uri="{28A0092B-C50C-407E-A947-70E740481C1C}">
+                <a14:useLocalDpi xmlns:a14="http://schemas.microsoft.com/office/drawing/2010/main" val="0"/>
+              </a:ext>
+            </a:extLst>
+          </a:blip>
+          <a:srcRect/>
+          <a:stretch>
+            <a:fillRect/>
+          </a:stretch>
+        </p:blipFill>
+        <p:spPr bwMode="auto">
+          <a:xfrm>
+            <a:off x="1744532" y="3732551"/>
+            <a:ext cx="1078302" cy="1078302"/>
+          </a:xfrm>
+          <a:prstGeom prst="rect">
+            <a:avLst/>
+          </a:prstGeom>
+          <a:noFill/>
+          <a:extLst>
+            <a:ext uri="{909E8E84-426E-40DD-AFC4-6F175D3DCCD1}">
+              <a14:hiddenFill xmlns:a14="http://schemas.microsoft.com/office/drawing/2010/main">
+                <a:solidFill>
+                  <a:srgbClr val="FFFFFF"/>
+                </a:solidFill>
+              </a14:hiddenFill>
+            </a:ext>
+          </a:extLst>
+        </p:spPr>
+      </p:pic>
+    </p:spTree>
+    <p:extLst>
+      <p:ext uri="{BB962C8B-B14F-4D97-AF65-F5344CB8AC3E}">
+        <p14:creationId xmlns:p14="http://schemas.microsoft.com/office/powerpoint/2010/main" val="3224061407"/>
+      </p:ext>
+    </p:extLst>
+  </p:cSld>
+  <p:clrMapOvr>
+    <a:masterClrMapping/>
+  </p:clrMapOvr>
+</p:sld>
+</file>
+
+<file path=ppt/slides/slide11.xml><?xml version="1.0" encoding="utf-8"?>
+<p:sld xmlns:a="http://schemas.openxmlformats.org/drawingml/2006/main" xmlns:r="http://schemas.openxmlformats.org/officeDocument/2006/relationships" xmlns:p="http://schemas.openxmlformats.org/presentationml/2006/main">
+  <p:cSld>
+    <p:bg>
+      <p:bgPr>
+        <a:gradFill>
+          <a:gsLst>
+            <a:gs pos="0">
+              <a:srgbClr val="46E180"/>
+            </a:gs>
+            <a:gs pos="100000">
+              <a:srgbClr val="B8DF32"/>
+            </a:gs>
+          </a:gsLst>
+          <a:lin ang="5400012" scaled="0"/>
+        </a:gradFill>
+        <a:effectLst/>
+      </p:bgPr>
+    </p:bg>
+    <p:spTree>
+      <p:nvGrpSpPr>
+        <p:cNvPr id="1" name="Shape 75"/>
+        <p:cNvGrpSpPr/>
+        <p:nvPr/>
+      </p:nvGrpSpPr>
+      <p:grpSpPr>
+        <a:xfrm>
+          <a:off x="0" y="0"/>
+          <a:ext cx="0" cy="0"/>
+          <a:chOff x="0" y="0"/>
+          <a:chExt cx="0" cy="0"/>
+        </a:xfrm>
+      </p:grpSpPr>
+      <p:sp>
+        <p:nvSpPr>
+          <p:cNvPr id="79" name="Google Shape;79;p15"/>
+          <p:cNvSpPr txBox="1">
+            <a:spLocks noGrp="1"/>
+          </p:cNvSpPr>
+          <p:nvPr>
+            <p:ph type="sldNum" idx="12"/>
+          </p:nvPr>
+        </p:nvSpPr>
+        <p:spPr>
+          <a:prstGeom prst="rect">
+            <a:avLst/>
+          </a:prstGeom>
+        </p:spPr>
+        <p:txBody>
+          <a:bodyPr spcFirstLastPara="1" wrap="square" lIns="0" tIns="0" rIns="0" bIns="0" anchor="ctr" anchorCtr="0">
+            <a:noAutofit/>
+          </a:bodyPr>
+          <a:lstStyle/>
+          <a:p>
+            <a:fld id="{00000000-1234-1234-1234-123412341234}" type="slidenum">
+              <a:rPr lang="en"/>
+              <a:pPr/>
+              <a:t>11</a:t>
+            </a:fld>
+            <a:endParaRPr/>
+          </a:p>
+        </p:txBody>
+      </p:sp>
+      <p:sp>
+        <p:nvSpPr>
+          <p:cNvPr id="18" name="Google Shape;270;p34"/>
+          <p:cNvSpPr/>
+          <p:nvPr/>
+        </p:nvSpPr>
+        <p:spPr>
+          <a:xfrm>
+            <a:off x="5373601" y="1535610"/>
+            <a:ext cx="5140196" cy="4001701"/>
+          </a:xfrm>
+          <a:custGeom>
+            <a:avLst/>
+            <a:gdLst/>
+            <a:ahLst/>
+            <a:cxnLst/>
+            <a:rect l="l" t="t" r="r" b="b"/>
+            <a:pathLst>
+              <a:path w="143434" h="111665" extrusionOk="0">
+                <a:moveTo>
+                  <a:pt x="71751" y="2308"/>
+                </a:moveTo>
+                <a:lnTo>
+                  <a:pt x="71887" y="2376"/>
+                </a:lnTo>
+                <a:lnTo>
+                  <a:pt x="72091" y="2444"/>
+                </a:lnTo>
+                <a:lnTo>
+                  <a:pt x="72159" y="2647"/>
+                </a:lnTo>
+                <a:lnTo>
+                  <a:pt x="72226" y="2783"/>
+                </a:lnTo>
+                <a:lnTo>
+                  <a:pt x="72159" y="2987"/>
+                </a:lnTo>
+                <a:lnTo>
+                  <a:pt x="72091" y="3190"/>
+                </a:lnTo>
+                <a:lnTo>
+                  <a:pt x="71887" y="3258"/>
+                </a:lnTo>
+                <a:lnTo>
+                  <a:pt x="71751" y="3326"/>
+                </a:lnTo>
+                <a:lnTo>
+                  <a:pt x="71548" y="3258"/>
+                </a:lnTo>
+                <a:lnTo>
+                  <a:pt x="71344" y="3190"/>
+                </a:lnTo>
+                <a:lnTo>
+                  <a:pt x="71276" y="2987"/>
+                </a:lnTo>
+                <a:lnTo>
+                  <a:pt x="71208" y="2783"/>
+                </a:lnTo>
+                <a:lnTo>
+                  <a:pt x="71276" y="2647"/>
+                </a:lnTo>
+                <a:lnTo>
+                  <a:pt x="71344" y="2444"/>
+                </a:lnTo>
+                <a:lnTo>
+                  <a:pt x="71548" y="2376"/>
+                </a:lnTo>
+                <a:lnTo>
+                  <a:pt x="71751" y="2308"/>
+                </a:lnTo>
+                <a:close/>
+                <a:moveTo>
+                  <a:pt x="137528" y="5906"/>
+                </a:moveTo>
+                <a:lnTo>
+                  <a:pt x="137596" y="5974"/>
+                </a:lnTo>
+                <a:lnTo>
+                  <a:pt x="137596" y="89604"/>
+                </a:lnTo>
+                <a:lnTo>
+                  <a:pt x="5906" y="89604"/>
+                </a:lnTo>
+                <a:lnTo>
+                  <a:pt x="5906" y="5974"/>
+                </a:lnTo>
+                <a:lnTo>
+                  <a:pt x="5906" y="5906"/>
+                </a:lnTo>
+                <a:close/>
+                <a:moveTo>
+                  <a:pt x="3530" y="0"/>
+                </a:moveTo>
+                <a:lnTo>
+                  <a:pt x="3191" y="68"/>
+                </a:lnTo>
+                <a:lnTo>
+                  <a:pt x="2444" y="339"/>
+                </a:lnTo>
+                <a:lnTo>
+                  <a:pt x="1766" y="679"/>
+                </a:lnTo>
+                <a:lnTo>
+                  <a:pt x="1155" y="1154"/>
+                </a:lnTo>
+                <a:lnTo>
+                  <a:pt x="679" y="1765"/>
+                </a:lnTo>
+                <a:lnTo>
+                  <a:pt x="272" y="2444"/>
+                </a:lnTo>
+                <a:lnTo>
+                  <a:pt x="69" y="3190"/>
+                </a:lnTo>
+                <a:lnTo>
+                  <a:pt x="1" y="3598"/>
+                </a:lnTo>
+                <a:lnTo>
+                  <a:pt x="1" y="4005"/>
+                </a:lnTo>
+                <a:lnTo>
+                  <a:pt x="1" y="91572"/>
+                </a:lnTo>
+                <a:lnTo>
+                  <a:pt x="1" y="91979"/>
+                </a:lnTo>
+                <a:lnTo>
+                  <a:pt x="69" y="92319"/>
+                </a:lnTo>
+                <a:lnTo>
+                  <a:pt x="272" y="93065"/>
+                </a:lnTo>
+                <a:lnTo>
+                  <a:pt x="679" y="93744"/>
+                </a:lnTo>
+                <a:lnTo>
+                  <a:pt x="1155" y="94355"/>
+                </a:lnTo>
+                <a:lnTo>
+                  <a:pt x="1766" y="94830"/>
+                </a:lnTo>
+                <a:lnTo>
+                  <a:pt x="2444" y="95238"/>
+                </a:lnTo>
+                <a:lnTo>
+                  <a:pt x="3191" y="95441"/>
+                </a:lnTo>
+                <a:lnTo>
+                  <a:pt x="3530" y="95509"/>
+                </a:lnTo>
+                <a:lnTo>
+                  <a:pt x="139904" y="95509"/>
+                </a:lnTo>
+                <a:lnTo>
+                  <a:pt x="140311" y="95441"/>
+                </a:lnTo>
+                <a:lnTo>
+                  <a:pt x="141058" y="95238"/>
+                </a:lnTo>
+                <a:lnTo>
+                  <a:pt x="141737" y="94830"/>
+                </a:lnTo>
+                <a:lnTo>
+                  <a:pt x="142280" y="94355"/>
+                </a:lnTo>
+                <a:lnTo>
+                  <a:pt x="142755" y="93744"/>
+                </a:lnTo>
+                <a:lnTo>
+                  <a:pt x="143162" y="93065"/>
+                </a:lnTo>
+                <a:lnTo>
+                  <a:pt x="143366" y="92319"/>
+                </a:lnTo>
+                <a:lnTo>
+                  <a:pt x="143434" y="91979"/>
+                </a:lnTo>
+                <a:lnTo>
+                  <a:pt x="143434" y="91572"/>
+                </a:lnTo>
+                <a:lnTo>
+                  <a:pt x="143434" y="4005"/>
+                </a:lnTo>
+                <a:lnTo>
+                  <a:pt x="143434" y="3598"/>
+                </a:lnTo>
+                <a:lnTo>
+                  <a:pt x="143366" y="3190"/>
+                </a:lnTo>
+                <a:lnTo>
+                  <a:pt x="143162" y="2444"/>
+                </a:lnTo>
+                <a:lnTo>
+                  <a:pt x="142755" y="1765"/>
+                </a:lnTo>
+                <a:lnTo>
+                  <a:pt x="142280" y="1154"/>
+                </a:lnTo>
+                <a:lnTo>
+                  <a:pt x="141737" y="679"/>
+                </a:lnTo>
+                <a:lnTo>
+                  <a:pt x="141058" y="339"/>
+                </a:lnTo>
+                <a:lnTo>
+                  <a:pt x="140311" y="68"/>
+                </a:lnTo>
+                <a:lnTo>
+                  <a:pt x="139904" y="0"/>
+                </a:lnTo>
+                <a:close/>
+                <a:moveTo>
+                  <a:pt x="55324" y="95713"/>
+                </a:moveTo>
+                <a:lnTo>
+                  <a:pt x="55052" y="98971"/>
+                </a:lnTo>
+                <a:lnTo>
+                  <a:pt x="54713" y="102297"/>
+                </a:lnTo>
+                <a:lnTo>
+                  <a:pt x="54374" y="105284"/>
+                </a:lnTo>
+                <a:lnTo>
+                  <a:pt x="53966" y="107388"/>
+                </a:lnTo>
+                <a:lnTo>
+                  <a:pt x="53763" y="108203"/>
+                </a:lnTo>
+                <a:lnTo>
+                  <a:pt x="53627" y="108746"/>
+                </a:lnTo>
+                <a:lnTo>
+                  <a:pt x="53423" y="109153"/>
+                </a:lnTo>
+                <a:lnTo>
+                  <a:pt x="53220" y="109357"/>
+                </a:lnTo>
+                <a:lnTo>
+                  <a:pt x="52677" y="109493"/>
+                </a:lnTo>
+                <a:lnTo>
+                  <a:pt x="51794" y="109696"/>
+                </a:lnTo>
+                <a:lnTo>
+                  <a:pt x="49690" y="110036"/>
+                </a:lnTo>
+                <a:lnTo>
+                  <a:pt x="48061" y="110307"/>
+                </a:lnTo>
+                <a:lnTo>
+                  <a:pt x="47450" y="110443"/>
+                </a:lnTo>
+                <a:lnTo>
+                  <a:pt x="47110" y="110511"/>
+                </a:lnTo>
+                <a:lnTo>
+                  <a:pt x="47042" y="110579"/>
+                </a:lnTo>
+                <a:lnTo>
+                  <a:pt x="47042" y="110783"/>
+                </a:lnTo>
+                <a:lnTo>
+                  <a:pt x="47110" y="110850"/>
+                </a:lnTo>
+                <a:lnTo>
+                  <a:pt x="47585" y="110918"/>
+                </a:lnTo>
+                <a:lnTo>
+                  <a:pt x="48400" y="110986"/>
+                </a:lnTo>
+                <a:lnTo>
+                  <a:pt x="51387" y="111054"/>
+                </a:lnTo>
+                <a:lnTo>
+                  <a:pt x="56071" y="111122"/>
+                </a:lnTo>
+                <a:lnTo>
+                  <a:pt x="87092" y="111122"/>
+                </a:lnTo>
+                <a:lnTo>
+                  <a:pt x="91708" y="111054"/>
+                </a:lnTo>
+                <a:lnTo>
+                  <a:pt x="94695" y="110986"/>
+                </a:lnTo>
+                <a:lnTo>
+                  <a:pt x="95578" y="110918"/>
+                </a:lnTo>
+                <a:lnTo>
+                  <a:pt x="96053" y="110850"/>
+                </a:lnTo>
+                <a:lnTo>
+                  <a:pt x="96121" y="110783"/>
+                </a:lnTo>
+                <a:lnTo>
+                  <a:pt x="96121" y="110579"/>
+                </a:lnTo>
+                <a:lnTo>
+                  <a:pt x="96053" y="110511"/>
+                </a:lnTo>
+                <a:lnTo>
+                  <a:pt x="95713" y="110443"/>
+                </a:lnTo>
+                <a:lnTo>
+                  <a:pt x="95102" y="110307"/>
+                </a:lnTo>
+                <a:lnTo>
+                  <a:pt x="93473" y="110036"/>
+                </a:lnTo>
+                <a:lnTo>
+                  <a:pt x="91369" y="109696"/>
+                </a:lnTo>
+                <a:lnTo>
+                  <a:pt x="90487" y="109493"/>
+                </a:lnTo>
+                <a:lnTo>
+                  <a:pt x="89943" y="109357"/>
+                </a:lnTo>
+                <a:lnTo>
+                  <a:pt x="89740" y="109153"/>
+                </a:lnTo>
+                <a:lnTo>
+                  <a:pt x="89536" y="108746"/>
+                </a:lnTo>
+                <a:lnTo>
+                  <a:pt x="89333" y="108203"/>
+                </a:lnTo>
+                <a:lnTo>
+                  <a:pt x="89197" y="107388"/>
+                </a:lnTo>
+                <a:lnTo>
+                  <a:pt x="88789" y="105284"/>
+                </a:lnTo>
+                <a:lnTo>
+                  <a:pt x="88382" y="102297"/>
+                </a:lnTo>
+                <a:lnTo>
+                  <a:pt x="88043" y="98971"/>
+                </a:lnTo>
+                <a:lnTo>
+                  <a:pt x="87839" y="95713"/>
+                </a:lnTo>
+                <a:close/>
+                <a:moveTo>
+                  <a:pt x="47450" y="111054"/>
+                </a:moveTo>
+                <a:lnTo>
+                  <a:pt x="47450" y="111122"/>
+                </a:lnTo>
+                <a:lnTo>
+                  <a:pt x="47450" y="111393"/>
+                </a:lnTo>
+                <a:lnTo>
+                  <a:pt x="47518" y="111461"/>
+                </a:lnTo>
+                <a:lnTo>
+                  <a:pt x="48807" y="111529"/>
+                </a:lnTo>
+                <a:lnTo>
+                  <a:pt x="52473" y="111597"/>
+                </a:lnTo>
+                <a:lnTo>
+                  <a:pt x="62384" y="111665"/>
+                </a:lnTo>
+                <a:lnTo>
+                  <a:pt x="80779" y="111665"/>
+                </a:lnTo>
+                <a:lnTo>
+                  <a:pt x="90622" y="111597"/>
+                </a:lnTo>
+                <a:lnTo>
+                  <a:pt x="94356" y="111529"/>
+                </a:lnTo>
+                <a:lnTo>
+                  <a:pt x="95646" y="111461"/>
+                </a:lnTo>
+                <a:lnTo>
+                  <a:pt x="95713" y="111393"/>
+                </a:lnTo>
+                <a:lnTo>
+                  <a:pt x="95713" y="111122"/>
+                </a:lnTo>
+                <a:lnTo>
+                  <a:pt x="95646" y="111054"/>
+                </a:lnTo>
+                <a:lnTo>
+                  <a:pt x="94084" y="111122"/>
+                </a:lnTo>
+                <a:lnTo>
+                  <a:pt x="91233" y="111190"/>
+                </a:lnTo>
+                <a:lnTo>
+                  <a:pt x="80847" y="111258"/>
+                </a:lnTo>
+                <a:lnTo>
+                  <a:pt x="62316" y="111258"/>
+                </a:lnTo>
+                <a:lnTo>
+                  <a:pt x="51930" y="111190"/>
+                </a:lnTo>
+                <a:lnTo>
+                  <a:pt x="49079" y="111122"/>
+                </a:lnTo>
+                <a:lnTo>
+                  <a:pt x="47518" y="111054"/>
+                </a:lnTo>
+                <a:close/>
+              </a:path>
+            </a:pathLst>
+          </a:custGeom>
+          <a:solidFill>
+            <a:srgbClr val="FFFFFF"/>
+          </a:solidFill>
+          <a:ln>
+            <a:noFill/>
+          </a:ln>
+        </p:spPr>
+        <p:txBody>
+          <a:bodyPr spcFirstLastPara="1" wrap="square" lIns="121900" tIns="121900" rIns="121900" bIns="121900" anchor="ctr" anchorCtr="0">
+            <a:noAutofit/>
+          </a:bodyPr>
+          <a:lstStyle/>
+          <a:p>
+            <a:pPr algn="l" rtl="0">
+              <a:buClr>
+                <a:srgbClr val="000000"/>
+              </a:buClr>
+              <a:buFont typeface="Arial"/>
+              <a:buNone/>
+            </a:pPr>
+            <a:endParaRPr sz="1867" kern="0">
+              <a:solidFill>
+                <a:srgbClr val="000000"/>
+              </a:solidFill>
+              <a:cs typeface="Arial"/>
+              <a:sym typeface="Arial"/>
+            </a:endParaRPr>
+          </a:p>
+        </p:txBody>
+      </p:sp>
+      <p:pic>
+        <p:nvPicPr>
+          <p:cNvPr id="2" name="תמונה 1"/>
+          <p:cNvPicPr>
+            <a:picLocks noChangeAspect="1"/>
+          </p:cNvPicPr>
+          <p:nvPr/>
+        </p:nvPicPr>
+        <p:blipFill>
+          <a:blip r:embed="rId3"/>
+          <a:stretch>
+            <a:fillRect/>
+          </a:stretch>
+        </p:blipFill>
+        <p:spPr>
+          <a:xfrm>
+            <a:off x="5583836" y="1747438"/>
+            <a:ext cx="4721901" cy="3011939"/>
+          </a:xfrm>
+          <a:prstGeom prst="rect">
+            <a:avLst/>
+          </a:prstGeom>
+        </p:spPr>
+      </p:pic>
+      <p:sp>
+        <p:nvSpPr>
+          <p:cNvPr id="20" name="TextBox 19"/>
+          <p:cNvSpPr txBox="1"/>
+          <p:nvPr/>
+        </p:nvSpPr>
+        <p:spPr>
+          <a:xfrm>
+            <a:off x="1543988" y="2008665"/>
+            <a:ext cx="3320321" cy="2677656"/>
+          </a:xfrm>
+          <a:prstGeom prst="rect">
+            <a:avLst/>
+          </a:prstGeom>
+          <a:noFill/>
+        </p:spPr>
+        <p:txBody>
+          <a:bodyPr wrap="square" rtlCol="1">
+            <a:spAutoFit/>
+          </a:bodyPr>
+          <a:lstStyle/>
+          <a:p>
+            <a:pPr algn="l" rtl="0"/>
+            <a:r>
+              <a:rPr lang="en-US" sz="2800" dirty="0" err="1">
+                <a:solidFill>
+                  <a:schemeClr val="accent2">
+                    <a:lumMod val="20000"/>
+                    <a:lumOff val="80000"/>
+                  </a:schemeClr>
+                </a:solidFill>
+                <a:latin typeface="Microsoft YaHei UI Light" panose="020B0502040204020203" pitchFamily="34" charset="-122"/>
+                <a:ea typeface="Microsoft YaHei UI Light" panose="020B0502040204020203" pitchFamily="34" charset="-122"/>
+              </a:rPr>
+              <a:t>Quartet.sol</a:t>
+            </a:r>
+            <a:r>
+              <a:rPr lang="en-US" sz="2800" dirty="0">
+                <a:solidFill>
+                  <a:schemeClr val="accent2">
+                    <a:lumMod val="20000"/>
+                    <a:lumOff val="80000"/>
+                  </a:schemeClr>
+                </a:solidFill>
+                <a:latin typeface="Microsoft YaHei UI Light" panose="020B0502040204020203" pitchFamily="34" charset="-122"/>
+                <a:ea typeface="Microsoft YaHei UI Light" panose="020B0502040204020203" pitchFamily="34" charset="-122"/>
+              </a:rPr>
+              <a:t> is the main contract – the main that is being called according to user choices in the game. </a:t>
+            </a:r>
+            <a:endParaRPr lang="he-IL" sz="2800" dirty="0">
+              <a:solidFill>
+                <a:schemeClr val="accent2">
+                  <a:lumMod val="20000"/>
+                  <a:lumOff val="80000"/>
+                </a:schemeClr>
+              </a:solidFill>
+              <a:latin typeface="Microsoft YaHei UI Light" panose="020B0502040204020203" pitchFamily="34" charset="-122"/>
+              <a:ea typeface="Microsoft YaHei UI Light" panose="020B0502040204020203" pitchFamily="34" charset="-122"/>
+            </a:endParaRPr>
+          </a:p>
+        </p:txBody>
+      </p:sp>
+    </p:spTree>
+    <p:extLst>
+      <p:ext uri="{BB962C8B-B14F-4D97-AF65-F5344CB8AC3E}">
+        <p14:creationId xmlns:p14="http://schemas.microsoft.com/office/powerpoint/2010/main" val="722688037"/>
+      </p:ext>
+    </p:extLst>
+  </p:cSld>
+  <p:clrMapOvr>
+    <a:masterClrMapping/>
+  </p:clrMapOvr>
+</p:sld>
+</file>
+
+<file path=ppt/slides/slide12.xml><?xml version="1.0" encoding="utf-8"?>
+<p:sld xmlns:a="http://schemas.openxmlformats.org/drawingml/2006/main" xmlns:r="http://schemas.openxmlformats.org/officeDocument/2006/relationships" xmlns:p="http://schemas.openxmlformats.org/presentationml/2006/main">
+  <p:cSld>
     <p:bg>
       <p:bgPr>
         <a:gradFill>
@@ -11553,7 +12621,7 @@
             <a:fld id="{00000000-1234-1234-1234-123412341234}" type="slidenum">
               <a:rPr lang="en"/>
               <a:pPr/>
-              <a:t>10</a:t>
+              <a:t>12</a:t>
             </a:fld>
             <a:endParaRPr/>
           </a:p>
@@ -12099,7 +13167,7 @@
 </p:sld>
 </file>
 
-<file path=ppt/slides/slide11.xml><?xml version="1.0" encoding="utf-8"?>
+<file path=ppt/slides/slide13.xml><?xml version="1.0" encoding="utf-8"?>
 <p:sld xmlns:a="http://schemas.openxmlformats.org/drawingml/2006/main" xmlns:r="http://schemas.openxmlformats.org/officeDocument/2006/relationships" xmlns:p="http://schemas.openxmlformats.org/presentationml/2006/main">
   <p:cSld>
     <p:bg>
@@ -12156,7 +13224,7 @@
             <a:fld id="{00000000-1234-1234-1234-123412341234}" type="slidenum">
               <a:rPr lang="en"/>
               <a:pPr/>
-              <a:t>11</a:t>
+              <a:t>13</a:t>
             </a:fld>
             <a:endParaRPr/>
           </a:p>
@@ -12702,7 +13770,7 @@
 </p:sld>
 </file>
 
-<file path=ppt/slides/slide12.xml><?xml version="1.0" encoding="utf-8"?>
+<file path=ppt/slides/slide14.xml><?xml version="1.0" encoding="utf-8"?>
 <p:sld xmlns:a="http://schemas.openxmlformats.org/drawingml/2006/main" xmlns:r="http://schemas.openxmlformats.org/officeDocument/2006/relationships" xmlns:p="http://schemas.openxmlformats.org/presentationml/2006/main">
   <p:cSld>
     <p:spTree>
@@ -12867,7 +13935,7 @@
               <a:pPr>
                 <a:buSzPts val="1100"/>
               </a:pPr>
-              <a:t>12</a:t>
+              <a:t>14</a:t>
             </a:fld>
             <a:endParaRPr/>
           </a:p>
@@ -13075,7 +14143,7 @@
 </p:sld>
 </file>
 
-<file path=ppt/slides/slide13.xml><?xml version="1.0" encoding="utf-8"?>
+<file path=ppt/slides/slide15.xml><?xml version="1.0" encoding="utf-8"?>
 <p:sld xmlns:a="http://schemas.openxmlformats.org/drawingml/2006/main" xmlns:r="http://schemas.openxmlformats.org/officeDocument/2006/relationships" xmlns:p="http://schemas.openxmlformats.org/presentationml/2006/main">
   <p:cSld>
     <p:bg>
@@ -13132,7 +14200,7 @@
             <a:fld id="{00000000-1234-1234-1234-123412341234}" type="slidenum">
               <a:rPr lang="en"/>
               <a:pPr/>
-              <a:t>13</a:t>
+              <a:t>15</a:t>
             </a:fld>
             <a:endParaRPr/>
           </a:p>
@@ -13717,7 +14785,7 @@
 </p:sld>
 </file>
 
-<file path=ppt/slides/slide14.xml><?xml version="1.0" encoding="utf-8"?>
+<file path=ppt/slides/slide16.xml><?xml version="1.0" encoding="utf-8"?>
 <p:sld xmlns:a="http://schemas.openxmlformats.org/drawingml/2006/main" xmlns:r="http://schemas.openxmlformats.org/officeDocument/2006/relationships" xmlns:p="http://schemas.openxmlformats.org/presentationml/2006/main">
   <p:cSld>
     <p:bg>
@@ -13774,7 +14842,7 @@
             <a:fld id="{00000000-1234-1234-1234-123412341234}" type="slidenum">
               <a:rPr lang="en"/>
               <a:pPr/>
-              <a:t>14</a:t>
+              <a:t>16</a:t>
             </a:fld>
             <a:endParaRPr/>
           </a:p>
@@ -14329,7 +15397,7 @@
 </p:sld>
 </file>
 
-<file path=ppt/slides/slide15.xml><?xml version="1.0" encoding="utf-8"?>
+<file path=ppt/slides/slide17.xml><?xml version="1.0" encoding="utf-8"?>
 <p:sld xmlns:a="http://schemas.openxmlformats.org/drawingml/2006/main" xmlns:r="http://schemas.openxmlformats.org/officeDocument/2006/relationships" xmlns:p="http://schemas.openxmlformats.org/presentationml/2006/main">
   <p:cSld>
     <p:bg>
@@ -14386,7 +15454,7 @@
             <a:fld id="{00000000-1234-1234-1234-123412341234}" type="slidenum">
               <a:rPr lang="en"/>
               <a:pPr/>
-              <a:t>15</a:t>
+              <a:t>17</a:t>
             </a:fld>
             <a:endParaRPr/>
           </a:p>
@@ -14941,7 +16009,7 @@
 </p:sld>
 </file>
 
-<file path=ppt/slides/slide16.xml><?xml version="1.0" encoding="utf-8"?>
+<file path=ppt/slides/slide18.xml><?xml version="1.0" encoding="utf-8"?>
 <p:sld xmlns:a="http://schemas.openxmlformats.org/drawingml/2006/main" xmlns:r="http://schemas.openxmlformats.org/officeDocument/2006/relationships" xmlns:p="http://schemas.openxmlformats.org/presentationml/2006/main">
   <p:cSld>
     <p:bg>
@@ -14998,7 +16066,7 @@
             <a:fld id="{00000000-1234-1234-1234-123412341234}" type="slidenum">
               <a:rPr lang="en"/>
               <a:pPr/>
-              <a:t>16</a:t>
+              <a:t>18</a:t>
             </a:fld>
             <a:endParaRPr/>
           </a:p>
@@ -15579,7 +16647,7 @@
 </p:sld>
 </file>
 
-<file path=ppt/slides/slide17.xml><?xml version="1.0" encoding="utf-8"?>
+<file path=ppt/slides/slide19.xml><?xml version="1.0" encoding="utf-8"?>
 <p:sld xmlns:a="http://schemas.openxmlformats.org/drawingml/2006/main" xmlns:r="http://schemas.openxmlformats.org/officeDocument/2006/relationships" xmlns:p="http://schemas.openxmlformats.org/presentationml/2006/main">
   <p:cSld>
     <p:spTree>
@@ -15783,7 +16851,239 @@
 </p:sld>
 </file>
 
-<file path=ppt/slides/slide18.xml><?xml version="1.0" encoding="utf-8"?>
+<file path=ppt/slides/slide2.xml><?xml version="1.0" encoding="utf-8"?>
+<p:sld xmlns:a="http://schemas.openxmlformats.org/drawingml/2006/main" xmlns:r="http://schemas.openxmlformats.org/officeDocument/2006/relationships" xmlns:p="http://schemas.openxmlformats.org/presentationml/2006/main">
+  <p:cSld>
+    <p:spTree>
+      <p:nvGrpSpPr>
+        <p:cNvPr id="1" name=""/>
+        <p:cNvGrpSpPr/>
+        <p:nvPr/>
+      </p:nvGrpSpPr>
+      <p:grpSpPr>
+        <a:xfrm>
+          <a:off x="0" y="0"/>
+          <a:ext cx="0" cy="0"/>
+          <a:chOff x="0" y="0"/>
+          <a:chExt cx="0" cy="0"/>
+        </a:xfrm>
+      </p:grpSpPr>
+      <p:sp>
+        <p:nvSpPr>
+          <p:cNvPr id="10" name="Rectangle 9">
+            <a:extLst>
+              <a:ext uri="{FF2B5EF4-FFF2-40B4-BE49-F238E27FC236}">
+                <a16:creationId xmlns:a16="http://schemas.microsoft.com/office/drawing/2014/main" id="{08E89D5E-1885-4160-AC77-CC471DD1D0DB}"/>
+              </a:ext>
+              <a:ext uri="{C183D7F6-B498-43B3-948B-1728B52AA6E4}">
+                <adec:decorative xmlns:adec="http://schemas.microsoft.com/office/drawing/2017/decorative" val="1"/>
+              </a:ext>
+            </a:extLst>
+          </p:cNvPr>
+          <p:cNvSpPr>
+            <a:spLocks noGrp="1" noRot="1" noChangeAspect="1" noMove="1" noResize="1" noEditPoints="1" noAdjustHandles="1" noChangeArrowheads="1" noChangeShapeType="1" noTextEdit="1"/>
+          </p:cNvSpPr>
+          <p:nvPr>
+            <p:extLst>
+              <p:ext uri="{386F3935-93C4-4BCD-93E2-E3B085C9AB24}">
+                <p16:designElem xmlns:p16="http://schemas.microsoft.com/office/powerpoint/2015/main" val="1"/>
+              </p:ext>
+            </p:extLst>
+          </p:nvPr>
+        </p:nvSpPr>
+        <p:spPr>
+          <a:xfrm>
+            <a:off x="0" y="0"/>
+            <a:ext cx="4636008" cy="6858000"/>
+          </a:xfrm>
+          <a:prstGeom prst="rect">
+            <a:avLst/>
+          </a:prstGeom>
+          <a:ln>
+            <a:noFill/>
+          </a:ln>
+        </p:spPr>
+        <p:style>
+          <a:lnRef idx="2">
+            <a:schemeClr val="accent1">
+              <a:shade val="50000"/>
+            </a:schemeClr>
+          </a:lnRef>
+          <a:fillRef idx="1">
+            <a:schemeClr val="accent1"/>
+          </a:fillRef>
+          <a:effectRef idx="0">
+            <a:schemeClr val="accent1"/>
+          </a:effectRef>
+          <a:fontRef idx="minor">
+            <a:schemeClr val="lt1"/>
+          </a:fontRef>
+        </p:style>
+        <p:txBody>
+          <a:bodyPr rtlCol="0" anchor="ctr"/>
+          <a:lstStyle/>
+          <a:p>
+            <a:pPr algn="ctr"/>
+            <a:endParaRPr lang="en-US"/>
+          </a:p>
+        </p:txBody>
+      </p:sp>
+      <p:sp>
+        <p:nvSpPr>
+          <p:cNvPr id="2" name="כותרת 1">
+            <a:extLst>
+              <a:ext uri="{FF2B5EF4-FFF2-40B4-BE49-F238E27FC236}">
+                <a16:creationId xmlns:a16="http://schemas.microsoft.com/office/drawing/2014/main" id="{5C005CA9-66C8-41C7-839D-A87CFCB40A45}"/>
+              </a:ext>
+            </a:extLst>
+          </p:cNvPr>
+          <p:cNvSpPr>
+            <a:spLocks noGrp="1"/>
+          </p:cNvSpPr>
+          <p:nvPr>
+            <p:ph type="title"/>
+          </p:nvPr>
+        </p:nvSpPr>
+        <p:spPr>
+          <a:xfrm>
+            <a:off x="762000" y="869666"/>
+            <a:ext cx="3370998" cy="5502264"/>
+          </a:xfrm>
+        </p:spPr>
+        <p:txBody>
+          <a:bodyPr>
+            <a:normAutofit/>
+          </a:bodyPr>
+          <a:lstStyle/>
+          <a:p>
+            <a:r>
+              <a:rPr lang="en-US" sz="3200" b="1" u="sng" dirty="0">
+                <a:solidFill>
+                  <a:srgbClr val="FFFFFF"/>
+                </a:solidFill>
+                <a:latin typeface="BN Balls" panose="02000500000000000000" pitchFamily="2" charset="-79"/>
+                <a:cs typeface="BN Balls" panose="02000500000000000000" pitchFamily="2" charset="-79"/>
+              </a:rPr>
+              <a:t>Introduction</a:t>
+            </a:r>
+            <a:br>
+              <a:rPr lang="en-US" sz="3200" dirty="0">
+                <a:solidFill>
+                  <a:srgbClr val="FFFFFF"/>
+                </a:solidFill>
+                <a:latin typeface="BN Balls" panose="02000500000000000000" pitchFamily="2" charset="-79"/>
+                <a:cs typeface="BN Balls" panose="02000500000000000000" pitchFamily="2" charset="-79"/>
+              </a:rPr>
+            </a:br>
+            <a:endParaRPr lang="he-IL" sz="3200" dirty="0">
+              <a:solidFill>
+                <a:srgbClr val="FFFFFF"/>
+              </a:solidFill>
+              <a:latin typeface="BN Balls" panose="02000500000000000000" pitchFamily="2" charset="-79"/>
+              <a:cs typeface="BN Balls" panose="02000500000000000000" pitchFamily="2" charset="-79"/>
+            </a:endParaRPr>
+          </a:p>
+        </p:txBody>
+      </p:sp>
+      <p:cxnSp>
+        <p:nvCxnSpPr>
+          <p:cNvPr id="12" name="Straight Connector 11">
+            <a:extLst>
+              <a:ext uri="{FF2B5EF4-FFF2-40B4-BE49-F238E27FC236}">
+                <a16:creationId xmlns:a16="http://schemas.microsoft.com/office/drawing/2014/main" id="{550D2BD1-98F9-412D-905B-3A843EF4078B}"/>
+              </a:ext>
+              <a:ext uri="{C183D7F6-B498-43B3-948B-1728B52AA6E4}">
+                <adec:decorative xmlns:adec="http://schemas.microsoft.com/office/drawing/2017/decorative" val="1"/>
+              </a:ext>
+            </a:extLst>
+          </p:cNvPr>
+          <p:cNvCxnSpPr>
+            <a:cxnSpLocks noGrp="1" noRot="1" noChangeAspect="1" noMove="1" noResize="1" noEditPoints="1" noAdjustHandles="1" noChangeArrowheads="1" noChangeShapeType="1"/>
+          </p:cNvCxnSpPr>
+          <p:nvPr>
+            <p:extLst>
+              <p:ext uri="{386F3935-93C4-4BCD-93E2-E3B085C9AB24}">
+                <p16:designElem xmlns:p16="http://schemas.microsoft.com/office/powerpoint/2015/main" val="1"/>
+              </p:ext>
+            </p:extLst>
+          </p:nvPr>
+        </p:nvCxnSpPr>
+        <p:spPr>
+          <a:xfrm flipV="1">
+            <a:off x="762000" y="2971800"/>
+            <a:ext cx="0" cy="914400"/>
+          </a:xfrm>
+          <a:prstGeom prst="line">
+            <a:avLst/>
+          </a:prstGeom>
+          <a:ln w="19050">
+            <a:solidFill>
+              <a:srgbClr val="FFFFFF">
+                <a:alpha val="80000"/>
+              </a:srgbClr>
+            </a:solidFill>
+          </a:ln>
+        </p:spPr>
+        <p:style>
+          <a:lnRef idx="1">
+            <a:schemeClr val="accent1"/>
+          </a:lnRef>
+          <a:fillRef idx="0">
+            <a:schemeClr val="accent1"/>
+          </a:fillRef>
+          <a:effectRef idx="0">
+            <a:schemeClr val="accent1"/>
+          </a:effectRef>
+          <a:fontRef idx="minor">
+            <a:schemeClr val="tx1"/>
+          </a:fontRef>
+        </p:style>
+      </p:cxnSp>
+      <p:graphicFrame>
+        <p:nvGraphicFramePr>
+          <p:cNvPr id="5" name="מציין מיקום תוכן 2">
+            <a:extLst>
+              <a:ext uri="{FF2B5EF4-FFF2-40B4-BE49-F238E27FC236}">
+                <a16:creationId xmlns:a16="http://schemas.microsoft.com/office/drawing/2014/main" id="{AAA74886-9BB5-4F86-AFC1-410E25361379}"/>
+              </a:ext>
+            </a:extLst>
+          </p:cNvPr>
+          <p:cNvGraphicFramePr>
+            <a:graphicFrameLocks noGrp="1"/>
+          </p:cNvGraphicFramePr>
+          <p:nvPr>
+            <p:ph idx="1"/>
+            <p:extLst>
+              <p:ext uri="{D42A27DB-BD31-4B8C-83A1-F6EECF244321}">
+                <p14:modId xmlns:p14="http://schemas.microsoft.com/office/powerpoint/2010/main" val="1204130001"/>
+              </p:ext>
+            </p:extLst>
+          </p:nvPr>
+        </p:nvGraphicFramePr>
+        <p:xfrm>
+          <a:off x="5280025" y="642938"/>
+          <a:ext cx="6269038" cy="5572125"/>
+        </p:xfrm>
+        <a:graphic>
+          <a:graphicData uri="http://schemas.openxmlformats.org/drawingml/2006/diagram">
+            <dgm:relIds xmlns:dgm="http://schemas.openxmlformats.org/drawingml/2006/diagram" xmlns:r="http://schemas.openxmlformats.org/officeDocument/2006/relationships" r:dm="rId2" r:lo="rId3" r:qs="rId4" r:cs="rId5"/>
+          </a:graphicData>
+        </a:graphic>
+      </p:graphicFrame>
+    </p:spTree>
+    <p:extLst>
+      <p:ext uri="{BB962C8B-B14F-4D97-AF65-F5344CB8AC3E}">
+        <p14:creationId xmlns:p14="http://schemas.microsoft.com/office/powerpoint/2010/main" val="825447180"/>
+      </p:ext>
+    </p:extLst>
+  </p:cSld>
+  <p:clrMapOvr>
+    <a:masterClrMapping/>
+  </p:clrMapOvr>
+</p:sld>
+</file>
+
+<file path=ppt/slides/slide20.xml><?xml version="1.0" encoding="utf-8"?>
 <p:sld xmlns:a="http://schemas.openxmlformats.org/drawingml/2006/main" xmlns:r="http://schemas.openxmlformats.org/officeDocument/2006/relationships" xmlns:p="http://schemas.openxmlformats.org/presentationml/2006/main">
   <p:cSld>
     <p:spTree>
@@ -16321,7 +17621,7 @@
             <a:fld id="{00000000-1234-1234-1234-123412341234}" type="slidenum">
               <a:rPr lang="en"/>
               <a:pPr/>
-              <a:t>18</a:t>
+              <a:t>20</a:t>
             </a:fld>
             <a:endParaRPr/>
           </a:p>
@@ -16753,7 +18053,7 @@
 </p:sld>
 </file>
 
-<file path=ppt/slides/slide19.xml><?xml version="1.0" encoding="utf-8"?>
+<file path=ppt/slides/slide21.xml><?xml version="1.0" encoding="utf-8"?>
 <p:sld xmlns:a="http://schemas.openxmlformats.org/drawingml/2006/main" xmlns:r="http://schemas.openxmlformats.org/officeDocument/2006/relationships" xmlns:p="http://schemas.openxmlformats.org/presentationml/2006/main">
   <p:cSld>
     <p:bg>
@@ -16810,7 +18110,7 @@
             <a:fld id="{00000000-1234-1234-1234-123412341234}" type="slidenum">
               <a:rPr lang="en"/>
               <a:pPr/>
-              <a:t>19</a:t>
+              <a:t>21</a:t>
             </a:fld>
             <a:endParaRPr/>
           </a:p>
@@ -18510,239 +19810,7 @@
 </p:sld>
 </file>
 
-<file path=ppt/slides/slide2.xml><?xml version="1.0" encoding="utf-8"?>
-<p:sld xmlns:a="http://schemas.openxmlformats.org/drawingml/2006/main" xmlns:r="http://schemas.openxmlformats.org/officeDocument/2006/relationships" xmlns:p="http://schemas.openxmlformats.org/presentationml/2006/main">
-  <p:cSld>
-    <p:spTree>
-      <p:nvGrpSpPr>
-        <p:cNvPr id="1" name=""/>
-        <p:cNvGrpSpPr/>
-        <p:nvPr/>
-      </p:nvGrpSpPr>
-      <p:grpSpPr>
-        <a:xfrm>
-          <a:off x="0" y="0"/>
-          <a:ext cx="0" cy="0"/>
-          <a:chOff x="0" y="0"/>
-          <a:chExt cx="0" cy="0"/>
-        </a:xfrm>
-      </p:grpSpPr>
-      <p:sp>
-        <p:nvSpPr>
-          <p:cNvPr id="10" name="Rectangle 9">
-            <a:extLst>
-              <a:ext uri="{FF2B5EF4-FFF2-40B4-BE49-F238E27FC236}">
-                <a16:creationId xmlns:a16="http://schemas.microsoft.com/office/drawing/2014/main" id="{08E89D5E-1885-4160-AC77-CC471DD1D0DB}"/>
-              </a:ext>
-              <a:ext uri="{C183D7F6-B498-43B3-948B-1728B52AA6E4}">
-                <adec:decorative xmlns:adec="http://schemas.microsoft.com/office/drawing/2017/decorative" val="1"/>
-              </a:ext>
-            </a:extLst>
-          </p:cNvPr>
-          <p:cNvSpPr>
-            <a:spLocks noGrp="1" noRot="1" noChangeAspect="1" noMove="1" noResize="1" noEditPoints="1" noAdjustHandles="1" noChangeArrowheads="1" noChangeShapeType="1" noTextEdit="1"/>
-          </p:cNvSpPr>
-          <p:nvPr>
-            <p:extLst>
-              <p:ext uri="{386F3935-93C4-4BCD-93E2-E3B085C9AB24}">
-                <p16:designElem xmlns:p16="http://schemas.microsoft.com/office/powerpoint/2015/main" val="1"/>
-              </p:ext>
-            </p:extLst>
-          </p:nvPr>
-        </p:nvSpPr>
-        <p:spPr>
-          <a:xfrm>
-            <a:off x="0" y="0"/>
-            <a:ext cx="4636008" cy="6858000"/>
-          </a:xfrm>
-          <a:prstGeom prst="rect">
-            <a:avLst/>
-          </a:prstGeom>
-          <a:ln>
-            <a:noFill/>
-          </a:ln>
-        </p:spPr>
-        <p:style>
-          <a:lnRef idx="2">
-            <a:schemeClr val="accent1">
-              <a:shade val="50000"/>
-            </a:schemeClr>
-          </a:lnRef>
-          <a:fillRef idx="1">
-            <a:schemeClr val="accent1"/>
-          </a:fillRef>
-          <a:effectRef idx="0">
-            <a:schemeClr val="accent1"/>
-          </a:effectRef>
-          <a:fontRef idx="minor">
-            <a:schemeClr val="lt1"/>
-          </a:fontRef>
-        </p:style>
-        <p:txBody>
-          <a:bodyPr rtlCol="0" anchor="ctr"/>
-          <a:lstStyle/>
-          <a:p>
-            <a:pPr algn="ctr"/>
-            <a:endParaRPr lang="en-US"/>
-          </a:p>
-        </p:txBody>
-      </p:sp>
-      <p:sp>
-        <p:nvSpPr>
-          <p:cNvPr id="2" name="כותרת 1">
-            <a:extLst>
-              <a:ext uri="{FF2B5EF4-FFF2-40B4-BE49-F238E27FC236}">
-                <a16:creationId xmlns:a16="http://schemas.microsoft.com/office/drawing/2014/main" id="{5C005CA9-66C8-41C7-839D-A87CFCB40A45}"/>
-              </a:ext>
-            </a:extLst>
-          </p:cNvPr>
-          <p:cNvSpPr>
-            <a:spLocks noGrp="1"/>
-          </p:cNvSpPr>
-          <p:nvPr>
-            <p:ph type="title"/>
-          </p:nvPr>
-        </p:nvSpPr>
-        <p:spPr>
-          <a:xfrm>
-            <a:off x="762000" y="869666"/>
-            <a:ext cx="3370998" cy="5502264"/>
-          </a:xfrm>
-        </p:spPr>
-        <p:txBody>
-          <a:bodyPr>
-            <a:normAutofit/>
-          </a:bodyPr>
-          <a:lstStyle/>
-          <a:p>
-            <a:r>
-              <a:rPr lang="en-US" sz="3200" b="1" u="sng" dirty="0">
-                <a:solidFill>
-                  <a:srgbClr val="FFFFFF"/>
-                </a:solidFill>
-                <a:latin typeface="BN Balls" panose="02000500000000000000" pitchFamily="2" charset="-79"/>
-                <a:cs typeface="BN Balls" panose="02000500000000000000" pitchFamily="2" charset="-79"/>
-              </a:rPr>
-              <a:t>Introduction</a:t>
-            </a:r>
-            <a:br>
-              <a:rPr lang="en-US" sz="3200" dirty="0">
-                <a:solidFill>
-                  <a:srgbClr val="FFFFFF"/>
-                </a:solidFill>
-                <a:latin typeface="BN Balls" panose="02000500000000000000" pitchFamily="2" charset="-79"/>
-                <a:cs typeface="BN Balls" panose="02000500000000000000" pitchFamily="2" charset="-79"/>
-              </a:rPr>
-            </a:br>
-            <a:endParaRPr lang="he-IL" sz="3200" dirty="0">
-              <a:solidFill>
-                <a:srgbClr val="FFFFFF"/>
-              </a:solidFill>
-              <a:latin typeface="BN Balls" panose="02000500000000000000" pitchFamily="2" charset="-79"/>
-              <a:cs typeface="BN Balls" panose="02000500000000000000" pitchFamily="2" charset="-79"/>
-            </a:endParaRPr>
-          </a:p>
-        </p:txBody>
-      </p:sp>
-      <p:cxnSp>
-        <p:nvCxnSpPr>
-          <p:cNvPr id="12" name="Straight Connector 11">
-            <a:extLst>
-              <a:ext uri="{FF2B5EF4-FFF2-40B4-BE49-F238E27FC236}">
-                <a16:creationId xmlns:a16="http://schemas.microsoft.com/office/drawing/2014/main" id="{550D2BD1-98F9-412D-905B-3A843EF4078B}"/>
-              </a:ext>
-              <a:ext uri="{C183D7F6-B498-43B3-948B-1728B52AA6E4}">
-                <adec:decorative xmlns:adec="http://schemas.microsoft.com/office/drawing/2017/decorative" val="1"/>
-              </a:ext>
-            </a:extLst>
-          </p:cNvPr>
-          <p:cNvCxnSpPr>
-            <a:cxnSpLocks noGrp="1" noRot="1" noChangeAspect="1" noMove="1" noResize="1" noEditPoints="1" noAdjustHandles="1" noChangeArrowheads="1" noChangeShapeType="1"/>
-          </p:cNvCxnSpPr>
-          <p:nvPr>
-            <p:extLst>
-              <p:ext uri="{386F3935-93C4-4BCD-93E2-E3B085C9AB24}">
-                <p16:designElem xmlns:p16="http://schemas.microsoft.com/office/powerpoint/2015/main" val="1"/>
-              </p:ext>
-            </p:extLst>
-          </p:nvPr>
-        </p:nvCxnSpPr>
-        <p:spPr>
-          <a:xfrm flipV="1">
-            <a:off x="762000" y="2971800"/>
-            <a:ext cx="0" cy="914400"/>
-          </a:xfrm>
-          <a:prstGeom prst="line">
-            <a:avLst/>
-          </a:prstGeom>
-          <a:ln w="19050">
-            <a:solidFill>
-              <a:srgbClr val="FFFFFF">
-                <a:alpha val="80000"/>
-              </a:srgbClr>
-            </a:solidFill>
-          </a:ln>
-        </p:spPr>
-        <p:style>
-          <a:lnRef idx="1">
-            <a:schemeClr val="accent1"/>
-          </a:lnRef>
-          <a:fillRef idx="0">
-            <a:schemeClr val="accent1"/>
-          </a:fillRef>
-          <a:effectRef idx="0">
-            <a:schemeClr val="accent1"/>
-          </a:effectRef>
-          <a:fontRef idx="minor">
-            <a:schemeClr val="tx1"/>
-          </a:fontRef>
-        </p:style>
-      </p:cxnSp>
-      <p:graphicFrame>
-        <p:nvGraphicFramePr>
-          <p:cNvPr id="5" name="מציין מיקום תוכן 2">
-            <a:extLst>
-              <a:ext uri="{FF2B5EF4-FFF2-40B4-BE49-F238E27FC236}">
-                <a16:creationId xmlns:a16="http://schemas.microsoft.com/office/drawing/2014/main" id="{AAA74886-9BB5-4F86-AFC1-410E25361379}"/>
-              </a:ext>
-            </a:extLst>
-          </p:cNvPr>
-          <p:cNvGraphicFramePr>
-            <a:graphicFrameLocks noGrp="1"/>
-          </p:cNvGraphicFramePr>
-          <p:nvPr>
-            <p:ph idx="1"/>
-            <p:extLst>
-              <p:ext uri="{D42A27DB-BD31-4B8C-83A1-F6EECF244321}">
-                <p14:modId xmlns:p14="http://schemas.microsoft.com/office/powerpoint/2010/main" val="1204130001"/>
-              </p:ext>
-            </p:extLst>
-          </p:nvPr>
-        </p:nvGraphicFramePr>
-        <p:xfrm>
-          <a:off x="5280025" y="642938"/>
-          <a:ext cx="6269038" cy="5572125"/>
-        </p:xfrm>
-        <a:graphic>
-          <a:graphicData uri="http://schemas.openxmlformats.org/drawingml/2006/diagram">
-            <dgm:relIds xmlns:dgm="http://schemas.openxmlformats.org/drawingml/2006/diagram" xmlns:r="http://schemas.openxmlformats.org/officeDocument/2006/relationships" r:dm="rId2" r:lo="rId3" r:qs="rId4" r:cs="rId5"/>
-          </a:graphicData>
-        </a:graphic>
-      </p:graphicFrame>
-    </p:spTree>
-    <p:extLst>
-      <p:ext uri="{BB962C8B-B14F-4D97-AF65-F5344CB8AC3E}">
-        <p14:creationId xmlns:p14="http://schemas.microsoft.com/office/powerpoint/2010/main" val="825447180"/>
-      </p:ext>
-    </p:extLst>
-  </p:cSld>
-  <p:clrMapOvr>
-    <a:masterClrMapping/>
-  </p:clrMapOvr>
-</p:sld>
-</file>
-
-<file path=ppt/slides/slide20.xml><?xml version="1.0" encoding="utf-8"?>
+<file path=ppt/slides/slide22.xml><?xml version="1.0" encoding="utf-8"?>
 <p:sld xmlns:a="http://schemas.openxmlformats.org/drawingml/2006/main" xmlns:r="http://schemas.openxmlformats.org/officeDocument/2006/relationships" xmlns:p="http://schemas.openxmlformats.org/presentationml/2006/main">
   <p:cSld>
     <p:bg>
@@ -18801,7 +19869,7 @@
               <a:pPr>
                 <a:buSzPts val="1100"/>
               </a:pPr>
-              <a:t>20</a:t>
+              <a:t>22</a:t>
             </a:fld>
             <a:endParaRPr/>
           </a:p>
@@ -31324,8 +32392,8 @@
         </p:nvSpPr>
         <p:spPr>
           <a:xfrm>
-            <a:off x="2878037" y="2470882"/>
-            <a:ext cx="6105194" cy="2031055"/>
+            <a:off x="3043403" y="2892531"/>
+            <a:ext cx="6105194" cy="1072937"/>
           </a:xfrm>
         </p:spPr>
         <p:txBody>
@@ -31335,16 +32403,16 @@
           <a:lstStyle/>
           <a:p>
             <a:r>
-              <a:rPr lang="en-US" sz="13800" b="1" dirty="0">
+              <a:rPr lang="en-US" sz="7200" b="1" dirty="0">
                 <a:solidFill>
                   <a:srgbClr val="FFFFFF"/>
                 </a:solidFill>
                 <a:latin typeface="Open Sans Hebrew Light" panose="00000400000000000000" pitchFamily="2" charset="-79"/>
                 <a:cs typeface="Open Sans Hebrew Light" panose="00000400000000000000" pitchFamily="2" charset="-79"/>
               </a:rPr>
-              <a:t>Parts</a:t>
+              <a:t>Known Bugs</a:t>
             </a:r>
-            <a:endParaRPr lang="he-IL" sz="13800" dirty="0">
+            <a:endParaRPr lang="he-IL" sz="7200" dirty="0">
               <a:solidFill>
                 <a:srgbClr val="FFFFFF"/>
               </a:solidFill>
@@ -31370,367 +32438,12 @@
 <file path=ppt/slides/slide8.xml><?xml version="1.0" encoding="utf-8"?>
 <p:sld xmlns:a="http://schemas.openxmlformats.org/drawingml/2006/main" xmlns:r="http://schemas.openxmlformats.org/officeDocument/2006/relationships" xmlns:p="http://schemas.openxmlformats.org/presentationml/2006/main">
   <p:cSld>
-    <p:spTree>
-      <p:nvGrpSpPr>
-        <p:cNvPr id="1" name="Shape 66"/>
-        <p:cNvGrpSpPr/>
-        <p:nvPr/>
-      </p:nvGrpSpPr>
-      <p:grpSpPr>
-        <a:xfrm>
-          <a:off x="0" y="0"/>
-          <a:ext cx="0" cy="0"/>
-          <a:chOff x="0" y="0"/>
-          <a:chExt cx="0" cy="0"/>
-        </a:xfrm>
-      </p:grpSpPr>
-      <p:sp>
-        <p:nvSpPr>
-          <p:cNvPr id="68" name="Google Shape;68;p14"/>
-          <p:cNvSpPr txBox="1">
-            <a:spLocks noGrp="1"/>
-          </p:cNvSpPr>
-          <p:nvPr>
-            <p:ph type="body" idx="2"/>
-          </p:nvPr>
-        </p:nvSpPr>
-        <p:spPr>
-          <a:xfrm>
-            <a:off x="7797732" y="1473929"/>
-            <a:ext cx="3000400" cy="4720800"/>
-          </a:xfrm>
-          <a:prstGeom prst="rect">
-            <a:avLst/>
-          </a:prstGeom>
-        </p:spPr>
-        <p:txBody>
-          <a:bodyPr spcFirstLastPara="1" wrap="square" lIns="0" tIns="0" rIns="0" bIns="0" anchor="t" anchorCtr="0">
-            <a:noAutofit/>
-          </a:bodyPr>
-          <a:lstStyle/>
-          <a:p>
-            <a:pPr marL="285750" indent="-285750" algn="l" rtl="0">
-              <a:buFont typeface="Wingdings" panose="05000000000000000000" pitchFamily="2" charset="2"/>
-              <a:buChar char="v"/>
-            </a:pPr>
-            <a:r>
-              <a:rPr lang="en-US" sz="1600" b="1" dirty="0" err="1">
-                <a:latin typeface="BN Barak" panose="02000000000000000000" pitchFamily="2" charset="-79"/>
-                <a:cs typeface="BN Barak" panose="02000000000000000000" pitchFamily="2" charset="-79"/>
-              </a:rPr>
-              <a:t>Quartet.sol</a:t>
-            </a:r>
-            <a:endParaRPr lang="en-US" sz="1600" b="1" dirty="0">
-              <a:latin typeface="BN Barak" panose="02000000000000000000" pitchFamily="2" charset="-79"/>
-              <a:cs typeface="BN Barak" panose="02000000000000000000" pitchFamily="2" charset="-79"/>
-            </a:endParaRPr>
-          </a:p>
-          <a:p>
-            <a:pPr marL="285750" indent="-285750" algn="l" rtl="0">
-              <a:buFont typeface="Wingdings" panose="05000000000000000000" pitchFamily="2" charset="2"/>
-              <a:buChar char="v"/>
-            </a:pPr>
-            <a:r>
-              <a:rPr lang="en-US" sz="1600" b="1" dirty="0" err="1">
-                <a:latin typeface="BN Barak" panose="02000000000000000000" pitchFamily="2" charset="-79"/>
-                <a:cs typeface="BN Barak" panose="02000000000000000000" pitchFamily="2" charset="-79"/>
-              </a:rPr>
-              <a:t>Card.sol</a:t>
-            </a:r>
-            <a:endParaRPr lang="en-US" sz="1600" b="1" dirty="0">
-              <a:latin typeface="BN Barak" panose="02000000000000000000" pitchFamily="2" charset="-79"/>
-              <a:cs typeface="BN Barak" panose="02000000000000000000" pitchFamily="2" charset="-79"/>
-            </a:endParaRPr>
-          </a:p>
-          <a:p>
-            <a:pPr marL="285750" indent="-285750" algn="l" rtl="0">
-              <a:buFont typeface="Wingdings" panose="05000000000000000000" pitchFamily="2" charset="2"/>
-              <a:buChar char="v"/>
-            </a:pPr>
-            <a:r>
-              <a:rPr lang="en-US" sz="1600" b="1" dirty="0" err="1">
-                <a:latin typeface="BN Barak" panose="02000000000000000000" pitchFamily="2" charset="-79"/>
-                <a:cs typeface="BN Barak" panose="02000000000000000000" pitchFamily="2" charset="-79"/>
-              </a:rPr>
-              <a:t>QuartetCoin.sol</a:t>
-            </a:r>
-            <a:endParaRPr lang="en-US" sz="1600" b="1" dirty="0">
-              <a:latin typeface="BN Barak" panose="02000000000000000000" pitchFamily="2" charset="-79"/>
-              <a:cs typeface="BN Barak" panose="02000000000000000000" pitchFamily="2" charset="-79"/>
-            </a:endParaRPr>
-          </a:p>
-          <a:p>
-            <a:pPr marL="285750" indent="-285750" algn="l" rtl="0">
-              <a:buFont typeface="Wingdings" panose="05000000000000000000" pitchFamily="2" charset="2"/>
-              <a:buChar char="v"/>
-            </a:pPr>
-            <a:endParaRPr lang="en-US" sz="1600" b="1" dirty="0">
-              <a:latin typeface="BN Barak" panose="02000000000000000000" pitchFamily="2" charset="-79"/>
-              <a:cs typeface="BN Barak" panose="02000000000000000000" pitchFamily="2" charset="-79"/>
-            </a:endParaRPr>
-          </a:p>
-          <a:p>
-            <a:pPr marL="285750" indent="-285750" algn="l" rtl="0">
-              <a:buFont typeface="Wingdings" panose="05000000000000000000" pitchFamily="2" charset="2"/>
-              <a:buChar char="v"/>
-            </a:pPr>
-            <a:endParaRPr sz="1600" b="1" dirty="0">
-              <a:latin typeface="BN Barak" panose="02000000000000000000" pitchFamily="2" charset="-79"/>
-              <a:cs typeface="BN Barak" panose="02000000000000000000" pitchFamily="2" charset="-79"/>
-            </a:endParaRPr>
-          </a:p>
-        </p:txBody>
-      </p:sp>
-      <p:sp>
-        <p:nvSpPr>
-          <p:cNvPr id="71" name="Google Shape;71;p14"/>
-          <p:cNvSpPr txBox="1">
-            <a:spLocks noGrp="1"/>
-          </p:cNvSpPr>
-          <p:nvPr>
-            <p:ph type="sldNum" idx="12"/>
-          </p:nvPr>
-        </p:nvSpPr>
-        <p:spPr>
-          <a:xfrm>
-            <a:off x="11307445" y="6333135"/>
-            <a:ext cx="731600" cy="524800"/>
-          </a:xfrm>
-          <a:prstGeom prst="rect">
-            <a:avLst/>
-          </a:prstGeom>
-        </p:spPr>
-        <p:txBody>
-          <a:bodyPr spcFirstLastPara="1" wrap="square" lIns="0" tIns="0" rIns="0" bIns="0" anchor="ctr" anchorCtr="0">
-            <a:noAutofit/>
-          </a:bodyPr>
-          <a:lstStyle/>
-          <a:p>
-            <a:pPr>
-              <a:buSzPts val="1100"/>
-            </a:pPr>
-            <a:fld id="{00000000-1234-1234-1234-123412341234}" type="slidenum">
-              <a:rPr lang="en"/>
-              <a:pPr>
-                <a:buSzPts val="1100"/>
-              </a:pPr>
-              <a:t>8</a:t>
-            </a:fld>
-            <a:endParaRPr/>
-          </a:p>
-        </p:txBody>
-      </p:sp>
-      <p:sp>
-        <p:nvSpPr>
-          <p:cNvPr id="9" name="Google Shape;62;p13"/>
-          <p:cNvSpPr txBox="1">
-            <a:spLocks/>
-          </p:cNvSpPr>
-          <p:nvPr/>
-        </p:nvSpPr>
-        <p:spPr>
-          <a:xfrm>
-            <a:off x="-730606" y="1249076"/>
-            <a:ext cx="6053200" cy="3822493"/>
-          </a:xfrm>
-          <a:prstGeom prst="rect">
-            <a:avLst/>
-          </a:prstGeom>
-        </p:spPr>
-        <p:txBody>
-          <a:bodyPr spcFirstLastPara="1" vert="horz" wrap="square" lIns="0" tIns="0" rIns="0" bIns="0" rtlCol="1" anchor="ctr" anchorCtr="0">
-            <a:noAutofit/>
-          </a:bodyPr>
-          <a:lstStyle>
-            <a:lvl1pPr lvl="0" algn="r" defTabSz="914400" rtl="1" eaLnBrk="1" latinLnBrk="0" hangingPunct="1">
-              <a:lnSpc>
-                <a:spcPct val="90000"/>
-              </a:lnSpc>
-              <a:spcBef>
-                <a:spcPts val="0"/>
-              </a:spcBef>
-              <a:spcAft>
-                <a:spcPts val="0"/>
-              </a:spcAft>
-              <a:buSzPts val="2600"/>
-              <a:buNone/>
-              <a:defRPr sz="4400" kern="1200">
-                <a:solidFill>
-                  <a:schemeClr val="tx1"/>
-                </a:solidFill>
-                <a:latin typeface="+mj-lt"/>
-                <a:ea typeface="+mj-ea"/>
-                <a:cs typeface="+mj-cs"/>
-              </a:defRPr>
-            </a:lvl1pPr>
-            <a:lvl2pPr lvl="1">
-              <a:spcBef>
-                <a:spcPts val="0"/>
-              </a:spcBef>
-              <a:spcAft>
-                <a:spcPts val="0"/>
-              </a:spcAft>
-              <a:buSzPts val="2600"/>
-              <a:buNone/>
-              <a:defRPr/>
-            </a:lvl2pPr>
-            <a:lvl3pPr lvl="2">
-              <a:spcBef>
-                <a:spcPts val="0"/>
-              </a:spcBef>
-              <a:spcAft>
-                <a:spcPts val="0"/>
-              </a:spcAft>
-              <a:buSzPts val="2600"/>
-              <a:buNone/>
-              <a:defRPr/>
-            </a:lvl3pPr>
-            <a:lvl4pPr lvl="3">
-              <a:spcBef>
-                <a:spcPts val="0"/>
-              </a:spcBef>
-              <a:spcAft>
-                <a:spcPts val="0"/>
-              </a:spcAft>
-              <a:buSzPts val="2600"/>
-              <a:buNone/>
-              <a:defRPr/>
-            </a:lvl4pPr>
-            <a:lvl5pPr lvl="4">
-              <a:spcBef>
-                <a:spcPts val="0"/>
-              </a:spcBef>
-              <a:spcAft>
-                <a:spcPts val="0"/>
-              </a:spcAft>
-              <a:buSzPts val="2600"/>
-              <a:buNone/>
-              <a:defRPr/>
-            </a:lvl5pPr>
-            <a:lvl6pPr lvl="5">
-              <a:spcBef>
-                <a:spcPts val="0"/>
-              </a:spcBef>
-              <a:spcAft>
-                <a:spcPts val="0"/>
-              </a:spcAft>
-              <a:buSzPts val="2600"/>
-              <a:buNone/>
-              <a:defRPr/>
-            </a:lvl6pPr>
-            <a:lvl7pPr lvl="6">
-              <a:spcBef>
-                <a:spcPts val="0"/>
-              </a:spcBef>
-              <a:spcAft>
-                <a:spcPts val="0"/>
-              </a:spcAft>
-              <a:buSzPts val="2600"/>
-              <a:buNone/>
-              <a:defRPr/>
-            </a:lvl7pPr>
-            <a:lvl8pPr lvl="7">
-              <a:spcBef>
-                <a:spcPts val="0"/>
-              </a:spcBef>
-              <a:spcAft>
-                <a:spcPts val="0"/>
-              </a:spcAft>
-              <a:buSzPts val="2600"/>
-              <a:buNone/>
-              <a:defRPr/>
-            </a:lvl8pPr>
-            <a:lvl9pPr lvl="8">
-              <a:spcBef>
-                <a:spcPts val="0"/>
-              </a:spcBef>
-              <a:spcAft>
-                <a:spcPts val="0"/>
-              </a:spcAft>
-              <a:buSzPts val="2600"/>
-              <a:buNone/>
-              <a:defRPr/>
-            </a:lvl9pPr>
-          </a:lstStyle>
-          <a:p>
-            <a:pPr algn="ctr" rtl="0"/>
-            <a:r>
-              <a:rPr lang="en-US" b="1" dirty="0">
-                <a:latin typeface="Buxton Sketch" panose="03080500000500000004" pitchFamily="66" charset="0"/>
-                <a:cs typeface="BN Barak" panose="02000000000000000000" pitchFamily="2" charset="-79"/>
-              </a:rPr>
-              <a:t>Contracts</a:t>
-            </a:r>
-            <a:endParaRPr lang="en-US" sz="2000" dirty="0">
-              <a:latin typeface="Tempus Sans ITC" panose="04020404030D07020202" pitchFamily="82" charset="0"/>
-              <a:cs typeface="BN Barak" panose="02000000000000000000" pitchFamily="2" charset="-79"/>
-            </a:endParaRPr>
-          </a:p>
-        </p:txBody>
-      </p:sp>
-      <p:pic>
-        <p:nvPicPr>
-          <p:cNvPr id="2050" name="Picture 2" descr="×ª××¦××ª ×ª××× × ×¢×××¨ âªcontractâ¬â"/>
-          <p:cNvPicPr>
-            <a:picLocks noChangeAspect="1" noChangeArrowheads="1"/>
-          </p:cNvPicPr>
-          <p:nvPr/>
-        </p:nvPicPr>
-        <p:blipFill>
-          <a:blip r:embed="rId3">
-            <a:extLst>
-              <a:ext uri="{28A0092B-C50C-407E-A947-70E740481C1C}">
-                <a14:useLocalDpi xmlns:a14="http://schemas.microsoft.com/office/drawing/2010/main" val="0"/>
-              </a:ext>
-            </a:extLst>
-          </a:blip>
-          <a:srcRect/>
-          <a:stretch>
-            <a:fillRect/>
-          </a:stretch>
-        </p:blipFill>
-        <p:spPr bwMode="auto">
-          <a:xfrm>
-            <a:off x="1744532" y="3732551"/>
-            <a:ext cx="1078302" cy="1078302"/>
-          </a:xfrm>
-          <a:prstGeom prst="rect">
-            <a:avLst/>
-          </a:prstGeom>
-          <a:noFill/>
-          <a:extLst>
-            <a:ext uri="{909E8E84-426E-40DD-AFC4-6F175D3DCCD1}">
-              <a14:hiddenFill xmlns:a14="http://schemas.microsoft.com/office/drawing/2010/main">
-                <a:solidFill>
-                  <a:srgbClr val="FFFFFF"/>
-                </a:solidFill>
-              </a14:hiddenFill>
-            </a:ext>
-          </a:extLst>
-        </p:spPr>
-      </p:pic>
-    </p:spTree>
-    <p:extLst>
-      <p:ext uri="{BB962C8B-B14F-4D97-AF65-F5344CB8AC3E}">
-        <p14:creationId xmlns:p14="http://schemas.microsoft.com/office/powerpoint/2010/main" val="3224061407"/>
-      </p:ext>
-    </p:extLst>
-  </p:cSld>
-  <p:clrMapOvr>
-    <a:masterClrMapping/>
-  </p:clrMapOvr>
-</p:sld>
-</file>
-
-<file path=ppt/slides/slide9.xml><?xml version="1.0" encoding="utf-8"?>
-<p:sld xmlns:a="http://schemas.openxmlformats.org/drawingml/2006/main" xmlns:r="http://schemas.openxmlformats.org/officeDocument/2006/relationships" xmlns:p="http://schemas.openxmlformats.org/presentationml/2006/main">
-  <p:cSld>
     <p:bg>
       <p:bgPr>
         <a:gradFill>
           <a:gsLst>
-            <a:gs pos="0">
-              <a:srgbClr val="46E180"/>
+            <a:gs pos="38000">
+              <a:srgbClr val="7030A0"/>
             </a:gs>
             <a:gs pos="100000">
               <a:srgbClr val="B8DF32"/>
@@ -31779,7 +32492,7 @@
             <a:fld id="{00000000-1234-1234-1234-123412341234}" type="slidenum">
               <a:rPr lang="en"/>
               <a:pPr/>
-              <a:t>9</a:t>
+              <a:t>8</a:t>
             </a:fld>
             <a:endParaRPr/>
           </a:p>
@@ -31787,479 +32500,14 @@
       </p:sp>
       <p:sp>
         <p:nvSpPr>
-          <p:cNvPr id="18" name="Google Shape;270;p34"/>
-          <p:cNvSpPr/>
-          <p:nvPr/>
-        </p:nvSpPr>
-        <p:spPr>
-          <a:xfrm>
-            <a:off x="5373601" y="1535610"/>
-            <a:ext cx="5140196" cy="4001701"/>
-          </a:xfrm>
-          <a:custGeom>
-            <a:avLst/>
-            <a:gdLst/>
-            <a:ahLst/>
-            <a:cxnLst/>
-            <a:rect l="l" t="t" r="r" b="b"/>
-            <a:pathLst>
-              <a:path w="143434" h="111665" extrusionOk="0">
-                <a:moveTo>
-                  <a:pt x="71751" y="2308"/>
-                </a:moveTo>
-                <a:lnTo>
-                  <a:pt x="71887" y="2376"/>
-                </a:lnTo>
-                <a:lnTo>
-                  <a:pt x="72091" y="2444"/>
-                </a:lnTo>
-                <a:lnTo>
-                  <a:pt x="72159" y="2647"/>
-                </a:lnTo>
-                <a:lnTo>
-                  <a:pt x="72226" y="2783"/>
-                </a:lnTo>
-                <a:lnTo>
-                  <a:pt x="72159" y="2987"/>
-                </a:lnTo>
-                <a:lnTo>
-                  <a:pt x="72091" y="3190"/>
-                </a:lnTo>
-                <a:lnTo>
-                  <a:pt x="71887" y="3258"/>
-                </a:lnTo>
-                <a:lnTo>
-                  <a:pt x="71751" y="3326"/>
-                </a:lnTo>
-                <a:lnTo>
-                  <a:pt x="71548" y="3258"/>
-                </a:lnTo>
-                <a:lnTo>
-                  <a:pt x="71344" y="3190"/>
-                </a:lnTo>
-                <a:lnTo>
-                  <a:pt x="71276" y="2987"/>
-                </a:lnTo>
-                <a:lnTo>
-                  <a:pt x="71208" y="2783"/>
-                </a:lnTo>
-                <a:lnTo>
-                  <a:pt x="71276" y="2647"/>
-                </a:lnTo>
-                <a:lnTo>
-                  <a:pt x="71344" y="2444"/>
-                </a:lnTo>
-                <a:lnTo>
-                  <a:pt x="71548" y="2376"/>
-                </a:lnTo>
-                <a:lnTo>
-                  <a:pt x="71751" y="2308"/>
-                </a:lnTo>
-                <a:close/>
-                <a:moveTo>
-                  <a:pt x="137528" y="5906"/>
-                </a:moveTo>
-                <a:lnTo>
-                  <a:pt x="137596" y="5974"/>
-                </a:lnTo>
-                <a:lnTo>
-                  <a:pt x="137596" y="89604"/>
-                </a:lnTo>
-                <a:lnTo>
-                  <a:pt x="5906" y="89604"/>
-                </a:lnTo>
-                <a:lnTo>
-                  <a:pt x="5906" y="5974"/>
-                </a:lnTo>
-                <a:lnTo>
-                  <a:pt x="5906" y="5906"/>
-                </a:lnTo>
-                <a:close/>
-                <a:moveTo>
-                  <a:pt x="3530" y="0"/>
-                </a:moveTo>
-                <a:lnTo>
-                  <a:pt x="3191" y="68"/>
-                </a:lnTo>
-                <a:lnTo>
-                  <a:pt x="2444" y="339"/>
-                </a:lnTo>
-                <a:lnTo>
-                  <a:pt x="1766" y="679"/>
-                </a:lnTo>
-                <a:lnTo>
-                  <a:pt x="1155" y="1154"/>
-                </a:lnTo>
-                <a:lnTo>
-                  <a:pt x="679" y="1765"/>
-                </a:lnTo>
-                <a:lnTo>
-                  <a:pt x="272" y="2444"/>
-                </a:lnTo>
-                <a:lnTo>
-                  <a:pt x="69" y="3190"/>
-                </a:lnTo>
-                <a:lnTo>
-                  <a:pt x="1" y="3598"/>
-                </a:lnTo>
-                <a:lnTo>
-                  <a:pt x="1" y="4005"/>
-                </a:lnTo>
-                <a:lnTo>
-                  <a:pt x="1" y="91572"/>
-                </a:lnTo>
-                <a:lnTo>
-                  <a:pt x="1" y="91979"/>
-                </a:lnTo>
-                <a:lnTo>
-                  <a:pt x="69" y="92319"/>
-                </a:lnTo>
-                <a:lnTo>
-                  <a:pt x="272" y="93065"/>
-                </a:lnTo>
-                <a:lnTo>
-                  <a:pt x="679" y="93744"/>
-                </a:lnTo>
-                <a:lnTo>
-                  <a:pt x="1155" y="94355"/>
-                </a:lnTo>
-                <a:lnTo>
-                  <a:pt x="1766" y="94830"/>
-                </a:lnTo>
-                <a:lnTo>
-                  <a:pt x="2444" y="95238"/>
-                </a:lnTo>
-                <a:lnTo>
-                  <a:pt x="3191" y="95441"/>
-                </a:lnTo>
-                <a:lnTo>
-                  <a:pt x="3530" y="95509"/>
-                </a:lnTo>
-                <a:lnTo>
-                  <a:pt x="139904" y="95509"/>
-                </a:lnTo>
-                <a:lnTo>
-                  <a:pt x="140311" y="95441"/>
-                </a:lnTo>
-                <a:lnTo>
-                  <a:pt x="141058" y="95238"/>
-                </a:lnTo>
-                <a:lnTo>
-                  <a:pt x="141737" y="94830"/>
-                </a:lnTo>
-                <a:lnTo>
-                  <a:pt x="142280" y="94355"/>
-                </a:lnTo>
-                <a:lnTo>
-                  <a:pt x="142755" y="93744"/>
-                </a:lnTo>
-                <a:lnTo>
-                  <a:pt x="143162" y="93065"/>
-                </a:lnTo>
-                <a:lnTo>
-                  <a:pt x="143366" y="92319"/>
-                </a:lnTo>
-                <a:lnTo>
-                  <a:pt x="143434" y="91979"/>
-                </a:lnTo>
-                <a:lnTo>
-                  <a:pt x="143434" y="91572"/>
-                </a:lnTo>
-                <a:lnTo>
-                  <a:pt x="143434" y="4005"/>
-                </a:lnTo>
-                <a:lnTo>
-                  <a:pt x="143434" y="3598"/>
-                </a:lnTo>
-                <a:lnTo>
-                  <a:pt x="143366" y="3190"/>
-                </a:lnTo>
-                <a:lnTo>
-                  <a:pt x="143162" y="2444"/>
-                </a:lnTo>
-                <a:lnTo>
-                  <a:pt x="142755" y="1765"/>
-                </a:lnTo>
-                <a:lnTo>
-                  <a:pt x="142280" y="1154"/>
-                </a:lnTo>
-                <a:lnTo>
-                  <a:pt x="141737" y="679"/>
-                </a:lnTo>
-                <a:lnTo>
-                  <a:pt x="141058" y="339"/>
-                </a:lnTo>
-                <a:lnTo>
-                  <a:pt x="140311" y="68"/>
-                </a:lnTo>
-                <a:lnTo>
-                  <a:pt x="139904" y="0"/>
-                </a:lnTo>
-                <a:close/>
-                <a:moveTo>
-                  <a:pt x="55324" y="95713"/>
-                </a:moveTo>
-                <a:lnTo>
-                  <a:pt x="55052" y="98971"/>
-                </a:lnTo>
-                <a:lnTo>
-                  <a:pt x="54713" y="102297"/>
-                </a:lnTo>
-                <a:lnTo>
-                  <a:pt x="54374" y="105284"/>
-                </a:lnTo>
-                <a:lnTo>
-                  <a:pt x="53966" y="107388"/>
-                </a:lnTo>
-                <a:lnTo>
-                  <a:pt x="53763" y="108203"/>
-                </a:lnTo>
-                <a:lnTo>
-                  <a:pt x="53627" y="108746"/>
-                </a:lnTo>
-                <a:lnTo>
-                  <a:pt x="53423" y="109153"/>
-                </a:lnTo>
-                <a:lnTo>
-                  <a:pt x="53220" y="109357"/>
-                </a:lnTo>
-                <a:lnTo>
-                  <a:pt x="52677" y="109493"/>
-                </a:lnTo>
-                <a:lnTo>
-                  <a:pt x="51794" y="109696"/>
-                </a:lnTo>
-                <a:lnTo>
-                  <a:pt x="49690" y="110036"/>
-                </a:lnTo>
-                <a:lnTo>
-                  <a:pt x="48061" y="110307"/>
-                </a:lnTo>
-                <a:lnTo>
-                  <a:pt x="47450" y="110443"/>
-                </a:lnTo>
-                <a:lnTo>
-                  <a:pt x="47110" y="110511"/>
-                </a:lnTo>
-                <a:lnTo>
-                  <a:pt x="47042" y="110579"/>
-                </a:lnTo>
-                <a:lnTo>
-                  <a:pt x="47042" y="110783"/>
-                </a:lnTo>
-                <a:lnTo>
-                  <a:pt x="47110" y="110850"/>
-                </a:lnTo>
-                <a:lnTo>
-                  <a:pt x="47585" y="110918"/>
-                </a:lnTo>
-                <a:lnTo>
-                  <a:pt x="48400" y="110986"/>
-                </a:lnTo>
-                <a:lnTo>
-                  <a:pt x="51387" y="111054"/>
-                </a:lnTo>
-                <a:lnTo>
-                  <a:pt x="56071" y="111122"/>
-                </a:lnTo>
-                <a:lnTo>
-                  <a:pt x="87092" y="111122"/>
-                </a:lnTo>
-                <a:lnTo>
-                  <a:pt x="91708" y="111054"/>
-                </a:lnTo>
-                <a:lnTo>
-                  <a:pt x="94695" y="110986"/>
-                </a:lnTo>
-                <a:lnTo>
-                  <a:pt x="95578" y="110918"/>
-                </a:lnTo>
-                <a:lnTo>
-                  <a:pt x="96053" y="110850"/>
-                </a:lnTo>
-                <a:lnTo>
-                  <a:pt x="96121" y="110783"/>
-                </a:lnTo>
-                <a:lnTo>
-                  <a:pt x="96121" y="110579"/>
-                </a:lnTo>
-                <a:lnTo>
-                  <a:pt x="96053" y="110511"/>
-                </a:lnTo>
-                <a:lnTo>
-                  <a:pt x="95713" y="110443"/>
-                </a:lnTo>
-                <a:lnTo>
-                  <a:pt x="95102" y="110307"/>
-                </a:lnTo>
-                <a:lnTo>
-                  <a:pt x="93473" y="110036"/>
-                </a:lnTo>
-                <a:lnTo>
-                  <a:pt x="91369" y="109696"/>
-                </a:lnTo>
-                <a:lnTo>
-                  <a:pt x="90487" y="109493"/>
-                </a:lnTo>
-                <a:lnTo>
-                  <a:pt x="89943" y="109357"/>
-                </a:lnTo>
-                <a:lnTo>
-                  <a:pt x="89740" y="109153"/>
-                </a:lnTo>
-                <a:lnTo>
-                  <a:pt x="89536" y="108746"/>
-                </a:lnTo>
-                <a:lnTo>
-                  <a:pt x="89333" y="108203"/>
-                </a:lnTo>
-                <a:lnTo>
-                  <a:pt x="89197" y="107388"/>
-                </a:lnTo>
-                <a:lnTo>
-                  <a:pt x="88789" y="105284"/>
-                </a:lnTo>
-                <a:lnTo>
-                  <a:pt x="88382" y="102297"/>
-                </a:lnTo>
-                <a:lnTo>
-                  <a:pt x="88043" y="98971"/>
-                </a:lnTo>
-                <a:lnTo>
-                  <a:pt x="87839" y="95713"/>
-                </a:lnTo>
-                <a:close/>
-                <a:moveTo>
-                  <a:pt x="47450" y="111054"/>
-                </a:moveTo>
-                <a:lnTo>
-                  <a:pt x="47450" y="111122"/>
-                </a:lnTo>
-                <a:lnTo>
-                  <a:pt x="47450" y="111393"/>
-                </a:lnTo>
-                <a:lnTo>
-                  <a:pt x="47518" y="111461"/>
-                </a:lnTo>
-                <a:lnTo>
-                  <a:pt x="48807" y="111529"/>
-                </a:lnTo>
-                <a:lnTo>
-                  <a:pt x="52473" y="111597"/>
-                </a:lnTo>
-                <a:lnTo>
-                  <a:pt x="62384" y="111665"/>
-                </a:lnTo>
-                <a:lnTo>
-                  <a:pt x="80779" y="111665"/>
-                </a:lnTo>
-                <a:lnTo>
-                  <a:pt x="90622" y="111597"/>
-                </a:lnTo>
-                <a:lnTo>
-                  <a:pt x="94356" y="111529"/>
-                </a:lnTo>
-                <a:lnTo>
-                  <a:pt x="95646" y="111461"/>
-                </a:lnTo>
-                <a:lnTo>
-                  <a:pt x="95713" y="111393"/>
-                </a:lnTo>
-                <a:lnTo>
-                  <a:pt x="95713" y="111122"/>
-                </a:lnTo>
-                <a:lnTo>
-                  <a:pt x="95646" y="111054"/>
-                </a:lnTo>
-                <a:lnTo>
-                  <a:pt x="94084" y="111122"/>
-                </a:lnTo>
-                <a:lnTo>
-                  <a:pt x="91233" y="111190"/>
-                </a:lnTo>
-                <a:lnTo>
-                  <a:pt x="80847" y="111258"/>
-                </a:lnTo>
-                <a:lnTo>
-                  <a:pt x="62316" y="111258"/>
-                </a:lnTo>
-                <a:lnTo>
-                  <a:pt x="51930" y="111190"/>
-                </a:lnTo>
-                <a:lnTo>
-                  <a:pt x="49079" y="111122"/>
-                </a:lnTo>
-                <a:lnTo>
-                  <a:pt x="47518" y="111054"/>
-                </a:lnTo>
-                <a:close/>
-              </a:path>
-            </a:pathLst>
-          </a:custGeom>
-          <a:solidFill>
-            <a:srgbClr val="FFFFFF"/>
-          </a:solidFill>
-          <a:ln>
-            <a:noFill/>
-          </a:ln>
-        </p:spPr>
-        <p:txBody>
-          <a:bodyPr spcFirstLastPara="1" wrap="square" lIns="121900" tIns="121900" rIns="121900" bIns="121900" anchor="ctr" anchorCtr="0">
-            <a:noAutofit/>
-          </a:bodyPr>
-          <a:lstStyle/>
-          <a:p>
-            <a:pPr algn="l" rtl="0">
-              <a:buClr>
-                <a:srgbClr val="000000"/>
-              </a:buClr>
-              <a:buFont typeface="Arial"/>
-              <a:buNone/>
-            </a:pPr>
-            <a:endParaRPr sz="1867" kern="0">
-              <a:solidFill>
-                <a:srgbClr val="000000"/>
-              </a:solidFill>
-              <a:cs typeface="Arial"/>
-              <a:sym typeface="Arial"/>
-            </a:endParaRPr>
-          </a:p>
-        </p:txBody>
-      </p:sp>
-      <p:pic>
-        <p:nvPicPr>
-          <p:cNvPr id="2" name="תמונה 1"/>
-          <p:cNvPicPr>
-            <a:picLocks noChangeAspect="1"/>
-          </p:cNvPicPr>
-          <p:nvPr/>
-        </p:nvPicPr>
-        <p:blipFill>
-          <a:blip r:embed="rId3"/>
-          <a:stretch>
-            <a:fillRect/>
-          </a:stretch>
-        </p:blipFill>
-        <p:spPr>
-          <a:xfrm>
-            <a:off x="5583836" y="1747438"/>
-            <a:ext cx="4721901" cy="3011939"/>
-          </a:xfrm>
-          <a:prstGeom prst="rect">
-            <a:avLst/>
-          </a:prstGeom>
-        </p:spPr>
-      </p:pic>
-      <p:sp>
-        <p:nvSpPr>
-          <p:cNvPr id="20" name="TextBox 19"/>
+          <p:cNvPr id="5" name="TextBox 4"/>
           <p:cNvSpPr txBox="1"/>
           <p:nvPr/>
         </p:nvSpPr>
         <p:spPr>
           <a:xfrm>
-            <a:off x="1543988" y="2008665"/>
-            <a:ext cx="3320321" cy="2677656"/>
+            <a:off x="873126" y="1451083"/>
+            <a:ext cx="9404215" cy="1815882"/>
           </a:xfrm>
           <a:prstGeom prst="rect">
             <a:avLst/>
@@ -32272,39 +32520,67 @@
           </a:bodyPr>
           <a:lstStyle/>
           <a:p>
-            <a:pPr algn="l" rtl="0"/>
+            <a:pPr marL="457200" indent="-457200" algn="l" rtl="0">
+              <a:buFont typeface="Arial" panose="020B0604020202020204" pitchFamily="34" charset="0"/>
+              <a:buChar char="•"/>
+              <a:tabLst>
+                <a:tab pos="5743575" algn="l"/>
+              </a:tabLst>
+            </a:pPr>
             <a:r>
-              <a:rPr lang="en-US" sz="2800" dirty="0" err="1">
+              <a:rPr lang="en-US" sz="2800" dirty="0">
+                <a:ln>
+                  <a:solidFill>
+                    <a:schemeClr val="bg1"/>
+                  </a:solidFill>
+                </a:ln>
                 <a:solidFill>
-                  <a:schemeClr val="accent2">
-                    <a:lumMod val="20000"/>
-                    <a:lumOff val="80000"/>
-                  </a:schemeClr>
+                  <a:schemeClr val="bg1"/>
                 </a:solidFill>
                 <a:latin typeface="Microsoft YaHei UI Light" panose="020B0502040204020203" pitchFamily="34" charset="-122"/>
                 <a:ea typeface="Microsoft YaHei UI Light" panose="020B0502040204020203" pitchFamily="34" charset="-122"/>
               </a:rPr>
-              <a:t>Quartet.sol</a:t>
+              <a:t>Running functions on contract always return null</a:t>
             </a:r>
+          </a:p>
+          <a:p>
+            <a:pPr marL="457200" indent="-457200" algn="l" rtl="0">
+              <a:buFont typeface="Arial" panose="020B0604020202020204" pitchFamily="34" charset="0"/>
+              <a:buChar char="•"/>
+              <a:tabLst>
+                <a:tab pos="5743575" algn="l"/>
+              </a:tabLst>
+            </a:pPr>
             <a:r>
               <a:rPr lang="en-US" sz="2800" dirty="0">
+                <a:ln>
+                  <a:solidFill>
+                    <a:schemeClr val="bg1"/>
+                  </a:solidFill>
+                </a:ln>
                 <a:solidFill>
-                  <a:schemeClr val="accent2">
-                    <a:lumMod val="20000"/>
-                    <a:lumOff val="80000"/>
-                  </a:schemeClr>
+                  <a:schemeClr val="bg1"/>
                 </a:solidFill>
                 <a:latin typeface="Microsoft YaHei UI Light" panose="020B0502040204020203" pitchFamily="34" charset="-122"/>
                 <a:ea typeface="Microsoft YaHei UI Light" panose="020B0502040204020203" pitchFamily="34" charset="-122"/>
               </a:rPr>
-              <a:t> is the main contract – the main that is being called according to user choices in the game. </a:t>
+              <a:t>Client doesn’t validate the entered pk belongs to the user</a:t>
             </a:r>
+          </a:p>
+          <a:p>
+            <a:pPr algn="l" rtl="0">
+              <a:tabLst>
+                <a:tab pos="5743575" algn="l"/>
+              </a:tabLst>
+            </a:pPr>
             <a:endParaRPr lang="he-IL" sz="2800" dirty="0">
+              <a:ln>
+                <a:solidFill>
+                  <a:schemeClr val="bg1"/>
+                </a:solidFill>
+              </a:ln>
               <a:solidFill>
-                <a:schemeClr val="accent2">
-                  <a:lumMod val="20000"/>
-                  <a:lumOff val="80000"/>
-                </a:schemeClr>
+                <a:schemeClr val="bg1"/>
               </a:solidFill>
               <a:latin typeface="Microsoft YaHei UI Light" panose="020B0502040204020203" pitchFamily="34" charset="-122"/>
               <a:ea typeface="Microsoft YaHei UI Light" panose="020B0502040204020203" pitchFamily="34" charset="-122"/>
@@ -32315,7 +32591,215 @@
     </p:spTree>
     <p:extLst>
       <p:ext uri="{BB962C8B-B14F-4D97-AF65-F5344CB8AC3E}">
-        <p14:creationId xmlns:p14="http://schemas.microsoft.com/office/powerpoint/2010/main" val="722688037"/>
+        <p14:creationId xmlns:p14="http://schemas.microsoft.com/office/powerpoint/2010/main" val="1126277370"/>
+      </p:ext>
+    </p:extLst>
+  </p:cSld>
+  <p:clrMapOvr>
+    <a:masterClrMapping/>
+  </p:clrMapOvr>
+</p:sld>
+</file>
+
+<file path=ppt/slides/slide9.xml><?xml version="1.0" encoding="utf-8"?>
+<p:sld xmlns:a="http://schemas.openxmlformats.org/drawingml/2006/main" xmlns:r="http://schemas.openxmlformats.org/officeDocument/2006/relationships" xmlns:p="http://schemas.openxmlformats.org/presentationml/2006/main">
+  <p:cSld>
+    <p:spTree>
+      <p:nvGrpSpPr>
+        <p:cNvPr id="1" name=""/>
+        <p:cNvGrpSpPr/>
+        <p:nvPr/>
+      </p:nvGrpSpPr>
+      <p:grpSpPr>
+        <a:xfrm>
+          <a:off x="0" y="0"/>
+          <a:ext cx="0" cy="0"/>
+          <a:chOff x="0" y="0"/>
+          <a:chExt cx="0" cy="0"/>
+        </a:xfrm>
+      </p:grpSpPr>
+      <p:sp>
+        <p:nvSpPr>
+          <p:cNvPr id="8" name="Rectangle 7">
+            <a:extLst>
+              <a:ext uri="{FF2B5EF4-FFF2-40B4-BE49-F238E27FC236}">
+                <a16:creationId xmlns:a16="http://schemas.microsoft.com/office/drawing/2014/main" id="{23962611-DFD5-4092-AAFD-559E3DFCE2C9}"/>
+              </a:ext>
+              <a:ext uri="{C183D7F6-B498-43B3-948B-1728B52AA6E4}">
+                <adec:decorative xmlns:adec="http://schemas.microsoft.com/office/drawing/2017/decorative" val="1"/>
+              </a:ext>
+            </a:extLst>
+          </p:cNvPr>
+          <p:cNvSpPr>
+            <a:spLocks noGrp="1" noRot="1" noChangeAspect="1" noMove="1" noResize="1" noEditPoints="1" noAdjustHandles="1" noChangeArrowheads="1" noChangeShapeType="1" noTextEdit="1"/>
+          </p:cNvSpPr>
+          <p:nvPr>
+            <p:extLst>
+              <p:ext uri="{386F3935-93C4-4BCD-93E2-E3B085C9AB24}">
+                <p16:designElem xmlns:p16="http://schemas.microsoft.com/office/powerpoint/2015/main" val="1"/>
+              </p:ext>
+            </p:extLst>
+          </p:nvPr>
+        </p:nvSpPr>
+        <p:spPr>
+          <a:xfrm>
+            <a:off x="475488" y="0"/>
+            <a:ext cx="10910292" cy="6858000"/>
+          </a:xfrm>
+          <a:prstGeom prst="rect">
+            <a:avLst/>
+          </a:prstGeom>
+          <a:gradFill>
+            <a:gsLst>
+              <a:gs pos="0">
+                <a:schemeClr val="accent1">
+                  <a:lumMod val="90000"/>
+                </a:schemeClr>
+              </a:gs>
+              <a:gs pos="25000">
+                <a:schemeClr val="accent1">
+                  <a:lumMod val="90000"/>
+                </a:schemeClr>
+              </a:gs>
+              <a:gs pos="94000">
+                <a:schemeClr val="bg2">
+                  <a:lumMod val="25000"/>
+                </a:schemeClr>
+              </a:gs>
+              <a:gs pos="100000">
+                <a:schemeClr val="bg2">
+                  <a:lumMod val="25000"/>
+                </a:schemeClr>
+              </a:gs>
+            </a:gsLst>
+            <a:lin ang="4200000" scaled="0"/>
+          </a:gradFill>
+          <a:ln>
+            <a:noFill/>
+          </a:ln>
+        </p:spPr>
+        <p:style>
+          <a:lnRef idx="2">
+            <a:schemeClr val="accent1">
+              <a:shade val="50000"/>
+            </a:schemeClr>
+          </a:lnRef>
+          <a:fillRef idx="1">
+            <a:schemeClr val="accent1"/>
+          </a:fillRef>
+          <a:effectRef idx="0">
+            <a:schemeClr val="accent1"/>
+          </a:effectRef>
+          <a:fontRef idx="minor">
+            <a:schemeClr val="lt1"/>
+          </a:fontRef>
+        </p:style>
+        <p:txBody>
+          <a:bodyPr rtlCol="0" anchor="ctr"/>
+          <a:lstStyle/>
+          <a:p>
+            <a:pPr algn="ctr"/>
+            <a:endParaRPr lang="en-US"/>
+          </a:p>
+        </p:txBody>
+      </p:sp>
+      <p:pic>
+        <p:nvPicPr>
+          <p:cNvPr id="10" name="Picture 9">
+            <a:extLst>
+              <a:ext uri="{FF2B5EF4-FFF2-40B4-BE49-F238E27FC236}">
+                <a16:creationId xmlns:a16="http://schemas.microsoft.com/office/drawing/2014/main" id="{2270F1FA-0425-408F-9861-80BF5AFB276D}"/>
+              </a:ext>
+              <a:ext uri="{C183D7F6-B498-43B3-948B-1728B52AA6E4}">
+                <adec:decorative xmlns:adec="http://schemas.microsoft.com/office/drawing/2017/decorative" val="1"/>
+              </a:ext>
+            </a:extLst>
+          </p:cNvPr>
+          <p:cNvPicPr>
+            <a:picLocks noGrp="1" noRot="1" noChangeAspect="1" noMove="1" noResize="1" noEditPoints="1" noAdjustHandles="1" noChangeArrowheads="1" noChangeShapeType="1" noCrop="1"/>
+          </p:cNvPicPr>
+          <p:nvPr>
+            <p:extLst>
+              <p:ext uri="{386F3935-93C4-4BCD-93E2-E3B085C9AB24}">
+                <p16:designElem xmlns:p16="http://schemas.microsoft.com/office/powerpoint/2015/main" val="1"/>
+              </p:ext>
+            </p:extLst>
+          </p:nvPr>
+        </p:nvPicPr>
+        <p:blipFill>
+          <a:blip r:embed="rId2">
+            <a:extLst>
+              <a:ext uri="{28A0092B-C50C-407E-A947-70E740481C1C}">
+                <a14:useLocalDpi xmlns:a14="http://schemas.microsoft.com/office/drawing/2010/main" val="0"/>
+              </a:ext>
+            </a:extLst>
+          </a:blip>
+          <a:stretch>
+            <a:fillRect/>
+          </a:stretch>
+        </p:blipFill>
+        <p:spPr>
+          <a:xfrm>
+            <a:off x="0" y="0"/>
+            <a:ext cx="12192000" cy="6858000"/>
+          </a:xfrm>
+          <a:prstGeom prst="rect">
+            <a:avLst/>
+          </a:prstGeom>
+        </p:spPr>
+      </p:pic>
+      <p:sp>
+        <p:nvSpPr>
+          <p:cNvPr id="2" name="כותרת 1">
+            <a:extLst>
+              <a:ext uri="{FF2B5EF4-FFF2-40B4-BE49-F238E27FC236}">
+                <a16:creationId xmlns:a16="http://schemas.microsoft.com/office/drawing/2014/main" id="{1C0DC20E-400E-4C3E-BF17-A3CDCFCE20BB}"/>
+              </a:ext>
+            </a:extLst>
+          </p:cNvPr>
+          <p:cNvSpPr>
+            <a:spLocks noGrp="1"/>
+          </p:cNvSpPr>
+          <p:nvPr>
+            <p:ph type="ctrTitle"/>
+          </p:nvPr>
+        </p:nvSpPr>
+        <p:spPr>
+          <a:xfrm>
+            <a:off x="2878037" y="2470882"/>
+            <a:ext cx="6105194" cy="2031055"/>
+          </a:xfrm>
+        </p:spPr>
+        <p:txBody>
+          <a:bodyPr>
+            <a:noAutofit/>
+          </a:bodyPr>
+          <a:lstStyle/>
+          <a:p>
+            <a:r>
+              <a:rPr lang="en-US" sz="13800" b="1" dirty="0">
+                <a:solidFill>
+                  <a:srgbClr val="FFFFFF"/>
+                </a:solidFill>
+                <a:latin typeface="Open Sans Hebrew Light" panose="00000400000000000000" pitchFamily="2" charset="-79"/>
+                <a:cs typeface="Open Sans Hebrew Light" panose="00000400000000000000" pitchFamily="2" charset="-79"/>
+              </a:rPr>
+              <a:t>Parts</a:t>
+            </a:r>
+            <a:endParaRPr lang="he-IL" sz="13800" dirty="0">
+              <a:solidFill>
+                <a:srgbClr val="FFFFFF"/>
+              </a:solidFill>
+              <a:latin typeface="Open Sans Hebrew Light" panose="00000400000000000000" pitchFamily="2" charset="-79"/>
+              <a:cs typeface="Open Sans Hebrew Light" panose="00000400000000000000" pitchFamily="2" charset="-79"/>
+            </a:endParaRPr>
+          </a:p>
+        </p:txBody>
+      </p:sp>
+    </p:spTree>
+    <p:extLst>
+      <p:ext uri="{BB962C8B-B14F-4D97-AF65-F5344CB8AC3E}">
+        <p14:creationId xmlns:p14="http://schemas.microsoft.com/office/powerpoint/2010/main" val="1948164079"/>
       </p:ext>
     </p:extLst>
   </p:cSld>

--- a/docs/Blockchain Final Project.pptx
+++ b/docs/Blockchain Final Project.pptx
@@ -6,7 +6,7 @@
     <p:sldMasterId id="2147483660" r:id="rId2"/>
   </p:sldMasterIdLst>
   <p:notesMasterIdLst>
-    <p:notesMasterId r:id="rId25"/>
+    <p:notesMasterId r:id="rId26"/>
   </p:notesMasterIdLst>
   <p:sldIdLst>
     <p:sldId id="284" r:id="rId3"/>
@@ -28,9 +28,10 @@
     <p:sldId id="301" r:id="rId19"/>
     <p:sldId id="302" r:id="rId20"/>
     <p:sldId id="257" r:id="rId21"/>
-    <p:sldId id="290" r:id="rId22"/>
-    <p:sldId id="283" r:id="rId23"/>
+    <p:sldId id="308" r:id="rId22"/>
+    <p:sldId id="290" r:id="rId23"/>
     <p:sldId id="279" r:id="rId24"/>
+    <p:sldId id="283" r:id="rId25"/>
   </p:sldIdLst>
   <p:sldSz cx="12192000" cy="6858000"/>
   <p:notesSz cx="6858000" cy="9144000"/>
@@ -1216,6 +1217,14 @@
         </dgm:presLayoutVars>
       </dgm:prSet>
       <dgm:spPr/>
+      <dgm:t>
+        <a:bodyPr/>
+        <a:lstStyle/>
+        <a:p>
+          <a:pPr rtl="1"/>
+          <a:endParaRPr lang="he-IL"/>
+        </a:p>
+      </dgm:t>
     </dgm:pt>
     <dgm:pt modelId="{30AE6DF6-6A93-4F4B-B092-5FE7575FB289}" type="pres">
       <dgm:prSet presAssocID="{F8E82FC2-ECE6-45B1-BB40-B45C8012AF21}" presName="compNode" presStyleCnt="0"/>
@@ -1246,6 +1255,14 @@
           <a:noFill/>
         </a:ln>
       </dgm:spPr>
+      <dgm:t>
+        <a:bodyPr/>
+        <a:lstStyle/>
+        <a:p>
+          <a:pPr rtl="1"/>
+          <a:endParaRPr lang="he-IL"/>
+        </a:p>
+      </dgm:t>
     </dgm:pt>
     <dgm:pt modelId="{D9BA2201-0985-47AD-B292-FFA6AA6C776F}" type="pres">
       <dgm:prSet presAssocID="{F8E82FC2-ECE6-45B1-BB40-B45C8012AF21}" presName="spaceRect" presStyleCnt="0"/>
@@ -1259,6 +1276,14 @@
         </dgm:presLayoutVars>
       </dgm:prSet>
       <dgm:spPr/>
+      <dgm:t>
+        <a:bodyPr/>
+        <a:lstStyle/>
+        <a:p>
+          <a:pPr rtl="1"/>
+          <a:endParaRPr lang="he-IL"/>
+        </a:p>
+      </dgm:t>
     </dgm:pt>
     <dgm:pt modelId="{67E9EAC3-1B19-4A3B-8B10-E81DA0F34BD2}" type="pres">
       <dgm:prSet presAssocID="{C1E84BC1-A348-4CDA-984D-E6C42A0A6ED1}" presName="sibTrans" presStyleCnt="0"/>
@@ -1275,14 +1300,8 @@
     <dgm:pt modelId="{23E74EE0-F03A-4DE5-AC44-DF0E20FB729D}" type="pres">
       <dgm:prSet presAssocID="{067DAD8D-EB33-4B95-B036-DBC1AC1DC1F0}" presName="iconRect" presStyleLbl="node1" presStyleIdx="1" presStyleCnt="3"/>
       <dgm:spPr>
-        <a:blipFill>
-          <a:blip xmlns:r="http://schemas.openxmlformats.org/officeDocument/2006/relationships" cstate="print">
-            <a:extLst>
-              <a:ext uri="{28A0092B-C50C-407E-A947-70E740481C1C}">
-                <a14:useLocalDpi xmlns:a14="http://schemas.microsoft.com/office/drawing/2010/main" val="0"/>
-              </a:ext>
-            </a:extLst>
-          </a:blip>
+        <a:blipFill rotWithShape="1">
+          <a:blip xmlns:r="http://schemas.openxmlformats.org/officeDocument/2006/relationships" r:embed="rId2"/>
           <a:stretch>
             <a:fillRect/>
           </a:stretch>
@@ -1291,11 +1310,15 @@
           <a:noFill/>
         </a:ln>
       </dgm:spPr>
-      <dgm:extLst>
-        <a:ext uri="{E40237B7-FDA0-4F09-8148-C483321AD2D9}">
-          <dgm14:cNvPr xmlns:dgm14="http://schemas.microsoft.com/office/drawing/2010/diagram" id="0" name="" descr="Thought bubble"/>
-        </a:ext>
-      </dgm:extLst>
+      <dgm:t>
+        <a:bodyPr/>
+        <a:lstStyle/>
+        <a:p>
+          <a:pPr rtl="1"/>
+          <a:endParaRPr lang="he-IL"/>
+        </a:p>
+      </dgm:t>
+      <dgm:extLst/>
     </dgm:pt>
     <dgm:pt modelId="{B06D3FBA-4BA0-40F1-A7D5-4BB7B5534250}" type="pres">
       <dgm:prSet presAssocID="{067DAD8D-EB33-4B95-B036-DBC1AC1DC1F0}" presName="spaceRect" presStyleCnt="0"/>
@@ -1309,6 +1332,14 @@
         </dgm:presLayoutVars>
       </dgm:prSet>
       <dgm:spPr/>
+      <dgm:t>
+        <a:bodyPr/>
+        <a:lstStyle/>
+        <a:p>
+          <a:pPr rtl="1"/>
+          <a:endParaRPr lang="he-IL"/>
+        </a:p>
+      </dgm:t>
     </dgm:pt>
     <dgm:pt modelId="{0E66DB2C-1D03-4563-9FF9-DB832F711F43}" type="pres">
       <dgm:prSet presAssocID="{3A1D991C-E02E-4FA4-B919-5CCE9E11CBBA}" presName="sibTrans" presStyleCnt="0"/>
@@ -1325,14 +1356,8 @@
     <dgm:pt modelId="{EBFDDECD-BC80-4C4D-80EA-AAC5AC6D11F9}" type="pres">
       <dgm:prSet presAssocID="{0E2356AB-49A2-4819-8ACF-C07FEC28373E}" presName="iconRect" presStyleLbl="node1" presStyleIdx="2" presStyleCnt="3"/>
       <dgm:spPr>
-        <a:blipFill>
-          <a:blip xmlns:r="http://schemas.openxmlformats.org/officeDocument/2006/relationships" cstate="print">
-            <a:extLst>
-              <a:ext uri="{28A0092B-C50C-407E-A947-70E740481C1C}">
-                <a14:useLocalDpi xmlns:a14="http://schemas.microsoft.com/office/drawing/2010/main" val="0"/>
-              </a:ext>
-            </a:extLst>
-          </a:blip>
+        <a:blipFill rotWithShape="1">
+          <a:blip xmlns:r="http://schemas.openxmlformats.org/officeDocument/2006/relationships" r:embed="rId2"/>
           <a:stretch>
             <a:fillRect/>
           </a:stretch>
@@ -1341,11 +1366,15 @@
           <a:noFill/>
         </a:ln>
       </dgm:spPr>
-      <dgm:extLst>
-        <a:ext uri="{E40237B7-FDA0-4F09-8148-C483321AD2D9}">
-          <dgm14:cNvPr xmlns:dgm14="http://schemas.microsoft.com/office/drawing/2010/diagram" id="0" name="" descr="Light Bulb and Gear"/>
-        </a:ext>
-      </dgm:extLst>
+      <dgm:t>
+        <a:bodyPr/>
+        <a:lstStyle/>
+        <a:p>
+          <a:pPr rtl="1"/>
+          <a:endParaRPr lang="he-IL"/>
+        </a:p>
+      </dgm:t>
+      <dgm:extLst/>
     </dgm:pt>
     <dgm:pt modelId="{D2E44B1C-7040-4810-B2D7-02B550759A8A}" type="pres">
       <dgm:prSet presAssocID="{0E2356AB-49A2-4819-8ACF-C07FEC28373E}" presName="spaceRect" presStyleCnt="0"/>
@@ -1359,16 +1388,24 @@
         </dgm:presLayoutVars>
       </dgm:prSet>
       <dgm:spPr/>
+      <dgm:t>
+        <a:bodyPr/>
+        <a:lstStyle/>
+        <a:p>
+          <a:pPr rtl="1"/>
+          <a:endParaRPr lang="he-IL"/>
+        </a:p>
+      </dgm:t>
     </dgm:pt>
   </dgm:ptLst>
   <dgm:cxnLst>
-    <dgm:cxn modelId="{6E3B6833-1ABF-4CA8-944B-3FD2D444C57E}" srcId="{27EEFBA6-3CDE-4EB5-A929-21B72A53EBA7}" destId="{067DAD8D-EB33-4B95-B036-DBC1AC1DC1F0}" srcOrd="1" destOrd="0" parTransId="{A4631B97-B19B-4129-BDA4-F2182B1E9817}" sibTransId="{3A1D991C-E02E-4FA4-B919-5CCE9E11CBBA}"/>
     <dgm:cxn modelId="{5BB6743F-3DB1-44C5-A13D-33508438DCCA}" srcId="{27EEFBA6-3CDE-4EB5-A929-21B72A53EBA7}" destId="{0E2356AB-49A2-4819-8ACF-C07FEC28373E}" srcOrd="2" destOrd="0" parTransId="{28DD3876-F822-4CCA-9C8F-F85855FB4776}" sibTransId="{C4DCFE21-FBC3-4E29-A143-5D307DE3FD44}"/>
     <dgm:cxn modelId="{FE907846-EA46-4018-84CD-1283AFF03CEA}" type="presOf" srcId="{F8E82FC2-ECE6-45B1-BB40-B45C8012AF21}" destId="{91D13A7F-11DA-4ABD-9FFD-116F47B5A61B}" srcOrd="0" destOrd="0" presId="urn:microsoft.com/office/officeart/2018/2/layout/IconVerticalSolidList"/>
+    <dgm:cxn modelId="{6E3B6833-1ABF-4CA8-944B-3FD2D444C57E}" srcId="{27EEFBA6-3CDE-4EB5-A929-21B72A53EBA7}" destId="{067DAD8D-EB33-4B95-B036-DBC1AC1DC1F0}" srcOrd="1" destOrd="0" parTransId="{A4631B97-B19B-4129-BDA4-F2182B1E9817}" sibTransId="{3A1D991C-E02E-4FA4-B919-5CCE9E11CBBA}"/>
     <dgm:cxn modelId="{C78EA5A8-B052-4EFC-B53E-37C7CD2D9FDC}" type="presOf" srcId="{067DAD8D-EB33-4B95-B036-DBC1AC1DC1F0}" destId="{4DE8560D-5100-425F-94C8-324171DB9FEE}" srcOrd="0" destOrd="0" presId="urn:microsoft.com/office/officeart/2018/2/layout/IconVerticalSolidList"/>
-    <dgm:cxn modelId="{41CA10CF-346D-425C-B8DB-51FFA100A389}" type="presOf" srcId="{0E2356AB-49A2-4819-8ACF-C07FEC28373E}" destId="{E6A53FA5-D61D-4BA1-9D02-D37A1A449E2C}" srcOrd="0" destOrd="0" presId="urn:microsoft.com/office/officeart/2018/2/layout/IconVerticalSolidList"/>
     <dgm:cxn modelId="{1F8DF9CF-C18B-4F3F-A930-04724CA17827}" srcId="{27EEFBA6-3CDE-4EB5-A929-21B72A53EBA7}" destId="{F8E82FC2-ECE6-45B1-BB40-B45C8012AF21}" srcOrd="0" destOrd="0" parTransId="{E2FA07E9-7E45-416D-8A89-B86E728D40B5}" sibTransId="{C1E84BC1-A348-4CDA-984D-E6C42A0A6ED1}"/>
     <dgm:cxn modelId="{930EA4E6-E657-4691-88EA-3B718637C4E3}" type="presOf" srcId="{27EEFBA6-3CDE-4EB5-A929-21B72A53EBA7}" destId="{5A8E83C2-0E41-44F8-9DAD-301B4837A3CC}" srcOrd="0" destOrd="0" presId="urn:microsoft.com/office/officeart/2018/2/layout/IconVerticalSolidList"/>
+    <dgm:cxn modelId="{41CA10CF-346D-425C-B8DB-51FFA100A389}" type="presOf" srcId="{0E2356AB-49A2-4819-8ACF-C07FEC28373E}" destId="{E6A53FA5-D61D-4BA1-9D02-D37A1A449E2C}" srcOrd="0" destOrd="0" presId="urn:microsoft.com/office/officeart/2018/2/layout/IconVerticalSolidList"/>
     <dgm:cxn modelId="{C4E1AA7B-7E50-4354-A86A-B9DF91767753}" type="presParOf" srcId="{5A8E83C2-0E41-44F8-9DAD-301B4837A3CC}" destId="{30AE6DF6-6A93-4F4B-B092-5FE7575FB289}" srcOrd="0" destOrd="0" presId="urn:microsoft.com/office/officeart/2018/2/layout/IconVerticalSolidList"/>
     <dgm:cxn modelId="{330C7239-BA69-46FB-B108-21EA4F8AC1DA}" type="presParOf" srcId="{30AE6DF6-6A93-4F4B-B092-5FE7575FB289}" destId="{D782BD57-30EA-48B4-87FC-12A78141F70D}" srcOrd="0" destOrd="0" presId="urn:microsoft.com/office/officeart/2018/2/layout/IconVerticalSolidList"/>
     <dgm:cxn modelId="{A3AF9405-0CB2-481A-9B28-8E08436301B6}" type="presParOf" srcId="{30AE6DF6-6A93-4F4B-B092-5FE7575FB289}" destId="{811A4EB8-7831-41D5-A7AA-BBDDAD5C7E09}" srcOrd="1" destOrd="0" presId="urn:microsoft.com/office/officeart/2018/2/layout/IconVerticalSolidList"/>
@@ -1405,462 +1442,6 @@
       <dsp:cNvGrpSpPr/>
     </dsp:nvGrpSpPr>
     <dsp:grpSpPr/>
-    <dsp:sp modelId="{D782BD57-30EA-48B4-87FC-12A78141F70D}">
-      <dsp:nvSpPr>
-        <dsp:cNvPr id="0" name=""/>
-        <dsp:cNvSpPr/>
-      </dsp:nvSpPr>
-      <dsp:spPr>
-        <a:xfrm>
-          <a:off x="0" y="680"/>
-          <a:ext cx="6269038" cy="1591647"/>
-        </a:xfrm>
-        <a:prstGeom prst="roundRect">
-          <a:avLst>
-            <a:gd name="adj" fmla="val 10000"/>
-          </a:avLst>
-        </a:prstGeom>
-        <a:solidFill>
-          <a:schemeClr val="accent2">
-            <a:hueOff val="0"/>
-            <a:satOff val="0"/>
-            <a:lumOff val="0"/>
-            <a:alphaOff val="0"/>
-          </a:schemeClr>
-        </a:solidFill>
-        <a:ln>
-          <a:noFill/>
-        </a:ln>
-        <a:effectLst/>
-      </dsp:spPr>
-      <dsp:style>
-        <a:lnRef idx="0">
-          <a:scrgbClr r="0" g="0" b="0"/>
-        </a:lnRef>
-        <a:fillRef idx="1">
-          <a:scrgbClr r="0" g="0" b="0"/>
-        </a:fillRef>
-        <a:effectRef idx="2">
-          <a:scrgbClr r="0" g="0" b="0"/>
-        </a:effectRef>
-        <a:fontRef idx="minor"/>
-      </dsp:style>
-    </dsp:sp>
-    <dsp:sp modelId="{811A4EB8-7831-41D5-A7AA-BBDDAD5C7E09}">
-      <dsp:nvSpPr>
-        <dsp:cNvPr id="0" name=""/>
-        <dsp:cNvSpPr/>
-      </dsp:nvSpPr>
-      <dsp:spPr>
-        <a:xfrm>
-          <a:off x="481473" y="358800"/>
-          <a:ext cx="875405" cy="875405"/>
-        </a:xfrm>
-        <a:prstGeom prst="rect">
-          <a:avLst/>
-        </a:prstGeom>
-        <a:blipFill>
-          <a:blip xmlns:r="http://schemas.openxmlformats.org/officeDocument/2006/relationships" r:embed="rId1" cstate="print">
-            <a:lum bright="70000" contrast="-70000"/>
-            <a:extLst>
-              <a:ext uri="{28A0092B-C50C-407E-A947-70E740481C1C}">
-                <a14:useLocalDpi xmlns:a14="http://schemas.microsoft.com/office/drawing/2010/main" val="0"/>
-              </a:ext>
-            </a:extLst>
-          </a:blip>
-          <a:srcRect/>
-          <a:stretch>
-            <a:fillRect/>
-          </a:stretch>
-        </a:blipFill>
-        <a:ln>
-          <a:noFill/>
-        </a:ln>
-        <a:effectLst/>
-      </dsp:spPr>
-      <dsp:style>
-        <a:lnRef idx="0">
-          <a:scrgbClr r="0" g="0" b="0"/>
-        </a:lnRef>
-        <a:fillRef idx="3">
-          <a:scrgbClr r="0" g="0" b="0"/>
-        </a:fillRef>
-        <a:effectRef idx="2">
-          <a:scrgbClr r="0" g="0" b="0"/>
-        </a:effectRef>
-        <a:fontRef idx="minor">
-          <a:schemeClr val="lt1"/>
-        </a:fontRef>
-      </dsp:style>
-    </dsp:sp>
-    <dsp:sp modelId="{91D13A7F-11DA-4ABD-9FFD-116F47B5A61B}">
-      <dsp:nvSpPr>
-        <dsp:cNvPr id="0" name=""/>
-        <dsp:cNvSpPr/>
-      </dsp:nvSpPr>
-      <dsp:spPr>
-        <a:xfrm>
-          <a:off x="1838352" y="680"/>
-          <a:ext cx="4430685" cy="1591647"/>
-        </a:xfrm>
-        <a:prstGeom prst="rect">
-          <a:avLst/>
-        </a:prstGeom>
-        <a:noFill/>
-        <a:ln>
-          <a:noFill/>
-        </a:ln>
-        <a:effectLst/>
-      </dsp:spPr>
-      <dsp:style>
-        <a:lnRef idx="0">
-          <a:scrgbClr r="0" g="0" b="0"/>
-        </a:lnRef>
-        <a:fillRef idx="0">
-          <a:scrgbClr r="0" g="0" b="0"/>
-        </a:fillRef>
-        <a:effectRef idx="0">
-          <a:scrgbClr r="0" g="0" b="0"/>
-        </a:effectRef>
-        <a:fontRef idx="minor"/>
-      </dsp:style>
-      <dsp:txBody>
-        <a:bodyPr spcFirstLastPara="0" vert="horz" wrap="square" lIns="168449" tIns="168449" rIns="168449" bIns="168449" numCol="1" spcCol="1270" anchor="ctr" anchorCtr="0">
-          <a:noAutofit/>
-        </a:bodyPr>
-        <a:lstStyle/>
-        <a:p>
-          <a:pPr marL="0" lvl="0" indent="0" algn="l" defTabSz="977900">
-            <a:lnSpc>
-              <a:spcPct val="90000"/>
-            </a:lnSpc>
-            <a:spcBef>
-              <a:spcPct val="0"/>
-            </a:spcBef>
-            <a:spcAft>
-              <a:spcPct val="35000"/>
-            </a:spcAft>
-            <a:buNone/>
-          </a:pPr>
-          <a:r>
-            <a:rPr lang="en-US" sz="2200" kern="1200" dirty="0"/>
-            <a:t>Quartet Game is a popular game in Israel. </a:t>
-          </a:r>
-        </a:p>
-      </dsp:txBody>
-      <dsp:txXfrm>
-        <a:off x="1838352" y="680"/>
-        <a:ext cx="4430685" cy="1591647"/>
-      </dsp:txXfrm>
-    </dsp:sp>
-    <dsp:sp modelId="{0349E507-1830-40B1-8679-CACF21DDA528}">
-      <dsp:nvSpPr>
-        <dsp:cNvPr id="0" name=""/>
-        <dsp:cNvSpPr/>
-      </dsp:nvSpPr>
-      <dsp:spPr>
-        <a:xfrm>
-          <a:off x="0" y="1990238"/>
-          <a:ext cx="6269038" cy="1591647"/>
-        </a:xfrm>
-        <a:prstGeom prst="roundRect">
-          <a:avLst>
-            <a:gd name="adj" fmla="val 10000"/>
-          </a:avLst>
-        </a:prstGeom>
-        <a:solidFill>
-          <a:schemeClr val="accent3">
-            <a:hueOff val="0"/>
-            <a:satOff val="0"/>
-            <a:lumOff val="0"/>
-            <a:alphaOff val="0"/>
-          </a:schemeClr>
-        </a:solidFill>
-        <a:ln>
-          <a:noFill/>
-        </a:ln>
-        <a:effectLst/>
-      </dsp:spPr>
-      <dsp:style>
-        <a:lnRef idx="0">
-          <a:scrgbClr r="0" g="0" b="0"/>
-        </a:lnRef>
-        <a:fillRef idx="1">
-          <a:scrgbClr r="0" g="0" b="0"/>
-        </a:fillRef>
-        <a:effectRef idx="2">
-          <a:scrgbClr r="0" g="0" b="0"/>
-        </a:effectRef>
-        <a:fontRef idx="minor"/>
-      </dsp:style>
-    </dsp:sp>
-    <dsp:sp modelId="{23E74EE0-F03A-4DE5-AC44-DF0E20FB729D}">
-      <dsp:nvSpPr>
-        <dsp:cNvPr id="0" name=""/>
-        <dsp:cNvSpPr/>
-      </dsp:nvSpPr>
-      <dsp:spPr>
-        <a:xfrm>
-          <a:off x="481473" y="2348359"/>
-          <a:ext cx="875405" cy="875405"/>
-        </a:xfrm>
-        <a:prstGeom prst="rect">
-          <a:avLst/>
-        </a:prstGeom>
-        <a:blipFill>
-          <a:blip xmlns:r="http://schemas.openxmlformats.org/officeDocument/2006/relationships" cstate="print">
-            <a:extLst>
-              <a:ext uri="{28A0092B-C50C-407E-A947-70E740481C1C}">
-                <a14:useLocalDpi xmlns:a14="http://schemas.microsoft.com/office/drawing/2010/main" val="0"/>
-              </a:ext>
-            </a:extLst>
-          </a:blip>
-          <a:stretch>
-            <a:fillRect/>
-          </a:stretch>
-        </a:blipFill>
-        <a:ln>
-          <a:noFill/>
-        </a:ln>
-        <a:effectLst/>
-      </dsp:spPr>
-      <dsp:style>
-        <a:lnRef idx="0">
-          <a:scrgbClr r="0" g="0" b="0"/>
-        </a:lnRef>
-        <a:fillRef idx="3">
-          <a:scrgbClr r="0" g="0" b="0"/>
-        </a:fillRef>
-        <a:effectRef idx="2">
-          <a:scrgbClr r="0" g="0" b="0"/>
-        </a:effectRef>
-        <a:fontRef idx="minor">
-          <a:schemeClr val="lt1"/>
-        </a:fontRef>
-      </dsp:style>
-    </dsp:sp>
-    <dsp:sp modelId="{4DE8560D-5100-425F-94C8-324171DB9FEE}">
-      <dsp:nvSpPr>
-        <dsp:cNvPr id="0" name=""/>
-        <dsp:cNvSpPr/>
-      </dsp:nvSpPr>
-      <dsp:spPr>
-        <a:xfrm>
-          <a:off x="1838352" y="1990238"/>
-          <a:ext cx="4430685" cy="1591647"/>
-        </a:xfrm>
-        <a:prstGeom prst="rect">
-          <a:avLst/>
-        </a:prstGeom>
-        <a:noFill/>
-        <a:ln>
-          <a:noFill/>
-        </a:ln>
-        <a:effectLst/>
-      </dsp:spPr>
-      <dsp:style>
-        <a:lnRef idx="0">
-          <a:scrgbClr r="0" g="0" b="0"/>
-        </a:lnRef>
-        <a:fillRef idx="0">
-          <a:scrgbClr r="0" g="0" b="0"/>
-        </a:fillRef>
-        <a:effectRef idx="0">
-          <a:scrgbClr r="0" g="0" b="0"/>
-        </a:effectRef>
-        <a:fontRef idx="minor"/>
-      </dsp:style>
-      <dsp:txBody>
-        <a:bodyPr spcFirstLastPara="0" vert="horz" wrap="square" lIns="168449" tIns="168449" rIns="168449" bIns="168449" numCol="1" spcCol="1270" anchor="ctr" anchorCtr="0">
-          <a:noAutofit/>
-        </a:bodyPr>
-        <a:lstStyle/>
-        <a:p>
-          <a:pPr marL="0" lvl="0" indent="0" algn="l" defTabSz="977900">
-            <a:lnSpc>
-              <a:spcPct val="90000"/>
-            </a:lnSpc>
-            <a:spcBef>
-              <a:spcPct val="0"/>
-            </a:spcBef>
-            <a:spcAft>
-              <a:spcPct val="35000"/>
-            </a:spcAft>
-            <a:buNone/>
-          </a:pPr>
-          <a:r>
-            <a:rPr lang="en-US" sz="2200" kern="1200" dirty="0"/>
-            <a:t>Sometimes people cheat while playing this game. </a:t>
-          </a:r>
-        </a:p>
-      </dsp:txBody>
-      <dsp:txXfrm>
-        <a:off x="1838352" y="1990238"/>
-        <a:ext cx="4430685" cy="1591647"/>
-      </dsp:txXfrm>
-    </dsp:sp>
-    <dsp:sp modelId="{F1617EB9-6964-4124-BF57-7255796F6B65}">
-      <dsp:nvSpPr>
-        <dsp:cNvPr id="0" name=""/>
-        <dsp:cNvSpPr/>
-      </dsp:nvSpPr>
-      <dsp:spPr>
-        <a:xfrm>
-          <a:off x="0" y="3979797"/>
-          <a:ext cx="6269038" cy="1591647"/>
-        </a:xfrm>
-        <a:prstGeom prst="roundRect">
-          <a:avLst>
-            <a:gd name="adj" fmla="val 10000"/>
-          </a:avLst>
-        </a:prstGeom>
-        <a:solidFill>
-          <a:schemeClr val="accent4">
-            <a:hueOff val="0"/>
-            <a:satOff val="0"/>
-            <a:lumOff val="0"/>
-            <a:alphaOff val="0"/>
-          </a:schemeClr>
-        </a:solidFill>
-        <a:ln>
-          <a:noFill/>
-        </a:ln>
-        <a:effectLst/>
-      </dsp:spPr>
-      <dsp:style>
-        <a:lnRef idx="0">
-          <a:scrgbClr r="0" g="0" b="0"/>
-        </a:lnRef>
-        <a:fillRef idx="1">
-          <a:scrgbClr r="0" g="0" b="0"/>
-        </a:fillRef>
-        <a:effectRef idx="2">
-          <a:scrgbClr r="0" g="0" b="0"/>
-        </a:effectRef>
-        <a:fontRef idx="minor"/>
-      </dsp:style>
-    </dsp:sp>
-    <dsp:sp modelId="{EBFDDECD-BC80-4C4D-80EA-AAC5AC6D11F9}">
-      <dsp:nvSpPr>
-        <dsp:cNvPr id="0" name=""/>
-        <dsp:cNvSpPr/>
-      </dsp:nvSpPr>
-      <dsp:spPr>
-        <a:xfrm>
-          <a:off x="481473" y="4337918"/>
-          <a:ext cx="875405" cy="875405"/>
-        </a:xfrm>
-        <a:prstGeom prst="rect">
-          <a:avLst/>
-        </a:prstGeom>
-        <a:blipFill>
-          <a:blip xmlns:r="http://schemas.openxmlformats.org/officeDocument/2006/relationships" cstate="print">
-            <a:extLst>
-              <a:ext uri="{28A0092B-C50C-407E-A947-70E740481C1C}">
-                <a14:useLocalDpi xmlns:a14="http://schemas.microsoft.com/office/drawing/2010/main" val="0"/>
-              </a:ext>
-            </a:extLst>
-          </a:blip>
-          <a:stretch>
-            <a:fillRect/>
-          </a:stretch>
-        </a:blipFill>
-        <a:ln>
-          <a:noFill/>
-        </a:ln>
-        <a:effectLst/>
-      </dsp:spPr>
-      <dsp:style>
-        <a:lnRef idx="0">
-          <a:scrgbClr r="0" g="0" b="0"/>
-        </a:lnRef>
-        <a:fillRef idx="3">
-          <a:scrgbClr r="0" g="0" b="0"/>
-        </a:fillRef>
-        <a:effectRef idx="2">
-          <a:scrgbClr r="0" g="0" b="0"/>
-        </a:effectRef>
-        <a:fontRef idx="minor">
-          <a:schemeClr val="lt1"/>
-        </a:fontRef>
-      </dsp:style>
-    </dsp:sp>
-    <dsp:sp modelId="{E6A53FA5-D61D-4BA1-9D02-D37A1A449E2C}">
-      <dsp:nvSpPr>
-        <dsp:cNvPr id="0" name=""/>
-        <dsp:cNvSpPr/>
-      </dsp:nvSpPr>
-      <dsp:spPr>
-        <a:xfrm>
-          <a:off x="1838352" y="3979797"/>
-          <a:ext cx="4430685" cy="1591647"/>
-        </a:xfrm>
-        <a:prstGeom prst="rect">
-          <a:avLst/>
-        </a:prstGeom>
-        <a:noFill/>
-        <a:ln>
-          <a:noFill/>
-        </a:ln>
-        <a:effectLst/>
-      </dsp:spPr>
-      <dsp:style>
-        <a:lnRef idx="0">
-          <a:scrgbClr r="0" g="0" b="0"/>
-        </a:lnRef>
-        <a:fillRef idx="0">
-          <a:scrgbClr r="0" g="0" b="0"/>
-        </a:fillRef>
-        <a:effectRef idx="0">
-          <a:scrgbClr r="0" g="0" b="0"/>
-        </a:effectRef>
-        <a:fontRef idx="minor"/>
-      </dsp:style>
-      <dsp:txBody>
-        <a:bodyPr spcFirstLastPara="0" vert="horz" wrap="square" lIns="168449" tIns="168449" rIns="168449" bIns="168449" numCol="1" spcCol="1270" anchor="ctr" anchorCtr="0">
-          <a:noAutofit/>
-        </a:bodyPr>
-        <a:lstStyle/>
-        <a:p>
-          <a:pPr marL="0" lvl="0" indent="0" algn="l" defTabSz="977900">
-            <a:lnSpc>
-              <a:spcPct val="90000"/>
-            </a:lnSpc>
-            <a:spcBef>
-              <a:spcPct val="0"/>
-            </a:spcBef>
-            <a:spcAft>
-              <a:spcPct val="35000"/>
-            </a:spcAft>
-            <a:buNone/>
-          </a:pPr>
-          <a:r>
-            <a:rPr lang="en-US" sz="2200" kern="1200" dirty="0"/>
-            <a:t>Therefore we came up with the idea to build a playing system based on </a:t>
-          </a:r>
-          <a:r>
-            <a:rPr lang="en-US" sz="2200" kern="1200" dirty="0" err="1"/>
-            <a:t>blockchain</a:t>
-          </a:r>
-          <a:r>
-            <a:rPr lang="en-US" sz="2200" kern="1200" dirty="0"/>
-            <a:t> and verification with </a:t>
-          </a:r>
-          <a:r>
-            <a:rPr lang="en-US" sz="2200" kern="1200" dirty="0" err="1"/>
-            <a:t>merkle</a:t>
-          </a:r>
-          <a:r>
-            <a:rPr lang="en-US" sz="2200" kern="1200" dirty="0"/>
-            <a:t> tree</a:t>
-          </a:r>
-        </a:p>
-      </dsp:txBody>
-      <dsp:txXfrm>
-        <a:off x="1838352" y="3979797"/>
-        <a:ext cx="4430685" cy="1591647"/>
-      </dsp:txXfrm>
-    </dsp:sp>
   </dsp:spTree>
 </dsp:drawing>
 </file>
@@ -2142,7 +1723,7 @@
   </dgm:layoutNode>
   <dgm:extLst>
     <a:ext uri="{68A01E43-0DF5-4B5B-8FA6-DAF915123BFB}">
-      <dgm1612:lstStyle xmlns:dgm1612="http://schemas.microsoft.com/office/drawing/2016/12/diagram">
+      <dgm1612:lstStyle xmlns="" xmlns:dgm1612="http://schemas.microsoft.com/office/drawing/2016/12/diagram">
         <a:lvl1pPr>
           <a:lnSpc>
             <a:spcPct val="100000"/>
@@ -4404,7 +3985,7 @@
     </p:spTree>
     <p:extLst>
       <p:ext uri="{BB962C8B-B14F-4D97-AF65-F5344CB8AC3E}">
-        <p14:creationId xmlns:p14="http://schemas.microsoft.com/office/powerpoint/2010/main" val="2775695308"/>
+        <p14:creationId xmlns:p14="http://schemas.microsoft.com/office/powerpoint/2010/main" val="1287930728"/>
       </p:ext>
     </p:extLst>
   </p:cSld>
@@ -4419,7 +4000,7 @@
   <p:cSld>
     <p:spTree>
       <p:nvGrpSpPr>
-        <p:cNvPr id="1" name="Shape 274"/>
+        <p:cNvPr id="1" name="Shape 266"/>
         <p:cNvGrpSpPr/>
         <p:nvPr/>
       </p:nvGrpSpPr>
@@ -4433,7 +4014,7 @@
       </p:grpSpPr>
       <p:sp>
         <p:nvSpPr>
-          <p:cNvPr id="275" name="Google Shape;275;g35ed75ccf_022:notes"/>
+          <p:cNvPr id="267" name="Google Shape;267;g35ed75ccf_0113:notes"/>
           <p:cNvSpPr>
             <a:spLocks noGrp="1" noRot="1" noChangeAspect="1"/>
           </p:cNvSpPr>
@@ -4474,7 +4055,7 @@
       </p:sp>
       <p:sp>
         <p:nvSpPr>
-          <p:cNvPr id="276" name="Google Shape;276;g35ed75ccf_022:notes"/>
+          <p:cNvPr id="268" name="Google Shape;268;g35ed75ccf_0113:notes"/>
           <p:cNvSpPr txBox="1">
             <a:spLocks noGrp="1"/>
           </p:cNvSpPr>
@@ -4513,7 +4094,7 @@
     </p:spTree>
     <p:extLst>
       <p:ext uri="{BB962C8B-B14F-4D97-AF65-F5344CB8AC3E}">
-        <p14:creationId xmlns:p14="http://schemas.microsoft.com/office/powerpoint/2010/main" val="1692684197"/>
+        <p14:creationId xmlns:p14="http://schemas.microsoft.com/office/powerpoint/2010/main" val="2775695308"/>
       </p:ext>
     </p:extLst>
   </p:cSld>
@@ -4623,6 +4204,115 @@
     <p:extLst>
       <p:ext uri="{BB962C8B-B14F-4D97-AF65-F5344CB8AC3E}">
         <p14:creationId xmlns:p14="http://schemas.microsoft.com/office/powerpoint/2010/main" val="4096780874"/>
+      </p:ext>
+    </p:extLst>
+  </p:cSld>
+  <p:clrMapOvr>
+    <a:masterClrMapping/>
+  </p:clrMapOvr>
+</p:notes>
+</file>
+
+<file path=ppt/notesSlides/notesSlide19.xml><?xml version="1.0" encoding="utf-8"?>
+<p:notes xmlns:a="http://schemas.openxmlformats.org/drawingml/2006/main" xmlns:r="http://schemas.openxmlformats.org/officeDocument/2006/relationships" xmlns:p="http://schemas.openxmlformats.org/presentationml/2006/main" showMasterSp="0" showMasterPhAnim="0">
+  <p:cSld>
+    <p:spTree>
+      <p:nvGrpSpPr>
+        <p:cNvPr id="1" name="Shape 274"/>
+        <p:cNvGrpSpPr/>
+        <p:nvPr/>
+      </p:nvGrpSpPr>
+      <p:grpSpPr>
+        <a:xfrm>
+          <a:off x="0" y="0"/>
+          <a:ext cx="0" cy="0"/>
+          <a:chOff x="0" y="0"/>
+          <a:chExt cx="0" cy="0"/>
+        </a:xfrm>
+      </p:grpSpPr>
+      <p:sp>
+        <p:nvSpPr>
+          <p:cNvPr id="275" name="Google Shape;275;g35ed75ccf_022:notes"/>
+          <p:cNvSpPr>
+            <a:spLocks noGrp="1" noRot="1" noChangeAspect="1"/>
+          </p:cNvSpPr>
+          <p:nvPr>
+            <p:ph type="sldImg" idx="2"/>
+          </p:nvPr>
+        </p:nvSpPr>
+        <p:spPr>
+          <a:xfrm>
+            <a:off x="381000" y="685800"/>
+            <a:ext cx="6096000" cy="3429000"/>
+          </a:xfrm>
+          <a:custGeom>
+            <a:avLst/>
+            <a:gdLst/>
+            <a:ahLst/>
+            <a:cxnLst/>
+            <a:rect l="l" t="t" r="r" b="b"/>
+            <a:pathLst>
+              <a:path w="120000" h="120000" extrusionOk="0">
+                <a:moveTo>
+                  <a:pt x="0" y="0"/>
+                </a:moveTo>
+                <a:lnTo>
+                  <a:pt x="120000" y="0"/>
+                </a:lnTo>
+                <a:lnTo>
+                  <a:pt x="120000" y="120000"/>
+                </a:lnTo>
+                <a:lnTo>
+                  <a:pt x="0" y="120000"/>
+                </a:lnTo>
+                <a:close/>
+              </a:path>
+            </a:pathLst>
+          </a:custGeom>
+        </p:spPr>
+      </p:sp>
+      <p:sp>
+        <p:nvSpPr>
+          <p:cNvPr id="276" name="Google Shape;276;g35ed75ccf_022:notes"/>
+          <p:cNvSpPr txBox="1">
+            <a:spLocks noGrp="1"/>
+          </p:cNvSpPr>
+          <p:nvPr>
+            <p:ph type="body" idx="1"/>
+          </p:nvPr>
+        </p:nvSpPr>
+        <p:spPr>
+          <a:xfrm>
+            <a:off x="685800" y="4343400"/>
+            <a:ext cx="5486400" cy="4114800"/>
+          </a:xfrm>
+          <a:prstGeom prst="rect">
+            <a:avLst/>
+          </a:prstGeom>
+        </p:spPr>
+        <p:txBody>
+          <a:bodyPr spcFirstLastPara="1" wrap="square" lIns="91425" tIns="91425" rIns="91425" bIns="91425" anchor="t" anchorCtr="0">
+            <a:noAutofit/>
+          </a:bodyPr>
+          <a:lstStyle/>
+          <a:p>
+            <a:pPr marL="0" lvl="0" indent="0" algn="l" rtl="0">
+              <a:spcBef>
+                <a:spcPts val="0"/>
+              </a:spcBef>
+              <a:spcAft>
+                <a:spcPts val="0"/>
+              </a:spcAft>
+              <a:buNone/>
+            </a:pPr>
+            <a:endParaRPr/>
+          </a:p>
+        </p:txBody>
+      </p:sp>
+    </p:spTree>
+    <p:extLst>
+      <p:ext uri="{BB962C8B-B14F-4D97-AF65-F5344CB8AC3E}">
+        <p14:creationId xmlns:p14="http://schemas.microsoft.com/office/powerpoint/2010/main" val="1692684197"/>
       </p:ext>
     </p:extLst>
   </p:cSld>
@@ -11539,6 +11229,13 @@
                 <a:cs typeface="BN Barak" panose="02000000000000000000" pitchFamily="2" charset="-79"/>
               </a:rPr>
             </a:br>
+            <a:r>
+              <a:rPr lang="en-US" sz="2800" dirty="0">
+                <a:latin typeface="Buxton Sketch" panose="03080500000500000004" pitchFamily="66" charset="0"/>
+                <a:cs typeface="BN Barak" panose="02000000000000000000" pitchFamily="2" charset="-79"/>
+              </a:rPr>
+              <a:t/>
+            </a:r>
             <a:br>
               <a:rPr lang="en-US" sz="2800" dirty="0">
                 <a:latin typeface="Buxton Sketch" panose="03080500000500000004" pitchFamily="66" charset="0"/>
@@ -11551,6 +11248,13 @@
                 <a:cs typeface="BN Barak" panose="02000000000000000000" pitchFamily="2" charset="-79"/>
               </a:rPr>
               <a:t>Ron Friedman 209490358</a:t>
+            </a:r>
+            <a:r>
+              <a:rPr lang="he-IL" sz="2000" dirty="0">
+                <a:latin typeface="Tempus Sans ITC" panose="04020404030D07020202" pitchFamily="82" charset="0"/>
+                <a:cs typeface="BN Barak" panose="02000000000000000000" pitchFamily="2" charset="-79"/>
+              </a:rPr>
+              <a:t/>
             </a:r>
             <a:br>
               <a:rPr lang="he-IL" sz="2000" dirty="0">
@@ -11603,6 +11307,13 @@
   <p:clrMapOvr>
     <a:masterClrMapping/>
   </p:clrMapOvr>
+  <p:timing>
+    <p:tnLst>
+      <p:par>
+        <p:cTn id="1" dur="indefinite" restart="never" nodeType="tmRoot"/>
+      </p:par>
+    </p:tnLst>
+  </p:timing>
 </p:sld>
 </file>
 
@@ -14656,7 +14367,7 @@
         <p:spPr>
           <a:xfrm>
             <a:off x="1543988" y="2008665"/>
-            <a:ext cx="3320321" cy="3108543"/>
+            <a:ext cx="3320321" cy="2677656"/>
           </a:xfrm>
           <a:prstGeom prst="rect">
             <a:avLst/>
@@ -14671,7 +14382,7 @@
           <a:p>
             <a:pPr algn="l" rtl="0"/>
             <a:r>
-              <a:rPr lang="en-US" sz="2800" dirty="0">
+              <a:rPr lang="en-US" sz="2800" dirty="0" smtClean="0">
                 <a:solidFill>
                   <a:schemeClr val="accent2">
                     <a:lumMod val="20000"/>
@@ -14681,11 +14392,8 @@
                 <a:latin typeface="Microsoft YaHei UI Light" panose="020B0502040204020203" pitchFamily="34" charset="-122"/>
                 <a:ea typeface="Microsoft YaHei UI Light" panose="020B0502040204020203" pitchFamily="34" charset="-122"/>
               </a:rPr>
-              <a:t>Main Page</a:t>
+              <a:t>The Main Page - where </a:t>
             </a:r>
-          </a:p>
-          <a:p>
-            <a:pPr algn="l" rtl="0"/>
             <a:r>
               <a:rPr lang="en-US" sz="2800" dirty="0">
                 <a:solidFill>
@@ -14697,7 +14405,46 @@
                 <a:latin typeface="Microsoft YaHei UI Light" panose="020B0502040204020203" pitchFamily="34" charset="-122"/>
                 <a:ea typeface="Microsoft YaHei UI Light" panose="020B0502040204020203" pitchFamily="34" charset="-122"/>
               </a:rPr>
-              <a:t>The place where the player can declaring his/her public key. After that, the player can start playing</a:t>
+              <a:t>the player </a:t>
+            </a:r>
+            <a:r>
+              <a:rPr lang="en-US" sz="2800" dirty="0" smtClean="0">
+                <a:solidFill>
+                  <a:schemeClr val="accent2">
+                    <a:lumMod val="20000"/>
+                    <a:lumOff val="80000"/>
+                  </a:schemeClr>
+                </a:solidFill>
+                <a:latin typeface="Microsoft YaHei UI Light" panose="020B0502040204020203" pitchFamily="34" charset="-122"/>
+                <a:ea typeface="Microsoft YaHei UI Light" panose="020B0502040204020203" pitchFamily="34" charset="-122"/>
+              </a:rPr>
+              <a:t>should insert </a:t>
+            </a:r>
+            <a:r>
+              <a:rPr lang="en-US" sz="2800" dirty="0">
+                <a:solidFill>
+                  <a:schemeClr val="accent2">
+                    <a:lumMod val="20000"/>
+                    <a:lumOff val="80000"/>
+                  </a:schemeClr>
+                </a:solidFill>
+                <a:latin typeface="Microsoft YaHei UI Light" panose="020B0502040204020203" pitchFamily="34" charset="-122"/>
+                <a:ea typeface="Microsoft YaHei UI Light" panose="020B0502040204020203" pitchFamily="34" charset="-122"/>
+              </a:rPr>
+              <a:t>his/her public </a:t>
+            </a:r>
+            <a:r>
+              <a:rPr lang="en-US" sz="2800" dirty="0" smtClean="0">
+                <a:solidFill>
+                  <a:schemeClr val="accent2">
+                    <a:lumMod val="20000"/>
+                    <a:lumOff val="80000"/>
+                  </a:schemeClr>
+                </a:solidFill>
+                <a:latin typeface="Microsoft YaHei UI Light" panose="020B0502040204020203" pitchFamily="34" charset="-122"/>
+                <a:ea typeface="Microsoft YaHei UI Light" panose="020B0502040204020203" pitchFamily="34" charset="-122"/>
+              </a:rPr>
+              <a:t>key and than start playing.</a:t>
             </a:r>
             <a:endParaRPr lang="he-IL" sz="2800" dirty="0">
               <a:solidFill>
@@ -14717,7 +14464,7 @@
           <p:cNvPr id="4" name="Picture 3">
             <a:extLst>
               <a:ext uri="{FF2B5EF4-FFF2-40B4-BE49-F238E27FC236}">
-                <a16:creationId xmlns:a16="http://schemas.microsoft.com/office/drawing/2014/main" id="{94C2DCA4-624E-4232-B21D-CFCEDDB60497}"/>
+                <a16:creationId xmlns="" xmlns:a16="http://schemas.microsoft.com/office/drawing/2014/main" id="{94C2DCA4-624E-4232-B21D-CFCEDDB60497}"/>
               </a:ext>
             </a:extLst>
           </p:cNvPr>
@@ -14747,7 +14494,7 @@
           <p:cNvPr id="3" name="Picture 2">
             <a:extLst>
               <a:ext uri="{FF2B5EF4-FFF2-40B4-BE49-F238E27FC236}">
-                <a16:creationId xmlns:a16="http://schemas.microsoft.com/office/drawing/2014/main" id="{C67DDB77-9FFE-40CC-98F4-E72E9C8A19DB}"/>
+                <a16:creationId xmlns="" xmlns:a16="http://schemas.microsoft.com/office/drawing/2014/main" id="{C67DDB77-9FFE-40CC-98F4-E72E9C8A19DB}"/>
               </a:ext>
             </a:extLst>
           </p:cNvPr>
@@ -15298,7 +15045,7 @@
         <p:spPr>
           <a:xfrm>
             <a:off x="1543988" y="2008665"/>
-            <a:ext cx="3320321" cy="2246769"/>
+            <a:ext cx="3320321" cy="2677656"/>
           </a:xfrm>
           <a:prstGeom prst="rect">
             <a:avLst/>
@@ -15329,6 +15076,19 @@
           <a:p>
             <a:pPr algn="l" rtl="0"/>
             <a:r>
+              <a:rPr lang="en-US" sz="2800" dirty="0" smtClean="0">
+                <a:solidFill>
+                  <a:schemeClr val="accent2">
+                    <a:lumMod val="20000"/>
+                    <a:lumOff val="80000"/>
+                  </a:schemeClr>
+                </a:solidFill>
+                <a:latin typeface="Microsoft YaHei UI Light" panose="020B0502040204020203" pitchFamily="34" charset="-122"/>
+                <a:ea typeface="Microsoft YaHei UI Light" panose="020B0502040204020203" pitchFamily="34" charset="-122"/>
+              </a:rPr>
+              <a:t>The </a:t>
+            </a:r>
+            <a:r>
               <a:rPr lang="en-US" sz="2800" dirty="0">
                 <a:solidFill>
                   <a:schemeClr val="accent2">
@@ -15339,7 +15099,20 @@
                 <a:latin typeface="Microsoft YaHei UI Light" panose="020B0502040204020203" pitchFamily="34" charset="-122"/>
                 <a:ea typeface="Microsoft YaHei UI Light" panose="020B0502040204020203" pitchFamily="34" charset="-122"/>
               </a:rPr>
-              <a:t>Here the player can create his own game and wait for other players</a:t>
+              <a:t>player can create his own game and wait for other </a:t>
+            </a:r>
+            <a:r>
+              <a:rPr lang="en-US" sz="2800" dirty="0" smtClean="0">
+                <a:solidFill>
+                  <a:schemeClr val="accent2">
+                    <a:lumMod val="20000"/>
+                    <a:lumOff val="80000"/>
+                  </a:schemeClr>
+                </a:solidFill>
+                <a:latin typeface="Microsoft YaHei UI Light" panose="020B0502040204020203" pitchFamily="34" charset="-122"/>
+                <a:ea typeface="Microsoft YaHei UI Light" panose="020B0502040204020203" pitchFamily="34" charset="-122"/>
+              </a:rPr>
+              <a:t>players to join his game</a:t>
             </a:r>
             <a:endParaRPr lang="he-IL" sz="2800" dirty="0">
               <a:solidFill>
@@ -15359,7 +15132,7 @@
           <p:cNvPr id="4" name="Picture 3">
             <a:extLst>
               <a:ext uri="{FF2B5EF4-FFF2-40B4-BE49-F238E27FC236}">
-                <a16:creationId xmlns:a16="http://schemas.microsoft.com/office/drawing/2014/main" id="{B7B2A0CE-24B9-4E35-8D0B-46D3AB81B223}"/>
+                <a16:creationId xmlns="" xmlns:a16="http://schemas.microsoft.com/office/drawing/2014/main" id="{B7B2A0CE-24B9-4E35-8D0B-46D3AB81B223}"/>
               </a:ext>
             </a:extLst>
           </p:cNvPr>
@@ -15405,7 +15178,7 @@
         <a:gradFill>
           <a:gsLst>
             <a:gs pos="0">
-              <a:srgbClr val="FFFF00"/>
+              <a:srgbClr val="FFC000"/>
             </a:gs>
             <a:gs pos="100000">
               <a:srgbClr val="B8DF32"/>
@@ -15951,7 +15724,46 @@
                 <a:latin typeface="Microsoft YaHei UI Light" panose="020B0502040204020203" pitchFamily="34" charset="-122"/>
                 <a:ea typeface="Microsoft YaHei UI Light" panose="020B0502040204020203" pitchFamily="34" charset="-122"/>
               </a:rPr>
-              <a:t>The player can choose which room he wants to join</a:t>
+              <a:t>The player can choose which </a:t>
+            </a:r>
+            <a:r>
+              <a:rPr lang="en-US" sz="2800" dirty="0" smtClean="0">
+                <a:solidFill>
+                  <a:schemeClr val="accent2">
+                    <a:lumMod val="20000"/>
+                    <a:lumOff val="80000"/>
+                  </a:schemeClr>
+                </a:solidFill>
+                <a:latin typeface="Microsoft YaHei UI Light" panose="020B0502040204020203" pitchFamily="34" charset="-122"/>
+                <a:ea typeface="Microsoft YaHei UI Light" panose="020B0502040204020203" pitchFamily="34" charset="-122"/>
+              </a:rPr>
+              <a:t>game he/she </a:t>
+            </a:r>
+            <a:r>
+              <a:rPr lang="en-US" sz="2800" dirty="0">
+                <a:solidFill>
+                  <a:schemeClr val="accent2">
+                    <a:lumMod val="20000"/>
+                    <a:lumOff val="80000"/>
+                  </a:schemeClr>
+                </a:solidFill>
+                <a:latin typeface="Microsoft YaHei UI Light" panose="020B0502040204020203" pitchFamily="34" charset="-122"/>
+                <a:ea typeface="Microsoft YaHei UI Light" panose="020B0502040204020203" pitchFamily="34" charset="-122"/>
+              </a:rPr>
+              <a:t>wants to </a:t>
+            </a:r>
+            <a:r>
+              <a:rPr lang="en-US" sz="2800" dirty="0" smtClean="0">
+                <a:solidFill>
+                  <a:schemeClr val="accent2">
+                    <a:lumMod val="20000"/>
+                    <a:lumOff val="80000"/>
+                  </a:schemeClr>
+                </a:solidFill>
+                <a:latin typeface="Microsoft YaHei UI Light" panose="020B0502040204020203" pitchFamily="34" charset="-122"/>
+                <a:ea typeface="Microsoft YaHei UI Light" panose="020B0502040204020203" pitchFamily="34" charset="-122"/>
+              </a:rPr>
+              <a:t>join to. </a:t>
             </a:r>
             <a:endParaRPr lang="he-IL" sz="2800" dirty="0">
               <a:solidFill>
@@ -15971,7 +15783,7 @@
           <p:cNvPr id="3" name="Picture 2">
             <a:extLst>
               <a:ext uri="{FF2B5EF4-FFF2-40B4-BE49-F238E27FC236}">
-                <a16:creationId xmlns:a16="http://schemas.microsoft.com/office/drawing/2014/main" id="{97E9F436-B0BB-4AAB-970C-B3EB3A118CDC}"/>
+                <a16:creationId xmlns="" xmlns:a16="http://schemas.microsoft.com/office/drawing/2014/main" id="{97E9F436-B0BB-4AAB-970C-B3EB3A118CDC}"/>
               </a:ext>
             </a:extLst>
           </p:cNvPr>
@@ -16566,7 +16378,7 @@
               <a:t>The actual game. The player can see his own cards, ask other players for cards and buy special cards using </a:t>
             </a:r>
             <a:r>
-              <a:rPr lang="en-US" sz="2800" dirty="0" err="1">
+              <a:rPr lang="en-US" sz="2800" dirty="0" smtClean="0">
                 <a:solidFill>
                   <a:schemeClr val="accent2">
                     <a:lumMod val="20000"/>
@@ -16576,20 +16388,7 @@
                 <a:latin typeface="Microsoft YaHei UI Light" panose="020B0502040204020203" pitchFamily="34" charset="-122"/>
                 <a:ea typeface="Microsoft YaHei UI Light" panose="020B0502040204020203" pitchFamily="34" charset="-122"/>
               </a:rPr>
-              <a:t>QuartetCoin</a:t>
-            </a:r>
-            <a:r>
-              <a:rPr lang="en-US" sz="2800" dirty="0">
-                <a:solidFill>
-                  <a:schemeClr val="accent2">
-                    <a:lumMod val="20000"/>
-                    <a:lumOff val="80000"/>
-                  </a:schemeClr>
-                </a:solidFill>
-                <a:latin typeface="Microsoft YaHei UI Light" panose="020B0502040204020203" pitchFamily="34" charset="-122"/>
-                <a:ea typeface="Microsoft YaHei UI Light" panose="020B0502040204020203" pitchFamily="34" charset="-122"/>
-              </a:rPr>
-              <a:t>.</a:t>
+              <a:t>Tokens.</a:t>
             </a:r>
             <a:endParaRPr lang="he-IL" sz="2800" dirty="0">
               <a:solidFill>
@@ -16609,7 +16408,7 @@
           <p:cNvPr id="3" name="Picture 2">
             <a:extLst>
               <a:ext uri="{FF2B5EF4-FFF2-40B4-BE49-F238E27FC236}">
-                <a16:creationId xmlns:a16="http://schemas.microsoft.com/office/drawing/2014/main" id="{39BB365F-A38B-41EC-B4AB-89E527569052}"/>
+                <a16:creationId xmlns="" xmlns:a16="http://schemas.microsoft.com/office/drawing/2014/main" id="{39BB365F-A38B-41EC-B4AB-89E527569052}"/>
               </a:ext>
             </a:extLst>
           </p:cNvPr>
@@ -16669,10 +16468,10 @@
           <p:cNvPr id="8" name="Rectangle 7">
             <a:extLst>
               <a:ext uri="{FF2B5EF4-FFF2-40B4-BE49-F238E27FC236}">
-                <a16:creationId xmlns:a16="http://schemas.microsoft.com/office/drawing/2014/main" id="{23962611-DFD5-4092-AAFD-559E3DFCE2C9}"/>
+                <a16:creationId xmlns="" xmlns:a16="http://schemas.microsoft.com/office/drawing/2014/main" id="{23962611-DFD5-4092-AAFD-559E3DFCE2C9}"/>
               </a:ext>
               <a:ext uri="{C183D7F6-B498-43B3-948B-1728B52AA6E4}">
-                <adec:decorative xmlns:adec="http://schemas.microsoft.com/office/drawing/2017/decorative" val="1"/>
+                <adec:decorative xmlns="" xmlns:adec="http://schemas.microsoft.com/office/drawing/2017/decorative" val="1"/>
               </a:ext>
             </a:extLst>
           </p:cNvPr>
@@ -16682,7 +16481,7 @@
           <p:nvPr>
             <p:extLst>
               <p:ext uri="{386F3935-93C4-4BCD-93E2-E3B085C9AB24}">
-                <p16:designElem xmlns:p16="http://schemas.microsoft.com/office/powerpoint/2015/main" val="1"/>
+                <p16:designElem xmlns="" xmlns:p16="http://schemas.microsoft.com/office/powerpoint/2015/main" val="1"/>
               </p:ext>
             </p:extLst>
           </p:nvPr>
@@ -16754,10 +16553,10 @@
           <p:cNvPr id="10" name="Picture 9">
             <a:extLst>
               <a:ext uri="{FF2B5EF4-FFF2-40B4-BE49-F238E27FC236}">
-                <a16:creationId xmlns:a16="http://schemas.microsoft.com/office/drawing/2014/main" id="{2270F1FA-0425-408F-9861-80BF5AFB276D}"/>
+                <a16:creationId xmlns="" xmlns:a16="http://schemas.microsoft.com/office/drawing/2014/main" id="{2270F1FA-0425-408F-9861-80BF5AFB276D}"/>
               </a:ext>
               <a:ext uri="{C183D7F6-B498-43B3-948B-1728B52AA6E4}">
-                <adec:decorative xmlns:adec="http://schemas.microsoft.com/office/drawing/2017/decorative" val="1"/>
+                <adec:decorative xmlns="" xmlns:adec="http://schemas.microsoft.com/office/drawing/2017/decorative" val="1"/>
               </a:ext>
             </a:extLst>
           </p:cNvPr>
@@ -16767,7 +16566,7 @@
           <p:nvPr>
             <p:extLst>
               <p:ext uri="{386F3935-93C4-4BCD-93E2-E3B085C9AB24}">
-                <p16:designElem xmlns:p16="http://schemas.microsoft.com/office/powerpoint/2015/main" val="1"/>
+                <p16:designElem xmlns="" xmlns:p16="http://schemas.microsoft.com/office/powerpoint/2015/main" val="1"/>
               </p:ext>
             </p:extLst>
           </p:nvPr>
@@ -16799,7 +16598,7 @@
           <p:cNvPr id="2" name="כותרת 1">
             <a:extLst>
               <a:ext uri="{FF2B5EF4-FFF2-40B4-BE49-F238E27FC236}">
-                <a16:creationId xmlns:a16="http://schemas.microsoft.com/office/drawing/2014/main" id="{1C0DC20E-400E-4C3E-BF17-A3CDCFCE20BB}"/>
+                <a16:creationId xmlns="" xmlns:a16="http://schemas.microsoft.com/office/drawing/2014/main" id="{1C0DC20E-400E-4C3E-BF17-A3CDCFCE20BB}"/>
               </a:ext>
             </a:extLst>
           </p:cNvPr>
@@ -16873,10 +16672,10 @@
           <p:cNvPr id="10" name="Rectangle 9">
             <a:extLst>
               <a:ext uri="{FF2B5EF4-FFF2-40B4-BE49-F238E27FC236}">
-                <a16:creationId xmlns:a16="http://schemas.microsoft.com/office/drawing/2014/main" id="{08E89D5E-1885-4160-AC77-CC471DD1D0DB}"/>
+                <a16:creationId xmlns="" xmlns:a16="http://schemas.microsoft.com/office/drawing/2014/main" id="{08E89D5E-1885-4160-AC77-CC471DD1D0DB}"/>
               </a:ext>
               <a:ext uri="{C183D7F6-B498-43B3-948B-1728B52AA6E4}">
-                <adec:decorative xmlns:adec="http://schemas.microsoft.com/office/drawing/2017/decorative" val="1"/>
+                <adec:decorative xmlns="" xmlns:adec="http://schemas.microsoft.com/office/drawing/2017/decorative" val="1"/>
               </a:ext>
             </a:extLst>
           </p:cNvPr>
@@ -16886,7 +16685,7 @@
           <p:nvPr>
             <p:extLst>
               <p:ext uri="{386F3935-93C4-4BCD-93E2-E3B085C9AB24}">
-                <p16:designElem xmlns:p16="http://schemas.microsoft.com/office/powerpoint/2015/main" val="1"/>
+                <p16:designElem xmlns="" xmlns:p16="http://schemas.microsoft.com/office/powerpoint/2015/main" val="1"/>
               </p:ext>
             </p:extLst>
           </p:nvPr>
@@ -16933,7 +16732,7 @@
           <p:cNvPr id="2" name="כותרת 1">
             <a:extLst>
               <a:ext uri="{FF2B5EF4-FFF2-40B4-BE49-F238E27FC236}">
-                <a16:creationId xmlns:a16="http://schemas.microsoft.com/office/drawing/2014/main" id="{5C005CA9-66C8-41C7-839D-A87CFCB40A45}"/>
+                <a16:creationId xmlns="" xmlns:a16="http://schemas.microsoft.com/office/drawing/2014/main" id="{5C005CA9-66C8-41C7-839D-A87CFCB40A45}"/>
               </a:ext>
             </a:extLst>
           </p:cNvPr>
@@ -16966,6 +16765,16 @@
               </a:rPr>
               <a:t>Introduction</a:t>
             </a:r>
+            <a:r>
+              <a:rPr lang="en-US" sz="3200" dirty="0">
+                <a:solidFill>
+                  <a:srgbClr val="FFFFFF"/>
+                </a:solidFill>
+                <a:latin typeface="BN Balls" panose="02000500000000000000" pitchFamily="2" charset="-79"/>
+                <a:cs typeface="BN Balls" panose="02000500000000000000" pitchFamily="2" charset="-79"/>
+              </a:rPr>
+              <a:t/>
+            </a:r>
             <a:br>
               <a:rPr lang="en-US" sz="3200" dirty="0">
                 <a:solidFill>
@@ -16990,10 +16799,10 @@
           <p:cNvPr id="12" name="Straight Connector 11">
             <a:extLst>
               <a:ext uri="{FF2B5EF4-FFF2-40B4-BE49-F238E27FC236}">
-                <a16:creationId xmlns:a16="http://schemas.microsoft.com/office/drawing/2014/main" id="{550D2BD1-98F9-412D-905B-3A843EF4078B}"/>
+                <a16:creationId xmlns="" xmlns:a16="http://schemas.microsoft.com/office/drawing/2014/main" id="{550D2BD1-98F9-412D-905B-3A843EF4078B}"/>
               </a:ext>
               <a:ext uri="{C183D7F6-B498-43B3-948B-1728B52AA6E4}">
-                <adec:decorative xmlns:adec="http://schemas.microsoft.com/office/drawing/2017/decorative" val="1"/>
+                <adec:decorative xmlns="" xmlns:adec="http://schemas.microsoft.com/office/drawing/2017/decorative" val="1"/>
               </a:ext>
             </a:extLst>
           </p:cNvPr>
@@ -17003,7 +16812,7 @@
           <p:nvPr>
             <p:extLst>
               <p:ext uri="{386F3935-93C4-4BCD-93E2-E3B085C9AB24}">
-                <p16:designElem xmlns:p16="http://schemas.microsoft.com/office/powerpoint/2015/main" val="1"/>
+                <p16:designElem xmlns="" xmlns:p16="http://schemas.microsoft.com/office/powerpoint/2015/main" val="1"/>
               </p:ext>
             </p:extLst>
           </p:nvPr>
@@ -17044,7 +16853,7 @@
           <p:cNvPr id="5" name="מציין מיקום תוכן 2">
             <a:extLst>
               <a:ext uri="{FF2B5EF4-FFF2-40B4-BE49-F238E27FC236}">
-                <a16:creationId xmlns:a16="http://schemas.microsoft.com/office/drawing/2014/main" id="{AAA74886-9BB5-4F86-AFC1-410E25361379}"/>
+                <a16:creationId xmlns="" xmlns:a16="http://schemas.microsoft.com/office/drawing/2014/main" id="{AAA74886-9BB5-4F86-AFC1-410E25361379}"/>
               </a:ext>
             </a:extLst>
           </p:cNvPr>
@@ -17055,7 +16864,7 @@
             <p:ph idx="1"/>
             <p:extLst>
               <p:ext uri="{D42A27DB-BD31-4B8C-83A1-F6EECF244321}">
-                <p14:modId xmlns:p14="http://schemas.microsoft.com/office/powerpoint/2010/main" val="1204130001"/>
+                <p14:modId xmlns:p14="http://schemas.microsoft.com/office/powerpoint/2010/main" val="580805853"/>
               </p:ext>
             </p:extLst>
           </p:nvPr>
@@ -17080,6 +16889,13 @@
   <p:clrMapOvr>
     <a:masterClrMapping/>
   </p:clrMapOvr>
+  <p:timing>
+    <p:tnLst>
+      <p:par>
+        <p:cTn id="1" dur="indefinite" restart="never" nodeType="tmRoot"/>
+      </p:par>
+    </p:tnLst>
+  </p:timing>
 </p:sld>
 </file>
 
@@ -17627,9 +17443,341 @@
           </a:p>
         </p:txBody>
       </p:sp>
+      <p:sp>
+        <p:nvSpPr>
+          <p:cNvPr id="6" name="Google Shape;68;p14">
+            <a:extLst>
+              <a:ext uri="{FF2B5EF4-FFF2-40B4-BE49-F238E27FC236}">
+                <a16:creationId xmlns="" xmlns:a16="http://schemas.microsoft.com/office/drawing/2014/main" id="{FC7E91D9-6C30-4F1E-A12D-F573C1025734}"/>
+              </a:ext>
+            </a:extLst>
+          </p:cNvPr>
+          <p:cNvSpPr txBox="1">
+            <a:spLocks/>
+          </p:cNvSpPr>
+          <p:nvPr/>
+        </p:nvSpPr>
+        <p:spPr>
+          <a:xfrm>
+            <a:off x="1518293" y="2259846"/>
+            <a:ext cx="4070405" cy="4720800"/>
+          </a:xfrm>
+          <a:prstGeom prst="rect">
+            <a:avLst/>
+          </a:prstGeom>
+        </p:spPr>
+        <p:txBody>
+          <a:bodyPr spcFirstLastPara="1" wrap="square" lIns="0" tIns="0" rIns="0" bIns="0" anchor="t" anchorCtr="0">
+            <a:noAutofit/>
+          </a:bodyPr>
+          <a:lstStyle>
+            <a:defPPr marR="0" lvl="0" algn="l" rtl="0">
+              <a:lnSpc>
+                <a:spcPct val="100000"/>
+              </a:lnSpc>
+              <a:spcBef>
+                <a:spcPts val="0"/>
+              </a:spcBef>
+              <a:spcAft>
+                <a:spcPts val="0"/>
+              </a:spcAft>
+            </a:defPPr>
+            <a:lvl1pPr marR="0" lvl="0" algn="l" rtl="0">
+              <a:lnSpc>
+                <a:spcPct val="100000"/>
+              </a:lnSpc>
+              <a:spcBef>
+                <a:spcPts val="0"/>
+              </a:spcBef>
+              <a:spcAft>
+                <a:spcPts val="0"/>
+              </a:spcAft>
+              <a:buClr>
+                <a:srgbClr val="000000"/>
+              </a:buClr>
+              <a:buFont typeface="Arial"/>
+              <a:defRPr sz="1867" b="0" i="0" u="none" strike="noStrike" cap="none">
+                <a:solidFill>
+                  <a:srgbClr val="000000"/>
+                </a:solidFill>
+                <a:latin typeface="Arial"/>
+                <a:ea typeface="Arial"/>
+                <a:cs typeface="Arial"/>
+                <a:sym typeface="Arial"/>
+              </a:defRPr>
+            </a:lvl1pPr>
+            <a:lvl2pPr marR="0" lvl="1" algn="l" rtl="0">
+              <a:lnSpc>
+                <a:spcPct val="100000"/>
+              </a:lnSpc>
+              <a:spcBef>
+                <a:spcPts val="0"/>
+              </a:spcBef>
+              <a:spcAft>
+                <a:spcPts val="0"/>
+              </a:spcAft>
+              <a:buClr>
+                <a:srgbClr val="000000"/>
+              </a:buClr>
+              <a:buFont typeface="Arial"/>
+              <a:defRPr sz="1867" b="0" i="0" u="none" strike="noStrike" cap="none">
+                <a:solidFill>
+                  <a:srgbClr val="000000"/>
+                </a:solidFill>
+                <a:latin typeface="Arial"/>
+                <a:ea typeface="Arial"/>
+                <a:cs typeface="Arial"/>
+                <a:sym typeface="Arial"/>
+              </a:defRPr>
+            </a:lvl2pPr>
+            <a:lvl3pPr marR="0" lvl="2" algn="l" rtl="0">
+              <a:lnSpc>
+                <a:spcPct val="100000"/>
+              </a:lnSpc>
+              <a:spcBef>
+                <a:spcPts val="0"/>
+              </a:spcBef>
+              <a:spcAft>
+                <a:spcPts val="0"/>
+              </a:spcAft>
+              <a:buClr>
+                <a:srgbClr val="000000"/>
+              </a:buClr>
+              <a:buFont typeface="Arial"/>
+              <a:defRPr sz="1867" b="0" i="0" u="none" strike="noStrike" cap="none">
+                <a:solidFill>
+                  <a:srgbClr val="000000"/>
+                </a:solidFill>
+                <a:latin typeface="Arial"/>
+                <a:ea typeface="Arial"/>
+                <a:cs typeface="Arial"/>
+                <a:sym typeface="Arial"/>
+              </a:defRPr>
+            </a:lvl3pPr>
+            <a:lvl4pPr marR="0" lvl="3" algn="l" rtl="0">
+              <a:lnSpc>
+                <a:spcPct val="100000"/>
+              </a:lnSpc>
+              <a:spcBef>
+                <a:spcPts val="0"/>
+              </a:spcBef>
+              <a:spcAft>
+                <a:spcPts val="0"/>
+              </a:spcAft>
+              <a:buClr>
+                <a:srgbClr val="000000"/>
+              </a:buClr>
+              <a:buFont typeface="Arial"/>
+              <a:defRPr sz="1867" b="0" i="0" u="none" strike="noStrike" cap="none">
+                <a:solidFill>
+                  <a:srgbClr val="000000"/>
+                </a:solidFill>
+                <a:latin typeface="Arial"/>
+                <a:ea typeface="Arial"/>
+                <a:cs typeface="Arial"/>
+                <a:sym typeface="Arial"/>
+              </a:defRPr>
+            </a:lvl4pPr>
+            <a:lvl5pPr marR="0" lvl="4" algn="l" rtl="0">
+              <a:lnSpc>
+                <a:spcPct val="100000"/>
+              </a:lnSpc>
+              <a:spcBef>
+                <a:spcPts val="0"/>
+              </a:spcBef>
+              <a:spcAft>
+                <a:spcPts val="0"/>
+              </a:spcAft>
+              <a:buClr>
+                <a:srgbClr val="000000"/>
+              </a:buClr>
+              <a:buFont typeface="Arial"/>
+              <a:defRPr sz="1867" b="0" i="0" u="none" strike="noStrike" cap="none">
+                <a:solidFill>
+                  <a:srgbClr val="000000"/>
+                </a:solidFill>
+                <a:latin typeface="Arial"/>
+                <a:ea typeface="Arial"/>
+                <a:cs typeface="Arial"/>
+                <a:sym typeface="Arial"/>
+              </a:defRPr>
+            </a:lvl5pPr>
+            <a:lvl6pPr marR="0" lvl="5" algn="l" rtl="0">
+              <a:lnSpc>
+                <a:spcPct val="100000"/>
+              </a:lnSpc>
+              <a:spcBef>
+                <a:spcPts val="0"/>
+              </a:spcBef>
+              <a:spcAft>
+                <a:spcPts val="0"/>
+              </a:spcAft>
+              <a:buClr>
+                <a:srgbClr val="000000"/>
+              </a:buClr>
+              <a:buFont typeface="Arial"/>
+              <a:defRPr sz="1867" b="0" i="0" u="none" strike="noStrike" cap="none">
+                <a:solidFill>
+                  <a:srgbClr val="000000"/>
+                </a:solidFill>
+                <a:latin typeface="Arial"/>
+                <a:ea typeface="Arial"/>
+                <a:cs typeface="Arial"/>
+                <a:sym typeface="Arial"/>
+              </a:defRPr>
+            </a:lvl6pPr>
+            <a:lvl7pPr marR="0" lvl="6" algn="l" rtl="0">
+              <a:lnSpc>
+                <a:spcPct val="100000"/>
+              </a:lnSpc>
+              <a:spcBef>
+                <a:spcPts val="0"/>
+              </a:spcBef>
+              <a:spcAft>
+                <a:spcPts val="0"/>
+              </a:spcAft>
+              <a:buClr>
+                <a:srgbClr val="000000"/>
+              </a:buClr>
+              <a:buFont typeface="Arial"/>
+              <a:defRPr sz="1867" b="0" i="0" u="none" strike="noStrike" cap="none">
+                <a:solidFill>
+                  <a:srgbClr val="000000"/>
+                </a:solidFill>
+                <a:latin typeface="Arial"/>
+                <a:ea typeface="Arial"/>
+                <a:cs typeface="Arial"/>
+                <a:sym typeface="Arial"/>
+              </a:defRPr>
+            </a:lvl7pPr>
+            <a:lvl8pPr marR="0" lvl="7" algn="l" rtl="0">
+              <a:lnSpc>
+                <a:spcPct val="100000"/>
+              </a:lnSpc>
+              <a:spcBef>
+                <a:spcPts val="0"/>
+              </a:spcBef>
+              <a:spcAft>
+                <a:spcPts val="0"/>
+              </a:spcAft>
+              <a:buClr>
+                <a:srgbClr val="000000"/>
+              </a:buClr>
+              <a:buFont typeface="Arial"/>
+              <a:defRPr sz="1867" b="0" i="0" u="none" strike="noStrike" cap="none">
+                <a:solidFill>
+                  <a:srgbClr val="000000"/>
+                </a:solidFill>
+                <a:latin typeface="Arial"/>
+                <a:ea typeface="Arial"/>
+                <a:cs typeface="Arial"/>
+                <a:sym typeface="Arial"/>
+              </a:defRPr>
+            </a:lvl8pPr>
+            <a:lvl9pPr marR="0" lvl="8" algn="l" rtl="0">
+              <a:lnSpc>
+                <a:spcPct val="100000"/>
+              </a:lnSpc>
+              <a:spcBef>
+                <a:spcPts val="0"/>
+              </a:spcBef>
+              <a:spcAft>
+                <a:spcPts val="0"/>
+              </a:spcAft>
+              <a:buClr>
+                <a:srgbClr val="000000"/>
+              </a:buClr>
+              <a:buFont typeface="Arial"/>
+              <a:defRPr sz="1867" b="0" i="0" u="none" strike="noStrike" cap="none">
+                <a:solidFill>
+                  <a:srgbClr val="000000"/>
+                </a:solidFill>
+                <a:latin typeface="Arial"/>
+                <a:ea typeface="Arial"/>
+                <a:cs typeface="Arial"/>
+                <a:sym typeface="Arial"/>
+              </a:defRPr>
+            </a:lvl9pPr>
+          </a:lstStyle>
+          <a:p>
+            <a:pPr marL="285750" indent="-285750">
+              <a:buFont typeface="Wingdings" panose="05000000000000000000" pitchFamily="2" charset="2"/>
+              <a:buChar char="v"/>
+            </a:pPr>
+            <a:r>
+              <a:rPr lang="en-US" sz="2000" b="1" kern="0" dirty="0">
+                <a:latin typeface="BN Barak" panose="02000000000000000000" pitchFamily="2" charset="-79"/>
+                <a:cs typeface="BN Barak" panose="02000000000000000000" pitchFamily="2" charset="-79"/>
+              </a:rPr>
+              <a:t>Compile and Deploy Quartet contract and </a:t>
+            </a:r>
+            <a:r>
+              <a:rPr lang="en-US" sz="2000" b="1" kern="0" dirty="0" err="1">
+                <a:latin typeface="BN Barak" panose="02000000000000000000" pitchFamily="2" charset="-79"/>
+                <a:cs typeface="BN Barak" panose="02000000000000000000" pitchFamily="2" charset="-79"/>
+              </a:rPr>
+              <a:t>QuartetCoin</a:t>
+            </a:r>
+            <a:r>
+              <a:rPr lang="en-US" sz="2000" b="1" kern="0" dirty="0">
+                <a:latin typeface="BN Barak" panose="02000000000000000000" pitchFamily="2" charset="-79"/>
+                <a:cs typeface="BN Barak" panose="02000000000000000000" pitchFamily="2" charset="-79"/>
+              </a:rPr>
+              <a:t> contract. </a:t>
+            </a:r>
+          </a:p>
+          <a:p>
+            <a:pPr marL="285750" indent="-285750">
+              <a:buFont typeface="Wingdings" panose="05000000000000000000" pitchFamily="2" charset="2"/>
+              <a:buChar char="v"/>
+            </a:pPr>
+            <a:r>
+              <a:rPr lang="en-US" sz="2000" b="1" kern="0" dirty="0">
+                <a:latin typeface="BN Barak" panose="02000000000000000000" pitchFamily="2" charset="-79"/>
+                <a:cs typeface="BN Barak" panose="02000000000000000000" pitchFamily="2" charset="-79"/>
+              </a:rPr>
+              <a:t>Entering the </a:t>
+            </a:r>
+            <a:r>
+              <a:rPr lang="en-US" sz="2000" b="1" kern="0" dirty="0" err="1">
+                <a:latin typeface="BN Barak" panose="02000000000000000000" pitchFamily="2" charset="-79"/>
+                <a:cs typeface="BN Barak" panose="02000000000000000000" pitchFamily="2" charset="-79"/>
+              </a:rPr>
+              <a:t>abi</a:t>
+            </a:r>
+            <a:r>
+              <a:rPr lang="en-US" sz="2000" b="1" kern="0" dirty="0">
+                <a:latin typeface="BN Barak" panose="02000000000000000000" pitchFamily="2" charset="-79"/>
+                <a:cs typeface="BN Barak" panose="02000000000000000000" pitchFamily="2" charset="-79"/>
+              </a:rPr>
+              <a:t> and the contract’s address. </a:t>
+            </a:r>
+          </a:p>
+          <a:p>
+            <a:pPr marL="285750" indent="-285750">
+              <a:buFont typeface="Wingdings" panose="05000000000000000000" pitchFamily="2" charset="2"/>
+              <a:buChar char="v"/>
+            </a:pPr>
+            <a:endParaRPr lang="en-US" sz="1600" b="1" kern="0" dirty="0">
+              <a:latin typeface="BN Barak" panose="02000000000000000000" pitchFamily="2" charset="-79"/>
+              <a:cs typeface="BN Barak" panose="02000000000000000000" pitchFamily="2" charset="-79"/>
+            </a:endParaRPr>
+          </a:p>
+          <a:p>
+            <a:pPr marL="285750" indent="-285750">
+              <a:buFont typeface="Wingdings" panose="05000000000000000000" pitchFamily="2" charset="2"/>
+              <a:buChar char="v"/>
+            </a:pPr>
+            <a:endParaRPr lang="en-US" sz="1600" b="1" kern="0" dirty="0">
+              <a:latin typeface="BN Barak" panose="02000000000000000000" pitchFamily="2" charset="-79"/>
+              <a:cs typeface="BN Barak" panose="02000000000000000000" pitchFamily="2" charset="-79"/>
+            </a:endParaRPr>
+          </a:p>
+        </p:txBody>
+      </p:sp>
       <p:pic>
         <p:nvPicPr>
-          <p:cNvPr id="2050" name="Picture 2" descr="×ª××¦××ª ×ª××× × ×¢×××¨ âªstuxnetâ¬â"/>
+          <p:cNvPr id="1026" name="Picture 2" descr="×ª××¦××ª ×ª××× × ×¢×××¨ âªblockchainâ¬â"/>
           <p:cNvPicPr>
             <a:picLocks noChangeAspect="1" noChangeArrowheads="1"/>
           </p:cNvPicPr>
@@ -17650,8 +17798,8 @@
         </p:blipFill>
         <p:spPr bwMode="auto">
           <a:xfrm>
-            <a:off x="5588699" y="1748117"/>
-            <a:ext cx="4710000" cy="3007600"/>
+            <a:off x="5588698" y="1749296"/>
+            <a:ext cx="4710002" cy="3006421"/>
           </a:xfrm>
           <a:prstGeom prst="rect">
             <a:avLst/>
@@ -17668,12 +17816,585 @@
           </a:extLst>
         </p:spPr>
       </p:pic>
+    </p:spTree>
+    <p:extLst>
+      <p:ext uri="{BB962C8B-B14F-4D97-AF65-F5344CB8AC3E}">
+        <p14:creationId xmlns:p14="http://schemas.microsoft.com/office/powerpoint/2010/main" val="741959891"/>
+      </p:ext>
+    </p:extLst>
+  </p:cSld>
+  <p:clrMapOvr>
+    <a:masterClrMapping/>
+  </p:clrMapOvr>
+</p:sld>
+</file>
+
+<file path=ppt/slides/slide21.xml><?xml version="1.0" encoding="utf-8"?>
+<p:sld xmlns:a="http://schemas.openxmlformats.org/drawingml/2006/main" xmlns:r="http://schemas.openxmlformats.org/officeDocument/2006/relationships" xmlns:p="http://schemas.openxmlformats.org/presentationml/2006/main">
+  <p:cSld>
+    <p:bg>
+      <p:bgPr>
+        <a:gradFill>
+          <a:gsLst>
+            <a:gs pos="0">
+              <a:srgbClr val="7030A0"/>
+            </a:gs>
+            <a:gs pos="100000">
+              <a:srgbClr val="FF9900"/>
+            </a:gs>
+          </a:gsLst>
+          <a:lin ang="5400700" scaled="0"/>
+        </a:gradFill>
+        <a:effectLst/>
+      </p:bgPr>
+    </p:bg>
+    <p:spTree>
+      <p:nvGrpSpPr>
+        <p:cNvPr id="1" name="Shape 269"/>
+        <p:cNvGrpSpPr/>
+        <p:nvPr/>
+      </p:nvGrpSpPr>
+      <p:grpSpPr>
+        <a:xfrm>
+          <a:off x="0" y="0"/>
+          <a:ext cx="0" cy="0"/>
+          <a:chOff x="0" y="0"/>
+          <a:chExt cx="0" cy="0"/>
+        </a:xfrm>
+      </p:grpSpPr>
+      <p:sp>
+        <p:nvSpPr>
+          <p:cNvPr id="270" name="Google Shape;270;p34"/>
+          <p:cNvSpPr/>
+          <p:nvPr/>
+        </p:nvSpPr>
+        <p:spPr>
+          <a:xfrm>
+            <a:off x="5373601" y="1535610"/>
+            <a:ext cx="5140196" cy="4001701"/>
+          </a:xfrm>
+          <a:custGeom>
+            <a:avLst/>
+            <a:gdLst/>
+            <a:ahLst/>
+            <a:cxnLst/>
+            <a:rect l="l" t="t" r="r" b="b"/>
+            <a:pathLst>
+              <a:path w="143434" h="111665" extrusionOk="0">
+                <a:moveTo>
+                  <a:pt x="71751" y="2308"/>
+                </a:moveTo>
+                <a:lnTo>
+                  <a:pt x="71887" y="2376"/>
+                </a:lnTo>
+                <a:lnTo>
+                  <a:pt x="72091" y="2444"/>
+                </a:lnTo>
+                <a:lnTo>
+                  <a:pt x="72159" y="2647"/>
+                </a:lnTo>
+                <a:lnTo>
+                  <a:pt x="72226" y="2783"/>
+                </a:lnTo>
+                <a:lnTo>
+                  <a:pt x="72159" y="2987"/>
+                </a:lnTo>
+                <a:lnTo>
+                  <a:pt x="72091" y="3190"/>
+                </a:lnTo>
+                <a:lnTo>
+                  <a:pt x="71887" y="3258"/>
+                </a:lnTo>
+                <a:lnTo>
+                  <a:pt x="71751" y="3326"/>
+                </a:lnTo>
+                <a:lnTo>
+                  <a:pt x="71548" y="3258"/>
+                </a:lnTo>
+                <a:lnTo>
+                  <a:pt x="71344" y="3190"/>
+                </a:lnTo>
+                <a:lnTo>
+                  <a:pt x="71276" y="2987"/>
+                </a:lnTo>
+                <a:lnTo>
+                  <a:pt x="71208" y="2783"/>
+                </a:lnTo>
+                <a:lnTo>
+                  <a:pt x="71276" y="2647"/>
+                </a:lnTo>
+                <a:lnTo>
+                  <a:pt x="71344" y="2444"/>
+                </a:lnTo>
+                <a:lnTo>
+                  <a:pt x="71548" y="2376"/>
+                </a:lnTo>
+                <a:lnTo>
+                  <a:pt x="71751" y="2308"/>
+                </a:lnTo>
+                <a:close/>
+                <a:moveTo>
+                  <a:pt x="137528" y="5906"/>
+                </a:moveTo>
+                <a:lnTo>
+                  <a:pt x="137596" y="5974"/>
+                </a:lnTo>
+                <a:lnTo>
+                  <a:pt x="137596" y="89604"/>
+                </a:lnTo>
+                <a:lnTo>
+                  <a:pt x="5906" y="89604"/>
+                </a:lnTo>
+                <a:lnTo>
+                  <a:pt x="5906" y="5974"/>
+                </a:lnTo>
+                <a:lnTo>
+                  <a:pt x="5906" y="5906"/>
+                </a:lnTo>
+                <a:close/>
+                <a:moveTo>
+                  <a:pt x="3530" y="0"/>
+                </a:moveTo>
+                <a:lnTo>
+                  <a:pt x="3191" y="68"/>
+                </a:lnTo>
+                <a:lnTo>
+                  <a:pt x="2444" y="339"/>
+                </a:lnTo>
+                <a:lnTo>
+                  <a:pt x="1766" y="679"/>
+                </a:lnTo>
+                <a:lnTo>
+                  <a:pt x="1155" y="1154"/>
+                </a:lnTo>
+                <a:lnTo>
+                  <a:pt x="679" y="1765"/>
+                </a:lnTo>
+                <a:lnTo>
+                  <a:pt x="272" y="2444"/>
+                </a:lnTo>
+                <a:lnTo>
+                  <a:pt x="69" y="3190"/>
+                </a:lnTo>
+                <a:lnTo>
+                  <a:pt x="1" y="3598"/>
+                </a:lnTo>
+                <a:lnTo>
+                  <a:pt x="1" y="4005"/>
+                </a:lnTo>
+                <a:lnTo>
+                  <a:pt x="1" y="91572"/>
+                </a:lnTo>
+                <a:lnTo>
+                  <a:pt x="1" y="91979"/>
+                </a:lnTo>
+                <a:lnTo>
+                  <a:pt x="69" y="92319"/>
+                </a:lnTo>
+                <a:lnTo>
+                  <a:pt x="272" y="93065"/>
+                </a:lnTo>
+                <a:lnTo>
+                  <a:pt x="679" y="93744"/>
+                </a:lnTo>
+                <a:lnTo>
+                  <a:pt x="1155" y="94355"/>
+                </a:lnTo>
+                <a:lnTo>
+                  <a:pt x="1766" y="94830"/>
+                </a:lnTo>
+                <a:lnTo>
+                  <a:pt x="2444" y="95238"/>
+                </a:lnTo>
+                <a:lnTo>
+                  <a:pt x="3191" y="95441"/>
+                </a:lnTo>
+                <a:lnTo>
+                  <a:pt x="3530" y="95509"/>
+                </a:lnTo>
+                <a:lnTo>
+                  <a:pt x="139904" y="95509"/>
+                </a:lnTo>
+                <a:lnTo>
+                  <a:pt x="140311" y="95441"/>
+                </a:lnTo>
+                <a:lnTo>
+                  <a:pt x="141058" y="95238"/>
+                </a:lnTo>
+                <a:lnTo>
+                  <a:pt x="141737" y="94830"/>
+                </a:lnTo>
+                <a:lnTo>
+                  <a:pt x="142280" y="94355"/>
+                </a:lnTo>
+                <a:lnTo>
+                  <a:pt x="142755" y="93744"/>
+                </a:lnTo>
+                <a:lnTo>
+                  <a:pt x="143162" y="93065"/>
+                </a:lnTo>
+                <a:lnTo>
+                  <a:pt x="143366" y="92319"/>
+                </a:lnTo>
+                <a:lnTo>
+                  <a:pt x="143434" y="91979"/>
+                </a:lnTo>
+                <a:lnTo>
+                  <a:pt x="143434" y="91572"/>
+                </a:lnTo>
+                <a:lnTo>
+                  <a:pt x="143434" y="4005"/>
+                </a:lnTo>
+                <a:lnTo>
+                  <a:pt x="143434" y="3598"/>
+                </a:lnTo>
+                <a:lnTo>
+                  <a:pt x="143366" y="3190"/>
+                </a:lnTo>
+                <a:lnTo>
+                  <a:pt x="143162" y="2444"/>
+                </a:lnTo>
+                <a:lnTo>
+                  <a:pt x="142755" y="1765"/>
+                </a:lnTo>
+                <a:lnTo>
+                  <a:pt x="142280" y="1154"/>
+                </a:lnTo>
+                <a:lnTo>
+                  <a:pt x="141737" y="679"/>
+                </a:lnTo>
+                <a:lnTo>
+                  <a:pt x="141058" y="339"/>
+                </a:lnTo>
+                <a:lnTo>
+                  <a:pt x="140311" y="68"/>
+                </a:lnTo>
+                <a:lnTo>
+                  <a:pt x="139904" y="0"/>
+                </a:lnTo>
+                <a:close/>
+                <a:moveTo>
+                  <a:pt x="55324" y="95713"/>
+                </a:moveTo>
+                <a:lnTo>
+                  <a:pt x="55052" y="98971"/>
+                </a:lnTo>
+                <a:lnTo>
+                  <a:pt x="54713" y="102297"/>
+                </a:lnTo>
+                <a:lnTo>
+                  <a:pt x="54374" y="105284"/>
+                </a:lnTo>
+                <a:lnTo>
+                  <a:pt x="53966" y="107388"/>
+                </a:lnTo>
+                <a:lnTo>
+                  <a:pt x="53763" y="108203"/>
+                </a:lnTo>
+                <a:lnTo>
+                  <a:pt x="53627" y="108746"/>
+                </a:lnTo>
+                <a:lnTo>
+                  <a:pt x="53423" y="109153"/>
+                </a:lnTo>
+                <a:lnTo>
+                  <a:pt x="53220" y="109357"/>
+                </a:lnTo>
+                <a:lnTo>
+                  <a:pt x="52677" y="109493"/>
+                </a:lnTo>
+                <a:lnTo>
+                  <a:pt x="51794" y="109696"/>
+                </a:lnTo>
+                <a:lnTo>
+                  <a:pt x="49690" y="110036"/>
+                </a:lnTo>
+                <a:lnTo>
+                  <a:pt x="48061" y="110307"/>
+                </a:lnTo>
+                <a:lnTo>
+                  <a:pt x="47450" y="110443"/>
+                </a:lnTo>
+                <a:lnTo>
+                  <a:pt x="47110" y="110511"/>
+                </a:lnTo>
+                <a:lnTo>
+                  <a:pt x="47042" y="110579"/>
+                </a:lnTo>
+                <a:lnTo>
+                  <a:pt x="47042" y="110783"/>
+                </a:lnTo>
+                <a:lnTo>
+                  <a:pt x="47110" y="110850"/>
+                </a:lnTo>
+                <a:lnTo>
+                  <a:pt x="47585" y="110918"/>
+                </a:lnTo>
+                <a:lnTo>
+                  <a:pt x="48400" y="110986"/>
+                </a:lnTo>
+                <a:lnTo>
+                  <a:pt x="51387" y="111054"/>
+                </a:lnTo>
+                <a:lnTo>
+                  <a:pt x="56071" y="111122"/>
+                </a:lnTo>
+                <a:lnTo>
+                  <a:pt x="87092" y="111122"/>
+                </a:lnTo>
+                <a:lnTo>
+                  <a:pt x="91708" y="111054"/>
+                </a:lnTo>
+                <a:lnTo>
+                  <a:pt x="94695" y="110986"/>
+                </a:lnTo>
+                <a:lnTo>
+                  <a:pt x="95578" y="110918"/>
+                </a:lnTo>
+                <a:lnTo>
+                  <a:pt x="96053" y="110850"/>
+                </a:lnTo>
+                <a:lnTo>
+                  <a:pt x="96121" y="110783"/>
+                </a:lnTo>
+                <a:lnTo>
+                  <a:pt x="96121" y="110579"/>
+                </a:lnTo>
+                <a:lnTo>
+                  <a:pt x="96053" y="110511"/>
+                </a:lnTo>
+                <a:lnTo>
+                  <a:pt x="95713" y="110443"/>
+                </a:lnTo>
+                <a:lnTo>
+                  <a:pt x="95102" y="110307"/>
+                </a:lnTo>
+                <a:lnTo>
+                  <a:pt x="93473" y="110036"/>
+                </a:lnTo>
+                <a:lnTo>
+                  <a:pt x="91369" y="109696"/>
+                </a:lnTo>
+                <a:lnTo>
+                  <a:pt x="90487" y="109493"/>
+                </a:lnTo>
+                <a:lnTo>
+                  <a:pt x="89943" y="109357"/>
+                </a:lnTo>
+                <a:lnTo>
+                  <a:pt x="89740" y="109153"/>
+                </a:lnTo>
+                <a:lnTo>
+                  <a:pt x="89536" y="108746"/>
+                </a:lnTo>
+                <a:lnTo>
+                  <a:pt x="89333" y="108203"/>
+                </a:lnTo>
+                <a:lnTo>
+                  <a:pt x="89197" y="107388"/>
+                </a:lnTo>
+                <a:lnTo>
+                  <a:pt x="88789" y="105284"/>
+                </a:lnTo>
+                <a:lnTo>
+                  <a:pt x="88382" y="102297"/>
+                </a:lnTo>
+                <a:lnTo>
+                  <a:pt x="88043" y="98971"/>
+                </a:lnTo>
+                <a:lnTo>
+                  <a:pt x="87839" y="95713"/>
+                </a:lnTo>
+                <a:close/>
+                <a:moveTo>
+                  <a:pt x="47450" y="111054"/>
+                </a:moveTo>
+                <a:lnTo>
+                  <a:pt x="47450" y="111122"/>
+                </a:lnTo>
+                <a:lnTo>
+                  <a:pt x="47450" y="111393"/>
+                </a:lnTo>
+                <a:lnTo>
+                  <a:pt x="47518" y="111461"/>
+                </a:lnTo>
+                <a:lnTo>
+                  <a:pt x="48807" y="111529"/>
+                </a:lnTo>
+                <a:lnTo>
+                  <a:pt x="52473" y="111597"/>
+                </a:lnTo>
+                <a:lnTo>
+                  <a:pt x="62384" y="111665"/>
+                </a:lnTo>
+                <a:lnTo>
+                  <a:pt x="80779" y="111665"/>
+                </a:lnTo>
+                <a:lnTo>
+                  <a:pt x="90622" y="111597"/>
+                </a:lnTo>
+                <a:lnTo>
+                  <a:pt x="94356" y="111529"/>
+                </a:lnTo>
+                <a:lnTo>
+                  <a:pt x="95646" y="111461"/>
+                </a:lnTo>
+                <a:lnTo>
+                  <a:pt x="95713" y="111393"/>
+                </a:lnTo>
+                <a:lnTo>
+                  <a:pt x="95713" y="111122"/>
+                </a:lnTo>
+                <a:lnTo>
+                  <a:pt x="95646" y="111054"/>
+                </a:lnTo>
+                <a:lnTo>
+                  <a:pt x="94084" y="111122"/>
+                </a:lnTo>
+                <a:lnTo>
+                  <a:pt x="91233" y="111190"/>
+                </a:lnTo>
+                <a:lnTo>
+                  <a:pt x="80847" y="111258"/>
+                </a:lnTo>
+                <a:lnTo>
+                  <a:pt x="62316" y="111258"/>
+                </a:lnTo>
+                <a:lnTo>
+                  <a:pt x="51930" y="111190"/>
+                </a:lnTo>
+                <a:lnTo>
+                  <a:pt x="49079" y="111122"/>
+                </a:lnTo>
+                <a:lnTo>
+                  <a:pt x="47518" y="111054"/>
+                </a:lnTo>
+                <a:close/>
+              </a:path>
+            </a:pathLst>
+          </a:custGeom>
+          <a:solidFill>
+            <a:srgbClr val="FFFFFF"/>
+          </a:solidFill>
+          <a:ln>
+            <a:noFill/>
+          </a:ln>
+        </p:spPr>
+        <p:txBody>
+          <a:bodyPr spcFirstLastPara="1" wrap="square" lIns="121900" tIns="121900" rIns="121900" bIns="121900" anchor="ctr" anchorCtr="0">
+            <a:noAutofit/>
+          </a:bodyPr>
+          <a:lstStyle/>
+          <a:p>
+            <a:pPr algn="l" rtl="0">
+              <a:buClr>
+                <a:srgbClr val="000000"/>
+              </a:buClr>
+              <a:buFont typeface="Arial"/>
+              <a:buNone/>
+            </a:pPr>
+            <a:endParaRPr sz="1867" kern="0">
+              <a:solidFill>
+                <a:srgbClr val="000000"/>
+              </a:solidFill>
+              <a:cs typeface="Arial"/>
+              <a:sym typeface="Arial"/>
+            </a:endParaRPr>
+          </a:p>
+        </p:txBody>
+      </p:sp>
+      <p:sp>
+        <p:nvSpPr>
+          <p:cNvPr id="271" name="Google Shape;271;p34"/>
+          <p:cNvSpPr/>
+          <p:nvPr/>
+        </p:nvSpPr>
+        <p:spPr>
+          <a:xfrm>
+            <a:off x="5588700" y="1748117"/>
+            <a:ext cx="4710000" cy="3007600"/>
+          </a:xfrm>
+          <a:prstGeom prst="rect">
+            <a:avLst/>
+          </a:prstGeom>
+          <a:noFill/>
+          <a:ln>
+            <a:noFill/>
+          </a:ln>
+        </p:spPr>
+        <p:txBody>
+          <a:bodyPr spcFirstLastPara="1" wrap="square" lIns="121900" tIns="121900" rIns="121900" bIns="121900" anchor="ctr" anchorCtr="0">
+            <a:noAutofit/>
+          </a:bodyPr>
+          <a:lstStyle/>
+          <a:p>
+            <a:pPr algn="ctr" rtl="0">
+              <a:buClr>
+                <a:srgbClr val="000000"/>
+              </a:buClr>
+              <a:buFont typeface="Arial"/>
+              <a:buNone/>
+            </a:pPr>
+            <a:r>
+              <a:rPr lang="en" sz="1333" kern="0" dirty="0">
+                <a:solidFill>
+                  <a:srgbClr val="FFFFFF"/>
+                </a:solidFill>
+                <a:latin typeface="Montserrat"/>
+                <a:ea typeface="Montserrat"/>
+                <a:cs typeface="Montserrat"/>
+                <a:sym typeface="Montserrat"/>
+              </a:rPr>
+              <a:t>Place your screenshot here</a:t>
+            </a:r>
+            <a:endParaRPr sz="1333" kern="0" dirty="0">
+              <a:solidFill>
+                <a:srgbClr val="FFFFFF"/>
+              </a:solidFill>
+              <a:latin typeface="Montserrat"/>
+              <a:ea typeface="Montserrat"/>
+              <a:cs typeface="Montserrat"/>
+              <a:sym typeface="Montserrat"/>
+            </a:endParaRPr>
+          </a:p>
+        </p:txBody>
+      </p:sp>
+      <p:sp>
+        <p:nvSpPr>
+          <p:cNvPr id="272" name="Google Shape;272;p34"/>
+          <p:cNvSpPr txBox="1">
+            <a:spLocks noGrp="1"/>
+          </p:cNvSpPr>
+          <p:nvPr>
+            <p:ph type="sldNum" idx="12"/>
+          </p:nvPr>
+        </p:nvSpPr>
+        <p:spPr>
+          <a:prstGeom prst="rect">
+            <a:avLst/>
+          </a:prstGeom>
+        </p:spPr>
+        <p:txBody>
+          <a:bodyPr spcFirstLastPara="1" wrap="square" lIns="0" tIns="0" rIns="0" bIns="0" anchor="ctr" anchorCtr="0">
+            <a:noAutofit/>
+          </a:bodyPr>
+          <a:lstStyle/>
+          <a:p>
+            <a:fld id="{00000000-1234-1234-1234-123412341234}" type="slidenum">
+              <a:rPr lang="en"/>
+              <a:pPr/>
+              <a:t>21</a:t>
+            </a:fld>
+            <a:endParaRPr/>
+          </a:p>
+        </p:txBody>
+      </p:sp>
       <p:sp>
         <p:nvSpPr>
           <p:cNvPr id="6" name="Google Shape;68;p14">
             <a:extLst>
               <a:ext uri="{FF2B5EF4-FFF2-40B4-BE49-F238E27FC236}">
-                <a16:creationId xmlns:a16="http://schemas.microsoft.com/office/drawing/2014/main" id="{FC7E91D9-6C30-4F1E-A12D-F573C1025734}"/>
+                <a16:creationId xmlns="" xmlns:a16="http://schemas.microsoft.com/office/drawing/2014/main" id="{FC7E91D9-6C30-4F1E-A12D-F573C1025734}"/>
               </a:ext>
             </a:extLst>
           </p:cNvPr>
@@ -18040,6 +18761,47 @@
           </a:p>
         </p:txBody>
       </p:sp>
+      <p:pic>
+        <p:nvPicPr>
+          <p:cNvPr id="1026" name="Picture 2" descr="×ª××¦××ª ×ª××× × ×¢×××¨ âªblockchainâ¬â"/>
+          <p:cNvPicPr>
+            <a:picLocks noChangeAspect="1" noChangeArrowheads="1"/>
+          </p:cNvPicPr>
+          <p:nvPr/>
+        </p:nvPicPr>
+        <p:blipFill>
+          <a:blip r:embed="rId3" cstate="print">
+            <a:extLst>
+              <a:ext uri="{28A0092B-C50C-407E-A947-70E740481C1C}">
+                <a14:useLocalDpi xmlns:a14="http://schemas.microsoft.com/office/drawing/2010/main" val="0"/>
+              </a:ext>
+            </a:extLst>
+          </a:blip>
+          <a:srcRect/>
+          <a:stretch>
+            <a:fillRect/>
+          </a:stretch>
+        </p:blipFill>
+        <p:spPr bwMode="auto">
+          <a:xfrm>
+            <a:off x="5588698" y="1749296"/>
+            <a:ext cx="4710002" cy="3006421"/>
+          </a:xfrm>
+          <a:prstGeom prst="rect">
+            <a:avLst/>
+          </a:prstGeom>
+          <a:noFill/>
+          <a:extLst>
+            <a:ext uri="{909E8E84-426E-40DD-AFC4-6F175D3DCCD1}">
+              <a14:hiddenFill xmlns:a14="http://schemas.microsoft.com/office/drawing/2010/main">
+                <a:solidFill>
+                  <a:srgbClr val="FFFFFF"/>
+                </a:solidFill>
+              </a14:hiddenFill>
+            </a:ext>
+          </a:extLst>
+        </p:spPr>
+      </p:pic>
     </p:spTree>
     <p:extLst>
       <p:ext uri="{BB962C8B-B14F-4D97-AF65-F5344CB8AC3E}">
@@ -18050,1763 +18812,13 @@
   <p:clrMapOvr>
     <a:masterClrMapping/>
   </p:clrMapOvr>
-</p:sld>
-</file>
-
-<file path=ppt/slides/slide21.xml><?xml version="1.0" encoding="utf-8"?>
-<p:sld xmlns:a="http://schemas.openxmlformats.org/drawingml/2006/main" xmlns:r="http://schemas.openxmlformats.org/officeDocument/2006/relationships" xmlns:p="http://schemas.openxmlformats.org/presentationml/2006/main">
-  <p:cSld>
-    <p:bg>
-      <p:bgPr>
-        <a:gradFill>
-          <a:gsLst>
-            <a:gs pos="0">
-              <a:srgbClr val="FF8700"/>
-            </a:gs>
-            <a:gs pos="100000">
-              <a:srgbClr val="FFD900"/>
-            </a:gs>
-          </a:gsLst>
-          <a:lin ang="5400700" scaled="0"/>
-        </a:gradFill>
-        <a:effectLst/>
-      </p:bgPr>
-    </p:bg>
-    <p:spTree>
-      <p:nvGrpSpPr>
-        <p:cNvPr id="1" name="Shape 277"/>
-        <p:cNvGrpSpPr/>
-        <p:nvPr/>
-      </p:nvGrpSpPr>
-      <p:grpSpPr>
-        <a:xfrm>
-          <a:off x="0" y="0"/>
-          <a:ext cx="0" cy="0"/>
-          <a:chOff x="0" y="0"/>
-          <a:chExt cx="0" cy="0"/>
-        </a:xfrm>
-      </p:grpSpPr>
-      <p:sp>
-        <p:nvSpPr>
-          <p:cNvPr id="278" name="Google Shape;278;p35"/>
-          <p:cNvSpPr txBox="1">
-            <a:spLocks noGrp="1"/>
-          </p:cNvSpPr>
-          <p:nvPr>
-            <p:ph type="sldNum" idx="12"/>
-          </p:nvPr>
-        </p:nvSpPr>
-        <p:spPr>
-          <a:prstGeom prst="rect">
-            <a:avLst/>
-          </a:prstGeom>
-        </p:spPr>
-        <p:txBody>
-          <a:bodyPr spcFirstLastPara="1" wrap="square" lIns="0" tIns="0" rIns="0" bIns="0" anchor="ctr" anchorCtr="0">
-            <a:noAutofit/>
-          </a:bodyPr>
-          <a:lstStyle/>
-          <a:p>
-            <a:fld id="{00000000-1234-1234-1234-123412341234}" type="slidenum">
-              <a:rPr lang="en"/>
-              <a:pPr/>
-              <a:t>21</a:t>
-            </a:fld>
-            <a:endParaRPr/>
-          </a:p>
-        </p:txBody>
-      </p:sp>
-      <p:sp>
-        <p:nvSpPr>
-          <p:cNvPr id="279" name="Google Shape;279;p35"/>
-          <p:cNvSpPr txBox="1">
-            <a:spLocks noGrp="1"/>
-          </p:cNvSpPr>
-          <p:nvPr>
-            <p:ph type="ctrTitle" idx="4294967295"/>
-          </p:nvPr>
-        </p:nvSpPr>
-        <p:spPr>
-          <a:xfrm>
-            <a:off x="964413" y="3199489"/>
-            <a:ext cx="10263187" cy="1546225"/>
-          </a:xfrm>
-          <a:prstGeom prst="rect">
-            <a:avLst/>
-          </a:prstGeom>
-        </p:spPr>
-        <p:txBody>
-          <a:bodyPr spcFirstLastPara="1" wrap="square" lIns="0" tIns="0" rIns="0" bIns="0" anchor="ctr" anchorCtr="0">
-            <a:noAutofit/>
-          </a:bodyPr>
-          <a:lstStyle/>
-          <a:p>
-            <a:pPr algn="ctr"/>
-            <a:r>
-              <a:rPr lang="en-US" sz="6600" dirty="0">
-                <a:latin typeface="Buxton Sketch" panose="03080500000500000004" pitchFamily="66" charset="0"/>
-                <a:cs typeface="BN Barak" panose="02000000000000000000" pitchFamily="2" charset="-79"/>
-              </a:rPr>
-              <a:t>Any Questions ? </a:t>
-            </a:r>
-            <a:endParaRPr sz="6600" dirty="0">
-              <a:latin typeface="Buxton Sketch" panose="03080500000500000004" pitchFamily="66" charset="0"/>
-              <a:cs typeface="BN Barak" panose="02000000000000000000" pitchFamily="2" charset="-79"/>
-            </a:endParaRPr>
-          </a:p>
-        </p:txBody>
-      </p:sp>
-      <p:sp>
-        <p:nvSpPr>
-          <p:cNvPr id="281" name="Google Shape;281;p35"/>
-          <p:cNvSpPr/>
-          <p:nvPr/>
-        </p:nvSpPr>
-        <p:spPr>
-          <a:xfrm>
-            <a:off x="5503501" y="1469771"/>
-            <a:ext cx="1185012" cy="1091816"/>
-          </a:xfrm>
-          <a:custGeom>
-            <a:avLst/>
-            <a:gdLst/>
-            <a:ahLst/>
-            <a:cxnLst/>
-            <a:rect l="l" t="t" r="r" b="b"/>
-            <a:pathLst>
-              <a:path w="16717" h="15403" extrusionOk="0">
-                <a:moveTo>
-                  <a:pt x="9149" y="511"/>
-                </a:moveTo>
-                <a:lnTo>
-                  <a:pt x="9587" y="560"/>
-                </a:lnTo>
-                <a:lnTo>
-                  <a:pt x="10025" y="608"/>
-                </a:lnTo>
-                <a:lnTo>
-                  <a:pt x="10439" y="681"/>
-                </a:lnTo>
-                <a:lnTo>
-                  <a:pt x="10877" y="779"/>
-                </a:lnTo>
-                <a:lnTo>
-                  <a:pt x="11290" y="900"/>
-                </a:lnTo>
-                <a:lnTo>
-                  <a:pt x="11704" y="1046"/>
-                </a:lnTo>
-                <a:lnTo>
-                  <a:pt x="12093" y="1217"/>
-                </a:lnTo>
-                <a:lnTo>
-                  <a:pt x="12483" y="1411"/>
-                </a:lnTo>
-                <a:lnTo>
-                  <a:pt x="12994" y="1703"/>
-                </a:lnTo>
-                <a:lnTo>
-                  <a:pt x="13505" y="2020"/>
-                </a:lnTo>
-                <a:lnTo>
-                  <a:pt x="13967" y="2360"/>
-                </a:lnTo>
-                <a:lnTo>
-                  <a:pt x="14210" y="2555"/>
-                </a:lnTo>
-                <a:lnTo>
-                  <a:pt x="14405" y="2750"/>
-                </a:lnTo>
-                <a:lnTo>
-                  <a:pt x="14332" y="2871"/>
-                </a:lnTo>
-                <a:lnTo>
-                  <a:pt x="14308" y="3017"/>
-                </a:lnTo>
-                <a:lnTo>
-                  <a:pt x="14308" y="3066"/>
-                </a:lnTo>
-                <a:lnTo>
-                  <a:pt x="14332" y="3090"/>
-                </a:lnTo>
-                <a:lnTo>
-                  <a:pt x="14405" y="3139"/>
-                </a:lnTo>
-                <a:lnTo>
-                  <a:pt x="14478" y="3139"/>
-                </a:lnTo>
-                <a:lnTo>
-                  <a:pt x="14551" y="3090"/>
-                </a:lnTo>
-                <a:lnTo>
-                  <a:pt x="14624" y="2993"/>
-                </a:lnTo>
-                <a:lnTo>
-                  <a:pt x="14867" y="3285"/>
-                </a:lnTo>
-                <a:lnTo>
-                  <a:pt x="14770" y="3358"/>
-                </a:lnTo>
-                <a:lnTo>
-                  <a:pt x="14697" y="3431"/>
-                </a:lnTo>
-                <a:lnTo>
-                  <a:pt x="14600" y="3601"/>
-                </a:lnTo>
-                <a:lnTo>
-                  <a:pt x="14575" y="3674"/>
-                </a:lnTo>
-                <a:lnTo>
-                  <a:pt x="14575" y="3723"/>
-                </a:lnTo>
-                <a:lnTo>
-                  <a:pt x="14575" y="3772"/>
-                </a:lnTo>
-                <a:lnTo>
-                  <a:pt x="14600" y="3796"/>
-                </a:lnTo>
-                <a:lnTo>
-                  <a:pt x="14648" y="3796"/>
-                </a:lnTo>
-                <a:lnTo>
-                  <a:pt x="14721" y="3772"/>
-                </a:lnTo>
-                <a:lnTo>
-                  <a:pt x="14867" y="3699"/>
-                </a:lnTo>
-                <a:lnTo>
-                  <a:pt x="15086" y="3601"/>
-                </a:lnTo>
-                <a:lnTo>
-                  <a:pt x="15208" y="3820"/>
-                </a:lnTo>
-                <a:lnTo>
-                  <a:pt x="15305" y="4064"/>
-                </a:lnTo>
-                <a:lnTo>
-                  <a:pt x="15111" y="4137"/>
-                </a:lnTo>
-                <a:lnTo>
-                  <a:pt x="15013" y="4185"/>
-                </a:lnTo>
-                <a:lnTo>
-                  <a:pt x="14916" y="4234"/>
-                </a:lnTo>
-                <a:lnTo>
-                  <a:pt x="14892" y="4307"/>
-                </a:lnTo>
-                <a:lnTo>
-                  <a:pt x="14892" y="4380"/>
-                </a:lnTo>
-                <a:lnTo>
-                  <a:pt x="14940" y="4429"/>
-                </a:lnTo>
-                <a:lnTo>
-                  <a:pt x="15013" y="4453"/>
-                </a:lnTo>
-                <a:lnTo>
-                  <a:pt x="15135" y="4453"/>
-                </a:lnTo>
-                <a:lnTo>
-                  <a:pt x="15232" y="4429"/>
-                </a:lnTo>
-                <a:lnTo>
-                  <a:pt x="15427" y="4380"/>
-                </a:lnTo>
-                <a:lnTo>
-                  <a:pt x="15573" y="4915"/>
-                </a:lnTo>
-                <a:lnTo>
-                  <a:pt x="15403" y="4964"/>
-                </a:lnTo>
-                <a:lnTo>
-                  <a:pt x="15232" y="5061"/>
-                </a:lnTo>
-                <a:lnTo>
-                  <a:pt x="15086" y="5183"/>
-                </a:lnTo>
-                <a:lnTo>
-                  <a:pt x="15038" y="5256"/>
-                </a:lnTo>
-                <a:lnTo>
-                  <a:pt x="15013" y="5329"/>
-                </a:lnTo>
-                <a:lnTo>
-                  <a:pt x="15013" y="5378"/>
-                </a:lnTo>
-                <a:lnTo>
-                  <a:pt x="15038" y="5402"/>
-                </a:lnTo>
-                <a:lnTo>
-                  <a:pt x="15062" y="5426"/>
-                </a:lnTo>
-                <a:lnTo>
-                  <a:pt x="15111" y="5451"/>
-                </a:lnTo>
-                <a:lnTo>
-                  <a:pt x="15208" y="5451"/>
-                </a:lnTo>
-                <a:lnTo>
-                  <a:pt x="15305" y="5426"/>
-                </a:lnTo>
-                <a:lnTo>
-                  <a:pt x="15476" y="5353"/>
-                </a:lnTo>
-                <a:lnTo>
-                  <a:pt x="15695" y="5305"/>
-                </a:lnTo>
-                <a:lnTo>
-                  <a:pt x="15792" y="5743"/>
-                </a:lnTo>
-                <a:lnTo>
-                  <a:pt x="15622" y="5816"/>
-                </a:lnTo>
-                <a:lnTo>
-                  <a:pt x="15451" y="5864"/>
-                </a:lnTo>
-                <a:lnTo>
-                  <a:pt x="15305" y="5937"/>
-                </a:lnTo>
-                <a:lnTo>
-                  <a:pt x="15159" y="6035"/>
-                </a:lnTo>
-                <a:lnTo>
-                  <a:pt x="15013" y="6132"/>
-                </a:lnTo>
-                <a:lnTo>
-                  <a:pt x="15013" y="6181"/>
-                </a:lnTo>
-                <a:lnTo>
-                  <a:pt x="15013" y="6205"/>
-                </a:lnTo>
-                <a:lnTo>
-                  <a:pt x="15038" y="6229"/>
-                </a:lnTo>
-                <a:lnTo>
-                  <a:pt x="15403" y="6229"/>
-                </a:lnTo>
-                <a:lnTo>
-                  <a:pt x="15719" y="6181"/>
-                </a:lnTo>
-                <a:lnTo>
-                  <a:pt x="15914" y="6156"/>
-                </a:lnTo>
-                <a:lnTo>
-                  <a:pt x="16035" y="6594"/>
-                </a:lnTo>
-                <a:lnTo>
-                  <a:pt x="15768" y="6691"/>
-                </a:lnTo>
-                <a:lnTo>
-                  <a:pt x="15549" y="6764"/>
-                </a:lnTo>
-                <a:lnTo>
-                  <a:pt x="15184" y="6910"/>
-                </a:lnTo>
-                <a:lnTo>
-                  <a:pt x="15135" y="6935"/>
-                </a:lnTo>
-                <a:lnTo>
-                  <a:pt x="15062" y="6983"/>
-                </a:lnTo>
-                <a:lnTo>
-                  <a:pt x="15038" y="7032"/>
-                </a:lnTo>
-                <a:lnTo>
-                  <a:pt x="15013" y="7081"/>
-                </a:lnTo>
-                <a:lnTo>
-                  <a:pt x="15038" y="7056"/>
-                </a:lnTo>
-                <a:lnTo>
-                  <a:pt x="15013" y="7105"/>
-                </a:lnTo>
-                <a:lnTo>
-                  <a:pt x="15013" y="7129"/>
-                </a:lnTo>
-                <a:lnTo>
-                  <a:pt x="15038" y="7154"/>
-                </a:lnTo>
-                <a:lnTo>
-                  <a:pt x="15086" y="7202"/>
-                </a:lnTo>
-                <a:lnTo>
-                  <a:pt x="15208" y="7227"/>
-                </a:lnTo>
-                <a:lnTo>
-                  <a:pt x="15403" y="7227"/>
-                </a:lnTo>
-                <a:lnTo>
-                  <a:pt x="15622" y="7178"/>
-                </a:lnTo>
-                <a:lnTo>
-                  <a:pt x="15841" y="7129"/>
-                </a:lnTo>
-                <a:lnTo>
-                  <a:pt x="16108" y="7056"/>
-                </a:lnTo>
-                <a:lnTo>
-                  <a:pt x="16108" y="7397"/>
-                </a:lnTo>
-                <a:lnTo>
-                  <a:pt x="16108" y="7713"/>
-                </a:lnTo>
-                <a:lnTo>
-                  <a:pt x="16035" y="7713"/>
-                </a:lnTo>
-                <a:lnTo>
-                  <a:pt x="15670" y="7762"/>
-                </a:lnTo>
-                <a:lnTo>
-                  <a:pt x="15330" y="7786"/>
-                </a:lnTo>
-                <a:lnTo>
-                  <a:pt x="14965" y="7835"/>
-                </a:lnTo>
-                <a:lnTo>
-                  <a:pt x="14600" y="7932"/>
-                </a:lnTo>
-                <a:lnTo>
-                  <a:pt x="14575" y="7957"/>
-                </a:lnTo>
-                <a:lnTo>
-                  <a:pt x="14575" y="7981"/>
-                </a:lnTo>
-                <a:lnTo>
-                  <a:pt x="14575" y="8005"/>
-                </a:lnTo>
-                <a:lnTo>
-                  <a:pt x="14600" y="8030"/>
-                </a:lnTo>
-                <a:lnTo>
-                  <a:pt x="15330" y="8151"/>
-                </a:lnTo>
-                <a:lnTo>
-                  <a:pt x="15500" y="8176"/>
-                </a:lnTo>
-                <a:lnTo>
-                  <a:pt x="15695" y="8200"/>
-                </a:lnTo>
-                <a:lnTo>
-                  <a:pt x="15865" y="8176"/>
-                </a:lnTo>
-                <a:lnTo>
-                  <a:pt x="16035" y="8127"/>
-                </a:lnTo>
-                <a:lnTo>
-                  <a:pt x="16035" y="8176"/>
-                </a:lnTo>
-                <a:lnTo>
-                  <a:pt x="15938" y="8565"/>
-                </a:lnTo>
-                <a:lnTo>
-                  <a:pt x="15816" y="8930"/>
-                </a:lnTo>
-                <a:lnTo>
-                  <a:pt x="15524" y="8881"/>
-                </a:lnTo>
-                <a:lnTo>
-                  <a:pt x="15232" y="8833"/>
-                </a:lnTo>
-                <a:lnTo>
-                  <a:pt x="15013" y="8784"/>
-                </a:lnTo>
-                <a:lnTo>
-                  <a:pt x="14794" y="8760"/>
-                </a:lnTo>
-                <a:lnTo>
-                  <a:pt x="14332" y="8784"/>
-                </a:lnTo>
-                <a:lnTo>
-                  <a:pt x="14308" y="8784"/>
-                </a:lnTo>
-                <a:lnTo>
-                  <a:pt x="14308" y="8808"/>
-                </a:lnTo>
-                <a:lnTo>
-                  <a:pt x="14308" y="8833"/>
-                </a:lnTo>
-                <a:lnTo>
-                  <a:pt x="14332" y="8833"/>
-                </a:lnTo>
-                <a:lnTo>
-                  <a:pt x="14478" y="8881"/>
-                </a:lnTo>
-                <a:lnTo>
-                  <a:pt x="14624" y="8954"/>
-                </a:lnTo>
-                <a:lnTo>
-                  <a:pt x="14965" y="9125"/>
-                </a:lnTo>
-                <a:lnTo>
-                  <a:pt x="15281" y="9271"/>
-                </a:lnTo>
-                <a:lnTo>
-                  <a:pt x="15451" y="9319"/>
-                </a:lnTo>
-                <a:lnTo>
-                  <a:pt x="15622" y="9368"/>
-                </a:lnTo>
-                <a:lnTo>
-                  <a:pt x="15500" y="9636"/>
-                </a:lnTo>
-                <a:lnTo>
-                  <a:pt x="15354" y="9903"/>
-                </a:lnTo>
-                <a:lnTo>
-                  <a:pt x="15135" y="9782"/>
-                </a:lnTo>
-                <a:lnTo>
-                  <a:pt x="14916" y="9684"/>
-                </a:lnTo>
-                <a:lnTo>
-                  <a:pt x="14429" y="9563"/>
-                </a:lnTo>
-                <a:lnTo>
-                  <a:pt x="14210" y="9490"/>
-                </a:lnTo>
-                <a:lnTo>
-                  <a:pt x="13943" y="9441"/>
-                </a:lnTo>
-                <a:lnTo>
-                  <a:pt x="13699" y="9417"/>
-                </a:lnTo>
-                <a:lnTo>
-                  <a:pt x="13553" y="9417"/>
-                </a:lnTo>
-                <a:lnTo>
-                  <a:pt x="13456" y="9465"/>
-                </a:lnTo>
-                <a:lnTo>
-                  <a:pt x="13432" y="9490"/>
-                </a:lnTo>
-                <a:lnTo>
-                  <a:pt x="13432" y="9514"/>
-                </a:lnTo>
-                <a:lnTo>
-                  <a:pt x="13578" y="9636"/>
-                </a:lnTo>
-                <a:lnTo>
-                  <a:pt x="13772" y="9733"/>
-                </a:lnTo>
-                <a:lnTo>
-                  <a:pt x="14137" y="9855"/>
-                </a:lnTo>
-                <a:lnTo>
-                  <a:pt x="14648" y="10049"/>
-                </a:lnTo>
-                <a:lnTo>
-                  <a:pt x="14892" y="10147"/>
-                </a:lnTo>
-                <a:lnTo>
-                  <a:pt x="15135" y="10244"/>
-                </a:lnTo>
-                <a:lnTo>
-                  <a:pt x="14794" y="10706"/>
-                </a:lnTo>
-                <a:lnTo>
-                  <a:pt x="14721" y="10658"/>
-                </a:lnTo>
-                <a:lnTo>
-                  <a:pt x="14624" y="10633"/>
-                </a:lnTo>
-                <a:lnTo>
-                  <a:pt x="14405" y="10560"/>
-                </a:lnTo>
-                <a:lnTo>
-                  <a:pt x="13991" y="10512"/>
-                </a:lnTo>
-                <a:lnTo>
-                  <a:pt x="13772" y="10439"/>
-                </a:lnTo>
-                <a:lnTo>
-                  <a:pt x="13505" y="10366"/>
-                </a:lnTo>
-                <a:lnTo>
-                  <a:pt x="13359" y="10341"/>
-                </a:lnTo>
-                <a:lnTo>
-                  <a:pt x="13213" y="10317"/>
-                </a:lnTo>
-                <a:lnTo>
-                  <a:pt x="13115" y="10341"/>
-                </a:lnTo>
-                <a:lnTo>
-                  <a:pt x="12994" y="10390"/>
-                </a:lnTo>
-                <a:lnTo>
-                  <a:pt x="12994" y="10414"/>
-                </a:lnTo>
-                <a:lnTo>
-                  <a:pt x="13018" y="10536"/>
-                </a:lnTo>
-                <a:lnTo>
-                  <a:pt x="13091" y="10609"/>
-                </a:lnTo>
-                <a:lnTo>
-                  <a:pt x="13188" y="10682"/>
-                </a:lnTo>
-                <a:lnTo>
-                  <a:pt x="13310" y="10731"/>
-                </a:lnTo>
-                <a:lnTo>
-                  <a:pt x="13553" y="10828"/>
-                </a:lnTo>
-                <a:lnTo>
-                  <a:pt x="13772" y="10877"/>
-                </a:lnTo>
-                <a:lnTo>
-                  <a:pt x="14113" y="10998"/>
-                </a:lnTo>
-                <a:lnTo>
-                  <a:pt x="14308" y="11047"/>
-                </a:lnTo>
-                <a:lnTo>
-                  <a:pt x="14502" y="11071"/>
-                </a:lnTo>
-                <a:lnTo>
-                  <a:pt x="14089" y="11509"/>
-                </a:lnTo>
-                <a:lnTo>
-                  <a:pt x="13943" y="11412"/>
-                </a:lnTo>
-                <a:lnTo>
-                  <a:pt x="13772" y="11339"/>
-                </a:lnTo>
-                <a:lnTo>
-                  <a:pt x="13432" y="11242"/>
-                </a:lnTo>
-                <a:lnTo>
-                  <a:pt x="13067" y="11144"/>
-                </a:lnTo>
-                <a:lnTo>
-                  <a:pt x="12702" y="11071"/>
-                </a:lnTo>
-                <a:lnTo>
-                  <a:pt x="12337" y="11047"/>
-                </a:lnTo>
-                <a:lnTo>
-                  <a:pt x="11972" y="11096"/>
-                </a:lnTo>
-                <a:lnTo>
-                  <a:pt x="11947" y="11096"/>
-                </a:lnTo>
-                <a:lnTo>
-                  <a:pt x="11899" y="11120"/>
-                </a:lnTo>
-                <a:lnTo>
-                  <a:pt x="11874" y="11193"/>
-                </a:lnTo>
-                <a:lnTo>
-                  <a:pt x="11850" y="11266"/>
-                </a:lnTo>
-                <a:lnTo>
-                  <a:pt x="11874" y="11290"/>
-                </a:lnTo>
-                <a:lnTo>
-                  <a:pt x="11899" y="11363"/>
-                </a:lnTo>
-                <a:lnTo>
-                  <a:pt x="11972" y="11412"/>
-                </a:lnTo>
-                <a:lnTo>
-                  <a:pt x="12580" y="11509"/>
-                </a:lnTo>
-                <a:lnTo>
-                  <a:pt x="12872" y="11582"/>
-                </a:lnTo>
-                <a:lnTo>
-                  <a:pt x="13164" y="11655"/>
-                </a:lnTo>
-                <a:lnTo>
-                  <a:pt x="13432" y="11753"/>
-                </a:lnTo>
-                <a:lnTo>
-                  <a:pt x="13675" y="11850"/>
-                </a:lnTo>
-                <a:lnTo>
-                  <a:pt x="13359" y="12118"/>
-                </a:lnTo>
-                <a:lnTo>
-                  <a:pt x="13018" y="12337"/>
-                </a:lnTo>
-                <a:lnTo>
-                  <a:pt x="12994" y="12288"/>
-                </a:lnTo>
-                <a:lnTo>
-                  <a:pt x="12945" y="12239"/>
-                </a:lnTo>
-                <a:lnTo>
-                  <a:pt x="12775" y="12166"/>
-                </a:lnTo>
-                <a:lnTo>
-                  <a:pt x="12604" y="12142"/>
-                </a:lnTo>
-                <a:lnTo>
-                  <a:pt x="12410" y="12118"/>
-                </a:lnTo>
-                <a:lnTo>
-                  <a:pt x="12215" y="12069"/>
-                </a:lnTo>
-                <a:lnTo>
-                  <a:pt x="11850" y="11947"/>
-                </a:lnTo>
-                <a:lnTo>
-                  <a:pt x="11558" y="11826"/>
-                </a:lnTo>
-                <a:lnTo>
-                  <a:pt x="11242" y="11704"/>
-                </a:lnTo>
-                <a:lnTo>
-                  <a:pt x="11096" y="11655"/>
-                </a:lnTo>
-                <a:lnTo>
-                  <a:pt x="10950" y="11607"/>
-                </a:lnTo>
-                <a:lnTo>
-                  <a:pt x="10779" y="11582"/>
-                </a:lnTo>
-                <a:lnTo>
-                  <a:pt x="10633" y="11582"/>
-                </a:lnTo>
-                <a:lnTo>
-                  <a:pt x="10609" y="11607"/>
-                </a:lnTo>
-                <a:lnTo>
-                  <a:pt x="10609" y="11655"/>
-                </a:lnTo>
-                <a:lnTo>
-                  <a:pt x="10682" y="11753"/>
-                </a:lnTo>
-                <a:lnTo>
-                  <a:pt x="10804" y="11874"/>
-                </a:lnTo>
-                <a:lnTo>
-                  <a:pt x="10925" y="11947"/>
-                </a:lnTo>
-                <a:lnTo>
-                  <a:pt x="11047" y="12045"/>
-                </a:lnTo>
-                <a:lnTo>
-                  <a:pt x="11315" y="12166"/>
-                </a:lnTo>
-                <a:lnTo>
-                  <a:pt x="11582" y="12288"/>
-                </a:lnTo>
-                <a:lnTo>
-                  <a:pt x="11826" y="12385"/>
-                </a:lnTo>
-                <a:lnTo>
-                  <a:pt x="12093" y="12483"/>
-                </a:lnTo>
-                <a:lnTo>
-                  <a:pt x="12361" y="12556"/>
-                </a:lnTo>
-                <a:lnTo>
-                  <a:pt x="12507" y="12580"/>
-                </a:lnTo>
-                <a:lnTo>
-                  <a:pt x="12629" y="12580"/>
-                </a:lnTo>
-                <a:lnTo>
-                  <a:pt x="12239" y="12799"/>
-                </a:lnTo>
-                <a:lnTo>
-                  <a:pt x="11850" y="12969"/>
-                </a:lnTo>
-                <a:lnTo>
-                  <a:pt x="11801" y="12921"/>
-                </a:lnTo>
-                <a:lnTo>
-                  <a:pt x="11680" y="12823"/>
-                </a:lnTo>
-                <a:lnTo>
-                  <a:pt x="11558" y="12775"/>
-                </a:lnTo>
-                <a:lnTo>
-                  <a:pt x="11266" y="12677"/>
-                </a:lnTo>
-                <a:lnTo>
-                  <a:pt x="10998" y="12604"/>
-                </a:lnTo>
-                <a:lnTo>
-                  <a:pt x="10731" y="12531"/>
-                </a:lnTo>
-                <a:lnTo>
-                  <a:pt x="10585" y="12458"/>
-                </a:lnTo>
-                <a:lnTo>
-                  <a:pt x="10439" y="12385"/>
-                </a:lnTo>
-                <a:lnTo>
-                  <a:pt x="10171" y="12239"/>
-                </a:lnTo>
-                <a:lnTo>
-                  <a:pt x="10025" y="12166"/>
-                </a:lnTo>
-                <a:lnTo>
-                  <a:pt x="9879" y="12118"/>
-                </a:lnTo>
-                <a:lnTo>
-                  <a:pt x="9733" y="12093"/>
-                </a:lnTo>
-                <a:lnTo>
-                  <a:pt x="9563" y="12093"/>
-                </a:lnTo>
-                <a:lnTo>
-                  <a:pt x="9514" y="12118"/>
-                </a:lnTo>
-                <a:lnTo>
-                  <a:pt x="9490" y="12142"/>
-                </a:lnTo>
-                <a:lnTo>
-                  <a:pt x="9490" y="12191"/>
-                </a:lnTo>
-                <a:lnTo>
-                  <a:pt x="9514" y="12215"/>
-                </a:lnTo>
-                <a:lnTo>
-                  <a:pt x="9733" y="12410"/>
-                </a:lnTo>
-                <a:lnTo>
-                  <a:pt x="9952" y="12580"/>
-                </a:lnTo>
-                <a:lnTo>
-                  <a:pt x="10220" y="12750"/>
-                </a:lnTo>
-                <a:lnTo>
-                  <a:pt x="10463" y="12872"/>
-                </a:lnTo>
-                <a:lnTo>
-                  <a:pt x="10682" y="12969"/>
-                </a:lnTo>
-                <a:lnTo>
-                  <a:pt x="10901" y="13042"/>
-                </a:lnTo>
-                <a:lnTo>
-                  <a:pt x="11363" y="13188"/>
-                </a:lnTo>
-                <a:lnTo>
-                  <a:pt x="10852" y="13359"/>
-                </a:lnTo>
-                <a:lnTo>
-                  <a:pt x="10317" y="13505"/>
-                </a:lnTo>
-                <a:lnTo>
-                  <a:pt x="10317" y="13480"/>
-                </a:lnTo>
-                <a:lnTo>
-                  <a:pt x="10366" y="13359"/>
-                </a:lnTo>
-                <a:lnTo>
-                  <a:pt x="10366" y="13310"/>
-                </a:lnTo>
-                <a:lnTo>
-                  <a:pt x="10342" y="13261"/>
-                </a:lnTo>
-                <a:lnTo>
-                  <a:pt x="10293" y="13213"/>
-                </a:lnTo>
-                <a:lnTo>
-                  <a:pt x="10244" y="13164"/>
-                </a:lnTo>
-                <a:lnTo>
-                  <a:pt x="9198" y="12604"/>
-                </a:lnTo>
-                <a:lnTo>
-                  <a:pt x="9028" y="12507"/>
-                </a:lnTo>
-                <a:lnTo>
-                  <a:pt x="8809" y="12410"/>
-                </a:lnTo>
-                <a:lnTo>
-                  <a:pt x="8711" y="12385"/>
-                </a:lnTo>
-                <a:lnTo>
-                  <a:pt x="8590" y="12361"/>
-                </a:lnTo>
-                <a:lnTo>
-                  <a:pt x="8492" y="12385"/>
-                </a:lnTo>
-                <a:lnTo>
-                  <a:pt x="8419" y="12434"/>
-                </a:lnTo>
-                <a:lnTo>
-                  <a:pt x="8419" y="12458"/>
-                </a:lnTo>
-                <a:lnTo>
-                  <a:pt x="8444" y="12556"/>
-                </a:lnTo>
-                <a:lnTo>
-                  <a:pt x="8517" y="12629"/>
-                </a:lnTo>
-                <a:lnTo>
-                  <a:pt x="8687" y="12799"/>
-                </a:lnTo>
-                <a:lnTo>
-                  <a:pt x="9028" y="13042"/>
-                </a:lnTo>
-                <a:lnTo>
-                  <a:pt x="9490" y="13334"/>
-                </a:lnTo>
-                <a:lnTo>
-                  <a:pt x="9733" y="13456"/>
-                </a:lnTo>
-                <a:lnTo>
-                  <a:pt x="10001" y="13553"/>
-                </a:lnTo>
-                <a:lnTo>
-                  <a:pt x="9539" y="13651"/>
-                </a:lnTo>
-                <a:lnTo>
-                  <a:pt x="9076" y="13699"/>
-                </a:lnTo>
-                <a:lnTo>
-                  <a:pt x="9052" y="13651"/>
-                </a:lnTo>
-                <a:lnTo>
-                  <a:pt x="8857" y="13480"/>
-                </a:lnTo>
-                <a:lnTo>
-                  <a:pt x="8638" y="13334"/>
-                </a:lnTo>
-                <a:lnTo>
-                  <a:pt x="8176" y="13067"/>
-                </a:lnTo>
-                <a:lnTo>
-                  <a:pt x="7762" y="12799"/>
-                </a:lnTo>
-                <a:lnTo>
-                  <a:pt x="7568" y="12677"/>
-                </a:lnTo>
-                <a:lnTo>
-                  <a:pt x="7349" y="12604"/>
-                </a:lnTo>
-                <a:lnTo>
-                  <a:pt x="7300" y="12604"/>
-                </a:lnTo>
-                <a:lnTo>
-                  <a:pt x="7276" y="12653"/>
-                </a:lnTo>
-                <a:lnTo>
-                  <a:pt x="7276" y="12775"/>
-                </a:lnTo>
-                <a:lnTo>
-                  <a:pt x="7300" y="12872"/>
-                </a:lnTo>
-                <a:lnTo>
-                  <a:pt x="7373" y="12969"/>
-                </a:lnTo>
-                <a:lnTo>
-                  <a:pt x="7446" y="13042"/>
-                </a:lnTo>
-                <a:lnTo>
-                  <a:pt x="7616" y="13213"/>
-                </a:lnTo>
-                <a:lnTo>
-                  <a:pt x="7787" y="13334"/>
-                </a:lnTo>
-                <a:lnTo>
-                  <a:pt x="8103" y="13553"/>
-                </a:lnTo>
-                <a:lnTo>
-                  <a:pt x="8444" y="13748"/>
-                </a:lnTo>
-                <a:lnTo>
-                  <a:pt x="8346" y="13748"/>
-                </a:lnTo>
-                <a:lnTo>
-                  <a:pt x="7835" y="13772"/>
-                </a:lnTo>
-                <a:lnTo>
-                  <a:pt x="7349" y="13724"/>
-                </a:lnTo>
-                <a:lnTo>
-                  <a:pt x="7373" y="13699"/>
-                </a:lnTo>
-                <a:lnTo>
-                  <a:pt x="7397" y="13651"/>
-                </a:lnTo>
-                <a:lnTo>
-                  <a:pt x="7422" y="13578"/>
-                </a:lnTo>
-                <a:lnTo>
-                  <a:pt x="7397" y="13529"/>
-                </a:lnTo>
-                <a:lnTo>
-                  <a:pt x="7373" y="13456"/>
-                </a:lnTo>
-                <a:lnTo>
-                  <a:pt x="7324" y="13383"/>
-                </a:lnTo>
-                <a:lnTo>
-                  <a:pt x="7203" y="13286"/>
-                </a:lnTo>
-                <a:lnTo>
-                  <a:pt x="6911" y="13091"/>
-                </a:lnTo>
-                <a:lnTo>
-                  <a:pt x="6643" y="12872"/>
-                </a:lnTo>
-                <a:lnTo>
-                  <a:pt x="6521" y="12799"/>
-                </a:lnTo>
-                <a:lnTo>
-                  <a:pt x="6448" y="12750"/>
-                </a:lnTo>
-                <a:lnTo>
-                  <a:pt x="6424" y="12702"/>
-                </a:lnTo>
-                <a:lnTo>
-                  <a:pt x="6424" y="12677"/>
-                </a:lnTo>
-                <a:lnTo>
-                  <a:pt x="6400" y="12677"/>
-                </a:lnTo>
-                <a:lnTo>
-                  <a:pt x="6375" y="12702"/>
-                </a:lnTo>
-                <a:lnTo>
-                  <a:pt x="6351" y="12775"/>
-                </a:lnTo>
-                <a:lnTo>
-                  <a:pt x="6327" y="12823"/>
-                </a:lnTo>
-                <a:lnTo>
-                  <a:pt x="6351" y="12969"/>
-                </a:lnTo>
-                <a:lnTo>
-                  <a:pt x="6400" y="13042"/>
-                </a:lnTo>
-                <a:lnTo>
-                  <a:pt x="6448" y="13140"/>
-                </a:lnTo>
-                <a:lnTo>
-                  <a:pt x="6570" y="13286"/>
-                </a:lnTo>
-                <a:lnTo>
-                  <a:pt x="6716" y="13432"/>
-                </a:lnTo>
-                <a:lnTo>
-                  <a:pt x="6862" y="13553"/>
-                </a:lnTo>
-                <a:lnTo>
-                  <a:pt x="7032" y="13675"/>
-                </a:lnTo>
-                <a:lnTo>
-                  <a:pt x="7032" y="13675"/>
-                </a:lnTo>
-                <a:lnTo>
-                  <a:pt x="6619" y="13578"/>
-                </a:lnTo>
-                <a:lnTo>
-                  <a:pt x="6229" y="13456"/>
-                </a:lnTo>
-                <a:lnTo>
-                  <a:pt x="5864" y="13334"/>
-                </a:lnTo>
-                <a:lnTo>
-                  <a:pt x="5670" y="13286"/>
-                </a:lnTo>
-                <a:lnTo>
-                  <a:pt x="5475" y="13261"/>
-                </a:lnTo>
-                <a:lnTo>
-                  <a:pt x="5280" y="13237"/>
-                </a:lnTo>
-                <a:lnTo>
-                  <a:pt x="5086" y="13261"/>
-                </a:lnTo>
-                <a:lnTo>
-                  <a:pt x="4988" y="13286"/>
-                </a:lnTo>
-                <a:lnTo>
-                  <a:pt x="4915" y="13334"/>
-                </a:lnTo>
-                <a:lnTo>
-                  <a:pt x="4842" y="13407"/>
-                </a:lnTo>
-                <a:lnTo>
-                  <a:pt x="4818" y="13505"/>
-                </a:lnTo>
-                <a:lnTo>
-                  <a:pt x="4672" y="13651"/>
-                </a:lnTo>
-                <a:lnTo>
-                  <a:pt x="4502" y="13797"/>
-                </a:lnTo>
-                <a:lnTo>
-                  <a:pt x="4331" y="13943"/>
-                </a:lnTo>
-                <a:lnTo>
-                  <a:pt x="4161" y="14064"/>
-                </a:lnTo>
-                <a:lnTo>
-                  <a:pt x="3869" y="14259"/>
-                </a:lnTo>
-                <a:lnTo>
-                  <a:pt x="3553" y="14405"/>
-                </a:lnTo>
-                <a:lnTo>
-                  <a:pt x="3212" y="14551"/>
-                </a:lnTo>
-                <a:lnTo>
-                  <a:pt x="2896" y="14648"/>
-                </a:lnTo>
-                <a:lnTo>
-                  <a:pt x="2555" y="14745"/>
-                </a:lnTo>
-                <a:lnTo>
-                  <a:pt x="2190" y="14818"/>
-                </a:lnTo>
-                <a:lnTo>
-                  <a:pt x="1825" y="14867"/>
-                </a:lnTo>
-                <a:lnTo>
-                  <a:pt x="1485" y="14891"/>
-                </a:lnTo>
-                <a:lnTo>
-                  <a:pt x="1314" y="14891"/>
-                </a:lnTo>
-                <a:lnTo>
-                  <a:pt x="1144" y="14867"/>
-                </a:lnTo>
-                <a:lnTo>
-                  <a:pt x="1436" y="14672"/>
-                </a:lnTo>
-                <a:lnTo>
-                  <a:pt x="1728" y="14453"/>
-                </a:lnTo>
-                <a:lnTo>
-                  <a:pt x="1996" y="14210"/>
-                </a:lnTo>
-                <a:lnTo>
-                  <a:pt x="2239" y="13991"/>
-                </a:lnTo>
-                <a:lnTo>
-                  <a:pt x="2604" y="13626"/>
-                </a:lnTo>
-                <a:lnTo>
-                  <a:pt x="2774" y="13432"/>
-                </a:lnTo>
-                <a:lnTo>
-                  <a:pt x="2944" y="13188"/>
-                </a:lnTo>
-                <a:lnTo>
-                  <a:pt x="3066" y="12945"/>
-                </a:lnTo>
-                <a:lnTo>
-                  <a:pt x="3163" y="12702"/>
-                </a:lnTo>
-                <a:lnTo>
-                  <a:pt x="3212" y="12458"/>
-                </a:lnTo>
-                <a:lnTo>
-                  <a:pt x="3212" y="12337"/>
-                </a:lnTo>
-                <a:lnTo>
-                  <a:pt x="3212" y="12215"/>
-                </a:lnTo>
-                <a:lnTo>
-                  <a:pt x="3236" y="12118"/>
-                </a:lnTo>
-                <a:lnTo>
-                  <a:pt x="3212" y="12045"/>
-                </a:lnTo>
-                <a:lnTo>
-                  <a:pt x="3188" y="11972"/>
-                </a:lnTo>
-                <a:lnTo>
-                  <a:pt x="3115" y="11923"/>
-                </a:lnTo>
-                <a:lnTo>
-                  <a:pt x="2920" y="11826"/>
-                </a:lnTo>
-                <a:lnTo>
-                  <a:pt x="2750" y="11704"/>
-                </a:lnTo>
-                <a:lnTo>
-                  <a:pt x="2409" y="11461"/>
-                </a:lnTo>
-                <a:lnTo>
-                  <a:pt x="2117" y="11169"/>
-                </a:lnTo>
-                <a:lnTo>
-                  <a:pt x="1850" y="10852"/>
-                </a:lnTo>
-                <a:lnTo>
-                  <a:pt x="1631" y="10512"/>
-                </a:lnTo>
-                <a:lnTo>
-                  <a:pt x="1412" y="10147"/>
-                </a:lnTo>
-                <a:lnTo>
-                  <a:pt x="1241" y="9757"/>
-                </a:lnTo>
-                <a:lnTo>
-                  <a:pt x="1095" y="9368"/>
-                </a:lnTo>
-                <a:lnTo>
-                  <a:pt x="949" y="8979"/>
-                </a:lnTo>
-                <a:lnTo>
-                  <a:pt x="828" y="8565"/>
-                </a:lnTo>
-                <a:lnTo>
-                  <a:pt x="755" y="8127"/>
-                </a:lnTo>
-                <a:lnTo>
-                  <a:pt x="682" y="7689"/>
-                </a:lnTo>
-                <a:lnTo>
-                  <a:pt x="657" y="7251"/>
-                </a:lnTo>
-                <a:lnTo>
-                  <a:pt x="657" y="6837"/>
-                </a:lnTo>
-                <a:lnTo>
-                  <a:pt x="706" y="6399"/>
-                </a:lnTo>
-                <a:lnTo>
-                  <a:pt x="803" y="5986"/>
-                </a:lnTo>
-                <a:lnTo>
-                  <a:pt x="925" y="5548"/>
-                </a:lnTo>
-                <a:lnTo>
-                  <a:pt x="1120" y="5110"/>
-                </a:lnTo>
-                <a:lnTo>
-                  <a:pt x="1339" y="4696"/>
-                </a:lnTo>
-                <a:lnTo>
-                  <a:pt x="1606" y="4307"/>
-                </a:lnTo>
-                <a:lnTo>
-                  <a:pt x="1898" y="3869"/>
-                </a:lnTo>
-                <a:lnTo>
-                  <a:pt x="2166" y="3431"/>
-                </a:lnTo>
-                <a:lnTo>
-                  <a:pt x="2434" y="3017"/>
-                </a:lnTo>
-                <a:lnTo>
-                  <a:pt x="2604" y="2823"/>
-                </a:lnTo>
-                <a:lnTo>
-                  <a:pt x="2774" y="2628"/>
-                </a:lnTo>
-                <a:lnTo>
-                  <a:pt x="3115" y="2336"/>
-                </a:lnTo>
-                <a:lnTo>
-                  <a:pt x="3431" y="2068"/>
-                </a:lnTo>
-                <a:lnTo>
-                  <a:pt x="3772" y="1825"/>
-                </a:lnTo>
-                <a:lnTo>
-                  <a:pt x="4137" y="1582"/>
-                </a:lnTo>
-                <a:lnTo>
-                  <a:pt x="4502" y="1387"/>
-                </a:lnTo>
-                <a:lnTo>
-                  <a:pt x="4867" y="1192"/>
-                </a:lnTo>
-                <a:lnTo>
-                  <a:pt x="5256" y="1046"/>
-                </a:lnTo>
-                <a:lnTo>
-                  <a:pt x="5670" y="900"/>
-                </a:lnTo>
-                <a:lnTo>
-                  <a:pt x="6083" y="803"/>
-                </a:lnTo>
-                <a:lnTo>
-                  <a:pt x="6497" y="706"/>
-                </a:lnTo>
-                <a:lnTo>
-                  <a:pt x="6935" y="633"/>
-                </a:lnTo>
-                <a:lnTo>
-                  <a:pt x="7373" y="584"/>
-                </a:lnTo>
-                <a:lnTo>
-                  <a:pt x="7811" y="535"/>
-                </a:lnTo>
-                <a:lnTo>
-                  <a:pt x="8249" y="511"/>
-                </a:lnTo>
-                <a:close/>
-                <a:moveTo>
-                  <a:pt x="8444" y="0"/>
-                </a:moveTo>
-                <a:lnTo>
-                  <a:pt x="7641" y="24"/>
-                </a:lnTo>
-                <a:lnTo>
-                  <a:pt x="6838" y="122"/>
-                </a:lnTo>
-                <a:lnTo>
-                  <a:pt x="6351" y="195"/>
-                </a:lnTo>
-                <a:lnTo>
-                  <a:pt x="5889" y="292"/>
-                </a:lnTo>
-                <a:lnTo>
-                  <a:pt x="5426" y="414"/>
-                </a:lnTo>
-                <a:lnTo>
-                  <a:pt x="4964" y="560"/>
-                </a:lnTo>
-                <a:lnTo>
-                  <a:pt x="4502" y="730"/>
-                </a:lnTo>
-                <a:lnTo>
-                  <a:pt x="4088" y="949"/>
-                </a:lnTo>
-                <a:lnTo>
-                  <a:pt x="3674" y="1217"/>
-                </a:lnTo>
-                <a:lnTo>
-                  <a:pt x="3285" y="1509"/>
-                </a:lnTo>
-                <a:lnTo>
-                  <a:pt x="2823" y="1922"/>
-                </a:lnTo>
-                <a:lnTo>
-                  <a:pt x="2385" y="2312"/>
-                </a:lnTo>
-                <a:lnTo>
-                  <a:pt x="2166" y="2531"/>
-                </a:lnTo>
-                <a:lnTo>
-                  <a:pt x="1947" y="2725"/>
-                </a:lnTo>
-                <a:lnTo>
-                  <a:pt x="1752" y="2969"/>
-                </a:lnTo>
-                <a:lnTo>
-                  <a:pt x="1582" y="3212"/>
-                </a:lnTo>
-                <a:lnTo>
-                  <a:pt x="1266" y="3723"/>
-                </a:lnTo>
-                <a:lnTo>
-                  <a:pt x="974" y="4283"/>
-                </a:lnTo>
-                <a:lnTo>
-                  <a:pt x="682" y="4842"/>
-                </a:lnTo>
-                <a:lnTo>
-                  <a:pt x="438" y="5402"/>
-                </a:lnTo>
-                <a:lnTo>
-                  <a:pt x="341" y="5645"/>
-                </a:lnTo>
-                <a:lnTo>
-                  <a:pt x="268" y="5889"/>
-                </a:lnTo>
-                <a:lnTo>
-                  <a:pt x="195" y="6132"/>
-                </a:lnTo>
-                <a:lnTo>
-                  <a:pt x="146" y="6375"/>
-                </a:lnTo>
-                <a:lnTo>
-                  <a:pt x="122" y="6886"/>
-                </a:lnTo>
-                <a:lnTo>
-                  <a:pt x="122" y="7397"/>
-                </a:lnTo>
-                <a:lnTo>
-                  <a:pt x="171" y="7908"/>
-                </a:lnTo>
-                <a:lnTo>
-                  <a:pt x="268" y="8419"/>
-                </a:lnTo>
-                <a:lnTo>
-                  <a:pt x="390" y="8906"/>
-                </a:lnTo>
-                <a:lnTo>
-                  <a:pt x="536" y="9392"/>
-                </a:lnTo>
-                <a:lnTo>
-                  <a:pt x="682" y="9830"/>
-                </a:lnTo>
-                <a:lnTo>
-                  <a:pt x="876" y="10244"/>
-                </a:lnTo>
-                <a:lnTo>
-                  <a:pt x="1095" y="10658"/>
-                </a:lnTo>
-                <a:lnTo>
-                  <a:pt x="1339" y="11047"/>
-                </a:lnTo>
-                <a:lnTo>
-                  <a:pt x="1631" y="11412"/>
-                </a:lnTo>
-                <a:lnTo>
-                  <a:pt x="1947" y="11728"/>
-                </a:lnTo>
-                <a:lnTo>
-                  <a:pt x="2117" y="11874"/>
-                </a:lnTo>
-                <a:lnTo>
-                  <a:pt x="2312" y="12020"/>
-                </a:lnTo>
-                <a:lnTo>
-                  <a:pt x="2507" y="12142"/>
-                </a:lnTo>
-                <a:lnTo>
-                  <a:pt x="2701" y="12239"/>
-                </a:lnTo>
-                <a:lnTo>
-                  <a:pt x="2677" y="12458"/>
-                </a:lnTo>
-                <a:lnTo>
-                  <a:pt x="2604" y="12653"/>
-                </a:lnTo>
-                <a:lnTo>
-                  <a:pt x="2482" y="12848"/>
-                </a:lnTo>
-                <a:lnTo>
-                  <a:pt x="2361" y="13042"/>
-                </a:lnTo>
-                <a:lnTo>
-                  <a:pt x="2215" y="13213"/>
-                </a:lnTo>
-                <a:lnTo>
-                  <a:pt x="2069" y="13359"/>
-                </a:lnTo>
-                <a:lnTo>
-                  <a:pt x="1752" y="13675"/>
-                </a:lnTo>
-                <a:lnTo>
-                  <a:pt x="1412" y="13967"/>
-                </a:lnTo>
-                <a:lnTo>
-                  <a:pt x="1047" y="14259"/>
-                </a:lnTo>
-                <a:lnTo>
-                  <a:pt x="828" y="14381"/>
-                </a:lnTo>
-                <a:lnTo>
-                  <a:pt x="633" y="14478"/>
-                </a:lnTo>
-                <a:lnTo>
-                  <a:pt x="414" y="14575"/>
-                </a:lnTo>
-                <a:lnTo>
-                  <a:pt x="195" y="14648"/>
-                </a:lnTo>
-                <a:lnTo>
-                  <a:pt x="98" y="14697"/>
-                </a:lnTo>
-                <a:lnTo>
-                  <a:pt x="25" y="14794"/>
-                </a:lnTo>
-                <a:lnTo>
-                  <a:pt x="0" y="14891"/>
-                </a:lnTo>
-                <a:lnTo>
-                  <a:pt x="25" y="14989"/>
-                </a:lnTo>
-                <a:lnTo>
-                  <a:pt x="49" y="15086"/>
-                </a:lnTo>
-                <a:lnTo>
-                  <a:pt x="146" y="15159"/>
-                </a:lnTo>
-                <a:lnTo>
-                  <a:pt x="244" y="15208"/>
-                </a:lnTo>
-                <a:lnTo>
-                  <a:pt x="365" y="15208"/>
-                </a:lnTo>
-                <a:lnTo>
-                  <a:pt x="414" y="15183"/>
-                </a:lnTo>
-                <a:lnTo>
-                  <a:pt x="560" y="15256"/>
-                </a:lnTo>
-                <a:lnTo>
-                  <a:pt x="682" y="15305"/>
-                </a:lnTo>
-                <a:lnTo>
-                  <a:pt x="998" y="15378"/>
-                </a:lnTo>
-                <a:lnTo>
-                  <a:pt x="1314" y="15402"/>
-                </a:lnTo>
-                <a:lnTo>
-                  <a:pt x="1679" y="15402"/>
-                </a:lnTo>
-                <a:lnTo>
-                  <a:pt x="2020" y="15354"/>
-                </a:lnTo>
-                <a:lnTo>
-                  <a:pt x="2336" y="15305"/>
-                </a:lnTo>
-                <a:lnTo>
-                  <a:pt x="2896" y="15183"/>
-                </a:lnTo>
-                <a:lnTo>
-                  <a:pt x="3261" y="15062"/>
-                </a:lnTo>
-                <a:lnTo>
-                  <a:pt x="3626" y="14916"/>
-                </a:lnTo>
-                <a:lnTo>
-                  <a:pt x="3991" y="14770"/>
-                </a:lnTo>
-                <a:lnTo>
-                  <a:pt x="4331" y="14575"/>
-                </a:lnTo>
-                <a:lnTo>
-                  <a:pt x="4575" y="14429"/>
-                </a:lnTo>
-                <a:lnTo>
-                  <a:pt x="4818" y="14259"/>
-                </a:lnTo>
-                <a:lnTo>
-                  <a:pt x="5037" y="14040"/>
-                </a:lnTo>
-                <a:lnTo>
-                  <a:pt x="5134" y="13918"/>
-                </a:lnTo>
-                <a:lnTo>
-                  <a:pt x="5207" y="13797"/>
-                </a:lnTo>
-                <a:lnTo>
-                  <a:pt x="5426" y="13821"/>
-                </a:lnTo>
-                <a:lnTo>
-                  <a:pt x="5645" y="13845"/>
-                </a:lnTo>
-                <a:lnTo>
-                  <a:pt x="6059" y="13967"/>
-                </a:lnTo>
-                <a:lnTo>
-                  <a:pt x="6497" y="14113"/>
-                </a:lnTo>
-                <a:lnTo>
-                  <a:pt x="6692" y="14186"/>
-                </a:lnTo>
-                <a:lnTo>
-                  <a:pt x="6911" y="14235"/>
-                </a:lnTo>
-                <a:lnTo>
-                  <a:pt x="7178" y="14283"/>
-                </a:lnTo>
-                <a:lnTo>
-                  <a:pt x="7446" y="14308"/>
-                </a:lnTo>
-                <a:lnTo>
-                  <a:pt x="7981" y="14332"/>
-                </a:lnTo>
-                <a:lnTo>
-                  <a:pt x="8517" y="14308"/>
-                </a:lnTo>
-                <a:lnTo>
-                  <a:pt x="9052" y="14259"/>
-                </a:lnTo>
-                <a:lnTo>
-                  <a:pt x="9490" y="14210"/>
-                </a:lnTo>
-                <a:lnTo>
-                  <a:pt x="9952" y="14137"/>
-                </a:lnTo>
-                <a:lnTo>
-                  <a:pt x="10390" y="14040"/>
-                </a:lnTo>
-                <a:lnTo>
-                  <a:pt x="10828" y="13918"/>
-                </a:lnTo>
-                <a:lnTo>
-                  <a:pt x="11266" y="13797"/>
-                </a:lnTo>
-                <a:lnTo>
-                  <a:pt x="11680" y="13651"/>
-                </a:lnTo>
-                <a:lnTo>
-                  <a:pt x="12093" y="13480"/>
-                </a:lnTo>
-                <a:lnTo>
-                  <a:pt x="12507" y="13286"/>
-                </a:lnTo>
-                <a:lnTo>
-                  <a:pt x="12921" y="13067"/>
-                </a:lnTo>
-                <a:lnTo>
-                  <a:pt x="13310" y="12823"/>
-                </a:lnTo>
-                <a:lnTo>
-                  <a:pt x="13699" y="12556"/>
-                </a:lnTo>
-                <a:lnTo>
-                  <a:pt x="14089" y="12264"/>
-                </a:lnTo>
-                <a:lnTo>
-                  <a:pt x="14429" y="11947"/>
-                </a:lnTo>
-                <a:lnTo>
-                  <a:pt x="14770" y="11607"/>
-                </a:lnTo>
-                <a:lnTo>
-                  <a:pt x="15111" y="11266"/>
-                </a:lnTo>
-                <a:lnTo>
-                  <a:pt x="15403" y="10901"/>
-                </a:lnTo>
-                <a:lnTo>
-                  <a:pt x="15670" y="10512"/>
-                </a:lnTo>
-                <a:lnTo>
-                  <a:pt x="15914" y="10098"/>
-                </a:lnTo>
-                <a:lnTo>
-                  <a:pt x="16133" y="9684"/>
-                </a:lnTo>
-                <a:lnTo>
-                  <a:pt x="16327" y="9246"/>
-                </a:lnTo>
-                <a:lnTo>
-                  <a:pt x="16473" y="8808"/>
-                </a:lnTo>
-                <a:lnTo>
-                  <a:pt x="16595" y="8346"/>
-                </a:lnTo>
-                <a:lnTo>
-                  <a:pt x="16668" y="7884"/>
-                </a:lnTo>
-                <a:lnTo>
-                  <a:pt x="16717" y="7421"/>
-                </a:lnTo>
-                <a:lnTo>
-                  <a:pt x="16717" y="7178"/>
-                </a:lnTo>
-                <a:lnTo>
-                  <a:pt x="16692" y="6959"/>
-                </a:lnTo>
-                <a:lnTo>
-                  <a:pt x="16595" y="6497"/>
-                </a:lnTo>
-                <a:lnTo>
-                  <a:pt x="16473" y="6035"/>
-                </a:lnTo>
-                <a:lnTo>
-                  <a:pt x="16352" y="5597"/>
-                </a:lnTo>
-                <a:lnTo>
-                  <a:pt x="16206" y="5134"/>
-                </a:lnTo>
-                <a:lnTo>
-                  <a:pt x="16084" y="4672"/>
-                </a:lnTo>
-                <a:lnTo>
-                  <a:pt x="15962" y="4210"/>
-                </a:lnTo>
-                <a:lnTo>
-                  <a:pt x="15792" y="3772"/>
-                </a:lnTo>
-                <a:lnTo>
-                  <a:pt x="15597" y="3358"/>
-                </a:lnTo>
-                <a:lnTo>
-                  <a:pt x="15354" y="2993"/>
-                </a:lnTo>
-                <a:lnTo>
-                  <a:pt x="15062" y="2652"/>
-                </a:lnTo>
-                <a:lnTo>
-                  <a:pt x="14770" y="2336"/>
-                </a:lnTo>
-                <a:lnTo>
-                  <a:pt x="14429" y="2044"/>
-                </a:lnTo>
-                <a:lnTo>
-                  <a:pt x="14089" y="1776"/>
-                </a:lnTo>
-                <a:lnTo>
-                  <a:pt x="13724" y="1509"/>
-                </a:lnTo>
-                <a:lnTo>
-                  <a:pt x="13334" y="1265"/>
-                </a:lnTo>
-                <a:lnTo>
-                  <a:pt x="12969" y="1046"/>
-                </a:lnTo>
-                <a:lnTo>
-                  <a:pt x="12580" y="827"/>
-                </a:lnTo>
-                <a:lnTo>
-                  <a:pt x="12166" y="633"/>
-                </a:lnTo>
-                <a:lnTo>
-                  <a:pt x="11777" y="487"/>
-                </a:lnTo>
-                <a:lnTo>
-                  <a:pt x="11363" y="341"/>
-                </a:lnTo>
-                <a:lnTo>
-                  <a:pt x="10950" y="219"/>
-                </a:lnTo>
-                <a:lnTo>
-                  <a:pt x="10512" y="146"/>
-                </a:lnTo>
-                <a:lnTo>
-                  <a:pt x="10074" y="73"/>
-                </a:lnTo>
-                <a:lnTo>
-                  <a:pt x="9271" y="0"/>
-                </a:lnTo>
-                <a:close/>
-              </a:path>
-            </a:pathLst>
-          </a:custGeom>
-          <a:solidFill>
-            <a:srgbClr val="FFFFFF"/>
-          </a:solidFill>
-          <a:ln>
-            <a:noFill/>
-          </a:ln>
-        </p:spPr>
-        <p:txBody>
-          <a:bodyPr spcFirstLastPara="1" wrap="square" lIns="121900" tIns="121900" rIns="121900" bIns="121900" anchor="ctr" anchorCtr="0">
-            <a:noAutofit/>
-          </a:bodyPr>
-          <a:lstStyle/>
-          <a:p>
-            <a:pPr algn="l" rtl="0">
-              <a:buClr>
-                <a:srgbClr val="000000"/>
-              </a:buClr>
-              <a:buFont typeface="Arial"/>
-              <a:buNone/>
-            </a:pPr>
-            <a:endParaRPr sz="1867" kern="0">
-              <a:solidFill>
-                <a:srgbClr val="000000"/>
-              </a:solidFill>
-              <a:cs typeface="Arial"/>
-              <a:sym typeface="Arial"/>
-            </a:endParaRPr>
-          </a:p>
-        </p:txBody>
-      </p:sp>
-    </p:spTree>
-    <p:extLst>
-      <p:ext uri="{BB962C8B-B14F-4D97-AF65-F5344CB8AC3E}">
-        <p14:creationId xmlns:p14="http://schemas.microsoft.com/office/powerpoint/2010/main" val="862490647"/>
-      </p:ext>
-    </p:extLst>
-  </p:cSld>
-  <p:clrMapOvr>
-    <a:masterClrMapping/>
-  </p:clrMapOvr>
+  <p:timing>
+    <p:tnLst>
+      <p:par>
+        <p:cTn id="1" dur="indefinite" restart="never" nodeType="tmRoot"/>
+      </p:par>
+    </p:tnLst>
+  </p:timing>
 </p:sld>
 </file>
 
@@ -20166,6 +19178,310 @@
           </a:p>
         </p:txBody>
       </p:sp>
+      <p:sp>
+        <p:nvSpPr>
+          <p:cNvPr id="5" name="Google Shape;279;p35"/>
+          <p:cNvSpPr txBox="1">
+            <a:spLocks/>
+          </p:cNvSpPr>
+          <p:nvPr/>
+        </p:nvSpPr>
+        <p:spPr>
+          <a:xfrm>
+            <a:off x="1775858" y="2212638"/>
+            <a:ext cx="10263187" cy="1546225"/>
+          </a:xfrm>
+          <a:prstGeom prst="rect">
+            <a:avLst/>
+          </a:prstGeom>
+          <a:noFill/>
+          <a:ln>
+            <a:noFill/>
+          </a:ln>
+          <a:effectLst>
+            <a:outerShdw blurRad="42863" dist="9525" dir="5400000" algn="bl" rotWithShape="0">
+              <a:srgbClr val="000000">
+                <a:alpha val="20000"/>
+              </a:srgbClr>
+            </a:outerShdw>
+          </a:effectLst>
+        </p:spPr>
+        <p:txBody>
+          <a:bodyPr spcFirstLastPara="1" wrap="square" lIns="0" tIns="0" rIns="0" bIns="0" anchor="ctr" anchorCtr="0">
+            <a:noAutofit/>
+          </a:bodyPr>
+          <a:lstStyle>
+            <a:defPPr marR="0" lvl="0" algn="l" rtl="0">
+              <a:lnSpc>
+                <a:spcPct val="100000"/>
+              </a:lnSpc>
+              <a:spcBef>
+                <a:spcPts val="0"/>
+              </a:spcBef>
+              <a:spcAft>
+                <a:spcPts val="0"/>
+              </a:spcAft>
+            </a:defPPr>
+            <a:lvl1pPr marR="0" lvl="0" algn="l" rtl="0">
+              <a:lnSpc>
+                <a:spcPct val="100000"/>
+              </a:lnSpc>
+              <a:spcBef>
+                <a:spcPts val="0"/>
+              </a:spcBef>
+              <a:spcAft>
+                <a:spcPts val="0"/>
+              </a:spcAft>
+              <a:buClr>
+                <a:srgbClr val="FFFFFF"/>
+              </a:buClr>
+              <a:buSzPts val="2600"/>
+              <a:buFont typeface="Montserrat ExtraBold"/>
+              <a:buNone/>
+              <a:defRPr sz="2600" b="0" i="0" u="none" strike="noStrike" cap="none">
+                <a:solidFill>
+                  <a:srgbClr val="FFFFFF"/>
+                </a:solidFill>
+                <a:latin typeface="Montserrat ExtraBold"/>
+                <a:ea typeface="Montserrat ExtraBold"/>
+                <a:cs typeface="Montserrat ExtraBold"/>
+                <a:sym typeface="Montserrat ExtraBold"/>
+              </a:defRPr>
+            </a:lvl1pPr>
+            <a:lvl2pPr marR="0" lvl="1" algn="l" rtl="0">
+              <a:lnSpc>
+                <a:spcPct val="100000"/>
+              </a:lnSpc>
+              <a:spcBef>
+                <a:spcPts val="0"/>
+              </a:spcBef>
+              <a:spcAft>
+                <a:spcPts val="0"/>
+              </a:spcAft>
+              <a:buClr>
+                <a:srgbClr val="FFFFFF"/>
+              </a:buClr>
+              <a:buSzPts val="2600"/>
+              <a:buFont typeface="Montserrat ExtraBold"/>
+              <a:buNone/>
+              <a:defRPr sz="2600" b="0" i="0" u="none" strike="noStrike" cap="none">
+                <a:solidFill>
+                  <a:srgbClr val="FFFFFF"/>
+                </a:solidFill>
+                <a:latin typeface="Montserrat ExtraBold"/>
+                <a:ea typeface="Montserrat ExtraBold"/>
+                <a:cs typeface="Montserrat ExtraBold"/>
+                <a:sym typeface="Montserrat ExtraBold"/>
+              </a:defRPr>
+            </a:lvl2pPr>
+            <a:lvl3pPr marR="0" lvl="2" algn="l" rtl="0">
+              <a:lnSpc>
+                <a:spcPct val="100000"/>
+              </a:lnSpc>
+              <a:spcBef>
+                <a:spcPts val="0"/>
+              </a:spcBef>
+              <a:spcAft>
+                <a:spcPts val="0"/>
+              </a:spcAft>
+              <a:buClr>
+                <a:srgbClr val="FFFFFF"/>
+              </a:buClr>
+              <a:buSzPts val="2600"/>
+              <a:buFont typeface="Montserrat ExtraBold"/>
+              <a:buNone/>
+              <a:defRPr sz="2600" b="0" i="0" u="none" strike="noStrike" cap="none">
+                <a:solidFill>
+                  <a:srgbClr val="FFFFFF"/>
+                </a:solidFill>
+                <a:latin typeface="Montserrat ExtraBold"/>
+                <a:ea typeface="Montserrat ExtraBold"/>
+                <a:cs typeface="Montserrat ExtraBold"/>
+                <a:sym typeface="Montserrat ExtraBold"/>
+              </a:defRPr>
+            </a:lvl3pPr>
+            <a:lvl4pPr marR="0" lvl="3" algn="l" rtl="0">
+              <a:lnSpc>
+                <a:spcPct val="100000"/>
+              </a:lnSpc>
+              <a:spcBef>
+                <a:spcPts val="0"/>
+              </a:spcBef>
+              <a:spcAft>
+                <a:spcPts val="0"/>
+              </a:spcAft>
+              <a:buClr>
+                <a:srgbClr val="FFFFFF"/>
+              </a:buClr>
+              <a:buSzPts val="2600"/>
+              <a:buFont typeface="Montserrat ExtraBold"/>
+              <a:buNone/>
+              <a:defRPr sz="2600" b="0" i="0" u="none" strike="noStrike" cap="none">
+                <a:solidFill>
+                  <a:srgbClr val="FFFFFF"/>
+                </a:solidFill>
+                <a:latin typeface="Montserrat ExtraBold"/>
+                <a:ea typeface="Montserrat ExtraBold"/>
+                <a:cs typeface="Montserrat ExtraBold"/>
+                <a:sym typeface="Montserrat ExtraBold"/>
+              </a:defRPr>
+            </a:lvl4pPr>
+            <a:lvl5pPr marR="0" lvl="4" algn="l" rtl="0">
+              <a:lnSpc>
+                <a:spcPct val="100000"/>
+              </a:lnSpc>
+              <a:spcBef>
+                <a:spcPts val="0"/>
+              </a:spcBef>
+              <a:spcAft>
+                <a:spcPts val="0"/>
+              </a:spcAft>
+              <a:buClr>
+                <a:srgbClr val="FFFFFF"/>
+              </a:buClr>
+              <a:buSzPts val="2600"/>
+              <a:buFont typeface="Montserrat ExtraBold"/>
+              <a:buNone/>
+              <a:defRPr sz="2600" b="0" i="0" u="none" strike="noStrike" cap="none">
+                <a:solidFill>
+                  <a:srgbClr val="FFFFFF"/>
+                </a:solidFill>
+                <a:latin typeface="Montserrat ExtraBold"/>
+                <a:ea typeface="Montserrat ExtraBold"/>
+                <a:cs typeface="Montserrat ExtraBold"/>
+                <a:sym typeface="Montserrat ExtraBold"/>
+              </a:defRPr>
+            </a:lvl5pPr>
+            <a:lvl6pPr marR="0" lvl="5" algn="l" rtl="0">
+              <a:lnSpc>
+                <a:spcPct val="100000"/>
+              </a:lnSpc>
+              <a:spcBef>
+                <a:spcPts val="0"/>
+              </a:spcBef>
+              <a:spcAft>
+                <a:spcPts val="0"/>
+              </a:spcAft>
+              <a:buClr>
+                <a:srgbClr val="FFFFFF"/>
+              </a:buClr>
+              <a:buSzPts val="2600"/>
+              <a:buFont typeface="Montserrat ExtraBold"/>
+              <a:buNone/>
+              <a:defRPr sz="2600" b="0" i="0" u="none" strike="noStrike" cap="none">
+                <a:solidFill>
+                  <a:srgbClr val="FFFFFF"/>
+                </a:solidFill>
+                <a:latin typeface="Montserrat ExtraBold"/>
+                <a:ea typeface="Montserrat ExtraBold"/>
+                <a:cs typeface="Montserrat ExtraBold"/>
+                <a:sym typeface="Montserrat ExtraBold"/>
+              </a:defRPr>
+            </a:lvl6pPr>
+            <a:lvl7pPr marR="0" lvl="6" algn="l" rtl="0">
+              <a:lnSpc>
+                <a:spcPct val="100000"/>
+              </a:lnSpc>
+              <a:spcBef>
+                <a:spcPts val="0"/>
+              </a:spcBef>
+              <a:spcAft>
+                <a:spcPts val="0"/>
+              </a:spcAft>
+              <a:buClr>
+                <a:srgbClr val="FFFFFF"/>
+              </a:buClr>
+              <a:buSzPts val="2600"/>
+              <a:buFont typeface="Montserrat ExtraBold"/>
+              <a:buNone/>
+              <a:defRPr sz="2600" b="0" i="0" u="none" strike="noStrike" cap="none">
+                <a:solidFill>
+                  <a:srgbClr val="FFFFFF"/>
+                </a:solidFill>
+                <a:latin typeface="Montserrat ExtraBold"/>
+                <a:ea typeface="Montserrat ExtraBold"/>
+                <a:cs typeface="Montserrat ExtraBold"/>
+                <a:sym typeface="Montserrat ExtraBold"/>
+              </a:defRPr>
+            </a:lvl7pPr>
+            <a:lvl8pPr marR="0" lvl="7" algn="l" rtl="0">
+              <a:lnSpc>
+                <a:spcPct val="100000"/>
+              </a:lnSpc>
+              <a:spcBef>
+                <a:spcPts val="0"/>
+              </a:spcBef>
+              <a:spcAft>
+                <a:spcPts val="0"/>
+              </a:spcAft>
+              <a:buClr>
+                <a:srgbClr val="FFFFFF"/>
+              </a:buClr>
+              <a:buSzPts val="2600"/>
+              <a:buFont typeface="Montserrat ExtraBold"/>
+              <a:buNone/>
+              <a:defRPr sz="2600" b="0" i="0" u="none" strike="noStrike" cap="none">
+                <a:solidFill>
+                  <a:srgbClr val="FFFFFF"/>
+                </a:solidFill>
+                <a:latin typeface="Montserrat ExtraBold"/>
+                <a:ea typeface="Montserrat ExtraBold"/>
+                <a:cs typeface="Montserrat ExtraBold"/>
+                <a:sym typeface="Montserrat ExtraBold"/>
+              </a:defRPr>
+            </a:lvl8pPr>
+            <a:lvl9pPr marR="0" lvl="8" algn="l" rtl="0">
+              <a:lnSpc>
+                <a:spcPct val="100000"/>
+              </a:lnSpc>
+              <a:spcBef>
+                <a:spcPts val="0"/>
+              </a:spcBef>
+              <a:spcAft>
+                <a:spcPts val="0"/>
+              </a:spcAft>
+              <a:buClr>
+                <a:srgbClr val="FFFFFF"/>
+              </a:buClr>
+              <a:buSzPts val="2600"/>
+              <a:buFont typeface="Montserrat ExtraBold"/>
+              <a:buNone/>
+              <a:defRPr sz="2600" b="0" i="0" u="none" strike="noStrike" cap="none">
+                <a:solidFill>
+                  <a:srgbClr val="FFFFFF"/>
+                </a:solidFill>
+                <a:latin typeface="Montserrat ExtraBold"/>
+                <a:ea typeface="Montserrat ExtraBold"/>
+                <a:cs typeface="Montserrat ExtraBold"/>
+                <a:sym typeface="Montserrat ExtraBold"/>
+              </a:defRPr>
+            </a:lvl9pPr>
+          </a:lstStyle>
+          <a:p>
+            <a:pPr marL="342900" indent="-342900">
+              <a:buFont typeface="Arial" panose="020B0604020202020204" pitchFamily="34" charset="0"/>
+              <a:buChar char="•"/>
+            </a:pPr>
+            <a:r>
+              <a:rPr lang="en-US" sz="2400" kern="0" dirty="0" smtClean="0">
+                <a:solidFill>
+                  <a:srgbClr val="0070C0"/>
+                </a:solidFill>
+                <a:latin typeface="Buxton Sketch" panose="03080500000500000004" pitchFamily="66" charset="0"/>
+                <a:cs typeface="BN Barak" panose="02000000000000000000" pitchFamily="2" charset="-79"/>
+              </a:rPr>
+              <a:t>Live Messages From Server</a:t>
+            </a:r>
+            <a:endParaRPr lang="en-US" sz="2400" kern="0" dirty="0">
+              <a:solidFill>
+                <a:srgbClr val="0070C0"/>
+              </a:solidFill>
+              <a:latin typeface="Buxton Sketch" panose="03080500000500000004" pitchFamily="66" charset="0"/>
+              <a:cs typeface="BN Barak" panose="02000000000000000000" pitchFamily="2" charset="-79"/>
+            </a:endParaRPr>
+          </a:p>
+        </p:txBody>
+      </p:sp>
     </p:spTree>
     <p:extLst>
       <p:ext uri="{BB962C8B-B14F-4D97-AF65-F5344CB8AC3E}">
@@ -20176,6 +19492,1777 @@
   <p:clrMapOvr>
     <a:masterClrMapping/>
   </p:clrMapOvr>
+  <p:timing>
+    <p:tnLst>
+      <p:par>
+        <p:cTn id="1" dur="indefinite" restart="never" nodeType="tmRoot"/>
+      </p:par>
+    </p:tnLst>
+  </p:timing>
+</p:sld>
+</file>
+
+<file path=ppt/slides/slide23.xml><?xml version="1.0" encoding="utf-8"?>
+<p:sld xmlns:a="http://schemas.openxmlformats.org/drawingml/2006/main" xmlns:r="http://schemas.openxmlformats.org/officeDocument/2006/relationships" xmlns:p="http://schemas.openxmlformats.org/presentationml/2006/main">
+  <p:cSld>
+    <p:bg>
+      <p:bgPr>
+        <a:gradFill>
+          <a:gsLst>
+            <a:gs pos="0">
+              <a:srgbClr val="FF8700"/>
+            </a:gs>
+            <a:gs pos="100000">
+              <a:srgbClr val="FFD900"/>
+            </a:gs>
+          </a:gsLst>
+          <a:lin ang="5400700" scaled="0"/>
+        </a:gradFill>
+        <a:effectLst/>
+      </p:bgPr>
+    </p:bg>
+    <p:spTree>
+      <p:nvGrpSpPr>
+        <p:cNvPr id="1" name="Shape 277"/>
+        <p:cNvGrpSpPr/>
+        <p:nvPr/>
+      </p:nvGrpSpPr>
+      <p:grpSpPr>
+        <a:xfrm>
+          <a:off x="0" y="0"/>
+          <a:ext cx="0" cy="0"/>
+          <a:chOff x="0" y="0"/>
+          <a:chExt cx="0" cy="0"/>
+        </a:xfrm>
+      </p:grpSpPr>
+      <p:sp>
+        <p:nvSpPr>
+          <p:cNvPr id="278" name="Google Shape;278;p35"/>
+          <p:cNvSpPr txBox="1">
+            <a:spLocks noGrp="1"/>
+          </p:cNvSpPr>
+          <p:nvPr>
+            <p:ph type="sldNum" idx="12"/>
+          </p:nvPr>
+        </p:nvSpPr>
+        <p:spPr>
+          <a:prstGeom prst="rect">
+            <a:avLst/>
+          </a:prstGeom>
+        </p:spPr>
+        <p:txBody>
+          <a:bodyPr spcFirstLastPara="1" wrap="square" lIns="0" tIns="0" rIns="0" bIns="0" anchor="ctr" anchorCtr="0">
+            <a:noAutofit/>
+          </a:bodyPr>
+          <a:lstStyle/>
+          <a:p>
+            <a:fld id="{00000000-1234-1234-1234-123412341234}" type="slidenum">
+              <a:rPr lang="en"/>
+              <a:pPr/>
+              <a:t>23</a:t>
+            </a:fld>
+            <a:endParaRPr/>
+          </a:p>
+        </p:txBody>
+      </p:sp>
+      <p:sp>
+        <p:nvSpPr>
+          <p:cNvPr id="279" name="Google Shape;279;p35"/>
+          <p:cNvSpPr txBox="1">
+            <a:spLocks noGrp="1"/>
+          </p:cNvSpPr>
+          <p:nvPr>
+            <p:ph type="ctrTitle" idx="4294967295"/>
+          </p:nvPr>
+        </p:nvSpPr>
+        <p:spPr>
+          <a:xfrm>
+            <a:off x="964413" y="3199489"/>
+            <a:ext cx="10263187" cy="1546225"/>
+          </a:xfrm>
+          <a:prstGeom prst="rect">
+            <a:avLst/>
+          </a:prstGeom>
+        </p:spPr>
+        <p:txBody>
+          <a:bodyPr spcFirstLastPara="1" wrap="square" lIns="0" tIns="0" rIns="0" bIns="0" anchor="ctr" anchorCtr="0">
+            <a:noAutofit/>
+          </a:bodyPr>
+          <a:lstStyle/>
+          <a:p>
+            <a:pPr algn="ctr"/>
+            <a:r>
+              <a:rPr lang="en-US" sz="6600" dirty="0">
+                <a:latin typeface="Buxton Sketch" panose="03080500000500000004" pitchFamily="66" charset="0"/>
+                <a:cs typeface="BN Barak" panose="02000000000000000000" pitchFamily="2" charset="-79"/>
+              </a:rPr>
+              <a:t>Any Questions ? </a:t>
+            </a:r>
+            <a:endParaRPr sz="6600" dirty="0">
+              <a:latin typeface="Buxton Sketch" panose="03080500000500000004" pitchFamily="66" charset="0"/>
+              <a:cs typeface="BN Barak" panose="02000000000000000000" pitchFamily="2" charset="-79"/>
+            </a:endParaRPr>
+          </a:p>
+        </p:txBody>
+      </p:sp>
+      <p:sp>
+        <p:nvSpPr>
+          <p:cNvPr id="281" name="Google Shape;281;p35"/>
+          <p:cNvSpPr/>
+          <p:nvPr/>
+        </p:nvSpPr>
+        <p:spPr>
+          <a:xfrm>
+            <a:off x="5503501" y="1469771"/>
+            <a:ext cx="1185012" cy="1091816"/>
+          </a:xfrm>
+          <a:custGeom>
+            <a:avLst/>
+            <a:gdLst/>
+            <a:ahLst/>
+            <a:cxnLst/>
+            <a:rect l="l" t="t" r="r" b="b"/>
+            <a:pathLst>
+              <a:path w="16717" h="15403" extrusionOk="0">
+                <a:moveTo>
+                  <a:pt x="9149" y="511"/>
+                </a:moveTo>
+                <a:lnTo>
+                  <a:pt x="9587" y="560"/>
+                </a:lnTo>
+                <a:lnTo>
+                  <a:pt x="10025" y="608"/>
+                </a:lnTo>
+                <a:lnTo>
+                  <a:pt x="10439" y="681"/>
+                </a:lnTo>
+                <a:lnTo>
+                  <a:pt x="10877" y="779"/>
+                </a:lnTo>
+                <a:lnTo>
+                  <a:pt x="11290" y="900"/>
+                </a:lnTo>
+                <a:lnTo>
+                  <a:pt x="11704" y="1046"/>
+                </a:lnTo>
+                <a:lnTo>
+                  <a:pt x="12093" y="1217"/>
+                </a:lnTo>
+                <a:lnTo>
+                  <a:pt x="12483" y="1411"/>
+                </a:lnTo>
+                <a:lnTo>
+                  <a:pt x="12994" y="1703"/>
+                </a:lnTo>
+                <a:lnTo>
+                  <a:pt x="13505" y="2020"/>
+                </a:lnTo>
+                <a:lnTo>
+                  <a:pt x="13967" y="2360"/>
+                </a:lnTo>
+                <a:lnTo>
+                  <a:pt x="14210" y="2555"/>
+                </a:lnTo>
+                <a:lnTo>
+                  <a:pt x="14405" y="2750"/>
+                </a:lnTo>
+                <a:lnTo>
+                  <a:pt x="14332" y="2871"/>
+                </a:lnTo>
+                <a:lnTo>
+                  <a:pt x="14308" y="3017"/>
+                </a:lnTo>
+                <a:lnTo>
+                  <a:pt x="14308" y="3066"/>
+                </a:lnTo>
+                <a:lnTo>
+                  <a:pt x="14332" y="3090"/>
+                </a:lnTo>
+                <a:lnTo>
+                  <a:pt x="14405" y="3139"/>
+                </a:lnTo>
+                <a:lnTo>
+                  <a:pt x="14478" y="3139"/>
+                </a:lnTo>
+                <a:lnTo>
+                  <a:pt x="14551" y="3090"/>
+                </a:lnTo>
+                <a:lnTo>
+                  <a:pt x="14624" y="2993"/>
+                </a:lnTo>
+                <a:lnTo>
+                  <a:pt x="14867" y="3285"/>
+                </a:lnTo>
+                <a:lnTo>
+                  <a:pt x="14770" y="3358"/>
+                </a:lnTo>
+                <a:lnTo>
+                  <a:pt x="14697" y="3431"/>
+                </a:lnTo>
+                <a:lnTo>
+                  <a:pt x="14600" y="3601"/>
+                </a:lnTo>
+                <a:lnTo>
+                  <a:pt x="14575" y="3674"/>
+                </a:lnTo>
+                <a:lnTo>
+                  <a:pt x="14575" y="3723"/>
+                </a:lnTo>
+                <a:lnTo>
+                  <a:pt x="14575" y="3772"/>
+                </a:lnTo>
+                <a:lnTo>
+                  <a:pt x="14600" y="3796"/>
+                </a:lnTo>
+                <a:lnTo>
+                  <a:pt x="14648" y="3796"/>
+                </a:lnTo>
+                <a:lnTo>
+                  <a:pt x="14721" y="3772"/>
+                </a:lnTo>
+                <a:lnTo>
+                  <a:pt x="14867" y="3699"/>
+                </a:lnTo>
+                <a:lnTo>
+                  <a:pt x="15086" y="3601"/>
+                </a:lnTo>
+                <a:lnTo>
+                  <a:pt x="15208" y="3820"/>
+                </a:lnTo>
+                <a:lnTo>
+                  <a:pt x="15305" y="4064"/>
+                </a:lnTo>
+                <a:lnTo>
+                  <a:pt x="15111" y="4137"/>
+                </a:lnTo>
+                <a:lnTo>
+                  <a:pt x="15013" y="4185"/>
+                </a:lnTo>
+                <a:lnTo>
+                  <a:pt x="14916" y="4234"/>
+                </a:lnTo>
+                <a:lnTo>
+                  <a:pt x="14892" y="4307"/>
+                </a:lnTo>
+                <a:lnTo>
+                  <a:pt x="14892" y="4380"/>
+                </a:lnTo>
+                <a:lnTo>
+                  <a:pt x="14940" y="4429"/>
+                </a:lnTo>
+                <a:lnTo>
+                  <a:pt x="15013" y="4453"/>
+                </a:lnTo>
+                <a:lnTo>
+                  <a:pt x="15135" y="4453"/>
+                </a:lnTo>
+                <a:lnTo>
+                  <a:pt x="15232" y="4429"/>
+                </a:lnTo>
+                <a:lnTo>
+                  <a:pt x="15427" y="4380"/>
+                </a:lnTo>
+                <a:lnTo>
+                  <a:pt x="15573" y="4915"/>
+                </a:lnTo>
+                <a:lnTo>
+                  <a:pt x="15403" y="4964"/>
+                </a:lnTo>
+                <a:lnTo>
+                  <a:pt x="15232" y="5061"/>
+                </a:lnTo>
+                <a:lnTo>
+                  <a:pt x="15086" y="5183"/>
+                </a:lnTo>
+                <a:lnTo>
+                  <a:pt x="15038" y="5256"/>
+                </a:lnTo>
+                <a:lnTo>
+                  <a:pt x="15013" y="5329"/>
+                </a:lnTo>
+                <a:lnTo>
+                  <a:pt x="15013" y="5378"/>
+                </a:lnTo>
+                <a:lnTo>
+                  <a:pt x="15038" y="5402"/>
+                </a:lnTo>
+                <a:lnTo>
+                  <a:pt x="15062" y="5426"/>
+                </a:lnTo>
+                <a:lnTo>
+                  <a:pt x="15111" y="5451"/>
+                </a:lnTo>
+                <a:lnTo>
+                  <a:pt x="15208" y="5451"/>
+                </a:lnTo>
+                <a:lnTo>
+                  <a:pt x="15305" y="5426"/>
+                </a:lnTo>
+                <a:lnTo>
+                  <a:pt x="15476" y="5353"/>
+                </a:lnTo>
+                <a:lnTo>
+                  <a:pt x="15695" y="5305"/>
+                </a:lnTo>
+                <a:lnTo>
+                  <a:pt x="15792" y="5743"/>
+                </a:lnTo>
+                <a:lnTo>
+                  <a:pt x="15622" y="5816"/>
+                </a:lnTo>
+                <a:lnTo>
+                  <a:pt x="15451" y="5864"/>
+                </a:lnTo>
+                <a:lnTo>
+                  <a:pt x="15305" y="5937"/>
+                </a:lnTo>
+                <a:lnTo>
+                  <a:pt x="15159" y="6035"/>
+                </a:lnTo>
+                <a:lnTo>
+                  <a:pt x="15013" y="6132"/>
+                </a:lnTo>
+                <a:lnTo>
+                  <a:pt x="15013" y="6181"/>
+                </a:lnTo>
+                <a:lnTo>
+                  <a:pt x="15013" y="6205"/>
+                </a:lnTo>
+                <a:lnTo>
+                  <a:pt x="15038" y="6229"/>
+                </a:lnTo>
+                <a:lnTo>
+                  <a:pt x="15403" y="6229"/>
+                </a:lnTo>
+                <a:lnTo>
+                  <a:pt x="15719" y="6181"/>
+                </a:lnTo>
+                <a:lnTo>
+                  <a:pt x="15914" y="6156"/>
+                </a:lnTo>
+                <a:lnTo>
+                  <a:pt x="16035" y="6594"/>
+                </a:lnTo>
+                <a:lnTo>
+                  <a:pt x="15768" y="6691"/>
+                </a:lnTo>
+                <a:lnTo>
+                  <a:pt x="15549" y="6764"/>
+                </a:lnTo>
+                <a:lnTo>
+                  <a:pt x="15184" y="6910"/>
+                </a:lnTo>
+                <a:lnTo>
+                  <a:pt x="15135" y="6935"/>
+                </a:lnTo>
+                <a:lnTo>
+                  <a:pt x="15062" y="6983"/>
+                </a:lnTo>
+                <a:lnTo>
+                  <a:pt x="15038" y="7032"/>
+                </a:lnTo>
+                <a:lnTo>
+                  <a:pt x="15013" y="7081"/>
+                </a:lnTo>
+                <a:lnTo>
+                  <a:pt x="15038" y="7056"/>
+                </a:lnTo>
+                <a:lnTo>
+                  <a:pt x="15013" y="7105"/>
+                </a:lnTo>
+                <a:lnTo>
+                  <a:pt x="15013" y="7129"/>
+                </a:lnTo>
+                <a:lnTo>
+                  <a:pt x="15038" y="7154"/>
+                </a:lnTo>
+                <a:lnTo>
+                  <a:pt x="15086" y="7202"/>
+                </a:lnTo>
+                <a:lnTo>
+                  <a:pt x="15208" y="7227"/>
+                </a:lnTo>
+                <a:lnTo>
+                  <a:pt x="15403" y="7227"/>
+                </a:lnTo>
+                <a:lnTo>
+                  <a:pt x="15622" y="7178"/>
+                </a:lnTo>
+                <a:lnTo>
+                  <a:pt x="15841" y="7129"/>
+                </a:lnTo>
+                <a:lnTo>
+                  <a:pt x="16108" y="7056"/>
+                </a:lnTo>
+                <a:lnTo>
+                  <a:pt x="16108" y="7397"/>
+                </a:lnTo>
+                <a:lnTo>
+                  <a:pt x="16108" y="7713"/>
+                </a:lnTo>
+                <a:lnTo>
+                  <a:pt x="16035" y="7713"/>
+                </a:lnTo>
+                <a:lnTo>
+                  <a:pt x="15670" y="7762"/>
+                </a:lnTo>
+                <a:lnTo>
+                  <a:pt x="15330" y="7786"/>
+                </a:lnTo>
+                <a:lnTo>
+                  <a:pt x="14965" y="7835"/>
+                </a:lnTo>
+                <a:lnTo>
+                  <a:pt x="14600" y="7932"/>
+                </a:lnTo>
+                <a:lnTo>
+                  <a:pt x="14575" y="7957"/>
+                </a:lnTo>
+                <a:lnTo>
+                  <a:pt x="14575" y="7981"/>
+                </a:lnTo>
+                <a:lnTo>
+                  <a:pt x="14575" y="8005"/>
+                </a:lnTo>
+                <a:lnTo>
+                  <a:pt x="14600" y="8030"/>
+                </a:lnTo>
+                <a:lnTo>
+                  <a:pt x="15330" y="8151"/>
+                </a:lnTo>
+                <a:lnTo>
+                  <a:pt x="15500" y="8176"/>
+                </a:lnTo>
+                <a:lnTo>
+                  <a:pt x="15695" y="8200"/>
+                </a:lnTo>
+                <a:lnTo>
+                  <a:pt x="15865" y="8176"/>
+                </a:lnTo>
+                <a:lnTo>
+                  <a:pt x="16035" y="8127"/>
+                </a:lnTo>
+                <a:lnTo>
+                  <a:pt x="16035" y="8176"/>
+                </a:lnTo>
+                <a:lnTo>
+                  <a:pt x="15938" y="8565"/>
+                </a:lnTo>
+                <a:lnTo>
+                  <a:pt x="15816" y="8930"/>
+                </a:lnTo>
+                <a:lnTo>
+                  <a:pt x="15524" y="8881"/>
+                </a:lnTo>
+                <a:lnTo>
+                  <a:pt x="15232" y="8833"/>
+                </a:lnTo>
+                <a:lnTo>
+                  <a:pt x="15013" y="8784"/>
+                </a:lnTo>
+                <a:lnTo>
+                  <a:pt x="14794" y="8760"/>
+                </a:lnTo>
+                <a:lnTo>
+                  <a:pt x="14332" y="8784"/>
+                </a:lnTo>
+                <a:lnTo>
+                  <a:pt x="14308" y="8784"/>
+                </a:lnTo>
+                <a:lnTo>
+                  <a:pt x="14308" y="8808"/>
+                </a:lnTo>
+                <a:lnTo>
+                  <a:pt x="14308" y="8833"/>
+                </a:lnTo>
+                <a:lnTo>
+                  <a:pt x="14332" y="8833"/>
+                </a:lnTo>
+                <a:lnTo>
+                  <a:pt x="14478" y="8881"/>
+                </a:lnTo>
+                <a:lnTo>
+                  <a:pt x="14624" y="8954"/>
+                </a:lnTo>
+                <a:lnTo>
+                  <a:pt x="14965" y="9125"/>
+                </a:lnTo>
+                <a:lnTo>
+                  <a:pt x="15281" y="9271"/>
+                </a:lnTo>
+                <a:lnTo>
+                  <a:pt x="15451" y="9319"/>
+                </a:lnTo>
+                <a:lnTo>
+                  <a:pt x="15622" y="9368"/>
+                </a:lnTo>
+                <a:lnTo>
+                  <a:pt x="15500" y="9636"/>
+                </a:lnTo>
+                <a:lnTo>
+                  <a:pt x="15354" y="9903"/>
+                </a:lnTo>
+                <a:lnTo>
+                  <a:pt x="15135" y="9782"/>
+                </a:lnTo>
+                <a:lnTo>
+                  <a:pt x="14916" y="9684"/>
+                </a:lnTo>
+                <a:lnTo>
+                  <a:pt x="14429" y="9563"/>
+                </a:lnTo>
+                <a:lnTo>
+                  <a:pt x="14210" y="9490"/>
+                </a:lnTo>
+                <a:lnTo>
+                  <a:pt x="13943" y="9441"/>
+                </a:lnTo>
+                <a:lnTo>
+                  <a:pt x="13699" y="9417"/>
+                </a:lnTo>
+                <a:lnTo>
+                  <a:pt x="13553" y="9417"/>
+                </a:lnTo>
+                <a:lnTo>
+                  <a:pt x="13456" y="9465"/>
+                </a:lnTo>
+                <a:lnTo>
+                  <a:pt x="13432" y="9490"/>
+                </a:lnTo>
+                <a:lnTo>
+                  <a:pt x="13432" y="9514"/>
+                </a:lnTo>
+                <a:lnTo>
+                  <a:pt x="13578" y="9636"/>
+                </a:lnTo>
+                <a:lnTo>
+                  <a:pt x="13772" y="9733"/>
+                </a:lnTo>
+                <a:lnTo>
+                  <a:pt x="14137" y="9855"/>
+                </a:lnTo>
+                <a:lnTo>
+                  <a:pt x="14648" y="10049"/>
+                </a:lnTo>
+                <a:lnTo>
+                  <a:pt x="14892" y="10147"/>
+                </a:lnTo>
+                <a:lnTo>
+                  <a:pt x="15135" y="10244"/>
+                </a:lnTo>
+                <a:lnTo>
+                  <a:pt x="14794" y="10706"/>
+                </a:lnTo>
+                <a:lnTo>
+                  <a:pt x="14721" y="10658"/>
+                </a:lnTo>
+                <a:lnTo>
+                  <a:pt x="14624" y="10633"/>
+                </a:lnTo>
+                <a:lnTo>
+                  <a:pt x="14405" y="10560"/>
+                </a:lnTo>
+                <a:lnTo>
+                  <a:pt x="13991" y="10512"/>
+                </a:lnTo>
+                <a:lnTo>
+                  <a:pt x="13772" y="10439"/>
+                </a:lnTo>
+                <a:lnTo>
+                  <a:pt x="13505" y="10366"/>
+                </a:lnTo>
+                <a:lnTo>
+                  <a:pt x="13359" y="10341"/>
+                </a:lnTo>
+                <a:lnTo>
+                  <a:pt x="13213" y="10317"/>
+                </a:lnTo>
+                <a:lnTo>
+                  <a:pt x="13115" y="10341"/>
+                </a:lnTo>
+                <a:lnTo>
+                  <a:pt x="12994" y="10390"/>
+                </a:lnTo>
+                <a:lnTo>
+                  <a:pt x="12994" y="10414"/>
+                </a:lnTo>
+                <a:lnTo>
+                  <a:pt x="13018" y="10536"/>
+                </a:lnTo>
+                <a:lnTo>
+                  <a:pt x="13091" y="10609"/>
+                </a:lnTo>
+                <a:lnTo>
+                  <a:pt x="13188" y="10682"/>
+                </a:lnTo>
+                <a:lnTo>
+                  <a:pt x="13310" y="10731"/>
+                </a:lnTo>
+                <a:lnTo>
+                  <a:pt x="13553" y="10828"/>
+                </a:lnTo>
+                <a:lnTo>
+                  <a:pt x="13772" y="10877"/>
+                </a:lnTo>
+                <a:lnTo>
+                  <a:pt x="14113" y="10998"/>
+                </a:lnTo>
+                <a:lnTo>
+                  <a:pt x="14308" y="11047"/>
+                </a:lnTo>
+                <a:lnTo>
+                  <a:pt x="14502" y="11071"/>
+                </a:lnTo>
+                <a:lnTo>
+                  <a:pt x="14089" y="11509"/>
+                </a:lnTo>
+                <a:lnTo>
+                  <a:pt x="13943" y="11412"/>
+                </a:lnTo>
+                <a:lnTo>
+                  <a:pt x="13772" y="11339"/>
+                </a:lnTo>
+                <a:lnTo>
+                  <a:pt x="13432" y="11242"/>
+                </a:lnTo>
+                <a:lnTo>
+                  <a:pt x="13067" y="11144"/>
+                </a:lnTo>
+                <a:lnTo>
+                  <a:pt x="12702" y="11071"/>
+                </a:lnTo>
+                <a:lnTo>
+                  <a:pt x="12337" y="11047"/>
+                </a:lnTo>
+                <a:lnTo>
+                  <a:pt x="11972" y="11096"/>
+                </a:lnTo>
+                <a:lnTo>
+                  <a:pt x="11947" y="11096"/>
+                </a:lnTo>
+                <a:lnTo>
+                  <a:pt x="11899" y="11120"/>
+                </a:lnTo>
+                <a:lnTo>
+                  <a:pt x="11874" y="11193"/>
+                </a:lnTo>
+                <a:lnTo>
+                  <a:pt x="11850" y="11266"/>
+                </a:lnTo>
+                <a:lnTo>
+                  <a:pt x="11874" y="11290"/>
+                </a:lnTo>
+                <a:lnTo>
+                  <a:pt x="11899" y="11363"/>
+                </a:lnTo>
+                <a:lnTo>
+                  <a:pt x="11972" y="11412"/>
+                </a:lnTo>
+                <a:lnTo>
+                  <a:pt x="12580" y="11509"/>
+                </a:lnTo>
+                <a:lnTo>
+                  <a:pt x="12872" y="11582"/>
+                </a:lnTo>
+                <a:lnTo>
+                  <a:pt x="13164" y="11655"/>
+                </a:lnTo>
+                <a:lnTo>
+                  <a:pt x="13432" y="11753"/>
+                </a:lnTo>
+                <a:lnTo>
+                  <a:pt x="13675" y="11850"/>
+                </a:lnTo>
+                <a:lnTo>
+                  <a:pt x="13359" y="12118"/>
+                </a:lnTo>
+                <a:lnTo>
+                  <a:pt x="13018" y="12337"/>
+                </a:lnTo>
+                <a:lnTo>
+                  <a:pt x="12994" y="12288"/>
+                </a:lnTo>
+                <a:lnTo>
+                  <a:pt x="12945" y="12239"/>
+                </a:lnTo>
+                <a:lnTo>
+                  <a:pt x="12775" y="12166"/>
+                </a:lnTo>
+                <a:lnTo>
+                  <a:pt x="12604" y="12142"/>
+                </a:lnTo>
+                <a:lnTo>
+                  <a:pt x="12410" y="12118"/>
+                </a:lnTo>
+                <a:lnTo>
+                  <a:pt x="12215" y="12069"/>
+                </a:lnTo>
+                <a:lnTo>
+                  <a:pt x="11850" y="11947"/>
+                </a:lnTo>
+                <a:lnTo>
+                  <a:pt x="11558" y="11826"/>
+                </a:lnTo>
+                <a:lnTo>
+                  <a:pt x="11242" y="11704"/>
+                </a:lnTo>
+                <a:lnTo>
+                  <a:pt x="11096" y="11655"/>
+                </a:lnTo>
+                <a:lnTo>
+                  <a:pt x="10950" y="11607"/>
+                </a:lnTo>
+                <a:lnTo>
+                  <a:pt x="10779" y="11582"/>
+                </a:lnTo>
+                <a:lnTo>
+                  <a:pt x="10633" y="11582"/>
+                </a:lnTo>
+                <a:lnTo>
+                  <a:pt x="10609" y="11607"/>
+                </a:lnTo>
+                <a:lnTo>
+                  <a:pt x="10609" y="11655"/>
+                </a:lnTo>
+                <a:lnTo>
+                  <a:pt x="10682" y="11753"/>
+                </a:lnTo>
+                <a:lnTo>
+                  <a:pt x="10804" y="11874"/>
+                </a:lnTo>
+                <a:lnTo>
+                  <a:pt x="10925" y="11947"/>
+                </a:lnTo>
+                <a:lnTo>
+                  <a:pt x="11047" y="12045"/>
+                </a:lnTo>
+                <a:lnTo>
+                  <a:pt x="11315" y="12166"/>
+                </a:lnTo>
+                <a:lnTo>
+                  <a:pt x="11582" y="12288"/>
+                </a:lnTo>
+                <a:lnTo>
+                  <a:pt x="11826" y="12385"/>
+                </a:lnTo>
+                <a:lnTo>
+                  <a:pt x="12093" y="12483"/>
+                </a:lnTo>
+                <a:lnTo>
+                  <a:pt x="12361" y="12556"/>
+                </a:lnTo>
+                <a:lnTo>
+                  <a:pt x="12507" y="12580"/>
+                </a:lnTo>
+                <a:lnTo>
+                  <a:pt x="12629" y="12580"/>
+                </a:lnTo>
+                <a:lnTo>
+                  <a:pt x="12239" y="12799"/>
+                </a:lnTo>
+                <a:lnTo>
+                  <a:pt x="11850" y="12969"/>
+                </a:lnTo>
+                <a:lnTo>
+                  <a:pt x="11801" y="12921"/>
+                </a:lnTo>
+                <a:lnTo>
+                  <a:pt x="11680" y="12823"/>
+                </a:lnTo>
+                <a:lnTo>
+                  <a:pt x="11558" y="12775"/>
+                </a:lnTo>
+                <a:lnTo>
+                  <a:pt x="11266" y="12677"/>
+                </a:lnTo>
+                <a:lnTo>
+                  <a:pt x="10998" y="12604"/>
+                </a:lnTo>
+                <a:lnTo>
+                  <a:pt x="10731" y="12531"/>
+                </a:lnTo>
+                <a:lnTo>
+                  <a:pt x="10585" y="12458"/>
+                </a:lnTo>
+                <a:lnTo>
+                  <a:pt x="10439" y="12385"/>
+                </a:lnTo>
+                <a:lnTo>
+                  <a:pt x="10171" y="12239"/>
+                </a:lnTo>
+                <a:lnTo>
+                  <a:pt x="10025" y="12166"/>
+                </a:lnTo>
+                <a:lnTo>
+                  <a:pt x="9879" y="12118"/>
+                </a:lnTo>
+                <a:lnTo>
+                  <a:pt x="9733" y="12093"/>
+                </a:lnTo>
+                <a:lnTo>
+                  <a:pt x="9563" y="12093"/>
+                </a:lnTo>
+                <a:lnTo>
+                  <a:pt x="9514" y="12118"/>
+                </a:lnTo>
+                <a:lnTo>
+                  <a:pt x="9490" y="12142"/>
+                </a:lnTo>
+                <a:lnTo>
+                  <a:pt x="9490" y="12191"/>
+                </a:lnTo>
+                <a:lnTo>
+                  <a:pt x="9514" y="12215"/>
+                </a:lnTo>
+                <a:lnTo>
+                  <a:pt x="9733" y="12410"/>
+                </a:lnTo>
+                <a:lnTo>
+                  <a:pt x="9952" y="12580"/>
+                </a:lnTo>
+                <a:lnTo>
+                  <a:pt x="10220" y="12750"/>
+                </a:lnTo>
+                <a:lnTo>
+                  <a:pt x="10463" y="12872"/>
+                </a:lnTo>
+                <a:lnTo>
+                  <a:pt x="10682" y="12969"/>
+                </a:lnTo>
+                <a:lnTo>
+                  <a:pt x="10901" y="13042"/>
+                </a:lnTo>
+                <a:lnTo>
+                  <a:pt x="11363" y="13188"/>
+                </a:lnTo>
+                <a:lnTo>
+                  <a:pt x="10852" y="13359"/>
+                </a:lnTo>
+                <a:lnTo>
+                  <a:pt x="10317" y="13505"/>
+                </a:lnTo>
+                <a:lnTo>
+                  <a:pt x="10317" y="13480"/>
+                </a:lnTo>
+                <a:lnTo>
+                  <a:pt x="10366" y="13359"/>
+                </a:lnTo>
+                <a:lnTo>
+                  <a:pt x="10366" y="13310"/>
+                </a:lnTo>
+                <a:lnTo>
+                  <a:pt x="10342" y="13261"/>
+                </a:lnTo>
+                <a:lnTo>
+                  <a:pt x="10293" y="13213"/>
+                </a:lnTo>
+                <a:lnTo>
+                  <a:pt x="10244" y="13164"/>
+                </a:lnTo>
+                <a:lnTo>
+                  <a:pt x="9198" y="12604"/>
+                </a:lnTo>
+                <a:lnTo>
+                  <a:pt x="9028" y="12507"/>
+                </a:lnTo>
+                <a:lnTo>
+                  <a:pt x="8809" y="12410"/>
+                </a:lnTo>
+                <a:lnTo>
+                  <a:pt x="8711" y="12385"/>
+                </a:lnTo>
+                <a:lnTo>
+                  <a:pt x="8590" y="12361"/>
+                </a:lnTo>
+                <a:lnTo>
+                  <a:pt x="8492" y="12385"/>
+                </a:lnTo>
+                <a:lnTo>
+                  <a:pt x="8419" y="12434"/>
+                </a:lnTo>
+                <a:lnTo>
+                  <a:pt x="8419" y="12458"/>
+                </a:lnTo>
+                <a:lnTo>
+                  <a:pt x="8444" y="12556"/>
+                </a:lnTo>
+                <a:lnTo>
+                  <a:pt x="8517" y="12629"/>
+                </a:lnTo>
+                <a:lnTo>
+                  <a:pt x="8687" y="12799"/>
+                </a:lnTo>
+                <a:lnTo>
+                  <a:pt x="9028" y="13042"/>
+                </a:lnTo>
+                <a:lnTo>
+                  <a:pt x="9490" y="13334"/>
+                </a:lnTo>
+                <a:lnTo>
+                  <a:pt x="9733" y="13456"/>
+                </a:lnTo>
+                <a:lnTo>
+                  <a:pt x="10001" y="13553"/>
+                </a:lnTo>
+                <a:lnTo>
+                  <a:pt x="9539" y="13651"/>
+                </a:lnTo>
+                <a:lnTo>
+                  <a:pt x="9076" y="13699"/>
+                </a:lnTo>
+                <a:lnTo>
+                  <a:pt x="9052" y="13651"/>
+                </a:lnTo>
+                <a:lnTo>
+                  <a:pt x="8857" y="13480"/>
+                </a:lnTo>
+                <a:lnTo>
+                  <a:pt x="8638" y="13334"/>
+                </a:lnTo>
+                <a:lnTo>
+                  <a:pt x="8176" y="13067"/>
+                </a:lnTo>
+                <a:lnTo>
+                  <a:pt x="7762" y="12799"/>
+                </a:lnTo>
+                <a:lnTo>
+                  <a:pt x="7568" y="12677"/>
+                </a:lnTo>
+                <a:lnTo>
+                  <a:pt x="7349" y="12604"/>
+                </a:lnTo>
+                <a:lnTo>
+                  <a:pt x="7300" y="12604"/>
+                </a:lnTo>
+                <a:lnTo>
+                  <a:pt x="7276" y="12653"/>
+                </a:lnTo>
+                <a:lnTo>
+                  <a:pt x="7276" y="12775"/>
+                </a:lnTo>
+                <a:lnTo>
+                  <a:pt x="7300" y="12872"/>
+                </a:lnTo>
+                <a:lnTo>
+                  <a:pt x="7373" y="12969"/>
+                </a:lnTo>
+                <a:lnTo>
+                  <a:pt x="7446" y="13042"/>
+                </a:lnTo>
+                <a:lnTo>
+                  <a:pt x="7616" y="13213"/>
+                </a:lnTo>
+                <a:lnTo>
+                  <a:pt x="7787" y="13334"/>
+                </a:lnTo>
+                <a:lnTo>
+                  <a:pt x="8103" y="13553"/>
+                </a:lnTo>
+                <a:lnTo>
+                  <a:pt x="8444" y="13748"/>
+                </a:lnTo>
+                <a:lnTo>
+                  <a:pt x="8346" y="13748"/>
+                </a:lnTo>
+                <a:lnTo>
+                  <a:pt x="7835" y="13772"/>
+                </a:lnTo>
+                <a:lnTo>
+                  <a:pt x="7349" y="13724"/>
+                </a:lnTo>
+                <a:lnTo>
+                  <a:pt x="7373" y="13699"/>
+                </a:lnTo>
+                <a:lnTo>
+                  <a:pt x="7397" y="13651"/>
+                </a:lnTo>
+                <a:lnTo>
+                  <a:pt x="7422" y="13578"/>
+                </a:lnTo>
+                <a:lnTo>
+                  <a:pt x="7397" y="13529"/>
+                </a:lnTo>
+                <a:lnTo>
+                  <a:pt x="7373" y="13456"/>
+                </a:lnTo>
+                <a:lnTo>
+                  <a:pt x="7324" y="13383"/>
+                </a:lnTo>
+                <a:lnTo>
+                  <a:pt x="7203" y="13286"/>
+                </a:lnTo>
+                <a:lnTo>
+                  <a:pt x="6911" y="13091"/>
+                </a:lnTo>
+                <a:lnTo>
+                  <a:pt x="6643" y="12872"/>
+                </a:lnTo>
+                <a:lnTo>
+                  <a:pt x="6521" y="12799"/>
+                </a:lnTo>
+                <a:lnTo>
+                  <a:pt x="6448" y="12750"/>
+                </a:lnTo>
+                <a:lnTo>
+                  <a:pt x="6424" y="12702"/>
+                </a:lnTo>
+                <a:lnTo>
+                  <a:pt x="6424" y="12677"/>
+                </a:lnTo>
+                <a:lnTo>
+                  <a:pt x="6400" y="12677"/>
+                </a:lnTo>
+                <a:lnTo>
+                  <a:pt x="6375" y="12702"/>
+                </a:lnTo>
+                <a:lnTo>
+                  <a:pt x="6351" y="12775"/>
+                </a:lnTo>
+                <a:lnTo>
+                  <a:pt x="6327" y="12823"/>
+                </a:lnTo>
+                <a:lnTo>
+                  <a:pt x="6351" y="12969"/>
+                </a:lnTo>
+                <a:lnTo>
+                  <a:pt x="6400" y="13042"/>
+                </a:lnTo>
+                <a:lnTo>
+                  <a:pt x="6448" y="13140"/>
+                </a:lnTo>
+                <a:lnTo>
+                  <a:pt x="6570" y="13286"/>
+                </a:lnTo>
+                <a:lnTo>
+                  <a:pt x="6716" y="13432"/>
+                </a:lnTo>
+                <a:lnTo>
+                  <a:pt x="6862" y="13553"/>
+                </a:lnTo>
+                <a:lnTo>
+                  <a:pt x="7032" y="13675"/>
+                </a:lnTo>
+                <a:lnTo>
+                  <a:pt x="7032" y="13675"/>
+                </a:lnTo>
+                <a:lnTo>
+                  <a:pt x="6619" y="13578"/>
+                </a:lnTo>
+                <a:lnTo>
+                  <a:pt x="6229" y="13456"/>
+                </a:lnTo>
+                <a:lnTo>
+                  <a:pt x="5864" y="13334"/>
+                </a:lnTo>
+                <a:lnTo>
+                  <a:pt x="5670" y="13286"/>
+                </a:lnTo>
+                <a:lnTo>
+                  <a:pt x="5475" y="13261"/>
+                </a:lnTo>
+                <a:lnTo>
+                  <a:pt x="5280" y="13237"/>
+                </a:lnTo>
+                <a:lnTo>
+                  <a:pt x="5086" y="13261"/>
+                </a:lnTo>
+                <a:lnTo>
+                  <a:pt x="4988" y="13286"/>
+                </a:lnTo>
+                <a:lnTo>
+                  <a:pt x="4915" y="13334"/>
+                </a:lnTo>
+                <a:lnTo>
+                  <a:pt x="4842" y="13407"/>
+                </a:lnTo>
+                <a:lnTo>
+                  <a:pt x="4818" y="13505"/>
+                </a:lnTo>
+                <a:lnTo>
+                  <a:pt x="4672" y="13651"/>
+                </a:lnTo>
+                <a:lnTo>
+                  <a:pt x="4502" y="13797"/>
+                </a:lnTo>
+                <a:lnTo>
+                  <a:pt x="4331" y="13943"/>
+                </a:lnTo>
+                <a:lnTo>
+                  <a:pt x="4161" y="14064"/>
+                </a:lnTo>
+                <a:lnTo>
+                  <a:pt x="3869" y="14259"/>
+                </a:lnTo>
+                <a:lnTo>
+                  <a:pt x="3553" y="14405"/>
+                </a:lnTo>
+                <a:lnTo>
+                  <a:pt x="3212" y="14551"/>
+                </a:lnTo>
+                <a:lnTo>
+                  <a:pt x="2896" y="14648"/>
+                </a:lnTo>
+                <a:lnTo>
+                  <a:pt x="2555" y="14745"/>
+                </a:lnTo>
+                <a:lnTo>
+                  <a:pt x="2190" y="14818"/>
+                </a:lnTo>
+                <a:lnTo>
+                  <a:pt x="1825" y="14867"/>
+                </a:lnTo>
+                <a:lnTo>
+                  <a:pt x="1485" y="14891"/>
+                </a:lnTo>
+                <a:lnTo>
+                  <a:pt x="1314" y="14891"/>
+                </a:lnTo>
+                <a:lnTo>
+                  <a:pt x="1144" y="14867"/>
+                </a:lnTo>
+                <a:lnTo>
+                  <a:pt x="1436" y="14672"/>
+                </a:lnTo>
+                <a:lnTo>
+                  <a:pt x="1728" y="14453"/>
+                </a:lnTo>
+                <a:lnTo>
+                  <a:pt x="1996" y="14210"/>
+                </a:lnTo>
+                <a:lnTo>
+                  <a:pt x="2239" y="13991"/>
+                </a:lnTo>
+                <a:lnTo>
+                  <a:pt x="2604" y="13626"/>
+                </a:lnTo>
+                <a:lnTo>
+                  <a:pt x="2774" y="13432"/>
+                </a:lnTo>
+                <a:lnTo>
+                  <a:pt x="2944" y="13188"/>
+                </a:lnTo>
+                <a:lnTo>
+                  <a:pt x="3066" y="12945"/>
+                </a:lnTo>
+                <a:lnTo>
+                  <a:pt x="3163" y="12702"/>
+                </a:lnTo>
+                <a:lnTo>
+                  <a:pt x="3212" y="12458"/>
+                </a:lnTo>
+                <a:lnTo>
+                  <a:pt x="3212" y="12337"/>
+                </a:lnTo>
+                <a:lnTo>
+                  <a:pt x="3212" y="12215"/>
+                </a:lnTo>
+                <a:lnTo>
+                  <a:pt x="3236" y="12118"/>
+                </a:lnTo>
+                <a:lnTo>
+                  <a:pt x="3212" y="12045"/>
+                </a:lnTo>
+                <a:lnTo>
+                  <a:pt x="3188" y="11972"/>
+                </a:lnTo>
+                <a:lnTo>
+                  <a:pt x="3115" y="11923"/>
+                </a:lnTo>
+                <a:lnTo>
+                  <a:pt x="2920" y="11826"/>
+                </a:lnTo>
+                <a:lnTo>
+                  <a:pt x="2750" y="11704"/>
+                </a:lnTo>
+                <a:lnTo>
+                  <a:pt x="2409" y="11461"/>
+                </a:lnTo>
+                <a:lnTo>
+                  <a:pt x="2117" y="11169"/>
+                </a:lnTo>
+                <a:lnTo>
+                  <a:pt x="1850" y="10852"/>
+                </a:lnTo>
+                <a:lnTo>
+                  <a:pt x="1631" y="10512"/>
+                </a:lnTo>
+                <a:lnTo>
+                  <a:pt x="1412" y="10147"/>
+                </a:lnTo>
+                <a:lnTo>
+                  <a:pt x="1241" y="9757"/>
+                </a:lnTo>
+                <a:lnTo>
+                  <a:pt x="1095" y="9368"/>
+                </a:lnTo>
+                <a:lnTo>
+                  <a:pt x="949" y="8979"/>
+                </a:lnTo>
+                <a:lnTo>
+                  <a:pt x="828" y="8565"/>
+                </a:lnTo>
+                <a:lnTo>
+                  <a:pt x="755" y="8127"/>
+                </a:lnTo>
+                <a:lnTo>
+                  <a:pt x="682" y="7689"/>
+                </a:lnTo>
+                <a:lnTo>
+                  <a:pt x="657" y="7251"/>
+                </a:lnTo>
+                <a:lnTo>
+                  <a:pt x="657" y="6837"/>
+                </a:lnTo>
+                <a:lnTo>
+                  <a:pt x="706" y="6399"/>
+                </a:lnTo>
+                <a:lnTo>
+                  <a:pt x="803" y="5986"/>
+                </a:lnTo>
+                <a:lnTo>
+                  <a:pt x="925" y="5548"/>
+                </a:lnTo>
+                <a:lnTo>
+                  <a:pt x="1120" y="5110"/>
+                </a:lnTo>
+                <a:lnTo>
+                  <a:pt x="1339" y="4696"/>
+                </a:lnTo>
+                <a:lnTo>
+                  <a:pt x="1606" y="4307"/>
+                </a:lnTo>
+                <a:lnTo>
+                  <a:pt x="1898" y="3869"/>
+                </a:lnTo>
+                <a:lnTo>
+                  <a:pt x="2166" y="3431"/>
+                </a:lnTo>
+                <a:lnTo>
+                  <a:pt x="2434" y="3017"/>
+                </a:lnTo>
+                <a:lnTo>
+                  <a:pt x="2604" y="2823"/>
+                </a:lnTo>
+                <a:lnTo>
+                  <a:pt x="2774" y="2628"/>
+                </a:lnTo>
+                <a:lnTo>
+                  <a:pt x="3115" y="2336"/>
+                </a:lnTo>
+                <a:lnTo>
+                  <a:pt x="3431" y="2068"/>
+                </a:lnTo>
+                <a:lnTo>
+                  <a:pt x="3772" y="1825"/>
+                </a:lnTo>
+                <a:lnTo>
+                  <a:pt x="4137" y="1582"/>
+                </a:lnTo>
+                <a:lnTo>
+                  <a:pt x="4502" y="1387"/>
+                </a:lnTo>
+                <a:lnTo>
+                  <a:pt x="4867" y="1192"/>
+                </a:lnTo>
+                <a:lnTo>
+                  <a:pt x="5256" y="1046"/>
+                </a:lnTo>
+                <a:lnTo>
+                  <a:pt x="5670" y="900"/>
+                </a:lnTo>
+                <a:lnTo>
+                  <a:pt x="6083" y="803"/>
+                </a:lnTo>
+                <a:lnTo>
+                  <a:pt x="6497" y="706"/>
+                </a:lnTo>
+                <a:lnTo>
+                  <a:pt x="6935" y="633"/>
+                </a:lnTo>
+                <a:lnTo>
+                  <a:pt x="7373" y="584"/>
+                </a:lnTo>
+                <a:lnTo>
+                  <a:pt x="7811" y="535"/>
+                </a:lnTo>
+                <a:lnTo>
+                  <a:pt x="8249" y="511"/>
+                </a:lnTo>
+                <a:close/>
+                <a:moveTo>
+                  <a:pt x="8444" y="0"/>
+                </a:moveTo>
+                <a:lnTo>
+                  <a:pt x="7641" y="24"/>
+                </a:lnTo>
+                <a:lnTo>
+                  <a:pt x="6838" y="122"/>
+                </a:lnTo>
+                <a:lnTo>
+                  <a:pt x="6351" y="195"/>
+                </a:lnTo>
+                <a:lnTo>
+                  <a:pt x="5889" y="292"/>
+                </a:lnTo>
+                <a:lnTo>
+                  <a:pt x="5426" y="414"/>
+                </a:lnTo>
+                <a:lnTo>
+                  <a:pt x="4964" y="560"/>
+                </a:lnTo>
+                <a:lnTo>
+                  <a:pt x="4502" y="730"/>
+                </a:lnTo>
+                <a:lnTo>
+                  <a:pt x="4088" y="949"/>
+                </a:lnTo>
+                <a:lnTo>
+                  <a:pt x="3674" y="1217"/>
+                </a:lnTo>
+                <a:lnTo>
+                  <a:pt x="3285" y="1509"/>
+                </a:lnTo>
+                <a:lnTo>
+                  <a:pt x="2823" y="1922"/>
+                </a:lnTo>
+                <a:lnTo>
+                  <a:pt x="2385" y="2312"/>
+                </a:lnTo>
+                <a:lnTo>
+                  <a:pt x="2166" y="2531"/>
+                </a:lnTo>
+                <a:lnTo>
+                  <a:pt x="1947" y="2725"/>
+                </a:lnTo>
+                <a:lnTo>
+                  <a:pt x="1752" y="2969"/>
+                </a:lnTo>
+                <a:lnTo>
+                  <a:pt x="1582" y="3212"/>
+                </a:lnTo>
+                <a:lnTo>
+                  <a:pt x="1266" y="3723"/>
+                </a:lnTo>
+                <a:lnTo>
+                  <a:pt x="974" y="4283"/>
+                </a:lnTo>
+                <a:lnTo>
+                  <a:pt x="682" y="4842"/>
+                </a:lnTo>
+                <a:lnTo>
+                  <a:pt x="438" y="5402"/>
+                </a:lnTo>
+                <a:lnTo>
+                  <a:pt x="341" y="5645"/>
+                </a:lnTo>
+                <a:lnTo>
+                  <a:pt x="268" y="5889"/>
+                </a:lnTo>
+                <a:lnTo>
+                  <a:pt x="195" y="6132"/>
+                </a:lnTo>
+                <a:lnTo>
+                  <a:pt x="146" y="6375"/>
+                </a:lnTo>
+                <a:lnTo>
+                  <a:pt x="122" y="6886"/>
+                </a:lnTo>
+                <a:lnTo>
+                  <a:pt x="122" y="7397"/>
+                </a:lnTo>
+                <a:lnTo>
+                  <a:pt x="171" y="7908"/>
+                </a:lnTo>
+                <a:lnTo>
+                  <a:pt x="268" y="8419"/>
+                </a:lnTo>
+                <a:lnTo>
+                  <a:pt x="390" y="8906"/>
+                </a:lnTo>
+                <a:lnTo>
+                  <a:pt x="536" y="9392"/>
+                </a:lnTo>
+                <a:lnTo>
+                  <a:pt x="682" y="9830"/>
+                </a:lnTo>
+                <a:lnTo>
+                  <a:pt x="876" y="10244"/>
+                </a:lnTo>
+                <a:lnTo>
+                  <a:pt x="1095" y="10658"/>
+                </a:lnTo>
+                <a:lnTo>
+                  <a:pt x="1339" y="11047"/>
+                </a:lnTo>
+                <a:lnTo>
+                  <a:pt x="1631" y="11412"/>
+                </a:lnTo>
+                <a:lnTo>
+                  <a:pt x="1947" y="11728"/>
+                </a:lnTo>
+                <a:lnTo>
+                  <a:pt x="2117" y="11874"/>
+                </a:lnTo>
+                <a:lnTo>
+                  <a:pt x="2312" y="12020"/>
+                </a:lnTo>
+                <a:lnTo>
+                  <a:pt x="2507" y="12142"/>
+                </a:lnTo>
+                <a:lnTo>
+                  <a:pt x="2701" y="12239"/>
+                </a:lnTo>
+                <a:lnTo>
+                  <a:pt x="2677" y="12458"/>
+                </a:lnTo>
+                <a:lnTo>
+                  <a:pt x="2604" y="12653"/>
+                </a:lnTo>
+                <a:lnTo>
+                  <a:pt x="2482" y="12848"/>
+                </a:lnTo>
+                <a:lnTo>
+                  <a:pt x="2361" y="13042"/>
+                </a:lnTo>
+                <a:lnTo>
+                  <a:pt x="2215" y="13213"/>
+                </a:lnTo>
+                <a:lnTo>
+                  <a:pt x="2069" y="13359"/>
+                </a:lnTo>
+                <a:lnTo>
+                  <a:pt x="1752" y="13675"/>
+                </a:lnTo>
+                <a:lnTo>
+                  <a:pt x="1412" y="13967"/>
+                </a:lnTo>
+                <a:lnTo>
+                  <a:pt x="1047" y="14259"/>
+                </a:lnTo>
+                <a:lnTo>
+                  <a:pt x="828" y="14381"/>
+                </a:lnTo>
+                <a:lnTo>
+                  <a:pt x="633" y="14478"/>
+                </a:lnTo>
+                <a:lnTo>
+                  <a:pt x="414" y="14575"/>
+                </a:lnTo>
+                <a:lnTo>
+                  <a:pt x="195" y="14648"/>
+                </a:lnTo>
+                <a:lnTo>
+                  <a:pt x="98" y="14697"/>
+                </a:lnTo>
+                <a:lnTo>
+                  <a:pt x="25" y="14794"/>
+                </a:lnTo>
+                <a:lnTo>
+                  <a:pt x="0" y="14891"/>
+                </a:lnTo>
+                <a:lnTo>
+                  <a:pt x="25" y="14989"/>
+                </a:lnTo>
+                <a:lnTo>
+                  <a:pt x="49" y="15086"/>
+                </a:lnTo>
+                <a:lnTo>
+                  <a:pt x="146" y="15159"/>
+                </a:lnTo>
+                <a:lnTo>
+                  <a:pt x="244" y="15208"/>
+                </a:lnTo>
+                <a:lnTo>
+                  <a:pt x="365" y="15208"/>
+                </a:lnTo>
+                <a:lnTo>
+                  <a:pt x="414" y="15183"/>
+                </a:lnTo>
+                <a:lnTo>
+                  <a:pt x="560" y="15256"/>
+                </a:lnTo>
+                <a:lnTo>
+                  <a:pt x="682" y="15305"/>
+                </a:lnTo>
+                <a:lnTo>
+                  <a:pt x="998" y="15378"/>
+                </a:lnTo>
+                <a:lnTo>
+                  <a:pt x="1314" y="15402"/>
+                </a:lnTo>
+                <a:lnTo>
+                  <a:pt x="1679" y="15402"/>
+                </a:lnTo>
+                <a:lnTo>
+                  <a:pt x="2020" y="15354"/>
+                </a:lnTo>
+                <a:lnTo>
+                  <a:pt x="2336" y="15305"/>
+                </a:lnTo>
+                <a:lnTo>
+                  <a:pt x="2896" y="15183"/>
+                </a:lnTo>
+                <a:lnTo>
+                  <a:pt x="3261" y="15062"/>
+                </a:lnTo>
+                <a:lnTo>
+                  <a:pt x="3626" y="14916"/>
+                </a:lnTo>
+                <a:lnTo>
+                  <a:pt x="3991" y="14770"/>
+                </a:lnTo>
+                <a:lnTo>
+                  <a:pt x="4331" y="14575"/>
+                </a:lnTo>
+                <a:lnTo>
+                  <a:pt x="4575" y="14429"/>
+                </a:lnTo>
+                <a:lnTo>
+                  <a:pt x="4818" y="14259"/>
+                </a:lnTo>
+                <a:lnTo>
+                  <a:pt x="5037" y="14040"/>
+                </a:lnTo>
+                <a:lnTo>
+                  <a:pt x="5134" y="13918"/>
+                </a:lnTo>
+                <a:lnTo>
+                  <a:pt x="5207" y="13797"/>
+                </a:lnTo>
+                <a:lnTo>
+                  <a:pt x="5426" y="13821"/>
+                </a:lnTo>
+                <a:lnTo>
+                  <a:pt x="5645" y="13845"/>
+                </a:lnTo>
+                <a:lnTo>
+                  <a:pt x="6059" y="13967"/>
+                </a:lnTo>
+                <a:lnTo>
+                  <a:pt x="6497" y="14113"/>
+                </a:lnTo>
+                <a:lnTo>
+                  <a:pt x="6692" y="14186"/>
+                </a:lnTo>
+                <a:lnTo>
+                  <a:pt x="6911" y="14235"/>
+                </a:lnTo>
+                <a:lnTo>
+                  <a:pt x="7178" y="14283"/>
+                </a:lnTo>
+                <a:lnTo>
+                  <a:pt x="7446" y="14308"/>
+                </a:lnTo>
+                <a:lnTo>
+                  <a:pt x="7981" y="14332"/>
+                </a:lnTo>
+                <a:lnTo>
+                  <a:pt x="8517" y="14308"/>
+                </a:lnTo>
+                <a:lnTo>
+                  <a:pt x="9052" y="14259"/>
+                </a:lnTo>
+                <a:lnTo>
+                  <a:pt x="9490" y="14210"/>
+                </a:lnTo>
+                <a:lnTo>
+                  <a:pt x="9952" y="14137"/>
+                </a:lnTo>
+                <a:lnTo>
+                  <a:pt x="10390" y="14040"/>
+                </a:lnTo>
+                <a:lnTo>
+                  <a:pt x="10828" y="13918"/>
+                </a:lnTo>
+                <a:lnTo>
+                  <a:pt x="11266" y="13797"/>
+                </a:lnTo>
+                <a:lnTo>
+                  <a:pt x="11680" y="13651"/>
+                </a:lnTo>
+                <a:lnTo>
+                  <a:pt x="12093" y="13480"/>
+                </a:lnTo>
+                <a:lnTo>
+                  <a:pt x="12507" y="13286"/>
+                </a:lnTo>
+                <a:lnTo>
+                  <a:pt x="12921" y="13067"/>
+                </a:lnTo>
+                <a:lnTo>
+                  <a:pt x="13310" y="12823"/>
+                </a:lnTo>
+                <a:lnTo>
+                  <a:pt x="13699" y="12556"/>
+                </a:lnTo>
+                <a:lnTo>
+                  <a:pt x="14089" y="12264"/>
+                </a:lnTo>
+                <a:lnTo>
+                  <a:pt x="14429" y="11947"/>
+                </a:lnTo>
+                <a:lnTo>
+                  <a:pt x="14770" y="11607"/>
+                </a:lnTo>
+                <a:lnTo>
+                  <a:pt x="15111" y="11266"/>
+                </a:lnTo>
+                <a:lnTo>
+                  <a:pt x="15403" y="10901"/>
+                </a:lnTo>
+                <a:lnTo>
+                  <a:pt x="15670" y="10512"/>
+                </a:lnTo>
+                <a:lnTo>
+                  <a:pt x="15914" y="10098"/>
+                </a:lnTo>
+                <a:lnTo>
+                  <a:pt x="16133" y="9684"/>
+                </a:lnTo>
+                <a:lnTo>
+                  <a:pt x="16327" y="9246"/>
+                </a:lnTo>
+                <a:lnTo>
+                  <a:pt x="16473" y="8808"/>
+                </a:lnTo>
+                <a:lnTo>
+                  <a:pt x="16595" y="8346"/>
+                </a:lnTo>
+                <a:lnTo>
+                  <a:pt x="16668" y="7884"/>
+                </a:lnTo>
+                <a:lnTo>
+                  <a:pt x="16717" y="7421"/>
+                </a:lnTo>
+                <a:lnTo>
+                  <a:pt x="16717" y="7178"/>
+                </a:lnTo>
+                <a:lnTo>
+                  <a:pt x="16692" y="6959"/>
+                </a:lnTo>
+                <a:lnTo>
+                  <a:pt x="16595" y="6497"/>
+                </a:lnTo>
+                <a:lnTo>
+                  <a:pt x="16473" y="6035"/>
+                </a:lnTo>
+                <a:lnTo>
+                  <a:pt x="16352" y="5597"/>
+                </a:lnTo>
+                <a:lnTo>
+                  <a:pt x="16206" y="5134"/>
+                </a:lnTo>
+                <a:lnTo>
+                  <a:pt x="16084" y="4672"/>
+                </a:lnTo>
+                <a:lnTo>
+                  <a:pt x="15962" y="4210"/>
+                </a:lnTo>
+                <a:lnTo>
+                  <a:pt x="15792" y="3772"/>
+                </a:lnTo>
+                <a:lnTo>
+                  <a:pt x="15597" y="3358"/>
+                </a:lnTo>
+                <a:lnTo>
+                  <a:pt x="15354" y="2993"/>
+                </a:lnTo>
+                <a:lnTo>
+                  <a:pt x="15062" y="2652"/>
+                </a:lnTo>
+                <a:lnTo>
+                  <a:pt x="14770" y="2336"/>
+                </a:lnTo>
+                <a:lnTo>
+                  <a:pt x="14429" y="2044"/>
+                </a:lnTo>
+                <a:lnTo>
+                  <a:pt x="14089" y="1776"/>
+                </a:lnTo>
+                <a:lnTo>
+                  <a:pt x="13724" y="1509"/>
+                </a:lnTo>
+                <a:lnTo>
+                  <a:pt x="13334" y="1265"/>
+                </a:lnTo>
+                <a:lnTo>
+                  <a:pt x="12969" y="1046"/>
+                </a:lnTo>
+                <a:lnTo>
+                  <a:pt x="12580" y="827"/>
+                </a:lnTo>
+                <a:lnTo>
+                  <a:pt x="12166" y="633"/>
+                </a:lnTo>
+                <a:lnTo>
+                  <a:pt x="11777" y="487"/>
+                </a:lnTo>
+                <a:lnTo>
+                  <a:pt x="11363" y="341"/>
+                </a:lnTo>
+                <a:lnTo>
+                  <a:pt x="10950" y="219"/>
+                </a:lnTo>
+                <a:lnTo>
+                  <a:pt x="10512" y="146"/>
+                </a:lnTo>
+                <a:lnTo>
+                  <a:pt x="10074" y="73"/>
+                </a:lnTo>
+                <a:lnTo>
+                  <a:pt x="9271" y="0"/>
+                </a:lnTo>
+                <a:close/>
+              </a:path>
+            </a:pathLst>
+          </a:custGeom>
+          <a:solidFill>
+            <a:srgbClr val="FFFFFF"/>
+          </a:solidFill>
+          <a:ln>
+            <a:noFill/>
+          </a:ln>
+        </p:spPr>
+        <p:txBody>
+          <a:bodyPr spcFirstLastPara="1" wrap="square" lIns="121900" tIns="121900" rIns="121900" bIns="121900" anchor="ctr" anchorCtr="0">
+            <a:noAutofit/>
+          </a:bodyPr>
+          <a:lstStyle/>
+          <a:p>
+            <a:pPr algn="l" rtl="0">
+              <a:buClr>
+                <a:srgbClr val="000000"/>
+              </a:buClr>
+              <a:buFont typeface="Arial"/>
+              <a:buNone/>
+            </a:pPr>
+            <a:endParaRPr sz="1867" kern="0">
+              <a:solidFill>
+                <a:srgbClr val="000000"/>
+              </a:solidFill>
+              <a:cs typeface="Arial"/>
+              <a:sym typeface="Arial"/>
+            </a:endParaRPr>
+          </a:p>
+        </p:txBody>
+      </p:sp>
+    </p:spTree>
+    <p:extLst>
+      <p:ext uri="{BB962C8B-B14F-4D97-AF65-F5344CB8AC3E}">
+        <p14:creationId xmlns:p14="http://schemas.microsoft.com/office/powerpoint/2010/main" val="862490647"/>
+      </p:ext>
+    </p:extLst>
+  </p:cSld>
+  <p:clrMapOvr>
+    <a:masterClrMapping/>
+  </p:clrMapOvr>
+  <p:timing>
+    <p:tnLst>
+      <p:par>
+        <p:cTn id="1" dur="indefinite" restart="never" nodeType="tmRoot"/>
+      </p:par>
+    </p:tnLst>
+  </p:timing>
 </p:sld>
 </file>
 
@@ -20651,6 +21738,13 @@
   <p:clrMapOvr>
     <a:masterClrMapping/>
   </p:clrMapOvr>
+  <p:timing>
+    <p:tnLst>
+      <p:par>
+        <p:cTn id="1" dur="indefinite" restart="never" nodeType="tmRoot"/>
+      </p:par>
+    </p:tnLst>
+  </p:timing>
 </p:sld>
 </file>
 
@@ -32249,10 +33343,10 @@
           <p:cNvPr id="8" name="Rectangle 7">
             <a:extLst>
               <a:ext uri="{FF2B5EF4-FFF2-40B4-BE49-F238E27FC236}">
-                <a16:creationId xmlns:a16="http://schemas.microsoft.com/office/drawing/2014/main" id="{23962611-DFD5-4092-AAFD-559E3DFCE2C9}"/>
+                <a16:creationId xmlns="" xmlns:a16="http://schemas.microsoft.com/office/drawing/2014/main" id="{23962611-DFD5-4092-AAFD-559E3DFCE2C9}"/>
               </a:ext>
               <a:ext uri="{C183D7F6-B498-43B3-948B-1728B52AA6E4}">
-                <adec:decorative xmlns:adec="http://schemas.microsoft.com/office/drawing/2017/decorative" val="1"/>
+                <adec:decorative xmlns="" xmlns:adec="http://schemas.microsoft.com/office/drawing/2017/decorative" val="1"/>
               </a:ext>
             </a:extLst>
           </p:cNvPr>
@@ -32262,7 +33356,7 @@
           <p:nvPr>
             <p:extLst>
               <p:ext uri="{386F3935-93C4-4BCD-93E2-E3B085C9AB24}">
-                <p16:designElem xmlns:p16="http://schemas.microsoft.com/office/powerpoint/2015/main" val="1"/>
+                <p16:designElem xmlns="" xmlns:p16="http://schemas.microsoft.com/office/powerpoint/2015/main" val="1"/>
               </p:ext>
             </p:extLst>
           </p:nvPr>
@@ -32334,10 +33428,10 @@
           <p:cNvPr id="10" name="Picture 9">
             <a:extLst>
               <a:ext uri="{FF2B5EF4-FFF2-40B4-BE49-F238E27FC236}">
-                <a16:creationId xmlns:a16="http://schemas.microsoft.com/office/drawing/2014/main" id="{2270F1FA-0425-408F-9861-80BF5AFB276D}"/>
+                <a16:creationId xmlns="" xmlns:a16="http://schemas.microsoft.com/office/drawing/2014/main" id="{2270F1FA-0425-408F-9861-80BF5AFB276D}"/>
               </a:ext>
               <a:ext uri="{C183D7F6-B498-43B3-948B-1728B52AA6E4}">
-                <adec:decorative xmlns:adec="http://schemas.microsoft.com/office/drawing/2017/decorative" val="1"/>
+                <adec:decorative xmlns="" xmlns:adec="http://schemas.microsoft.com/office/drawing/2017/decorative" val="1"/>
               </a:ext>
             </a:extLst>
           </p:cNvPr>
@@ -32347,7 +33441,7 @@
           <p:nvPr>
             <p:extLst>
               <p:ext uri="{386F3935-93C4-4BCD-93E2-E3B085C9AB24}">
-                <p16:designElem xmlns:p16="http://schemas.microsoft.com/office/powerpoint/2015/main" val="1"/>
+                <p16:designElem xmlns="" xmlns:p16="http://schemas.microsoft.com/office/powerpoint/2015/main" val="1"/>
               </p:ext>
             </p:extLst>
           </p:nvPr>
@@ -32379,7 +33473,7 @@
           <p:cNvPr id="2" name="כותרת 1">
             <a:extLst>
               <a:ext uri="{FF2B5EF4-FFF2-40B4-BE49-F238E27FC236}">
-                <a16:creationId xmlns:a16="http://schemas.microsoft.com/office/drawing/2014/main" id="{1C0DC20E-400E-4C3E-BF17-A3CDCFCE20BB}"/>
+                <a16:creationId xmlns="" xmlns:a16="http://schemas.microsoft.com/office/drawing/2014/main" id="{1C0DC20E-400E-4C3E-BF17-A3CDCFCE20BB}"/>
               </a:ext>
             </a:extLst>
           </p:cNvPr>
@@ -32506,8 +33600,8 @@
         </p:nvSpPr>
         <p:spPr>
           <a:xfrm>
-            <a:off x="873126" y="1451083"/>
-            <a:ext cx="9404215" cy="1815882"/>
+            <a:off x="910602" y="1203746"/>
+            <a:ext cx="9404215" cy="4401205"/>
           </a:xfrm>
           <a:prstGeom prst="rect">
             <a:avLst/>
@@ -32564,8 +33658,119 @@
                 <a:latin typeface="Microsoft YaHei UI Light" panose="020B0502040204020203" pitchFamily="34" charset="-122"/>
                 <a:ea typeface="Microsoft YaHei UI Light" panose="020B0502040204020203" pitchFamily="34" charset="-122"/>
               </a:rPr>
-              <a:t>Client doesn’t validate the entered pk belongs to the user</a:t>
+              <a:t>Client doesn’t validate the entered pk belongs to the </a:t>
             </a:r>
+            <a:r>
+              <a:rPr lang="en-US" sz="2800" dirty="0" smtClean="0">
+                <a:ln>
+                  <a:solidFill>
+                    <a:schemeClr val="bg1"/>
+                  </a:solidFill>
+                </a:ln>
+                <a:solidFill>
+                  <a:schemeClr val="bg1"/>
+                </a:solidFill>
+                <a:latin typeface="Microsoft YaHei UI Light" panose="020B0502040204020203" pitchFamily="34" charset="-122"/>
+                <a:ea typeface="Microsoft YaHei UI Light" panose="020B0502040204020203" pitchFamily="34" charset="-122"/>
+              </a:rPr>
+              <a:t>user</a:t>
+            </a:r>
+          </a:p>
+          <a:p>
+            <a:pPr marL="457200" indent="-457200" algn="l" rtl="0">
+              <a:buFont typeface="Arial" panose="020B0604020202020204" pitchFamily="34" charset="0"/>
+              <a:buChar char="•"/>
+              <a:tabLst>
+                <a:tab pos="5743575" algn="l"/>
+              </a:tabLst>
+            </a:pPr>
+            <a:r>
+              <a:rPr lang="en-US" sz="2800" dirty="0" smtClean="0">
+                <a:ln>
+                  <a:solidFill>
+                    <a:schemeClr val="bg1"/>
+                  </a:solidFill>
+                </a:ln>
+                <a:solidFill>
+                  <a:schemeClr val="bg1"/>
+                </a:solidFill>
+                <a:latin typeface="Microsoft YaHei UI Light" panose="020B0502040204020203" pitchFamily="34" charset="-122"/>
+                <a:ea typeface="Microsoft YaHei UI Light" panose="020B0502040204020203" pitchFamily="34" charset="-122"/>
+              </a:rPr>
+              <a:t>We can’t declare Card as contract because it causes the initial transaction fee (which is the cost of the deployment process) to oversize the max gas limit, so we have declared Card as </a:t>
+            </a:r>
+            <a:r>
+              <a:rPr lang="en-US" sz="2800" dirty="0" err="1" smtClean="0">
+                <a:ln>
+                  <a:solidFill>
+                    <a:schemeClr val="bg1"/>
+                  </a:solidFill>
+                </a:ln>
+                <a:solidFill>
+                  <a:schemeClr val="bg1"/>
+                </a:solidFill>
+                <a:latin typeface="Microsoft YaHei UI Light" panose="020B0502040204020203" pitchFamily="34" charset="-122"/>
+                <a:ea typeface="Microsoft YaHei UI Light" panose="020B0502040204020203" pitchFamily="34" charset="-122"/>
+              </a:rPr>
+              <a:t>struct</a:t>
+            </a:r>
+            <a:r>
+              <a:rPr lang="en-US" sz="2800" dirty="0" smtClean="0">
+                <a:ln>
+                  <a:solidFill>
+                    <a:schemeClr val="bg1"/>
+                  </a:solidFill>
+                </a:ln>
+                <a:solidFill>
+                  <a:schemeClr val="bg1"/>
+                </a:solidFill>
+                <a:latin typeface="Microsoft YaHei UI Light" panose="020B0502040204020203" pitchFamily="34" charset="-122"/>
+                <a:ea typeface="Microsoft YaHei UI Light" panose="020B0502040204020203" pitchFamily="34" charset="-122"/>
+              </a:rPr>
+              <a:t>. In addition, also when Card is declared as a </a:t>
+            </a:r>
+            <a:r>
+              <a:rPr lang="en-US" sz="2800" dirty="0" err="1" smtClean="0">
+                <a:ln>
+                  <a:solidFill>
+                    <a:schemeClr val="bg1"/>
+                  </a:solidFill>
+                </a:ln>
+                <a:solidFill>
+                  <a:schemeClr val="bg1"/>
+                </a:solidFill>
+                <a:latin typeface="Microsoft YaHei UI Light" panose="020B0502040204020203" pitchFamily="34" charset="-122"/>
+                <a:ea typeface="Microsoft YaHei UI Light" panose="020B0502040204020203" pitchFamily="34" charset="-122"/>
+              </a:rPr>
+              <a:t>struct</a:t>
+            </a:r>
+            <a:r>
+              <a:rPr lang="en-US" sz="2800" dirty="0" smtClean="0">
+                <a:ln>
+                  <a:solidFill>
+                    <a:schemeClr val="bg1"/>
+                  </a:solidFill>
+                </a:ln>
+                <a:solidFill>
+                  <a:schemeClr val="bg1"/>
+                </a:solidFill>
+                <a:latin typeface="Microsoft YaHei UI Light" panose="020B0502040204020203" pitchFamily="34" charset="-122"/>
+                <a:ea typeface="Microsoft YaHei UI Light" panose="020B0502040204020203" pitchFamily="34" charset="-122"/>
+              </a:rPr>
+              <a:t>, we can’t declare 40 cards as we want, so we have declared only 16 cards. </a:t>
+            </a:r>
+            <a:endParaRPr lang="en-US" sz="2800" dirty="0">
+              <a:ln>
+                <a:solidFill>
+                  <a:schemeClr val="bg1"/>
+                </a:solidFill>
+              </a:ln>
+              <a:solidFill>
+                <a:schemeClr val="bg1"/>
+              </a:solidFill>
+              <a:latin typeface="Microsoft YaHei UI Light" panose="020B0502040204020203" pitchFamily="34" charset="-122"/>
+              <a:ea typeface="Microsoft YaHei UI Light" panose="020B0502040204020203" pitchFamily="34" charset="-122"/>
+            </a:endParaRPr>
           </a:p>
           <a:p>
             <a:pPr algn="l" rtl="0">
@@ -32623,10 +33828,10 @@
           <p:cNvPr id="8" name="Rectangle 7">
             <a:extLst>
               <a:ext uri="{FF2B5EF4-FFF2-40B4-BE49-F238E27FC236}">
-                <a16:creationId xmlns:a16="http://schemas.microsoft.com/office/drawing/2014/main" id="{23962611-DFD5-4092-AAFD-559E3DFCE2C9}"/>
+                <a16:creationId xmlns="" xmlns:a16="http://schemas.microsoft.com/office/drawing/2014/main" id="{23962611-DFD5-4092-AAFD-559E3DFCE2C9}"/>
               </a:ext>
               <a:ext uri="{C183D7F6-B498-43B3-948B-1728B52AA6E4}">
-                <adec:decorative xmlns:adec="http://schemas.microsoft.com/office/drawing/2017/decorative" val="1"/>
+                <adec:decorative xmlns="" xmlns:adec="http://schemas.microsoft.com/office/drawing/2017/decorative" val="1"/>
               </a:ext>
             </a:extLst>
           </p:cNvPr>
@@ -32636,7 +33841,7 @@
           <p:nvPr>
             <p:extLst>
               <p:ext uri="{386F3935-93C4-4BCD-93E2-E3B085C9AB24}">
-                <p16:designElem xmlns:p16="http://schemas.microsoft.com/office/powerpoint/2015/main" val="1"/>
+                <p16:designElem xmlns="" xmlns:p16="http://schemas.microsoft.com/office/powerpoint/2015/main" val="1"/>
               </p:ext>
             </p:extLst>
           </p:nvPr>
@@ -32708,10 +33913,10 @@
           <p:cNvPr id="10" name="Picture 9">
             <a:extLst>
               <a:ext uri="{FF2B5EF4-FFF2-40B4-BE49-F238E27FC236}">
-                <a16:creationId xmlns:a16="http://schemas.microsoft.com/office/drawing/2014/main" id="{2270F1FA-0425-408F-9861-80BF5AFB276D}"/>
+                <a16:creationId xmlns="" xmlns:a16="http://schemas.microsoft.com/office/drawing/2014/main" id="{2270F1FA-0425-408F-9861-80BF5AFB276D}"/>
               </a:ext>
               <a:ext uri="{C183D7F6-B498-43B3-948B-1728B52AA6E4}">
-                <adec:decorative xmlns:adec="http://schemas.microsoft.com/office/drawing/2017/decorative" val="1"/>
+                <adec:decorative xmlns="" xmlns:adec="http://schemas.microsoft.com/office/drawing/2017/decorative" val="1"/>
               </a:ext>
             </a:extLst>
           </p:cNvPr>
@@ -32721,7 +33926,7 @@
           <p:nvPr>
             <p:extLst>
               <p:ext uri="{386F3935-93C4-4BCD-93E2-E3B085C9AB24}">
-                <p16:designElem xmlns:p16="http://schemas.microsoft.com/office/powerpoint/2015/main" val="1"/>
+                <p16:designElem xmlns="" xmlns:p16="http://schemas.microsoft.com/office/powerpoint/2015/main" val="1"/>
               </p:ext>
             </p:extLst>
           </p:nvPr>
@@ -32753,7 +33958,7 @@
           <p:cNvPr id="2" name="כותרת 1">
             <a:extLst>
               <a:ext uri="{FF2B5EF4-FFF2-40B4-BE49-F238E27FC236}">
-                <a16:creationId xmlns:a16="http://schemas.microsoft.com/office/drawing/2014/main" id="{1C0DC20E-400E-4C3E-BF17-A3CDCFCE20BB}"/>
+                <a16:creationId xmlns="" xmlns:a16="http://schemas.microsoft.com/office/drawing/2014/main" id="{1C0DC20E-400E-4C3E-BF17-A3CDCFCE20BB}"/>
               </a:ext>
             </a:extLst>
           </p:cNvPr>

--- a/docs/Blockchain Final Project.pptx
+++ b/docs/Blockchain Final Project.pptx
@@ -1217,14 +1217,6 @@
         </dgm:presLayoutVars>
       </dgm:prSet>
       <dgm:spPr/>
-      <dgm:t>
-        <a:bodyPr/>
-        <a:lstStyle/>
-        <a:p>
-          <a:pPr rtl="1"/>
-          <a:endParaRPr lang="he-IL"/>
-        </a:p>
-      </dgm:t>
     </dgm:pt>
     <dgm:pt modelId="{30AE6DF6-6A93-4F4B-B092-5FE7575FB289}" type="pres">
       <dgm:prSet presAssocID="{F8E82FC2-ECE6-45B1-BB40-B45C8012AF21}" presName="compNode" presStyleCnt="0"/>
@@ -1255,14 +1247,6 @@
           <a:noFill/>
         </a:ln>
       </dgm:spPr>
-      <dgm:t>
-        <a:bodyPr/>
-        <a:lstStyle/>
-        <a:p>
-          <a:pPr rtl="1"/>
-          <a:endParaRPr lang="he-IL"/>
-        </a:p>
-      </dgm:t>
     </dgm:pt>
     <dgm:pt modelId="{D9BA2201-0985-47AD-B292-FFA6AA6C776F}" type="pres">
       <dgm:prSet presAssocID="{F8E82FC2-ECE6-45B1-BB40-B45C8012AF21}" presName="spaceRect" presStyleCnt="0"/>
@@ -1276,14 +1260,6 @@
         </dgm:presLayoutVars>
       </dgm:prSet>
       <dgm:spPr/>
-      <dgm:t>
-        <a:bodyPr/>
-        <a:lstStyle/>
-        <a:p>
-          <a:pPr rtl="1"/>
-          <a:endParaRPr lang="he-IL"/>
-        </a:p>
-      </dgm:t>
     </dgm:pt>
     <dgm:pt modelId="{67E9EAC3-1B19-4A3B-8B10-E81DA0F34BD2}" type="pres">
       <dgm:prSet presAssocID="{C1E84BC1-A348-4CDA-984D-E6C42A0A6ED1}" presName="sibTrans" presStyleCnt="0"/>
@@ -1310,15 +1286,6 @@
           <a:noFill/>
         </a:ln>
       </dgm:spPr>
-      <dgm:t>
-        <a:bodyPr/>
-        <a:lstStyle/>
-        <a:p>
-          <a:pPr rtl="1"/>
-          <a:endParaRPr lang="he-IL"/>
-        </a:p>
-      </dgm:t>
-      <dgm:extLst/>
     </dgm:pt>
     <dgm:pt modelId="{B06D3FBA-4BA0-40F1-A7D5-4BB7B5534250}" type="pres">
       <dgm:prSet presAssocID="{067DAD8D-EB33-4B95-B036-DBC1AC1DC1F0}" presName="spaceRect" presStyleCnt="0"/>
@@ -1332,14 +1299,6 @@
         </dgm:presLayoutVars>
       </dgm:prSet>
       <dgm:spPr/>
-      <dgm:t>
-        <a:bodyPr/>
-        <a:lstStyle/>
-        <a:p>
-          <a:pPr rtl="1"/>
-          <a:endParaRPr lang="he-IL"/>
-        </a:p>
-      </dgm:t>
     </dgm:pt>
     <dgm:pt modelId="{0E66DB2C-1D03-4563-9FF9-DB832F711F43}" type="pres">
       <dgm:prSet presAssocID="{3A1D991C-E02E-4FA4-B919-5CCE9E11CBBA}" presName="sibTrans" presStyleCnt="0"/>
@@ -1366,15 +1325,6 @@
           <a:noFill/>
         </a:ln>
       </dgm:spPr>
-      <dgm:t>
-        <a:bodyPr/>
-        <a:lstStyle/>
-        <a:p>
-          <a:pPr rtl="1"/>
-          <a:endParaRPr lang="he-IL"/>
-        </a:p>
-      </dgm:t>
-      <dgm:extLst/>
     </dgm:pt>
     <dgm:pt modelId="{D2E44B1C-7040-4810-B2D7-02B550759A8A}" type="pres">
       <dgm:prSet presAssocID="{0E2356AB-49A2-4819-8ACF-C07FEC28373E}" presName="spaceRect" presStyleCnt="0"/>
@@ -1388,24 +1338,16 @@
         </dgm:presLayoutVars>
       </dgm:prSet>
       <dgm:spPr/>
-      <dgm:t>
-        <a:bodyPr/>
-        <a:lstStyle/>
-        <a:p>
-          <a:pPr rtl="1"/>
-          <a:endParaRPr lang="he-IL"/>
-        </a:p>
-      </dgm:t>
     </dgm:pt>
   </dgm:ptLst>
   <dgm:cxnLst>
+    <dgm:cxn modelId="{6E3B6833-1ABF-4CA8-944B-3FD2D444C57E}" srcId="{27EEFBA6-3CDE-4EB5-A929-21B72A53EBA7}" destId="{067DAD8D-EB33-4B95-B036-DBC1AC1DC1F0}" srcOrd="1" destOrd="0" parTransId="{A4631B97-B19B-4129-BDA4-F2182B1E9817}" sibTransId="{3A1D991C-E02E-4FA4-B919-5CCE9E11CBBA}"/>
     <dgm:cxn modelId="{5BB6743F-3DB1-44C5-A13D-33508438DCCA}" srcId="{27EEFBA6-3CDE-4EB5-A929-21B72A53EBA7}" destId="{0E2356AB-49A2-4819-8ACF-C07FEC28373E}" srcOrd="2" destOrd="0" parTransId="{28DD3876-F822-4CCA-9C8F-F85855FB4776}" sibTransId="{C4DCFE21-FBC3-4E29-A143-5D307DE3FD44}"/>
     <dgm:cxn modelId="{FE907846-EA46-4018-84CD-1283AFF03CEA}" type="presOf" srcId="{F8E82FC2-ECE6-45B1-BB40-B45C8012AF21}" destId="{91D13A7F-11DA-4ABD-9FFD-116F47B5A61B}" srcOrd="0" destOrd="0" presId="urn:microsoft.com/office/officeart/2018/2/layout/IconVerticalSolidList"/>
-    <dgm:cxn modelId="{6E3B6833-1ABF-4CA8-944B-3FD2D444C57E}" srcId="{27EEFBA6-3CDE-4EB5-A929-21B72A53EBA7}" destId="{067DAD8D-EB33-4B95-B036-DBC1AC1DC1F0}" srcOrd="1" destOrd="0" parTransId="{A4631B97-B19B-4129-BDA4-F2182B1E9817}" sibTransId="{3A1D991C-E02E-4FA4-B919-5CCE9E11CBBA}"/>
     <dgm:cxn modelId="{C78EA5A8-B052-4EFC-B53E-37C7CD2D9FDC}" type="presOf" srcId="{067DAD8D-EB33-4B95-B036-DBC1AC1DC1F0}" destId="{4DE8560D-5100-425F-94C8-324171DB9FEE}" srcOrd="0" destOrd="0" presId="urn:microsoft.com/office/officeart/2018/2/layout/IconVerticalSolidList"/>
+    <dgm:cxn modelId="{41CA10CF-346D-425C-B8DB-51FFA100A389}" type="presOf" srcId="{0E2356AB-49A2-4819-8ACF-C07FEC28373E}" destId="{E6A53FA5-D61D-4BA1-9D02-D37A1A449E2C}" srcOrd="0" destOrd="0" presId="urn:microsoft.com/office/officeart/2018/2/layout/IconVerticalSolidList"/>
     <dgm:cxn modelId="{1F8DF9CF-C18B-4F3F-A930-04724CA17827}" srcId="{27EEFBA6-3CDE-4EB5-A929-21B72A53EBA7}" destId="{F8E82FC2-ECE6-45B1-BB40-B45C8012AF21}" srcOrd="0" destOrd="0" parTransId="{E2FA07E9-7E45-416D-8A89-B86E728D40B5}" sibTransId="{C1E84BC1-A348-4CDA-984D-E6C42A0A6ED1}"/>
     <dgm:cxn modelId="{930EA4E6-E657-4691-88EA-3B718637C4E3}" type="presOf" srcId="{27EEFBA6-3CDE-4EB5-A929-21B72A53EBA7}" destId="{5A8E83C2-0E41-44F8-9DAD-301B4837A3CC}" srcOrd="0" destOrd="0" presId="urn:microsoft.com/office/officeart/2018/2/layout/IconVerticalSolidList"/>
-    <dgm:cxn modelId="{41CA10CF-346D-425C-B8DB-51FFA100A389}" type="presOf" srcId="{0E2356AB-49A2-4819-8ACF-C07FEC28373E}" destId="{E6A53FA5-D61D-4BA1-9D02-D37A1A449E2C}" srcOrd="0" destOrd="0" presId="urn:microsoft.com/office/officeart/2018/2/layout/IconVerticalSolidList"/>
     <dgm:cxn modelId="{C4E1AA7B-7E50-4354-A86A-B9DF91767753}" type="presParOf" srcId="{5A8E83C2-0E41-44F8-9DAD-301B4837A3CC}" destId="{30AE6DF6-6A93-4F4B-B092-5FE7575FB289}" srcOrd="0" destOrd="0" presId="urn:microsoft.com/office/officeart/2018/2/layout/IconVerticalSolidList"/>
     <dgm:cxn modelId="{330C7239-BA69-46FB-B108-21EA4F8AC1DA}" type="presParOf" srcId="{30AE6DF6-6A93-4F4B-B092-5FE7575FB289}" destId="{D782BD57-30EA-48B4-87FC-12A78141F70D}" srcOrd="0" destOrd="0" presId="urn:microsoft.com/office/officeart/2018/2/layout/IconVerticalSolidList"/>
     <dgm:cxn modelId="{A3AF9405-0CB2-481A-9B28-8E08436301B6}" type="presParOf" srcId="{30AE6DF6-6A93-4F4B-B092-5FE7575FB289}" destId="{811A4EB8-7831-41D5-A7AA-BBDDAD5C7E09}" srcOrd="1" destOrd="0" presId="urn:microsoft.com/office/officeart/2018/2/layout/IconVerticalSolidList"/>
@@ -1442,6 +1384,450 @@
       <dsp:cNvGrpSpPr/>
     </dsp:nvGrpSpPr>
     <dsp:grpSpPr/>
+    <dsp:sp modelId="{D782BD57-30EA-48B4-87FC-12A78141F70D}">
+      <dsp:nvSpPr>
+        <dsp:cNvPr id="0" name=""/>
+        <dsp:cNvSpPr/>
+      </dsp:nvSpPr>
+      <dsp:spPr>
+        <a:xfrm>
+          <a:off x="0" y="680"/>
+          <a:ext cx="6269038" cy="1591647"/>
+        </a:xfrm>
+        <a:prstGeom prst="roundRect">
+          <a:avLst>
+            <a:gd name="adj" fmla="val 10000"/>
+          </a:avLst>
+        </a:prstGeom>
+        <a:solidFill>
+          <a:schemeClr val="accent2">
+            <a:hueOff val="0"/>
+            <a:satOff val="0"/>
+            <a:lumOff val="0"/>
+            <a:alphaOff val="0"/>
+          </a:schemeClr>
+        </a:solidFill>
+        <a:ln>
+          <a:noFill/>
+        </a:ln>
+        <a:effectLst/>
+      </dsp:spPr>
+      <dsp:style>
+        <a:lnRef idx="0">
+          <a:scrgbClr r="0" g="0" b="0"/>
+        </a:lnRef>
+        <a:fillRef idx="1">
+          <a:scrgbClr r="0" g="0" b="0"/>
+        </a:fillRef>
+        <a:effectRef idx="2">
+          <a:scrgbClr r="0" g="0" b="0"/>
+        </a:effectRef>
+        <a:fontRef idx="minor"/>
+      </dsp:style>
+    </dsp:sp>
+    <dsp:sp modelId="{811A4EB8-7831-41D5-A7AA-BBDDAD5C7E09}">
+      <dsp:nvSpPr>
+        <dsp:cNvPr id="0" name=""/>
+        <dsp:cNvSpPr/>
+      </dsp:nvSpPr>
+      <dsp:spPr>
+        <a:xfrm>
+          <a:off x="481473" y="358800"/>
+          <a:ext cx="875405" cy="875405"/>
+        </a:xfrm>
+        <a:prstGeom prst="rect">
+          <a:avLst/>
+        </a:prstGeom>
+        <a:blipFill>
+          <a:blip xmlns:r="http://schemas.openxmlformats.org/officeDocument/2006/relationships" r:embed="rId1" cstate="print">
+            <a:lum bright="70000" contrast="-70000"/>
+            <a:extLst>
+              <a:ext uri="{28A0092B-C50C-407E-A947-70E740481C1C}">
+                <a14:useLocalDpi xmlns:a14="http://schemas.microsoft.com/office/drawing/2010/main" val="0"/>
+              </a:ext>
+            </a:extLst>
+          </a:blip>
+          <a:srcRect/>
+          <a:stretch>
+            <a:fillRect/>
+          </a:stretch>
+        </a:blipFill>
+        <a:ln>
+          <a:noFill/>
+        </a:ln>
+        <a:effectLst/>
+      </dsp:spPr>
+      <dsp:style>
+        <a:lnRef idx="0">
+          <a:scrgbClr r="0" g="0" b="0"/>
+        </a:lnRef>
+        <a:fillRef idx="3">
+          <a:scrgbClr r="0" g="0" b="0"/>
+        </a:fillRef>
+        <a:effectRef idx="2">
+          <a:scrgbClr r="0" g="0" b="0"/>
+        </a:effectRef>
+        <a:fontRef idx="minor">
+          <a:schemeClr val="lt1"/>
+        </a:fontRef>
+      </dsp:style>
+    </dsp:sp>
+    <dsp:sp modelId="{91D13A7F-11DA-4ABD-9FFD-116F47B5A61B}">
+      <dsp:nvSpPr>
+        <dsp:cNvPr id="0" name=""/>
+        <dsp:cNvSpPr/>
+      </dsp:nvSpPr>
+      <dsp:spPr>
+        <a:xfrm>
+          <a:off x="1838352" y="680"/>
+          <a:ext cx="4430685" cy="1591647"/>
+        </a:xfrm>
+        <a:prstGeom prst="rect">
+          <a:avLst/>
+        </a:prstGeom>
+        <a:noFill/>
+        <a:ln>
+          <a:noFill/>
+        </a:ln>
+        <a:effectLst/>
+      </dsp:spPr>
+      <dsp:style>
+        <a:lnRef idx="0">
+          <a:scrgbClr r="0" g="0" b="0"/>
+        </a:lnRef>
+        <a:fillRef idx="0">
+          <a:scrgbClr r="0" g="0" b="0"/>
+        </a:fillRef>
+        <a:effectRef idx="0">
+          <a:scrgbClr r="0" g="0" b="0"/>
+        </a:effectRef>
+        <a:fontRef idx="minor"/>
+      </dsp:style>
+      <dsp:txBody>
+        <a:bodyPr spcFirstLastPara="0" vert="horz" wrap="square" lIns="168449" tIns="168449" rIns="168449" bIns="168449" numCol="1" spcCol="1270" anchor="ctr" anchorCtr="0">
+          <a:noAutofit/>
+        </a:bodyPr>
+        <a:lstStyle/>
+        <a:p>
+          <a:pPr marL="0" lvl="0" indent="0" algn="l" defTabSz="977900">
+            <a:lnSpc>
+              <a:spcPct val="90000"/>
+            </a:lnSpc>
+            <a:spcBef>
+              <a:spcPct val="0"/>
+            </a:spcBef>
+            <a:spcAft>
+              <a:spcPct val="35000"/>
+            </a:spcAft>
+            <a:buNone/>
+          </a:pPr>
+          <a:r>
+            <a:rPr lang="en-US" sz="2200" kern="1200" dirty="0"/>
+            <a:t>Quartet Game is a popular game in Israel. </a:t>
+          </a:r>
+        </a:p>
+      </dsp:txBody>
+      <dsp:txXfrm>
+        <a:off x="1838352" y="680"/>
+        <a:ext cx="4430685" cy="1591647"/>
+      </dsp:txXfrm>
+    </dsp:sp>
+    <dsp:sp modelId="{0349E507-1830-40B1-8679-CACF21DDA528}">
+      <dsp:nvSpPr>
+        <dsp:cNvPr id="0" name=""/>
+        <dsp:cNvSpPr/>
+      </dsp:nvSpPr>
+      <dsp:spPr>
+        <a:xfrm>
+          <a:off x="0" y="1990238"/>
+          <a:ext cx="6269038" cy="1591647"/>
+        </a:xfrm>
+        <a:prstGeom prst="roundRect">
+          <a:avLst>
+            <a:gd name="adj" fmla="val 10000"/>
+          </a:avLst>
+        </a:prstGeom>
+        <a:solidFill>
+          <a:schemeClr val="accent3">
+            <a:hueOff val="0"/>
+            <a:satOff val="0"/>
+            <a:lumOff val="0"/>
+            <a:alphaOff val="0"/>
+          </a:schemeClr>
+        </a:solidFill>
+        <a:ln>
+          <a:noFill/>
+        </a:ln>
+        <a:effectLst/>
+      </dsp:spPr>
+      <dsp:style>
+        <a:lnRef idx="0">
+          <a:scrgbClr r="0" g="0" b="0"/>
+        </a:lnRef>
+        <a:fillRef idx="1">
+          <a:scrgbClr r="0" g="0" b="0"/>
+        </a:fillRef>
+        <a:effectRef idx="2">
+          <a:scrgbClr r="0" g="0" b="0"/>
+        </a:effectRef>
+        <a:fontRef idx="minor"/>
+      </dsp:style>
+    </dsp:sp>
+    <dsp:sp modelId="{23E74EE0-F03A-4DE5-AC44-DF0E20FB729D}">
+      <dsp:nvSpPr>
+        <dsp:cNvPr id="0" name=""/>
+        <dsp:cNvSpPr/>
+      </dsp:nvSpPr>
+      <dsp:spPr>
+        <a:xfrm>
+          <a:off x="481473" y="2348359"/>
+          <a:ext cx="875405" cy="875405"/>
+        </a:xfrm>
+        <a:prstGeom prst="rect">
+          <a:avLst/>
+        </a:prstGeom>
+        <a:blipFill rotWithShape="1">
+          <a:blip xmlns:r="http://schemas.openxmlformats.org/officeDocument/2006/relationships" r:embed="rId2"/>
+          <a:stretch>
+            <a:fillRect/>
+          </a:stretch>
+        </a:blipFill>
+        <a:ln>
+          <a:noFill/>
+        </a:ln>
+        <a:effectLst/>
+      </dsp:spPr>
+      <dsp:style>
+        <a:lnRef idx="0">
+          <a:scrgbClr r="0" g="0" b="0"/>
+        </a:lnRef>
+        <a:fillRef idx="3">
+          <a:scrgbClr r="0" g="0" b="0"/>
+        </a:fillRef>
+        <a:effectRef idx="2">
+          <a:scrgbClr r="0" g="0" b="0"/>
+        </a:effectRef>
+        <a:fontRef idx="minor">
+          <a:schemeClr val="lt1"/>
+        </a:fontRef>
+      </dsp:style>
+    </dsp:sp>
+    <dsp:sp modelId="{4DE8560D-5100-425F-94C8-324171DB9FEE}">
+      <dsp:nvSpPr>
+        <dsp:cNvPr id="0" name=""/>
+        <dsp:cNvSpPr/>
+      </dsp:nvSpPr>
+      <dsp:spPr>
+        <a:xfrm>
+          <a:off x="1838352" y="1990238"/>
+          <a:ext cx="4430685" cy="1591647"/>
+        </a:xfrm>
+        <a:prstGeom prst="rect">
+          <a:avLst/>
+        </a:prstGeom>
+        <a:noFill/>
+        <a:ln>
+          <a:noFill/>
+        </a:ln>
+        <a:effectLst/>
+      </dsp:spPr>
+      <dsp:style>
+        <a:lnRef idx="0">
+          <a:scrgbClr r="0" g="0" b="0"/>
+        </a:lnRef>
+        <a:fillRef idx="0">
+          <a:scrgbClr r="0" g="0" b="0"/>
+        </a:fillRef>
+        <a:effectRef idx="0">
+          <a:scrgbClr r="0" g="0" b="0"/>
+        </a:effectRef>
+        <a:fontRef idx="minor"/>
+      </dsp:style>
+      <dsp:txBody>
+        <a:bodyPr spcFirstLastPara="0" vert="horz" wrap="square" lIns="168449" tIns="168449" rIns="168449" bIns="168449" numCol="1" spcCol="1270" anchor="ctr" anchorCtr="0">
+          <a:noAutofit/>
+        </a:bodyPr>
+        <a:lstStyle/>
+        <a:p>
+          <a:pPr marL="0" lvl="0" indent="0" algn="l" defTabSz="977900">
+            <a:lnSpc>
+              <a:spcPct val="90000"/>
+            </a:lnSpc>
+            <a:spcBef>
+              <a:spcPct val="0"/>
+            </a:spcBef>
+            <a:spcAft>
+              <a:spcPct val="35000"/>
+            </a:spcAft>
+            <a:buNone/>
+          </a:pPr>
+          <a:r>
+            <a:rPr lang="en-US" sz="2200" kern="1200" dirty="0"/>
+            <a:t>Sometimes people cheat while playing this game. </a:t>
+          </a:r>
+        </a:p>
+      </dsp:txBody>
+      <dsp:txXfrm>
+        <a:off x="1838352" y="1990238"/>
+        <a:ext cx="4430685" cy="1591647"/>
+      </dsp:txXfrm>
+    </dsp:sp>
+    <dsp:sp modelId="{F1617EB9-6964-4124-BF57-7255796F6B65}">
+      <dsp:nvSpPr>
+        <dsp:cNvPr id="0" name=""/>
+        <dsp:cNvSpPr/>
+      </dsp:nvSpPr>
+      <dsp:spPr>
+        <a:xfrm>
+          <a:off x="0" y="3979797"/>
+          <a:ext cx="6269038" cy="1591647"/>
+        </a:xfrm>
+        <a:prstGeom prst="roundRect">
+          <a:avLst>
+            <a:gd name="adj" fmla="val 10000"/>
+          </a:avLst>
+        </a:prstGeom>
+        <a:solidFill>
+          <a:schemeClr val="accent4">
+            <a:hueOff val="0"/>
+            <a:satOff val="0"/>
+            <a:lumOff val="0"/>
+            <a:alphaOff val="0"/>
+          </a:schemeClr>
+        </a:solidFill>
+        <a:ln>
+          <a:noFill/>
+        </a:ln>
+        <a:effectLst/>
+      </dsp:spPr>
+      <dsp:style>
+        <a:lnRef idx="0">
+          <a:scrgbClr r="0" g="0" b="0"/>
+        </a:lnRef>
+        <a:fillRef idx="1">
+          <a:scrgbClr r="0" g="0" b="0"/>
+        </a:fillRef>
+        <a:effectRef idx="2">
+          <a:scrgbClr r="0" g="0" b="0"/>
+        </a:effectRef>
+        <a:fontRef idx="minor"/>
+      </dsp:style>
+    </dsp:sp>
+    <dsp:sp modelId="{EBFDDECD-BC80-4C4D-80EA-AAC5AC6D11F9}">
+      <dsp:nvSpPr>
+        <dsp:cNvPr id="0" name=""/>
+        <dsp:cNvSpPr/>
+      </dsp:nvSpPr>
+      <dsp:spPr>
+        <a:xfrm>
+          <a:off x="481473" y="4337918"/>
+          <a:ext cx="875405" cy="875405"/>
+        </a:xfrm>
+        <a:prstGeom prst="rect">
+          <a:avLst/>
+        </a:prstGeom>
+        <a:blipFill rotWithShape="1">
+          <a:blip xmlns:r="http://schemas.openxmlformats.org/officeDocument/2006/relationships" r:embed="rId2"/>
+          <a:stretch>
+            <a:fillRect/>
+          </a:stretch>
+        </a:blipFill>
+        <a:ln>
+          <a:noFill/>
+        </a:ln>
+        <a:effectLst/>
+      </dsp:spPr>
+      <dsp:style>
+        <a:lnRef idx="0">
+          <a:scrgbClr r="0" g="0" b="0"/>
+        </a:lnRef>
+        <a:fillRef idx="3">
+          <a:scrgbClr r="0" g="0" b="0"/>
+        </a:fillRef>
+        <a:effectRef idx="2">
+          <a:scrgbClr r="0" g="0" b="0"/>
+        </a:effectRef>
+        <a:fontRef idx="minor">
+          <a:schemeClr val="lt1"/>
+        </a:fontRef>
+      </dsp:style>
+    </dsp:sp>
+    <dsp:sp modelId="{E6A53FA5-D61D-4BA1-9D02-D37A1A449E2C}">
+      <dsp:nvSpPr>
+        <dsp:cNvPr id="0" name=""/>
+        <dsp:cNvSpPr/>
+      </dsp:nvSpPr>
+      <dsp:spPr>
+        <a:xfrm>
+          <a:off x="1838352" y="3979797"/>
+          <a:ext cx="4430685" cy="1591647"/>
+        </a:xfrm>
+        <a:prstGeom prst="rect">
+          <a:avLst/>
+        </a:prstGeom>
+        <a:noFill/>
+        <a:ln>
+          <a:noFill/>
+        </a:ln>
+        <a:effectLst/>
+      </dsp:spPr>
+      <dsp:style>
+        <a:lnRef idx="0">
+          <a:scrgbClr r="0" g="0" b="0"/>
+        </a:lnRef>
+        <a:fillRef idx="0">
+          <a:scrgbClr r="0" g="0" b="0"/>
+        </a:fillRef>
+        <a:effectRef idx="0">
+          <a:scrgbClr r="0" g="0" b="0"/>
+        </a:effectRef>
+        <a:fontRef idx="minor"/>
+      </dsp:style>
+      <dsp:txBody>
+        <a:bodyPr spcFirstLastPara="0" vert="horz" wrap="square" lIns="168449" tIns="168449" rIns="168449" bIns="168449" numCol="1" spcCol="1270" anchor="ctr" anchorCtr="0">
+          <a:noAutofit/>
+        </a:bodyPr>
+        <a:lstStyle/>
+        <a:p>
+          <a:pPr marL="0" lvl="0" indent="0" algn="l" defTabSz="977900">
+            <a:lnSpc>
+              <a:spcPct val="90000"/>
+            </a:lnSpc>
+            <a:spcBef>
+              <a:spcPct val="0"/>
+            </a:spcBef>
+            <a:spcAft>
+              <a:spcPct val="35000"/>
+            </a:spcAft>
+            <a:buNone/>
+          </a:pPr>
+          <a:r>
+            <a:rPr lang="en-US" sz="2200" kern="1200" dirty="0"/>
+            <a:t>Therefore we came up with the idea to build a playing system based on </a:t>
+          </a:r>
+          <a:r>
+            <a:rPr lang="en-US" sz="2200" kern="1200" dirty="0" err="1"/>
+            <a:t>blockchain</a:t>
+          </a:r>
+          <a:r>
+            <a:rPr lang="en-US" sz="2200" kern="1200" dirty="0"/>
+            <a:t> and verification with </a:t>
+          </a:r>
+          <a:r>
+            <a:rPr lang="en-US" sz="2200" kern="1200" dirty="0" err="1"/>
+            <a:t>merkle</a:t>
+          </a:r>
+          <a:r>
+            <a:rPr lang="en-US" sz="2200" kern="1200" dirty="0"/>
+            <a:t> tree</a:t>
+          </a:r>
+        </a:p>
+      </dsp:txBody>
+      <dsp:txXfrm>
+        <a:off x="1838352" y="3979797"/>
+        <a:ext cx="4430685" cy="1591647"/>
+      </dsp:txXfrm>
+    </dsp:sp>
   </dsp:spTree>
 </dsp:drawing>
 </file>
@@ -1723,7 +2109,7 @@
   </dgm:layoutNode>
   <dgm:extLst>
     <a:ext uri="{68A01E43-0DF5-4B5B-8FA6-DAF915123BFB}">
-      <dgm1612:lstStyle xmlns="" xmlns:dgm1612="http://schemas.microsoft.com/office/drawing/2016/12/diagram">
+      <dgm1612:lstStyle xmlns:dgm1612="http://schemas.microsoft.com/office/drawing/2016/12/diagram">
         <a:lvl1pPr>
           <a:lnSpc>
             <a:spcPct val="100000"/>
@@ -11229,13 +11615,6 @@
                 <a:cs typeface="BN Barak" panose="02000000000000000000" pitchFamily="2" charset="-79"/>
               </a:rPr>
             </a:br>
-            <a:r>
-              <a:rPr lang="en-US" sz="2800" dirty="0">
-                <a:latin typeface="Buxton Sketch" panose="03080500000500000004" pitchFamily="66" charset="0"/>
-                <a:cs typeface="BN Barak" panose="02000000000000000000" pitchFamily="2" charset="-79"/>
-              </a:rPr>
-              <a:t/>
-            </a:r>
             <a:br>
               <a:rPr lang="en-US" sz="2800" dirty="0">
                 <a:latin typeface="Buxton Sketch" panose="03080500000500000004" pitchFamily="66" charset="0"/>
@@ -11248,13 +11627,6 @@
                 <a:cs typeface="BN Barak" panose="02000000000000000000" pitchFamily="2" charset="-79"/>
               </a:rPr>
               <a:t>Ron Friedman 209490358</a:t>
-            </a:r>
-            <a:r>
-              <a:rPr lang="he-IL" sz="2000" dirty="0">
-                <a:latin typeface="Tempus Sans ITC" panose="04020404030D07020202" pitchFamily="82" charset="0"/>
-                <a:cs typeface="BN Barak" panose="02000000000000000000" pitchFamily="2" charset="-79"/>
-              </a:rPr>
-              <a:t/>
             </a:r>
             <a:br>
               <a:rPr lang="he-IL" sz="2000" dirty="0">
@@ -11307,13 +11679,6 @@
   <p:clrMapOvr>
     <a:masterClrMapping/>
   </p:clrMapOvr>
-  <p:timing>
-    <p:tnLst>
-      <p:par>
-        <p:cTn id="1" dur="indefinite" restart="never" nodeType="tmRoot"/>
-      </p:par>
-    </p:tnLst>
-  </p:timing>
 </p:sld>
 </file>
 
@@ -14382,19 +14747,6 @@
           <a:p>
             <a:pPr algn="l" rtl="0"/>
             <a:r>
-              <a:rPr lang="en-US" sz="2800" dirty="0" smtClean="0">
-                <a:solidFill>
-                  <a:schemeClr val="accent2">
-                    <a:lumMod val="20000"/>
-                    <a:lumOff val="80000"/>
-                  </a:schemeClr>
-                </a:solidFill>
-                <a:latin typeface="Microsoft YaHei UI Light" panose="020B0502040204020203" pitchFamily="34" charset="-122"/>
-                <a:ea typeface="Microsoft YaHei UI Light" panose="020B0502040204020203" pitchFamily="34" charset="-122"/>
-              </a:rPr>
-              <a:t>The Main Page - where </a:t>
-            </a:r>
-            <a:r>
               <a:rPr lang="en-US" sz="2800" dirty="0">
                 <a:solidFill>
                   <a:schemeClr val="accent2">
@@ -14405,46 +14757,7 @@
                 <a:latin typeface="Microsoft YaHei UI Light" panose="020B0502040204020203" pitchFamily="34" charset="-122"/>
                 <a:ea typeface="Microsoft YaHei UI Light" panose="020B0502040204020203" pitchFamily="34" charset="-122"/>
               </a:rPr>
-              <a:t>the player </a:t>
-            </a:r>
-            <a:r>
-              <a:rPr lang="en-US" sz="2800" dirty="0" smtClean="0">
-                <a:solidFill>
-                  <a:schemeClr val="accent2">
-                    <a:lumMod val="20000"/>
-                    <a:lumOff val="80000"/>
-                  </a:schemeClr>
-                </a:solidFill>
-                <a:latin typeface="Microsoft YaHei UI Light" panose="020B0502040204020203" pitchFamily="34" charset="-122"/>
-                <a:ea typeface="Microsoft YaHei UI Light" panose="020B0502040204020203" pitchFamily="34" charset="-122"/>
-              </a:rPr>
-              <a:t>should insert </a:t>
-            </a:r>
-            <a:r>
-              <a:rPr lang="en-US" sz="2800" dirty="0">
-                <a:solidFill>
-                  <a:schemeClr val="accent2">
-                    <a:lumMod val="20000"/>
-                    <a:lumOff val="80000"/>
-                  </a:schemeClr>
-                </a:solidFill>
-                <a:latin typeface="Microsoft YaHei UI Light" panose="020B0502040204020203" pitchFamily="34" charset="-122"/>
-                <a:ea typeface="Microsoft YaHei UI Light" panose="020B0502040204020203" pitchFamily="34" charset="-122"/>
-              </a:rPr>
-              <a:t>his/her public </a:t>
-            </a:r>
-            <a:r>
-              <a:rPr lang="en-US" sz="2800" dirty="0" smtClean="0">
-                <a:solidFill>
-                  <a:schemeClr val="accent2">
-                    <a:lumMod val="20000"/>
-                    <a:lumOff val="80000"/>
-                  </a:schemeClr>
-                </a:solidFill>
-                <a:latin typeface="Microsoft YaHei UI Light" panose="020B0502040204020203" pitchFamily="34" charset="-122"/>
-                <a:ea typeface="Microsoft YaHei UI Light" panose="020B0502040204020203" pitchFamily="34" charset="-122"/>
-              </a:rPr>
-              <a:t>key and than start playing.</a:t>
+              <a:t>The Main Page - where the player should insert his/her public key and than start playing.</a:t>
             </a:r>
             <a:endParaRPr lang="he-IL" sz="2800" dirty="0">
               <a:solidFill>
@@ -14464,7 +14777,7 @@
           <p:cNvPr id="4" name="Picture 3">
             <a:extLst>
               <a:ext uri="{FF2B5EF4-FFF2-40B4-BE49-F238E27FC236}">
-                <a16:creationId xmlns="" xmlns:a16="http://schemas.microsoft.com/office/drawing/2014/main" id="{94C2DCA4-624E-4232-B21D-CFCEDDB60497}"/>
+                <a16:creationId xmlns:a16="http://schemas.microsoft.com/office/drawing/2014/main" id="{94C2DCA4-624E-4232-B21D-CFCEDDB60497}"/>
               </a:ext>
             </a:extLst>
           </p:cNvPr>
@@ -14494,7 +14807,7 @@
           <p:cNvPr id="3" name="Picture 2">
             <a:extLst>
               <a:ext uri="{FF2B5EF4-FFF2-40B4-BE49-F238E27FC236}">
-                <a16:creationId xmlns="" xmlns:a16="http://schemas.microsoft.com/office/drawing/2014/main" id="{C67DDB77-9FFE-40CC-98F4-E72E9C8A19DB}"/>
+                <a16:creationId xmlns:a16="http://schemas.microsoft.com/office/drawing/2014/main" id="{C67DDB77-9FFE-40CC-98F4-E72E9C8A19DB}"/>
               </a:ext>
             </a:extLst>
           </p:cNvPr>
@@ -15076,19 +15389,6 @@
           <a:p>
             <a:pPr algn="l" rtl="0"/>
             <a:r>
-              <a:rPr lang="en-US" sz="2800" dirty="0" smtClean="0">
-                <a:solidFill>
-                  <a:schemeClr val="accent2">
-                    <a:lumMod val="20000"/>
-                    <a:lumOff val="80000"/>
-                  </a:schemeClr>
-                </a:solidFill>
-                <a:latin typeface="Microsoft YaHei UI Light" panose="020B0502040204020203" pitchFamily="34" charset="-122"/>
-                <a:ea typeface="Microsoft YaHei UI Light" panose="020B0502040204020203" pitchFamily="34" charset="-122"/>
-              </a:rPr>
-              <a:t>The </a:t>
-            </a:r>
-            <a:r>
               <a:rPr lang="en-US" sz="2800" dirty="0">
                 <a:solidFill>
                   <a:schemeClr val="accent2">
@@ -15099,20 +15399,7 @@
                 <a:latin typeface="Microsoft YaHei UI Light" panose="020B0502040204020203" pitchFamily="34" charset="-122"/>
                 <a:ea typeface="Microsoft YaHei UI Light" panose="020B0502040204020203" pitchFamily="34" charset="-122"/>
               </a:rPr>
-              <a:t>player can create his own game and wait for other </a:t>
-            </a:r>
-            <a:r>
-              <a:rPr lang="en-US" sz="2800" dirty="0" smtClean="0">
-                <a:solidFill>
-                  <a:schemeClr val="accent2">
-                    <a:lumMod val="20000"/>
-                    <a:lumOff val="80000"/>
-                  </a:schemeClr>
-                </a:solidFill>
-                <a:latin typeface="Microsoft YaHei UI Light" panose="020B0502040204020203" pitchFamily="34" charset="-122"/>
-                <a:ea typeface="Microsoft YaHei UI Light" panose="020B0502040204020203" pitchFamily="34" charset="-122"/>
-              </a:rPr>
-              <a:t>players to join his game</a:t>
+              <a:t>The player can create his own game and wait for other players to join his game</a:t>
             </a:r>
             <a:endParaRPr lang="he-IL" sz="2800" dirty="0">
               <a:solidFill>
@@ -15129,10 +15416,10 @@
       </p:sp>
       <p:pic>
         <p:nvPicPr>
-          <p:cNvPr id="4" name="Picture 3">
+          <p:cNvPr id="2" name="תמונה 1">
             <a:extLst>
               <a:ext uri="{FF2B5EF4-FFF2-40B4-BE49-F238E27FC236}">
-                <a16:creationId xmlns="" xmlns:a16="http://schemas.microsoft.com/office/drawing/2014/main" id="{B7B2A0CE-24B9-4E35-8D0B-46D3AB81B223}"/>
+                <a16:creationId xmlns:a16="http://schemas.microsoft.com/office/drawing/2014/main" id="{CF1207F4-EA12-408A-8C74-E2266ECDEF66}"/>
               </a:ext>
             </a:extLst>
           </p:cNvPr>
@@ -15149,8 +15436,8 @@
         </p:blipFill>
         <p:spPr>
           <a:xfrm>
-            <a:off x="5450858" y="1849698"/>
-            <a:ext cx="5062939" cy="2724517"/>
+            <a:off x="5512157" y="1625788"/>
+            <a:ext cx="4855336" cy="3255304"/>
           </a:xfrm>
           <a:prstGeom prst="rect">
             <a:avLst/>
@@ -15724,10 +16011,10 @@
                 <a:latin typeface="Microsoft YaHei UI Light" panose="020B0502040204020203" pitchFamily="34" charset="-122"/>
                 <a:ea typeface="Microsoft YaHei UI Light" panose="020B0502040204020203" pitchFamily="34" charset="-122"/>
               </a:rPr>
-              <a:t>The player can choose which </a:t>
+              <a:t>The player can enter the address of the contract he wishes </a:t>
             </a:r>
             <a:r>
-              <a:rPr lang="en-US" sz="2800" dirty="0" smtClean="0">
+              <a:rPr lang="en-US" sz="2800">
                 <a:solidFill>
                   <a:schemeClr val="accent2">
                     <a:lumMod val="20000"/>
@@ -15737,33 +16024,7 @@
                 <a:latin typeface="Microsoft YaHei UI Light" panose="020B0502040204020203" pitchFamily="34" charset="-122"/>
                 <a:ea typeface="Microsoft YaHei UI Light" panose="020B0502040204020203" pitchFamily="34" charset="-122"/>
               </a:rPr>
-              <a:t>game he/she </a:t>
-            </a:r>
-            <a:r>
-              <a:rPr lang="en-US" sz="2800" dirty="0">
-                <a:solidFill>
-                  <a:schemeClr val="accent2">
-                    <a:lumMod val="20000"/>
-                    <a:lumOff val="80000"/>
-                  </a:schemeClr>
-                </a:solidFill>
-                <a:latin typeface="Microsoft YaHei UI Light" panose="020B0502040204020203" pitchFamily="34" charset="-122"/>
-                <a:ea typeface="Microsoft YaHei UI Light" panose="020B0502040204020203" pitchFamily="34" charset="-122"/>
-              </a:rPr>
-              <a:t>wants to </a:t>
-            </a:r>
-            <a:r>
-              <a:rPr lang="en-US" sz="2800" dirty="0" smtClean="0">
-                <a:solidFill>
-                  <a:schemeClr val="accent2">
-                    <a:lumMod val="20000"/>
-                    <a:lumOff val="80000"/>
-                  </a:schemeClr>
-                </a:solidFill>
-                <a:latin typeface="Microsoft YaHei UI Light" panose="020B0502040204020203" pitchFamily="34" charset="-122"/>
-                <a:ea typeface="Microsoft YaHei UI Light" panose="020B0502040204020203" pitchFamily="34" charset="-122"/>
-              </a:rPr>
-              <a:t>join to. </a:t>
+              <a:t>to enter</a:t>
             </a:r>
             <a:endParaRPr lang="he-IL" sz="2800" dirty="0">
               <a:solidFill>
@@ -15780,10 +16041,10 @@
       </p:sp>
       <p:pic>
         <p:nvPicPr>
-          <p:cNvPr id="3" name="Picture 2">
+          <p:cNvPr id="2" name="תמונה 1">
             <a:extLst>
               <a:ext uri="{FF2B5EF4-FFF2-40B4-BE49-F238E27FC236}">
-                <a16:creationId xmlns="" xmlns:a16="http://schemas.microsoft.com/office/drawing/2014/main" id="{97E9F436-B0BB-4AAB-970C-B3EB3A118CDC}"/>
+                <a16:creationId xmlns:a16="http://schemas.microsoft.com/office/drawing/2014/main" id="{2266253C-0DAF-434B-B161-DB83F0C17D55}"/>
               </a:ext>
             </a:extLst>
           </p:cNvPr>
@@ -15800,8 +16061,8 @@
         </p:blipFill>
         <p:spPr>
           <a:xfrm>
-            <a:off x="5454247" y="1640600"/>
-            <a:ext cx="4978903" cy="3183070"/>
+            <a:off x="5535295" y="1654800"/>
+            <a:ext cx="4832198" cy="3149019"/>
           </a:xfrm>
           <a:prstGeom prst="rect">
             <a:avLst/>
@@ -16375,20 +16636,7 @@
                 <a:latin typeface="Microsoft YaHei UI Light" panose="020B0502040204020203" pitchFamily="34" charset="-122"/>
                 <a:ea typeface="Microsoft YaHei UI Light" panose="020B0502040204020203" pitchFamily="34" charset="-122"/>
               </a:rPr>
-              <a:t>The actual game. The player can see his own cards, ask other players for cards and buy special cards using </a:t>
-            </a:r>
-            <a:r>
-              <a:rPr lang="en-US" sz="2800" dirty="0" smtClean="0">
-                <a:solidFill>
-                  <a:schemeClr val="accent2">
-                    <a:lumMod val="20000"/>
-                    <a:lumOff val="80000"/>
-                  </a:schemeClr>
-                </a:solidFill>
-                <a:latin typeface="Microsoft YaHei UI Light" panose="020B0502040204020203" pitchFamily="34" charset="-122"/>
-                <a:ea typeface="Microsoft YaHei UI Light" panose="020B0502040204020203" pitchFamily="34" charset="-122"/>
-              </a:rPr>
-              <a:t>Tokens.</a:t>
+              <a:t>The actual game. The player can see his own cards, ask other players for cards and buy special cards using Tokens.</a:t>
             </a:r>
             <a:endParaRPr lang="he-IL" sz="2800" dirty="0">
               <a:solidFill>
@@ -16408,7 +16656,7 @@
           <p:cNvPr id="3" name="Picture 2">
             <a:extLst>
               <a:ext uri="{FF2B5EF4-FFF2-40B4-BE49-F238E27FC236}">
-                <a16:creationId xmlns="" xmlns:a16="http://schemas.microsoft.com/office/drawing/2014/main" id="{39BB365F-A38B-41EC-B4AB-89E527569052}"/>
+                <a16:creationId xmlns:a16="http://schemas.microsoft.com/office/drawing/2014/main" id="{39BB365F-A38B-41EC-B4AB-89E527569052}"/>
               </a:ext>
             </a:extLst>
           </p:cNvPr>
@@ -16468,10 +16716,10 @@
           <p:cNvPr id="8" name="Rectangle 7">
             <a:extLst>
               <a:ext uri="{FF2B5EF4-FFF2-40B4-BE49-F238E27FC236}">
-                <a16:creationId xmlns="" xmlns:a16="http://schemas.microsoft.com/office/drawing/2014/main" id="{23962611-DFD5-4092-AAFD-559E3DFCE2C9}"/>
+                <a16:creationId xmlns:a16="http://schemas.microsoft.com/office/drawing/2014/main" id="{23962611-DFD5-4092-AAFD-559E3DFCE2C9}"/>
               </a:ext>
               <a:ext uri="{C183D7F6-B498-43B3-948B-1728B52AA6E4}">
-                <adec:decorative xmlns="" xmlns:adec="http://schemas.microsoft.com/office/drawing/2017/decorative" val="1"/>
+                <adec:decorative xmlns:adec="http://schemas.microsoft.com/office/drawing/2017/decorative" val="1"/>
               </a:ext>
             </a:extLst>
           </p:cNvPr>
@@ -16481,7 +16729,7 @@
           <p:nvPr>
             <p:extLst>
               <p:ext uri="{386F3935-93C4-4BCD-93E2-E3B085C9AB24}">
-                <p16:designElem xmlns="" xmlns:p16="http://schemas.microsoft.com/office/powerpoint/2015/main" val="1"/>
+                <p16:designElem xmlns:p16="http://schemas.microsoft.com/office/powerpoint/2015/main" val="1"/>
               </p:ext>
             </p:extLst>
           </p:nvPr>
@@ -16553,10 +16801,10 @@
           <p:cNvPr id="10" name="Picture 9">
             <a:extLst>
               <a:ext uri="{FF2B5EF4-FFF2-40B4-BE49-F238E27FC236}">
-                <a16:creationId xmlns="" xmlns:a16="http://schemas.microsoft.com/office/drawing/2014/main" id="{2270F1FA-0425-408F-9861-80BF5AFB276D}"/>
+                <a16:creationId xmlns:a16="http://schemas.microsoft.com/office/drawing/2014/main" id="{2270F1FA-0425-408F-9861-80BF5AFB276D}"/>
               </a:ext>
               <a:ext uri="{C183D7F6-B498-43B3-948B-1728B52AA6E4}">
-                <adec:decorative xmlns="" xmlns:adec="http://schemas.microsoft.com/office/drawing/2017/decorative" val="1"/>
+                <adec:decorative xmlns:adec="http://schemas.microsoft.com/office/drawing/2017/decorative" val="1"/>
               </a:ext>
             </a:extLst>
           </p:cNvPr>
@@ -16566,7 +16814,7 @@
           <p:nvPr>
             <p:extLst>
               <p:ext uri="{386F3935-93C4-4BCD-93E2-E3B085C9AB24}">
-                <p16:designElem xmlns="" xmlns:p16="http://schemas.microsoft.com/office/powerpoint/2015/main" val="1"/>
+                <p16:designElem xmlns:p16="http://schemas.microsoft.com/office/powerpoint/2015/main" val="1"/>
               </p:ext>
             </p:extLst>
           </p:nvPr>
@@ -16598,7 +16846,7 @@
           <p:cNvPr id="2" name="כותרת 1">
             <a:extLst>
               <a:ext uri="{FF2B5EF4-FFF2-40B4-BE49-F238E27FC236}">
-                <a16:creationId xmlns="" xmlns:a16="http://schemas.microsoft.com/office/drawing/2014/main" id="{1C0DC20E-400E-4C3E-BF17-A3CDCFCE20BB}"/>
+                <a16:creationId xmlns:a16="http://schemas.microsoft.com/office/drawing/2014/main" id="{1C0DC20E-400E-4C3E-BF17-A3CDCFCE20BB}"/>
               </a:ext>
             </a:extLst>
           </p:cNvPr>
@@ -16672,10 +16920,10 @@
           <p:cNvPr id="10" name="Rectangle 9">
             <a:extLst>
               <a:ext uri="{FF2B5EF4-FFF2-40B4-BE49-F238E27FC236}">
-                <a16:creationId xmlns="" xmlns:a16="http://schemas.microsoft.com/office/drawing/2014/main" id="{08E89D5E-1885-4160-AC77-CC471DD1D0DB}"/>
+                <a16:creationId xmlns:a16="http://schemas.microsoft.com/office/drawing/2014/main" id="{08E89D5E-1885-4160-AC77-CC471DD1D0DB}"/>
               </a:ext>
               <a:ext uri="{C183D7F6-B498-43B3-948B-1728B52AA6E4}">
-                <adec:decorative xmlns="" xmlns:adec="http://schemas.microsoft.com/office/drawing/2017/decorative" val="1"/>
+                <adec:decorative xmlns:adec="http://schemas.microsoft.com/office/drawing/2017/decorative" val="1"/>
               </a:ext>
             </a:extLst>
           </p:cNvPr>
@@ -16685,7 +16933,7 @@
           <p:nvPr>
             <p:extLst>
               <p:ext uri="{386F3935-93C4-4BCD-93E2-E3B085C9AB24}">
-                <p16:designElem xmlns="" xmlns:p16="http://schemas.microsoft.com/office/powerpoint/2015/main" val="1"/>
+                <p16:designElem xmlns:p16="http://schemas.microsoft.com/office/powerpoint/2015/main" val="1"/>
               </p:ext>
             </p:extLst>
           </p:nvPr>
@@ -16732,7 +16980,7 @@
           <p:cNvPr id="2" name="כותרת 1">
             <a:extLst>
               <a:ext uri="{FF2B5EF4-FFF2-40B4-BE49-F238E27FC236}">
-                <a16:creationId xmlns="" xmlns:a16="http://schemas.microsoft.com/office/drawing/2014/main" id="{5C005CA9-66C8-41C7-839D-A87CFCB40A45}"/>
+                <a16:creationId xmlns:a16="http://schemas.microsoft.com/office/drawing/2014/main" id="{5C005CA9-66C8-41C7-839D-A87CFCB40A45}"/>
               </a:ext>
             </a:extLst>
           </p:cNvPr>
@@ -16765,16 +17013,6 @@
               </a:rPr>
               <a:t>Introduction</a:t>
             </a:r>
-            <a:r>
-              <a:rPr lang="en-US" sz="3200" dirty="0">
-                <a:solidFill>
-                  <a:srgbClr val="FFFFFF"/>
-                </a:solidFill>
-                <a:latin typeface="BN Balls" panose="02000500000000000000" pitchFamily="2" charset="-79"/>
-                <a:cs typeface="BN Balls" panose="02000500000000000000" pitchFamily="2" charset="-79"/>
-              </a:rPr>
-              <a:t/>
-            </a:r>
             <a:br>
               <a:rPr lang="en-US" sz="3200" dirty="0">
                 <a:solidFill>
@@ -16799,10 +17037,10 @@
           <p:cNvPr id="12" name="Straight Connector 11">
             <a:extLst>
               <a:ext uri="{FF2B5EF4-FFF2-40B4-BE49-F238E27FC236}">
-                <a16:creationId xmlns="" xmlns:a16="http://schemas.microsoft.com/office/drawing/2014/main" id="{550D2BD1-98F9-412D-905B-3A843EF4078B}"/>
+                <a16:creationId xmlns:a16="http://schemas.microsoft.com/office/drawing/2014/main" id="{550D2BD1-98F9-412D-905B-3A843EF4078B}"/>
               </a:ext>
               <a:ext uri="{C183D7F6-B498-43B3-948B-1728B52AA6E4}">
-                <adec:decorative xmlns="" xmlns:adec="http://schemas.microsoft.com/office/drawing/2017/decorative" val="1"/>
+                <adec:decorative xmlns:adec="http://schemas.microsoft.com/office/drawing/2017/decorative" val="1"/>
               </a:ext>
             </a:extLst>
           </p:cNvPr>
@@ -16812,7 +17050,7 @@
           <p:nvPr>
             <p:extLst>
               <p:ext uri="{386F3935-93C4-4BCD-93E2-E3B085C9AB24}">
-                <p16:designElem xmlns="" xmlns:p16="http://schemas.microsoft.com/office/powerpoint/2015/main" val="1"/>
+                <p16:designElem xmlns:p16="http://schemas.microsoft.com/office/powerpoint/2015/main" val="1"/>
               </p:ext>
             </p:extLst>
           </p:nvPr>
@@ -16853,7 +17091,7 @@
           <p:cNvPr id="5" name="מציין מיקום תוכן 2">
             <a:extLst>
               <a:ext uri="{FF2B5EF4-FFF2-40B4-BE49-F238E27FC236}">
-                <a16:creationId xmlns="" xmlns:a16="http://schemas.microsoft.com/office/drawing/2014/main" id="{AAA74886-9BB5-4F86-AFC1-410E25361379}"/>
+                <a16:creationId xmlns:a16="http://schemas.microsoft.com/office/drawing/2014/main" id="{AAA74886-9BB5-4F86-AFC1-410E25361379}"/>
               </a:ext>
             </a:extLst>
           </p:cNvPr>
@@ -16889,13 +17127,6 @@
   <p:clrMapOvr>
     <a:masterClrMapping/>
   </p:clrMapOvr>
-  <p:timing>
-    <p:tnLst>
-      <p:par>
-        <p:cTn id="1" dur="indefinite" restart="never" nodeType="tmRoot"/>
-      </p:par>
-    </p:tnLst>
-  </p:timing>
 </p:sld>
 </file>
 
@@ -17448,7 +17679,7 @@
           <p:cNvPr id="6" name="Google Shape;68;p14">
             <a:extLst>
               <a:ext uri="{FF2B5EF4-FFF2-40B4-BE49-F238E27FC236}">
-                <a16:creationId xmlns="" xmlns:a16="http://schemas.microsoft.com/office/drawing/2014/main" id="{FC7E91D9-6C30-4F1E-A12D-F573C1025734}"/>
+                <a16:creationId xmlns:a16="http://schemas.microsoft.com/office/drawing/2014/main" id="{FC7E91D9-6C30-4F1E-A12D-F573C1025734}"/>
               </a:ext>
             </a:extLst>
           </p:cNvPr>
@@ -18394,7 +18625,7 @@
           <p:cNvPr id="6" name="Google Shape;68;p14">
             <a:extLst>
               <a:ext uri="{FF2B5EF4-FFF2-40B4-BE49-F238E27FC236}">
-                <a16:creationId xmlns="" xmlns:a16="http://schemas.microsoft.com/office/drawing/2014/main" id="{FC7E91D9-6C30-4F1E-A12D-F573C1025734}"/>
+                <a16:creationId xmlns:a16="http://schemas.microsoft.com/office/drawing/2014/main" id="{FC7E91D9-6C30-4F1E-A12D-F573C1025734}"/>
               </a:ext>
             </a:extLst>
           </p:cNvPr>
@@ -18812,13 +19043,6 @@
   <p:clrMapOvr>
     <a:masterClrMapping/>
   </p:clrMapOvr>
-  <p:timing>
-    <p:tnLst>
-      <p:par>
-        <p:cTn id="1" dur="indefinite" restart="never" nodeType="tmRoot"/>
-      </p:par>
-    </p:tnLst>
-  </p:timing>
 </p:sld>
 </file>
 
@@ -19463,7 +19687,7 @@
               <a:buChar char="•"/>
             </a:pPr>
             <a:r>
-              <a:rPr lang="en-US" sz="2400" kern="0" dirty="0" smtClean="0">
+              <a:rPr lang="en-US" sz="2400" kern="0" dirty="0">
                 <a:solidFill>
                   <a:srgbClr val="0070C0"/>
                 </a:solidFill>
@@ -19472,13 +19696,6 @@
               </a:rPr>
               <a:t>Live Messages From Server</a:t>
             </a:r>
-            <a:endParaRPr lang="en-US" sz="2400" kern="0" dirty="0">
-              <a:solidFill>
-                <a:srgbClr val="0070C0"/>
-              </a:solidFill>
-              <a:latin typeface="Buxton Sketch" panose="03080500000500000004" pitchFamily="66" charset="0"/>
-              <a:cs typeface="BN Barak" panose="02000000000000000000" pitchFamily="2" charset="-79"/>
-            </a:endParaRPr>
           </a:p>
         </p:txBody>
       </p:sp>
@@ -19492,13 +19709,6 @@
   <p:clrMapOvr>
     <a:masterClrMapping/>
   </p:clrMapOvr>
-  <p:timing>
-    <p:tnLst>
-      <p:par>
-        <p:cTn id="1" dur="indefinite" restart="never" nodeType="tmRoot"/>
-      </p:par>
-    </p:tnLst>
-  </p:timing>
 </p:sld>
 </file>
 
@@ -21256,13 +21466,6 @@
   <p:clrMapOvr>
     <a:masterClrMapping/>
   </p:clrMapOvr>
-  <p:timing>
-    <p:tnLst>
-      <p:par>
-        <p:cTn id="1" dur="indefinite" restart="never" nodeType="tmRoot"/>
-      </p:par>
-    </p:tnLst>
-  </p:timing>
 </p:sld>
 </file>
 
@@ -21738,13 +21941,6 @@
   <p:clrMapOvr>
     <a:masterClrMapping/>
   </p:clrMapOvr>
-  <p:timing>
-    <p:tnLst>
-      <p:par>
-        <p:cTn id="1" dur="indefinite" restart="never" nodeType="tmRoot"/>
-      </p:par>
-    </p:tnLst>
-  </p:timing>
 </p:sld>
 </file>
 
@@ -33343,10 +33539,10 @@
           <p:cNvPr id="8" name="Rectangle 7">
             <a:extLst>
               <a:ext uri="{FF2B5EF4-FFF2-40B4-BE49-F238E27FC236}">
-                <a16:creationId xmlns="" xmlns:a16="http://schemas.microsoft.com/office/drawing/2014/main" id="{23962611-DFD5-4092-AAFD-559E3DFCE2C9}"/>
+                <a16:creationId xmlns:a16="http://schemas.microsoft.com/office/drawing/2014/main" id="{23962611-DFD5-4092-AAFD-559E3DFCE2C9}"/>
               </a:ext>
               <a:ext uri="{C183D7F6-B498-43B3-948B-1728B52AA6E4}">
-                <adec:decorative xmlns="" xmlns:adec="http://schemas.microsoft.com/office/drawing/2017/decorative" val="1"/>
+                <adec:decorative xmlns:adec="http://schemas.microsoft.com/office/drawing/2017/decorative" val="1"/>
               </a:ext>
             </a:extLst>
           </p:cNvPr>
@@ -33356,7 +33552,7 @@
           <p:nvPr>
             <p:extLst>
               <p:ext uri="{386F3935-93C4-4BCD-93E2-E3B085C9AB24}">
-                <p16:designElem xmlns="" xmlns:p16="http://schemas.microsoft.com/office/powerpoint/2015/main" val="1"/>
+                <p16:designElem xmlns:p16="http://schemas.microsoft.com/office/powerpoint/2015/main" val="1"/>
               </p:ext>
             </p:extLst>
           </p:nvPr>
@@ -33428,10 +33624,10 @@
           <p:cNvPr id="10" name="Picture 9">
             <a:extLst>
               <a:ext uri="{FF2B5EF4-FFF2-40B4-BE49-F238E27FC236}">
-                <a16:creationId xmlns="" xmlns:a16="http://schemas.microsoft.com/office/drawing/2014/main" id="{2270F1FA-0425-408F-9861-80BF5AFB276D}"/>
+                <a16:creationId xmlns:a16="http://schemas.microsoft.com/office/drawing/2014/main" id="{2270F1FA-0425-408F-9861-80BF5AFB276D}"/>
               </a:ext>
               <a:ext uri="{C183D7F6-B498-43B3-948B-1728B52AA6E4}">
-                <adec:decorative xmlns="" xmlns:adec="http://schemas.microsoft.com/office/drawing/2017/decorative" val="1"/>
+                <adec:decorative xmlns:adec="http://schemas.microsoft.com/office/drawing/2017/decorative" val="1"/>
               </a:ext>
             </a:extLst>
           </p:cNvPr>
@@ -33441,7 +33637,7 @@
           <p:nvPr>
             <p:extLst>
               <p:ext uri="{386F3935-93C4-4BCD-93E2-E3B085C9AB24}">
-                <p16:designElem xmlns="" xmlns:p16="http://schemas.microsoft.com/office/powerpoint/2015/main" val="1"/>
+                <p16:designElem xmlns:p16="http://schemas.microsoft.com/office/powerpoint/2015/main" val="1"/>
               </p:ext>
             </p:extLst>
           </p:nvPr>
@@ -33473,7 +33669,7 @@
           <p:cNvPr id="2" name="כותרת 1">
             <a:extLst>
               <a:ext uri="{FF2B5EF4-FFF2-40B4-BE49-F238E27FC236}">
-                <a16:creationId xmlns="" xmlns:a16="http://schemas.microsoft.com/office/drawing/2014/main" id="{1C0DC20E-400E-4C3E-BF17-A3CDCFCE20BB}"/>
+                <a16:creationId xmlns:a16="http://schemas.microsoft.com/office/drawing/2014/main" id="{1C0DC20E-400E-4C3E-BF17-A3CDCFCE20BB}"/>
               </a:ext>
             </a:extLst>
           </p:cNvPr>
@@ -33658,22 +33854,7 @@
                 <a:latin typeface="Microsoft YaHei UI Light" panose="020B0502040204020203" pitchFamily="34" charset="-122"/>
                 <a:ea typeface="Microsoft YaHei UI Light" panose="020B0502040204020203" pitchFamily="34" charset="-122"/>
               </a:rPr>
-              <a:t>Client doesn’t validate the entered pk belongs to the </a:t>
-            </a:r>
-            <a:r>
-              <a:rPr lang="en-US" sz="2800" dirty="0" smtClean="0">
-                <a:ln>
-                  <a:solidFill>
-                    <a:schemeClr val="bg1"/>
-                  </a:solidFill>
-                </a:ln>
-                <a:solidFill>
-                  <a:schemeClr val="bg1"/>
-                </a:solidFill>
-                <a:latin typeface="Microsoft YaHei UI Light" panose="020B0502040204020203" pitchFamily="34" charset="-122"/>
-                <a:ea typeface="Microsoft YaHei UI Light" panose="020B0502040204020203" pitchFamily="34" charset="-122"/>
-              </a:rPr>
-              <a:t>user</a:t>
+              <a:t>Client doesn’t validate the entered pk belongs to the user</a:t>
             </a:r>
           </a:p>
           <a:p>
@@ -33685,7 +33866,7 @@
               </a:tabLst>
             </a:pPr>
             <a:r>
-              <a:rPr lang="en-US" sz="2800" dirty="0" smtClean="0">
+              <a:rPr lang="en-US" sz="2800" dirty="0">
                 <a:ln>
                   <a:solidFill>
                     <a:schemeClr val="bg1"/>
@@ -33700,7 +33881,7 @@
               <a:t>We can’t declare Card as contract because it causes the initial transaction fee (which is the cost of the deployment process) to oversize the max gas limit, so we have declared Card as </a:t>
             </a:r>
             <a:r>
-              <a:rPr lang="en-US" sz="2800" dirty="0" err="1" smtClean="0">
+              <a:rPr lang="en-US" sz="2800" dirty="0" err="1">
                 <a:ln>
                   <a:solidFill>
                     <a:schemeClr val="bg1"/>
@@ -33715,7 +33896,7 @@
               <a:t>struct</a:t>
             </a:r>
             <a:r>
-              <a:rPr lang="en-US" sz="2800" dirty="0" smtClean="0">
+              <a:rPr lang="en-US" sz="2800" dirty="0">
                 <a:ln>
                   <a:solidFill>
                     <a:schemeClr val="bg1"/>
@@ -33730,7 +33911,7 @@
               <a:t>. In addition, also when Card is declared as a </a:t>
             </a:r>
             <a:r>
-              <a:rPr lang="en-US" sz="2800" dirty="0" err="1" smtClean="0">
+              <a:rPr lang="en-US" sz="2800" dirty="0" err="1">
                 <a:ln>
                   <a:solidFill>
                     <a:schemeClr val="bg1"/>
@@ -33745,7 +33926,7 @@
               <a:t>struct</a:t>
             </a:r>
             <a:r>
-              <a:rPr lang="en-US" sz="2800" dirty="0" smtClean="0">
+              <a:rPr lang="en-US" sz="2800" dirty="0">
                 <a:ln>
                   <a:solidFill>
                     <a:schemeClr val="bg1"/>
@@ -33759,18 +33940,6 @@
               </a:rPr>
               <a:t>, we can’t declare 40 cards as we want, so we have declared only 16 cards. </a:t>
             </a:r>
-            <a:endParaRPr lang="en-US" sz="2800" dirty="0">
-              <a:ln>
-                <a:solidFill>
-                  <a:schemeClr val="bg1"/>
-                </a:solidFill>
-              </a:ln>
-              <a:solidFill>
-                <a:schemeClr val="bg1"/>
-              </a:solidFill>
-              <a:latin typeface="Microsoft YaHei UI Light" panose="020B0502040204020203" pitchFamily="34" charset="-122"/>
-              <a:ea typeface="Microsoft YaHei UI Light" panose="020B0502040204020203" pitchFamily="34" charset="-122"/>
-            </a:endParaRPr>
           </a:p>
           <a:p>
             <a:pPr algn="l" rtl="0">
@@ -33828,10 +33997,10 @@
           <p:cNvPr id="8" name="Rectangle 7">
             <a:extLst>
               <a:ext uri="{FF2B5EF4-FFF2-40B4-BE49-F238E27FC236}">
-                <a16:creationId xmlns="" xmlns:a16="http://schemas.microsoft.com/office/drawing/2014/main" id="{23962611-DFD5-4092-AAFD-559E3DFCE2C9}"/>
+                <a16:creationId xmlns:a16="http://schemas.microsoft.com/office/drawing/2014/main" id="{23962611-DFD5-4092-AAFD-559E3DFCE2C9}"/>
               </a:ext>
               <a:ext uri="{C183D7F6-B498-43B3-948B-1728B52AA6E4}">
-                <adec:decorative xmlns="" xmlns:adec="http://schemas.microsoft.com/office/drawing/2017/decorative" val="1"/>
+                <adec:decorative xmlns:adec="http://schemas.microsoft.com/office/drawing/2017/decorative" val="1"/>
               </a:ext>
             </a:extLst>
           </p:cNvPr>
@@ -33841,7 +34010,7 @@
           <p:nvPr>
             <p:extLst>
               <p:ext uri="{386F3935-93C4-4BCD-93E2-E3B085C9AB24}">
-                <p16:designElem xmlns="" xmlns:p16="http://schemas.microsoft.com/office/powerpoint/2015/main" val="1"/>
+                <p16:designElem xmlns:p16="http://schemas.microsoft.com/office/powerpoint/2015/main" val="1"/>
               </p:ext>
             </p:extLst>
           </p:nvPr>
@@ -33913,10 +34082,10 @@
           <p:cNvPr id="10" name="Picture 9">
             <a:extLst>
               <a:ext uri="{FF2B5EF4-FFF2-40B4-BE49-F238E27FC236}">
-                <a16:creationId xmlns="" xmlns:a16="http://schemas.microsoft.com/office/drawing/2014/main" id="{2270F1FA-0425-408F-9861-80BF5AFB276D}"/>
+                <a16:creationId xmlns:a16="http://schemas.microsoft.com/office/drawing/2014/main" id="{2270F1FA-0425-408F-9861-80BF5AFB276D}"/>
               </a:ext>
               <a:ext uri="{C183D7F6-B498-43B3-948B-1728B52AA6E4}">
-                <adec:decorative xmlns="" xmlns:adec="http://schemas.microsoft.com/office/drawing/2017/decorative" val="1"/>
+                <adec:decorative xmlns:adec="http://schemas.microsoft.com/office/drawing/2017/decorative" val="1"/>
               </a:ext>
             </a:extLst>
           </p:cNvPr>
@@ -33926,7 +34095,7 @@
           <p:nvPr>
             <p:extLst>
               <p:ext uri="{386F3935-93C4-4BCD-93E2-E3B085C9AB24}">
-                <p16:designElem xmlns="" xmlns:p16="http://schemas.microsoft.com/office/powerpoint/2015/main" val="1"/>
+                <p16:designElem xmlns:p16="http://schemas.microsoft.com/office/powerpoint/2015/main" val="1"/>
               </p:ext>
             </p:extLst>
           </p:nvPr>
@@ -33958,7 +34127,7 @@
           <p:cNvPr id="2" name="כותרת 1">
             <a:extLst>
               <a:ext uri="{FF2B5EF4-FFF2-40B4-BE49-F238E27FC236}">
-                <a16:creationId xmlns="" xmlns:a16="http://schemas.microsoft.com/office/drawing/2014/main" id="{1C0DC20E-400E-4C3E-BF17-A3CDCFCE20BB}"/>
+                <a16:creationId xmlns:a16="http://schemas.microsoft.com/office/drawing/2014/main" id="{1C0DC20E-400E-4C3E-BF17-A3CDCFCE20BB}"/>
               </a:ext>
             </a:extLst>
           </p:cNvPr>

--- a/docs/Blockchain Final Project.pptx
+++ b/docs/Blockchain Final Project.pptx
@@ -1217,6 +1217,14 @@
         </dgm:presLayoutVars>
       </dgm:prSet>
       <dgm:spPr/>
+      <dgm:t>
+        <a:bodyPr/>
+        <a:lstStyle/>
+        <a:p>
+          <a:pPr rtl="1"/>
+          <a:endParaRPr lang="he-IL"/>
+        </a:p>
+      </dgm:t>
     </dgm:pt>
     <dgm:pt modelId="{30AE6DF6-6A93-4F4B-B092-5FE7575FB289}" type="pres">
       <dgm:prSet presAssocID="{F8E82FC2-ECE6-45B1-BB40-B45C8012AF21}" presName="compNode" presStyleCnt="0"/>
@@ -1260,6 +1268,14 @@
         </dgm:presLayoutVars>
       </dgm:prSet>
       <dgm:spPr/>
+      <dgm:t>
+        <a:bodyPr/>
+        <a:lstStyle/>
+        <a:p>
+          <a:pPr rtl="1"/>
+          <a:endParaRPr lang="he-IL"/>
+        </a:p>
+      </dgm:t>
     </dgm:pt>
     <dgm:pt modelId="{67E9EAC3-1B19-4A3B-8B10-E81DA0F34BD2}" type="pres">
       <dgm:prSet presAssocID="{C1E84BC1-A348-4CDA-984D-E6C42A0A6ED1}" presName="sibTrans" presStyleCnt="0"/>
@@ -1299,6 +1315,14 @@
         </dgm:presLayoutVars>
       </dgm:prSet>
       <dgm:spPr/>
+      <dgm:t>
+        <a:bodyPr/>
+        <a:lstStyle/>
+        <a:p>
+          <a:pPr rtl="1"/>
+          <a:endParaRPr lang="he-IL"/>
+        </a:p>
+      </dgm:t>
     </dgm:pt>
     <dgm:pt modelId="{0E66DB2C-1D03-4563-9FF9-DB832F711F43}" type="pres">
       <dgm:prSet presAssocID="{3A1D991C-E02E-4FA4-B919-5CCE9E11CBBA}" presName="sibTrans" presStyleCnt="0"/>
@@ -1338,16 +1362,24 @@
         </dgm:presLayoutVars>
       </dgm:prSet>
       <dgm:spPr/>
+      <dgm:t>
+        <a:bodyPr/>
+        <a:lstStyle/>
+        <a:p>
+          <a:pPr rtl="1"/>
+          <a:endParaRPr lang="he-IL"/>
+        </a:p>
+      </dgm:t>
     </dgm:pt>
   </dgm:ptLst>
   <dgm:cxnLst>
-    <dgm:cxn modelId="{6E3B6833-1ABF-4CA8-944B-3FD2D444C57E}" srcId="{27EEFBA6-3CDE-4EB5-A929-21B72A53EBA7}" destId="{067DAD8D-EB33-4B95-B036-DBC1AC1DC1F0}" srcOrd="1" destOrd="0" parTransId="{A4631B97-B19B-4129-BDA4-F2182B1E9817}" sibTransId="{3A1D991C-E02E-4FA4-B919-5CCE9E11CBBA}"/>
     <dgm:cxn modelId="{5BB6743F-3DB1-44C5-A13D-33508438DCCA}" srcId="{27EEFBA6-3CDE-4EB5-A929-21B72A53EBA7}" destId="{0E2356AB-49A2-4819-8ACF-C07FEC28373E}" srcOrd="2" destOrd="0" parTransId="{28DD3876-F822-4CCA-9C8F-F85855FB4776}" sibTransId="{C4DCFE21-FBC3-4E29-A143-5D307DE3FD44}"/>
     <dgm:cxn modelId="{FE907846-EA46-4018-84CD-1283AFF03CEA}" type="presOf" srcId="{F8E82FC2-ECE6-45B1-BB40-B45C8012AF21}" destId="{91D13A7F-11DA-4ABD-9FFD-116F47B5A61B}" srcOrd="0" destOrd="0" presId="urn:microsoft.com/office/officeart/2018/2/layout/IconVerticalSolidList"/>
+    <dgm:cxn modelId="{6E3B6833-1ABF-4CA8-944B-3FD2D444C57E}" srcId="{27EEFBA6-3CDE-4EB5-A929-21B72A53EBA7}" destId="{067DAD8D-EB33-4B95-B036-DBC1AC1DC1F0}" srcOrd="1" destOrd="0" parTransId="{A4631B97-B19B-4129-BDA4-F2182B1E9817}" sibTransId="{3A1D991C-E02E-4FA4-B919-5CCE9E11CBBA}"/>
     <dgm:cxn modelId="{C78EA5A8-B052-4EFC-B53E-37C7CD2D9FDC}" type="presOf" srcId="{067DAD8D-EB33-4B95-B036-DBC1AC1DC1F0}" destId="{4DE8560D-5100-425F-94C8-324171DB9FEE}" srcOrd="0" destOrd="0" presId="urn:microsoft.com/office/officeart/2018/2/layout/IconVerticalSolidList"/>
-    <dgm:cxn modelId="{41CA10CF-346D-425C-B8DB-51FFA100A389}" type="presOf" srcId="{0E2356AB-49A2-4819-8ACF-C07FEC28373E}" destId="{E6A53FA5-D61D-4BA1-9D02-D37A1A449E2C}" srcOrd="0" destOrd="0" presId="urn:microsoft.com/office/officeart/2018/2/layout/IconVerticalSolidList"/>
     <dgm:cxn modelId="{1F8DF9CF-C18B-4F3F-A930-04724CA17827}" srcId="{27EEFBA6-3CDE-4EB5-A929-21B72A53EBA7}" destId="{F8E82FC2-ECE6-45B1-BB40-B45C8012AF21}" srcOrd="0" destOrd="0" parTransId="{E2FA07E9-7E45-416D-8A89-B86E728D40B5}" sibTransId="{C1E84BC1-A348-4CDA-984D-E6C42A0A6ED1}"/>
     <dgm:cxn modelId="{930EA4E6-E657-4691-88EA-3B718637C4E3}" type="presOf" srcId="{27EEFBA6-3CDE-4EB5-A929-21B72A53EBA7}" destId="{5A8E83C2-0E41-44F8-9DAD-301B4837A3CC}" srcOrd="0" destOrd="0" presId="urn:microsoft.com/office/officeart/2018/2/layout/IconVerticalSolidList"/>
+    <dgm:cxn modelId="{41CA10CF-346D-425C-B8DB-51FFA100A389}" type="presOf" srcId="{0E2356AB-49A2-4819-8ACF-C07FEC28373E}" destId="{E6A53FA5-D61D-4BA1-9D02-D37A1A449E2C}" srcOrd="0" destOrd="0" presId="urn:microsoft.com/office/officeart/2018/2/layout/IconVerticalSolidList"/>
     <dgm:cxn modelId="{C4E1AA7B-7E50-4354-A86A-B9DF91767753}" type="presParOf" srcId="{5A8E83C2-0E41-44F8-9DAD-301B4837A3CC}" destId="{30AE6DF6-6A93-4F4B-B092-5FE7575FB289}" srcOrd="0" destOrd="0" presId="urn:microsoft.com/office/officeart/2018/2/layout/IconVerticalSolidList"/>
     <dgm:cxn modelId="{330C7239-BA69-46FB-B108-21EA4F8AC1DA}" type="presParOf" srcId="{30AE6DF6-6A93-4F4B-B092-5FE7575FB289}" destId="{D782BD57-30EA-48B4-87FC-12A78141F70D}" srcOrd="0" destOrd="0" presId="urn:microsoft.com/office/officeart/2018/2/layout/IconVerticalSolidList"/>
     <dgm:cxn modelId="{A3AF9405-0CB2-481A-9B28-8E08436301B6}" type="presParOf" srcId="{30AE6DF6-6A93-4F4B-B092-5FE7575FB289}" destId="{811A4EB8-7831-41D5-A7AA-BBDDAD5C7E09}" srcOrd="1" destOrd="0" presId="urn:microsoft.com/office/officeart/2018/2/layout/IconVerticalSolidList"/>
@@ -1509,7 +1541,7 @@
         </a:bodyPr>
         <a:lstStyle/>
         <a:p>
-          <a:pPr marL="0" lvl="0" indent="0" algn="l" defTabSz="977900">
+          <a:pPr lvl="0" algn="l" defTabSz="977900">
             <a:lnSpc>
               <a:spcPct val="90000"/>
             </a:lnSpc>
@@ -1519,7 +1551,6 @@
             <a:spcAft>
               <a:spcPct val="35000"/>
             </a:spcAft>
-            <a:buNone/>
           </a:pPr>
           <a:r>
             <a:rPr lang="en-US" sz="2200" kern="1200" dirty="0"/>
@@ -1649,7 +1680,7 @@
         </a:bodyPr>
         <a:lstStyle/>
         <a:p>
-          <a:pPr marL="0" lvl="0" indent="0" algn="l" defTabSz="977900">
+          <a:pPr lvl="0" algn="l" defTabSz="977900">
             <a:lnSpc>
               <a:spcPct val="90000"/>
             </a:lnSpc>
@@ -1659,7 +1690,6 @@
             <a:spcAft>
               <a:spcPct val="35000"/>
             </a:spcAft>
-            <a:buNone/>
           </a:pPr>
           <a:r>
             <a:rPr lang="en-US" sz="2200" kern="1200" dirty="0"/>
@@ -1789,7 +1819,7 @@
         </a:bodyPr>
         <a:lstStyle/>
         <a:p>
-          <a:pPr marL="0" lvl="0" indent="0" algn="l" defTabSz="977900">
+          <a:pPr lvl="0" algn="l" defTabSz="977900">
             <a:lnSpc>
               <a:spcPct val="90000"/>
             </a:lnSpc>
@@ -1799,7 +1829,6 @@
             <a:spcAft>
               <a:spcPct val="35000"/>
             </a:spcAft>
-            <a:buNone/>
           </a:pPr>
           <a:r>
             <a:rPr lang="en-US" sz="2200" kern="1200" dirty="0"/>
@@ -2109,7 +2138,7 @@
   </dgm:layoutNode>
   <dgm:extLst>
     <a:ext uri="{68A01E43-0DF5-4B5B-8FA6-DAF915123BFB}">
-      <dgm1612:lstStyle xmlns:dgm1612="http://schemas.microsoft.com/office/drawing/2016/12/diagram">
+      <dgm1612:lstStyle xmlns:dgm1612="http://schemas.microsoft.com/office/drawing/2016/12/diagram" xmlns="">
         <a:lvl1pPr>
           <a:lnSpc>
             <a:spcPct val="100000"/>
@@ -3242,7 +3271,7 @@
           <a:p>
             <a:fld id="{654EE165-1D20-432B-8391-AC81E3C78BFB}" type="datetimeFigureOut">
               <a:rPr lang="he-IL" smtClean="0"/>
-              <a:t>כ"ג/תמוז/תשע"ט</a:t>
+              <a:t>כ"ד/תמוז/תשע"ט</a:t>
             </a:fld>
             <a:endParaRPr lang="he-IL"/>
           </a:p>
@@ -5709,7 +5738,7 @@
           <a:p>
             <a:fld id="{6F13CEA5-4F51-4ED4-A676-F9C80F4D6128}" type="datetimeFigureOut">
               <a:rPr lang="he-IL" smtClean="0"/>
-              <a:t>כ"ג/תמוז/תשע"ט</a:t>
+              <a:t>כ"ד/תמוז/תשע"ט</a:t>
             </a:fld>
             <a:endParaRPr lang="he-IL"/>
           </a:p>
@@ -5877,7 +5906,7 @@
           <a:p>
             <a:fld id="{6F13CEA5-4F51-4ED4-A676-F9C80F4D6128}" type="datetimeFigureOut">
               <a:rPr lang="he-IL" smtClean="0"/>
-              <a:t>כ"ג/תמוז/תשע"ט</a:t>
+              <a:t>כ"ד/תמוז/תשע"ט</a:t>
             </a:fld>
             <a:endParaRPr lang="he-IL"/>
           </a:p>
@@ -6055,7 +6084,7 @@
           <a:p>
             <a:fld id="{6F13CEA5-4F51-4ED4-A676-F9C80F4D6128}" type="datetimeFigureOut">
               <a:rPr lang="he-IL" smtClean="0"/>
-              <a:t>כ"ג/תמוז/תשע"ט</a:t>
+              <a:t>כ"ד/תמוז/תשע"ט</a:t>
             </a:fld>
             <a:endParaRPr lang="he-IL"/>
           </a:p>
@@ -7245,7 +7274,7 @@
           <a:p>
             <a:fld id="{6F13CEA5-4F51-4ED4-A676-F9C80F4D6128}" type="datetimeFigureOut">
               <a:rPr lang="he-IL" smtClean="0"/>
-              <a:t>כ"ג/תמוז/תשע"ט</a:t>
+              <a:t>כ"ד/תמוז/תשע"ט</a:t>
             </a:fld>
             <a:endParaRPr lang="he-IL"/>
           </a:p>
@@ -7947,7 +7976,7 @@
           <a:p>
             <a:fld id="{6F13CEA5-4F51-4ED4-A676-F9C80F4D6128}" type="datetimeFigureOut">
               <a:rPr lang="he-IL" smtClean="0"/>
-              <a:t>כ"ג/תמוז/תשע"ט</a:t>
+              <a:t>כ"ד/תמוז/תשע"ט</a:t>
             </a:fld>
             <a:endParaRPr lang="he-IL"/>
           </a:p>
@@ -8192,7 +8221,7 @@
           <a:p>
             <a:fld id="{6F13CEA5-4F51-4ED4-A676-F9C80F4D6128}" type="datetimeFigureOut">
               <a:rPr lang="he-IL" smtClean="0"/>
-              <a:t>כ"ג/תמוז/תשע"ט</a:t>
+              <a:t>כ"ד/תמוז/תשע"ט</a:t>
             </a:fld>
             <a:endParaRPr lang="he-IL"/>
           </a:p>
@@ -8421,7 +8450,7 @@
           <a:p>
             <a:fld id="{6F13CEA5-4F51-4ED4-A676-F9C80F4D6128}" type="datetimeFigureOut">
               <a:rPr lang="he-IL" smtClean="0"/>
-              <a:t>כ"ג/תמוז/תשע"ט</a:t>
+              <a:t>כ"ד/תמוז/תשע"ט</a:t>
             </a:fld>
             <a:endParaRPr lang="he-IL"/>
           </a:p>
@@ -8785,7 +8814,7 @@
           <a:p>
             <a:fld id="{6F13CEA5-4F51-4ED4-A676-F9C80F4D6128}" type="datetimeFigureOut">
               <a:rPr lang="he-IL" smtClean="0"/>
-              <a:t>כ"ג/תמוז/תשע"ט</a:t>
+              <a:t>כ"ד/תמוז/תשע"ט</a:t>
             </a:fld>
             <a:endParaRPr lang="he-IL"/>
           </a:p>
@@ -8902,7 +8931,7 @@
           <a:p>
             <a:fld id="{6F13CEA5-4F51-4ED4-A676-F9C80F4D6128}" type="datetimeFigureOut">
               <a:rPr lang="he-IL" smtClean="0"/>
-              <a:t>כ"ג/תמוז/תשע"ט</a:t>
+              <a:t>כ"ד/תמוז/תשע"ט</a:t>
             </a:fld>
             <a:endParaRPr lang="he-IL"/>
           </a:p>
@@ -8997,7 +9026,7 @@
           <a:p>
             <a:fld id="{6F13CEA5-4F51-4ED4-A676-F9C80F4D6128}" type="datetimeFigureOut">
               <a:rPr lang="he-IL" smtClean="0"/>
-              <a:t>כ"ג/תמוז/תשע"ט</a:t>
+              <a:t>כ"ד/תמוז/תשע"ט</a:t>
             </a:fld>
             <a:endParaRPr lang="he-IL"/>
           </a:p>
@@ -9272,7 +9301,7 @@
           <a:p>
             <a:fld id="{6F13CEA5-4F51-4ED4-A676-F9C80F4D6128}" type="datetimeFigureOut">
               <a:rPr lang="he-IL" smtClean="0"/>
-              <a:t>כ"ג/תמוז/תשע"ט</a:t>
+              <a:t>כ"ד/תמוז/תשע"ט</a:t>
             </a:fld>
             <a:endParaRPr lang="he-IL"/>
           </a:p>
@@ -9524,7 +9553,7 @@
           <a:p>
             <a:fld id="{6F13CEA5-4F51-4ED4-A676-F9C80F4D6128}" type="datetimeFigureOut">
               <a:rPr lang="he-IL" smtClean="0"/>
-              <a:t>כ"ג/תמוז/תשע"ט</a:t>
+              <a:t>כ"ד/תמוז/תשע"ט</a:t>
             </a:fld>
             <a:endParaRPr lang="he-IL"/>
           </a:p>
@@ -9735,7 +9764,7 @@
           <a:p>
             <a:fld id="{6F13CEA5-4F51-4ED4-A676-F9C80F4D6128}" type="datetimeFigureOut">
               <a:rPr lang="he-IL" smtClean="0"/>
-              <a:t>כ"ג/תמוז/תשע"ט</a:t>
+              <a:t>כ"ד/תמוז/תשע"ט</a:t>
             </a:fld>
             <a:endParaRPr lang="he-IL"/>
           </a:p>
@@ -11615,6 +11644,13 @@
                 <a:cs typeface="BN Barak" panose="02000000000000000000" pitchFamily="2" charset="-79"/>
               </a:rPr>
             </a:br>
+            <a:r>
+              <a:rPr lang="en-US" sz="2800" dirty="0">
+                <a:latin typeface="Buxton Sketch" panose="03080500000500000004" pitchFamily="66" charset="0"/>
+                <a:cs typeface="BN Barak" panose="02000000000000000000" pitchFamily="2" charset="-79"/>
+              </a:rPr>
+              <a:t/>
+            </a:r>
             <a:br>
               <a:rPr lang="en-US" sz="2800" dirty="0">
                 <a:latin typeface="Buxton Sketch" panose="03080500000500000004" pitchFamily="66" charset="0"/>
@@ -11627,6 +11663,13 @@
                 <a:cs typeface="BN Barak" panose="02000000000000000000" pitchFamily="2" charset="-79"/>
               </a:rPr>
               <a:t>Ron Friedman 209490358</a:t>
+            </a:r>
+            <a:r>
+              <a:rPr lang="he-IL" sz="2000" dirty="0">
+                <a:latin typeface="Tempus Sans ITC" panose="04020404030D07020202" pitchFamily="82" charset="0"/>
+                <a:cs typeface="BN Barak" panose="02000000000000000000" pitchFamily="2" charset="-79"/>
+              </a:rPr>
+              <a:t/>
             </a:r>
             <a:br>
               <a:rPr lang="he-IL" sz="2000" dirty="0">
@@ -14777,7 +14820,7 @@
           <p:cNvPr id="4" name="Picture 3">
             <a:extLst>
               <a:ext uri="{FF2B5EF4-FFF2-40B4-BE49-F238E27FC236}">
-                <a16:creationId xmlns:a16="http://schemas.microsoft.com/office/drawing/2014/main" id="{94C2DCA4-624E-4232-B21D-CFCEDDB60497}"/>
+                <a16:creationId xmlns:a16="http://schemas.microsoft.com/office/drawing/2014/main" xmlns="" id="{94C2DCA4-624E-4232-B21D-CFCEDDB60497}"/>
               </a:ext>
             </a:extLst>
           </p:cNvPr>
@@ -14807,7 +14850,7 @@
           <p:cNvPr id="3" name="Picture 2">
             <a:extLst>
               <a:ext uri="{FF2B5EF4-FFF2-40B4-BE49-F238E27FC236}">
-                <a16:creationId xmlns:a16="http://schemas.microsoft.com/office/drawing/2014/main" id="{C67DDB77-9FFE-40CC-98F4-E72E9C8A19DB}"/>
+                <a16:creationId xmlns:a16="http://schemas.microsoft.com/office/drawing/2014/main" xmlns="" id="{C67DDB77-9FFE-40CC-98F4-E72E9C8A19DB}"/>
               </a:ext>
             </a:extLst>
           </p:cNvPr>
@@ -15419,7 +15462,7 @@
           <p:cNvPr id="2" name="תמונה 1">
             <a:extLst>
               <a:ext uri="{FF2B5EF4-FFF2-40B4-BE49-F238E27FC236}">
-                <a16:creationId xmlns:a16="http://schemas.microsoft.com/office/drawing/2014/main" id="{CF1207F4-EA12-408A-8C74-E2266ECDEF66}"/>
+                <a16:creationId xmlns:a16="http://schemas.microsoft.com/office/drawing/2014/main" xmlns="" id="{CF1207F4-EA12-408A-8C74-E2266ECDEF66}"/>
               </a:ext>
             </a:extLst>
           </p:cNvPr>
@@ -16044,7 +16087,7 @@
           <p:cNvPr id="2" name="תמונה 1">
             <a:extLst>
               <a:ext uri="{FF2B5EF4-FFF2-40B4-BE49-F238E27FC236}">
-                <a16:creationId xmlns:a16="http://schemas.microsoft.com/office/drawing/2014/main" id="{2266253C-0DAF-434B-B161-DB83F0C17D55}"/>
+                <a16:creationId xmlns:a16="http://schemas.microsoft.com/office/drawing/2014/main" xmlns="" id="{2266253C-0DAF-434B-B161-DB83F0C17D55}"/>
               </a:ext>
             </a:extLst>
           </p:cNvPr>
@@ -16656,7 +16699,7 @@
           <p:cNvPr id="3" name="Picture 2">
             <a:extLst>
               <a:ext uri="{FF2B5EF4-FFF2-40B4-BE49-F238E27FC236}">
-                <a16:creationId xmlns:a16="http://schemas.microsoft.com/office/drawing/2014/main" id="{39BB365F-A38B-41EC-B4AB-89E527569052}"/>
+                <a16:creationId xmlns:a16="http://schemas.microsoft.com/office/drawing/2014/main" xmlns="" id="{39BB365F-A38B-41EC-B4AB-89E527569052}"/>
               </a:ext>
             </a:extLst>
           </p:cNvPr>
@@ -16716,10 +16759,10 @@
           <p:cNvPr id="8" name="Rectangle 7">
             <a:extLst>
               <a:ext uri="{FF2B5EF4-FFF2-40B4-BE49-F238E27FC236}">
-                <a16:creationId xmlns:a16="http://schemas.microsoft.com/office/drawing/2014/main" id="{23962611-DFD5-4092-AAFD-559E3DFCE2C9}"/>
+                <a16:creationId xmlns:a16="http://schemas.microsoft.com/office/drawing/2014/main" xmlns="" id="{23962611-DFD5-4092-AAFD-559E3DFCE2C9}"/>
               </a:ext>
               <a:ext uri="{C183D7F6-B498-43B3-948B-1728B52AA6E4}">
-                <adec:decorative xmlns:adec="http://schemas.microsoft.com/office/drawing/2017/decorative" val="1"/>
+                <adec:decorative xmlns:adec="http://schemas.microsoft.com/office/drawing/2017/decorative" xmlns="" val="1"/>
               </a:ext>
             </a:extLst>
           </p:cNvPr>
@@ -16729,7 +16772,7 @@
           <p:nvPr>
             <p:extLst>
               <p:ext uri="{386F3935-93C4-4BCD-93E2-E3B085C9AB24}">
-                <p16:designElem xmlns:p16="http://schemas.microsoft.com/office/powerpoint/2015/main" val="1"/>
+                <p16:designElem xmlns:p16="http://schemas.microsoft.com/office/powerpoint/2015/main" xmlns="" val="1"/>
               </p:ext>
             </p:extLst>
           </p:nvPr>
@@ -16801,10 +16844,10 @@
           <p:cNvPr id="10" name="Picture 9">
             <a:extLst>
               <a:ext uri="{FF2B5EF4-FFF2-40B4-BE49-F238E27FC236}">
-                <a16:creationId xmlns:a16="http://schemas.microsoft.com/office/drawing/2014/main" id="{2270F1FA-0425-408F-9861-80BF5AFB276D}"/>
+                <a16:creationId xmlns:a16="http://schemas.microsoft.com/office/drawing/2014/main" xmlns="" id="{2270F1FA-0425-408F-9861-80BF5AFB276D}"/>
               </a:ext>
               <a:ext uri="{C183D7F6-B498-43B3-948B-1728B52AA6E4}">
-                <adec:decorative xmlns:adec="http://schemas.microsoft.com/office/drawing/2017/decorative" val="1"/>
+                <adec:decorative xmlns:adec="http://schemas.microsoft.com/office/drawing/2017/decorative" xmlns="" val="1"/>
               </a:ext>
             </a:extLst>
           </p:cNvPr>
@@ -16814,7 +16857,7 @@
           <p:nvPr>
             <p:extLst>
               <p:ext uri="{386F3935-93C4-4BCD-93E2-E3B085C9AB24}">
-                <p16:designElem xmlns:p16="http://schemas.microsoft.com/office/powerpoint/2015/main" val="1"/>
+                <p16:designElem xmlns:p16="http://schemas.microsoft.com/office/powerpoint/2015/main" xmlns="" val="1"/>
               </p:ext>
             </p:extLst>
           </p:nvPr>
@@ -16846,7 +16889,7 @@
           <p:cNvPr id="2" name="כותרת 1">
             <a:extLst>
               <a:ext uri="{FF2B5EF4-FFF2-40B4-BE49-F238E27FC236}">
-                <a16:creationId xmlns:a16="http://schemas.microsoft.com/office/drawing/2014/main" id="{1C0DC20E-400E-4C3E-BF17-A3CDCFCE20BB}"/>
+                <a16:creationId xmlns:a16="http://schemas.microsoft.com/office/drawing/2014/main" xmlns="" id="{1C0DC20E-400E-4C3E-BF17-A3CDCFCE20BB}"/>
               </a:ext>
             </a:extLst>
           </p:cNvPr>
@@ -16920,10 +16963,10 @@
           <p:cNvPr id="10" name="Rectangle 9">
             <a:extLst>
               <a:ext uri="{FF2B5EF4-FFF2-40B4-BE49-F238E27FC236}">
-                <a16:creationId xmlns:a16="http://schemas.microsoft.com/office/drawing/2014/main" id="{08E89D5E-1885-4160-AC77-CC471DD1D0DB}"/>
+                <a16:creationId xmlns:a16="http://schemas.microsoft.com/office/drawing/2014/main" xmlns="" id="{08E89D5E-1885-4160-AC77-CC471DD1D0DB}"/>
               </a:ext>
               <a:ext uri="{C183D7F6-B498-43B3-948B-1728B52AA6E4}">
-                <adec:decorative xmlns:adec="http://schemas.microsoft.com/office/drawing/2017/decorative" val="1"/>
+                <adec:decorative xmlns:adec="http://schemas.microsoft.com/office/drawing/2017/decorative" xmlns="" val="1"/>
               </a:ext>
             </a:extLst>
           </p:cNvPr>
@@ -16933,7 +16976,7 @@
           <p:nvPr>
             <p:extLst>
               <p:ext uri="{386F3935-93C4-4BCD-93E2-E3B085C9AB24}">
-                <p16:designElem xmlns:p16="http://schemas.microsoft.com/office/powerpoint/2015/main" val="1"/>
+                <p16:designElem xmlns:p16="http://schemas.microsoft.com/office/powerpoint/2015/main" xmlns="" val="1"/>
               </p:ext>
             </p:extLst>
           </p:nvPr>
@@ -16980,7 +17023,7 @@
           <p:cNvPr id="2" name="כותרת 1">
             <a:extLst>
               <a:ext uri="{FF2B5EF4-FFF2-40B4-BE49-F238E27FC236}">
-                <a16:creationId xmlns:a16="http://schemas.microsoft.com/office/drawing/2014/main" id="{5C005CA9-66C8-41C7-839D-A87CFCB40A45}"/>
+                <a16:creationId xmlns:a16="http://schemas.microsoft.com/office/drawing/2014/main" xmlns="" id="{5C005CA9-66C8-41C7-839D-A87CFCB40A45}"/>
               </a:ext>
             </a:extLst>
           </p:cNvPr>
@@ -17013,6 +17056,16 @@
               </a:rPr>
               <a:t>Introduction</a:t>
             </a:r>
+            <a:r>
+              <a:rPr lang="en-US" sz="3200" dirty="0">
+                <a:solidFill>
+                  <a:srgbClr val="FFFFFF"/>
+                </a:solidFill>
+                <a:latin typeface="BN Balls" panose="02000500000000000000" pitchFamily="2" charset="-79"/>
+                <a:cs typeface="BN Balls" panose="02000500000000000000" pitchFamily="2" charset="-79"/>
+              </a:rPr>
+              <a:t/>
+            </a:r>
             <a:br>
               <a:rPr lang="en-US" sz="3200" dirty="0">
                 <a:solidFill>
@@ -17037,10 +17090,10 @@
           <p:cNvPr id="12" name="Straight Connector 11">
             <a:extLst>
               <a:ext uri="{FF2B5EF4-FFF2-40B4-BE49-F238E27FC236}">
-                <a16:creationId xmlns:a16="http://schemas.microsoft.com/office/drawing/2014/main" id="{550D2BD1-98F9-412D-905B-3A843EF4078B}"/>
+                <a16:creationId xmlns:a16="http://schemas.microsoft.com/office/drawing/2014/main" xmlns="" id="{550D2BD1-98F9-412D-905B-3A843EF4078B}"/>
               </a:ext>
               <a:ext uri="{C183D7F6-B498-43B3-948B-1728B52AA6E4}">
-                <adec:decorative xmlns:adec="http://schemas.microsoft.com/office/drawing/2017/decorative" val="1"/>
+                <adec:decorative xmlns:adec="http://schemas.microsoft.com/office/drawing/2017/decorative" xmlns="" val="1"/>
               </a:ext>
             </a:extLst>
           </p:cNvPr>
@@ -17050,7 +17103,7 @@
           <p:nvPr>
             <p:extLst>
               <p:ext uri="{386F3935-93C4-4BCD-93E2-E3B085C9AB24}">
-                <p16:designElem xmlns:p16="http://schemas.microsoft.com/office/powerpoint/2015/main" val="1"/>
+                <p16:designElem xmlns:p16="http://schemas.microsoft.com/office/powerpoint/2015/main" xmlns="" val="1"/>
               </p:ext>
             </p:extLst>
           </p:nvPr>
@@ -17091,7 +17144,7 @@
           <p:cNvPr id="5" name="מציין מיקום תוכן 2">
             <a:extLst>
               <a:ext uri="{FF2B5EF4-FFF2-40B4-BE49-F238E27FC236}">
-                <a16:creationId xmlns:a16="http://schemas.microsoft.com/office/drawing/2014/main" id="{AAA74886-9BB5-4F86-AFC1-410E25361379}"/>
+                <a16:creationId xmlns:a16="http://schemas.microsoft.com/office/drawing/2014/main" xmlns="" id="{AAA74886-9BB5-4F86-AFC1-410E25361379}"/>
               </a:ext>
             </a:extLst>
           </p:cNvPr>
@@ -17679,7 +17732,7 @@
           <p:cNvPr id="6" name="Google Shape;68;p14">
             <a:extLst>
               <a:ext uri="{FF2B5EF4-FFF2-40B4-BE49-F238E27FC236}">
-                <a16:creationId xmlns:a16="http://schemas.microsoft.com/office/drawing/2014/main" id="{FC7E91D9-6C30-4F1E-A12D-F573C1025734}"/>
+                <a16:creationId xmlns:a16="http://schemas.microsoft.com/office/drawing/2014/main" xmlns="" id="{FC7E91D9-6C30-4F1E-A12D-F573C1025734}"/>
               </a:ext>
             </a:extLst>
           </p:cNvPr>
@@ -18625,7 +18678,7 @@
           <p:cNvPr id="6" name="Google Shape;68;p14">
             <a:extLst>
               <a:ext uri="{FF2B5EF4-FFF2-40B4-BE49-F238E27FC236}">
-                <a16:creationId xmlns:a16="http://schemas.microsoft.com/office/drawing/2014/main" id="{FC7E91D9-6C30-4F1E-A12D-F573C1025734}"/>
+                <a16:creationId xmlns:a16="http://schemas.microsoft.com/office/drawing/2014/main" xmlns="" id="{FC7E91D9-6C30-4F1E-A12D-F573C1025734}"/>
               </a:ext>
             </a:extLst>
           </p:cNvPr>
@@ -19397,8 +19450,19 @@
                 <a:latin typeface="Buxton Sketch" panose="03080500000500000004" pitchFamily="66" charset="0"/>
                 <a:cs typeface="BN Barak" panose="02000000000000000000" pitchFamily="2" charset="-79"/>
               </a:rPr>
-              <a:t>Dare To Dream</a:t>
+              <a:t>Dare To </a:t>
             </a:r>
+            <a:r>
+              <a:rPr lang="en-US" sz="6600" kern="0" dirty="0" smtClean="0">
+                <a:latin typeface="Buxton Sketch" panose="03080500000500000004" pitchFamily="66" charset="0"/>
+                <a:cs typeface="BN Barak" panose="02000000000000000000" pitchFamily="2" charset="-79"/>
+              </a:rPr>
+              <a:t>Dream – Future Features</a:t>
+            </a:r>
+            <a:endParaRPr lang="en-US" sz="6600" kern="0" dirty="0">
+              <a:latin typeface="Buxton Sketch" panose="03080500000500000004" pitchFamily="66" charset="0"/>
+              <a:cs typeface="BN Barak" panose="02000000000000000000" pitchFamily="2" charset="-79"/>
+            </a:endParaRPr>
           </a:p>
         </p:txBody>
       </p:sp>
@@ -33539,10 +33603,10 @@
           <p:cNvPr id="8" name="Rectangle 7">
             <a:extLst>
               <a:ext uri="{FF2B5EF4-FFF2-40B4-BE49-F238E27FC236}">
-                <a16:creationId xmlns:a16="http://schemas.microsoft.com/office/drawing/2014/main" id="{23962611-DFD5-4092-AAFD-559E3DFCE2C9}"/>
+                <a16:creationId xmlns:a16="http://schemas.microsoft.com/office/drawing/2014/main" xmlns="" id="{23962611-DFD5-4092-AAFD-559E3DFCE2C9}"/>
               </a:ext>
               <a:ext uri="{C183D7F6-B498-43B3-948B-1728B52AA6E4}">
-                <adec:decorative xmlns:adec="http://schemas.microsoft.com/office/drawing/2017/decorative" val="1"/>
+                <adec:decorative xmlns:adec="http://schemas.microsoft.com/office/drawing/2017/decorative" xmlns="" val="1"/>
               </a:ext>
             </a:extLst>
           </p:cNvPr>
@@ -33552,7 +33616,7 @@
           <p:nvPr>
             <p:extLst>
               <p:ext uri="{386F3935-93C4-4BCD-93E2-E3B085C9AB24}">
-                <p16:designElem xmlns:p16="http://schemas.microsoft.com/office/powerpoint/2015/main" val="1"/>
+                <p16:designElem xmlns:p16="http://schemas.microsoft.com/office/powerpoint/2015/main" xmlns="" val="1"/>
               </p:ext>
             </p:extLst>
           </p:nvPr>
@@ -33624,10 +33688,10 @@
           <p:cNvPr id="10" name="Picture 9">
             <a:extLst>
               <a:ext uri="{FF2B5EF4-FFF2-40B4-BE49-F238E27FC236}">
-                <a16:creationId xmlns:a16="http://schemas.microsoft.com/office/drawing/2014/main" id="{2270F1FA-0425-408F-9861-80BF5AFB276D}"/>
+                <a16:creationId xmlns:a16="http://schemas.microsoft.com/office/drawing/2014/main" xmlns="" id="{2270F1FA-0425-408F-9861-80BF5AFB276D}"/>
               </a:ext>
               <a:ext uri="{C183D7F6-B498-43B3-948B-1728B52AA6E4}">
-                <adec:decorative xmlns:adec="http://schemas.microsoft.com/office/drawing/2017/decorative" val="1"/>
+                <adec:decorative xmlns:adec="http://schemas.microsoft.com/office/drawing/2017/decorative" xmlns="" val="1"/>
               </a:ext>
             </a:extLst>
           </p:cNvPr>
@@ -33637,7 +33701,7 @@
           <p:nvPr>
             <p:extLst>
               <p:ext uri="{386F3935-93C4-4BCD-93E2-E3B085C9AB24}">
-                <p16:designElem xmlns:p16="http://schemas.microsoft.com/office/powerpoint/2015/main" val="1"/>
+                <p16:designElem xmlns:p16="http://schemas.microsoft.com/office/powerpoint/2015/main" xmlns="" val="1"/>
               </p:ext>
             </p:extLst>
           </p:nvPr>
@@ -33669,7 +33733,7 @@
           <p:cNvPr id="2" name="כותרת 1">
             <a:extLst>
               <a:ext uri="{FF2B5EF4-FFF2-40B4-BE49-F238E27FC236}">
-                <a16:creationId xmlns:a16="http://schemas.microsoft.com/office/drawing/2014/main" id="{1C0DC20E-400E-4C3E-BF17-A3CDCFCE20BB}"/>
+                <a16:creationId xmlns:a16="http://schemas.microsoft.com/office/drawing/2014/main" xmlns="" id="{1C0DC20E-400E-4C3E-BF17-A3CDCFCE20BB}"/>
               </a:ext>
             </a:extLst>
           </p:cNvPr>
@@ -33796,8 +33860,8 @@
         </p:nvSpPr>
         <p:spPr>
           <a:xfrm>
-            <a:off x="910602" y="1203746"/>
-            <a:ext cx="9404215" cy="4401205"/>
+            <a:off x="790680" y="1443589"/>
+            <a:ext cx="9404215" cy="3970318"/>
           </a:xfrm>
           <a:prstGeom prst="rect">
             <a:avLst/>
@@ -33818,7 +33882,7 @@
               </a:tabLst>
             </a:pPr>
             <a:r>
-              <a:rPr lang="en-US" sz="2800" dirty="0">
+              <a:rPr lang="en-US" sz="2800" dirty="0" smtClean="0">
                 <a:ln>
                   <a:solidFill>
                     <a:schemeClr val="bg1"/>
@@ -33830,17 +33894,8 @@
                 <a:latin typeface="Microsoft YaHei UI Light" panose="020B0502040204020203" pitchFamily="34" charset="-122"/>
                 <a:ea typeface="Microsoft YaHei UI Light" panose="020B0502040204020203" pitchFamily="34" charset="-122"/>
               </a:rPr>
-              <a:t>Running functions on contract always return null</a:t>
+              <a:t>Client </a:t>
             </a:r>
-          </a:p>
-          <a:p>
-            <a:pPr marL="457200" indent="-457200" algn="l" rtl="0">
-              <a:buFont typeface="Arial" panose="020B0604020202020204" pitchFamily="34" charset="0"/>
-              <a:buChar char="•"/>
-              <a:tabLst>
-                <a:tab pos="5743575" algn="l"/>
-              </a:tabLst>
-            </a:pPr>
             <a:r>
               <a:rPr lang="en-US" sz="2800" dirty="0">
                 <a:ln>
@@ -33854,7 +33909,7 @@
                 <a:latin typeface="Microsoft YaHei UI Light" panose="020B0502040204020203" pitchFamily="34" charset="-122"/>
                 <a:ea typeface="Microsoft YaHei UI Light" panose="020B0502040204020203" pitchFamily="34" charset="-122"/>
               </a:rPr>
-              <a:t>Client doesn’t validate the entered pk belongs to the user</a:t>
+              <a:t>doesn’t validate the entered pk belongs to the user</a:t>
             </a:r>
           </a:p>
           <a:p>
@@ -33997,10 +34052,10 @@
           <p:cNvPr id="8" name="Rectangle 7">
             <a:extLst>
               <a:ext uri="{FF2B5EF4-FFF2-40B4-BE49-F238E27FC236}">
-                <a16:creationId xmlns:a16="http://schemas.microsoft.com/office/drawing/2014/main" id="{23962611-DFD5-4092-AAFD-559E3DFCE2C9}"/>
+                <a16:creationId xmlns:a16="http://schemas.microsoft.com/office/drawing/2014/main" xmlns="" id="{23962611-DFD5-4092-AAFD-559E3DFCE2C9}"/>
               </a:ext>
               <a:ext uri="{C183D7F6-B498-43B3-948B-1728B52AA6E4}">
-                <adec:decorative xmlns:adec="http://schemas.microsoft.com/office/drawing/2017/decorative" val="1"/>
+                <adec:decorative xmlns:adec="http://schemas.microsoft.com/office/drawing/2017/decorative" xmlns="" val="1"/>
               </a:ext>
             </a:extLst>
           </p:cNvPr>
@@ -34010,7 +34065,7 @@
           <p:nvPr>
             <p:extLst>
               <p:ext uri="{386F3935-93C4-4BCD-93E2-E3B085C9AB24}">
-                <p16:designElem xmlns:p16="http://schemas.microsoft.com/office/powerpoint/2015/main" val="1"/>
+                <p16:designElem xmlns:p16="http://schemas.microsoft.com/office/powerpoint/2015/main" xmlns="" val="1"/>
               </p:ext>
             </p:extLst>
           </p:nvPr>
@@ -34082,10 +34137,10 @@
           <p:cNvPr id="10" name="Picture 9">
             <a:extLst>
               <a:ext uri="{FF2B5EF4-FFF2-40B4-BE49-F238E27FC236}">
-                <a16:creationId xmlns:a16="http://schemas.microsoft.com/office/drawing/2014/main" id="{2270F1FA-0425-408F-9861-80BF5AFB276D}"/>
+                <a16:creationId xmlns:a16="http://schemas.microsoft.com/office/drawing/2014/main" xmlns="" id="{2270F1FA-0425-408F-9861-80BF5AFB276D}"/>
               </a:ext>
               <a:ext uri="{C183D7F6-B498-43B3-948B-1728B52AA6E4}">
-                <adec:decorative xmlns:adec="http://schemas.microsoft.com/office/drawing/2017/decorative" val="1"/>
+                <adec:decorative xmlns:adec="http://schemas.microsoft.com/office/drawing/2017/decorative" xmlns="" val="1"/>
               </a:ext>
             </a:extLst>
           </p:cNvPr>
@@ -34095,7 +34150,7 @@
           <p:nvPr>
             <p:extLst>
               <p:ext uri="{386F3935-93C4-4BCD-93E2-E3B085C9AB24}">
-                <p16:designElem xmlns:p16="http://schemas.microsoft.com/office/powerpoint/2015/main" val="1"/>
+                <p16:designElem xmlns:p16="http://schemas.microsoft.com/office/powerpoint/2015/main" xmlns="" val="1"/>
               </p:ext>
             </p:extLst>
           </p:nvPr>
@@ -34127,7 +34182,7 @@
           <p:cNvPr id="2" name="כותרת 1">
             <a:extLst>
               <a:ext uri="{FF2B5EF4-FFF2-40B4-BE49-F238E27FC236}">
-                <a16:creationId xmlns:a16="http://schemas.microsoft.com/office/drawing/2014/main" id="{1C0DC20E-400E-4C3E-BF17-A3CDCFCE20BB}"/>
+                <a16:creationId xmlns:a16="http://schemas.microsoft.com/office/drawing/2014/main" xmlns="" id="{1C0DC20E-400E-4C3E-BF17-A3CDCFCE20BB}"/>
               </a:ext>
             </a:extLst>
           </p:cNvPr>

--- a/docs/Blockchain Final Project.pptx
+++ b/docs/Blockchain Final Project.pptx
@@ -6,7 +6,7 @@
     <p:sldMasterId id="2147483660" r:id="rId2"/>
   </p:sldMasterIdLst>
   <p:notesMasterIdLst>
-    <p:notesMasterId r:id="rId26"/>
+    <p:notesMasterId r:id="rId27"/>
   </p:notesMasterIdLst>
   <p:sldIdLst>
     <p:sldId id="284" r:id="rId3"/>
@@ -17,21 +17,22 @@
     <p:sldId id="288" r:id="rId8"/>
     <p:sldId id="294" r:id="rId9"/>
     <p:sldId id="306" r:id="rId10"/>
-    <p:sldId id="305" r:id="rId11"/>
-    <p:sldId id="304" r:id="rId12"/>
-    <p:sldId id="293" r:id="rId13"/>
-    <p:sldId id="295" r:id="rId14"/>
-    <p:sldId id="296" r:id="rId15"/>
-    <p:sldId id="298" r:id="rId16"/>
-    <p:sldId id="299" r:id="rId17"/>
-    <p:sldId id="300" r:id="rId18"/>
-    <p:sldId id="301" r:id="rId19"/>
-    <p:sldId id="302" r:id="rId20"/>
-    <p:sldId id="257" r:id="rId21"/>
-    <p:sldId id="308" r:id="rId22"/>
-    <p:sldId id="290" r:id="rId23"/>
-    <p:sldId id="279" r:id="rId24"/>
-    <p:sldId id="283" r:id="rId25"/>
+    <p:sldId id="309" r:id="rId11"/>
+    <p:sldId id="305" r:id="rId12"/>
+    <p:sldId id="304" r:id="rId13"/>
+    <p:sldId id="293" r:id="rId14"/>
+    <p:sldId id="295" r:id="rId15"/>
+    <p:sldId id="296" r:id="rId16"/>
+    <p:sldId id="298" r:id="rId17"/>
+    <p:sldId id="299" r:id="rId18"/>
+    <p:sldId id="300" r:id="rId19"/>
+    <p:sldId id="301" r:id="rId20"/>
+    <p:sldId id="302" r:id="rId21"/>
+    <p:sldId id="257" r:id="rId22"/>
+    <p:sldId id="308" r:id="rId23"/>
+    <p:sldId id="290" r:id="rId24"/>
+    <p:sldId id="279" r:id="rId25"/>
+    <p:sldId id="283" r:id="rId26"/>
   </p:sldIdLst>
   <p:sldSz cx="12192000" cy="6858000"/>
   <p:notesSz cx="6858000" cy="9144000"/>
@@ -2138,7 +2139,7 @@
   </dgm:layoutNode>
   <dgm:extLst>
     <a:ext uri="{68A01E43-0DF5-4B5B-8FA6-DAF915123BFB}">
-      <dgm1612:lstStyle xmlns:dgm1612="http://schemas.microsoft.com/office/drawing/2016/12/diagram" xmlns="">
+      <dgm1612:lstStyle xmlns="" xmlns:dgm1612="http://schemas.microsoft.com/office/drawing/2016/12/diagram">
         <a:lvl1pPr>
           <a:lnSpc>
             <a:spcPct val="100000"/>
@@ -3746,6 +3747,115 @@
     </p:spTree>
     <p:extLst>
       <p:ext uri="{BB962C8B-B14F-4D97-AF65-F5344CB8AC3E}">
+        <p14:creationId xmlns:p14="http://schemas.microsoft.com/office/powerpoint/2010/main" val="2742538494"/>
+      </p:ext>
+    </p:extLst>
+  </p:cSld>
+  <p:clrMapOvr>
+    <a:masterClrMapping/>
+  </p:clrMapOvr>
+</p:notes>
+</file>
+
+<file path=ppt/notesSlides/notesSlide11.xml><?xml version="1.0" encoding="utf-8"?>
+<p:notes xmlns:a="http://schemas.openxmlformats.org/drawingml/2006/main" xmlns:r="http://schemas.openxmlformats.org/officeDocument/2006/relationships" xmlns:p="http://schemas.openxmlformats.org/presentationml/2006/main" showMasterSp="0" showMasterPhAnim="0">
+  <p:cSld>
+    <p:spTree>
+      <p:nvGrpSpPr>
+        <p:cNvPr id="1" name="Shape 72"/>
+        <p:cNvGrpSpPr/>
+        <p:nvPr/>
+      </p:nvGrpSpPr>
+      <p:grpSpPr>
+        <a:xfrm>
+          <a:off x="0" y="0"/>
+          <a:ext cx="0" cy="0"/>
+          <a:chOff x="0" y="0"/>
+          <a:chExt cx="0" cy="0"/>
+        </a:xfrm>
+      </p:grpSpPr>
+      <p:sp>
+        <p:nvSpPr>
+          <p:cNvPr id="73" name="Google Shape;73;g35f391192_04:notes"/>
+          <p:cNvSpPr>
+            <a:spLocks noGrp="1" noRot="1" noChangeAspect="1"/>
+          </p:cNvSpPr>
+          <p:nvPr>
+            <p:ph type="sldImg" idx="2"/>
+          </p:nvPr>
+        </p:nvSpPr>
+        <p:spPr>
+          <a:xfrm>
+            <a:off x="381000" y="685800"/>
+            <a:ext cx="6096000" cy="3429000"/>
+          </a:xfrm>
+          <a:custGeom>
+            <a:avLst/>
+            <a:gdLst/>
+            <a:ahLst/>
+            <a:cxnLst/>
+            <a:rect l="l" t="t" r="r" b="b"/>
+            <a:pathLst>
+              <a:path w="120000" h="120000" extrusionOk="0">
+                <a:moveTo>
+                  <a:pt x="0" y="0"/>
+                </a:moveTo>
+                <a:lnTo>
+                  <a:pt x="120000" y="0"/>
+                </a:lnTo>
+                <a:lnTo>
+                  <a:pt x="120000" y="120000"/>
+                </a:lnTo>
+                <a:lnTo>
+                  <a:pt x="0" y="120000"/>
+                </a:lnTo>
+                <a:close/>
+              </a:path>
+            </a:pathLst>
+          </a:custGeom>
+        </p:spPr>
+      </p:sp>
+      <p:sp>
+        <p:nvSpPr>
+          <p:cNvPr id="74" name="Google Shape;74;g35f391192_04:notes"/>
+          <p:cNvSpPr txBox="1">
+            <a:spLocks noGrp="1"/>
+          </p:cNvSpPr>
+          <p:nvPr>
+            <p:ph type="body" idx="1"/>
+          </p:nvPr>
+        </p:nvSpPr>
+        <p:spPr>
+          <a:xfrm>
+            <a:off x="685800" y="4343400"/>
+            <a:ext cx="5486400" cy="4114800"/>
+          </a:xfrm>
+          <a:prstGeom prst="rect">
+            <a:avLst/>
+          </a:prstGeom>
+        </p:spPr>
+        <p:txBody>
+          <a:bodyPr spcFirstLastPara="1" wrap="square" lIns="91425" tIns="91425" rIns="91425" bIns="91425" anchor="t" anchorCtr="0">
+            <a:noAutofit/>
+          </a:bodyPr>
+          <a:lstStyle/>
+          <a:p>
+            <a:pPr marL="0" lvl="0" indent="0" algn="l" rtl="0">
+              <a:spcBef>
+                <a:spcPts val="0"/>
+              </a:spcBef>
+              <a:spcAft>
+                <a:spcPts val="0"/>
+              </a:spcAft>
+              <a:buNone/>
+            </a:pPr>
+            <a:endParaRPr/>
+          </a:p>
+        </p:txBody>
+      </p:sp>
+    </p:spTree>
+    <p:extLst>
+      <p:ext uri="{BB962C8B-B14F-4D97-AF65-F5344CB8AC3E}">
         <p14:creationId xmlns:p14="http://schemas.microsoft.com/office/powerpoint/2010/main" val="1510877947"/>
       </p:ext>
     </p:extLst>
@@ -3756,7 +3866,7 @@
 </p:notes>
 </file>
 
-<file path=ppt/notesSlides/notesSlide11.xml><?xml version="1.0" encoding="utf-8"?>
+<file path=ppt/notesSlides/notesSlide12.xml><?xml version="1.0" encoding="utf-8"?>
 <p:notes xmlns:a="http://schemas.openxmlformats.org/drawingml/2006/main" xmlns:r="http://schemas.openxmlformats.org/officeDocument/2006/relationships" xmlns:p="http://schemas.openxmlformats.org/presentationml/2006/main" showMasterSp="0" showMasterPhAnim="0">
   <p:cSld>
     <p:spTree>
@@ -3865,7 +3975,7 @@
 </p:notes>
 </file>
 
-<file path=ppt/notesSlides/notesSlide12.xml><?xml version="1.0" encoding="utf-8"?>
+<file path=ppt/notesSlides/notesSlide13.xml><?xml version="1.0" encoding="utf-8"?>
 <p:notes xmlns:a="http://schemas.openxmlformats.org/drawingml/2006/main" xmlns:r="http://schemas.openxmlformats.org/officeDocument/2006/relationships" xmlns:p="http://schemas.openxmlformats.org/presentationml/2006/main" showMasterSp="0" showMasterPhAnim="0">
   <p:cSld>
     <p:spTree>
@@ -3974,7 +4084,7 @@
 </p:notes>
 </file>
 
-<file path=ppt/notesSlides/notesSlide13.xml><?xml version="1.0" encoding="utf-8"?>
+<file path=ppt/notesSlides/notesSlide14.xml><?xml version="1.0" encoding="utf-8"?>
 <p:notes xmlns:a="http://schemas.openxmlformats.org/drawingml/2006/main" xmlns:r="http://schemas.openxmlformats.org/officeDocument/2006/relationships" xmlns:p="http://schemas.openxmlformats.org/presentationml/2006/main" showMasterSp="0" showMasterPhAnim="0">
   <p:cSld>
     <p:spTree>
@@ -4083,7 +4193,7 @@
 </p:notes>
 </file>
 
-<file path=ppt/notesSlides/notesSlide14.xml><?xml version="1.0" encoding="utf-8"?>
+<file path=ppt/notesSlides/notesSlide15.xml><?xml version="1.0" encoding="utf-8"?>
 <p:notes xmlns:a="http://schemas.openxmlformats.org/drawingml/2006/main" xmlns:r="http://schemas.openxmlformats.org/officeDocument/2006/relationships" xmlns:p="http://schemas.openxmlformats.org/presentationml/2006/main" showMasterSp="0" showMasterPhAnim="0">
   <p:cSld>
     <p:spTree>
@@ -4192,7 +4302,7 @@
 </p:notes>
 </file>
 
-<file path=ppt/notesSlides/notesSlide15.xml><?xml version="1.0" encoding="utf-8"?>
+<file path=ppt/notesSlides/notesSlide16.xml><?xml version="1.0" encoding="utf-8"?>
 <p:notes xmlns:a="http://schemas.openxmlformats.org/drawingml/2006/main" xmlns:r="http://schemas.openxmlformats.org/officeDocument/2006/relationships" xmlns:p="http://schemas.openxmlformats.org/presentationml/2006/main" showMasterSp="0" showMasterPhAnim="0">
   <p:cSld>
     <p:spTree>
@@ -4301,7 +4411,7 @@
 </p:notes>
 </file>
 
-<file path=ppt/notesSlides/notesSlide16.xml><?xml version="1.0" encoding="utf-8"?>
+<file path=ppt/notesSlides/notesSlide17.xml><?xml version="1.0" encoding="utf-8"?>
 <p:notes xmlns:a="http://schemas.openxmlformats.org/drawingml/2006/main" xmlns:r="http://schemas.openxmlformats.org/officeDocument/2006/relationships" xmlns:p="http://schemas.openxmlformats.org/presentationml/2006/main" showMasterSp="0" showMasterPhAnim="0">
   <p:cSld>
     <p:spTree>
@@ -4410,7 +4520,7 @@
 </p:notes>
 </file>
 
-<file path=ppt/notesSlides/notesSlide17.xml><?xml version="1.0" encoding="utf-8"?>
+<file path=ppt/notesSlides/notesSlide18.xml><?xml version="1.0" encoding="utf-8"?>
 <p:notes xmlns:a="http://schemas.openxmlformats.org/drawingml/2006/main" xmlns:r="http://schemas.openxmlformats.org/officeDocument/2006/relationships" xmlns:p="http://schemas.openxmlformats.org/presentationml/2006/main" showMasterSp="0" showMasterPhAnim="0">
   <p:cSld>
     <p:spTree>
@@ -4519,7 +4629,7 @@
 </p:notes>
 </file>
 
-<file path=ppt/notesSlides/notesSlide18.xml><?xml version="1.0" encoding="utf-8"?>
+<file path=ppt/notesSlides/notesSlide19.xml><?xml version="1.0" encoding="utf-8"?>
 <p:notes xmlns:a="http://schemas.openxmlformats.org/drawingml/2006/main" xmlns:r="http://schemas.openxmlformats.org/officeDocument/2006/relationships" xmlns:p="http://schemas.openxmlformats.org/presentationml/2006/main" showMasterSp="0" showMasterPhAnim="0">
   <p:cSld>
     <p:spTree>
@@ -4628,7 +4738,116 @@
 </p:notes>
 </file>
 
-<file path=ppt/notesSlides/notesSlide19.xml><?xml version="1.0" encoding="utf-8"?>
+<file path=ppt/notesSlides/notesSlide2.xml><?xml version="1.0" encoding="utf-8"?>
+<p:notes xmlns:a="http://schemas.openxmlformats.org/drawingml/2006/main" xmlns:r="http://schemas.openxmlformats.org/officeDocument/2006/relationships" xmlns:p="http://schemas.openxmlformats.org/presentationml/2006/main" showMasterSp="0" showMasterPhAnim="0">
+  <p:cSld>
+    <p:spTree>
+      <p:nvGrpSpPr>
+        <p:cNvPr id="1" name="Shape 63"/>
+        <p:cNvGrpSpPr/>
+        <p:nvPr/>
+      </p:nvGrpSpPr>
+      <p:grpSpPr>
+        <a:xfrm>
+          <a:off x="0" y="0"/>
+          <a:ext cx="0" cy="0"/>
+          <a:chOff x="0" y="0"/>
+          <a:chExt cx="0" cy="0"/>
+        </a:xfrm>
+      </p:grpSpPr>
+      <p:sp>
+        <p:nvSpPr>
+          <p:cNvPr id="64" name="Google Shape;64;g3606f1c2d_30:notes"/>
+          <p:cNvSpPr>
+            <a:spLocks noGrp="1" noRot="1" noChangeAspect="1"/>
+          </p:cNvSpPr>
+          <p:nvPr>
+            <p:ph type="sldImg" idx="2"/>
+          </p:nvPr>
+        </p:nvSpPr>
+        <p:spPr>
+          <a:xfrm>
+            <a:off x="381000" y="685800"/>
+            <a:ext cx="6096000" cy="3429000"/>
+          </a:xfrm>
+          <a:custGeom>
+            <a:avLst/>
+            <a:gdLst/>
+            <a:ahLst/>
+            <a:cxnLst/>
+            <a:rect l="l" t="t" r="r" b="b"/>
+            <a:pathLst>
+              <a:path w="120000" h="120000" extrusionOk="0">
+                <a:moveTo>
+                  <a:pt x="0" y="0"/>
+                </a:moveTo>
+                <a:lnTo>
+                  <a:pt x="120000" y="0"/>
+                </a:lnTo>
+                <a:lnTo>
+                  <a:pt x="120000" y="120000"/>
+                </a:lnTo>
+                <a:lnTo>
+                  <a:pt x="0" y="120000"/>
+                </a:lnTo>
+                <a:close/>
+              </a:path>
+            </a:pathLst>
+          </a:custGeom>
+        </p:spPr>
+      </p:sp>
+      <p:sp>
+        <p:nvSpPr>
+          <p:cNvPr id="65" name="Google Shape;65;g3606f1c2d_30:notes"/>
+          <p:cNvSpPr txBox="1">
+            <a:spLocks noGrp="1"/>
+          </p:cNvSpPr>
+          <p:nvPr>
+            <p:ph type="body" idx="1"/>
+          </p:nvPr>
+        </p:nvSpPr>
+        <p:spPr>
+          <a:xfrm>
+            <a:off x="685800" y="4343400"/>
+            <a:ext cx="5486400" cy="4114800"/>
+          </a:xfrm>
+          <a:prstGeom prst="rect">
+            <a:avLst/>
+          </a:prstGeom>
+        </p:spPr>
+        <p:txBody>
+          <a:bodyPr spcFirstLastPara="1" wrap="square" lIns="91425" tIns="91425" rIns="91425" bIns="91425" anchor="t" anchorCtr="0">
+            <a:noAutofit/>
+          </a:bodyPr>
+          <a:lstStyle/>
+          <a:p>
+            <a:pPr marL="0" lvl="0" indent="0" algn="l" rtl="0">
+              <a:spcBef>
+                <a:spcPts val="0"/>
+              </a:spcBef>
+              <a:spcAft>
+                <a:spcPts val="0"/>
+              </a:spcAft>
+              <a:buNone/>
+            </a:pPr>
+            <a:endParaRPr/>
+          </a:p>
+        </p:txBody>
+      </p:sp>
+    </p:spTree>
+    <p:extLst>
+      <p:ext uri="{BB962C8B-B14F-4D97-AF65-F5344CB8AC3E}">
+        <p14:creationId xmlns:p14="http://schemas.microsoft.com/office/powerpoint/2010/main" val="906728852"/>
+      </p:ext>
+    </p:extLst>
+  </p:cSld>
+  <p:clrMapOvr>
+    <a:masterClrMapping/>
+  </p:clrMapOvr>
+</p:notes>
+</file>
+
+<file path=ppt/notesSlides/notesSlide20.xml><?xml version="1.0" encoding="utf-8"?>
 <p:notes xmlns:a="http://schemas.openxmlformats.org/drawingml/2006/main" xmlns:r="http://schemas.openxmlformats.org/officeDocument/2006/relationships" xmlns:p="http://schemas.openxmlformats.org/presentationml/2006/main" showMasterSp="0" showMasterPhAnim="0">
   <p:cSld>
     <p:spTree>
@@ -4728,115 +4947,6 @@
     <p:extLst>
       <p:ext uri="{BB962C8B-B14F-4D97-AF65-F5344CB8AC3E}">
         <p14:creationId xmlns:p14="http://schemas.microsoft.com/office/powerpoint/2010/main" val="1692684197"/>
-      </p:ext>
-    </p:extLst>
-  </p:cSld>
-  <p:clrMapOvr>
-    <a:masterClrMapping/>
-  </p:clrMapOvr>
-</p:notes>
-</file>
-
-<file path=ppt/notesSlides/notesSlide2.xml><?xml version="1.0" encoding="utf-8"?>
-<p:notes xmlns:a="http://schemas.openxmlformats.org/drawingml/2006/main" xmlns:r="http://schemas.openxmlformats.org/officeDocument/2006/relationships" xmlns:p="http://schemas.openxmlformats.org/presentationml/2006/main" showMasterSp="0" showMasterPhAnim="0">
-  <p:cSld>
-    <p:spTree>
-      <p:nvGrpSpPr>
-        <p:cNvPr id="1" name="Shape 63"/>
-        <p:cNvGrpSpPr/>
-        <p:nvPr/>
-      </p:nvGrpSpPr>
-      <p:grpSpPr>
-        <a:xfrm>
-          <a:off x="0" y="0"/>
-          <a:ext cx="0" cy="0"/>
-          <a:chOff x="0" y="0"/>
-          <a:chExt cx="0" cy="0"/>
-        </a:xfrm>
-      </p:grpSpPr>
-      <p:sp>
-        <p:nvSpPr>
-          <p:cNvPr id="64" name="Google Shape;64;g3606f1c2d_30:notes"/>
-          <p:cNvSpPr>
-            <a:spLocks noGrp="1" noRot="1" noChangeAspect="1"/>
-          </p:cNvSpPr>
-          <p:nvPr>
-            <p:ph type="sldImg" idx="2"/>
-          </p:nvPr>
-        </p:nvSpPr>
-        <p:spPr>
-          <a:xfrm>
-            <a:off x="381000" y="685800"/>
-            <a:ext cx="6096000" cy="3429000"/>
-          </a:xfrm>
-          <a:custGeom>
-            <a:avLst/>
-            <a:gdLst/>
-            <a:ahLst/>
-            <a:cxnLst/>
-            <a:rect l="l" t="t" r="r" b="b"/>
-            <a:pathLst>
-              <a:path w="120000" h="120000" extrusionOk="0">
-                <a:moveTo>
-                  <a:pt x="0" y="0"/>
-                </a:moveTo>
-                <a:lnTo>
-                  <a:pt x="120000" y="0"/>
-                </a:lnTo>
-                <a:lnTo>
-                  <a:pt x="120000" y="120000"/>
-                </a:lnTo>
-                <a:lnTo>
-                  <a:pt x="0" y="120000"/>
-                </a:lnTo>
-                <a:close/>
-              </a:path>
-            </a:pathLst>
-          </a:custGeom>
-        </p:spPr>
-      </p:sp>
-      <p:sp>
-        <p:nvSpPr>
-          <p:cNvPr id="65" name="Google Shape;65;g3606f1c2d_30:notes"/>
-          <p:cNvSpPr txBox="1">
-            <a:spLocks noGrp="1"/>
-          </p:cNvSpPr>
-          <p:nvPr>
-            <p:ph type="body" idx="1"/>
-          </p:nvPr>
-        </p:nvSpPr>
-        <p:spPr>
-          <a:xfrm>
-            <a:off x="685800" y="4343400"/>
-            <a:ext cx="5486400" cy="4114800"/>
-          </a:xfrm>
-          <a:prstGeom prst="rect">
-            <a:avLst/>
-          </a:prstGeom>
-        </p:spPr>
-        <p:txBody>
-          <a:bodyPr spcFirstLastPara="1" wrap="square" lIns="91425" tIns="91425" rIns="91425" bIns="91425" anchor="t" anchorCtr="0">
-            <a:noAutofit/>
-          </a:bodyPr>
-          <a:lstStyle/>
-          <a:p>
-            <a:pPr marL="0" lvl="0" indent="0" algn="l" rtl="0">
-              <a:spcBef>
-                <a:spcPts val="0"/>
-              </a:spcBef>
-              <a:spcAft>
-                <a:spcPts val="0"/>
-              </a:spcAft>
-              <a:buNone/>
-            </a:pPr>
-            <a:endParaRPr/>
-          </a:p>
-        </p:txBody>
-      </p:sp>
-    </p:spTree>
-    <p:extLst>
-      <p:ext uri="{BB962C8B-B14F-4D97-AF65-F5344CB8AC3E}">
-        <p14:creationId xmlns:p14="http://schemas.microsoft.com/office/powerpoint/2010/main" val="906728852"/>
       </p:ext>
     </p:extLst>
   </p:cSld>
@@ -5287,6 +5397,115 @@
   <p:cSld>
     <p:spTree>
       <p:nvGrpSpPr>
+        <p:cNvPr id="1" name="Shape 72"/>
+        <p:cNvGrpSpPr/>
+        <p:nvPr/>
+      </p:nvGrpSpPr>
+      <p:grpSpPr>
+        <a:xfrm>
+          <a:off x="0" y="0"/>
+          <a:ext cx="0" cy="0"/>
+          <a:chOff x="0" y="0"/>
+          <a:chExt cx="0" cy="0"/>
+        </a:xfrm>
+      </p:grpSpPr>
+      <p:sp>
+        <p:nvSpPr>
+          <p:cNvPr id="73" name="Google Shape;73;g35f391192_04:notes"/>
+          <p:cNvSpPr>
+            <a:spLocks noGrp="1" noRot="1" noChangeAspect="1"/>
+          </p:cNvSpPr>
+          <p:nvPr>
+            <p:ph type="sldImg" idx="2"/>
+          </p:nvPr>
+        </p:nvSpPr>
+        <p:spPr>
+          <a:xfrm>
+            <a:off x="381000" y="685800"/>
+            <a:ext cx="6096000" cy="3429000"/>
+          </a:xfrm>
+          <a:custGeom>
+            <a:avLst/>
+            <a:gdLst/>
+            <a:ahLst/>
+            <a:cxnLst/>
+            <a:rect l="l" t="t" r="r" b="b"/>
+            <a:pathLst>
+              <a:path w="120000" h="120000" extrusionOk="0">
+                <a:moveTo>
+                  <a:pt x="0" y="0"/>
+                </a:moveTo>
+                <a:lnTo>
+                  <a:pt x="120000" y="0"/>
+                </a:lnTo>
+                <a:lnTo>
+                  <a:pt x="120000" y="120000"/>
+                </a:lnTo>
+                <a:lnTo>
+                  <a:pt x="0" y="120000"/>
+                </a:lnTo>
+                <a:close/>
+              </a:path>
+            </a:pathLst>
+          </a:custGeom>
+        </p:spPr>
+      </p:sp>
+      <p:sp>
+        <p:nvSpPr>
+          <p:cNvPr id="74" name="Google Shape;74;g35f391192_04:notes"/>
+          <p:cNvSpPr txBox="1">
+            <a:spLocks noGrp="1"/>
+          </p:cNvSpPr>
+          <p:nvPr>
+            <p:ph type="body" idx="1"/>
+          </p:nvPr>
+        </p:nvSpPr>
+        <p:spPr>
+          <a:xfrm>
+            <a:off x="685800" y="4343400"/>
+            <a:ext cx="5486400" cy="4114800"/>
+          </a:xfrm>
+          <a:prstGeom prst="rect">
+            <a:avLst/>
+          </a:prstGeom>
+        </p:spPr>
+        <p:txBody>
+          <a:bodyPr spcFirstLastPara="1" wrap="square" lIns="91425" tIns="91425" rIns="91425" bIns="91425" anchor="t" anchorCtr="0">
+            <a:noAutofit/>
+          </a:bodyPr>
+          <a:lstStyle/>
+          <a:p>
+            <a:pPr marL="0" lvl="0" indent="0" algn="l" rtl="0">
+              <a:spcBef>
+                <a:spcPts val="0"/>
+              </a:spcBef>
+              <a:spcAft>
+                <a:spcPts val="0"/>
+              </a:spcAft>
+              <a:buNone/>
+            </a:pPr>
+            <a:endParaRPr/>
+          </a:p>
+        </p:txBody>
+      </p:sp>
+    </p:spTree>
+    <p:extLst>
+      <p:ext uri="{BB962C8B-B14F-4D97-AF65-F5344CB8AC3E}">
+        <p14:creationId xmlns:p14="http://schemas.microsoft.com/office/powerpoint/2010/main" val="2306774721"/>
+      </p:ext>
+    </p:extLst>
+  </p:cSld>
+  <p:clrMapOvr>
+    <a:masterClrMapping/>
+  </p:clrMapOvr>
+</p:notes>
+</file>
+
+<file path=ppt/notesSlides/notesSlide8.xml><?xml version="1.0" encoding="utf-8"?>
+<p:notes xmlns:a="http://schemas.openxmlformats.org/drawingml/2006/main" xmlns:r="http://schemas.openxmlformats.org/officeDocument/2006/relationships" xmlns:p="http://schemas.openxmlformats.org/presentationml/2006/main" showMasterSp="0" showMasterPhAnim="0">
+  <p:cSld>
+    <p:spTree>
+      <p:nvGrpSpPr>
         <p:cNvPr id="1" name="Shape 63"/>
         <p:cNvGrpSpPr/>
         <p:nvPr/>
@@ -5391,7 +5610,7 @@
 </p:notes>
 </file>
 
-<file path=ppt/notesSlides/notesSlide8.xml><?xml version="1.0" encoding="utf-8"?>
+<file path=ppt/notesSlides/notesSlide9.xml><?xml version="1.0" encoding="utf-8"?>
 <p:notes xmlns:a="http://schemas.openxmlformats.org/drawingml/2006/main" xmlns:r="http://schemas.openxmlformats.org/officeDocument/2006/relationships" xmlns:p="http://schemas.openxmlformats.org/presentationml/2006/main" showMasterSp="0" showMasterPhAnim="0">
   <p:cSld>
     <p:spTree>
@@ -5491,115 +5710,6 @@
     <p:extLst>
       <p:ext uri="{BB962C8B-B14F-4D97-AF65-F5344CB8AC3E}">
         <p14:creationId xmlns:p14="http://schemas.microsoft.com/office/powerpoint/2010/main" val="4192878863"/>
-      </p:ext>
-    </p:extLst>
-  </p:cSld>
-  <p:clrMapOvr>
-    <a:masterClrMapping/>
-  </p:clrMapOvr>
-</p:notes>
-</file>
-
-<file path=ppt/notesSlides/notesSlide9.xml><?xml version="1.0" encoding="utf-8"?>
-<p:notes xmlns:a="http://schemas.openxmlformats.org/drawingml/2006/main" xmlns:r="http://schemas.openxmlformats.org/officeDocument/2006/relationships" xmlns:p="http://schemas.openxmlformats.org/presentationml/2006/main" showMasterSp="0" showMasterPhAnim="0">
-  <p:cSld>
-    <p:spTree>
-      <p:nvGrpSpPr>
-        <p:cNvPr id="1" name="Shape 72"/>
-        <p:cNvGrpSpPr/>
-        <p:nvPr/>
-      </p:nvGrpSpPr>
-      <p:grpSpPr>
-        <a:xfrm>
-          <a:off x="0" y="0"/>
-          <a:ext cx="0" cy="0"/>
-          <a:chOff x="0" y="0"/>
-          <a:chExt cx="0" cy="0"/>
-        </a:xfrm>
-      </p:grpSpPr>
-      <p:sp>
-        <p:nvSpPr>
-          <p:cNvPr id="73" name="Google Shape;73;g35f391192_04:notes"/>
-          <p:cNvSpPr>
-            <a:spLocks noGrp="1" noRot="1" noChangeAspect="1"/>
-          </p:cNvSpPr>
-          <p:nvPr>
-            <p:ph type="sldImg" idx="2"/>
-          </p:nvPr>
-        </p:nvSpPr>
-        <p:spPr>
-          <a:xfrm>
-            <a:off x="381000" y="685800"/>
-            <a:ext cx="6096000" cy="3429000"/>
-          </a:xfrm>
-          <a:custGeom>
-            <a:avLst/>
-            <a:gdLst/>
-            <a:ahLst/>
-            <a:cxnLst/>
-            <a:rect l="l" t="t" r="r" b="b"/>
-            <a:pathLst>
-              <a:path w="120000" h="120000" extrusionOk="0">
-                <a:moveTo>
-                  <a:pt x="0" y="0"/>
-                </a:moveTo>
-                <a:lnTo>
-                  <a:pt x="120000" y="0"/>
-                </a:lnTo>
-                <a:lnTo>
-                  <a:pt x="120000" y="120000"/>
-                </a:lnTo>
-                <a:lnTo>
-                  <a:pt x="0" y="120000"/>
-                </a:lnTo>
-                <a:close/>
-              </a:path>
-            </a:pathLst>
-          </a:custGeom>
-        </p:spPr>
-      </p:sp>
-      <p:sp>
-        <p:nvSpPr>
-          <p:cNvPr id="74" name="Google Shape;74;g35f391192_04:notes"/>
-          <p:cNvSpPr txBox="1">
-            <a:spLocks noGrp="1"/>
-          </p:cNvSpPr>
-          <p:nvPr>
-            <p:ph type="body" idx="1"/>
-          </p:nvPr>
-        </p:nvSpPr>
-        <p:spPr>
-          <a:xfrm>
-            <a:off x="685800" y="4343400"/>
-            <a:ext cx="5486400" cy="4114800"/>
-          </a:xfrm>
-          <a:prstGeom prst="rect">
-            <a:avLst/>
-          </a:prstGeom>
-        </p:spPr>
-        <p:txBody>
-          <a:bodyPr spcFirstLastPara="1" wrap="square" lIns="91425" tIns="91425" rIns="91425" bIns="91425" anchor="t" anchorCtr="0">
-            <a:noAutofit/>
-          </a:bodyPr>
-          <a:lstStyle/>
-          <a:p>
-            <a:pPr marL="0" lvl="0" indent="0" algn="l" rtl="0">
-              <a:spcBef>
-                <a:spcPts val="0"/>
-              </a:spcBef>
-              <a:spcAft>
-                <a:spcPts val="0"/>
-              </a:spcAft>
-              <a:buNone/>
-            </a:pPr>
-            <a:endParaRPr/>
-          </a:p>
-        </p:txBody>
-      </p:sp>
-    </p:spTree>
-    <p:extLst>
-      <p:ext uri="{BB962C8B-B14F-4D97-AF65-F5344CB8AC3E}">
-        <p14:creationId xmlns:p14="http://schemas.microsoft.com/office/powerpoint/2010/main" val="2742538494"/>
       </p:ext>
     </p:extLst>
   </p:cSld>
@@ -11722,10 +11832,232 @@
   <p:clrMapOvr>
     <a:masterClrMapping/>
   </p:clrMapOvr>
+  <p:timing>
+    <p:tnLst>
+      <p:par>
+        <p:cTn id="1" dur="indefinite" restart="never" nodeType="tmRoot"/>
+      </p:par>
+    </p:tnLst>
+  </p:timing>
 </p:sld>
 </file>
 
 <file path=ppt/slides/slide10.xml><?xml version="1.0" encoding="utf-8"?>
+<p:sld xmlns:a="http://schemas.openxmlformats.org/drawingml/2006/main" xmlns:r="http://schemas.openxmlformats.org/officeDocument/2006/relationships" xmlns:p="http://schemas.openxmlformats.org/presentationml/2006/main">
+  <p:cSld>
+    <p:spTree>
+      <p:nvGrpSpPr>
+        <p:cNvPr id="1" name=""/>
+        <p:cNvGrpSpPr/>
+        <p:nvPr/>
+      </p:nvGrpSpPr>
+      <p:grpSpPr>
+        <a:xfrm>
+          <a:off x="0" y="0"/>
+          <a:ext cx="0" cy="0"/>
+          <a:chOff x="0" y="0"/>
+          <a:chExt cx="0" cy="0"/>
+        </a:xfrm>
+      </p:grpSpPr>
+      <p:sp>
+        <p:nvSpPr>
+          <p:cNvPr id="8" name="Rectangle 7">
+            <a:extLst>
+              <a:ext uri="{FF2B5EF4-FFF2-40B4-BE49-F238E27FC236}">
+                <a16:creationId xmlns="" xmlns:a16="http://schemas.microsoft.com/office/drawing/2014/main" id="{23962611-DFD5-4092-AAFD-559E3DFCE2C9}"/>
+              </a:ext>
+              <a:ext uri="{C183D7F6-B498-43B3-948B-1728B52AA6E4}">
+                <adec:decorative xmlns="" xmlns:adec="http://schemas.microsoft.com/office/drawing/2017/decorative" val="1"/>
+              </a:ext>
+            </a:extLst>
+          </p:cNvPr>
+          <p:cNvSpPr>
+            <a:spLocks noGrp="1" noRot="1" noChangeAspect="1" noMove="1" noResize="1" noEditPoints="1" noAdjustHandles="1" noChangeArrowheads="1" noChangeShapeType="1" noTextEdit="1"/>
+          </p:cNvSpPr>
+          <p:nvPr>
+            <p:extLst>
+              <p:ext uri="{386F3935-93C4-4BCD-93E2-E3B085C9AB24}">
+                <p16:designElem xmlns="" xmlns:p16="http://schemas.microsoft.com/office/powerpoint/2015/main" val="1"/>
+              </p:ext>
+            </p:extLst>
+          </p:nvPr>
+        </p:nvSpPr>
+        <p:spPr>
+          <a:xfrm>
+            <a:off x="475488" y="0"/>
+            <a:ext cx="10910292" cy="6858000"/>
+          </a:xfrm>
+          <a:prstGeom prst="rect">
+            <a:avLst/>
+          </a:prstGeom>
+          <a:gradFill>
+            <a:gsLst>
+              <a:gs pos="0">
+                <a:schemeClr val="accent1">
+                  <a:lumMod val="90000"/>
+                </a:schemeClr>
+              </a:gs>
+              <a:gs pos="25000">
+                <a:schemeClr val="accent1">
+                  <a:lumMod val="90000"/>
+                </a:schemeClr>
+              </a:gs>
+              <a:gs pos="94000">
+                <a:schemeClr val="bg2">
+                  <a:lumMod val="25000"/>
+                </a:schemeClr>
+              </a:gs>
+              <a:gs pos="100000">
+                <a:schemeClr val="bg2">
+                  <a:lumMod val="25000"/>
+                </a:schemeClr>
+              </a:gs>
+            </a:gsLst>
+            <a:lin ang="4200000" scaled="0"/>
+          </a:gradFill>
+          <a:ln>
+            <a:noFill/>
+          </a:ln>
+        </p:spPr>
+        <p:style>
+          <a:lnRef idx="2">
+            <a:schemeClr val="accent1">
+              <a:shade val="50000"/>
+            </a:schemeClr>
+          </a:lnRef>
+          <a:fillRef idx="1">
+            <a:schemeClr val="accent1"/>
+          </a:fillRef>
+          <a:effectRef idx="0">
+            <a:schemeClr val="accent1"/>
+          </a:effectRef>
+          <a:fontRef idx="minor">
+            <a:schemeClr val="lt1"/>
+          </a:fontRef>
+        </p:style>
+        <p:txBody>
+          <a:bodyPr rtlCol="0" anchor="ctr"/>
+          <a:lstStyle/>
+          <a:p>
+            <a:pPr algn="ctr"/>
+            <a:endParaRPr lang="en-US"/>
+          </a:p>
+        </p:txBody>
+      </p:sp>
+      <p:pic>
+        <p:nvPicPr>
+          <p:cNvPr id="10" name="Picture 9">
+            <a:extLst>
+              <a:ext uri="{FF2B5EF4-FFF2-40B4-BE49-F238E27FC236}">
+                <a16:creationId xmlns="" xmlns:a16="http://schemas.microsoft.com/office/drawing/2014/main" id="{2270F1FA-0425-408F-9861-80BF5AFB276D}"/>
+              </a:ext>
+              <a:ext uri="{C183D7F6-B498-43B3-948B-1728B52AA6E4}">
+                <adec:decorative xmlns="" xmlns:adec="http://schemas.microsoft.com/office/drawing/2017/decorative" val="1"/>
+              </a:ext>
+            </a:extLst>
+          </p:cNvPr>
+          <p:cNvPicPr>
+            <a:picLocks noGrp="1" noRot="1" noChangeAspect="1" noMove="1" noResize="1" noEditPoints="1" noAdjustHandles="1" noChangeArrowheads="1" noChangeShapeType="1" noCrop="1"/>
+          </p:cNvPicPr>
+          <p:nvPr>
+            <p:extLst>
+              <p:ext uri="{386F3935-93C4-4BCD-93E2-E3B085C9AB24}">
+                <p16:designElem xmlns="" xmlns:p16="http://schemas.microsoft.com/office/powerpoint/2015/main" val="1"/>
+              </p:ext>
+            </p:extLst>
+          </p:nvPr>
+        </p:nvPicPr>
+        <p:blipFill>
+          <a:blip r:embed="rId2">
+            <a:extLst>
+              <a:ext uri="{28A0092B-C50C-407E-A947-70E740481C1C}">
+                <a14:useLocalDpi xmlns:a14="http://schemas.microsoft.com/office/drawing/2010/main" val="0"/>
+              </a:ext>
+            </a:extLst>
+          </a:blip>
+          <a:stretch>
+            <a:fillRect/>
+          </a:stretch>
+        </p:blipFill>
+        <p:spPr>
+          <a:xfrm>
+            <a:off x="0" y="0"/>
+            <a:ext cx="12192000" cy="6858000"/>
+          </a:xfrm>
+          <a:prstGeom prst="rect">
+            <a:avLst/>
+          </a:prstGeom>
+        </p:spPr>
+      </p:pic>
+      <p:sp>
+        <p:nvSpPr>
+          <p:cNvPr id="2" name="כותרת 1">
+            <a:extLst>
+              <a:ext uri="{FF2B5EF4-FFF2-40B4-BE49-F238E27FC236}">
+                <a16:creationId xmlns="" xmlns:a16="http://schemas.microsoft.com/office/drawing/2014/main" id="{1C0DC20E-400E-4C3E-BF17-A3CDCFCE20BB}"/>
+              </a:ext>
+            </a:extLst>
+          </p:cNvPr>
+          <p:cNvSpPr>
+            <a:spLocks noGrp="1"/>
+          </p:cNvSpPr>
+          <p:nvPr>
+            <p:ph type="ctrTitle"/>
+          </p:nvPr>
+        </p:nvSpPr>
+        <p:spPr>
+          <a:xfrm>
+            <a:off x="2878037" y="2470882"/>
+            <a:ext cx="6105194" cy="2031055"/>
+          </a:xfrm>
+        </p:spPr>
+        <p:txBody>
+          <a:bodyPr>
+            <a:noAutofit/>
+          </a:bodyPr>
+          <a:lstStyle/>
+          <a:p>
+            <a:r>
+              <a:rPr lang="en-US" sz="13800" b="1" dirty="0">
+                <a:solidFill>
+                  <a:srgbClr val="FFFFFF"/>
+                </a:solidFill>
+                <a:latin typeface="Open Sans Hebrew Light" panose="00000400000000000000" pitchFamily="2" charset="-79"/>
+                <a:cs typeface="Open Sans Hebrew Light" panose="00000400000000000000" pitchFamily="2" charset="-79"/>
+              </a:rPr>
+              <a:t>Parts</a:t>
+            </a:r>
+            <a:endParaRPr lang="he-IL" sz="13800" dirty="0">
+              <a:solidFill>
+                <a:srgbClr val="FFFFFF"/>
+              </a:solidFill>
+              <a:latin typeface="Open Sans Hebrew Light" panose="00000400000000000000" pitchFamily="2" charset="-79"/>
+              <a:cs typeface="Open Sans Hebrew Light" panose="00000400000000000000" pitchFamily="2" charset="-79"/>
+            </a:endParaRPr>
+          </a:p>
+        </p:txBody>
+      </p:sp>
+    </p:spTree>
+    <p:extLst>
+      <p:ext uri="{BB962C8B-B14F-4D97-AF65-F5344CB8AC3E}">
+        <p14:creationId xmlns:p14="http://schemas.microsoft.com/office/powerpoint/2010/main" val="1948164079"/>
+      </p:ext>
+    </p:extLst>
+  </p:cSld>
+  <p:clrMapOvr>
+    <a:masterClrMapping/>
+  </p:clrMapOvr>
+  <p:timing>
+    <p:tnLst>
+      <p:par>
+        <p:cTn id="1" dur="indefinite" restart="never" nodeType="tmRoot"/>
+      </p:par>
+    </p:tnLst>
+  </p:timing>
+</p:sld>
+</file>
+
+<file path=ppt/slides/slide11.xml><?xml version="1.0" encoding="utf-8"?>
 <p:sld xmlns:a="http://schemas.openxmlformats.org/drawingml/2006/main" xmlns:r="http://schemas.openxmlformats.org/officeDocument/2006/relationships" xmlns:p="http://schemas.openxmlformats.org/presentationml/2006/main">
   <p:cSld>
     <p:spTree>
@@ -11872,7 +12204,7 @@
               <a:pPr>
                 <a:buSzPts val="1100"/>
               </a:pPr>
-              <a:t>10</a:t>
+              <a:t>11</a:t>
             </a:fld>
             <a:endParaRPr/>
           </a:p>
@@ -12077,10 +12409,17 @@
   <p:clrMapOvr>
     <a:masterClrMapping/>
   </p:clrMapOvr>
+  <p:timing>
+    <p:tnLst>
+      <p:par>
+        <p:cTn id="1" dur="indefinite" restart="never" nodeType="tmRoot"/>
+      </p:par>
+    </p:tnLst>
+  </p:timing>
 </p:sld>
 </file>
 
-<file path=ppt/slides/slide11.xml><?xml version="1.0" encoding="utf-8"?>
+<file path=ppt/slides/slide12.xml><?xml version="1.0" encoding="utf-8"?>
 <p:sld xmlns:a="http://schemas.openxmlformats.org/drawingml/2006/main" xmlns:r="http://schemas.openxmlformats.org/officeDocument/2006/relationships" xmlns:p="http://schemas.openxmlformats.org/presentationml/2006/main">
   <p:cSld>
     <p:bg>
@@ -12137,7 +12476,7 @@
             <a:fld id="{00000000-1234-1234-1234-123412341234}" type="slidenum">
               <a:rPr lang="en"/>
               <a:pPr/>
-              <a:t>11</a:t>
+              <a:t>12</a:t>
             </a:fld>
             <a:endParaRPr/>
           </a:p>
@@ -12680,10 +13019,17 @@
   <p:clrMapOvr>
     <a:masterClrMapping/>
   </p:clrMapOvr>
+  <p:timing>
+    <p:tnLst>
+      <p:par>
+        <p:cTn id="1" dur="indefinite" restart="never" nodeType="tmRoot"/>
+      </p:par>
+    </p:tnLst>
+  </p:timing>
 </p:sld>
 </file>
 
-<file path=ppt/slides/slide12.xml><?xml version="1.0" encoding="utf-8"?>
+<file path=ppt/slides/slide13.xml><?xml version="1.0" encoding="utf-8"?>
 <p:sld xmlns:a="http://schemas.openxmlformats.org/drawingml/2006/main" xmlns:r="http://schemas.openxmlformats.org/officeDocument/2006/relationships" xmlns:p="http://schemas.openxmlformats.org/presentationml/2006/main">
   <p:cSld>
     <p:bg>
@@ -12740,7 +13086,7 @@
             <a:fld id="{00000000-1234-1234-1234-123412341234}" type="slidenum">
               <a:rPr lang="en"/>
               <a:pPr/>
-              <a:t>12</a:t>
+              <a:t>13</a:t>
             </a:fld>
             <a:endParaRPr/>
           </a:p>
@@ -13283,10 +13629,17 @@
   <p:clrMapOvr>
     <a:masterClrMapping/>
   </p:clrMapOvr>
+  <p:timing>
+    <p:tnLst>
+      <p:par>
+        <p:cTn id="1" dur="indefinite" restart="never" nodeType="tmRoot"/>
+      </p:par>
+    </p:tnLst>
+  </p:timing>
 </p:sld>
 </file>
 
-<file path=ppt/slides/slide13.xml><?xml version="1.0" encoding="utf-8"?>
+<file path=ppt/slides/slide14.xml><?xml version="1.0" encoding="utf-8"?>
 <p:sld xmlns:a="http://schemas.openxmlformats.org/drawingml/2006/main" xmlns:r="http://schemas.openxmlformats.org/officeDocument/2006/relationships" xmlns:p="http://schemas.openxmlformats.org/presentationml/2006/main">
   <p:cSld>
     <p:bg>
@@ -13343,7 +13696,7 @@
             <a:fld id="{00000000-1234-1234-1234-123412341234}" type="slidenum">
               <a:rPr lang="en"/>
               <a:pPr/>
-              <a:t>13</a:t>
+              <a:t>14</a:t>
             </a:fld>
             <a:endParaRPr/>
           </a:p>
@@ -13886,10 +14239,17 @@
   <p:clrMapOvr>
     <a:masterClrMapping/>
   </p:clrMapOvr>
+  <p:timing>
+    <p:tnLst>
+      <p:par>
+        <p:cTn id="1" dur="indefinite" restart="never" nodeType="tmRoot"/>
+      </p:par>
+    </p:tnLst>
+  </p:timing>
 </p:sld>
 </file>
 
-<file path=ppt/slides/slide14.xml><?xml version="1.0" encoding="utf-8"?>
+<file path=ppt/slides/slide15.xml><?xml version="1.0" encoding="utf-8"?>
 <p:sld xmlns:a="http://schemas.openxmlformats.org/drawingml/2006/main" xmlns:r="http://schemas.openxmlformats.org/officeDocument/2006/relationships" xmlns:p="http://schemas.openxmlformats.org/presentationml/2006/main">
   <p:cSld>
     <p:spTree>
@@ -14054,7 +14414,7 @@
               <a:pPr>
                 <a:buSzPts val="1100"/>
               </a:pPr>
-              <a:t>14</a:t>
+              <a:t>15</a:t>
             </a:fld>
             <a:endParaRPr/>
           </a:p>
@@ -14259,10 +14619,17 @@
   <p:clrMapOvr>
     <a:masterClrMapping/>
   </p:clrMapOvr>
+  <p:timing>
+    <p:tnLst>
+      <p:par>
+        <p:cTn id="1" dur="indefinite" restart="never" nodeType="tmRoot"/>
+      </p:par>
+    </p:tnLst>
+  </p:timing>
 </p:sld>
 </file>
 
-<file path=ppt/slides/slide15.xml><?xml version="1.0" encoding="utf-8"?>
+<file path=ppt/slides/slide16.xml><?xml version="1.0" encoding="utf-8"?>
 <p:sld xmlns:a="http://schemas.openxmlformats.org/drawingml/2006/main" xmlns:r="http://schemas.openxmlformats.org/officeDocument/2006/relationships" xmlns:p="http://schemas.openxmlformats.org/presentationml/2006/main">
   <p:cSld>
     <p:bg>
@@ -14319,7 +14686,7 @@
             <a:fld id="{00000000-1234-1234-1234-123412341234}" type="slidenum">
               <a:rPr lang="en"/>
               <a:pPr/>
-              <a:t>15</a:t>
+              <a:t>16</a:t>
             </a:fld>
             <a:endParaRPr/>
           </a:p>
@@ -14820,7 +15187,7 @@
           <p:cNvPr id="4" name="Picture 3">
             <a:extLst>
               <a:ext uri="{FF2B5EF4-FFF2-40B4-BE49-F238E27FC236}">
-                <a16:creationId xmlns:a16="http://schemas.microsoft.com/office/drawing/2014/main" xmlns="" id="{94C2DCA4-624E-4232-B21D-CFCEDDB60497}"/>
+                <a16:creationId xmlns="" xmlns:a16="http://schemas.microsoft.com/office/drawing/2014/main" id="{94C2DCA4-624E-4232-B21D-CFCEDDB60497}"/>
               </a:ext>
             </a:extLst>
           </p:cNvPr>
@@ -14850,7 +15217,7 @@
           <p:cNvPr id="3" name="Picture 2">
             <a:extLst>
               <a:ext uri="{FF2B5EF4-FFF2-40B4-BE49-F238E27FC236}">
-                <a16:creationId xmlns:a16="http://schemas.microsoft.com/office/drawing/2014/main" xmlns="" id="{C67DDB77-9FFE-40CC-98F4-E72E9C8A19DB}"/>
+                <a16:creationId xmlns="" xmlns:a16="http://schemas.microsoft.com/office/drawing/2014/main" id="{C67DDB77-9FFE-40CC-98F4-E72E9C8A19DB}"/>
               </a:ext>
             </a:extLst>
           </p:cNvPr>
@@ -14885,10 +15252,17 @@
   <p:clrMapOvr>
     <a:masterClrMapping/>
   </p:clrMapOvr>
+  <p:timing>
+    <p:tnLst>
+      <p:par>
+        <p:cTn id="1" dur="indefinite" restart="never" nodeType="tmRoot"/>
+      </p:par>
+    </p:tnLst>
+  </p:timing>
 </p:sld>
 </file>
 
-<file path=ppt/slides/slide16.xml><?xml version="1.0" encoding="utf-8"?>
+<file path=ppt/slides/slide17.xml><?xml version="1.0" encoding="utf-8"?>
 <p:sld xmlns:a="http://schemas.openxmlformats.org/drawingml/2006/main" xmlns:r="http://schemas.openxmlformats.org/officeDocument/2006/relationships" xmlns:p="http://schemas.openxmlformats.org/presentationml/2006/main">
   <p:cSld>
     <p:bg>
@@ -14945,7 +15319,7 @@
             <a:fld id="{00000000-1234-1234-1234-123412341234}" type="slidenum">
               <a:rPr lang="en"/>
               <a:pPr/>
-              <a:t>16</a:t>
+              <a:t>17</a:t>
             </a:fld>
             <a:endParaRPr/>
           </a:p>
@@ -15462,7 +15836,7 @@
           <p:cNvPr id="2" name="תמונה 1">
             <a:extLst>
               <a:ext uri="{FF2B5EF4-FFF2-40B4-BE49-F238E27FC236}">
-                <a16:creationId xmlns:a16="http://schemas.microsoft.com/office/drawing/2014/main" xmlns="" id="{CF1207F4-EA12-408A-8C74-E2266ECDEF66}"/>
+                <a16:creationId xmlns="" xmlns:a16="http://schemas.microsoft.com/office/drawing/2014/main" id="{CF1207F4-EA12-408A-8C74-E2266ECDEF66}"/>
               </a:ext>
             </a:extLst>
           </p:cNvPr>
@@ -15497,10 +15871,17 @@
   <p:clrMapOvr>
     <a:masterClrMapping/>
   </p:clrMapOvr>
+  <p:timing>
+    <p:tnLst>
+      <p:par>
+        <p:cTn id="1" dur="indefinite" restart="never" nodeType="tmRoot"/>
+      </p:par>
+    </p:tnLst>
+  </p:timing>
 </p:sld>
 </file>
 
-<file path=ppt/slides/slide17.xml><?xml version="1.0" encoding="utf-8"?>
+<file path=ppt/slides/slide18.xml><?xml version="1.0" encoding="utf-8"?>
 <p:sld xmlns:a="http://schemas.openxmlformats.org/drawingml/2006/main" xmlns:r="http://schemas.openxmlformats.org/officeDocument/2006/relationships" xmlns:p="http://schemas.openxmlformats.org/presentationml/2006/main">
   <p:cSld>
     <p:bg>
@@ -15557,7 +15938,7 @@
             <a:fld id="{00000000-1234-1234-1234-123412341234}" type="slidenum">
               <a:rPr lang="en"/>
               <a:pPr/>
-              <a:t>17</a:t>
+              <a:t>18</a:t>
             </a:fld>
             <a:endParaRPr/>
           </a:p>
@@ -16087,7 +16468,7 @@
           <p:cNvPr id="2" name="תמונה 1">
             <a:extLst>
               <a:ext uri="{FF2B5EF4-FFF2-40B4-BE49-F238E27FC236}">
-                <a16:creationId xmlns:a16="http://schemas.microsoft.com/office/drawing/2014/main" xmlns="" id="{2266253C-0DAF-434B-B161-DB83F0C17D55}"/>
+                <a16:creationId xmlns="" xmlns:a16="http://schemas.microsoft.com/office/drawing/2014/main" id="{2266253C-0DAF-434B-B161-DB83F0C17D55}"/>
               </a:ext>
             </a:extLst>
           </p:cNvPr>
@@ -16122,10 +16503,17 @@
   <p:clrMapOvr>
     <a:masterClrMapping/>
   </p:clrMapOvr>
+  <p:timing>
+    <p:tnLst>
+      <p:par>
+        <p:cTn id="1" dur="indefinite" restart="never" nodeType="tmRoot"/>
+      </p:par>
+    </p:tnLst>
+  </p:timing>
 </p:sld>
 </file>
 
-<file path=ppt/slides/slide18.xml><?xml version="1.0" encoding="utf-8"?>
+<file path=ppt/slides/slide19.xml><?xml version="1.0" encoding="utf-8"?>
 <p:sld xmlns:a="http://schemas.openxmlformats.org/drawingml/2006/main" xmlns:r="http://schemas.openxmlformats.org/officeDocument/2006/relationships" xmlns:p="http://schemas.openxmlformats.org/presentationml/2006/main">
   <p:cSld>
     <p:bg>
@@ -16182,7 +16570,7 @@
             <a:fld id="{00000000-1234-1234-1234-123412341234}" type="slidenum">
               <a:rPr lang="en"/>
               <a:pPr/>
-              <a:t>18</a:t>
+              <a:t>19</a:t>
             </a:fld>
             <a:endParaRPr/>
           </a:p>
@@ -16699,7 +17087,7 @@
           <p:cNvPr id="3" name="Picture 2">
             <a:extLst>
               <a:ext uri="{FF2B5EF4-FFF2-40B4-BE49-F238E27FC236}">
-                <a16:creationId xmlns:a16="http://schemas.microsoft.com/office/drawing/2014/main" xmlns="" id="{39BB365F-A38B-41EC-B4AB-89E527569052}"/>
+                <a16:creationId xmlns="" xmlns:a16="http://schemas.microsoft.com/office/drawing/2014/main" id="{39BB365F-A38B-41EC-B4AB-89E527569052}"/>
               </a:ext>
             </a:extLst>
           </p:cNvPr>
@@ -16734,10 +17122,266 @@
   <p:clrMapOvr>
     <a:masterClrMapping/>
   </p:clrMapOvr>
+  <p:timing>
+    <p:tnLst>
+      <p:par>
+        <p:cTn id="1" dur="indefinite" restart="never" nodeType="tmRoot"/>
+      </p:par>
+    </p:tnLst>
+  </p:timing>
 </p:sld>
 </file>
 
-<file path=ppt/slides/slide19.xml><?xml version="1.0" encoding="utf-8"?>
+<file path=ppt/slides/slide2.xml><?xml version="1.0" encoding="utf-8"?>
+<p:sld xmlns:a="http://schemas.openxmlformats.org/drawingml/2006/main" xmlns:r="http://schemas.openxmlformats.org/officeDocument/2006/relationships" xmlns:p="http://schemas.openxmlformats.org/presentationml/2006/main">
+  <p:cSld>
+    <p:spTree>
+      <p:nvGrpSpPr>
+        <p:cNvPr id="1" name=""/>
+        <p:cNvGrpSpPr/>
+        <p:nvPr/>
+      </p:nvGrpSpPr>
+      <p:grpSpPr>
+        <a:xfrm>
+          <a:off x="0" y="0"/>
+          <a:ext cx="0" cy="0"/>
+          <a:chOff x="0" y="0"/>
+          <a:chExt cx="0" cy="0"/>
+        </a:xfrm>
+      </p:grpSpPr>
+      <p:sp>
+        <p:nvSpPr>
+          <p:cNvPr id="10" name="Rectangle 9">
+            <a:extLst>
+              <a:ext uri="{FF2B5EF4-FFF2-40B4-BE49-F238E27FC236}">
+                <a16:creationId xmlns="" xmlns:a16="http://schemas.microsoft.com/office/drawing/2014/main" id="{08E89D5E-1885-4160-AC77-CC471DD1D0DB}"/>
+              </a:ext>
+              <a:ext uri="{C183D7F6-B498-43B3-948B-1728B52AA6E4}">
+                <adec:decorative xmlns="" xmlns:adec="http://schemas.microsoft.com/office/drawing/2017/decorative" val="1"/>
+              </a:ext>
+            </a:extLst>
+          </p:cNvPr>
+          <p:cNvSpPr>
+            <a:spLocks noGrp="1" noRot="1" noChangeAspect="1" noMove="1" noResize="1" noEditPoints="1" noAdjustHandles="1" noChangeArrowheads="1" noChangeShapeType="1" noTextEdit="1"/>
+          </p:cNvSpPr>
+          <p:nvPr>
+            <p:extLst>
+              <p:ext uri="{386F3935-93C4-4BCD-93E2-E3B085C9AB24}">
+                <p16:designElem xmlns="" xmlns:p16="http://schemas.microsoft.com/office/powerpoint/2015/main" val="1"/>
+              </p:ext>
+            </p:extLst>
+          </p:nvPr>
+        </p:nvSpPr>
+        <p:spPr>
+          <a:xfrm>
+            <a:off x="0" y="0"/>
+            <a:ext cx="4636008" cy="6858000"/>
+          </a:xfrm>
+          <a:prstGeom prst="rect">
+            <a:avLst/>
+          </a:prstGeom>
+          <a:ln>
+            <a:noFill/>
+          </a:ln>
+        </p:spPr>
+        <p:style>
+          <a:lnRef idx="2">
+            <a:schemeClr val="accent1">
+              <a:shade val="50000"/>
+            </a:schemeClr>
+          </a:lnRef>
+          <a:fillRef idx="1">
+            <a:schemeClr val="accent1"/>
+          </a:fillRef>
+          <a:effectRef idx="0">
+            <a:schemeClr val="accent1"/>
+          </a:effectRef>
+          <a:fontRef idx="minor">
+            <a:schemeClr val="lt1"/>
+          </a:fontRef>
+        </p:style>
+        <p:txBody>
+          <a:bodyPr rtlCol="0" anchor="ctr"/>
+          <a:lstStyle/>
+          <a:p>
+            <a:pPr algn="ctr"/>
+            <a:endParaRPr lang="en-US"/>
+          </a:p>
+        </p:txBody>
+      </p:sp>
+      <p:sp>
+        <p:nvSpPr>
+          <p:cNvPr id="2" name="כותרת 1">
+            <a:extLst>
+              <a:ext uri="{FF2B5EF4-FFF2-40B4-BE49-F238E27FC236}">
+                <a16:creationId xmlns="" xmlns:a16="http://schemas.microsoft.com/office/drawing/2014/main" id="{5C005CA9-66C8-41C7-839D-A87CFCB40A45}"/>
+              </a:ext>
+            </a:extLst>
+          </p:cNvPr>
+          <p:cNvSpPr>
+            <a:spLocks noGrp="1"/>
+          </p:cNvSpPr>
+          <p:nvPr>
+            <p:ph type="title"/>
+          </p:nvPr>
+        </p:nvSpPr>
+        <p:spPr>
+          <a:xfrm>
+            <a:off x="762000" y="869666"/>
+            <a:ext cx="3370998" cy="5502264"/>
+          </a:xfrm>
+        </p:spPr>
+        <p:txBody>
+          <a:bodyPr>
+            <a:normAutofit/>
+          </a:bodyPr>
+          <a:lstStyle/>
+          <a:p>
+            <a:r>
+              <a:rPr lang="en-US" sz="3200" b="1" u="sng" dirty="0">
+                <a:solidFill>
+                  <a:srgbClr val="FFFFFF"/>
+                </a:solidFill>
+                <a:latin typeface="BN Balls" panose="02000500000000000000" pitchFamily="2" charset="-79"/>
+                <a:cs typeface="BN Balls" panose="02000500000000000000" pitchFamily="2" charset="-79"/>
+              </a:rPr>
+              <a:t>Introduction</a:t>
+            </a:r>
+            <a:r>
+              <a:rPr lang="en-US" sz="3200" dirty="0">
+                <a:solidFill>
+                  <a:srgbClr val="FFFFFF"/>
+                </a:solidFill>
+                <a:latin typeface="BN Balls" panose="02000500000000000000" pitchFamily="2" charset="-79"/>
+                <a:cs typeface="BN Balls" panose="02000500000000000000" pitchFamily="2" charset="-79"/>
+              </a:rPr>
+              <a:t/>
+            </a:r>
+            <a:br>
+              <a:rPr lang="en-US" sz="3200" dirty="0">
+                <a:solidFill>
+                  <a:srgbClr val="FFFFFF"/>
+                </a:solidFill>
+                <a:latin typeface="BN Balls" panose="02000500000000000000" pitchFamily="2" charset="-79"/>
+                <a:cs typeface="BN Balls" panose="02000500000000000000" pitchFamily="2" charset="-79"/>
+              </a:rPr>
+            </a:br>
+            <a:endParaRPr lang="he-IL" sz="3200" dirty="0">
+              <a:solidFill>
+                <a:srgbClr val="FFFFFF"/>
+              </a:solidFill>
+              <a:latin typeface="BN Balls" panose="02000500000000000000" pitchFamily="2" charset="-79"/>
+              <a:cs typeface="BN Balls" panose="02000500000000000000" pitchFamily="2" charset="-79"/>
+            </a:endParaRPr>
+          </a:p>
+        </p:txBody>
+      </p:sp>
+      <p:cxnSp>
+        <p:nvCxnSpPr>
+          <p:cNvPr id="12" name="Straight Connector 11">
+            <a:extLst>
+              <a:ext uri="{FF2B5EF4-FFF2-40B4-BE49-F238E27FC236}">
+                <a16:creationId xmlns="" xmlns:a16="http://schemas.microsoft.com/office/drawing/2014/main" id="{550D2BD1-98F9-412D-905B-3A843EF4078B}"/>
+              </a:ext>
+              <a:ext uri="{C183D7F6-B498-43B3-948B-1728B52AA6E4}">
+                <adec:decorative xmlns="" xmlns:adec="http://schemas.microsoft.com/office/drawing/2017/decorative" val="1"/>
+              </a:ext>
+            </a:extLst>
+          </p:cNvPr>
+          <p:cNvCxnSpPr>
+            <a:cxnSpLocks noGrp="1" noRot="1" noChangeAspect="1" noMove="1" noResize="1" noEditPoints="1" noAdjustHandles="1" noChangeArrowheads="1" noChangeShapeType="1"/>
+          </p:cNvCxnSpPr>
+          <p:nvPr>
+            <p:extLst>
+              <p:ext uri="{386F3935-93C4-4BCD-93E2-E3B085C9AB24}">
+                <p16:designElem xmlns="" xmlns:p16="http://schemas.microsoft.com/office/powerpoint/2015/main" val="1"/>
+              </p:ext>
+            </p:extLst>
+          </p:nvPr>
+        </p:nvCxnSpPr>
+        <p:spPr>
+          <a:xfrm flipV="1">
+            <a:off x="762000" y="2971800"/>
+            <a:ext cx="0" cy="914400"/>
+          </a:xfrm>
+          <a:prstGeom prst="line">
+            <a:avLst/>
+          </a:prstGeom>
+          <a:ln w="19050">
+            <a:solidFill>
+              <a:srgbClr val="FFFFFF">
+                <a:alpha val="80000"/>
+              </a:srgbClr>
+            </a:solidFill>
+          </a:ln>
+        </p:spPr>
+        <p:style>
+          <a:lnRef idx="1">
+            <a:schemeClr val="accent1"/>
+          </a:lnRef>
+          <a:fillRef idx="0">
+            <a:schemeClr val="accent1"/>
+          </a:fillRef>
+          <a:effectRef idx="0">
+            <a:schemeClr val="accent1"/>
+          </a:effectRef>
+          <a:fontRef idx="minor">
+            <a:schemeClr val="tx1"/>
+          </a:fontRef>
+        </p:style>
+      </p:cxnSp>
+      <p:graphicFrame>
+        <p:nvGraphicFramePr>
+          <p:cNvPr id="5" name="מציין מיקום תוכן 2">
+            <a:extLst>
+              <a:ext uri="{FF2B5EF4-FFF2-40B4-BE49-F238E27FC236}">
+                <a16:creationId xmlns="" xmlns:a16="http://schemas.microsoft.com/office/drawing/2014/main" id="{AAA74886-9BB5-4F86-AFC1-410E25361379}"/>
+              </a:ext>
+            </a:extLst>
+          </p:cNvPr>
+          <p:cNvGraphicFramePr>
+            <a:graphicFrameLocks noGrp="1"/>
+          </p:cNvGraphicFramePr>
+          <p:nvPr>
+            <p:ph idx="1"/>
+            <p:extLst>
+              <p:ext uri="{D42A27DB-BD31-4B8C-83A1-F6EECF244321}">
+                <p14:modId xmlns:p14="http://schemas.microsoft.com/office/powerpoint/2010/main" val="580805853"/>
+              </p:ext>
+            </p:extLst>
+          </p:nvPr>
+        </p:nvGraphicFramePr>
+        <p:xfrm>
+          <a:off x="5280025" y="642938"/>
+          <a:ext cx="6269038" cy="5572125"/>
+        </p:xfrm>
+        <a:graphic>
+          <a:graphicData uri="http://schemas.openxmlformats.org/drawingml/2006/diagram">
+            <dgm:relIds xmlns:dgm="http://schemas.openxmlformats.org/drawingml/2006/diagram" xmlns:r="http://schemas.openxmlformats.org/officeDocument/2006/relationships" r:dm="rId2" r:lo="rId3" r:qs="rId4" r:cs="rId5"/>
+          </a:graphicData>
+        </a:graphic>
+      </p:graphicFrame>
+    </p:spTree>
+    <p:extLst>
+      <p:ext uri="{BB962C8B-B14F-4D97-AF65-F5344CB8AC3E}">
+        <p14:creationId xmlns:p14="http://schemas.microsoft.com/office/powerpoint/2010/main" val="825447180"/>
+      </p:ext>
+    </p:extLst>
+  </p:cSld>
+  <p:clrMapOvr>
+    <a:masterClrMapping/>
+  </p:clrMapOvr>
+  <p:timing>
+    <p:tnLst>
+      <p:par>
+        <p:cTn id="1" dur="indefinite" restart="never" nodeType="tmRoot"/>
+      </p:par>
+    </p:tnLst>
+  </p:timing>
+</p:sld>
+</file>
+
+<file path=ppt/slides/slide20.xml><?xml version="1.0" encoding="utf-8"?>
 <p:sld xmlns:a="http://schemas.openxmlformats.org/drawingml/2006/main" xmlns:r="http://schemas.openxmlformats.org/officeDocument/2006/relationships" xmlns:p="http://schemas.openxmlformats.org/presentationml/2006/main">
   <p:cSld>
     <p:spTree>
@@ -16759,10 +17403,10 @@
           <p:cNvPr id="8" name="Rectangle 7">
             <a:extLst>
               <a:ext uri="{FF2B5EF4-FFF2-40B4-BE49-F238E27FC236}">
-                <a16:creationId xmlns:a16="http://schemas.microsoft.com/office/drawing/2014/main" xmlns="" id="{23962611-DFD5-4092-AAFD-559E3DFCE2C9}"/>
+                <a16:creationId xmlns="" xmlns:a16="http://schemas.microsoft.com/office/drawing/2014/main" id="{23962611-DFD5-4092-AAFD-559E3DFCE2C9}"/>
               </a:ext>
               <a:ext uri="{C183D7F6-B498-43B3-948B-1728B52AA6E4}">
-                <adec:decorative xmlns:adec="http://schemas.microsoft.com/office/drawing/2017/decorative" xmlns="" val="1"/>
+                <adec:decorative xmlns="" xmlns:adec="http://schemas.microsoft.com/office/drawing/2017/decorative" val="1"/>
               </a:ext>
             </a:extLst>
           </p:cNvPr>
@@ -16772,7 +17416,7 @@
           <p:nvPr>
             <p:extLst>
               <p:ext uri="{386F3935-93C4-4BCD-93E2-E3B085C9AB24}">
-                <p16:designElem xmlns:p16="http://schemas.microsoft.com/office/powerpoint/2015/main" xmlns="" val="1"/>
+                <p16:designElem xmlns="" xmlns:p16="http://schemas.microsoft.com/office/powerpoint/2015/main" val="1"/>
               </p:ext>
             </p:extLst>
           </p:nvPr>
@@ -16844,10 +17488,10 @@
           <p:cNvPr id="10" name="Picture 9">
             <a:extLst>
               <a:ext uri="{FF2B5EF4-FFF2-40B4-BE49-F238E27FC236}">
-                <a16:creationId xmlns:a16="http://schemas.microsoft.com/office/drawing/2014/main" xmlns="" id="{2270F1FA-0425-408F-9861-80BF5AFB276D}"/>
+                <a16:creationId xmlns="" xmlns:a16="http://schemas.microsoft.com/office/drawing/2014/main" id="{2270F1FA-0425-408F-9861-80BF5AFB276D}"/>
               </a:ext>
               <a:ext uri="{C183D7F6-B498-43B3-948B-1728B52AA6E4}">
-                <adec:decorative xmlns:adec="http://schemas.microsoft.com/office/drawing/2017/decorative" xmlns="" val="1"/>
+                <adec:decorative xmlns="" xmlns:adec="http://schemas.microsoft.com/office/drawing/2017/decorative" val="1"/>
               </a:ext>
             </a:extLst>
           </p:cNvPr>
@@ -16857,7 +17501,7 @@
           <p:nvPr>
             <p:extLst>
               <p:ext uri="{386F3935-93C4-4BCD-93E2-E3B085C9AB24}">
-                <p16:designElem xmlns:p16="http://schemas.microsoft.com/office/powerpoint/2015/main" xmlns="" val="1"/>
+                <p16:designElem xmlns="" xmlns:p16="http://schemas.microsoft.com/office/powerpoint/2015/main" val="1"/>
               </p:ext>
             </p:extLst>
           </p:nvPr>
@@ -16889,7 +17533,7 @@
           <p:cNvPr id="2" name="כותרת 1">
             <a:extLst>
               <a:ext uri="{FF2B5EF4-FFF2-40B4-BE49-F238E27FC236}">
-                <a16:creationId xmlns:a16="http://schemas.microsoft.com/office/drawing/2014/main" xmlns="" id="{1C0DC20E-400E-4C3E-BF17-A3CDCFCE20BB}"/>
+                <a16:creationId xmlns="" xmlns:a16="http://schemas.microsoft.com/office/drawing/2014/main" id="{1C0DC20E-400E-4C3E-BF17-A3CDCFCE20BB}"/>
               </a:ext>
             </a:extLst>
           </p:cNvPr>
@@ -16938,252 +17582,17 @@
   <p:clrMapOvr>
     <a:masterClrMapping/>
   </p:clrMapOvr>
+  <p:timing>
+    <p:tnLst>
+      <p:par>
+        <p:cTn id="1" dur="indefinite" restart="never" nodeType="tmRoot"/>
+      </p:par>
+    </p:tnLst>
+  </p:timing>
 </p:sld>
 </file>
 
-<file path=ppt/slides/slide2.xml><?xml version="1.0" encoding="utf-8"?>
-<p:sld xmlns:a="http://schemas.openxmlformats.org/drawingml/2006/main" xmlns:r="http://schemas.openxmlformats.org/officeDocument/2006/relationships" xmlns:p="http://schemas.openxmlformats.org/presentationml/2006/main">
-  <p:cSld>
-    <p:spTree>
-      <p:nvGrpSpPr>
-        <p:cNvPr id="1" name=""/>
-        <p:cNvGrpSpPr/>
-        <p:nvPr/>
-      </p:nvGrpSpPr>
-      <p:grpSpPr>
-        <a:xfrm>
-          <a:off x="0" y="0"/>
-          <a:ext cx="0" cy="0"/>
-          <a:chOff x="0" y="0"/>
-          <a:chExt cx="0" cy="0"/>
-        </a:xfrm>
-      </p:grpSpPr>
-      <p:sp>
-        <p:nvSpPr>
-          <p:cNvPr id="10" name="Rectangle 9">
-            <a:extLst>
-              <a:ext uri="{FF2B5EF4-FFF2-40B4-BE49-F238E27FC236}">
-                <a16:creationId xmlns:a16="http://schemas.microsoft.com/office/drawing/2014/main" xmlns="" id="{08E89D5E-1885-4160-AC77-CC471DD1D0DB}"/>
-              </a:ext>
-              <a:ext uri="{C183D7F6-B498-43B3-948B-1728B52AA6E4}">
-                <adec:decorative xmlns:adec="http://schemas.microsoft.com/office/drawing/2017/decorative" xmlns="" val="1"/>
-              </a:ext>
-            </a:extLst>
-          </p:cNvPr>
-          <p:cNvSpPr>
-            <a:spLocks noGrp="1" noRot="1" noChangeAspect="1" noMove="1" noResize="1" noEditPoints="1" noAdjustHandles="1" noChangeArrowheads="1" noChangeShapeType="1" noTextEdit="1"/>
-          </p:cNvSpPr>
-          <p:nvPr>
-            <p:extLst>
-              <p:ext uri="{386F3935-93C4-4BCD-93E2-E3B085C9AB24}">
-                <p16:designElem xmlns:p16="http://schemas.microsoft.com/office/powerpoint/2015/main" xmlns="" val="1"/>
-              </p:ext>
-            </p:extLst>
-          </p:nvPr>
-        </p:nvSpPr>
-        <p:spPr>
-          <a:xfrm>
-            <a:off x="0" y="0"/>
-            <a:ext cx="4636008" cy="6858000"/>
-          </a:xfrm>
-          <a:prstGeom prst="rect">
-            <a:avLst/>
-          </a:prstGeom>
-          <a:ln>
-            <a:noFill/>
-          </a:ln>
-        </p:spPr>
-        <p:style>
-          <a:lnRef idx="2">
-            <a:schemeClr val="accent1">
-              <a:shade val="50000"/>
-            </a:schemeClr>
-          </a:lnRef>
-          <a:fillRef idx="1">
-            <a:schemeClr val="accent1"/>
-          </a:fillRef>
-          <a:effectRef idx="0">
-            <a:schemeClr val="accent1"/>
-          </a:effectRef>
-          <a:fontRef idx="minor">
-            <a:schemeClr val="lt1"/>
-          </a:fontRef>
-        </p:style>
-        <p:txBody>
-          <a:bodyPr rtlCol="0" anchor="ctr"/>
-          <a:lstStyle/>
-          <a:p>
-            <a:pPr algn="ctr"/>
-            <a:endParaRPr lang="en-US"/>
-          </a:p>
-        </p:txBody>
-      </p:sp>
-      <p:sp>
-        <p:nvSpPr>
-          <p:cNvPr id="2" name="כותרת 1">
-            <a:extLst>
-              <a:ext uri="{FF2B5EF4-FFF2-40B4-BE49-F238E27FC236}">
-                <a16:creationId xmlns:a16="http://schemas.microsoft.com/office/drawing/2014/main" xmlns="" id="{5C005CA9-66C8-41C7-839D-A87CFCB40A45}"/>
-              </a:ext>
-            </a:extLst>
-          </p:cNvPr>
-          <p:cNvSpPr>
-            <a:spLocks noGrp="1"/>
-          </p:cNvSpPr>
-          <p:nvPr>
-            <p:ph type="title"/>
-          </p:nvPr>
-        </p:nvSpPr>
-        <p:spPr>
-          <a:xfrm>
-            <a:off x="762000" y="869666"/>
-            <a:ext cx="3370998" cy="5502264"/>
-          </a:xfrm>
-        </p:spPr>
-        <p:txBody>
-          <a:bodyPr>
-            <a:normAutofit/>
-          </a:bodyPr>
-          <a:lstStyle/>
-          <a:p>
-            <a:r>
-              <a:rPr lang="en-US" sz="3200" b="1" u="sng" dirty="0">
-                <a:solidFill>
-                  <a:srgbClr val="FFFFFF"/>
-                </a:solidFill>
-                <a:latin typeface="BN Balls" panose="02000500000000000000" pitchFamily="2" charset="-79"/>
-                <a:cs typeface="BN Balls" panose="02000500000000000000" pitchFamily="2" charset="-79"/>
-              </a:rPr>
-              <a:t>Introduction</a:t>
-            </a:r>
-            <a:r>
-              <a:rPr lang="en-US" sz="3200" dirty="0">
-                <a:solidFill>
-                  <a:srgbClr val="FFFFFF"/>
-                </a:solidFill>
-                <a:latin typeface="BN Balls" panose="02000500000000000000" pitchFamily="2" charset="-79"/>
-                <a:cs typeface="BN Balls" panose="02000500000000000000" pitchFamily="2" charset="-79"/>
-              </a:rPr>
-              <a:t/>
-            </a:r>
-            <a:br>
-              <a:rPr lang="en-US" sz="3200" dirty="0">
-                <a:solidFill>
-                  <a:srgbClr val="FFFFFF"/>
-                </a:solidFill>
-                <a:latin typeface="BN Balls" panose="02000500000000000000" pitchFamily="2" charset="-79"/>
-                <a:cs typeface="BN Balls" panose="02000500000000000000" pitchFamily="2" charset="-79"/>
-              </a:rPr>
-            </a:br>
-            <a:endParaRPr lang="he-IL" sz="3200" dirty="0">
-              <a:solidFill>
-                <a:srgbClr val="FFFFFF"/>
-              </a:solidFill>
-              <a:latin typeface="BN Balls" panose="02000500000000000000" pitchFamily="2" charset="-79"/>
-              <a:cs typeface="BN Balls" panose="02000500000000000000" pitchFamily="2" charset="-79"/>
-            </a:endParaRPr>
-          </a:p>
-        </p:txBody>
-      </p:sp>
-      <p:cxnSp>
-        <p:nvCxnSpPr>
-          <p:cNvPr id="12" name="Straight Connector 11">
-            <a:extLst>
-              <a:ext uri="{FF2B5EF4-FFF2-40B4-BE49-F238E27FC236}">
-                <a16:creationId xmlns:a16="http://schemas.microsoft.com/office/drawing/2014/main" xmlns="" id="{550D2BD1-98F9-412D-905B-3A843EF4078B}"/>
-              </a:ext>
-              <a:ext uri="{C183D7F6-B498-43B3-948B-1728B52AA6E4}">
-                <adec:decorative xmlns:adec="http://schemas.microsoft.com/office/drawing/2017/decorative" xmlns="" val="1"/>
-              </a:ext>
-            </a:extLst>
-          </p:cNvPr>
-          <p:cNvCxnSpPr>
-            <a:cxnSpLocks noGrp="1" noRot="1" noChangeAspect="1" noMove="1" noResize="1" noEditPoints="1" noAdjustHandles="1" noChangeArrowheads="1" noChangeShapeType="1"/>
-          </p:cNvCxnSpPr>
-          <p:nvPr>
-            <p:extLst>
-              <p:ext uri="{386F3935-93C4-4BCD-93E2-E3B085C9AB24}">
-                <p16:designElem xmlns:p16="http://schemas.microsoft.com/office/powerpoint/2015/main" xmlns="" val="1"/>
-              </p:ext>
-            </p:extLst>
-          </p:nvPr>
-        </p:nvCxnSpPr>
-        <p:spPr>
-          <a:xfrm flipV="1">
-            <a:off x="762000" y="2971800"/>
-            <a:ext cx="0" cy="914400"/>
-          </a:xfrm>
-          <a:prstGeom prst="line">
-            <a:avLst/>
-          </a:prstGeom>
-          <a:ln w="19050">
-            <a:solidFill>
-              <a:srgbClr val="FFFFFF">
-                <a:alpha val="80000"/>
-              </a:srgbClr>
-            </a:solidFill>
-          </a:ln>
-        </p:spPr>
-        <p:style>
-          <a:lnRef idx="1">
-            <a:schemeClr val="accent1"/>
-          </a:lnRef>
-          <a:fillRef idx="0">
-            <a:schemeClr val="accent1"/>
-          </a:fillRef>
-          <a:effectRef idx="0">
-            <a:schemeClr val="accent1"/>
-          </a:effectRef>
-          <a:fontRef idx="minor">
-            <a:schemeClr val="tx1"/>
-          </a:fontRef>
-        </p:style>
-      </p:cxnSp>
-      <p:graphicFrame>
-        <p:nvGraphicFramePr>
-          <p:cNvPr id="5" name="מציין מיקום תוכן 2">
-            <a:extLst>
-              <a:ext uri="{FF2B5EF4-FFF2-40B4-BE49-F238E27FC236}">
-                <a16:creationId xmlns:a16="http://schemas.microsoft.com/office/drawing/2014/main" xmlns="" id="{AAA74886-9BB5-4F86-AFC1-410E25361379}"/>
-              </a:ext>
-            </a:extLst>
-          </p:cNvPr>
-          <p:cNvGraphicFramePr>
-            <a:graphicFrameLocks noGrp="1"/>
-          </p:cNvGraphicFramePr>
-          <p:nvPr>
-            <p:ph idx="1"/>
-            <p:extLst>
-              <p:ext uri="{D42A27DB-BD31-4B8C-83A1-F6EECF244321}">
-                <p14:modId xmlns:p14="http://schemas.microsoft.com/office/powerpoint/2010/main" val="580805853"/>
-              </p:ext>
-            </p:extLst>
-          </p:nvPr>
-        </p:nvGraphicFramePr>
-        <p:xfrm>
-          <a:off x="5280025" y="642938"/>
-          <a:ext cx="6269038" cy="5572125"/>
-        </p:xfrm>
-        <a:graphic>
-          <a:graphicData uri="http://schemas.openxmlformats.org/drawingml/2006/diagram">
-            <dgm:relIds xmlns:dgm="http://schemas.openxmlformats.org/drawingml/2006/diagram" xmlns:r="http://schemas.openxmlformats.org/officeDocument/2006/relationships" r:dm="rId2" r:lo="rId3" r:qs="rId4" r:cs="rId5"/>
-          </a:graphicData>
-        </a:graphic>
-      </p:graphicFrame>
-    </p:spTree>
-    <p:extLst>
-      <p:ext uri="{BB962C8B-B14F-4D97-AF65-F5344CB8AC3E}">
-        <p14:creationId xmlns:p14="http://schemas.microsoft.com/office/powerpoint/2010/main" val="825447180"/>
-      </p:ext>
-    </p:extLst>
-  </p:cSld>
-  <p:clrMapOvr>
-    <a:masterClrMapping/>
-  </p:clrMapOvr>
-</p:sld>
-</file>
-
-<file path=ppt/slides/slide20.xml><?xml version="1.0" encoding="utf-8"?>
+<file path=ppt/slides/slide21.xml><?xml version="1.0" encoding="utf-8"?>
 <p:sld xmlns:a="http://schemas.openxmlformats.org/drawingml/2006/main" xmlns:r="http://schemas.openxmlformats.org/officeDocument/2006/relationships" xmlns:p="http://schemas.openxmlformats.org/presentationml/2006/main">
   <p:cSld>
     <p:spTree>
@@ -17721,7 +18130,7 @@
             <a:fld id="{00000000-1234-1234-1234-123412341234}" type="slidenum">
               <a:rPr lang="en"/>
               <a:pPr/>
-              <a:t>20</a:t>
+              <a:t>21</a:t>
             </a:fld>
             <a:endParaRPr/>
           </a:p>
@@ -17732,7 +18141,7 @@
           <p:cNvPr id="6" name="Google Shape;68;p14">
             <a:extLst>
               <a:ext uri="{FF2B5EF4-FFF2-40B4-BE49-F238E27FC236}">
-                <a16:creationId xmlns:a16="http://schemas.microsoft.com/office/drawing/2014/main" xmlns="" id="{FC7E91D9-6C30-4F1E-A12D-F573C1025734}"/>
+                <a16:creationId xmlns="" xmlns:a16="http://schemas.microsoft.com/office/drawing/2014/main" id="{FC7E91D9-6C30-4F1E-A12D-F573C1025734}"/>
               </a:ext>
             </a:extLst>
           </p:cNvPr>
@@ -18110,10 +18519,17 @@
   <p:clrMapOvr>
     <a:masterClrMapping/>
   </p:clrMapOvr>
+  <p:timing>
+    <p:tnLst>
+      <p:par>
+        <p:cTn id="1" dur="indefinite" restart="never" nodeType="tmRoot"/>
+      </p:par>
+    </p:tnLst>
+  </p:timing>
 </p:sld>
 </file>
 
-<file path=ppt/slides/slide21.xml><?xml version="1.0" encoding="utf-8"?>
+<file path=ppt/slides/slide22.xml><?xml version="1.0" encoding="utf-8"?>
 <p:sld xmlns:a="http://schemas.openxmlformats.org/drawingml/2006/main" xmlns:r="http://schemas.openxmlformats.org/officeDocument/2006/relationships" xmlns:p="http://schemas.openxmlformats.org/presentationml/2006/main">
   <p:cSld>
     <p:bg>
@@ -18667,7 +19083,7 @@
             <a:fld id="{00000000-1234-1234-1234-123412341234}" type="slidenum">
               <a:rPr lang="en"/>
               <a:pPr/>
-              <a:t>21</a:t>
+              <a:t>22</a:t>
             </a:fld>
             <a:endParaRPr/>
           </a:p>
@@ -18678,7 +19094,7 @@
           <p:cNvPr id="6" name="Google Shape;68;p14">
             <a:extLst>
               <a:ext uri="{FF2B5EF4-FFF2-40B4-BE49-F238E27FC236}">
-                <a16:creationId xmlns:a16="http://schemas.microsoft.com/office/drawing/2014/main" xmlns="" id="{FC7E91D9-6C30-4F1E-A12D-F573C1025734}"/>
+                <a16:creationId xmlns="" xmlns:a16="http://schemas.microsoft.com/office/drawing/2014/main" id="{FC7E91D9-6C30-4F1E-A12D-F573C1025734}"/>
               </a:ext>
             </a:extLst>
           </p:cNvPr>
@@ -18689,7 +19105,7 @@
         </p:nvSpPr>
         <p:spPr>
           <a:xfrm>
-            <a:off x="1518293" y="2259846"/>
+            <a:off x="941172" y="2244856"/>
             <a:ext cx="4070405" cy="4720800"/>
           </a:xfrm>
           <a:prstGeom prst="rect">
@@ -18939,8 +19355,39 @@
                 <a:latin typeface="BN Barak" panose="02000000000000000000" pitchFamily="2" charset="-79"/>
                 <a:cs typeface="BN Barak" panose="02000000000000000000" pitchFamily="2" charset="-79"/>
               </a:rPr>
-              <a:t>Cloning the project</a:t>
+              <a:t>Cloning the </a:t>
             </a:r>
+            <a:r>
+              <a:rPr lang="en-US" sz="2000" b="1" kern="0" dirty="0" smtClean="0">
+                <a:latin typeface="BN Barak" panose="02000000000000000000" pitchFamily="2" charset="-79"/>
+                <a:cs typeface="BN Barak" panose="02000000000000000000" pitchFamily="2" charset="-79"/>
+              </a:rPr>
+              <a:t>project</a:t>
+            </a:r>
+          </a:p>
+          <a:p>
+            <a:pPr marL="285750" indent="-285750">
+              <a:buFont typeface="Wingdings" panose="05000000000000000000" pitchFamily="2" charset="2"/>
+              <a:buChar char="v"/>
+            </a:pPr>
+            <a:r>
+              <a:rPr lang="en-US" sz="2000" b="1" kern="0" dirty="0" smtClean="0">
+                <a:latin typeface="BN Barak" panose="02000000000000000000" pitchFamily="2" charset="-79"/>
+                <a:cs typeface="BN Barak" panose="02000000000000000000" pitchFamily="2" charset="-79"/>
+              </a:rPr>
+              <a:t>Change current directory to </a:t>
+            </a:r>
+            <a:r>
+              <a:rPr lang="en-US" sz="2000" b="1" kern="0" dirty="0" err="1" smtClean="0">
+                <a:latin typeface="BN Barak" panose="02000000000000000000" pitchFamily="2" charset="-79"/>
+                <a:cs typeface="BN Barak" panose="02000000000000000000" pitchFamily="2" charset="-79"/>
+              </a:rPr>
+              <a:t>src</a:t>
+            </a:r>
+            <a:endParaRPr lang="en-US" sz="2000" b="1" kern="0" dirty="0">
+              <a:latin typeface="BN Barak" panose="02000000000000000000" pitchFamily="2" charset="-79"/>
+              <a:cs typeface="BN Barak" panose="02000000000000000000" pitchFamily="2" charset="-79"/>
+            </a:endParaRPr>
           </a:p>
           <a:p>
             <a:pPr marL="285750" indent="-285750">
@@ -19096,10 +19543,17 @@
   <p:clrMapOvr>
     <a:masterClrMapping/>
   </p:clrMapOvr>
+  <p:timing>
+    <p:tnLst>
+      <p:par>
+        <p:cTn id="1" dur="indefinite" restart="never" nodeType="tmRoot"/>
+      </p:par>
+    </p:tnLst>
+  </p:timing>
 </p:sld>
 </file>
 
-<file path=ppt/slides/slide22.xml><?xml version="1.0" encoding="utf-8"?>
+<file path=ppt/slides/slide23.xml><?xml version="1.0" encoding="utf-8"?>
 <p:sld xmlns:a="http://schemas.openxmlformats.org/drawingml/2006/main" xmlns:r="http://schemas.openxmlformats.org/officeDocument/2006/relationships" xmlns:p="http://schemas.openxmlformats.org/presentationml/2006/main">
   <p:cSld>
     <p:bg>
@@ -19158,7 +19612,7 @@
               <a:pPr>
                 <a:buSzPts val="1100"/>
               </a:pPr>
-              <a:t>22</a:t>
+              <a:t>23</a:t>
             </a:fld>
             <a:endParaRPr/>
           </a:p>
@@ -19773,10 +20227,17 @@
   <p:clrMapOvr>
     <a:masterClrMapping/>
   </p:clrMapOvr>
+  <p:timing>
+    <p:tnLst>
+      <p:par>
+        <p:cTn id="1" dur="indefinite" restart="never" nodeType="tmRoot"/>
+      </p:par>
+    </p:tnLst>
+  </p:timing>
 </p:sld>
 </file>
 
-<file path=ppt/slides/slide23.xml><?xml version="1.0" encoding="utf-8"?>
+<file path=ppt/slides/slide24.xml><?xml version="1.0" encoding="utf-8"?>
 <p:sld xmlns:a="http://schemas.openxmlformats.org/drawingml/2006/main" xmlns:r="http://schemas.openxmlformats.org/officeDocument/2006/relationships" xmlns:p="http://schemas.openxmlformats.org/presentationml/2006/main">
   <p:cSld>
     <p:bg>
@@ -19833,7 +20294,7 @@
             <a:fld id="{00000000-1234-1234-1234-123412341234}" type="slidenum">
               <a:rPr lang="en"/>
               <a:pPr/>
-              <a:t>23</a:t>
+              <a:t>24</a:t>
             </a:fld>
             <a:endParaRPr/>
           </a:p>
@@ -21530,6 +21991,13 @@
   <p:clrMapOvr>
     <a:masterClrMapping/>
   </p:clrMapOvr>
+  <p:timing>
+    <p:tnLst>
+      <p:par>
+        <p:cTn id="1" dur="indefinite" restart="never" nodeType="tmRoot"/>
+      </p:par>
+    </p:tnLst>
+  </p:timing>
 </p:sld>
 </file>
 
@@ -22005,6 +22473,13 @@
   <p:clrMapOvr>
     <a:masterClrMapping/>
   </p:clrMapOvr>
+  <p:timing>
+    <p:tnLst>
+      <p:par>
+        <p:cTn id="1" dur="indefinite" restart="never" nodeType="tmRoot"/>
+      </p:par>
+    </p:tnLst>
+  </p:timing>
 </p:sld>
 </file>
 
@@ -33234,6 +33709,13 @@
   <p:clrMapOvr>
     <a:masterClrMapping/>
   </p:clrMapOvr>
+  <p:timing>
+    <p:tnLst>
+      <p:par>
+        <p:cTn id="1" dur="indefinite" restart="never" nodeType="tmRoot"/>
+      </p:par>
+    </p:tnLst>
+  </p:timing>
 </p:sld>
 </file>
 
@@ -33406,6 +33888,13 @@
   <p:clrMapOvr>
     <a:masterClrMapping/>
   </p:clrMapOvr>
+  <p:timing>
+    <p:tnLst>
+      <p:par>
+        <p:cTn id="1" dur="indefinite" restart="never" nodeType="tmRoot"/>
+      </p:par>
+    </p:tnLst>
+  </p:timing>
 </p:sld>
 </file>
 
@@ -33578,6 +34067,13 @@
   <p:clrMapOvr>
     <a:masterClrMapping/>
   </p:clrMapOvr>
+  <p:timing>
+    <p:tnLst>
+      <p:par>
+        <p:cTn id="1" dur="indefinite" restart="never" nodeType="tmRoot"/>
+      </p:par>
+    </p:tnLst>
+  </p:timing>
 </p:sld>
 </file>
 
@@ -33603,10 +34099,10 @@
           <p:cNvPr id="8" name="Rectangle 7">
             <a:extLst>
               <a:ext uri="{FF2B5EF4-FFF2-40B4-BE49-F238E27FC236}">
-                <a16:creationId xmlns:a16="http://schemas.microsoft.com/office/drawing/2014/main" xmlns="" id="{23962611-DFD5-4092-AAFD-559E3DFCE2C9}"/>
+                <a16:creationId xmlns="" xmlns:a16="http://schemas.microsoft.com/office/drawing/2014/main" id="{23962611-DFD5-4092-AAFD-559E3DFCE2C9}"/>
               </a:ext>
               <a:ext uri="{C183D7F6-B498-43B3-948B-1728B52AA6E4}">
-                <adec:decorative xmlns:adec="http://schemas.microsoft.com/office/drawing/2017/decorative" xmlns="" val="1"/>
+                <adec:decorative xmlns="" xmlns:adec="http://schemas.microsoft.com/office/drawing/2017/decorative" val="1"/>
               </a:ext>
             </a:extLst>
           </p:cNvPr>
@@ -33616,7 +34112,7 @@
           <p:nvPr>
             <p:extLst>
               <p:ext uri="{386F3935-93C4-4BCD-93E2-E3B085C9AB24}">
-                <p16:designElem xmlns:p16="http://schemas.microsoft.com/office/powerpoint/2015/main" xmlns="" val="1"/>
+                <p16:designElem xmlns="" xmlns:p16="http://schemas.microsoft.com/office/powerpoint/2015/main" val="1"/>
               </p:ext>
             </p:extLst>
           </p:nvPr>
@@ -33688,10 +34184,10 @@
           <p:cNvPr id="10" name="Picture 9">
             <a:extLst>
               <a:ext uri="{FF2B5EF4-FFF2-40B4-BE49-F238E27FC236}">
-                <a16:creationId xmlns:a16="http://schemas.microsoft.com/office/drawing/2014/main" xmlns="" id="{2270F1FA-0425-408F-9861-80BF5AFB276D}"/>
+                <a16:creationId xmlns="" xmlns:a16="http://schemas.microsoft.com/office/drawing/2014/main" id="{2270F1FA-0425-408F-9861-80BF5AFB276D}"/>
               </a:ext>
               <a:ext uri="{C183D7F6-B498-43B3-948B-1728B52AA6E4}">
-                <adec:decorative xmlns:adec="http://schemas.microsoft.com/office/drawing/2017/decorative" xmlns="" val="1"/>
+                <adec:decorative xmlns="" xmlns:adec="http://schemas.microsoft.com/office/drawing/2017/decorative" val="1"/>
               </a:ext>
             </a:extLst>
           </p:cNvPr>
@@ -33701,7 +34197,7 @@
           <p:nvPr>
             <p:extLst>
               <p:ext uri="{386F3935-93C4-4BCD-93E2-E3B085C9AB24}">
-                <p16:designElem xmlns:p16="http://schemas.microsoft.com/office/powerpoint/2015/main" xmlns="" val="1"/>
+                <p16:designElem xmlns="" xmlns:p16="http://schemas.microsoft.com/office/powerpoint/2015/main" val="1"/>
               </p:ext>
             </p:extLst>
           </p:nvPr>
@@ -33733,7 +34229,7 @@
           <p:cNvPr id="2" name="כותרת 1">
             <a:extLst>
               <a:ext uri="{FF2B5EF4-FFF2-40B4-BE49-F238E27FC236}">
-                <a16:creationId xmlns:a16="http://schemas.microsoft.com/office/drawing/2014/main" xmlns="" id="{1C0DC20E-400E-4C3E-BF17-A3CDCFCE20BB}"/>
+                <a16:creationId xmlns="" xmlns:a16="http://schemas.microsoft.com/office/drawing/2014/main" id="{1C0DC20E-400E-4C3E-BF17-A3CDCFCE20BB}"/>
               </a:ext>
             </a:extLst>
           </p:cNvPr>
@@ -33786,6 +34282,13 @@
   <p:clrMapOvr>
     <a:masterClrMapping/>
   </p:clrMapOvr>
+  <p:timing>
+    <p:tnLst>
+      <p:par>
+        <p:cTn id="1" dur="indefinite" restart="never" nodeType="tmRoot"/>
+      </p:par>
+    </p:tnLst>
+  </p:timing>
 </p:sld>
 </file>
 
@@ -34027,15 +34530,38 @@
   <p:clrMapOvr>
     <a:masterClrMapping/>
   </p:clrMapOvr>
+  <p:timing>
+    <p:tnLst>
+      <p:par>
+        <p:cTn id="1" dur="indefinite" restart="never" nodeType="tmRoot"/>
+      </p:par>
+    </p:tnLst>
+  </p:timing>
 </p:sld>
 </file>
 
 <file path=ppt/slides/slide9.xml><?xml version="1.0" encoding="utf-8"?>
 <p:sld xmlns:a="http://schemas.openxmlformats.org/drawingml/2006/main" xmlns:r="http://schemas.openxmlformats.org/officeDocument/2006/relationships" xmlns:p="http://schemas.openxmlformats.org/presentationml/2006/main">
   <p:cSld>
+    <p:bg>
+      <p:bgPr>
+        <a:gradFill>
+          <a:gsLst>
+            <a:gs pos="38000">
+              <a:srgbClr val="7030A0"/>
+            </a:gs>
+            <a:gs pos="100000">
+              <a:srgbClr val="B8DF32"/>
+            </a:gs>
+          </a:gsLst>
+          <a:lin ang="5400012" scaled="0"/>
+        </a:gradFill>
+        <a:effectLst/>
+      </p:bgPr>
+    </p:bg>
     <p:spTree>
       <p:nvGrpSpPr>
-        <p:cNvPr id="1" name=""/>
+        <p:cNvPr id="1" name="Shape 75"/>
         <p:cNvGrpSpPr/>
         <p:nvPr/>
       </p:nvGrpSpPr>
@@ -34049,178 +34575,104 @@
       </p:grpSpPr>
       <p:sp>
         <p:nvSpPr>
-          <p:cNvPr id="8" name="Rectangle 7">
-            <a:extLst>
-              <a:ext uri="{FF2B5EF4-FFF2-40B4-BE49-F238E27FC236}">
-                <a16:creationId xmlns:a16="http://schemas.microsoft.com/office/drawing/2014/main" xmlns="" id="{23962611-DFD5-4092-AAFD-559E3DFCE2C9}"/>
-              </a:ext>
-              <a:ext uri="{C183D7F6-B498-43B3-948B-1728B52AA6E4}">
-                <adec:decorative xmlns:adec="http://schemas.microsoft.com/office/drawing/2017/decorative" xmlns="" val="1"/>
-              </a:ext>
-            </a:extLst>
-          </p:cNvPr>
-          <p:cNvSpPr>
-            <a:spLocks noGrp="1" noRot="1" noChangeAspect="1" noMove="1" noResize="1" noEditPoints="1" noAdjustHandles="1" noChangeArrowheads="1" noChangeShapeType="1" noTextEdit="1"/>
+          <p:cNvPr id="79" name="Google Shape;79;p15"/>
+          <p:cNvSpPr txBox="1">
+            <a:spLocks noGrp="1"/>
           </p:cNvSpPr>
           <p:nvPr>
-            <p:extLst>
-              <p:ext uri="{386F3935-93C4-4BCD-93E2-E3B085C9AB24}">
-                <p16:designElem xmlns:p16="http://schemas.microsoft.com/office/powerpoint/2015/main" xmlns="" val="1"/>
-              </p:ext>
-            </p:extLst>
+            <p:ph type="sldNum" idx="12"/>
           </p:nvPr>
         </p:nvSpPr>
         <p:spPr>
+          <a:prstGeom prst="rect">
+            <a:avLst/>
+          </a:prstGeom>
+        </p:spPr>
+        <p:txBody>
+          <a:bodyPr spcFirstLastPara="1" wrap="square" lIns="0" tIns="0" rIns="0" bIns="0" anchor="ctr" anchorCtr="0">
+            <a:noAutofit/>
+          </a:bodyPr>
+          <a:lstStyle/>
+          <a:p>
+            <a:fld id="{00000000-1234-1234-1234-123412341234}" type="slidenum">
+              <a:rPr lang="en"/>
+              <a:pPr/>
+              <a:t>9</a:t>
+            </a:fld>
+            <a:endParaRPr/>
+          </a:p>
+        </p:txBody>
+      </p:sp>
+      <p:sp>
+        <p:nvSpPr>
+          <p:cNvPr id="5" name="TextBox 4"/>
+          <p:cNvSpPr txBox="1"/>
+          <p:nvPr/>
+        </p:nvSpPr>
+        <p:spPr>
           <a:xfrm>
-            <a:off x="475488" y="0"/>
-            <a:ext cx="10910292" cy="6858000"/>
+            <a:off x="790680" y="1443589"/>
+            <a:ext cx="9404215" cy="1384995"/>
           </a:xfrm>
           <a:prstGeom prst="rect">
             <a:avLst/>
           </a:prstGeom>
-          <a:gradFill>
-            <a:gsLst>
-              <a:gs pos="0">
-                <a:schemeClr val="accent1">
-                  <a:lumMod val="90000"/>
-                </a:schemeClr>
-              </a:gs>
-              <a:gs pos="25000">
-                <a:schemeClr val="accent1">
-                  <a:lumMod val="90000"/>
-                </a:schemeClr>
-              </a:gs>
-              <a:gs pos="94000">
-                <a:schemeClr val="bg2">
-                  <a:lumMod val="25000"/>
-                </a:schemeClr>
-              </a:gs>
-              <a:gs pos="100000">
-                <a:schemeClr val="bg2">
-                  <a:lumMod val="25000"/>
-                </a:schemeClr>
-              </a:gs>
-            </a:gsLst>
-            <a:lin ang="4200000" scaled="0"/>
-          </a:gradFill>
-          <a:ln>
-            <a:noFill/>
-          </a:ln>
-        </p:spPr>
-        <p:style>
-          <a:lnRef idx="2">
-            <a:schemeClr val="accent1">
-              <a:shade val="50000"/>
-            </a:schemeClr>
-          </a:lnRef>
-          <a:fillRef idx="1">
-            <a:schemeClr val="accent1"/>
-          </a:fillRef>
-          <a:effectRef idx="0">
-            <a:schemeClr val="accent1"/>
-          </a:effectRef>
-          <a:fontRef idx="minor">
-            <a:schemeClr val="lt1"/>
-          </a:fontRef>
-        </p:style>
-        <p:txBody>
-          <a:bodyPr rtlCol="0" anchor="ctr"/>
-          <a:lstStyle/>
-          <a:p>
-            <a:pPr algn="ctr"/>
-            <a:endParaRPr lang="en-US"/>
-          </a:p>
-        </p:txBody>
-      </p:sp>
-      <p:pic>
-        <p:nvPicPr>
-          <p:cNvPr id="10" name="Picture 9">
-            <a:extLst>
-              <a:ext uri="{FF2B5EF4-FFF2-40B4-BE49-F238E27FC236}">
-                <a16:creationId xmlns:a16="http://schemas.microsoft.com/office/drawing/2014/main" xmlns="" id="{2270F1FA-0425-408F-9861-80BF5AFB276D}"/>
-              </a:ext>
-              <a:ext uri="{C183D7F6-B498-43B3-948B-1728B52AA6E4}">
-                <adec:decorative xmlns:adec="http://schemas.microsoft.com/office/drawing/2017/decorative" xmlns="" val="1"/>
-              </a:ext>
-            </a:extLst>
-          </p:cNvPr>
-          <p:cNvPicPr>
-            <a:picLocks noGrp="1" noRot="1" noChangeAspect="1" noMove="1" noResize="1" noEditPoints="1" noAdjustHandles="1" noChangeArrowheads="1" noChangeShapeType="1" noCrop="1"/>
-          </p:cNvPicPr>
-          <p:nvPr>
-            <p:extLst>
-              <p:ext uri="{386F3935-93C4-4BCD-93E2-E3B085C9AB24}">
-                <p16:designElem xmlns:p16="http://schemas.microsoft.com/office/powerpoint/2015/main" xmlns="" val="1"/>
-              </p:ext>
-            </p:extLst>
-          </p:nvPr>
-        </p:nvPicPr>
-        <p:blipFill>
-          <a:blip r:embed="rId2">
-            <a:extLst>
-              <a:ext uri="{28A0092B-C50C-407E-A947-70E740481C1C}">
-                <a14:useLocalDpi xmlns:a14="http://schemas.microsoft.com/office/drawing/2010/main" val="0"/>
-              </a:ext>
-            </a:extLst>
-          </a:blip>
-          <a:stretch>
-            <a:fillRect/>
-          </a:stretch>
-        </p:blipFill>
-        <p:spPr>
-          <a:xfrm>
-            <a:off x="0" y="0"/>
-            <a:ext cx="12192000" cy="6858000"/>
-          </a:xfrm>
-          <a:prstGeom prst="rect">
-            <a:avLst/>
-          </a:prstGeom>
-        </p:spPr>
-      </p:pic>
-      <p:sp>
-        <p:nvSpPr>
-          <p:cNvPr id="2" name="כותרת 1">
-            <a:extLst>
-              <a:ext uri="{FF2B5EF4-FFF2-40B4-BE49-F238E27FC236}">
-                <a16:creationId xmlns:a16="http://schemas.microsoft.com/office/drawing/2014/main" xmlns="" id="{1C0DC20E-400E-4C3E-BF17-A3CDCFCE20BB}"/>
-              </a:ext>
-            </a:extLst>
-          </p:cNvPr>
-          <p:cNvSpPr>
-            <a:spLocks noGrp="1"/>
-          </p:cNvSpPr>
-          <p:nvPr>
-            <p:ph type="ctrTitle"/>
-          </p:nvPr>
-        </p:nvSpPr>
-        <p:spPr>
-          <a:xfrm>
-            <a:off x="2878037" y="2470882"/>
-            <a:ext cx="6105194" cy="2031055"/>
-          </a:xfrm>
+          <a:noFill/>
         </p:spPr>
         <p:txBody>
-          <a:bodyPr>
-            <a:noAutofit/>
+          <a:bodyPr wrap="square" rtlCol="1">
+            <a:spAutoFit/>
           </a:bodyPr>
           <a:lstStyle/>
           <a:p>
+            <a:pPr marL="457200" indent="-457200" algn="l" rtl="0">
+              <a:buFont typeface="Arial" panose="020B0604020202020204" pitchFamily="34" charset="0"/>
+              <a:buChar char="•"/>
+              <a:tabLst>
+                <a:tab pos="5743575" algn="l"/>
+              </a:tabLst>
+            </a:pPr>
             <a:r>
-              <a:rPr lang="en-US" sz="13800" b="1" dirty="0">
+              <a:rPr lang="en-US" sz="2800" dirty="0" smtClean="0">
+                <a:ln>
+                  <a:solidFill>
+                    <a:prstClr val="white"/>
+                  </a:solidFill>
+                </a:ln>
                 <a:solidFill>
-                  <a:srgbClr val="FFFFFF"/>
+                  <a:prstClr val="white"/>
                 </a:solidFill>
-                <a:latin typeface="Open Sans Hebrew Light" panose="00000400000000000000" pitchFamily="2" charset="-79"/>
-                <a:cs typeface="Open Sans Hebrew Light" panose="00000400000000000000" pitchFamily="2" charset="-79"/>
+                <a:latin typeface="Microsoft YaHei UI Light" panose="020B0502040204020203" pitchFamily="34" charset="-122"/>
+                <a:ea typeface="Microsoft YaHei UI Light" panose="020B0502040204020203" pitchFamily="34" charset="-122"/>
               </a:rPr>
-              <a:t>Parts</a:t>
+              <a:t>Because of max gas limit issues, not all functionalities currently working, hopefully will be fixed until </a:t>
             </a:r>
-            <a:endParaRPr lang="he-IL" sz="13800" dirty="0">
+            <a:r>
+              <a:rPr lang="en-US" sz="2800" smtClean="0">
+                <a:ln>
+                  <a:solidFill>
+                    <a:prstClr val="white"/>
+                  </a:solidFill>
+                </a:ln>
+                <a:solidFill>
+                  <a:prstClr val="white"/>
+                </a:solidFill>
+                <a:latin typeface="Microsoft YaHei UI Light" panose="020B0502040204020203" pitchFamily="34" charset="-122"/>
+                <a:ea typeface="Microsoft YaHei UI Light" panose="020B0502040204020203" pitchFamily="34" charset="-122"/>
+              </a:rPr>
+              <a:t>next class. </a:t>
+            </a:r>
+            <a:endParaRPr lang="he-IL" sz="2800" dirty="0">
+              <a:ln>
+                <a:solidFill>
+                  <a:prstClr val="white"/>
+                </a:solidFill>
+              </a:ln>
               <a:solidFill>
-                <a:srgbClr val="FFFFFF"/>
+                <a:prstClr val="white"/>
               </a:solidFill>
-              <a:latin typeface="Open Sans Hebrew Light" panose="00000400000000000000" pitchFamily="2" charset="-79"/>
-              <a:cs typeface="Open Sans Hebrew Light" panose="00000400000000000000" pitchFamily="2" charset="-79"/>
+              <a:latin typeface="Microsoft YaHei UI Light" panose="020B0502040204020203" pitchFamily="34" charset="-122"/>
+              <a:ea typeface="Microsoft YaHei UI Light" panose="020B0502040204020203" pitchFamily="34" charset="-122"/>
             </a:endParaRPr>
           </a:p>
         </p:txBody>
@@ -34228,13 +34680,20 @@
     </p:spTree>
     <p:extLst>
       <p:ext uri="{BB962C8B-B14F-4D97-AF65-F5344CB8AC3E}">
-        <p14:creationId xmlns:p14="http://schemas.microsoft.com/office/powerpoint/2010/main" val="1948164079"/>
+        <p14:creationId xmlns:p14="http://schemas.microsoft.com/office/powerpoint/2010/main" val="981902681"/>
       </p:ext>
     </p:extLst>
   </p:cSld>
   <p:clrMapOvr>
     <a:masterClrMapping/>
   </p:clrMapOvr>
+  <p:timing>
+    <p:tnLst>
+      <p:par>
+        <p:cTn id="1" dur="indefinite" restart="never" nodeType="tmRoot"/>
+      </p:par>
+    </p:tnLst>
+  </p:timing>
 </p:sld>
 </file>
 
